--- a/Spark阅读源码的笔记.pptx
+++ b/Spark阅读源码的笔记.pptx
@@ -4,6 +4,9 @@
   <p:sldMasterIdLst>
     <p:sldMasterId id="2147483648" r:id="rId1"/>
   </p:sldMasterIdLst>
+  <p:notesMasterIdLst>
+    <p:notesMasterId r:id="rId32"/>
+  </p:notesMasterIdLst>
   <p:sldIdLst>
     <p:sldId id="256" r:id="rId2"/>
     <p:sldId id="257" r:id="rId3"/>
@@ -14,23 +17,27 @@
     <p:sldId id="262" r:id="rId8"/>
     <p:sldId id="263" r:id="rId9"/>
     <p:sldId id="264" r:id="rId10"/>
-    <p:sldId id="265" r:id="rId11"/>
-    <p:sldId id="266" r:id="rId12"/>
-    <p:sldId id="267" r:id="rId13"/>
-    <p:sldId id="268" r:id="rId14"/>
-    <p:sldId id="269" r:id="rId15"/>
-    <p:sldId id="270" r:id="rId16"/>
-    <p:sldId id="271" r:id="rId17"/>
-    <p:sldId id="272" r:id="rId18"/>
-    <p:sldId id="273" r:id="rId19"/>
-    <p:sldId id="274" r:id="rId20"/>
-    <p:sldId id="275" r:id="rId21"/>
-    <p:sldId id="276" r:id="rId22"/>
-    <p:sldId id="277" r:id="rId23"/>
-    <p:sldId id="278" r:id="rId24"/>
-    <p:sldId id="279" r:id="rId25"/>
-    <p:sldId id="280" r:id="rId26"/>
-    <p:sldId id="281" r:id="rId27"/>
+    <p:sldId id="266" r:id="rId11"/>
+    <p:sldId id="285" r:id="rId12"/>
+    <p:sldId id="282" r:id="rId13"/>
+    <p:sldId id="283" r:id="rId14"/>
+    <p:sldId id="284" r:id="rId15"/>
+    <p:sldId id="267" r:id="rId16"/>
+    <p:sldId id="268" r:id="rId17"/>
+    <p:sldId id="265" r:id="rId18"/>
+    <p:sldId id="269" r:id="rId19"/>
+    <p:sldId id="270" r:id="rId20"/>
+    <p:sldId id="271" r:id="rId21"/>
+    <p:sldId id="272" r:id="rId22"/>
+    <p:sldId id="273" r:id="rId23"/>
+    <p:sldId id="274" r:id="rId24"/>
+    <p:sldId id="275" r:id="rId25"/>
+    <p:sldId id="276" r:id="rId26"/>
+    <p:sldId id="277" r:id="rId27"/>
+    <p:sldId id="278" r:id="rId28"/>
+    <p:sldId id="279" r:id="rId29"/>
+    <p:sldId id="280" r:id="rId30"/>
+    <p:sldId id="281" r:id="rId31"/>
   </p:sldIdLst>
   <p:sldSz cx="12192000" cy="6858000"/>
   <p:notesSz cx="6858000" cy="9144000"/>
@@ -137,6 +144,440 @@
 </p:presentation>
 </file>
 
+<file path=ppt/notesMasters/notesMaster1.xml><?xml version="1.0" encoding="utf-8"?>
+<p:notesMaster xmlns:a="http://schemas.openxmlformats.org/drawingml/2006/main" xmlns:r="http://schemas.openxmlformats.org/officeDocument/2006/relationships" xmlns:p="http://schemas.openxmlformats.org/presentationml/2006/main">
+  <p:cSld>
+    <p:bg>
+      <p:bgRef idx="1001">
+        <a:schemeClr val="bg1"/>
+      </p:bgRef>
+    </p:bg>
+    <p:spTree>
+      <p:nvGrpSpPr>
+        <p:cNvPr id="1" name=""/>
+        <p:cNvGrpSpPr/>
+        <p:nvPr/>
+      </p:nvGrpSpPr>
+      <p:grpSpPr>
+        <a:xfrm>
+          <a:off x="0" y="0"/>
+          <a:ext cx="0" cy="0"/>
+          <a:chOff x="0" y="0"/>
+          <a:chExt cx="0" cy="0"/>
+        </a:xfrm>
+      </p:grpSpPr>
+      <p:sp>
+        <p:nvSpPr>
+          <p:cNvPr id="2" name="页眉占位符 1"/>
+          <p:cNvSpPr>
+            <a:spLocks noGrp="1"/>
+          </p:cNvSpPr>
+          <p:nvPr>
+            <p:ph type="hdr" sz="quarter"/>
+          </p:nvPr>
+        </p:nvSpPr>
+        <p:spPr>
+          <a:xfrm>
+            <a:off x="0" y="0"/>
+            <a:ext cx="2971800" cy="458788"/>
+          </a:xfrm>
+          <a:prstGeom prst="rect">
+            <a:avLst/>
+          </a:prstGeom>
+        </p:spPr>
+        <p:txBody>
+          <a:bodyPr vert="horz" lIns="91440" tIns="45720" rIns="91440" bIns="45720" rtlCol="0"/>
+          <a:lstStyle>
+            <a:lvl1pPr algn="l">
+              <a:defRPr sz="1200"/>
+            </a:lvl1pPr>
+          </a:lstStyle>
+          <a:p>
+            <a:endParaRPr lang="zh-CN" altLang="en-US"/>
+          </a:p>
+        </p:txBody>
+      </p:sp>
+      <p:sp>
+        <p:nvSpPr>
+          <p:cNvPr id="3" name="日期占位符 2"/>
+          <p:cNvSpPr>
+            <a:spLocks noGrp="1"/>
+          </p:cNvSpPr>
+          <p:nvPr>
+            <p:ph type="dt" idx="1"/>
+          </p:nvPr>
+        </p:nvSpPr>
+        <p:spPr>
+          <a:xfrm>
+            <a:off x="3884613" y="0"/>
+            <a:ext cx="2971800" cy="458788"/>
+          </a:xfrm>
+          <a:prstGeom prst="rect">
+            <a:avLst/>
+          </a:prstGeom>
+        </p:spPr>
+        <p:txBody>
+          <a:bodyPr vert="horz" lIns="91440" tIns="45720" rIns="91440" bIns="45720" rtlCol="0"/>
+          <a:lstStyle>
+            <a:lvl1pPr algn="r">
+              <a:defRPr sz="1200"/>
+            </a:lvl1pPr>
+          </a:lstStyle>
+          <a:p>
+            <a:fld id="{E79BCF29-52E9-4B6F-BE17-814B78939943}" type="datetimeFigureOut">
+              <a:rPr lang="zh-CN" altLang="en-US" smtClean="0"/>
+              <a:t>2017/4/4</a:t>
+            </a:fld>
+            <a:endParaRPr lang="zh-CN" altLang="en-US"/>
+          </a:p>
+        </p:txBody>
+      </p:sp>
+      <p:sp>
+        <p:nvSpPr>
+          <p:cNvPr id="4" name="幻灯片图像占位符 3"/>
+          <p:cNvSpPr>
+            <a:spLocks noGrp="1" noRot="1" noChangeAspect="1"/>
+          </p:cNvSpPr>
+          <p:nvPr>
+            <p:ph type="sldImg" idx="2"/>
+          </p:nvPr>
+        </p:nvSpPr>
+        <p:spPr>
+          <a:xfrm>
+            <a:off x="685800" y="1143000"/>
+            <a:ext cx="5486400" cy="3086100"/>
+          </a:xfrm>
+          <a:prstGeom prst="rect">
+            <a:avLst/>
+          </a:prstGeom>
+          <a:noFill/>
+          <a:ln w="12700">
+            <a:solidFill>
+              <a:prstClr val="black"/>
+            </a:solidFill>
+          </a:ln>
+        </p:spPr>
+        <p:txBody>
+          <a:bodyPr vert="horz" lIns="91440" tIns="45720" rIns="91440" bIns="45720" rtlCol="0" anchor="ctr"/>
+          <a:lstStyle/>
+          <a:p>
+            <a:endParaRPr lang="zh-CN" altLang="en-US"/>
+          </a:p>
+        </p:txBody>
+      </p:sp>
+      <p:sp>
+        <p:nvSpPr>
+          <p:cNvPr id="5" name="备注占位符 4"/>
+          <p:cNvSpPr>
+            <a:spLocks noGrp="1"/>
+          </p:cNvSpPr>
+          <p:nvPr>
+            <p:ph type="body" sz="quarter" idx="3"/>
+          </p:nvPr>
+        </p:nvSpPr>
+        <p:spPr>
+          <a:xfrm>
+            <a:off x="685800" y="4400550"/>
+            <a:ext cx="5486400" cy="3600450"/>
+          </a:xfrm>
+          <a:prstGeom prst="rect">
+            <a:avLst/>
+          </a:prstGeom>
+        </p:spPr>
+        <p:txBody>
+          <a:bodyPr vert="horz" lIns="91440" tIns="45720" rIns="91440" bIns="45720" rtlCol="0"/>
+          <a:lstStyle/>
+          <a:p>
+            <a:pPr lvl="0"/>
+            <a:r>
+              <a:rPr lang="zh-CN" altLang="en-US" smtClean="0"/>
+              <a:t>单击此处编辑母版文本样式</a:t>
+            </a:r>
+          </a:p>
+          <a:p>
+            <a:pPr lvl="1"/>
+            <a:r>
+              <a:rPr lang="zh-CN" altLang="en-US" smtClean="0"/>
+              <a:t>第二级</a:t>
+            </a:r>
+          </a:p>
+          <a:p>
+            <a:pPr lvl="2"/>
+            <a:r>
+              <a:rPr lang="zh-CN" altLang="en-US" smtClean="0"/>
+              <a:t>第三级</a:t>
+            </a:r>
+          </a:p>
+          <a:p>
+            <a:pPr lvl="3"/>
+            <a:r>
+              <a:rPr lang="zh-CN" altLang="en-US" smtClean="0"/>
+              <a:t>第四级</a:t>
+            </a:r>
+          </a:p>
+          <a:p>
+            <a:pPr lvl="4"/>
+            <a:r>
+              <a:rPr lang="zh-CN" altLang="en-US" smtClean="0"/>
+              <a:t>第五级</a:t>
+            </a:r>
+            <a:endParaRPr lang="zh-CN" altLang="en-US"/>
+          </a:p>
+        </p:txBody>
+      </p:sp>
+      <p:sp>
+        <p:nvSpPr>
+          <p:cNvPr id="6" name="页脚占位符 5"/>
+          <p:cNvSpPr>
+            <a:spLocks noGrp="1"/>
+          </p:cNvSpPr>
+          <p:nvPr>
+            <p:ph type="ftr" sz="quarter" idx="4"/>
+          </p:nvPr>
+        </p:nvSpPr>
+        <p:spPr>
+          <a:xfrm>
+            <a:off x="0" y="8685213"/>
+            <a:ext cx="2971800" cy="458787"/>
+          </a:xfrm>
+          <a:prstGeom prst="rect">
+            <a:avLst/>
+          </a:prstGeom>
+        </p:spPr>
+        <p:txBody>
+          <a:bodyPr vert="horz" lIns="91440" tIns="45720" rIns="91440" bIns="45720" rtlCol="0" anchor="b"/>
+          <a:lstStyle>
+            <a:lvl1pPr algn="l">
+              <a:defRPr sz="1200"/>
+            </a:lvl1pPr>
+          </a:lstStyle>
+          <a:p>
+            <a:endParaRPr lang="zh-CN" altLang="en-US"/>
+          </a:p>
+        </p:txBody>
+      </p:sp>
+      <p:sp>
+        <p:nvSpPr>
+          <p:cNvPr id="7" name="灯片编号占位符 6"/>
+          <p:cNvSpPr>
+            <a:spLocks noGrp="1"/>
+          </p:cNvSpPr>
+          <p:nvPr>
+            <p:ph type="sldNum" sz="quarter" idx="5"/>
+          </p:nvPr>
+        </p:nvSpPr>
+        <p:spPr>
+          <a:xfrm>
+            <a:off x="3884613" y="8685213"/>
+            <a:ext cx="2971800" cy="458787"/>
+          </a:xfrm>
+          <a:prstGeom prst="rect">
+            <a:avLst/>
+          </a:prstGeom>
+        </p:spPr>
+        <p:txBody>
+          <a:bodyPr vert="horz" lIns="91440" tIns="45720" rIns="91440" bIns="45720" rtlCol="0" anchor="b"/>
+          <a:lstStyle>
+            <a:lvl1pPr algn="r">
+              <a:defRPr sz="1200"/>
+            </a:lvl1pPr>
+          </a:lstStyle>
+          <a:p>
+            <a:fld id="{F8957E2C-20B6-4ABE-B68C-98AB9259DA1C}" type="slidenum">
+              <a:rPr lang="zh-CN" altLang="en-US" smtClean="0"/>
+              <a:t>‹#›</a:t>
+            </a:fld>
+            <a:endParaRPr lang="zh-CN" altLang="en-US"/>
+          </a:p>
+        </p:txBody>
+      </p:sp>
+    </p:spTree>
+    <p:extLst>
+      <p:ext uri="{BB962C8B-B14F-4D97-AF65-F5344CB8AC3E}">
+        <p14:creationId xmlns:p14="http://schemas.microsoft.com/office/powerpoint/2010/main" val="62233291"/>
+      </p:ext>
+    </p:extLst>
+  </p:cSld>
+  <p:clrMap bg1="lt1" tx1="dk1" bg2="lt2" tx2="dk2" accent1="accent1" accent2="accent2" accent3="accent3" accent4="accent4" accent5="accent5" accent6="accent6" hlink="hlink" folHlink="folHlink"/>
+  <p:notesStyle>
+    <a:lvl1pPr marL="0" algn="l" defTabSz="914400" rtl="0" eaLnBrk="1" latinLnBrk="0" hangingPunct="1">
+      <a:defRPr sz="1200" kern="1200">
+        <a:solidFill>
+          <a:schemeClr val="tx1"/>
+        </a:solidFill>
+        <a:latin typeface="+mn-lt"/>
+        <a:ea typeface="+mn-ea"/>
+        <a:cs typeface="+mn-cs"/>
+      </a:defRPr>
+    </a:lvl1pPr>
+    <a:lvl2pPr marL="457200" algn="l" defTabSz="914400" rtl="0" eaLnBrk="1" latinLnBrk="0" hangingPunct="1">
+      <a:defRPr sz="1200" kern="1200">
+        <a:solidFill>
+          <a:schemeClr val="tx1"/>
+        </a:solidFill>
+        <a:latin typeface="+mn-lt"/>
+        <a:ea typeface="+mn-ea"/>
+        <a:cs typeface="+mn-cs"/>
+      </a:defRPr>
+    </a:lvl2pPr>
+    <a:lvl3pPr marL="914400" algn="l" defTabSz="914400" rtl="0" eaLnBrk="1" latinLnBrk="0" hangingPunct="1">
+      <a:defRPr sz="1200" kern="1200">
+        <a:solidFill>
+          <a:schemeClr val="tx1"/>
+        </a:solidFill>
+        <a:latin typeface="+mn-lt"/>
+        <a:ea typeface="+mn-ea"/>
+        <a:cs typeface="+mn-cs"/>
+      </a:defRPr>
+    </a:lvl3pPr>
+    <a:lvl4pPr marL="1371600" algn="l" defTabSz="914400" rtl="0" eaLnBrk="1" latinLnBrk="0" hangingPunct="1">
+      <a:defRPr sz="1200" kern="1200">
+        <a:solidFill>
+          <a:schemeClr val="tx1"/>
+        </a:solidFill>
+        <a:latin typeface="+mn-lt"/>
+        <a:ea typeface="+mn-ea"/>
+        <a:cs typeface="+mn-cs"/>
+      </a:defRPr>
+    </a:lvl4pPr>
+    <a:lvl5pPr marL="1828800" algn="l" defTabSz="914400" rtl="0" eaLnBrk="1" latinLnBrk="0" hangingPunct="1">
+      <a:defRPr sz="1200" kern="1200">
+        <a:solidFill>
+          <a:schemeClr val="tx1"/>
+        </a:solidFill>
+        <a:latin typeface="+mn-lt"/>
+        <a:ea typeface="+mn-ea"/>
+        <a:cs typeface="+mn-cs"/>
+      </a:defRPr>
+    </a:lvl5pPr>
+    <a:lvl6pPr marL="2286000" algn="l" defTabSz="914400" rtl="0" eaLnBrk="1" latinLnBrk="0" hangingPunct="1">
+      <a:defRPr sz="1200" kern="1200">
+        <a:solidFill>
+          <a:schemeClr val="tx1"/>
+        </a:solidFill>
+        <a:latin typeface="+mn-lt"/>
+        <a:ea typeface="+mn-ea"/>
+        <a:cs typeface="+mn-cs"/>
+      </a:defRPr>
+    </a:lvl6pPr>
+    <a:lvl7pPr marL="2743200" algn="l" defTabSz="914400" rtl="0" eaLnBrk="1" latinLnBrk="0" hangingPunct="1">
+      <a:defRPr sz="1200" kern="1200">
+        <a:solidFill>
+          <a:schemeClr val="tx1"/>
+        </a:solidFill>
+        <a:latin typeface="+mn-lt"/>
+        <a:ea typeface="+mn-ea"/>
+        <a:cs typeface="+mn-cs"/>
+      </a:defRPr>
+    </a:lvl7pPr>
+    <a:lvl8pPr marL="3200400" algn="l" defTabSz="914400" rtl="0" eaLnBrk="1" latinLnBrk="0" hangingPunct="1">
+      <a:defRPr sz="1200" kern="1200">
+        <a:solidFill>
+          <a:schemeClr val="tx1"/>
+        </a:solidFill>
+        <a:latin typeface="+mn-lt"/>
+        <a:ea typeface="+mn-ea"/>
+        <a:cs typeface="+mn-cs"/>
+      </a:defRPr>
+    </a:lvl8pPr>
+    <a:lvl9pPr marL="3657600" algn="l" defTabSz="914400" rtl="0" eaLnBrk="1" latinLnBrk="0" hangingPunct="1">
+      <a:defRPr sz="1200" kern="1200">
+        <a:solidFill>
+          <a:schemeClr val="tx1"/>
+        </a:solidFill>
+        <a:latin typeface="+mn-lt"/>
+        <a:ea typeface="+mn-ea"/>
+        <a:cs typeface="+mn-cs"/>
+      </a:defRPr>
+    </a:lvl9pPr>
+  </p:notesStyle>
+</p:notesMaster>
+</file>
+
+<file path=ppt/notesSlides/notesSlide1.xml><?xml version="1.0" encoding="utf-8"?>
+<p:notes xmlns:a="http://schemas.openxmlformats.org/drawingml/2006/main" xmlns:r="http://schemas.openxmlformats.org/officeDocument/2006/relationships" xmlns:p="http://schemas.openxmlformats.org/presentationml/2006/main">
+  <p:cSld>
+    <p:spTree>
+      <p:nvGrpSpPr>
+        <p:cNvPr id="1" name=""/>
+        <p:cNvGrpSpPr/>
+        <p:nvPr/>
+      </p:nvGrpSpPr>
+      <p:grpSpPr>
+        <a:xfrm>
+          <a:off x="0" y="0"/>
+          <a:ext cx="0" cy="0"/>
+          <a:chOff x="0" y="0"/>
+          <a:chExt cx="0" cy="0"/>
+        </a:xfrm>
+      </p:grpSpPr>
+      <p:sp>
+        <p:nvSpPr>
+          <p:cNvPr id="2" name="幻灯片图像占位符 1"/>
+          <p:cNvSpPr>
+            <a:spLocks noGrp="1" noRot="1" noChangeAspect="1"/>
+          </p:cNvSpPr>
+          <p:nvPr>
+            <p:ph type="sldImg"/>
+          </p:nvPr>
+        </p:nvSpPr>
+        <p:spPr/>
+      </p:sp>
+      <p:sp>
+        <p:nvSpPr>
+          <p:cNvPr id="3" name="备注占位符 2"/>
+          <p:cNvSpPr>
+            <a:spLocks noGrp="1"/>
+          </p:cNvSpPr>
+          <p:nvPr>
+            <p:ph type="body" idx="1"/>
+          </p:nvPr>
+        </p:nvSpPr>
+        <p:spPr/>
+        <p:txBody>
+          <a:bodyPr/>
+          <a:lstStyle/>
+          <a:p>
+            <a:endParaRPr lang="zh-CN" altLang="en-US"/>
+          </a:p>
+        </p:txBody>
+      </p:sp>
+      <p:sp>
+        <p:nvSpPr>
+          <p:cNvPr id="4" name="灯片编号占位符 3"/>
+          <p:cNvSpPr>
+            <a:spLocks noGrp="1"/>
+          </p:cNvSpPr>
+          <p:nvPr>
+            <p:ph type="sldNum" sz="quarter" idx="10"/>
+          </p:nvPr>
+        </p:nvSpPr>
+        <p:spPr/>
+        <p:txBody>
+          <a:bodyPr/>
+          <a:lstStyle/>
+          <a:p>
+            <a:fld id="{F8957E2C-20B6-4ABE-B68C-98AB9259DA1C}" type="slidenum">
+              <a:rPr lang="zh-CN" altLang="en-US" smtClean="0"/>
+              <a:t>10</a:t>
+            </a:fld>
+            <a:endParaRPr lang="zh-CN" altLang="en-US"/>
+          </a:p>
+        </p:txBody>
+      </p:sp>
+    </p:spTree>
+    <p:extLst>
+      <p:ext uri="{BB962C8B-B14F-4D97-AF65-F5344CB8AC3E}">
+        <p14:creationId xmlns:p14="http://schemas.microsoft.com/office/powerpoint/2010/main" val="3402453962"/>
+      </p:ext>
+    </p:extLst>
+  </p:cSld>
+  <p:clrMapOvr>
+    <a:masterClrMapping/>
+  </p:clrMapOvr>
+</p:notes>
+</file>
+
 <file path=ppt/slideLayouts/slideLayout1.xml><?xml version="1.0" encoding="utf-8"?>
 <p:sldLayout xmlns:a="http://schemas.openxmlformats.org/drawingml/2006/main" xmlns:r="http://schemas.openxmlformats.org/officeDocument/2006/relationships" xmlns:p="http://schemas.openxmlformats.org/presentationml/2006/main" type="title" preserve="1">
   <p:cSld name="标题幻灯片">
@@ -268,7 +709,7 @@
           <a:p>
             <a:fld id="{0CD3BB8F-F75A-4DD3-9170-FD8E567AFB64}" type="datetimeFigureOut">
               <a:rPr lang="zh-CN" altLang="en-US" smtClean="0"/>
-              <a:t>2017/4/3</a:t>
+              <a:t>2017/4/4</a:t>
             </a:fld>
             <a:endParaRPr lang="zh-CN" altLang="en-US"/>
           </a:p>
@@ -438,7 +879,7 @@
           <a:p>
             <a:fld id="{0CD3BB8F-F75A-4DD3-9170-FD8E567AFB64}" type="datetimeFigureOut">
               <a:rPr lang="zh-CN" altLang="en-US" smtClean="0"/>
-              <a:t>2017/4/3</a:t>
+              <a:t>2017/4/4</a:t>
             </a:fld>
             <a:endParaRPr lang="zh-CN" altLang="en-US"/>
           </a:p>
@@ -618,7 +1059,7 @@
           <a:p>
             <a:fld id="{0CD3BB8F-F75A-4DD3-9170-FD8E567AFB64}" type="datetimeFigureOut">
               <a:rPr lang="zh-CN" altLang="en-US" smtClean="0"/>
-              <a:t>2017/4/3</a:t>
+              <a:t>2017/4/4</a:t>
             </a:fld>
             <a:endParaRPr lang="zh-CN" altLang="en-US"/>
           </a:p>
@@ -788,7 +1229,7 @@
           <a:p>
             <a:fld id="{0CD3BB8F-F75A-4DD3-9170-FD8E567AFB64}" type="datetimeFigureOut">
               <a:rPr lang="zh-CN" altLang="en-US" smtClean="0"/>
-              <a:t>2017/4/3</a:t>
+              <a:t>2017/4/4</a:t>
             </a:fld>
             <a:endParaRPr lang="zh-CN" altLang="en-US"/>
           </a:p>
@@ -1034,7 +1475,7 @@
           <a:p>
             <a:fld id="{0CD3BB8F-F75A-4DD3-9170-FD8E567AFB64}" type="datetimeFigureOut">
               <a:rPr lang="zh-CN" altLang="en-US" smtClean="0"/>
-              <a:t>2017/4/3</a:t>
+              <a:t>2017/4/4</a:t>
             </a:fld>
             <a:endParaRPr lang="zh-CN" altLang="en-US"/>
           </a:p>
@@ -1266,7 +1707,7 @@
           <a:p>
             <a:fld id="{0CD3BB8F-F75A-4DD3-9170-FD8E567AFB64}" type="datetimeFigureOut">
               <a:rPr lang="zh-CN" altLang="en-US" smtClean="0"/>
-              <a:t>2017/4/3</a:t>
+              <a:t>2017/4/4</a:t>
             </a:fld>
             <a:endParaRPr lang="zh-CN" altLang="en-US"/>
           </a:p>
@@ -1633,7 +2074,7 @@
           <a:p>
             <a:fld id="{0CD3BB8F-F75A-4DD3-9170-FD8E567AFB64}" type="datetimeFigureOut">
               <a:rPr lang="zh-CN" altLang="en-US" smtClean="0"/>
-              <a:t>2017/4/3</a:t>
+              <a:t>2017/4/4</a:t>
             </a:fld>
             <a:endParaRPr lang="zh-CN" altLang="en-US"/>
           </a:p>
@@ -1751,7 +2192,7 @@
           <a:p>
             <a:fld id="{0CD3BB8F-F75A-4DD3-9170-FD8E567AFB64}" type="datetimeFigureOut">
               <a:rPr lang="zh-CN" altLang="en-US" smtClean="0"/>
-              <a:t>2017/4/3</a:t>
+              <a:t>2017/4/4</a:t>
             </a:fld>
             <a:endParaRPr lang="zh-CN" altLang="en-US"/>
           </a:p>
@@ -1846,7 +2287,7 @@
           <a:p>
             <a:fld id="{0CD3BB8F-F75A-4DD3-9170-FD8E567AFB64}" type="datetimeFigureOut">
               <a:rPr lang="zh-CN" altLang="en-US" smtClean="0"/>
-              <a:t>2017/4/3</a:t>
+              <a:t>2017/4/4</a:t>
             </a:fld>
             <a:endParaRPr lang="zh-CN" altLang="en-US"/>
           </a:p>
@@ -2123,7 +2564,7 @@
           <a:p>
             <a:fld id="{0CD3BB8F-F75A-4DD3-9170-FD8E567AFB64}" type="datetimeFigureOut">
               <a:rPr lang="zh-CN" altLang="en-US" smtClean="0"/>
-              <a:t>2017/4/3</a:t>
+              <a:t>2017/4/4</a:t>
             </a:fld>
             <a:endParaRPr lang="zh-CN" altLang="en-US"/>
           </a:p>
@@ -2376,7 +2817,7 @@
           <a:p>
             <a:fld id="{0CD3BB8F-F75A-4DD3-9170-FD8E567AFB64}" type="datetimeFigureOut">
               <a:rPr lang="zh-CN" altLang="en-US" smtClean="0"/>
-              <a:t>2017/4/3</a:t>
+              <a:t>2017/4/4</a:t>
             </a:fld>
             <a:endParaRPr lang="zh-CN" altLang="en-US"/>
           </a:p>
@@ -2589,7 +3030,7 @@
           <a:p>
             <a:fld id="{0CD3BB8F-F75A-4DD3-9170-FD8E567AFB64}" type="datetimeFigureOut">
               <a:rPr lang="zh-CN" altLang="en-US" smtClean="0"/>
-              <a:t>2017/4/3</a:t>
+              <a:t>2017/4/4</a:t>
             </a:fld>
             <a:endParaRPr lang="zh-CN" altLang="en-US"/>
           </a:p>
@@ -3195,6 +3636,14 @@
 <file path=ppt/slides/slide10.xml><?xml version="1.0" encoding="utf-8"?>
 <p:sld xmlns:a="http://schemas.openxmlformats.org/drawingml/2006/main" xmlns:r="http://schemas.openxmlformats.org/officeDocument/2006/relationships" xmlns:p="http://schemas.openxmlformats.org/presentationml/2006/main">
   <p:cSld>
+    <p:bg>
+      <p:bgPr>
+        <a:solidFill>
+          <a:schemeClr val="accent1"/>
+        </a:solidFill>
+        <a:effectLst/>
+      </p:bgPr>
+    </p:bg>
     <p:spTree>
       <p:nvGrpSpPr>
         <p:cNvPr id="1" name=""/>
@@ -3209,22 +3658,393 @@
           <a:chExt cx="0" cy="0"/>
         </a:xfrm>
       </p:grpSpPr>
+      <p:sp>
+        <p:nvSpPr>
+          <p:cNvPr id="2" name="文本框 1"/>
+          <p:cNvSpPr txBox="1"/>
+          <p:nvPr/>
+        </p:nvSpPr>
+        <p:spPr>
+          <a:xfrm>
+            <a:off x="2804160" y="130628"/>
+            <a:ext cx="5286384" cy="369332"/>
+          </a:xfrm>
+          <a:prstGeom prst="rect">
+            <a:avLst/>
+          </a:prstGeom>
+          <a:noFill/>
+        </p:spPr>
+        <p:txBody>
+          <a:bodyPr wrap="none" rtlCol="0">
+            <a:spAutoFit/>
+          </a:bodyPr>
+          <a:lstStyle/>
+          <a:p>
+            <a:r>
+              <a:rPr lang="en-US" altLang="zh-CN" smtClean="0"/>
+              <a:t>SchedulerBackend</a:t>
+            </a:r>
+            <a:r>
+              <a:rPr lang="zh-CN" altLang="en-US" smtClean="0"/>
+              <a:t>作用：</a:t>
+            </a:r>
+            <a:r>
+              <a:rPr lang="zh-CN" altLang="en-US"/>
+              <a:t>申请资源和</a:t>
+            </a:r>
+            <a:r>
+              <a:rPr lang="en-US" altLang="zh-CN"/>
+              <a:t>task</a:t>
+            </a:r>
+            <a:r>
+              <a:rPr lang="zh-CN" altLang="en-US"/>
+              <a:t>执行</a:t>
+            </a:r>
+            <a:r>
+              <a:rPr lang="zh-CN" altLang="en-US"/>
+              <a:t>和</a:t>
+            </a:r>
+            <a:r>
+              <a:rPr lang="zh-CN" altLang="en-US" smtClean="0"/>
+              <a:t>管理</a:t>
+            </a:r>
+            <a:endParaRPr lang="zh-CN" altLang="en-US"/>
+          </a:p>
+        </p:txBody>
+      </p:sp>
       <p:pic>
         <p:nvPicPr>
-          <p:cNvPr id="2" name="图片 1" descr="spark-yarn2"/>
-          <p:cNvPicPr/>
+          <p:cNvPr id="3" name="图片 2"/>
+          <p:cNvPicPr>
+            <a:picLocks noChangeAspect="1"/>
+          </p:cNvPicPr>
           <p:nvPr/>
         </p:nvPicPr>
         <p:blipFill>
-          <a:blip r:embed="rId2"/>
+          <a:blip r:embed="rId3"/>
           <a:stretch>
             <a:fillRect/>
           </a:stretch>
         </p:blipFill>
         <p:spPr>
           <a:xfrm>
-            <a:off x="1270907" y="1223871"/>
-            <a:ext cx="8717824" cy="4837295"/>
+            <a:off x="420464" y="1245325"/>
+            <a:ext cx="6632625" cy="1920984"/>
+          </a:xfrm>
+          <a:prstGeom prst="rect">
+            <a:avLst/>
+          </a:prstGeom>
+        </p:spPr>
+      </p:pic>
+      <p:sp>
+        <p:nvSpPr>
+          <p:cNvPr id="6" name="矩形 5"/>
+          <p:cNvSpPr/>
+          <p:nvPr/>
+        </p:nvSpPr>
+        <p:spPr>
+          <a:xfrm>
+            <a:off x="420464" y="609897"/>
+            <a:ext cx="9185079" cy="954107"/>
+          </a:xfrm>
+          <a:prstGeom prst="rect">
+            <a:avLst/>
+          </a:prstGeom>
+        </p:spPr>
+        <p:txBody>
+          <a:bodyPr wrap="none">
+            <a:spAutoFit/>
+          </a:bodyPr>
+          <a:lstStyle/>
+          <a:p>
+            <a:r>
+              <a:rPr lang="en-US" altLang="zh-CN" sz="1400" smtClean="0"/>
+              <a:t>SparkContext</a:t>
+            </a:r>
+            <a:r>
+              <a:rPr lang="zh-CN" altLang="en-US" sz="1400" smtClean="0"/>
+              <a:t>中</a:t>
+            </a:r>
+            <a:r>
+              <a:rPr lang="en-US" altLang="zh-CN" sz="1400" i="1"/>
+              <a:t>_</a:t>
+            </a:r>
+            <a:r>
+              <a:rPr lang="en-US" altLang="zh-CN" sz="1400" i="1"/>
+              <a:t>taskScheduler</a:t>
+            </a:r>
+            <a:r>
+              <a:rPr lang="zh-CN" altLang="en-US" sz="1400" i="1" smtClean="0"/>
+              <a:t>启动</a:t>
+            </a:r>
+            <a:r>
+              <a:rPr lang="zh-CN" altLang="en-US" sz="1400" smtClean="0"/>
+              <a:t>：</a:t>
+            </a:r>
+            <a:endParaRPr lang="en-US" altLang="zh-CN" sz="1400" smtClean="0"/>
+          </a:p>
+          <a:p>
+            <a:r>
+              <a:rPr lang="en-US" altLang="zh-CN" sz="1400" i="1"/>
+              <a:t>	</a:t>
+            </a:r>
+            <a:r>
+              <a:rPr lang="en-US" altLang="zh-CN" sz="1400" i="1" smtClean="0"/>
+              <a:t>		</a:t>
+            </a:r>
+            <a:r>
+              <a:rPr lang="en-US" altLang="zh-CN" sz="1400" b="1" i="1" smtClean="0">
+                <a:solidFill>
+                  <a:srgbClr val="FF0000"/>
+                </a:solidFill>
+              </a:rPr>
+              <a:t>TODO </a:t>
+            </a:r>
+            <a:r>
+              <a:rPr lang="zh-CN" altLang="en-US" sz="1400" b="1" i="1">
+                <a:solidFill>
+                  <a:srgbClr val="FF0000"/>
+                </a:solidFill>
+              </a:rPr>
+              <a:t>先创建</a:t>
+            </a:r>
+            <a:r>
+              <a:rPr lang="en-US" altLang="zh-CN" sz="1400" b="1" i="1">
+                <a:solidFill>
+                  <a:srgbClr val="FF0000"/>
+                </a:solidFill>
+              </a:rPr>
+              <a:t>TaskScheduler</a:t>
+            </a:r>
+            <a:r>
+              <a:rPr lang="zh-CN" altLang="en-US" sz="1400" b="1" i="1">
+                <a:solidFill>
+                  <a:srgbClr val="FF0000"/>
+                </a:solidFill>
+              </a:rPr>
+              <a:t>原因：</a:t>
+            </a:r>
+            <a:r>
+              <a:rPr lang="en-US" altLang="zh-CN" sz="1400" b="1" i="1">
+                <a:solidFill>
+                  <a:srgbClr val="FF0000"/>
+                </a:solidFill>
+              </a:rPr>
+              <a:t>DAGScheduler</a:t>
+            </a:r>
+            <a:r>
+              <a:rPr lang="zh-CN" altLang="en-US" sz="1400" b="1" i="1">
+                <a:solidFill>
+                  <a:srgbClr val="FF0000"/>
+                </a:solidFill>
+              </a:rPr>
+              <a:t>的构造参数需要</a:t>
+            </a:r>
+            <a:r>
+              <a:rPr lang="en-US" altLang="zh-CN" sz="1400" b="1" i="1">
+                <a:solidFill>
+                  <a:srgbClr val="FF0000"/>
+                </a:solidFill>
+              </a:rPr>
+              <a:t>taskScheduler</a:t>
+            </a:r>
+            <a:r>
+              <a:rPr lang="zh-CN" altLang="en-US" sz="1400" b="1" i="1">
+                <a:solidFill>
+                  <a:srgbClr val="FF0000"/>
+                </a:solidFill>
+              </a:rPr>
+              <a:t>成员</a:t>
+            </a:r>
+            <a:endParaRPr lang="zh-CN" altLang="en-US" sz="1400" b="1">
+              <a:solidFill>
+                <a:srgbClr val="FF0000"/>
+              </a:solidFill>
+            </a:endParaRPr>
+          </a:p>
+          <a:p>
+            <a:endParaRPr lang="en-US" altLang="zh-CN" sz="1400" smtClean="0"/>
+          </a:p>
+          <a:p>
+            <a:endParaRPr lang="zh-CN" altLang="en-US" sz="1400"/>
+          </a:p>
+        </p:txBody>
+      </p:sp>
+      <p:sp>
+        <p:nvSpPr>
+          <p:cNvPr id="8" name="文本框 7"/>
+          <p:cNvSpPr txBox="1"/>
+          <p:nvPr/>
+        </p:nvSpPr>
+        <p:spPr>
+          <a:xfrm>
+            <a:off x="420464" y="4206239"/>
+            <a:ext cx="8387232" cy="1777410"/>
+          </a:xfrm>
+          <a:prstGeom prst="rect">
+            <a:avLst/>
+          </a:prstGeom>
+          <a:noFill/>
+        </p:spPr>
+        <p:txBody>
+          <a:bodyPr wrap="none" rtlCol="0">
+            <a:spAutoFit/>
+          </a:bodyPr>
+          <a:lstStyle/>
+          <a:p>
+            <a:r>
+              <a:rPr lang="zh-CN" altLang="en-US" b="1"/>
+              <a:t>开启</a:t>
+            </a:r>
+            <a:r>
+              <a:rPr lang="zh-CN" altLang="en-US" b="1"/>
+              <a:t>推测</a:t>
+            </a:r>
+            <a:r>
+              <a:rPr lang="zh-CN" altLang="en-US" b="1" smtClean="0"/>
+              <a:t>机制：</a:t>
+            </a:r>
+            <a:endParaRPr lang="zh-CN" altLang="en-US"/>
+          </a:p>
+          <a:p>
+            <a:r>
+              <a:rPr lang="zh-CN" altLang="en-US" sz="1050"/>
+              <a:t>推测机制后，如果集群中，某一台机器的几个</a:t>
+            </a:r>
+            <a:r>
+              <a:rPr lang="en-US" altLang="zh-CN" sz="1050"/>
+              <a:t>task</a:t>
+            </a:r>
+            <a:r>
+              <a:rPr lang="zh-CN" altLang="en-US" sz="1050"/>
+              <a:t>特别慢，推测机制会将任务分配到其他机器执行，最后</a:t>
+            </a:r>
+            <a:r>
+              <a:rPr lang="en-US" altLang="zh-CN" sz="1050"/>
+              <a:t>Spark</a:t>
+            </a:r>
+            <a:r>
+              <a:rPr lang="zh-CN" altLang="en-US" sz="1050"/>
+              <a:t>会选取最快的作为最终结果。</a:t>
+            </a:r>
+          </a:p>
+          <a:p>
+            <a:r>
+              <a:rPr lang="zh-CN" altLang="en-US" sz="1050"/>
+              <a:t>在</a:t>
+            </a:r>
+            <a:r>
+              <a:rPr lang="en-US" altLang="zh-CN" sz="1050"/>
+              <a:t>spark-default.conf </a:t>
+            </a:r>
+            <a:r>
+              <a:rPr lang="zh-CN" altLang="en-US" sz="1050"/>
+              <a:t>中添加：</a:t>
+            </a:r>
+            <a:r>
+              <a:rPr lang="en-US" altLang="zh-CN" sz="1050"/>
+              <a:t>spark.speculation true</a:t>
+            </a:r>
+          </a:p>
+          <a:p>
+            <a:r>
+              <a:rPr lang="zh-CN" altLang="en-US" sz="1050"/>
+              <a:t>推测机制与以下几个参数有关：</a:t>
+            </a:r>
+          </a:p>
+          <a:p>
+            <a:r>
+              <a:rPr lang="en-US" altLang="zh-CN" sz="1050"/>
+              <a:t>1. spark.speculation.interval 100</a:t>
+            </a:r>
+            <a:r>
+              <a:rPr lang="zh-CN" altLang="en-US" sz="1050"/>
+              <a:t>：检测周期，单位毫秒；</a:t>
+            </a:r>
+          </a:p>
+          <a:p>
+            <a:r>
+              <a:rPr lang="en-US" altLang="zh-CN" sz="1050"/>
+              <a:t>2. spark.speculation.quantile 0.75</a:t>
+            </a:r>
+            <a:r>
+              <a:rPr lang="zh-CN" altLang="en-US" sz="1050"/>
+              <a:t>：完成</a:t>
+            </a:r>
+            <a:r>
+              <a:rPr lang="en-US" altLang="zh-CN" sz="1050"/>
+              <a:t>task</a:t>
+            </a:r>
+            <a:r>
+              <a:rPr lang="zh-CN" altLang="en-US" sz="1050"/>
+              <a:t>的百分比时启动推测；</a:t>
+            </a:r>
+          </a:p>
+          <a:p>
+            <a:r>
+              <a:rPr lang="en-US" altLang="zh-CN" sz="1050"/>
+              <a:t>3. spark.speculation.multiplier 1.5</a:t>
+            </a:r>
+            <a:r>
+              <a:rPr lang="zh-CN" altLang="en-US" sz="1050"/>
+              <a:t>：比其他的慢多少倍时启动</a:t>
+            </a:r>
+            <a:r>
+              <a:rPr lang="zh-CN" altLang="en-US" sz="1050"/>
+              <a:t>推测</a:t>
+            </a:r>
+            <a:r>
+              <a:rPr lang="zh-CN" altLang="en-US" sz="1050" smtClean="0"/>
+              <a:t>。</a:t>
+            </a:r>
+            <a:endParaRPr lang="en-US" altLang="zh-CN" sz="1050" smtClean="0"/>
+          </a:p>
+          <a:p>
+            <a:endParaRPr lang="zh-CN" altLang="en-US" sz="1050"/>
+          </a:p>
+          <a:p>
+            <a:r>
+              <a:rPr lang="zh-CN" altLang="en-US" smtClean="0"/>
+              <a:t>在</a:t>
+            </a:r>
+            <a:r>
+              <a:rPr lang="en-US" altLang="zh-CN" smtClean="0"/>
+              <a:t>TaskSchedulerImpl</a:t>
+            </a:r>
+            <a:r>
+              <a:rPr lang="zh-CN" altLang="en-US" smtClean="0"/>
+              <a:t>的</a:t>
+            </a:r>
+            <a:r>
+              <a:rPr lang="en-US" altLang="zh-CN" smtClean="0"/>
+              <a:t>start</a:t>
+            </a:r>
+            <a:r>
+              <a:rPr lang="zh-CN" altLang="en-US" smtClean="0"/>
+              <a:t>方法内判断是否开启</a:t>
+            </a:r>
+            <a:endParaRPr lang="zh-CN" altLang="en-US"/>
+          </a:p>
+        </p:txBody>
+      </p:sp>
+      <p:pic>
+        <p:nvPicPr>
+          <p:cNvPr id="10" name="图片 9"/>
+          <p:cNvPicPr>
+            <a:picLocks noChangeAspect="1"/>
+          </p:cNvPicPr>
+          <p:nvPr/>
+        </p:nvPicPr>
+        <p:blipFill>
+          <a:blip r:embed="rId4"/>
+          <a:stretch>
+            <a:fillRect/>
+          </a:stretch>
+        </p:blipFill>
+        <p:spPr>
+          <a:xfrm>
+            <a:off x="5756365" y="4765281"/>
+            <a:ext cx="5216435" cy="2160342"/>
           </a:xfrm>
           <a:prstGeom prst="rect">
             <a:avLst/>
@@ -3234,7 +4054,7 @@
     </p:spTree>
     <p:extLst>
       <p:ext uri="{BB962C8B-B14F-4D97-AF65-F5344CB8AC3E}">
-        <p14:creationId xmlns:p14="http://schemas.microsoft.com/office/powerpoint/2010/main" val="211708737"/>
+        <p14:creationId xmlns:p14="http://schemas.microsoft.com/office/powerpoint/2010/main" val="1513458376"/>
       </p:ext>
     </p:extLst>
   </p:cSld>
@@ -3261,10 +4081,70 @@
           <a:chExt cx="0" cy="0"/>
         </a:xfrm>
       </p:grpSpPr>
+      <p:pic>
+        <p:nvPicPr>
+          <p:cNvPr id="2" name="图片 1"/>
+          <p:cNvPicPr>
+            <a:picLocks noChangeAspect="1"/>
+          </p:cNvPicPr>
+          <p:nvPr/>
+        </p:nvPicPr>
+        <p:blipFill>
+          <a:blip r:embed="rId2"/>
+          <a:stretch>
+            <a:fillRect/>
+          </a:stretch>
+        </p:blipFill>
+        <p:spPr>
+          <a:xfrm>
+            <a:off x="798990" y="2117055"/>
+            <a:ext cx="9190471" cy="3134250"/>
+          </a:xfrm>
+          <a:prstGeom prst="rect">
+            <a:avLst/>
+          </a:prstGeom>
+        </p:spPr>
+      </p:pic>
+      <p:sp>
+        <p:nvSpPr>
+          <p:cNvPr id="3" name="文本框 2"/>
+          <p:cNvSpPr txBox="1"/>
+          <p:nvPr/>
+        </p:nvSpPr>
+        <p:spPr>
+          <a:xfrm>
+            <a:off x="3062796" y="541538"/>
+            <a:ext cx="3104376" cy="646331"/>
+          </a:xfrm>
+          <a:prstGeom prst="rect">
+            <a:avLst/>
+          </a:prstGeom>
+          <a:noFill/>
+        </p:spPr>
+        <p:txBody>
+          <a:bodyPr wrap="none" rtlCol="0">
+            <a:spAutoFit/>
+          </a:bodyPr>
+          <a:lstStyle/>
+          <a:p>
+            <a:r>
+              <a:rPr lang="zh-CN" altLang="en-US" smtClean="0"/>
+              <a:t>书签，明天继续 </a:t>
+            </a:r>
+            <a:r>
+              <a:rPr lang="en-US" altLang="zh-CN" smtClean="0"/>
+              <a:t>SaprkContext</a:t>
+            </a:r>
+          </a:p>
+          <a:p>
+            <a:endParaRPr lang="zh-CN" altLang="en-US"/>
+          </a:p>
+        </p:txBody>
+      </p:sp>
     </p:spTree>
     <p:extLst>
       <p:ext uri="{BB962C8B-B14F-4D97-AF65-F5344CB8AC3E}">
-        <p14:creationId xmlns:p14="http://schemas.microsoft.com/office/powerpoint/2010/main" val="1513458376"/>
+        <p14:creationId xmlns:p14="http://schemas.microsoft.com/office/powerpoint/2010/main" val="2096370747"/>
       </p:ext>
     </p:extLst>
   </p:cSld>
@@ -3294,7 +4174,7 @@
     </p:spTree>
     <p:extLst>
       <p:ext uri="{BB962C8B-B14F-4D97-AF65-F5344CB8AC3E}">
-        <p14:creationId xmlns:p14="http://schemas.microsoft.com/office/powerpoint/2010/main" val="3093620500"/>
+        <p14:creationId xmlns:p14="http://schemas.microsoft.com/office/powerpoint/2010/main" val="2481553055"/>
       </p:ext>
     </p:extLst>
   </p:cSld>
@@ -3324,7 +4204,7 @@
     </p:spTree>
     <p:extLst>
       <p:ext uri="{BB962C8B-B14F-4D97-AF65-F5344CB8AC3E}">
-        <p14:creationId xmlns:p14="http://schemas.microsoft.com/office/powerpoint/2010/main" val="1978450308"/>
+        <p14:creationId xmlns:p14="http://schemas.microsoft.com/office/powerpoint/2010/main" val="8506078"/>
       </p:ext>
     </p:extLst>
   </p:cSld>
@@ -3354,7 +4234,7 @@
     </p:spTree>
     <p:extLst>
       <p:ext uri="{BB962C8B-B14F-4D97-AF65-F5344CB8AC3E}">
-        <p14:creationId xmlns:p14="http://schemas.microsoft.com/office/powerpoint/2010/main" val="1677738275"/>
+        <p14:creationId xmlns:p14="http://schemas.microsoft.com/office/powerpoint/2010/main" val="2279743091"/>
       </p:ext>
     </p:extLst>
   </p:cSld>
@@ -3384,7 +4264,7 @@
     </p:spTree>
     <p:extLst>
       <p:ext uri="{BB962C8B-B14F-4D97-AF65-F5344CB8AC3E}">
-        <p14:creationId xmlns:p14="http://schemas.microsoft.com/office/powerpoint/2010/main" val="1236927068"/>
+        <p14:creationId xmlns:p14="http://schemas.microsoft.com/office/powerpoint/2010/main" val="3093620500"/>
       </p:ext>
     </p:extLst>
   </p:cSld>
@@ -3414,7 +4294,7 @@
     </p:spTree>
     <p:extLst>
       <p:ext uri="{BB962C8B-B14F-4D97-AF65-F5344CB8AC3E}">
-        <p14:creationId xmlns:p14="http://schemas.microsoft.com/office/powerpoint/2010/main" val="1848535723"/>
+        <p14:creationId xmlns:p14="http://schemas.microsoft.com/office/powerpoint/2010/main" val="1978450308"/>
       </p:ext>
     </p:extLst>
   </p:cSld>
@@ -3441,10 +4321,32 @@
           <a:chExt cx="0" cy="0"/>
         </a:xfrm>
       </p:grpSpPr>
+      <p:pic>
+        <p:nvPicPr>
+          <p:cNvPr id="2" name="图片 1" descr="spark-yarn2"/>
+          <p:cNvPicPr/>
+          <p:nvPr/>
+        </p:nvPicPr>
+        <p:blipFill>
+          <a:blip r:embed="rId2"/>
+          <a:stretch>
+            <a:fillRect/>
+          </a:stretch>
+        </p:blipFill>
+        <p:spPr>
+          <a:xfrm>
+            <a:off x="1270907" y="1223871"/>
+            <a:ext cx="8717824" cy="4837295"/>
+          </a:xfrm>
+          <a:prstGeom prst="rect">
+            <a:avLst/>
+          </a:prstGeom>
+        </p:spPr>
+      </p:pic>
     </p:spTree>
     <p:extLst>
       <p:ext uri="{BB962C8B-B14F-4D97-AF65-F5344CB8AC3E}">
-        <p14:creationId xmlns:p14="http://schemas.microsoft.com/office/powerpoint/2010/main" val="2581434329"/>
+        <p14:creationId xmlns:p14="http://schemas.microsoft.com/office/powerpoint/2010/main" val="211708737"/>
       </p:ext>
     </p:extLst>
   </p:cSld>
@@ -3474,7 +4376,7 @@
     </p:spTree>
     <p:extLst>
       <p:ext uri="{BB962C8B-B14F-4D97-AF65-F5344CB8AC3E}">
-        <p14:creationId xmlns:p14="http://schemas.microsoft.com/office/powerpoint/2010/main" val="2555119250"/>
+        <p14:creationId xmlns:p14="http://schemas.microsoft.com/office/powerpoint/2010/main" val="1677738275"/>
       </p:ext>
     </p:extLst>
   </p:cSld>
@@ -3504,7 +4406,7 @@
     </p:spTree>
     <p:extLst>
       <p:ext uri="{BB962C8B-B14F-4D97-AF65-F5344CB8AC3E}">
-        <p14:creationId xmlns:p14="http://schemas.microsoft.com/office/powerpoint/2010/main" val="4186159653"/>
+        <p14:creationId xmlns:p14="http://schemas.microsoft.com/office/powerpoint/2010/main" val="1236927068"/>
       </p:ext>
     </p:extLst>
   </p:cSld>
@@ -3997,7 +4899,7 @@
     </p:spTree>
     <p:extLst>
       <p:ext uri="{BB962C8B-B14F-4D97-AF65-F5344CB8AC3E}">
-        <p14:creationId xmlns:p14="http://schemas.microsoft.com/office/powerpoint/2010/main" val="2658604699"/>
+        <p14:creationId xmlns:p14="http://schemas.microsoft.com/office/powerpoint/2010/main" val="1848535723"/>
       </p:ext>
     </p:extLst>
   </p:cSld>
@@ -4027,7 +4929,7 @@
     </p:spTree>
     <p:extLst>
       <p:ext uri="{BB962C8B-B14F-4D97-AF65-F5344CB8AC3E}">
-        <p14:creationId xmlns:p14="http://schemas.microsoft.com/office/powerpoint/2010/main" val="1262674546"/>
+        <p14:creationId xmlns:p14="http://schemas.microsoft.com/office/powerpoint/2010/main" val="2581434329"/>
       </p:ext>
     </p:extLst>
   </p:cSld>
@@ -4057,7 +4959,7 @@
     </p:spTree>
     <p:extLst>
       <p:ext uri="{BB962C8B-B14F-4D97-AF65-F5344CB8AC3E}">
-        <p14:creationId xmlns:p14="http://schemas.microsoft.com/office/powerpoint/2010/main" val="1076395874"/>
+        <p14:creationId xmlns:p14="http://schemas.microsoft.com/office/powerpoint/2010/main" val="2555119250"/>
       </p:ext>
     </p:extLst>
   </p:cSld>
@@ -4087,7 +4989,7 @@
     </p:spTree>
     <p:extLst>
       <p:ext uri="{BB962C8B-B14F-4D97-AF65-F5344CB8AC3E}">
-        <p14:creationId xmlns:p14="http://schemas.microsoft.com/office/powerpoint/2010/main" val="2853324622"/>
+        <p14:creationId xmlns:p14="http://schemas.microsoft.com/office/powerpoint/2010/main" val="4186159653"/>
       </p:ext>
     </p:extLst>
   </p:cSld>
@@ -4117,7 +5019,7 @@
     </p:spTree>
     <p:extLst>
       <p:ext uri="{BB962C8B-B14F-4D97-AF65-F5344CB8AC3E}">
-        <p14:creationId xmlns:p14="http://schemas.microsoft.com/office/powerpoint/2010/main" val="791807619"/>
+        <p14:creationId xmlns:p14="http://schemas.microsoft.com/office/powerpoint/2010/main" val="2658604699"/>
       </p:ext>
     </p:extLst>
   </p:cSld>
@@ -4147,7 +5049,7 @@
     </p:spTree>
     <p:extLst>
       <p:ext uri="{BB962C8B-B14F-4D97-AF65-F5344CB8AC3E}">
-        <p14:creationId xmlns:p14="http://schemas.microsoft.com/office/powerpoint/2010/main" val="3369389655"/>
+        <p14:creationId xmlns:p14="http://schemas.microsoft.com/office/powerpoint/2010/main" val="1262674546"/>
       </p:ext>
     </p:extLst>
   </p:cSld>
@@ -4177,7 +5079,97 @@
     </p:spTree>
     <p:extLst>
       <p:ext uri="{BB962C8B-B14F-4D97-AF65-F5344CB8AC3E}">
-        <p14:creationId xmlns:p14="http://schemas.microsoft.com/office/powerpoint/2010/main" val="1623144282"/>
+        <p14:creationId xmlns:p14="http://schemas.microsoft.com/office/powerpoint/2010/main" val="1076395874"/>
+      </p:ext>
+    </p:extLst>
+  </p:cSld>
+  <p:clrMapOvr>
+    <a:masterClrMapping/>
+  </p:clrMapOvr>
+</p:sld>
+</file>
+
+<file path=ppt/slides/slide27.xml><?xml version="1.0" encoding="utf-8"?>
+<p:sld xmlns:a="http://schemas.openxmlformats.org/drawingml/2006/main" xmlns:r="http://schemas.openxmlformats.org/officeDocument/2006/relationships" xmlns:p="http://schemas.openxmlformats.org/presentationml/2006/main">
+  <p:cSld>
+    <p:spTree>
+      <p:nvGrpSpPr>
+        <p:cNvPr id="1" name=""/>
+        <p:cNvGrpSpPr/>
+        <p:nvPr/>
+      </p:nvGrpSpPr>
+      <p:grpSpPr>
+        <a:xfrm>
+          <a:off x="0" y="0"/>
+          <a:ext cx="0" cy="0"/>
+          <a:chOff x="0" y="0"/>
+          <a:chExt cx="0" cy="0"/>
+        </a:xfrm>
+      </p:grpSpPr>
+    </p:spTree>
+    <p:extLst>
+      <p:ext uri="{BB962C8B-B14F-4D97-AF65-F5344CB8AC3E}">
+        <p14:creationId xmlns:p14="http://schemas.microsoft.com/office/powerpoint/2010/main" val="2853324622"/>
+      </p:ext>
+    </p:extLst>
+  </p:cSld>
+  <p:clrMapOvr>
+    <a:masterClrMapping/>
+  </p:clrMapOvr>
+</p:sld>
+</file>
+
+<file path=ppt/slides/slide28.xml><?xml version="1.0" encoding="utf-8"?>
+<p:sld xmlns:a="http://schemas.openxmlformats.org/drawingml/2006/main" xmlns:r="http://schemas.openxmlformats.org/officeDocument/2006/relationships" xmlns:p="http://schemas.openxmlformats.org/presentationml/2006/main">
+  <p:cSld>
+    <p:spTree>
+      <p:nvGrpSpPr>
+        <p:cNvPr id="1" name=""/>
+        <p:cNvGrpSpPr/>
+        <p:nvPr/>
+      </p:nvGrpSpPr>
+      <p:grpSpPr>
+        <a:xfrm>
+          <a:off x="0" y="0"/>
+          <a:ext cx="0" cy="0"/>
+          <a:chOff x="0" y="0"/>
+          <a:chExt cx="0" cy="0"/>
+        </a:xfrm>
+      </p:grpSpPr>
+    </p:spTree>
+    <p:extLst>
+      <p:ext uri="{BB962C8B-B14F-4D97-AF65-F5344CB8AC3E}">
+        <p14:creationId xmlns:p14="http://schemas.microsoft.com/office/powerpoint/2010/main" val="791807619"/>
+      </p:ext>
+    </p:extLst>
+  </p:cSld>
+  <p:clrMapOvr>
+    <a:masterClrMapping/>
+  </p:clrMapOvr>
+</p:sld>
+</file>
+
+<file path=ppt/slides/slide29.xml><?xml version="1.0" encoding="utf-8"?>
+<p:sld xmlns:a="http://schemas.openxmlformats.org/drawingml/2006/main" xmlns:r="http://schemas.openxmlformats.org/officeDocument/2006/relationships" xmlns:p="http://schemas.openxmlformats.org/presentationml/2006/main">
+  <p:cSld>
+    <p:spTree>
+      <p:nvGrpSpPr>
+        <p:cNvPr id="1" name=""/>
+        <p:cNvGrpSpPr/>
+        <p:nvPr/>
+      </p:nvGrpSpPr>
+      <p:grpSpPr>
+        <a:xfrm>
+          <a:off x="0" y="0"/>
+          <a:ext cx="0" cy="0"/>
+          <a:chOff x="0" y="0"/>
+          <a:chExt cx="0" cy="0"/>
+        </a:xfrm>
+      </p:grpSpPr>
+    </p:spTree>
+    <p:extLst>
+      <p:ext uri="{BB962C8B-B14F-4D97-AF65-F5344CB8AC3E}">
+        <p14:creationId xmlns:p14="http://schemas.microsoft.com/office/powerpoint/2010/main" val="3369389655"/>
       </p:ext>
     </p:extLst>
   </p:cSld>
@@ -4401,6 +5393,36 @@
     <p:extLst>
       <p:ext uri="{BB962C8B-B14F-4D97-AF65-F5344CB8AC3E}">
         <p14:creationId xmlns:p14="http://schemas.microsoft.com/office/powerpoint/2010/main" val="4278241465"/>
+      </p:ext>
+    </p:extLst>
+  </p:cSld>
+  <p:clrMapOvr>
+    <a:masterClrMapping/>
+  </p:clrMapOvr>
+</p:sld>
+</file>
+
+<file path=ppt/slides/slide30.xml><?xml version="1.0" encoding="utf-8"?>
+<p:sld xmlns:a="http://schemas.openxmlformats.org/drawingml/2006/main" xmlns:r="http://schemas.openxmlformats.org/officeDocument/2006/relationships" xmlns:p="http://schemas.openxmlformats.org/presentationml/2006/main">
+  <p:cSld>
+    <p:spTree>
+      <p:nvGrpSpPr>
+        <p:cNvPr id="1" name=""/>
+        <p:cNvGrpSpPr/>
+        <p:nvPr/>
+      </p:nvGrpSpPr>
+      <p:grpSpPr>
+        <a:xfrm>
+          <a:off x="0" y="0"/>
+          <a:ext cx="0" cy="0"/>
+          <a:chOff x="0" y="0"/>
+          <a:chExt cx="0" cy="0"/>
+        </a:xfrm>
+      </p:grpSpPr>
+    </p:spTree>
+    <p:extLst>
+      <p:ext uri="{BB962C8B-B14F-4D97-AF65-F5344CB8AC3E}">
+        <p14:creationId xmlns:p14="http://schemas.microsoft.com/office/powerpoint/2010/main" val="1623144282"/>
       </p:ext>
     </p:extLst>
   </p:cSld>
@@ -5502,11 +6524,7 @@
           <a:p>
             <a:r>
               <a:rPr lang="en-US" altLang="zh-CN"/>
-              <a:t>runMain(childArgs, childClasspath, sysProps, childMainClass, </a:t>
-            </a:r>
-            <a:r>
-              <a:rPr lang="en-US" altLang="zh-CN"/>
-              <a:t>args.verbose</a:t>
+              <a:t>runMain(childArgs, childClasspath, sysProps, childMainClass, args.verbose</a:t>
             </a:r>
             <a:r>
               <a:rPr lang="en-US" altLang="zh-CN" smtClean="0"/>
@@ -5874,7 +6892,7 @@
           <a:graphicData uri="http://schemas.openxmlformats.org/presentationml/2006/ole">
             <mc:AlternateContent xmlns:mc="http://schemas.openxmlformats.org/markup-compatibility/2006">
               <mc:Choice xmlns:v="urn:schemas-microsoft-com:vml" Requires="v">
-                <p:oleObj spid="_x0000_s2053" name="包装程序外壳对象" showAsIcon="1" r:id="rId4" imgW="1325880" imgH="354600" progId="Package">
+                <p:oleObj spid="_x0000_s2064" name="包装程序外壳对象" showAsIcon="1" r:id="rId4" imgW="1325880" imgH="354600" progId="Package">
                   <p:embed/>
                 </p:oleObj>
               </mc:Choice>
@@ -5963,8 +6981,8 @@
         </p:nvSpPr>
         <p:spPr>
           <a:xfrm>
-            <a:off x="1911532" y="4871458"/>
-            <a:ext cx="7847469" cy="646331"/>
+            <a:off x="3792583" y="3512271"/>
+            <a:ext cx="3601050" cy="338554"/>
           </a:xfrm>
           <a:prstGeom prst="rect">
             <a:avLst/>
@@ -5978,18 +6996,18 @@
           <a:lstStyle/>
           <a:p>
             <a:r>
-              <a:rPr lang="zh-CN" altLang="en-US" sz="3600" b="1" smtClean="0"/>
+              <a:rPr lang="zh-CN" altLang="en-US" sz="1600" b="1" smtClean="0"/>
               <a:t>接下来开始看</a:t>
             </a:r>
             <a:r>
-              <a:rPr lang="en-US" altLang="zh-CN" sz="3600" b="1" smtClean="0"/>
+              <a:rPr lang="en-US" altLang="zh-CN" sz="1600" b="1" smtClean="0"/>
               <a:t>SparkContext</a:t>
             </a:r>
             <a:r>
-              <a:rPr lang="zh-CN" altLang="en-US" sz="3600" b="1" smtClean="0"/>
+              <a:rPr lang="zh-CN" altLang="en-US" sz="1600" b="1" smtClean="0"/>
               <a:t>中的内容了</a:t>
             </a:r>
-            <a:endParaRPr lang="zh-CN" altLang="en-US" sz="3600" b="1"/>
+            <a:endParaRPr lang="zh-CN" altLang="en-US" sz="1600" b="1"/>
           </a:p>
         </p:txBody>
       </p:sp>
@@ -6272,4 +7290,265 @@
     </a:ext>
   </a:extLst>
 </a:theme>
+</file>
+
+<file path=ppt/theme/theme2.xml><?xml version="1.0" encoding="utf-8"?>
+<a:theme xmlns:a="http://schemas.openxmlformats.org/drawingml/2006/main" name="Office 主题">
+  <a:themeElements>
+    <a:clrScheme name="Office">
+      <a:dk1>
+        <a:sysClr val="windowText" lastClr="000000"/>
+      </a:dk1>
+      <a:lt1>
+        <a:sysClr val="window" lastClr="FFFFFF"/>
+      </a:lt1>
+      <a:dk2>
+        <a:srgbClr val="44546A"/>
+      </a:dk2>
+      <a:lt2>
+        <a:srgbClr val="E7E6E6"/>
+      </a:lt2>
+      <a:accent1>
+        <a:srgbClr val="5B9BD5"/>
+      </a:accent1>
+      <a:accent2>
+        <a:srgbClr val="ED7D31"/>
+      </a:accent2>
+      <a:accent3>
+        <a:srgbClr val="A5A5A5"/>
+      </a:accent3>
+      <a:accent4>
+        <a:srgbClr val="FFC000"/>
+      </a:accent4>
+      <a:accent5>
+        <a:srgbClr val="4472C4"/>
+      </a:accent5>
+      <a:accent6>
+        <a:srgbClr val="70AD47"/>
+      </a:accent6>
+      <a:hlink>
+        <a:srgbClr val="0563C1"/>
+      </a:hlink>
+      <a:folHlink>
+        <a:srgbClr val="954F72"/>
+      </a:folHlink>
+    </a:clrScheme>
+    <a:fontScheme name="Office">
+      <a:majorFont>
+        <a:latin typeface="Calibri Light" panose="020F0302020204030204"/>
+        <a:ea typeface=""/>
+        <a:cs typeface=""/>
+        <a:font script="Jpan" typeface="ＭＳ Ｐゴシック"/>
+        <a:font script="Hang" typeface="맑은 고딕"/>
+        <a:font script="Hans" typeface="宋体"/>
+        <a:font script="Hant" typeface="新細明體"/>
+        <a:font script="Arab" typeface="Times New Roman"/>
+        <a:font script="Hebr" typeface="Times New Roman"/>
+        <a:font script="Thai" typeface="Angsana New"/>
+        <a:font script="Ethi" typeface="Nyala"/>
+        <a:font script="Beng" typeface="Vrinda"/>
+        <a:font script="Gujr" typeface="Shruti"/>
+        <a:font script="Khmr" typeface="MoolBoran"/>
+        <a:font script="Knda" typeface="Tunga"/>
+        <a:font script="Guru" typeface="Raavi"/>
+        <a:font script="Cans" typeface="Euphemia"/>
+        <a:font script="Cher" typeface="Plantagenet Cherokee"/>
+        <a:font script="Yiii" typeface="Microsoft Yi Baiti"/>
+        <a:font script="Tibt" typeface="Microsoft Himalaya"/>
+        <a:font script="Thaa" typeface="MV Boli"/>
+        <a:font script="Deva" typeface="Mangal"/>
+        <a:font script="Telu" typeface="Gautami"/>
+        <a:font script="Taml" typeface="Latha"/>
+        <a:font script="Syrc" typeface="Estrangelo Edessa"/>
+        <a:font script="Orya" typeface="Kalinga"/>
+        <a:font script="Mlym" typeface="Kartika"/>
+        <a:font script="Laoo" typeface="DokChampa"/>
+        <a:font script="Sinh" typeface="Iskoola Pota"/>
+        <a:font script="Mong" typeface="Mongolian Baiti"/>
+        <a:font script="Viet" typeface="Times New Roman"/>
+        <a:font script="Uigh" typeface="Microsoft Uighur"/>
+        <a:font script="Geor" typeface="Sylfaen"/>
+      </a:majorFont>
+      <a:minorFont>
+        <a:latin typeface="Calibri" panose="020F0502020204030204"/>
+        <a:ea typeface=""/>
+        <a:cs typeface=""/>
+        <a:font script="Jpan" typeface="ＭＳ Ｐゴシック"/>
+        <a:font script="Hang" typeface="맑은 고딕"/>
+        <a:font script="Hans" typeface="宋体"/>
+        <a:font script="Hant" typeface="新細明體"/>
+        <a:font script="Arab" typeface="Arial"/>
+        <a:font script="Hebr" typeface="Arial"/>
+        <a:font script="Thai" typeface="Cordia New"/>
+        <a:font script="Ethi" typeface="Nyala"/>
+        <a:font script="Beng" typeface="Vrinda"/>
+        <a:font script="Gujr" typeface="Shruti"/>
+        <a:font script="Khmr" typeface="DaunPenh"/>
+        <a:font script="Knda" typeface="Tunga"/>
+        <a:font script="Guru" typeface="Raavi"/>
+        <a:font script="Cans" typeface="Euphemia"/>
+        <a:font script="Cher" typeface="Plantagenet Cherokee"/>
+        <a:font script="Yiii" typeface="Microsoft Yi Baiti"/>
+        <a:font script="Tibt" typeface="Microsoft Himalaya"/>
+        <a:font script="Thaa" typeface="MV Boli"/>
+        <a:font script="Deva" typeface="Mangal"/>
+        <a:font script="Telu" typeface="Gautami"/>
+        <a:font script="Taml" typeface="Latha"/>
+        <a:font script="Syrc" typeface="Estrangelo Edessa"/>
+        <a:font script="Orya" typeface="Kalinga"/>
+        <a:font script="Mlym" typeface="Kartika"/>
+        <a:font script="Laoo" typeface="DokChampa"/>
+        <a:font script="Sinh" typeface="Iskoola Pota"/>
+        <a:font script="Mong" typeface="Mongolian Baiti"/>
+        <a:font script="Viet" typeface="Arial"/>
+        <a:font script="Uigh" typeface="Microsoft Uighur"/>
+        <a:font script="Geor" typeface="Sylfaen"/>
+      </a:minorFont>
+    </a:fontScheme>
+    <a:fmtScheme name="Office">
+      <a:fillStyleLst>
+        <a:solidFill>
+          <a:schemeClr val="phClr"/>
+        </a:solidFill>
+        <a:gradFill rotWithShape="1">
+          <a:gsLst>
+            <a:gs pos="0">
+              <a:schemeClr val="phClr">
+                <a:lumMod val="110000"/>
+                <a:satMod val="105000"/>
+                <a:tint val="67000"/>
+              </a:schemeClr>
+            </a:gs>
+            <a:gs pos="50000">
+              <a:schemeClr val="phClr">
+                <a:lumMod val="105000"/>
+                <a:satMod val="103000"/>
+                <a:tint val="73000"/>
+              </a:schemeClr>
+            </a:gs>
+            <a:gs pos="100000">
+              <a:schemeClr val="phClr">
+                <a:lumMod val="105000"/>
+                <a:satMod val="109000"/>
+                <a:tint val="81000"/>
+              </a:schemeClr>
+            </a:gs>
+          </a:gsLst>
+          <a:lin ang="5400000" scaled="0"/>
+        </a:gradFill>
+        <a:gradFill rotWithShape="1">
+          <a:gsLst>
+            <a:gs pos="0">
+              <a:schemeClr val="phClr">
+                <a:satMod val="103000"/>
+                <a:lumMod val="102000"/>
+                <a:tint val="94000"/>
+              </a:schemeClr>
+            </a:gs>
+            <a:gs pos="50000">
+              <a:schemeClr val="phClr">
+                <a:satMod val="110000"/>
+                <a:lumMod val="100000"/>
+                <a:shade val="100000"/>
+              </a:schemeClr>
+            </a:gs>
+            <a:gs pos="100000">
+              <a:schemeClr val="phClr">
+                <a:lumMod val="99000"/>
+                <a:satMod val="120000"/>
+                <a:shade val="78000"/>
+              </a:schemeClr>
+            </a:gs>
+          </a:gsLst>
+          <a:lin ang="5400000" scaled="0"/>
+        </a:gradFill>
+      </a:fillStyleLst>
+      <a:lnStyleLst>
+        <a:ln w="6350" cap="flat" cmpd="sng" algn="ctr">
+          <a:solidFill>
+            <a:schemeClr val="phClr"/>
+          </a:solidFill>
+          <a:prstDash val="solid"/>
+          <a:miter lim="800000"/>
+        </a:ln>
+        <a:ln w="12700" cap="flat" cmpd="sng" algn="ctr">
+          <a:solidFill>
+            <a:schemeClr val="phClr"/>
+          </a:solidFill>
+          <a:prstDash val="solid"/>
+          <a:miter lim="800000"/>
+        </a:ln>
+        <a:ln w="19050" cap="flat" cmpd="sng" algn="ctr">
+          <a:solidFill>
+            <a:schemeClr val="phClr"/>
+          </a:solidFill>
+          <a:prstDash val="solid"/>
+          <a:miter lim="800000"/>
+        </a:ln>
+      </a:lnStyleLst>
+      <a:effectStyleLst>
+        <a:effectStyle>
+          <a:effectLst/>
+        </a:effectStyle>
+        <a:effectStyle>
+          <a:effectLst/>
+        </a:effectStyle>
+        <a:effectStyle>
+          <a:effectLst>
+            <a:outerShdw blurRad="57150" dist="19050" dir="5400000" algn="ctr" rotWithShape="0">
+              <a:srgbClr val="000000">
+                <a:alpha val="63000"/>
+              </a:srgbClr>
+            </a:outerShdw>
+          </a:effectLst>
+        </a:effectStyle>
+      </a:effectStyleLst>
+      <a:bgFillStyleLst>
+        <a:solidFill>
+          <a:schemeClr val="phClr"/>
+        </a:solidFill>
+        <a:solidFill>
+          <a:schemeClr val="phClr">
+            <a:tint val="95000"/>
+            <a:satMod val="170000"/>
+          </a:schemeClr>
+        </a:solidFill>
+        <a:gradFill rotWithShape="1">
+          <a:gsLst>
+            <a:gs pos="0">
+              <a:schemeClr val="phClr">
+                <a:tint val="93000"/>
+                <a:satMod val="150000"/>
+                <a:shade val="98000"/>
+                <a:lumMod val="102000"/>
+              </a:schemeClr>
+            </a:gs>
+            <a:gs pos="50000">
+              <a:schemeClr val="phClr">
+                <a:tint val="98000"/>
+                <a:satMod val="130000"/>
+                <a:shade val="90000"/>
+                <a:lumMod val="103000"/>
+              </a:schemeClr>
+            </a:gs>
+            <a:gs pos="100000">
+              <a:schemeClr val="phClr">
+                <a:shade val="63000"/>
+                <a:satMod val="120000"/>
+              </a:schemeClr>
+            </a:gs>
+          </a:gsLst>
+          <a:lin ang="5400000" scaled="0"/>
+        </a:gradFill>
+      </a:bgFillStyleLst>
+    </a:fmtScheme>
+  </a:themeElements>
+  <a:objectDefaults/>
+  <a:extraClrSchemeLst/>
+  <a:extLst>
+    <a:ext uri="{05A4C25C-085E-4340-85A3-A5531E510DB2}">
+      <thm15:themeFamily xmlns:thm15="http://schemas.microsoft.com/office/thememl/2012/main" name="Office Theme" id="{62F939B6-93AF-4DB8-9C6B-D6C7DFDC589F}" vid="{4A3C46E8-61CC-4603-A589-7422A47A8E4A}"/>
+    </a:ext>
+  </a:extLst>
+</a:theme>
 </file>
--- a/Spark阅读源码的笔记.pptx
+++ b/Spark阅读源码的笔记.pptx
@@ -5,7 +5,7 @@
     <p:sldMasterId id="2147483648" r:id="rId1"/>
   </p:sldMasterIdLst>
   <p:notesMasterIdLst>
-    <p:notesMasterId r:id="rId32"/>
+    <p:notesMasterId r:id="rId36"/>
   </p:notesMasterIdLst>
   <p:sldIdLst>
     <p:sldId id="256" r:id="rId2"/>
@@ -18,26 +18,30 @@
     <p:sldId id="263" r:id="rId9"/>
     <p:sldId id="264" r:id="rId10"/>
     <p:sldId id="266" r:id="rId11"/>
-    <p:sldId id="285" r:id="rId12"/>
-    <p:sldId id="282" r:id="rId13"/>
+    <p:sldId id="282" r:id="rId12"/>
+    <p:sldId id="285" r:id="rId13"/>
     <p:sldId id="283" r:id="rId14"/>
-    <p:sldId id="284" r:id="rId15"/>
-    <p:sldId id="267" r:id="rId16"/>
-    <p:sldId id="268" r:id="rId17"/>
-    <p:sldId id="265" r:id="rId18"/>
-    <p:sldId id="269" r:id="rId19"/>
-    <p:sldId id="270" r:id="rId20"/>
-    <p:sldId id="271" r:id="rId21"/>
-    <p:sldId id="272" r:id="rId22"/>
-    <p:sldId id="273" r:id="rId23"/>
-    <p:sldId id="274" r:id="rId24"/>
-    <p:sldId id="275" r:id="rId25"/>
-    <p:sldId id="276" r:id="rId26"/>
-    <p:sldId id="277" r:id="rId27"/>
-    <p:sldId id="278" r:id="rId28"/>
-    <p:sldId id="279" r:id="rId29"/>
-    <p:sldId id="280" r:id="rId30"/>
-    <p:sldId id="281" r:id="rId31"/>
+    <p:sldId id="289" r:id="rId15"/>
+    <p:sldId id="286" r:id="rId16"/>
+    <p:sldId id="287" r:id="rId17"/>
+    <p:sldId id="288" r:id="rId18"/>
+    <p:sldId id="284" r:id="rId19"/>
+    <p:sldId id="267" r:id="rId20"/>
+    <p:sldId id="268" r:id="rId21"/>
+    <p:sldId id="265" r:id="rId22"/>
+    <p:sldId id="269" r:id="rId23"/>
+    <p:sldId id="270" r:id="rId24"/>
+    <p:sldId id="271" r:id="rId25"/>
+    <p:sldId id="272" r:id="rId26"/>
+    <p:sldId id="273" r:id="rId27"/>
+    <p:sldId id="274" r:id="rId28"/>
+    <p:sldId id="275" r:id="rId29"/>
+    <p:sldId id="276" r:id="rId30"/>
+    <p:sldId id="277" r:id="rId31"/>
+    <p:sldId id="278" r:id="rId32"/>
+    <p:sldId id="279" r:id="rId33"/>
+    <p:sldId id="280" r:id="rId34"/>
+    <p:sldId id="281" r:id="rId35"/>
   </p:sldIdLst>
   <p:sldSz cx="12192000" cy="6858000"/>
   <p:notesSz cx="6858000" cy="9144000"/>
@@ -226,7 +230,7 @@
           <a:p>
             <a:fld id="{E79BCF29-52E9-4B6F-BE17-814B78939943}" type="datetimeFigureOut">
               <a:rPr lang="zh-CN" altLang="en-US" smtClean="0"/>
-              <a:t>2017/4/4</a:t>
+              <a:t>2017/4/5</a:t>
             </a:fld>
             <a:endParaRPr lang="zh-CN" altLang="en-US"/>
           </a:p>
@@ -559,6 +563,90 @@
           <a:p>
             <a:fld id="{F8957E2C-20B6-4ABE-B68C-98AB9259DA1C}" type="slidenum">
               <a:rPr lang="zh-CN" altLang="en-US" smtClean="0"/>
+              <a:t>6</a:t>
+            </a:fld>
+            <a:endParaRPr lang="zh-CN" altLang="en-US"/>
+          </a:p>
+        </p:txBody>
+      </p:sp>
+    </p:spTree>
+    <p:extLst>
+      <p:ext uri="{BB962C8B-B14F-4D97-AF65-F5344CB8AC3E}">
+        <p14:creationId xmlns:p14="http://schemas.microsoft.com/office/powerpoint/2010/main" val="2849713040"/>
+      </p:ext>
+    </p:extLst>
+  </p:cSld>
+  <p:clrMapOvr>
+    <a:masterClrMapping/>
+  </p:clrMapOvr>
+</p:notes>
+</file>
+
+<file path=ppt/notesSlides/notesSlide2.xml><?xml version="1.0" encoding="utf-8"?>
+<p:notes xmlns:a="http://schemas.openxmlformats.org/drawingml/2006/main" xmlns:r="http://schemas.openxmlformats.org/officeDocument/2006/relationships" xmlns:p="http://schemas.openxmlformats.org/presentationml/2006/main">
+  <p:cSld>
+    <p:spTree>
+      <p:nvGrpSpPr>
+        <p:cNvPr id="1" name=""/>
+        <p:cNvGrpSpPr/>
+        <p:nvPr/>
+      </p:nvGrpSpPr>
+      <p:grpSpPr>
+        <a:xfrm>
+          <a:off x="0" y="0"/>
+          <a:ext cx="0" cy="0"/>
+          <a:chOff x="0" y="0"/>
+          <a:chExt cx="0" cy="0"/>
+        </a:xfrm>
+      </p:grpSpPr>
+      <p:sp>
+        <p:nvSpPr>
+          <p:cNvPr id="2" name="幻灯片图像占位符 1"/>
+          <p:cNvSpPr>
+            <a:spLocks noGrp="1" noRot="1" noChangeAspect="1"/>
+          </p:cNvSpPr>
+          <p:nvPr>
+            <p:ph type="sldImg"/>
+          </p:nvPr>
+        </p:nvSpPr>
+        <p:spPr/>
+      </p:sp>
+      <p:sp>
+        <p:nvSpPr>
+          <p:cNvPr id="3" name="备注占位符 2"/>
+          <p:cNvSpPr>
+            <a:spLocks noGrp="1"/>
+          </p:cNvSpPr>
+          <p:nvPr>
+            <p:ph type="body" idx="1"/>
+          </p:nvPr>
+        </p:nvSpPr>
+        <p:spPr/>
+        <p:txBody>
+          <a:bodyPr/>
+          <a:lstStyle/>
+          <a:p>
+            <a:endParaRPr lang="zh-CN" altLang="en-US"/>
+          </a:p>
+        </p:txBody>
+      </p:sp>
+      <p:sp>
+        <p:nvSpPr>
+          <p:cNvPr id="4" name="灯片编号占位符 3"/>
+          <p:cNvSpPr>
+            <a:spLocks noGrp="1"/>
+          </p:cNvSpPr>
+          <p:nvPr>
+            <p:ph type="sldNum" sz="quarter" idx="10"/>
+          </p:nvPr>
+        </p:nvSpPr>
+        <p:spPr/>
+        <p:txBody>
+          <a:bodyPr/>
+          <a:lstStyle/>
+          <a:p>
+            <a:fld id="{F8957E2C-20B6-4ABE-B68C-98AB9259DA1C}" type="slidenum">
+              <a:rPr lang="zh-CN" altLang="en-US" smtClean="0"/>
               <a:t>10</a:t>
             </a:fld>
             <a:endParaRPr lang="zh-CN" altLang="en-US"/>
@@ -569,6 +657,394 @@
     <p:extLst>
       <p:ext uri="{BB962C8B-B14F-4D97-AF65-F5344CB8AC3E}">
         <p14:creationId xmlns:p14="http://schemas.microsoft.com/office/powerpoint/2010/main" val="3402453962"/>
+      </p:ext>
+    </p:extLst>
+  </p:cSld>
+  <p:clrMapOvr>
+    <a:masterClrMapping/>
+  </p:clrMapOvr>
+</p:notes>
+</file>
+
+<file path=ppt/notesSlides/notesSlide3.xml><?xml version="1.0" encoding="utf-8"?>
+<p:notes xmlns:a="http://schemas.openxmlformats.org/drawingml/2006/main" xmlns:r="http://schemas.openxmlformats.org/officeDocument/2006/relationships" xmlns:p="http://schemas.openxmlformats.org/presentationml/2006/main">
+  <p:cSld>
+    <p:spTree>
+      <p:nvGrpSpPr>
+        <p:cNvPr id="1" name=""/>
+        <p:cNvGrpSpPr/>
+        <p:nvPr/>
+      </p:nvGrpSpPr>
+      <p:grpSpPr>
+        <a:xfrm>
+          <a:off x="0" y="0"/>
+          <a:ext cx="0" cy="0"/>
+          <a:chOff x="0" y="0"/>
+          <a:chExt cx="0" cy="0"/>
+        </a:xfrm>
+      </p:grpSpPr>
+      <p:sp>
+        <p:nvSpPr>
+          <p:cNvPr id="2" name="幻灯片图像占位符 1"/>
+          <p:cNvSpPr>
+            <a:spLocks noGrp="1" noRot="1" noChangeAspect="1"/>
+          </p:cNvSpPr>
+          <p:nvPr>
+            <p:ph type="sldImg"/>
+          </p:nvPr>
+        </p:nvSpPr>
+        <p:spPr/>
+      </p:sp>
+      <p:sp>
+        <p:nvSpPr>
+          <p:cNvPr id="3" name="备注占位符 2"/>
+          <p:cNvSpPr>
+            <a:spLocks noGrp="1"/>
+          </p:cNvSpPr>
+          <p:nvPr>
+            <p:ph type="body" idx="1"/>
+          </p:nvPr>
+        </p:nvSpPr>
+        <p:spPr/>
+        <p:txBody>
+          <a:bodyPr/>
+          <a:lstStyle/>
+          <a:p>
+            <a:pPr marL="0" marR="0" lvl="0" indent="0" algn="l" defTabSz="914400" rtl="0" eaLnBrk="1" fontAlgn="auto" latinLnBrk="0" hangingPunct="1">
+              <a:lnSpc>
+                <a:spcPct val="100000"/>
+              </a:lnSpc>
+              <a:spcBef>
+                <a:spcPts val="0"/>
+              </a:spcBef>
+              <a:spcAft>
+                <a:spcPts val="0"/>
+              </a:spcAft>
+              <a:buClrTx/>
+              <a:buSzTx/>
+              <a:buFontTx/>
+              <a:buNone/>
+              <a:tabLst/>
+              <a:defRPr/>
+            </a:pPr>
+            <a:r>
+              <a:rPr lang="en-US" altLang="zh-CN" smtClean="0"/>
+              <a:t>MapPartitionsRDD</a:t>
+            </a:r>
+            <a:endParaRPr lang="en-US" altLang="zh-CN" sz="1200" b="0" i="0" kern="1200" smtClean="0">
+              <a:solidFill>
+                <a:schemeClr val="tx1"/>
+              </a:solidFill>
+              <a:effectLst/>
+              <a:latin typeface="+mn-lt"/>
+              <a:ea typeface="+mn-ea"/>
+              <a:cs typeface="+mn-cs"/>
+            </a:endParaRPr>
+          </a:p>
+        </p:txBody>
+      </p:sp>
+      <p:sp>
+        <p:nvSpPr>
+          <p:cNvPr id="4" name="灯片编号占位符 3"/>
+          <p:cNvSpPr>
+            <a:spLocks noGrp="1"/>
+          </p:cNvSpPr>
+          <p:nvPr>
+            <p:ph type="sldNum" sz="quarter" idx="10"/>
+          </p:nvPr>
+        </p:nvSpPr>
+        <p:spPr/>
+        <p:txBody>
+          <a:bodyPr/>
+          <a:lstStyle/>
+          <a:p>
+            <a:fld id="{F8957E2C-20B6-4ABE-B68C-98AB9259DA1C}" type="slidenum">
+              <a:rPr lang="zh-CN" altLang="en-US" smtClean="0"/>
+              <a:t>12</a:t>
+            </a:fld>
+            <a:endParaRPr lang="zh-CN" altLang="en-US"/>
+          </a:p>
+        </p:txBody>
+      </p:sp>
+    </p:spTree>
+    <p:extLst>
+      <p:ext uri="{BB962C8B-B14F-4D97-AF65-F5344CB8AC3E}">
+        <p14:creationId xmlns:p14="http://schemas.microsoft.com/office/powerpoint/2010/main" val="1277194994"/>
+      </p:ext>
+    </p:extLst>
+  </p:cSld>
+  <p:clrMapOvr>
+    <a:masterClrMapping/>
+  </p:clrMapOvr>
+</p:notes>
+</file>
+
+<file path=ppt/notesSlides/notesSlide4.xml><?xml version="1.0" encoding="utf-8"?>
+<p:notes xmlns:a="http://schemas.openxmlformats.org/drawingml/2006/main" xmlns:r="http://schemas.openxmlformats.org/officeDocument/2006/relationships" xmlns:p="http://schemas.openxmlformats.org/presentationml/2006/main">
+  <p:cSld>
+    <p:spTree>
+      <p:nvGrpSpPr>
+        <p:cNvPr id="1" name=""/>
+        <p:cNvGrpSpPr/>
+        <p:nvPr/>
+      </p:nvGrpSpPr>
+      <p:grpSpPr>
+        <a:xfrm>
+          <a:off x="0" y="0"/>
+          <a:ext cx="0" cy="0"/>
+          <a:chOff x="0" y="0"/>
+          <a:chExt cx="0" cy="0"/>
+        </a:xfrm>
+      </p:grpSpPr>
+      <p:sp>
+        <p:nvSpPr>
+          <p:cNvPr id="2" name="幻灯片图像占位符 1"/>
+          <p:cNvSpPr>
+            <a:spLocks noGrp="1" noRot="1" noChangeAspect="1"/>
+          </p:cNvSpPr>
+          <p:nvPr>
+            <p:ph type="sldImg"/>
+          </p:nvPr>
+        </p:nvSpPr>
+        <p:spPr/>
+      </p:sp>
+      <p:sp>
+        <p:nvSpPr>
+          <p:cNvPr id="3" name="备注占位符 2"/>
+          <p:cNvSpPr>
+            <a:spLocks noGrp="1"/>
+          </p:cNvSpPr>
+          <p:nvPr>
+            <p:ph type="body" idx="1"/>
+          </p:nvPr>
+        </p:nvSpPr>
+        <p:spPr/>
+        <p:txBody>
+          <a:bodyPr/>
+          <a:lstStyle/>
+          <a:p>
+            <a:r>
+              <a:rPr lang="en-US" altLang="zh-CN" smtClean="0"/>
+              <a:t>Job</a:t>
+            </a:r>
+            <a:r>
+              <a:rPr lang="zh-CN" altLang="en-US" smtClean="0"/>
+              <a:t>的触发运行其实就是</a:t>
+            </a:r>
+            <a:r>
+              <a:rPr lang="en-US" altLang="zh-CN" smtClean="0"/>
+              <a:t>RDD</a:t>
+            </a:r>
+            <a:r>
+              <a:rPr lang="zh-CN" altLang="en-US" smtClean="0"/>
+              <a:t>的</a:t>
+            </a:r>
+            <a:r>
+              <a:rPr lang="en-US" altLang="zh-CN" smtClean="0"/>
+              <a:t>sparkContext</a:t>
+            </a:r>
+            <a:r>
+              <a:rPr lang="zh-CN" altLang="en-US" smtClean="0"/>
+              <a:t>引用调用</a:t>
+            </a:r>
+            <a:r>
+              <a:rPr lang="en-US" altLang="zh-CN" smtClean="0"/>
+              <a:t>runJob</a:t>
+            </a:r>
+            <a:r>
+              <a:rPr lang="zh-CN" altLang="en-US" smtClean="0"/>
+              <a:t>方法触发执行的，就是这么简单！</a:t>
+            </a:r>
+            <a:endParaRPr lang="en-US" altLang="zh-CN" smtClean="0"/>
+          </a:p>
+          <a:p>
+            <a:r>
+              <a:rPr lang="zh-CN" altLang="en-US" sz="1200" b="0" i="0" kern="1200" smtClean="0">
+                <a:solidFill>
+                  <a:schemeClr val="tx1"/>
+                </a:solidFill>
+                <a:effectLst/>
+                <a:latin typeface="+mn-lt"/>
+                <a:ea typeface="+mn-ea"/>
+                <a:cs typeface="+mn-cs"/>
+              </a:rPr>
+              <a:t>当</a:t>
+            </a:r>
+            <a:r>
+              <a:rPr lang="en-US" altLang="zh-CN" sz="1200" b="0" i="0" kern="1200" smtClean="0">
+                <a:solidFill>
+                  <a:schemeClr val="tx1"/>
+                </a:solidFill>
+                <a:effectLst/>
+                <a:latin typeface="+mn-lt"/>
+                <a:ea typeface="+mn-ea"/>
+                <a:cs typeface="+mn-cs"/>
+              </a:rPr>
+              <a:t>rdd</a:t>
+            </a:r>
+            <a:r>
+              <a:rPr lang="zh-CN" altLang="en-US" sz="1200" b="0" i="0" kern="1200" smtClean="0">
+                <a:solidFill>
+                  <a:schemeClr val="tx1"/>
+                </a:solidFill>
+                <a:effectLst/>
+                <a:latin typeface="+mn-lt"/>
+                <a:ea typeface="+mn-ea"/>
+                <a:cs typeface="+mn-cs"/>
+              </a:rPr>
+              <a:t>触发</a:t>
+            </a:r>
+            <a:r>
+              <a:rPr lang="en-US" altLang="zh-CN" sz="1200" b="0" i="0" kern="1200" smtClean="0">
+                <a:solidFill>
+                  <a:schemeClr val="tx1"/>
+                </a:solidFill>
+                <a:effectLst/>
+                <a:latin typeface="+mn-lt"/>
+                <a:ea typeface="+mn-ea"/>
+                <a:cs typeface="+mn-cs"/>
+              </a:rPr>
+              <a:t>action</a:t>
+            </a:r>
+            <a:r>
+              <a:rPr lang="zh-CN" altLang="en-US" sz="1200" b="0" i="0" kern="1200" smtClean="0">
+                <a:solidFill>
+                  <a:schemeClr val="tx1"/>
+                </a:solidFill>
+                <a:effectLst/>
+                <a:latin typeface="+mn-lt"/>
+                <a:ea typeface="+mn-ea"/>
+                <a:cs typeface="+mn-cs"/>
+              </a:rPr>
+              <a:t>操作之后，会调用</a:t>
+            </a:r>
+            <a:r>
+              <a:rPr lang="en-US" altLang="zh-CN" sz="1200" b="0" i="0" kern="1200" smtClean="0">
+                <a:solidFill>
+                  <a:schemeClr val="tx1"/>
+                </a:solidFill>
+                <a:effectLst/>
+                <a:latin typeface="+mn-lt"/>
+                <a:ea typeface="+mn-ea"/>
+                <a:cs typeface="+mn-cs"/>
+              </a:rPr>
+              <a:t>SparkContext</a:t>
+            </a:r>
+            <a:r>
+              <a:rPr lang="zh-CN" altLang="en-US" sz="1200" b="0" i="0" kern="1200" smtClean="0">
+                <a:solidFill>
+                  <a:schemeClr val="tx1"/>
+                </a:solidFill>
+                <a:effectLst/>
+                <a:latin typeface="+mn-lt"/>
+                <a:ea typeface="+mn-ea"/>
+                <a:cs typeface="+mn-cs"/>
+              </a:rPr>
+              <a:t>的</a:t>
+            </a:r>
+            <a:r>
+              <a:rPr lang="en-US" altLang="zh-CN" sz="1200" b="0" i="0" kern="1200" smtClean="0">
+                <a:solidFill>
+                  <a:schemeClr val="tx1"/>
+                </a:solidFill>
+                <a:effectLst/>
+                <a:latin typeface="+mn-lt"/>
+                <a:ea typeface="+mn-ea"/>
+                <a:cs typeface="+mn-cs"/>
+              </a:rPr>
+              <a:t>runJob</a:t>
+            </a:r>
+            <a:r>
+              <a:rPr lang="zh-CN" altLang="en-US" sz="1200" b="0" i="0" kern="1200" smtClean="0">
+                <a:solidFill>
+                  <a:schemeClr val="tx1"/>
+                </a:solidFill>
+                <a:effectLst/>
+                <a:latin typeface="+mn-lt"/>
+                <a:ea typeface="+mn-ea"/>
+                <a:cs typeface="+mn-cs"/>
+              </a:rPr>
+              <a:t>方法，最后调用的</a:t>
+            </a:r>
+            <a:r>
+              <a:rPr lang="en-US" altLang="zh-CN" sz="1200" b="0" i="0" kern="1200" smtClean="0">
+                <a:solidFill>
+                  <a:schemeClr val="tx1"/>
+                </a:solidFill>
+                <a:effectLst/>
+                <a:latin typeface="+mn-lt"/>
+                <a:ea typeface="+mn-ea"/>
+                <a:cs typeface="+mn-cs"/>
+              </a:rPr>
+              <a:t>DAGScheduler.handleJobSubmitted</a:t>
+            </a:r>
+            <a:r>
+              <a:rPr lang="zh-CN" altLang="en-US" sz="1200" b="0" i="0" kern="1200" smtClean="0">
+                <a:solidFill>
+                  <a:schemeClr val="tx1"/>
+                </a:solidFill>
+                <a:effectLst/>
+                <a:latin typeface="+mn-lt"/>
+                <a:ea typeface="+mn-ea"/>
+                <a:cs typeface="+mn-cs"/>
+              </a:rPr>
+              <a:t>方法完成整个</a:t>
+            </a:r>
+            <a:r>
+              <a:rPr lang="en-US" altLang="zh-CN" sz="1200" b="0" i="0" kern="1200" smtClean="0">
+                <a:solidFill>
+                  <a:schemeClr val="tx1"/>
+                </a:solidFill>
+                <a:effectLst/>
+                <a:latin typeface="+mn-lt"/>
+                <a:ea typeface="+mn-ea"/>
+                <a:cs typeface="+mn-cs"/>
+              </a:rPr>
+              <a:t>job</a:t>
+            </a:r>
+            <a:r>
+              <a:rPr lang="zh-CN" altLang="en-US" sz="1200" b="0" i="0" kern="1200" smtClean="0">
+                <a:solidFill>
+                  <a:schemeClr val="tx1"/>
+                </a:solidFill>
+                <a:effectLst/>
+                <a:latin typeface="+mn-lt"/>
+                <a:ea typeface="+mn-ea"/>
+                <a:cs typeface="+mn-cs"/>
+              </a:rPr>
+              <a:t>的提交。</a:t>
+            </a:r>
+            <a:endParaRPr lang="en-US" altLang="zh-CN" smtClean="0"/>
+          </a:p>
+        </p:txBody>
+      </p:sp>
+      <p:sp>
+        <p:nvSpPr>
+          <p:cNvPr id="4" name="灯片编号占位符 3"/>
+          <p:cNvSpPr>
+            <a:spLocks noGrp="1"/>
+          </p:cNvSpPr>
+          <p:nvPr>
+            <p:ph type="sldNum" sz="quarter" idx="10"/>
+          </p:nvPr>
+        </p:nvSpPr>
+        <p:spPr/>
+        <p:txBody>
+          <a:bodyPr/>
+          <a:lstStyle/>
+          <a:p>
+            <a:fld id="{F8957E2C-20B6-4ABE-B68C-98AB9259DA1C}" type="slidenum">
+              <a:rPr lang="zh-CN" altLang="en-US" smtClean="0"/>
+              <a:t>13</a:t>
+            </a:fld>
+            <a:endParaRPr lang="zh-CN" altLang="en-US"/>
+          </a:p>
+        </p:txBody>
+      </p:sp>
+    </p:spTree>
+    <p:extLst>
+      <p:ext uri="{BB962C8B-B14F-4D97-AF65-F5344CB8AC3E}">
+        <p14:creationId xmlns:p14="http://schemas.microsoft.com/office/powerpoint/2010/main" val="3855131352"/>
       </p:ext>
     </p:extLst>
   </p:cSld>
@@ -709,7 +1185,7 @@
           <a:p>
             <a:fld id="{0CD3BB8F-F75A-4DD3-9170-FD8E567AFB64}" type="datetimeFigureOut">
               <a:rPr lang="zh-CN" altLang="en-US" smtClean="0"/>
-              <a:t>2017/4/4</a:t>
+              <a:t>2017/4/5</a:t>
             </a:fld>
             <a:endParaRPr lang="zh-CN" altLang="en-US"/>
           </a:p>
@@ -879,7 +1355,7 @@
           <a:p>
             <a:fld id="{0CD3BB8F-F75A-4DD3-9170-FD8E567AFB64}" type="datetimeFigureOut">
               <a:rPr lang="zh-CN" altLang="en-US" smtClean="0"/>
-              <a:t>2017/4/4</a:t>
+              <a:t>2017/4/5</a:t>
             </a:fld>
             <a:endParaRPr lang="zh-CN" altLang="en-US"/>
           </a:p>
@@ -1059,7 +1535,7 @@
           <a:p>
             <a:fld id="{0CD3BB8F-F75A-4DD3-9170-FD8E567AFB64}" type="datetimeFigureOut">
               <a:rPr lang="zh-CN" altLang="en-US" smtClean="0"/>
-              <a:t>2017/4/4</a:t>
+              <a:t>2017/4/5</a:t>
             </a:fld>
             <a:endParaRPr lang="zh-CN" altLang="en-US"/>
           </a:p>
@@ -1229,7 +1705,7 @@
           <a:p>
             <a:fld id="{0CD3BB8F-F75A-4DD3-9170-FD8E567AFB64}" type="datetimeFigureOut">
               <a:rPr lang="zh-CN" altLang="en-US" smtClean="0"/>
-              <a:t>2017/4/4</a:t>
+              <a:t>2017/4/5</a:t>
             </a:fld>
             <a:endParaRPr lang="zh-CN" altLang="en-US"/>
           </a:p>
@@ -1475,7 +1951,7 @@
           <a:p>
             <a:fld id="{0CD3BB8F-F75A-4DD3-9170-FD8E567AFB64}" type="datetimeFigureOut">
               <a:rPr lang="zh-CN" altLang="en-US" smtClean="0"/>
-              <a:t>2017/4/4</a:t>
+              <a:t>2017/4/5</a:t>
             </a:fld>
             <a:endParaRPr lang="zh-CN" altLang="en-US"/>
           </a:p>
@@ -1707,7 +2183,7 @@
           <a:p>
             <a:fld id="{0CD3BB8F-F75A-4DD3-9170-FD8E567AFB64}" type="datetimeFigureOut">
               <a:rPr lang="zh-CN" altLang="en-US" smtClean="0"/>
-              <a:t>2017/4/4</a:t>
+              <a:t>2017/4/5</a:t>
             </a:fld>
             <a:endParaRPr lang="zh-CN" altLang="en-US"/>
           </a:p>
@@ -2074,7 +2550,7 @@
           <a:p>
             <a:fld id="{0CD3BB8F-F75A-4DD3-9170-FD8E567AFB64}" type="datetimeFigureOut">
               <a:rPr lang="zh-CN" altLang="en-US" smtClean="0"/>
-              <a:t>2017/4/4</a:t>
+              <a:t>2017/4/5</a:t>
             </a:fld>
             <a:endParaRPr lang="zh-CN" altLang="en-US"/>
           </a:p>
@@ -2192,7 +2668,7 @@
           <a:p>
             <a:fld id="{0CD3BB8F-F75A-4DD3-9170-FD8E567AFB64}" type="datetimeFigureOut">
               <a:rPr lang="zh-CN" altLang="en-US" smtClean="0"/>
-              <a:t>2017/4/4</a:t>
+              <a:t>2017/4/5</a:t>
             </a:fld>
             <a:endParaRPr lang="zh-CN" altLang="en-US"/>
           </a:p>
@@ -2287,7 +2763,7 @@
           <a:p>
             <a:fld id="{0CD3BB8F-F75A-4DD3-9170-FD8E567AFB64}" type="datetimeFigureOut">
               <a:rPr lang="zh-CN" altLang="en-US" smtClean="0"/>
-              <a:t>2017/4/4</a:t>
+              <a:t>2017/4/5</a:t>
             </a:fld>
             <a:endParaRPr lang="zh-CN" altLang="en-US"/>
           </a:p>
@@ -2564,7 +3040,7 @@
           <a:p>
             <a:fld id="{0CD3BB8F-F75A-4DD3-9170-FD8E567AFB64}" type="datetimeFigureOut">
               <a:rPr lang="zh-CN" altLang="en-US" smtClean="0"/>
-              <a:t>2017/4/4</a:t>
+              <a:t>2017/4/5</a:t>
             </a:fld>
             <a:endParaRPr lang="zh-CN" altLang="en-US"/>
           </a:p>
@@ -2817,7 +3293,7 @@
           <a:p>
             <a:fld id="{0CD3BB8F-F75A-4DD3-9170-FD8E567AFB64}" type="datetimeFigureOut">
               <a:rPr lang="zh-CN" altLang="en-US" smtClean="0"/>
-              <a:t>2017/4/4</a:t>
+              <a:t>2017/4/5</a:t>
             </a:fld>
             <a:endParaRPr lang="zh-CN" altLang="en-US"/>
           </a:p>
@@ -3030,7 +3506,7 @@
           <a:p>
             <a:fld id="{0CD3BB8F-F75A-4DD3-9170-FD8E567AFB64}" type="datetimeFigureOut">
               <a:rPr lang="zh-CN" altLang="en-US" smtClean="0"/>
-              <a:t>2017/4/4</a:t>
+              <a:t>2017/4/5</a:t>
             </a:fld>
             <a:endParaRPr lang="zh-CN" altLang="en-US"/>
           </a:p>
@@ -3698,11 +4174,7 @@
             </a:r>
             <a:r>
               <a:rPr lang="zh-CN" altLang="en-US"/>
-              <a:t>执行</a:t>
-            </a:r>
-            <a:r>
-              <a:rPr lang="zh-CN" altLang="en-US"/>
-              <a:t>和</a:t>
+              <a:t>执行和</a:t>
             </a:r>
             <a:r>
               <a:rPr lang="zh-CN" altLang="en-US" smtClean="0"/>
@@ -3767,11 +4239,7 @@
             </a:r>
             <a:r>
               <a:rPr lang="en-US" altLang="zh-CN" sz="1400" i="1"/>
-              <a:t>_</a:t>
-            </a:r>
-            <a:r>
-              <a:rPr lang="en-US" altLang="zh-CN" sz="1400" i="1"/>
-              <a:t>taskScheduler</a:t>
+              <a:t>_taskScheduler</a:t>
             </a:r>
             <a:r>
               <a:rPr lang="zh-CN" altLang="en-US" sz="1400" i="1" smtClean="0"/>
@@ -3894,11 +4362,7 @@
           <a:p>
             <a:r>
               <a:rPr lang="zh-CN" altLang="en-US" b="1"/>
-              <a:t>开启</a:t>
-            </a:r>
-            <a:r>
-              <a:rPr lang="zh-CN" altLang="en-US" b="1"/>
-              <a:t>推测</a:t>
+              <a:t>开启推测</a:t>
             </a:r>
             <a:r>
               <a:rPr lang="zh-CN" altLang="en-US" b="1" smtClean="0"/>
@@ -3987,11 +4451,7 @@
             </a:r>
             <a:r>
               <a:rPr lang="zh-CN" altLang="en-US" sz="1050"/>
-              <a:t>：比其他的慢多少倍时启动</a:t>
-            </a:r>
-            <a:r>
-              <a:rPr lang="zh-CN" altLang="en-US" sz="1050"/>
-              <a:t>推测</a:t>
+              <a:t>：比其他的慢多少倍时启动推测</a:t>
             </a:r>
             <a:r>
               <a:rPr lang="zh-CN" altLang="en-US" sz="1050" smtClean="0"/>
@@ -4067,6 +4527,14 @@
 <file path=ppt/slides/slide11.xml><?xml version="1.0" encoding="utf-8"?>
 <p:sld xmlns:a="http://schemas.openxmlformats.org/drawingml/2006/main" xmlns:r="http://schemas.openxmlformats.org/officeDocument/2006/relationships" xmlns:p="http://schemas.openxmlformats.org/presentationml/2006/main">
   <p:cSld>
+    <p:bg>
+      <p:bgPr>
+        <a:solidFill>
+          <a:schemeClr val="accent1"/>
+        </a:solidFill>
+        <a:effectLst/>
+      </p:bgPr>
+    </p:bg>
     <p:spTree>
       <p:nvGrpSpPr>
         <p:cNvPr id="1" name=""/>
@@ -4097,54 +4565,18 @@
         </p:blipFill>
         <p:spPr>
           <a:xfrm>
-            <a:off x="798990" y="2117055"/>
-            <a:ext cx="9190471" cy="3134250"/>
+            <a:off x="4594959" y="583283"/>
+            <a:ext cx="6401817" cy="3665444"/>
           </a:xfrm>
           <a:prstGeom prst="rect">
             <a:avLst/>
           </a:prstGeom>
         </p:spPr>
       </p:pic>
-      <p:sp>
-        <p:nvSpPr>
-          <p:cNvPr id="3" name="文本框 2"/>
-          <p:cNvSpPr txBox="1"/>
-          <p:nvPr/>
-        </p:nvSpPr>
-        <p:spPr>
-          <a:xfrm>
-            <a:off x="3062796" y="541538"/>
-            <a:ext cx="3104376" cy="646331"/>
-          </a:xfrm>
-          <a:prstGeom prst="rect">
-            <a:avLst/>
-          </a:prstGeom>
-          <a:noFill/>
-        </p:spPr>
-        <p:txBody>
-          <a:bodyPr wrap="none" rtlCol="0">
-            <a:spAutoFit/>
-          </a:bodyPr>
-          <a:lstStyle/>
-          <a:p>
-            <a:r>
-              <a:rPr lang="zh-CN" altLang="en-US" smtClean="0"/>
-              <a:t>书签，明天继续 </a:t>
-            </a:r>
-            <a:r>
-              <a:rPr lang="en-US" altLang="zh-CN" smtClean="0"/>
-              <a:t>SaprkContext</a:t>
-            </a:r>
-          </a:p>
-          <a:p>
-            <a:endParaRPr lang="zh-CN" altLang="en-US"/>
-          </a:p>
-        </p:txBody>
-      </p:sp>
     </p:spTree>
     <p:extLst>
       <p:ext uri="{BB962C8B-B14F-4D97-AF65-F5344CB8AC3E}">
-        <p14:creationId xmlns:p14="http://schemas.microsoft.com/office/powerpoint/2010/main" val="2096370747"/>
+        <p14:creationId xmlns:p14="http://schemas.microsoft.com/office/powerpoint/2010/main" val="2481553055"/>
       </p:ext>
     </p:extLst>
   </p:cSld>
@@ -4157,6 +4589,2285 @@
 <file path=ppt/slides/slide12.xml><?xml version="1.0" encoding="utf-8"?>
 <p:sld xmlns:a="http://schemas.openxmlformats.org/drawingml/2006/main" xmlns:r="http://schemas.openxmlformats.org/officeDocument/2006/relationships" xmlns:p="http://schemas.openxmlformats.org/presentationml/2006/main">
   <p:cSld>
+    <p:bg>
+      <p:bgPr>
+        <a:solidFill>
+          <a:schemeClr val="accent1"/>
+        </a:solidFill>
+        <a:effectLst/>
+      </p:bgPr>
+    </p:bg>
+    <p:spTree>
+      <p:nvGrpSpPr>
+        <p:cNvPr id="1" name=""/>
+        <p:cNvGrpSpPr/>
+        <p:nvPr/>
+      </p:nvGrpSpPr>
+      <p:grpSpPr>
+        <a:xfrm>
+          <a:off x="0" y="0"/>
+          <a:ext cx="0" cy="0"/>
+          <a:chOff x="0" y="0"/>
+          <a:chExt cx="0" cy="0"/>
+        </a:xfrm>
+      </p:grpSpPr>
+      <p:sp>
+        <p:nvSpPr>
+          <p:cNvPr id="5" name="文本框 4"/>
+          <p:cNvSpPr txBox="1"/>
+          <p:nvPr/>
+        </p:nvSpPr>
+        <p:spPr>
+          <a:xfrm>
+            <a:off x="139338" y="52251"/>
+            <a:ext cx="12052662" cy="3293209"/>
+          </a:xfrm>
+          <a:prstGeom prst="rect">
+            <a:avLst/>
+          </a:prstGeom>
+          <a:noFill/>
+        </p:spPr>
+        <p:txBody>
+          <a:bodyPr wrap="square" rtlCol="0">
+            <a:spAutoFit/>
+          </a:bodyPr>
+          <a:lstStyle/>
+          <a:p>
+            <a:pPr lvl="0">
+              <a:defRPr/>
+            </a:pPr>
+            <a:r>
+              <a:rPr lang="zh-CN" altLang="en-US" sz="2800" b="1" smtClean="0">
+                <a:solidFill>
+                  <a:srgbClr val="C00000"/>
+                </a:solidFill>
+              </a:rPr>
+              <a:t>重点中的重点：</a:t>
+            </a:r>
+            <a:endParaRPr lang="en-US" altLang="zh-CN" sz="2800" b="1" smtClean="0">
+              <a:solidFill>
+                <a:srgbClr val="C00000"/>
+              </a:solidFill>
+            </a:endParaRPr>
+          </a:p>
+          <a:p>
+            <a:pPr lvl="0">
+              <a:defRPr/>
+            </a:pPr>
+            <a:r>
+              <a:rPr lang="zh-CN" altLang="en-US" smtClean="0">
+                <a:solidFill>
+                  <a:srgbClr val="FF0000"/>
+                </a:solidFill>
+              </a:rPr>
+              <a:t>如下这些方法</a:t>
+            </a:r>
+            <a:r>
+              <a:rPr lang="en-US" altLang="zh-CN" smtClean="0">
+                <a:solidFill>
+                  <a:srgbClr val="FF0000"/>
+                </a:solidFill>
+              </a:rPr>
+              <a:t>(SparkContext</a:t>
+            </a:r>
+            <a:r>
+              <a:rPr lang="zh-CN" altLang="en-US" smtClean="0">
+                <a:solidFill>
+                  <a:srgbClr val="FF0000"/>
+                </a:solidFill>
+              </a:rPr>
+              <a:t>的部分方法</a:t>
+            </a:r>
+            <a:r>
+              <a:rPr lang="en-US" altLang="zh-CN" smtClean="0">
+                <a:solidFill>
+                  <a:srgbClr val="FF0000"/>
+                </a:solidFill>
+              </a:rPr>
+              <a:t>)</a:t>
+            </a:r>
+            <a:r>
+              <a:rPr lang="zh-CN" altLang="en-US" smtClean="0">
+                <a:solidFill>
+                  <a:srgbClr val="FF0000"/>
+                </a:solidFill>
+              </a:rPr>
+              <a:t>都是</a:t>
+            </a:r>
+            <a:r>
+              <a:rPr lang="en-US" altLang="zh-CN" smtClean="0">
+                <a:solidFill>
+                  <a:srgbClr val="FF0000"/>
+                </a:solidFill>
+              </a:rPr>
+              <a:t>SparkContext</a:t>
+            </a:r>
+            <a:r>
+              <a:rPr lang="zh-CN" altLang="en-US" smtClean="0">
+                <a:solidFill>
+                  <a:srgbClr val="FF0000"/>
+                </a:solidFill>
+              </a:rPr>
+              <a:t>创建</a:t>
+            </a:r>
+            <a:r>
+              <a:rPr lang="en-US" altLang="zh-CN" smtClean="0">
+                <a:solidFill>
+                  <a:srgbClr val="FF0000"/>
+                </a:solidFill>
+              </a:rPr>
+              <a:t>RDD</a:t>
+            </a:r>
+            <a:r>
+              <a:rPr lang="zh-CN" altLang="en-US" smtClean="0">
+                <a:solidFill>
+                  <a:srgbClr val="FF0000"/>
+                </a:solidFill>
+              </a:rPr>
+              <a:t>使用的方法，查看源代码会发现任何一种可以创建</a:t>
+            </a:r>
+            <a:r>
+              <a:rPr lang="en-US" altLang="zh-CN" smtClean="0">
+                <a:solidFill>
+                  <a:srgbClr val="FF0000"/>
+                </a:solidFill>
+              </a:rPr>
+              <a:t>RDD</a:t>
+            </a:r>
+            <a:r>
+              <a:rPr lang="zh-CN" altLang="en-US" smtClean="0">
+                <a:solidFill>
+                  <a:srgbClr val="FF0000"/>
+                </a:solidFill>
+              </a:rPr>
+              <a:t>的方法都传入了</a:t>
+            </a:r>
+            <a:r>
+              <a:rPr lang="en-US" altLang="zh-CN" smtClean="0">
+                <a:solidFill>
+                  <a:srgbClr val="FF0000"/>
+                </a:solidFill>
+              </a:rPr>
+              <a:t>this</a:t>
+            </a:r>
+            <a:r>
+              <a:rPr lang="zh-CN" altLang="en-US" smtClean="0">
+                <a:solidFill>
+                  <a:srgbClr val="FF0000"/>
+                </a:solidFill>
+              </a:rPr>
+              <a:t>引用</a:t>
+            </a:r>
+            <a:r>
+              <a:rPr lang="en-US" altLang="zh-CN" smtClean="0">
+                <a:solidFill>
+                  <a:srgbClr val="FF0000"/>
+                </a:solidFill>
+              </a:rPr>
+              <a:t>(</a:t>
+            </a:r>
+            <a:r>
+              <a:rPr lang="zh-CN" altLang="en-US" smtClean="0">
+                <a:solidFill>
+                  <a:srgbClr val="FF0000"/>
+                </a:solidFill>
+              </a:rPr>
+              <a:t>就是当前的</a:t>
+            </a:r>
+            <a:r>
+              <a:rPr lang="en-US" altLang="zh-CN" smtClean="0">
+                <a:solidFill>
+                  <a:srgbClr val="FF0000"/>
+                </a:solidFill>
+              </a:rPr>
+              <a:t>sparkContext</a:t>
+            </a:r>
+            <a:r>
+              <a:rPr lang="zh-CN" altLang="en-US" smtClean="0">
+                <a:solidFill>
+                  <a:srgbClr val="FF0000"/>
+                </a:solidFill>
+              </a:rPr>
+              <a:t>对象</a:t>
+            </a:r>
+            <a:r>
+              <a:rPr lang="en-US" altLang="zh-CN" smtClean="0">
+                <a:solidFill>
+                  <a:srgbClr val="FF0000"/>
+                </a:solidFill>
+              </a:rPr>
+              <a:t>,</a:t>
+            </a:r>
+            <a:r>
+              <a:rPr lang="zh-CN" altLang="en-US" smtClean="0">
+                <a:solidFill>
+                  <a:srgbClr val="FF0000"/>
+                </a:solidFill>
+              </a:rPr>
+              <a:t>这个非常重要</a:t>
+            </a:r>
+            <a:r>
+              <a:rPr lang="en-US" altLang="zh-CN" smtClean="0">
+                <a:solidFill>
+                  <a:srgbClr val="FF0000"/>
+                </a:solidFill>
+              </a:rPr>
+              <a:t>)</a:t>
+            </a:r>
+            <a:r>
+              <a:rPr lang="zh-CN" altLang="en-US" smtClean="0">
+                <a:solidFill>
+                  <a:srgbClr val="FF0000"/>
+                </a:solidFill>
+              </a:rPr>
+              <a:t>，这样当</a:t>
+            </a:r>
+            <a:r>
+              <a:rPr lang="en-US" altLang="zh-CN" smtClean="0">
+                <a:solidFill>
+                  <a:srgbClr val="FF0000"/>
+                </a:solidFill>
+              </a:rPr>
+              <a:t>RDD</a:t>
+            </a:r>
+            <a:r>
+              <a:rPr lang="zh-CN" altLang="en-US" smtClean="0">
+                <a:solidFill>
+                  <a:srgbClr val="FF0000"/>
+                </a:solidFill>
+              </a:rPr>
+              <a:t>遇见</a:t>
+            </a:r>
+            <a:r>
+              <a:rPr lang="en-US" altLang="zh-CN" smtClean="0">
+                <a:solidFill>
+                  <a:srgbClr val="FF0000"/>
+                </a:solidFill>
+              </a:rPr>
+              <a:t>Action</a:t>
+            </a:r>
+            <a:r>
+              <a:rPr lang="zh-CN" altLang="en-US" smtClean="0">
+                <a:solidFill>
+                  <a:srgbClr val="FF0000"/>
+                </a:solidFill>
+              </a:rPr>
+              <a:t>之后，该</a:t>
+            </a:r>
+            <a:r>
+              <a:rPr lang="en-US" altLang="zh-CN" smtClean="0">
+                <a:solidFill>
+                  <a:srgbClr val="FF0000"/>
+                </a:solidFill>
+              </a:rPr>
+              <a:t>RDD</a:t>
+            </a:r>
+            <a:r>
+              <a:rPr lang="zh-CN" altLang="en-US" smtClean="0">
+                <a:solidFill>
+                  <a:srgbClr val="FF0000"/>
+                </a:solidFill>
+              </a:rPr>
+              <a:t>就会根据自己的</a:t>
+            </a:r>
+            <a:r>
+              <a:rPr lang="en-US" altLang="zh-CN" smtClean="0">
+                <a:solidFill>
+                  <a:srgbClr val="FF0000"/>
+                </a:solidFill>
+              </a:rPr>
+              <a:t>sparkContext</a:t>
+            </a:r>
+            <a:r>
+              <a:rPr lang="zh-CN" altLang="en-US" smtClean="0">
+                <a:solidFill>
+                  <a:srgbClr val="FF0000"/>
+                </a:solidFill>
+              </a:rPr>
+              <a:t>引用调用</a:t>
+            </a:r>
+            <a:r>
+              <a:rPr lang="en-US" altLang="zh-CN" smtClean="0">
+                <a:solidFill>
+                  <a:srgbClr val="FF0000"/>
+                </a:solidFill>
+              </a:rPr>
+              <a:t>SparkContext</a:t>
+            </a:r>
+            <a:r>
+              <a:rPr lang="zh-CN" altLang="en-US" smtClean="0">
+                <a:solidFill>
+                  <a:srgbClr val="FF0000"/>
+                </a:solidFill>
+              </a:rPr>
+              <a:t>的</a:t>
+            </a:r>
+            <a:r>
+              <a:rPr lang="en-US" altLang="zh-CN" smtClean="0">
+                <a:solidFill>
+                  <a:srgbClr val="FF0000"/>
+                </a:solidFill>
+              </a:rPr>
+              <a:t>runJob</a:t>
+            </a:r>
+            <a:r>
+              <a:rPr lang="zh-CN" altLang="en-US" smtClean="0">
+                <a:solidFill>
+                  <a:srgbClr val="FF0000"/>
+                </a:solidFill>
+              </a:rPr>
+              <a:t>方法，然后真正执行作业！</a:t>
+            </a:r>
+            <a:endParaRPr lang="en-US" altLang="zh-CN" smtClean="0">
+              <a:solidFill>
+                <a:srgbClr val="FF0000"/>
+              </a:solidFill>
+            </a:endParaRPr>
+          </a:p>
+          <a:p>
+            <a:pPr lvl="0">
+              <a:defRPr/>
+            </a:pPr>
+            <a:endParaRPr lang="en-US" altLang="zh-CN" smtClean="0">
+              <a:solidFill>
+                <a:srgbClr val="FF0000"/>
+              </a:solidFill>
+            </a:endParaRPr>
+          </a:p>
+          <a:p>
+            <a:pPr lvl="0">
+              <a:defRPr/>
+            </a:pPr>
+            <a:r>
+              <a:rPr lang="en-US" altLang="zh-CN" b="1" smtClean="0">
+                <a:solidFill>
+                  <a:schemeClr val="accent2"/>
+                </a:solidFill>
+              </a:rPr>
+              <a:t>sparkContext</a:t>
+            </a:r>
+            <a:r>
+              <a:rPr lang="zh-CN" altLang="en-US" b="1" smtClean="0">
+                <a:solidFill>
+                  <a:schemeClr val="accent2"/>
+                </a:solidFill>
+              </a:rPr>
+              <a:t>创建</a:t>
+            </a:r>
+            <a:r>
+              <a:rPr lang="en-US" altLang="zh-CN" b="1" smtClean="0">
+                <a:solidFill>
+                  <a:schemeClr val="accent2"/>
+                </a:solidFill>
+              </a:rPr>
+              <a:t>RDD</a:t>
+            </a:r>
+            <a:r>
+              <a:rPr lang="zh-CN" altLang="en-US" b="1" smtClean="0">
+                <a:solidFill>
+                  <a:schemeClr val="accent2"/>
+                </a:solidFill>
+              </a:rPr>
+              <a:t>的部分方法：</a:t>
+            </a:r>
+            <a:endParaRPr lang="en-US" altLang="zh-CN" b="1">
+              <a:solidFill>
+                <a:schemeClr val="accent2"/>
+              </a:solidFill>
+            </a:endParaRPr>
+          </a:p>
+          <a:p>
+            <a:pPr lvl="0">
+              <a:defRPr/>
+            </a:pPr>
+            <a:r>
+              <a:rPr lang="en-US" altLang="zh-CN" smtClean="0"/>
+              <a:t>def </a:t>
+            </a:r>
+            <a:r>
+              <a:rPr lang="en-US" altLang="zh-CN"/>
+              <a:t>makeRDD[T](seq: Seq[(T, Seq[String])])(</a:t>
+            </a:r>
+            <a:r>
+              <a:rPr lang="en-US" altLang="zh-CN" i="1"/>
+              <a:t>implicit </a:t>
+            </a:r>
+            <a:r>
+              <a:rPr lang="en-US" altLang="zh-CN"/>
+              <a:t>arg0: ClassTag[T])</a:t>
+            </a:r>
+          </a:p>
+          <a:p>
+            <a:pPr lvl="0">
+              <a:defRPr/>
+            </a:pPr>
+            <a:r>
+              <a:rPr lang="en-US" altLang="zh-CN"/>
+              <a:t>def newAPIHadoopFile[K, V, F &lt;: InputFormat[K, V]](path: String ….</a:t>
+            </a:r>
+            <a:r>
+              <a:rPr lang="zh-CN" altLang="en-US"/>
+              <a:t>）</a:t>
+            </a:r>
+            <a:endParaRPr lang="en-US" altLang="zh-CN"/>
+          </a:p>
+          <a:p>
+            <a:pPr lvl="0">
+              <a:defRPr/>
+            </a:pPr>
+            <a:r>
+              <a:rPr lang="en-US" altLang="zh-CN"/>
+              <a:t>d</a:t>
+            </a:r>
+            <a:r>
+              <a:rPr lang="fr-FR" altLang="zh-CN"/>
+              <a:t>ef objectFile[T](path: String, minPartitions: Int = </a:t>
+            </a:r>
+            <a:r>
+              <a:rPr lang="fr-FR" altLang="zh-CN" u="sng">
+                <a:hlinkClick r:id="rId3"/>
+              </a:rPr>
+              <a:t>defaultMinPartitions</a:t>
+            </a:r>
+            <a:r>
+              <a:rPr lang="fr-FR" altLang="zh-CN"/>
+              <a:t>)(</a:t>
+            </a:r>
+            <a:r>
+              <a:rPr lang="fr-FR" altLang="zh-CN" i="1"/>
+              <a:t>implicit </a:t>
+            </a:r>
+            <a:r>
+              <a:rPr lang="fr-FR" altLang="zh-CN"/>
+              <a:t>arg0: ClassTag[T])</a:t>
+            </a:r>
+          </a:p>
+          <a:p>
+            <a:pPr lvl="0">
+              <a:defRPr/>
+            </a:pPr>
+            <a:r>
+              <a:rPr lang="en-US" altLang="zh-CN"/>
+              <a:t>def textFile(path: String, minPartitions: Int = </a:t>
+            </a:r>
+            <a:r>
+              <a:rPr lang="en-US" altLang="zh-CN" u="sng">
+                <a:hlinkClick r:id="rId3"/>
+              </a:rPr>
+              <a:t>defaultMinPartitions</a:t>
+            </a:r>
+            <a:r>
+              <a:rPr lang="en-US" altLang="zh-CN" smtClean="0"/>
+              <a:t>)</a:t>
+            </a:r>
+          </a:p>
+          <a:p>
+            <a:pPr lvl="0">
+              <a:defRPr/>
+            </a:pPr>
+            <a:r>
+              <a:rPr lang="en-US" altLang="zh-CN"/>
+              <a:t> </a:t>
+            </a:r>
+            <a:r>
+              <a:rPr lang="en-US" altLang="zh-CN" smtClean="0"/>
+              <a:t>…</a:t>
+            </a:r>
+            <a:r>
+              <a:rPr lang="zh-CN" altLang="en-US" smtClean="0"/>
+              <a:t>等等</a:t>
+            </a:r>
+            <a:endParaRPr lang="en-US" altLang="zh-CN"/>
+          </a:p>
+        </p:txBody>
+      </p:sp>
+      <p:sp>
+        <p:nvSpPr>
+          <p:cNvPr id="8" name="矩形 7"/>
+          <p:cNvSpPr/>
+          <p:nvPr/>
+        </p:nvSpPr>
+        <p:spPr>
+          <a:xfrm>
+            <a:off x="0" y="3345460"/>
+            <a:ext cx="12192000" cy="3512540"/>
+          </a:xfrm>
+          <a:prstGeom prst="rect">
+            <a:avLst/>
+          </a:prstGeom>
+          <a:solidFill>
+            <a:schemeClr val="accent1">
+              <a:lumMod val="75000"/>
+            </a:schemeClr>
+          </a:solidFill>
+        </p:spPr>
+        <p:style>
+          <a:lnRef idx="2">
+            <a:schemeClr val="accent1">
+              <a:shade val="50000"/>
+            </a:schemeClr>
+          </a:lnRef>
+          <a:fillRef idx="1">
+            <a:schemeClr val="accent1"/>
+          </a:fillRef>
+          <a:effectRef idx="0">
+            <a:schemeClr val="accent1"/>
+          </a:effectRef>
+          <a:fontRef idx="minor">
+            <a:schemeClr val="lt1"/>
+          </a:fontRef>
+        </p:style>
+        <p:txBody>
+          <a:bodyPr rtlCol="0" anchor="ctr"/>
+          <a:lstStyle/>
+          <a:p>
+            <a:pPr algn="ctr"/>
+            <a:endParaRPr lang="zh-CN" altLang="en-US"/>
+          </a:p>
+        </p:txBody>
+      </p:sp>
+      <p:sp>
+        <p:nvSpPr>
+          <p:cNvPr id="9" name="文本框 8"/>
+          <p:cNvSpPr txBox="1"/>
+          <p:nvPr/>
+        </p:nvSpPr>
+        <p:spPr>
+          <a:xfrm>
+            <a:off x="4048" y="3345460"/>
+            <a:ext cx="12234375" cy="861774"/>
+          </a:xfrm>
+          <a:prstGeom prst="rect">
+            <a:avLst/>
+          </a:prstGeom>
+          <a:noFill/>
+        </p:spPr>
+        <p:txBody>
+          <a:bodyPr wrap="none" rtlCol="0">
+            <a:spAutoFit/>
+          </a:bodyPr>
+          <a:lstStyle/>
+          <a:p>
+            <a:r>
+              <a:rPr lang="zh-CN" altLang="en-US" smtClean="0">
+                <a:solidFill>
+                  <a:srgbClr val="FF0000"/>
+                </a:solidFill>
+              </a:rPr>
+              <a:t>接下来看看</a:t>
+            </a:r>
+            <a:r>
+              <a:rPr lang="en-US" altLang="zh-CN" smtClean="0">
+                <a:solidFill>
+                  <a:srgbClr val="FF0000"/>
+                </a:solidFill>
+              </a:rPr>
+              <a:t>RDD</a:t>
+            </a:r>
+            <a:r>
+              <a:rPr lang="zh-CN" altLang="en-US" smtClean="0">
+                <a:solidFill>
+                  <a:srgbClr val="FF0000"/>
+                </a:solidFill>
+              </a:rPr>
+              <a:t>如何执行</a:t>
+            </a:r>
+            <a:r>
+              <a:rPr lang="en-US" altLang="zh-CN" smtClean="0">
+                <a:solidFill>
+                  <a:srgbClr val="FF0000"/>
+                </a:solidFill>
+              </a:rPr>
+              <a:t>Action</a:t>
+            </a:r>
+            <a:r>
+              <a:rPr lang="zh-CN" altLang="en-US" smtClean="0">
+                <a:solidFill>
+                  <a:srgbClr val="FF0000"/>
+                </a:solidFill>
+              </a:rPr>
+              <a:t>的：</a:t>
+            </a:r>
+            <a:endParaRPr lang="en-US" altLang="zh-CN" smtClean="0">
+              <a:solidFill>
+                <a:srgbClr val="FF0000"/>
+              </a:solidFill>
+            </a:endParaRPr>
+          </a:p>
+          <a:p>
+            <a:r>
+              <a:rPr lang="zh-CN" altLang="en-US" sz="1400" smtClean="0">
+                <a:solidFill>
+                  <a:schemeClr val="tx1">
+                    <a:lumMod val="95000"/>
+                    <a:lumOff val="5000"/>
+                  </a:schemeClr>
+                </a:solidFill>
+              </a:rPr>
+              <a:t>以为</a:t>
+            </a:r>
+            <a:r>
+              <a:rPr lang="en-US" altLang="zh-CN" sz="1400" smtClean="0">
+                <a:solidFill>
+                  <a:schemeClr val="tx1">
+                    <a:lumMod val="95000"/>
+                    <a:lumOff val="5000"/>
+                  </a:schemeClr>
+                </a:solidFill>
+              </a:rPr>
+              <a:t>count</a:t>
+            </a:r>
+            <a:r>
+              <a:rPr lang="zh-CN" altLang="en-US" sz="1400" smtClean="0">
+                <a:solidFill>
+                  <a:schemeClr val="tx1">
+                    <a:lumMod val="95000"/>
+                    <a:lumOff val="5000"/>
+                  </a:schemeClr>
+                </a:solidFill>
+              </a:rPr>
+              <a:t>为例，当我们执行</a:t>
+            </a:r>
+            <a:r>
+              <a:rPr lang="en-US" altLang="zh-CN" sz="1400" smtClean="0">
+                <a:solidFill>
+                  <a:schemeClr val="tx1">
+                    <a:lumMod val="95000"/>
+                    <a:lumOff val="5000"/>
+                  </a:schemeClr>
+                </a:solidFill>
+              </a:rPr>
+              <a:t>rdd.count()</a:t>
+            </a:r>
+            <a:r>
+              <a:rPr lang="zh-CN" altLang="en-US" sz="1400" smtClean="0">
+                <a:solidFill>
+                  <a:schemeClr val="tx1">
+                    <a:lumMod val="95000"/>
+                    <a:lumOff val="5000"/>
+                  </a:schemeClr>
+                </a:solidFill>
+              </a:rPr>
+              <a:t>时候，这时候就会调用</a:t>
+            </a:r>
+            <a:r>
+              <a:rPr lang="en-US" altLang="zh-CN" sz="1400" smtClean="0">
+                <a:solidFill>
+                  <a:schemeClr val="tx1">
+                    <a:lumMod val="95000"/>
+                    <a:lumOff val="5000"/>
+                  </a:schemeClr>
+                </a:solidFill>
+              </a:rPr>
+              <a:t>sparkContext</a:t>
+            </a:r>
+            <a:r>
+              <a:rPr lang="zh-CN" altLang="en-US" sz="1400" smtClean="0">
+                <a:solidFill>
+                  <a:schemeClr val="tx1">
+                    <a:lumMod val="95000"/>
+                    <a:lumOff val="5000"/>
+                  </a:schemeClr>
+                </a:solidFill>
+              </a:rPr>
+              <a:t>的</a:t>
+            </a:r>
+            <a:r>
+              <a:rPr lang="en-US" altLang="zh-CN" sz="1400" smtClean="0">
+                <a:solidFill>
+                  <a:schemeClr val="tx1">
+                    <a:lumMod val="95000"/>
+                    <a:lumOff val="5000"/>
+                  </a:schemeClr>
+                </a:solidFill>
+              </a:rPr>
+              <a:t>runJob</a:t>
+            </a:r>
+            <a:r>
+              <a:rPr lang="zh-CN" altLang="en-US" sz="1400" smtClean="0">
+                <a:solidFill>
+                  <a:schemeClr val="tx1">
+                    <a:lumMod val="95000"/>
+                    <a:lumOff val="5000"/>
+                  </a:schemeClr>
+                </a:solidFill>
+              </a:rPr>
+              <a:t>方法，在</a:t>
+            </a:r>
+            <a:r>
+              <a:rPr lang="en-US" altLang="zh-CN" sz="1400" smtClean="0">
+                <a:solidFill>
+                  <a:schemeClr val="tx1">
+                    <a:lumMod val="95000"/>
+                    <a:lumOff val="5000"/>
+                  </a:schemeClr>
+                </a:solidFill>
+              </a:rPr>
+              <a:t>runJob</a:t>
+            </a:r>
+            <a:r>
+              <a:rPr lang="zh-CN" altLang="en-US" sz="1400" smtClean="0">
+                <a:solidFill>
+                  <a:schemeClr val="tx1">
+                    <a:lumMod val="95000"/>
+                    <a:lumOff val="5000"/>
+                  </a:schemeClr>
+                </a:solidFill>
+              </a:rPr>
+              <a:t>方法中完成</a:t>
+            </a:r>
+            <a:r>
+              <a:rPr lang="en-US" altLang="zh-CN" sz="1400" smtClean="0">
+                <a:solidFill>
+                  <a:schemeClr val="tx1">
+                    <a:lumMod val="95000"/>
+                    <a:lumOff val="5000"/>
+                  </a:schemeClr>
+                </a:solidFill>
+              </a:rPr>
+              <a:t>dagScheduler</a:t>
+            </a:r>
+            <a:r>
+              <a:rPr lang="zh-CN" altLang="en-US" sz="1400" smtClean="0">
+                <a:solidFill>
+                  <a:schemeClr val="tx1">
+                    <a:lumMod val="95000"/>
+                    <a:lumOff val="5000"/>
+                  </a:schemeClr>
+                </a:solidFill>
+              </a:rPr>
+              <a:t>的</a:t>
+            </a:r>
+            <a:r>
+              <a:rPr lang="en-US" altLang="zh-CN" sz="1400" smtClean="0">
+                <a:solidFill>
+                  <a:schemeClr val="tx1">
+                    <a:lumMod val="95000"/>
+                    <a:lumOff val="5000"/>
+                  </a:schemeClr>
+                </a:solidFill>
+              </a:rPr>
+              <a:t>runJob</a:t>
+            </a:r>
+            <a:r>
+              <a:rPr lang="zh-CN" altLang="en-US" sz="1400" smtClean="0">
+                <a:solidFill>
+                  <a:schemeClr val="tx1">
+                    <a:lumMod val="95000"/>
+                    <a:lumOff val="5000"/>
+                  </a:schemeClr>
+                </a:solidFill>
+              </a:rPr>
+              <a:t>方法在集群中真正运行</a:t>
+            </a:r>
+            <a:endParaRPr lang="en-US" altLang="zh-CN" sz="1400">
+              <a:solidFill>
+                <a:schemeClr val="tx1">
+                  <a:lumMod val="95000"/>
+                  <a:lumOff val="5000"/>
+                </a:schemeClr>
+              </a:solidFill>
+            </a:endParaRPr>
+          </a:p>
+          <a:p>
+            <a:r>
+              <a:rPr lang="en-US" altLang="zh-CN" smtClean="0"/>
+              <a:t>								</a:t>
+            </a:r>
+            <a:endParaRPr lang="zh-CN" altLang="en-US"/>
+          </a:p>
+        </p:txBody>
+      </p:sp>
+      <p:pic>
+        <p:nvPicPr>
+          <p:cNvPr id="11" name="图片 10"/>
+          <p:cNvPicPr>
+            <a:picLocks noChangeAspect="1"/>
+          </p:cNvPicPr>
+          <p:nvPr/>
+        </p:nvPicPr>
+        <p:blipFill>
+          <a:blip r:embed="rId4"/>
+          <a:stretch>
+            <a:fillRect/>
+          </a:stretch>
+        </p:blipFill>
+        <p:spPr>
+          <a:xfrm>
+            <a:off x="6999622" y="4817897"/>
+            <a:ext cx="4744945" cy="995255"/>
+          </a:xfrm>
+          <a:prstGeom prst="rect">
+            <a:avLst/>
+          </a:prstGeom>
+        </p:spPr>
+      </p:pic>
+      <p:pic>
+        <p:nvPicPr>
+          <p:cNvPr id="12" name="图片 11"/>
+          <p:cNvPicPr>
+            <a:picLocks noChangeAspect="1"/>
+          </p:cNvPicPr>
+          <p:nvPr/>
+        </p:nvPicPr>
+        <p:blipFill>
+          <a:blip r:embed="rId5"/>
+          <a:stretch>
+            <a:fillRect/>
+          </a:stretch>
+        </p:blipFill>
+        <p:spPr>
+          <a:xfrm>
+            <a:off x="139338" y="4011528"/>
+            <a:ext cx="4995553" cy="806369"/>
+          </a:xfrm>
+          <a:prstGeom prst="rect">
+            <a:avLst/>
+          </a:prstGeom>
+        </p:spPr>
+      </p:pic>
+      <p:sp>
+        <p:nvSpPr>
+          <p:cNvPr id="13" name="文本框 12"/>
+          <p:cNvSpPr txBox="1"/>
+          <p:nvPr/>
+        </p:nvSpPr>
+        <p:spPr>
+          <a:xfrm>
+            <a:off x="139338" y="5369335"/>
+            <a:ext cx="6828151" cy="1477328"/>
+          </a:xfrm>
+          <a:prstGeom prst="rect">
+            <a:avLst/>
+          </a:prstGeom>
+          <a:noFill/>
+        </p:spPr>
+        <p:txBody>
+          <a:bodyPr wrap="none" rtlCol="0">
+            <a:spAutoFit/>
+          </a:bodyPr>
+          <a:lstStyle/>
+          <a:p>
+            <a:r>
+              <a:rPr lang="zh-CN" altLang="en-US" smtClean="0">
+                <a:solidFill>
+                  <a:schemeClr val="bg1">
+                    <a:lumMod val="75000"/>
+                  </a:schemeClr>
+                </a:solidFill>
+              </a:rPr>
+              <a:t>拓展：为什么</a:t>
+            </a:r>
+            <a:r>
+              <a:rPr lang="en-US" altLang="zh-CN" smtClean="0">
+                <a:solidFill>
+                  <a:schemeClr val="bg1">
+                    <a:lumMod val="75000"/>
+                  </a:schemeClr>
+                </a:solidFill>
+              </a:rPr>
+              <a:t>Sp</a:t>
+            </a:r>
+            <a:r>
+              <a:rPr lang="en-US" altLang="zh-CN">
+                <a:solidFill>
+                  <a:schemeClr val="bg1">
+                    <a:lumMod val="75000"/>
+                  </a:schemeClr>
+                </a:solidFill>
+              </a:rPr>
+              <a:t>a</a:t>
+            </a:r>
+            <a:r>
+              <a:rPr lang="en-US" altLang="zh-CN" smtClean="0">
+                <a:solidFill>
+                  <a:schemeClr val="bg1">
+                    <a:lumMod val="75000"/>
+                  </a:schemeClr>
+                </a:solidFill>
+              </a:rPr>
+              <a:t>rk</a:t>
+            </a:r>
+            <a:r>
+              <a:rPr lang="zh-CN" altLang="en-US" smtClean="0">
+                <a:solidFill>
+                  <a:schemeClr val="bg1">
+                    <a:lumMod val="75000"/>
+                  </a:schemeClr>
+                </a:solidFill>
+              </a:rPr>
+              <a:t>算子分</a:t>
+            </a:r>
+            <a:r>
+              <a:rPr lang="en-US" altLang="zh-CN" smtClean="0">
+                <a:solidFill>
+                  <a:schemeClr val="bg1">
+                    <a:lumMod val="75000"/>
+                  </a:schemeClr>
+                </a:solidFill>
+              </a:rPr>
+              <a:t>action</a:t>
+            </a:r>
+            <a:r>
+              <a:rPr lang="zh-CN" altLang="en-US" smtClean="0">
+                <a:solidFill>
+                  <a:schemeClr val="bg1">
+                    <a:lumMod val="75000"/>
+                  </a:schemeClr>
+                </a:solidFill>
+              </a:rPr>
+              <a:t>和</a:t>
+            </a:r>
+            <a:r>
+              <a:rPr lang="en-US" altLang="zh-CN" smtClean="0">
+                <a:solidFill>
+                  <a:schemeClr val="bg1">
+                    <a:lumMod val="75000"/>
+                  </a:schemeClr>
+                </a:solidFill>
+              </a:rPr>
+              <a:t>transformation</a:t>
+            </a:r>
+            <a:r>
+              <a:rPr lang="zh-CN" altLang="en-US" smtClean="0">
+                <a:solidFill>
+                  <a:schemeClr val="bg1">
+                    <a:lumMod val="75000"/>
+                  </a:schemeClr>
+                </a:solidFill>
+              </a:rPr>
+              <a:t>呢？      </a:t>
+            </a:r>
+            <a:endParaRPr lang="en-US" altLang="zh-CN" smtClean="0">
+              <a:solidFill>
+                <a:schemeClr val="bg1">
+                  <a:lumMod val="75000"/>
+                </a:schemeClr>
+              </a:solidFill>
+            </a:endParaRPr>
+          </a:p>
+          <a:p>
+            <a:r>
+              <a:rPr lang="zh-CN" altLang="en-US" smtClean="0">
+                <a:solidFill>
+                  <a:schemeClr val="bg1">
+                    <a:lumMod val="75000"/>
+                  </a:schemeClr>
+                </a:solidFill>
+              </a:rPr>
+              <a:t>由图</a:t>
+            </a:r>
+            <a:r>
+              <a:rPr lang="en-US" altLang="zh-CN" smtClean="0">
+                <a:solidFill>
+                  <a:schemeClr val="bg1">
+                    <a:lumMod val="75000"/>
+                  </a:schemeClr>
+                </a:solidFill>
+              </a:rPr>
+              <a:t>-1</a:t>
+            </a:r>
+            <a:r>
+              <a:rPr lang="zh-CN" altLang="en-US" smtClean="0">
+                <a:solidFill>
+                  <a:schemeClr val="bg1">
+                    <a:lumMod val="75000"/>
+                  </a:schemeClr>
+                </a:solidFill>
+              </a:rPr>
+              <a:t>和图</a:t>
+            </a:r>
+            <a:r>
+              <a:rPr lang="en-US" altLang="zh-CN" smtClean="0">
+                <a:solidFill>
+                  <a:schemeClr val="bg1">
+                    <a:lumMod val="75000"/>
+                  </a:schemeClr>
+                </a:solidFill>
+              </a:rPr>
+              <a:t>-2</a:t>
+            </a:r>
+            <a:r>
+              <a:rPr lang="zh-CN" altLang="en-US" smtClean="0">
+                <a:solidFill>
+                  <a:schemeClr val="bg1">
+                    <a:lumMod val="75000"/>
+                  </a:schemeClr>
+                </a:solidFill>
+              </a:rPr>
+              <a:t>我们便可以知道，</a:t>
+            </a:r>
+            <a:r>
+              <a:rPr lang="en-US" altLang="zh-CN" smtClean="0">
+                <a:solidFill>
+                  <a:schemeClr val="bg1">
+                    <a:lumMod val="75000"/>
+                  </a:schemeClr>
+                </a:solidFill>
+              </a:rPr>
+              <a:t>map</a:t>
+            </a:r>
+            <a:r>
+              <a:rPr lang="zh-CN" altLang="en-US" smtClean="0">
+                <a:solidFill>
+                  <a:schemeClr val="bg1">
+                    <a:lumMod val="75000"/>
+                  </a:schemeClr>
+                </a:solidFill>
+              </a:rPr>
+              <a:t>并没有真正调用</a:t>
+            </a:r>
+            <a:r>
+              <a:rPr lang="en-US" altLang="zh-CN" smtClean="0">
+                <a:solidFill>
+                  <a:schemeClr val="bg1">
+                    <a:lumMod val="75000"/>
+                  </a:schemeClr>
+                </a:solidFill>
+              </a:rPr>
+              <a:t>sparkContext</a:t>
+            </a:r>
+            <a:r>
+              <a:rPr lang="zh-CN" altLang="en-US" smtClean="0">
+                <a:solidFill>
+                  <a:schemeClr val="bg1">
+                    <a:lumMod val="75000"/>
+                  </a:schemeClr>
+                </a:solidFill>
+              </a:rPr>
+              <a:t>的</a:t>
+            </a:r>
+            <a:endParaRPr lang="en-US" altLang="zh-CN" smtClean="0">
+              <a:solidFill>
+                <a:schemeClr val="bg1">
+                  <a:lumMod val="75000"/>
+                </a:schemeClr>
+              </a:solidFill>
+            </a:endParaRPr>
+          </a:p>
+          <a:p>
+            <a:r>
+              <a:rPr lang="en-US" altLang="zh-CN" smtClean="0">
+                <a:solidFill>
+                  <a:schemeClr val="bg1">
+                    <a:lumMod val="75000"/>
+                  </a:schemeClr>
+                </a:solidFill>
+              </a:rPr>
+              <a:t>runJob</a:t>
+            </a:r>
+            <a:r>
+              <a:rPr lang="zh-CN" altLang="en-US" smtClean="0">
+                <a:solidFill>
+                  <a:schemeClr val="bg1">
+                    <a:lumMod val="75000"/>
+                  </a:schemeClr>
+                </a:solidFill>
+              </a:rPr>
+              <a:t>方法，而是返回了</a:t>
+            </a:r>
+            <a:r>
+              <a:rPr lang="zh-CN" altLang="en-US">
+                <a:solidFill>
+                  <a:schemeClr val="bg1">
+                    <a:lumMod val="75000"/>
+                  </a:schemeClr>
+                </a:solidFill>
+              </a:rPr>
+              <a:t>一个</a:t>
+            </a:r>
+            <a:r>
+              <a:rPr lang="en-US" altLang="zh-CN">
+                <a:solidFill>
+                  <a:schemeClr val="bg1">
+                    <a:lumMod val="75000"/>
+                  </a:schemeClr>
+                </a:solidFill>
+              </a:rPr>
+              <a:t>MapPartitionsRDD</a:t>
+            </a:r>
+            <a:r>
+              <a:rPr lang="zh-CN" altLang="en-US">
+                <a:solidFill>
+                  <a:schemeClr val="bg1">
+                    <a:lumMod val="75000"/>
+                  </a:schemeClr>
+                </a:solidFill>
+              </a:rPr>
+              <a:t>作为结果</a:t>
+            </a:r>
+            <a:endParaRPr lang="en-US" altLang="zh-CN">
+              <a:solidFill>
+                <a:schemeClr val="bg1">
+                  <a:lumMod val="75000"/>
+                </a:schemeClr>
+              </a:solidFill>
+            </a:endParaRPr>
+          </a:p>
+          <a:p>
+            <a:endParaRPr lang="en-US" altLang="zh-CN">
+              <a:solidFill>
+                <a:schemeClr val="bg1">
+                  <a:lumMod val="75000"/>
+                </a:schemeClr>
+              </a:solidFill>
+            </a:endParaRPr>
+          </a:p>
+          <a:p>
+            <a:r>
+              <a:rPr lang="zh-CN" altLang="en-US" smtClean="0">
+                <a:solidFill>
+                  <a:schemeClr val="bg1">
+                    <a:lumMod val="75000"/>
+                  </a:schemeClr>
+                </a:solidFill>
+              </a:rPr>
+              <a:t>        </a:t>
+            </a:r>
+            <a:endParaRPr lang="zh-CN" altLang="en-US">
+              <a:solidFill>
+                <a:schemeClr val="bg1">
+                  <a:lumMod val="75000"/>
+                </a:schemeClr>
+              </a:solidFill>
+            </a:endParaRPr>
+          </a:p>
+        </p:txBody>
+      </p:sp>
+      <p:sp>
+        <p:nvSpPr>
+          <p:cNvPr id="16" name="文本框 15"/>
+          <p:cNvSpPr txBox="1"/>
+          <p:nvPr/>
+        </p:nvSpPr>
+        <p:spPr>
+          <a:xfrm>
+            <a:off x="9255967" y="5966244"/>
+            <a:ext cx="603050" cy="369332"/>
+          </a:xfrm>
+          <a:prstGeom prst="rect">
+            <a:avLst/>
+          </a:prstGeom>
+          <a:noFill/>
+        </p:spPr>
+        <p:txBody>
+          <a:bodyPr wrap="none" rtlCol="0">
+            <a:spAutoFit/>
+          </a:bodyPr>
+          <a:lstStyle/>
+          <a:p>
+            <a:r>
+              <a:rPr lang="zh-CN" altLang="en-US" smtClean="0"/>
+              <a:t>图</a:t>
+            </a:r>
+            <a:r>
+              <a:rPr lang="en-US" altLang="zh-CN" smtClean="0"/>
+              <a:t>-2</a:t>
+            </a:r>
+            <a:endParaRPr lang="zh-CN" altLang="en-US"/>
+          </a:p>
+        </p:txBody>
+      </p:sp>
+      <p:sp>
+        <p:nvSpPr>
+          <p:cNvPr id="17" name="文本框 16"/>
+          <p:cNvSpPr txBox="1"/>
+          <p:nvPr/>
+        </p:nvSpPr>
+        <p:spPr>
+          <a:xfrm>
+            <a:off x="2086608" y="4823565"/>
+            <a:ext cx="603050" cy="369332"/>
+          </a:xfrm>
+          <a:prstGeom prst="rect">
+            <a:avLst/>
+          </a:prstGeom>
+          <a:noFill/>
+        </p:spPr>
+        <p:txBody>
+          <a:bodyPr wrap="none" rtlCol="0">
+            <a:spAutoFit/>
+          </a:bodyPr>
+          <a:lstStyle/>
+          <a:p>
+            <a:r>
+              <a:rPr lang="zh-CN" altLang="en-US" smtClean="0"/>
+              <a:t>图</a:t>
+            </a:r>
+            <a:r>
+              <a:rPr lang="en-US" altLang="zh-CN" smtClean="0"/>
+              <a:t>-1</a:t>
+            </a:r>
+            <a:endParaRPr lang="zh-CN" altLang="en-US"/>
+          </a:p>
+        </p:txBody>
+      </p:sp>
+    </p:spTree>
+    <p:extLst>
+      <p:ext uri="{BB962C8B-B14F-4D97-AF65-F5344CB8AC3E}">
+        <p14:creationId xmlns:p14="http://schemas.microsoft.com/office/powerpoint/2010/main" val="2096370747"/>
+      </p:ext>
+    </p:extLst>
+  </p:cSld>
+  <p:clrMapOvr>
+    <a:masterClrMapping/>
+  </p:clrMapOvr>
+  <p:timing>
+    <p:tnLst>
+      <p:par>
+        <p:cTn id="1" dur="indefinite" restart="never" nodeType="tmRoot"/>
+      </p:par>
+    </p:tnLst>
+  </p:timing>
+</p:sld>
+</file>
+
+<file path=ppt/slides/slide13.xml><?xml version="1.0" encoding="utf-8"?>
+<p:sld xmlns:a="http://schemas.openxmlformats.org/drawingml/2006/main" xmlns:r="http://schemas.openxmlformats.org/officeDocument/2006/relationships" xmlns:p="http://schemas.openxmlformats.org/presentationml/2006/main">
+  <p:cSld>
+    <p:bg>
+      <p:bgPr>
+        <a:solidFill>
+          <a:schemeClr val="accent1">
+            <a:lumMod val="75000"/>
+          </a:schemeClr>
+        </a:solidFill>
+        <a:effectLst/>
+      </p:bgPr>
+    </p:bg>
+    <p:spTree>
+      <p:nvGrpSpPr>
+        <p:cNvPr id="1" name=""/>
+        <p:cNvGrpSpPr/>
+        <p:nvPr/>
+      </p:nvGrpSpPr>
+      <p:grpSpPr>
+        <a:xfrm>
+          <a:off x="0" y="0"/>
+          <a:ext cx="0" cy="0"/>
+          <a:chOff x="0" y="0"/>
+          <a:chExt cx="0" cy="0"/>
+        </a:xfrm>
+      </p:grpSpPr>
+      <p:sp>
+        <p:nvSpPr>
+          <p:cNvPr id="3" name="文本框 2"/>
+          <p:cNvSpPr txBox="1"/>
+          <p:nvPr/>
+        </p:nvSpPr>
+        <p:spPr>
+          <a:xfrm>
+            <a:off x="289249" y="251927"/>
+            <a:ext cx="9267922" cy="738664"/>
+          </a:xfrm>
+          <a:prstGeom prst="rect">
+            <a:avLst/>
+          </a:prstGeom>
+          <a:noFill/>
+        </p:spPr>
+        <p:txBody>
+          <a:bodyPr wrap="none" rtlCol="0">
+            <a:spAutoFit/>
+          </a:bodyPr>
+          <a:lstStyle/>
+          <a:p>
+            <a:r>
+              <a:rPr lang="zh-CN" altLang="en-US" sz="1400" smtClean="0"/>
+              <a:t>上文我们弄清楚了</a:t>
+            </a:r>
+            <a:r>
+              <a:rPr lang="en-US" altLang="zh-CN" sz="1400" smtClean="0"/>
+              <a:t>job</a:t>
+            </a:r>
+            <a:r>
+              <a:rPr lang="zh-CN" altLang="en-US" sz="1400" smtClean="0"/>
+              <a:t>如何触发在集群运行的，接下来我们将学习如何划分</a:t>
+            </a:r>
+            <a:r>
+              <a:rPr lang="en-US" altLang="zh-CN" sz="1400" smtClean="0"/>
+              <a:t>Satge</a:t>
+            </a:r>
+            <a:r>
+              <a:rPr lang="zh-CN" altLang="en-US" sz="1400" smtClean="0"/>
+              <a:t>！</a:t>
+            </a:r>
+            <a:endParaRPr lang="en-US" altLang="zh-CN" sz="1400" smtClean="0"/>
+          </a:p>
+          <a:p>
+            <a:r>
+              <a:rPr lang="en-US" altLang="zh-CN" sz="1400" smtClean="0"/>
+              <a:t>		Job</a:t>
+            </a:r>
+            <a:r>
+              <a:rPr lang="zh-CN" altLang="en-US" sz="1400"/>
+              <a:t>的触发运行其实就是</a:t>
+            </a:r>
+            <a:r>
+              <a:rPr lang="en-US" altLang="zh-CN" sz="1400"/>
+              <a:t>RDD</a:t>
+            </a:r>
+            <a:r>
+              <a:rPr lang="zh-CN" altLang="en-US" sz="1400"/>
+              <a:t>的</a:t>
+            </a:r>
+            <a:r>
+              <a:rPr lang="en-US" altLang="zh-CN" sz="1400"/>
+              <a:t>sparkContext</a:t>
+            </a:r>
+            <a:r>
+              <a:rPr lang="zh-CN" altLang="en-US" sz="1400"/>
+              <a:t>引用调用</a:t>
+            </a:r>
+            <a:r>
+              <a:rPr lang="en-US" altLang="zh-CN" sz="1400"/>
+              <a:t>runJob</a:t>
+            </a:r>
+            <a:r>
+              <a:rPr lang="zh-CN" altLang="en-US" sz="1400"/>
+              <a:t>方法触发执行的，就是这么简单！</a:t>
+            </a:r>
+            <a:endParaRPr lang="en-US" altLang="zh-CN" sz="1400"/>
+          </a:p>
+          <a:p>
+            <a:endParaRPr lang="zh-CN" altLang="en-US" sz="1400"/>
+          </a:p>
+        </p:txBody>
+      </p:sp>
+      <p:sp>
+        <p:nvSpPr>
+          <p:cNvPr id="4" name="文本框 3"/>
+          <p:cNvSpPr txBox="1"/>
+          <p:nvPr/>
+        </p:nvSpPr>
+        <p:spPr>
+          <a:xfrm>
+            <a:off x="9402148" y="621259"/>
+            <a:ext cx="2789852" cy="3231654"/>
+          </a:xfrm>
+          <a:prstGeom prst="rect">
+            <a:avLst/>
+          </a:prstGeom>
+          <a:noFill/>
+        </p:spPr>
+        <p:txBody>
+          <a:bodyPr wrap="square" rtlCol="0">
+            <a:spAutoFit/>
+          </a:bodyPr>
+          <a:lstStyle/>
+          <a:p>
+            <a:endParaRPr lang="en-US" altLang="zh-CN" sz="1200">
+              <a:solidFill>
+                <a:schemeClr val="bg2"/>
+              </a:solidFill>
+            </a:endParaRPr>
+          </a:p>
+          <a:p>
+            <a:r>
+              <a:rPr lang="en-US" altLang="zh-CN" sz="1200">
+                <a:solidFill>
+                  <a:schemeClr val="bg2"/>
+                </a:solidFill>
+              </a:rPr>
+              <a:t>import org.apache.spark.SparkConf</a:t>
+            </a:r>
+          </a:p>
+          <a:p>
+            <a:r>
+              <a:rPr lang="en-US" altLang="zh-CN" sz="1200">
+                <a:solidFill>
+                  <a:schemeClr val="bg2"/>
+                </a:solidFill>
+              </a:rPr>
+              <a:t>import org.apache.spark.SparkContext</a:t>
+            </a:r>
+          </a:p>
+          <a:p>
+            <a:r>
+              <a:rPr lang="en-US" altLang="zh-CN" sz="1200">
+                <a:solidFill>
+                  <a:schemeClr val="bg2"/>
+                </a:solidFill>
+              </a:rPr>
+              <a:t>import org.apache.spark.SparkContext._</a:t>
+            </a:r>
+          </a:p>
+          <a:p>
+            <a:endParaRPr lang="en-US" altLang="zh-CN" sz="1200">
+              <a:solidFill>
+                <a:schemeClr val="bg2"/>
+              </a:solidFill>
+            </a:endParaRPr>
+          </a:p>
+          <a:p>
+            <a:r>
+              <a:rPr lang="en-US" altLang="zh-CN" sz="1200">
+                <a:solidFill>
+                  <a:schemeClr val="bg2"/>
+                </a:solidFill>
+              </a:rPr>
+              <a:t>object </a:t>
+            </a:r>
+            <a:r>
+              <a:rPr lang="en-US" altLang="zh-CN" sz="1200" smtClean="0">
+                <a:solidFill>
+                  <a:schemeClr val="bg2"/>
+                </a:solidFill>
+              </a:rPr>
+              <a:t>LineCount </a:t>
+            </a:r>
+            <a:r>
+              <a:rPr lang="en-US" altLang="zh-CN" sz="1200">
+                <a:solidFill>
+                  <a:schemeClr val="bg2"/>
+                </a:solidFill>
+              </a:rPr>
+              <a:t>{</a:t>
+            </a:r>
+          </a:p>
+          <a:p>
+            <a:r>
+              <a:rPr lang="en-US" altLang="zh-CN" sz="1200">
+                <a:solidFill>
+                  <a:schemeClr val="bg2"/>
+                </a:solidFill>
+              </a:rPr>
+              <a:t>  def main(args: Array[String]) {</a:t>
+            </a:r>
+          </a:p>
+          <a:p>
+            <a:endParaRPr lang="en-US" altLang="zh-CN" sz="1200">
+              <a:solidFill>
+                <a:schemeClr val="bg2"/>
+              </a:solidFill>
+            </a:endParaRPr>
+          </a:p>
+          <a:p>
+            <a:r>
+              <a:rPr lang="en-US" altLang="zh-CN" sz="1200">
+                <a:solidFill>
+                  <a:schemeClr val="bg2"/>
+                </a:solidFill>
+              </a:rPr>
+              <a:t>    val conf = new SparkConf()</a:t>
+            </a:r>
+          </a:p>
+          <a:p>
+            <a:r>
+              <a:rPr lang="en-US" altLang="zh-CN" sz="1200">
+                <a:solidFill>
+                  <a:schemeClr val="bg2"/>
+                </a:solidFill>
+              </a:rPr>
+              <a:t>    val sc = new SparkContext(conf)</a:t>
+            </a:r>
+          </a:p>
+          <a:p>
+            <a:r>
+              <a:rPr lang="en-US" altLang="zh-CN" sz="1200">
+                <a:solidFill>
+                  <a:schemeClr val="bg2"/>
+                </a:solidFill>
+              </a:rPr>
+              <a:t>    val line = sc.textFile("/word/word.txt")</a:t>
+            </a:r>
+          </a:p>
+          <a:p>
+            <a:endParaRPr lang="en-US" altLang="zh-CN" sz="1200">
+              <a:solidFill>
+                <a:schemeClr val="bg2"/>
+              </a:solidFill>
+            </a:endParaRPr>
+          </a:p>
+          <a:p>
+            <a:r>
+              <a:rPr lang="en-US" altLang="zh-CN" sz="1200">
+                <a:solidFill>
+                  <a:schemeClr val="bg2"/>
+                </a:solidFill>
+              </a:rPr>
+              <a:t>    line.count()</a:t>
+            </a:r>
+          </a:p>
+          <a:p>
+            <a:endParaRPr lang="en-US" altLang="zh-CN" sz="1200">
+              <a:solidFill>
+                <a:schemeClr val="bg2"/>
+              </a:solidFill>
+            </a:endParaRPr>
+          </a:p>
+          <a:p>
+            <a:r>
+              <a:rPr lang="en-US" altLang="zh-CN" sz="1200">
+                <a:solidFill>
+                  <a:schemeClr val="bg2"/>
+                </a:solidFill>
+              </a:rPr>
+              <a:t>    sc.stop()</a:t>
+            </a:r>
+          </a:p>
+          <a:p>
+            <a:r>
+              <a:rPr lang="en-US" altLang="zh-CN" sz="1200">
+                <a:solidFill>
+                  <a:schemeClr val="bg2"/>
+                </a:solidFill>
+              </a:rPr>
+              <a:t>  }</a:t>
+            </a:r>
+          </a:p>
+          <a:p>
+            <a:r>
+              <a:rPr lang="en-US" altLang="zh-CN" sz="1200">
+                <a:solidFill>
+                  <a:schemeClr val="bg2"/>
+                </a:solidFill>
+              </a:rPr>
+              <a:t>}</a:t>
+            </a:r>
+            <a:endParaRPr lang="zh-CN" altLang="en-US" sz="1200">
+              <a:solidFill>
+                <a:schemeClr val="bg2"/>
+              </a:solidFill>
+            </a:endParaRPr>
+          </a:p>
+        </p:txBody>
+      </p:sp>
+      <p:sp>
+        <p:nvSpPr>
+          <p:cNvPr id="5" name="文本框 4"/>
+          <p:cNvSpPr txBox="1"/>
+          <p:nvPr/>
+        </p:nvSpPr>
+        <p:spPr>
+          <a:xfrm>
+            <a:off x="0" y="1306286"/>
+            <a:ext cx="7571303" cy="523220"/>
+          </a:xfrm>
+          <a:prstGeom prst="rect">
+            <a:avLst/>
+          </a:prstGeom>
+          <a:noFill/>
+        </p:spPr>
+        <p:txBody>
+          <a:bodyPr wrap="none" rtlCol="0">
+            <a:spAutoFit/>
+          </a:bodyPr>
+          <a:lstStyle/>
+          <a:p>
+            <a:r>
+              <a:rPr lang="zh-CN" altLang="en-US" sz="1400" smtClean="0"/>
+              <a:t>在</a:t>
+            </a:r>
+            <a:r>
+              <a:rPr lang="en-US" altLang="zh-CN" sz="1400" smtClean="0"/>
+              <a:t>RDD</a:t>
+            </a:r>
+            <a:r>
+              <a:rPr lang="zh-CN" altLang="en-US" sz="1400" smtClean="0"/>
+              <a:t>的</a:t>
+            </a:r>
+            <a:r>
+              <a:rPr lang="en-US" altLang="zh-CN" sz="1400" smtClean="0"/>
+              <a:t>count</a:t>
+            </a:r>
+            <a:r>
+              <a:rPr lang="zh-CN" altLang="en-US" sz="1400" smtClean="0"/>
+              <a:t>算子中调用</a:t>
+            </a:r>
+            <a:r>
+              <a:rPr lang="en-US" altLang="zh-CN" sz="1400" smtClean="0"/>
+              <a:t>runJob</a:t>
+            </a:r>
+            <a:r>
+              <a:rPr lang="zh-CN" altLang="en-US" sz="1400" smtClean="0"/>
+              <a:t>方法触发计算：</a:t>
+            </a:r>
+            <a:r>
+              <a:rPr lang="en-US" altLang="zh-CN" sz="1400" smtClean="0"/>
+              <a:t>				</a:t>
+            </a:r>
+          </a:p>
+          <a:p>
+            <a:endParaRPr lang="zh-CN" altLang="en-US" sz="1400"/>
+          </a:p>
+        </p:txBody>
+      </p:sp>
+      <p:sp>
+        <p:nvSpPr>
+          <p:cNvPr id="6" name="文本框 5"/>
+          <p:cNvSpPr txBox="1"/>
+          <p:nvPr/>
+        </p:nvSpPr>
+        <p:spPr>
+          <a:xfrm>
+            <a:off x="167951" y="1730093"/>
+            <a:ext cx="11118236" cy="3354765"/>
+          </a:xfrm>
+          <a:prstGeom prst="rect">
+            <a:avLst/>
+          </a:prstGeom>
+          <a:noFill/>
+        </p:spPr>
+        <p:txBody>
+          <a:bodyPr wrap="none" rtlCol="0">
+            <a:spAutoFit/>
+          </a:bodyPr>
+          <a:lstStyle/>
+          <a:p>
+            <a:r>
+              <a:rPr lang="en-US" altLang="zh-CN" sz="1200">
+                <a:solidFill>
+                  <a:schemeClr val="bg2"/>
+                </a:solidFill>
+              </a:rPr>
+              <a:t>  def runJob[T, U: ClassTag](rdd: RDD[T], func: (TaskContext, Iterator[T]) =&gt; </a:t>
+            </a:r>
+            <a:r>
+              <a:rPr lang="en-US" altLang="zh-CN" sz="1200" smtClean="0">
+                <a:solidFill>
+                  <a:schemeClr val="bg2"/>
+                </a:solidFill>
+              </a:rPr>
+              <a:t>U,partitions</a:t>
+            </a:r>
+            <a:r>
+              <a:rPr lang="en-US" altLang="zh-CN" sz="1200">
+                <a:solidFill>
+                  <a:schemeClr val="bg2"/>
+                </a:solidFill>
+              </a:rPr>
+              <a:t>: Seq[Int], resultHandler: (Int, U) =&gt; Unit): Unit = {</a:t>
+            </a:r>
+            <a:br>
+              <a:rPr lang="en-US" altLang="zh-CN" sz="1200">
+                <a:solidFill>
+                  <a:schemeClr val="bg2"/>
+                </a:solidFill>
+              </a:rPr>
+            </a:br>
+            <a:r>
+              <a:rPr lang="en-US" altLang="zh-CN" sz="1200" smtClean="0">
+                <a:solidFill>
+                  <a:schemeClr val="bg2"/>
+                </a:solidFill>
+              </a:rPr>
+              <a:t>   //</a:t>
+            </a:r>
+            <a:r>
+              <a:rPr lang="zh-CN" altLang="en-US" sz="1200" smtClean="0">
+                <a:solidFill>
+                  <a:schemeClr val="bg2"/>
+                </a:solidFill>
+              </a:rPr>
+              <a:t>省略非重点代码</a:t>
+            </a:r>
+            <a:r>
+              <a:rPr lang="en-US" altLang="zh-CN" sz="1200">
+                <a:solidFill>
+                  <a:schemeClr val="bg2"/>
+                </a:solidFill>
+              </a:rPr>
+              <a:t/>
+            </a:r>
+            <a:br>
+              <a:rPr lang="en-US" altLang="zh-CN" sz="1200">
+                <a:solidFill>
+                  <a:schemeClr val="bg2"/>
+                </a:solidFill>
+              </a:rPr>
+            </a:br>
+            <a:r>
+              <a:rPr lang="en-US" altLang="zh-CN" sz="1200">
+                <a:solidFill>
+                  <a:schemeClr val="bg2"/>
+                </a:solidFill>
+              </a:rPr>
+              <a:t>    val callSite = getCallSite</a:t>
+            </a:r>
+            <a:br>
+              <a:rPr lang="en-US" altLang="zh-CN" sz="1200">
+                <a:solidFill>
+                  <a:schemeClr val="bg2"/>
+                </a:solidFill>
+              </a:rPr>
+            </a:br>
+            <a:r>
+              <a:rPr lang="en-US" altLang="zh-CN" sz="1200">
+                <a:solidFill>
+                  <a:schemeClr val="bg2"/>
+                </a:solidFill>
+              </a:rPr>
+              <a:t>    val cleanedFunc = clean(func)</a:t>
+            </a:r>
+            <a:br>
+              <a:rPr lang="en-US" altLang="zh-CN" sz="1200">
+                <a:solidFill>
+                  <a:schemeClr val="bg2"/>
+                </a:solidFill>
+              </a:rPr>
+            </a:br>
+            <a:r>
+              <a:rPr lang="en-US" altLang="zh-CN" sz="1200">
+                <a:solidFill>
+                  <a:schemeClr val="bg2"/>
+                </a:solidFill>
+              </a:rPr>
+              <a:t>    logInfo("Starting job: " + callSite.shortForm)</a:t>
+            </a:r>
+            <a:br>
+              <a:rPr lang="en-US" altLang="zh-CN" sz="1200">
+                <a:solidFill>
+                  <a:schemeClr val="bg2"/>
+                </a:solidFill>
+              </a:rPr>
+            </a:br>
+            <a:r>
+              <a:rPr lang="en-US" altLang="zh-CN" sz="1200">
+                <a:solidFill>
+                  <a:schemeClr val="bg2"/>
+                </a:solidFill>
+              </a:rPr>
+              <a:t>    if (conf.getBoolean("spark.logLineage", false)) {</a:t>
+            </a:r>
+            <a:br>
+              <a:rPr lang="en-US" altLang="zh-CN" sz="1200">
+                <a:solidFill>
+                  <a:schemeClr val="bg2"/>
+                </a:solidFill>
+              </a:rPr>
+            </a:br>
+            <a:r>
+              <a:rPr lang="en-US" altLang="zh-CN" sz="1200">
+                <a:solidFill>
+                  <a:schemeClr val="bg2"/>
+                </a:solidFill>
+              </a:rPr>
+              <a:t>      logInfo("RDD's recursive dependencies:\n" + rdd.toDebugString)</a:t>
+            </a:r>
+            <a:br>
+              <a:rPr lang="en-US" altLang="zh-CN" sz="1200">
+                <a:solidFill>
+                  <a:schemeClr val="bg2"/>
+                </a:solidFill>
+              </a:rPr>
+            </a:br>
+            <a:r>
+              <a:rPr lang="en-US" altLang="zh-CN" sz="1200">
+                <a:solidFill>
+                  <a:schemeClr val="bg2"/>
+                </a:solidFill>
+              </a:rPr>
+              <a:t>    }</a:t>
+            </a:r>
+            <a:br>
+              <a:rPr lang="en-US" altLang="zh-CN" sz="1200">
+                <a:solidFill>
+                  <a:schemeClr val="bg2"/>
+                </a:solidFill>
+              </a:rPr>
+            </a:br>
+            <a:r>
+              <a:rPr lang="en-US" altLang="zh-CN" sz="1200">
+                <a:solidFill>
+                  <a:schemeClr val="bg2"/>
+                </a:solidFill>
+              </a:rPr>
+              <a:t>    //TODO </a:t>
+            </a:r>
+            <a:r>
+              <a:rPr lang="zh-CN" altLang="en-US" sz="1200">
+                <a:solidFill>
+                  <a:schemeClr val="bg2"/>
+                </a:solidFill>
+              </a:rPr>
+              <a:t>真正触发</a:t>
+            </a:r>
+            <a:r>
+              <a:rPr lang="en-US" altLang="zh-CN" sz="1200">
+                <a:solidFill>
+                  <a:schemeClr val="bg2"/>
+                </a:solidFill>
+              </a:rPr>
+              <a:t>Job</a:t>
+            </a:r>
+            <a:r>
+              <a:rPr lang="zh-CN" altLang="en-US" sz="1200">
+                <a:solidFill>
+                  <a:schemeClr val="bg2"/>
+                </a:solidFill>
+              </a:rPr>
+              <a:t>执行</a:t>
+            </a:r>
+            <a:r>
+              <a:rPr lang="en-US" altLang="zh-CN" sz="1200">
+                <a:solidFill>
+                  <a:schemeClr val="bg2"/>
+                </a:solidFill>
+              </a:rPr>
+              <a:t>,SparkContext</a:t>
+            </a:r>
+            <a:r>
+              <a:rPr lang="zh-CN" altLang="en-US" sz="1200">
+                <a:solidFill>
+                  <a:schemeClr val="bg2"/>
+                </a:solidFill>
+              </a:rPr>
+              <a:t>的</a:t>
+            </a:r>
+            <a:r>
+              <a:rPr lang="en-US" altLang="zh-CN" sz="1200">
+                <a:solidFill>
+                  <a:schemeClr val="bg2"/>
+                </a:solidFill>
+              </a:rPr>
+              <a:t>runJob-&gt;dagScheduler</a:t>
+            </a:r>
+            <a:r>
+              <a:rPr lang="zh-CN" altLang="en-US" sz="1200">
+                <a:solidFill>
+                  <a:schemeClr val="bg2"/>
+                </a:solidFill>
+              </a:rPr>
+              <a:t>的</a:t>
+            </a:r>
+            <a:r>
+              <a:rPr lang="en-US" altLang="zh-CN" sz="1200">
+                <a:solidFill>
+                  <a:schemeClr val="bg2"/>
+                </a:solidFill>
+              </a:rPr>
+              <a:t>runJob</a:t>
+            </a:r>
+            <a:br>
+              <a:rPr lang="en-US" altLang="zh-CN" sz="1200">
+                <a:solidFill>
+                  <a:schemeClr val="bg2"/>
+                </a:solidFill>
+              </a:rPr>
+            </a:br>
+            <a:r>
+              <a:rPr lang="en-US" altLang="zh-CN" sz="1200">
+                <a:solidFill>
+                  <a:schemeClr val="bg2"/>
+                </a:solidFill>
+              </a:rPr>
+              <a:t>    //TODO </a:t>
+            </a:r>
+            <a:r>
+              <a:rPr lang="zh-CN" altLang="en-US" sz="1200">
+                <a:solidFill>
+                  <a:schemeClr val="bg2"/>
+                </a:solidFill>
+              </a:rPr>
+              <a:t>重点，传说中</a:t>
+            </a:r>
+            <a:r>
+              <a:rPr lang="en-US" altLang="zh-CN" sz="1200">
+                <a:solidFill>
+                  <a:schemeClr val="bg2"/>
+                </a:solidFill>
+              </a:rPr>
+              <a:t>DAGScheduler</a:t>
+            </a:r>
+            <a:r>
+              <a:rPr lang="zh-CN" altLang="en-US" sz="1200">
+                <a:solidFill>
+                  <a:schemeClr val="bg2"/>
+                </a:solidFill>
+              </a:rPr>
+              <a:t>终于出现</a:t>
+            </a:r>
+            <a:r>
+              <a:rPr lang="zh-CN" altLang="en-US" sz="1200" smtClean="0">
+                <a:solidFill>
+                  <a:schemeClr val="bg2"/>
+                </a:solidFill>
+              </a:rPr>
+              <a:t>了</a:t>
+            </a:r>
+            <a:r>
+              <a:rPr lang="en-US" altLang="zh-CN" sz="1200" smtClean="0">
+                <a:solidFill>
+                  <a:schemeClr val="bg2"/>
+                </a:solidFill>
+              </a:rPr>
+              <a:t>,</a:t>
+            </a:r>
+            <a:r>
+              <a:rPr lang="zh-CN" altLang="en-US" sz="1200" smtClean="0">
+                <a:solidFill>
+                  <a:schemeClr val="bg2"/>
+                </a:solidFill>
+              </a:rPr>
+              <a:t>用于</a:t>
+            </a:r>
+            <a:r>
+              <a:rPr lang="zh-CN" altLang="en-US" sz="1200">
+                <a:solidFill>
+                  <a:schemeClr val="bg2"/>
+                </a:solidFill>
+              </a:rPr>
+              <a:t>切分成</a:t>
+            </a:r>
+            <a:r>
+              <a:rPr lang="en-US" altLang="zh-CN" sz="1200" smtClean="0">
+                <a:solidFill>
+                  <a:schemeClr val="bg2"/>
+                </a:solidFill>
+              </a:rPr>
+              <a:t>Stage!</a:t>
+            </a:r>
+            <a:r>
+              <a:rPr lang="zh-CN" altLang="en-US" sz="1200">
+                <a:solidFill>
+                  <a:schemeClr val="bg2"/>
+                </a:solidFill>
+              </a:rPr>
+              <a:t> 然后在转成</a:t>
+            </a:r>
+            <a:r>
+              <a:rPr lang="en-US" altLang="zh-CN" sz="1200">
+                <a:solidFill>
+                  <a:schemeClr val="bg2"/>
+                </a:solidFill>
+              </a:rPr>
+              <a:t>TaskSet</a:t>
+            </a:r>
+            <a:r>
+              <a:rPr lang="zh-CN" altLang="en-US" sz="1200">
+                <a:solidFill>
+                  <a:schemeClr val="bg2"/>
+                </a:solidFill>
+              </a:rPr>
+              <a:t>给</a:t>
+            </a:r>
+            <a:r>
+              <a:rPr lang="en-US" altLang="zh-CN" sz="1200">
+                <a:solidFill>
+                  <a:schemeClr val="bg2"/>
+                </a:solidFill>
+              </a:rPr>
+              <a:t>TaskScheduler</a:t>
+            </a:r>
+            <a:r>
+              <a:rPr lang="zh-CN" altLang="en-US" sz="1200">
+                <a:solidFill>
+                  <a:schemeClr val="bg2"/>
+                </a:solidFill>
+              </a:rPr>
+              <a:t>再提交给</a:t>
+            </a:r>
+            <a:r>
+              <a:rPr lang="en-US" altLang="zh-CN" sz="1200">
+                <a:solidFill>
+                  <a:schemeClr val="bg2"/>
+                </a:solidFill>
+              </a:rPr>
+              <a:t>Exceutor</a:t>
+            </a:r>
+            <a:br>
+              <a:rPr lang="en-US" altLang="zh-CN" sz="1200">
+                <a:solidFill>
+                  <a:schemeClr val="bg2"/>
+                </a:solidFill>
+              </a:rPr>
+            </a:br>
+            <a:r>
+              <a:rPr lang="en-US" altLang="zh-CN" sz="1200">
+                <a:solidFill>
+                  <a:schemeClr val="bg2"/>
+                </a:solidFill>
+              </a:rPr>
+              <a:t>    dagScheduler.runJob(rdd, cleanedFunc, partitions, callSite, resultHandler, localProperties.get)</a:t>
+            </a:r>
+            <a:br>
+              <a:rPr lang="en-US" altLang="zh-CN" sz="1200">
+                <a:solidFill>
+                  <a:schemeClr val="bg2"/>
+                </a:solidFill>
+              </a:rPr>
+            </a:br>
+            <a:r>
+              <a:rPr lang="en-US" altLang="zh-CN" sz="1200">
+                <a:solidFill>
+                  <a:schemeClr val="bg2"/>
+                </a:solidFill>
+              </a:rPr>
+              <a:t>    progressBar.foreach(_.finishAll())</a:t>
+            </a:r>
+            <a:br>
+              <a:rPr lang="en-US" altLang="zh-CN" sz="1200">
+                <a:solidFill>
+                  <a:schemeClr val="bg2"/>
+                </a:solidFill>
+              </a:rPr>
+            </a:br>
+            <a:r>
+              <a:rPr lang="en-US" altLang="zh-CN" sz="1200">
+                <a:solidFill>
+                  <a:schemeClr val="bg2"/>
+                </a:solidFill>
+              </a:rPr>
+              <a:t>    rdd.doCheckpoint()</a:t>
+            </a:r>
+            <a:br>
+              <a:rPr lang="en-US" altLang="zh-CN" sz="1200">
+                <a:solidFill>
+                  <a:schemeClr val="bg2"/>
+                </a:solidFill>
+              </a:rPr>
+            </a:br>
+            <a:r>
+              <a:rPr lang="en-US" altLang="zh-CN" sz="1200">
+                <a:solidFill>
+                  <a:schemeClr val="bg2"/>
+                </a:solidFill>
+              </a:rPr>
+              <a:t>  }</a:t>
+            </a:r>
+            <a:br>
+              <a:rPr lang="en-US" altLang="zh-CN" sz="1200">
+                <a:solidFill>
+                  <a:schemeClr val="bg2"/>
+                </a:solidFill>
+              </a:rPr>
+            </a:br>
+            <a:endParaRPr lang="en-US" altLang="zh-CN" sz="1200">
+              <a:solidFill>
+                <a:schemeClr val="bg2"/>
+              </a:solidFill>
+            </a:endParaRPr>
+          </a:p>
+          <a:p>
+            <a:r>
+              <a:rPr lang="zh-CN" altLang="en-US" sz="1600" b="1" smtClean="0">
+                <a:solidFill>
+                  <a:srgbClr val="FF0000"/>
+                </a:solidFill>
+              </a:rPr>
+              <a:t>重点之处在于：在</a:t>
+            </a:r>
+            <a:r>
+              <a:rPr lang="en-US" altLang="zh-CN" sz="1600" b="1" smtClean="0">
+                <a:solidFill>
+                  <a:srgbClr val="FF0000"/>
+                </a:solidFill>
+              </a:rPr>
+              <a:t>SparkContext</a:t>
+            </a:r>
+            <a:r>
+              <a:rPr lang="zh-CN" altLang="en-US" sz="1600" b="1" smtClean="0">
+                <a:solidFill>
+                  <a:srgbClr val="FF0000"/>
+                </a:solidFill>
+              </a:rPr>
+              <a:t>中调用了</a:t>
+            </a:r>
+            <a:r>
+              <a:rPr lang="en-US" altLang="zh-CN" sz="1600" b="1" smtClean="0">
+                <a:solidFill>
+                  <a:srgbClr val="FF0000"/>
+                </a:solidFill>
+              </a:rPr>
+              <a:t>dagScheduler.runJob</a:t>
+            </a:r>
+            <a:r>
+              <a:rPr lang="zh-CN" altLang="en-US" sz="1600" b="1" smtClean="0">
+                <a:solidFill>
+                  <a:srgbClr val="FF0000"/>
+                </a:solidFill>
+              </a:rPr>
+              <a:t>方法，</a:t>
+            </a:r>
+            <a:r>
+              <a:rPr lang="en-US" altLang="zh-CN" sz="1600" b="1" smtClean="0">
+                <a:solidFill>
+                  <a:srgbClr val="FF0000"/>
+                </a:solidFill>
+              </a:rPr>
+              <a:t>org.apache.spark.scheduler.DAGScheduler#runJob</a:t>
+            </a:r>
+            <a:r>
+              <a:rPr lang="zh-CN" altLang="en-US" sz="1600" b="1" smtClean="0">
+                <a:solidFill>
+                  <a:srgbClr val="FF0000"/>
+                </a:solidFill>
+              </a:rPr>
+              <a:t>方法中</a:t>
+            </a:r>
+            <a:endParaRPr lang="en-US" altLang="zh-CN" sz="1600" b="1" smtClean="0">
+              <a:solidFill>
+                <a:srgbClr val="FF0000"/>
+              </a:solidFill>
+            </a:endParaRPr>
+          </a:p>
+          <a:p>
+            <a:r>
+              <a:rPr lang="zh-CN" altLang="en-US" sz="1600" b="1" smtClean="0">
+                <a:solidFill>
+                  <a:srgbClr val="FF0000"/>
+                </a:solidFill>
+              </a:rPr>
+              <a:t>调用</a:t>
+            </a:r>
+            <a:r>
+              <a:rPr lang="en-US" altLang="zh-CN" sz="1600" b="1" smtClean="0">
+                <a:solidFill>
+                  <a:srgbClr val="FF0000"/>
+                </a:solidFill>
+              </a:rPr>
+              <a:t>org.apache.spark.scheduler.DAGScheduler#submitJob</a:t>
+            </a:r>
+            <a:r>
+              <a:rPr lang="zh-CN" altLang="en-US" sz="1600" b="1" smtClean="0">
+                <a:solidFill>
+                  <a:srgbClr val="FF0000"/>
+                </a:solidFill>
+              </a:rPr>
+              <a:t>方法</a:t>
+            </a:r>
+            <a:endParaRPr lang="zh-CN" altLang="en-US" sz="1600" b="1">
+              <a:solidFill>
+                <a:srgbClr val="FF0000"/>
+              </a:solidFill>
+            </a:endParaRPr>
+          </a:p>
+        </p:txBody>
+      </p:sp>
+    </p:spTree>
+    <p:extLst>
+      <p:ext uri="{BB962C8B-B14F-4D97-AF65-F5344CB8AC3E}">
+        <p14:creationId xmlns:p14="http://schemas.microsoft.com/office/powerpoint/2010/main" val="8506078"/>
+      </p:ext>
+    </p:extLst>
+  </p:cSld>
+  <p:clrMapOvr>
+    <a:masterClrMapping/>
+  </p:clrMapOvr>
+  <p:timing>
+    <p:tnLst>
+      <p:par>
+        <p:cTn id="1" dur="indefinite" restart="never" nodeType="tmRoot"/>
+      </p:par>
+    </p:tnLst>
+  </p:timing>
+</p:sld>
+</file>
+
+<file path=ppt/slides/slide14.xml><?xml version="1.0" encoding="utf-8"?>
+<p:sld xmlns:a="http://schemas.openxmlformats.org/drawingml/2006/main" xmlns:r="http://schemas.openxmlformats.org/officeDocument/2006/relationships" xmlns:p="http://schemas.openxmlformats.org/presentationml/2006/main">
+  <p:cSld>
+    <p:bg>
+      <p:bgPr>
+        <a:solidFill>
+          <a:schemeClr val="accent1">
+            <a:lumMod val="75000"/>
+          </a:schemeClr>
+        </a:solidFill>
+        <a:effectLst/>
+      </p:bgPr>
+    </p:bg>
+    <p:spTree>
+      <p:nvGrpSpPr>
+        <p:cNvPr id="1" name=""/>
+        <p:cNvGrpSpPr/>
+        <p:nvPr/>
+      </p:nvGrpSpPr>
+      <p:grpSpPr>
+        <a:xfrm>
+          <a:off x="0" y="0"/>
+          <a:ext cx="0" cy="0"/>
+          <a:chOff x="0" y="0"/>
+          <a:chExt cx="0" cy="0"/>
+        </a:xfrm>
+      </p:grpSpPr>
+      <p:pic>
+        <p:nvPicPr>
+          <p:cNvPr id="2" name="图片 1"/>
+          <p:cNvPicPr>
+            <a:picLocks noChangeAspect="1"/>
+          </p:cNvPicPr>
+          <p:nvPr/>
+        </p:nvPicPr>
+        <p:blipFill>
+          <a:blip r:embed="rId2"/>
+          <a:stretch>
+            <a:fillRect/>
+          </a:stretch>
+        </p:blipFill>
+        <p:spPr>
+          <a:xfrm>
+            <a:off x="454514" y="1027694"/>
+            <a:ext cx="10423881" cy="5830306"/>
+          </a:xfrm>
+          <a:prstGeom prst="rect">
+            <a:avLst/>
+          </a:prstGeom>
+        </p:spPr>
+      </p:pic>
+      <p:sp>
+        <p:nvSpPr>
+          <p:cNvPr id="3" name="文本框 2"/>
+          <p:cNvSpPr txBox="1"/>
+          <p:nvPr/>
+        </p:nvSpPr>
+        <p:spPr>
+          <a:xfrm>
+            <a:off x="3097763" y="569167"/>
+            <a:ext cx="1800493" cy="369332"/>
+          </a:xfrm>
+          <a:prstGeom prst="rect">
+            <a:avLst/>
+          </a:prstGeom>
+          <a:noFill/>
+        </p:spPr>
+        <p:txBody>
+          <a:bodyPr wrap="none" rtlCol="0">
+            <a:spAutoFit/>
+          </a:bodyPr>
+          <a:lstStyle/>
+          <a:p>
+            <a:r>
+              <a:rPr lang="zh-CN" altLang="en-US" smtClean="0"/>
+              <a:t>书签，明天继续</a:t>
+            </a:r>
+            <a:endParaRPr lang="zh-CN" altLang="en-US"/>
+          </a:p>
+        </p:txBody>
+      </p:sp>
+    </p:spTree>
+    <p:extLst>
+      <p:ext uri="{BB962C8B-B14F-4D97-AF65-F5344CB8AC3E}">
+        <p14:creationId xmlns:p14="http://schemas.microsoft.com/office/powerpoint/2010/main" val="378745475"/>
+      </p:ext>
+    </p:extLst>
+  </p:cSld>
+  <p:clrMapOvr>
+    <a:masterClrMapping/>
+  </p:clrMapOvr>
+  <p:timing>
+    <p:tnLst>
+      <p:par>
+        <p:cTn id="1" dur="indefinite" restart="never" nodeType="tmRoot"/>
+      </p:par>
+    </p:tnLst>
+  </p:timing>
+</p:sld>
+</file>
+
+<file path=ppt/slides/slide15.xml><?xml version="1.0" encoding="utf-8"?>
+<p:sld xmlns:a="http://schemas.openxmlformats.org/drawingml/2006/main" xmlns:r="http://schemas.openxmlformats.org/officeDocument/2006/relationships" xmlns:p="http://schemas.openxmlformats.org/presentationml/2006/main">
+  <p:cSld>
+    <p:bg>
+      <p:bgPr>
+        <a:solidFill>
+          <a:schemeClr val="accent1">
+            <a:lumMod val="75000"/>
+          </a:schemeClr>
+        </a:solidFill>
+        <a:effectLst/>
+      </p:bgPr>
+    </p:bg>
     <p:spTree>
       <p:nvGrpSpPr>
         <p:cNvPr id="1" name=""/>
@@ -4174,19 +6885,36 @@
     </p:spTree>
     <p:extLst>
       <p:ext uri="{BB962C8B-B14F-4D97-AF65-F5344CB8AC3E}">
-        <p14:creationId xmlns:p14="http://schemas.microsoft.com/office/powerpoint/2010/main" val="2481553055"/>
+        <p14:creationId xmlns:p14="http://schemas.microsoft.com/office/powerpoint/2010/main" val="56587173"/>
       </p:ext>
     </p:extLst>
   </p:cSld>
   <p:clrMapOvr>
     <a:masterClrMapping/>
   </p:clrMapOvr>
+  <p:timing>
+    <p:tnLst>
+      <p:par>
+        <p:cTn id="1" dur="indefinite" restart="never" nodeType="tmRoot"/>
+      </p:par>
+    </p:tnLst>
+  </p:timing>
 </p:sld>
 </file>
 
-<file path=ppt/slides/slide13.xml><?xml version="1.0" encoding="utf-8"?>
+<file path=ppt/slides/slide16.xml><?xml version="1.0" encoding="utf-8"?>
 <p:sld xmlns:a="http://schemas.openxmlformats.org/drawingml/2006/main" xmlns:r="http://schemas.openxmlformats.org/officeDocument/2006/relationships" xmlns:p="http://schemas.openxmlformats.org/presentationml/2006/main">
   <p:cSld>
+    <p:bg>
+      <p:bgPr>
+        <a:solidFill>
+          <a:schemeClr val="accent1">
+            <a:lumMod val="75000"/>
+          </a:schemeClr>
+        </a:solidFill>
+        <a:effectLst/>
+      </p:bgPr>
+    </p:bg>
     <p:spTree>
       <p:nvGrpSpPr>
         <p:cNvPr id="1" name=""/>
@@ -4204,19 +6932,83 @@
     </p:spTree>
     <p:extLst>
       <p:ext uri="{BB962C8B-B14F-4D97-AF65-F5344CB8AC3E}">
-        <p14:creationId xmlns:p14="http://schemas.microsoft.com/office/powerpoint/2010/main" val="8506078"/>
+        <p14:creationId xmlns:p14="http://schemas.microsoft.com/office/powerpoint/2010/main" val="1615298406"/>
       </p:ext>
     </p:extLst>
   </p:cSld>
   <p:clrMapOvr>
     <a:masterClrMapping/>
   </p:clrMapOvr>
+  <p:timing>
+    <p:tnLst>
+      <p:par>
+        <p:cTn id="1" dur="indefinite" restart="never" nodeType="tmRoot"/>
+      </p:par>
+    </p:tnLst>
+  </p:timing>
 </p:sld>
 </file>
 
-<file path=ppt/slides/slide14.xml><?xml version="1.0" encoding="utf-8"?>
+<file path=ppt/slides/slide17.xml><?xml version="1.0" encoding="utf-8"?>
 <p:sld xmlns:a="http://schemas.openxmlformats.org/drawingml/2006/main" xmlns:r="http://schemas.openxmlformats.org/officeDocument/2006/relationships" xmlns:p="http://schemas.openxmlformats.org/presentationml/2006/main">
   <p:cSld>
+    <p:bg>
+      <p:bgPr>
+        <a:solidFill>
+          <a:schemeClr val="accent1">
+            <a:lumMod val="75000"/>
+          </a:schemeClr>
+        </a:solidFill>
+        <a:effectLst/>
+      </p:bgPr>
+    </p:bg>
+    <p:spTree>
+      <p:nvGrpSpPr>
+        <p:cNvPr id="1" name=""/>
+        <p:cNvGrpSpPr/>
+        <p:nvPr/>
+      </p:nvGrpSpPr>
+      <p:grpSpPr>
+        <a:xfrm>
+          <a:off x="0" y="0"/>
+          <a:ext cx="0" cy="0"/>
+          <a:chOff x="0" y="0"/>
+          <a:chExt cx="0" cy="0"/>
+        </a:xfrm>
+      </p:grpSpPr>
+    </p:spTree>
+    <p:extLst>
+      <p:ext uri="{BB962C8B-B14F-4D97-AF65-F5344CB8AC3E}">
+        <p14:creationId xmlns:p14="http://schemas.microsoft.com/office/powerpoint/2010/main" val="2734648422"/>
+      </p:ext>
+    </p:extLst>
+  </p:cSld>
+  <p:clrMapOvr>
+    <a:masterClrMapping/>
+  </p:clrMapOvr>
+  <p:timing>
+    <p:tnLst>
+      <p:par>
+        <p:cTn id="1" dur="indefinite" restart="never" nodeType="tmRoot"/>
+      </p:par>
+    </p:tnLst>
+  </p:timing>
+</p:sld>
+</file>
+
+<file path=ppt/slides/slide18.xml><?xml version="1.0" encoding="utf-8"?>
+<p:sld xmlns:a="http://schemas.openxmlformats.org/drawingml/2006/main" xmlns:r="http://schemas.openxmlformats.org/officeDocument/2006/relationships" xmlns:p="http://schemas.openxmlformats.org/presentationml/2006/main">
+  <p:cSld>
+    <p:bg>
+      <p:bgPr>
+        <a:solidFill>
+          <a:schemeClr val="accent1">
+            <a:lumMod val="75000"/>
+          </a:schemeClr>
+        </a:solidFill>
+        <a:effectLst/>
+      </p:bgPr>
+    </p:bg>
     <p:spTree>
       <p:nvGrpSpPr>
         <p:cNvPr id="1" name=""/>
@@ -4244,9 +7036,19 @@
 </p:sld>
 </file>
 
-<file path=ppt/slides/slide15.xml><?xml version="1.0" encoding="utf-8"?>
+<file path=ppt/slides/slide19.xml><?xml version="1.0" encoding="utf-8"?>
 <p:sld xmlns:a="http://schemas.openxmlformats.org/drawingml/2006/main" xmlns:r="http://schemas.openxmlformats.org/officeDocument/2006/relationships" xmlns:p="http://schemas.openxmlformats.org/presentationml/2006/main">
   <p:cSld>
+    <p:bg>
+      <p:bgPr>
+        <a:solidFill>
+          <a:schemeClr val="accent1">
+            <a:lumMod val="75000"/>
+          </a:schemeClr>
+        </a:solidFill>
+        <a:effectLst/>
+      </p:bgPr>
+    </p:bg>
     <p:spTree>
       <p:nvGrpSpPr>
         <p:cNvPr id="1" name=""/>
@@ -4274,9 +7076,482 @@
 </p:sld>
 </file>
 
-<file path=ppt/slides/slide16.xml><?xml version="1.0" encoding="utf-8"?>
+<file path=ppt/slides/slide2.xml><?xml version="1.0" encoding="utf-8"?>
 <p:sld xmlns:a="http://schemas.openxmlformats.org/drawingml/2006/main" xmlns:r="http://schemas.openxmlformats.org/officeDocument/2006/relationships" xmlns:p="http://schemas.openxmlformats.org/presentationml/2006/main">
   <p:cSld>
+    <p:spTree>
+      <p:nvGrpSpPr>
+        <p:cNvPr id="1" name=""/>
+        <p:cNvGrpSpPr/>
+        <p:nvPr/>
+      </p:nvGrpSpPr>
+      <p:grpSpPr>
+        <a:xfrm>
+          <a:off x="0" y="0"/>
+          <a:ext cx="0" cy="0"/>
+          <a:chOff x="0" y="0"/>
+          <a:chExt cx="0" cy="0"/>
+        </a:xfrm>
+      </p:grpSpPr>
+      <p:sp>
+        <p:nvSpPr>
+          <p:cNvPr id="3" name="矩形 2"/>
+          <p:cNvSpPr/>
+          <p:nvPr/>
+        </p:nvSpPr>
+        <p:spPr>
+          <a:xfrm>
+            <a:off x="2403566" y="1436915"/>
+            <a:ext cx="7776754" cy="4674342"/>
+          </a:xfrm>
+          <a:prstGeom prst="rect">
+            <a:avLst/>
+          </a:prstGeom>
+        </p:spPr>
+        <p:style>
+          <a:lnRef idx="2">
+            <a:schemeClr val="accent1">
+              <a:shade val="50000"/>
+            </a:schemeClr>
+          </a:lnRef>
+          <a:fillRef idx="1">
+            <a:schemeClr val="accent1"/>
+          </a:fillRef>
+          <a:effectRef idx="0">
+            <a:schemeClr val="accent1"/>
+          </a:effectRef>
+          <a:fontRef idx="minor">
+            <a:schemeClr val="lt1"/>
+          </a:fontRef>
+        </p:style>
+        <p:txBody>
+          <a:bodyPr rtlCol="0" anchor="ctr"/>
+          <a:lstStyle/>
+          <a:p>
+            <a:pPr algn="ctr"/>
+            <a:endParaRPr lang="zh-CN" altLang="en-US"/>
+          </a:p>
+        </p:txBody>
+      </p:sp>
+      <p:sp>
+        <p:nvSpPr>
+          <p:cNvPr id="4" name="文本框 3"/>
+          <p:cNvSpPr txBox="1"/>
+          <p:nvPr/>
+        </p:nvSpPr>
+        <p:spPr>
+          <a:xfrm>
+            <a:off x="2534194" y="1532708"/>
+            <a:ext cx="7646126" cy="1200329"/>
+          </a:xfrm>
+          <a:prstGeom prst="rect">
+            <a:avLst/>
+          </a:prstGeom>
+          <a:noFill/>
+        </p:spPr>
+        <p:txBody>
+          <a:bodyPr wrap="square" rtlCol="0">
+            <a:spAutoFit/>
+          </a:bodyPr>
+          <a:lstStyle/>
+          <a:p>
+            <a:r>
+              <a:rPr lang="en-US" altLang="zh-CN" smtClean="0"/>
+              <a:t>RpcEnv</a:t>
+            </a:r>
+            <a:r>
+              <a:rPr lang="zh-CN" altLang="en-US" smtClean="0"/>
+              <a:t>的子类</a:t>
+            </a:r>
+            <a:r>
+              <a:rPr lang="en-US" altLang="zh-CN" smtClean="0"/>
+              <a:t>NettyRpcEnv</a:t>
+            </a:r>
+            <a:r>
+              <a:rPr lang="zh-CN" altLang="en-US" smtClean="0"/>
+              <a:t>成员：</a:t>
+            </a:r>
+            <a:endParaRPr lang="en-US" altLang="zh-CN"/>
+          </a:p>
+          <a:p>
+            <a:r>
+              <a:rPr lang="en-US" altLang="zh-CN" smtClean="0"/>
+              <a:t>		dispatcher</a:t>
+            </a:r>
+            <a:r>
+              <a:rPr lang="en-US" altLang="zh-CN"/>
+              <a:t>: Dispatcher = new Dispatcher(this</a:t>
+            </a:r>
+            <a:r>
+              <a:rPr lang="en-US" altLang="zh-CN" smtClean="0"/>
+              <a:t>),</a:t>
+            </a:r>
+            <a:r>
+              <a:rPr lang="en-US" altLang="zh-CN"/>
+              <a:t> </a:t>
+            </a:r>
+            <a:r>
+              <a:rPr lang="en-US" altLang="zh-CN" smtClean="0"/>
+              <a:t>dispatcher</a:t>
+            </a:r>
+            <a:r>
+              <a:rPr lang="zh-CN" altLang="en-US" smtClean="0"/>
+              <a:t>路由消息功能</a:t>
+            </a:r>
+            <a:r>
+              <a:rPr lang="en-US" altLang="zh-CN" smtClean="0"/>
+              <a:t>,</a:t>
+            </a:r>
+            <a:r>
+              <a:rPr lang="zh-CN" altLang="en-US" smtClean="0"/>
+              <a:t>一个</a:t>
+            </a:r>
+            <a:r>
+              <a:rPr lang="en-US" altLang="zh-CN" smtClean="0"/>
+              <a:t>RpcEnv</a:t>
+            </a:r>
+            <a:r>
+              <a:rPr lang="zh-CN" altLang="en-US" smtClean="0"/>
+              <a:t>只有一个</a:t>
+            </a:r>
+            <a:r>
+              <a:rPr lang="en-US" altLang="zh-CN" smtClean="0"/>
+              <a:t>dispatcher</a:t>
+            </a:r>
+            <a:r>
+              <a:rPr lang="zh-CN" altLang="en-US" smtClean="0"/>
+              <a:t>成员</a:t>
+            </a:r>
+            <a:r>
+              <a:rPr lang="en-US" altLang="zh-CN" smtClean="0"/>
+              <a:t>.</a:t>
+            </a:r>
+            <a:endParaRPr lang="en-US" altLang="zh-CN"/>
+          </a:p>
+          <a:p>
+            <a:endParaRPr lang="zh-CN" altLang="en-US"/>
+          </a:p>
+        </p:txBody>
+      </p:sp>
+      <p:sp>
+        <p:nvSpPr>
+          <p:cNvPr id="5" name="矩形 4"/>
+          <p:cNvSpPr/>
+          <p:nvPr/>
+        </p:nvSpPr>
+        <p:spPr>
+          <a:xfrm>
+            <a:off x="4408087" y="2795451"/>
+            <a:ext cx="5772233" cy="3317966"/>
+          </a:xfrm>
+          <a:prstGeom prst="rect">
+            <a:avLst/>
+          </a:prstGeom>
+          <a:solidFill>
+            <a:schemeClr val="accent1">
+              <a:lumMod val="60000"/>
+              <a:lumOff val="40000"/>
+            </a:schemeClr>
+          </a:solidFill>
+          <a:ln>
+            <a:solidFill>
+              <a:schemeClr val="tx1"/>
+            </a:solidFill>
+          </a:ln>
+        </p:spPr>
+        <p:style>
+          <a:lnRef idx="2">
+            <a:schemeClr val="accent1">
+              <a:shade val="50000"/>
+            </a:schemeClr>
+          </a:lnRef>
+          <a:fillRef idx="1">
+            <a:schemeClr val="accent1"/>
+          </a:fillRef>
+          <a:effectRef idx="0">
+            <a:schemeClr val="accent1"/>
+          </a:effectRef>
+          <a:fontRef idx="minor">
+            <a:schemeClr val="lt1"/>
+          </a:fontRef>
+        </p:style>
+        <p:txBody>
+          <a:bodyPr rtlCol="0" anchor="ctr"/>
+          <a:lstStyle/>
+          <a:p>
+            <a:pPr algn="ctr"/>
+            <a:endParaRPr lang="zh-CN" altLang="en-US">
+              <a:solidFill>
+                <a:schemeClr val="tx1"/>
+              </a:solidFill>
+            </a:endParaRPr>
+          </a:p>
+        </p:txBody>
+      </p:sp>
+      <p:sp>
+        <p:nvSpPr>
+          <p:cNvPr id="6" name="文本框 5"/>
+          <p:cNvSpPr txBox="1"/>
+          <p:nvPr/>
+        </p:nvSpPr>
+        <p:spPr>
+          <a:xfrm>
+            <a:off x="4408087" y="2856411"/>
+            <a:ext cx="5772233" cy="1323439"/>
+          </a:xfrm>
+          <a:prstGeom prst="rect">
+            <a:avLst/>
+          </a:prstGeom>
+          <a:noFill/>
+        </p:spPr>
+        <p:txBody>
+          <a:bodyPr wrap="square" rtlCol="0">
+            <a:spAutoFit/>
+          </a:bodyPr>
+          <a:lstStyle/>
+          <a:p>
+            <a:r>
+              <a:rPr lang="en-US" altLang="zh-CN" sz="1600" smtClean="0"/>
+              <a:t>Dispather</a:t>
+            </a:r>
+            <a:r>
+              <a:rPr lang="zh-CN" altLang="en-US" sz="1600"/>
+              <a:t>要点</a:t>
+            </a:r>
+            <a:r>
+              <a:rPr lang="en-US" altLang="zh-CN" sz="1600" smtClean="0"/>
+              <a:t>: </a:t>
+            </a:r>
+          </a:p>
+          <a:p>
+            <a:r>
+              <a:rPr lang="en-US" altLang="zh-CN" sz="1600" smtClean="0"/>
+              <a:t>Dispatcher#registerRpcEndpoint</a:t>
+            </a:r>
+            <a:r>
+              <a:rPr lang="zh-CN" altLang="en-US" sz="1600" smtClean="0"/>
+              <a:t>中</a:t>
+            </a:r>
+            <a:r>
+              <a:rPr lang="en-US" altLang="zh-CN" sz="1600" smtClean="0"/>
+              <a:t>new EndpointData</a:t>
+            </a:r>
+            <a:r>
+              <a:rPr lang="zh-CN" altLang="en-US" sz="1600" smtClean="0"/>
+              <a:t>完成</a:t>
+            </a:r>
+            <a:r>
+              <a:rPr lang="en-US" altLang="zh-CN" sz="1600" smtClean="0"/>
+              <a:t>InBox</a:t>
+            </a:r>
+            <a:r>
+              <a:rPr lang="zh-CN" altLang="en-US" sz="1600" smtClean="0"/>
+              <a:t>的初始化</a:t>
+            </a:r>
+            <a:r>
+              <a:rPr lang="en-US" altLang="zh-CN" sz="1600" smtClean="0"/>
+              <a:t>,</a:t>
+            </a:r>
+            <a:r>
+              <a:rPr lang="zh-CN" altLang="en-US" sz="1600" smtClean="0"/>
+              <a:t>初始化过程中存入</a:t>
+            </a:r>
+            <a:r>
+              <a:rPr lang="en-US" altLang="zh-CN" sz="1600" smtClean="0"/>
+              <a:t>OnSatrt</a:t>
+            </a:r>
+            <a:r>
+              <a:rPr lang="zh-CN" altLang="en-US" sz="1600" smtClean="0"/>
+              <a:t>消息</a:t>
+            </a:r>
+            <a:r>
+              <a:rPr lang="en-US" altLang="zh-CN" sz="1600" smtClean="0"/>
+              <a:t>.(</a:t>
+            </a:r>
+            <a:r>
+              <a:rPr lang="zh-CN" altLang="en-US" sz="1600" smtClean="0"/>
+              <a:t>每一个</a:t>
+            </a:r>
+            <a:r>
+              <a:rPr lang="en-US" altLang="zh-CN" sz="1600" smtClean="0"/>
+              <a:t>endpoint</a:t>
+            </a:r>
+            <a:r>
+              <a:rPr lang="zh-CN" altLang="en-US" sz="1600" smtClean="0"/>
+              <a:t>单独一个</a:t>
+            </a:r>
+            <a:r>
+              <a:rPr lang="en-US" altLang="zh-CN" sz="1600" smtClean="0"/>
+              <a:t>inbox)</a:t>
+            </a:r>
+          </a:p>
+          <a:p>
+            <a:r>
+              <a:rPr lang="en-US" altLang="zh-CN" sz="1600" smtClean="0"/>
+              <a:t>Dispatcher.MessageLoop</a:t>
+            </a:r>
+            <a:r>
+              <a:rPr lang="zh-CN" altLang="en-US" sz="1600" smtClean="0"/>
+              <a:t>任务死循环处理</a:t>
+            </a:r>
+            <a:r>
+              <a:rPr lang="en-US" altLang="zh-CN" sz="1600" smtClean="0"/>
+              <a:t>inbox</a:t>
+            </a:r>
+            <a:r>
+              <a:rPr lang="zh-CN" altLang="en-US" sz="1600" smtClean="0"/>
+              <a:t>的消息</a:t>
+            </a:r>
+            <a:endParaRPr lang="zh-CN" altLang="en-US" sz="1600"/>
+          </a:p>
+        </p:txBody>
+      </p:sp>
+      <p:sp>
+        <p:nvSpPr>
+          <p:cNvPr id="7" name="矩形 6"/>
+          <p:cNvSpPr/>
+          <p:nvPr/>
+        </p:nvSpPr>
+        <p:spPr>
+          <a:xfrm>
+            <a:off x="7132320" y="4240810"/>
+            <a:ext cx="3048000" cy="1870446"/>
+          </a:xfrm>
+          <a:prstGeom prst="rect">
+            <a:avLst/>
+          </a:prstGeom>
+          <a:solidFill>
+            <a:schemeClr val="accent6"/>
+          </a:solidFill>
+          <a:ln>
+            <a:solidFill>
+              <a:schemeClr val="tx1"/>
+            </a:solidFill>
+          </a:ln>
+        </p:spPr>
+        <p:style>
+          <a:lnRef idx="2">
+            <a:schemeClr val="accent1">
+              <a:shade val="50000"/>
+            </a:schemeClr>
+          </a:lnRef>
+          <a:fillRef idx="1">
+            <a:schemeClr val="accent1"/>
+          </a:fillRef>
+          <a:effectRef idx="0">
+            <a:schemeClr val="accent1"/>
+          </a:effectRef>
+          <a:fontRef idx="minor">
+            <a:schemeClr val="lt1"/>
+          </a:fontRef>
+        </p:style>
+        <p:txBody>
+          <a:bodyPr rtlCol="0" anchor="ctr"/>
+          <a:lstStyle/>
+          <a:p>
+            <a:pPr algn="ctr"/>
+            <a:endParaRPr lang="zh-CN" altLang="en-US"/>
+          </a:p>
+        </p:txBody>
+      </p:sp>
+      <p:sp>
+        <p:nvSpPr>
+          <p:cNvPr id="8" name="文本框 7"/>
+          <p:cNvSpPr txBox="1"/>
+          <p:nvPr/>
+        </p:nvSpPr>
+        <p:spPr>
+          <a:xfrm>
+            <a:off x="7067256" y="4269768"/>
+            <a:ext cx="702756" cy="369332"/>
+          </a:xfrm>
+          <a:prstGeom prst="rect">
+            <a:avLst/>
+          </a:prstGeom>
+          <a:noFill/>
+        </p:spPr>
+        <p:txBody>
+          <a:bodyPr wrap="none" rtlCol="0">
+            <a:spAutoFit/>
+          </a:bodyPr>
+          <a:lstStyle/>
+          <a:p>
+            <a:r>
+              <a:rPr lang="en-US" altLang="zh-CN" smtClean="0"/>
+              <a:t>Inbox</a:t>
+            </a:r>
+            <a:endParaRPr lang="zh-CN" altLang="en-US"/>
+          </a:p>
+        </p:txBody>
+      </p:sp>
+      <p:sp>
+        <p:nvSpPr>
+          <p:cNvPr id="12" name="文本框 11"/>
+          <p:cNvSpPr txBox="1"/>
+          <p:nvPr/>
+        </p:nvSpPr>
+        <p:spPr>
+          <a:xfrm>
+            <a:off x="7193373" y="4711336"/>
+            <a:ext cx="2795765" cy="369332"/>
+          </a:xfrm>
+          <a:prstGeom prst="rect">
+            <a:avLst/>
+          </a:prstGeom>
+          <a:noFill/>
+        </p:spPr>
+        <p:txBody>
+          <a:bodyPr wrap="none" rtlCol="0">
+            <a:spAutoFit/>
+          </a:bodyPr>
+          <a:lstStyle/>
+          <a:p>
+            <a:r>
+              <a:rPr lang="en-US" altLang="zh-CN" smtClean="0"/>
+              <a:t>process</a:t>
+            </a:r>
+            <a:r>
+              <a:rPr lang="zh-CN" altLang="en-US" smtClean="0"/>
+              <a:t>处理</a:t>
+            </a:r>
+            <a:r>
+              <a:rPr lang="en-US" altLang="zh-CN" smtClean="0"/>
+              <a:t>inbox</a:t>
+            </a:r>
+            <a:r>
+              <a:rPr lang="zh-CN" altLang="en-US" smtClean="0"/>
+              <a:t>中的消息</a:t>
+            </a:r>
+            <a:endParaRPr lang="en-US" altLang="zh-CN" smtClean="0"/>
+          </a:p>
+        </p:txBody>
+      </p:sp>
+    </p:spTree>
+    <p:extLst>
+      <p:ext uri="{BB962C8B-B14F-4D97-AF65-F5344CB8AC3E}">
+        <p14:creationId xmlns:p14="http://schemas.microsoft.com/office/powerpoint/2010/main" val="1913166433"/>
+      </p:ext>
+    </p:extLst>
+  </p:cSld>
+  <p:clrMapOvr>
+    <a:masterClrMapping/>
+  </p:clrMapOvr>
+</p:sld>
+</file>
+
+<file path=ppt/slides/slide20.xml><?xml version="1.0" encoding="utf-8"?>
+<p:sld xmlns:a="http://schemas.openxmlformats.org/drawingml/2006/main" xmlns:r="http://schemas.openxmlformats.org/officeDocument/2006/relationships" xmlns:p="http://schemas.openxmlformats.org/presentationml/2006/main">
+  <p:cSld>
+    <p:bg>
+      <p:bgPr>
+        <a:solidFill>
+          <a:schemeClr val="accent1">
+            <a:lumMod val="75000"/>
+          </a:schemeClr>
+        </a:solidFill>
+        <a:effectLst/>
+      </p:bgPr>
+    </p:bg>
     <p:spTree>
       <p:nvGrpSpPr>
         <p:cNvPr id="1" name=""/>
@@ -4304,7 +7579,7 @@
 </p:sld>
 </file>
 
-<file path=ppt/slides/slide17.xml><?xml version="1.0" encoding="utf-8"?>
+<file path=ppt/slides/slide21.xml><?xml version="1.0" encoding="utf-8"?>
 <p:sld xmlns:a="http://schemas.openxmlformats.org/drawingml/2006/main" xmlns:r="http://schemas.openxmlformats.org/officeDocument/2006/relationships" xmlns:p="http://schemas.openxmlformats.org/presentationml/2006/main">
   <p:cSld>
     <p:spTree>
@@ -4356,7 +7631,7 @@
 </p:sld>
 </file>
 
-<file path=ppt/slides/slide18.xml><?xml version="1.0" encoding="utf-8"?>
+<file path=ppt/slides/slide22.xml><?xml version="1.0" encoding="utf-8"?>
 <p:sld xmlns:a="http://schemas.openxmlformats.org/drawingml/2006/main" xmlns:r="http://schemas.openxmlformats.org/officeDocument/2006/relationships" xmlns:p="http://schemas.openxmlformats.org/presentationml/2006/main">
   <p:cSld>
     <p:spTree>
@@ -4386,7 +7661,7 @@
 </p:sld>
 </file>
 
-<file path=ppt/slides/slide19.xml><?xml version="1.0" encoding="utf-8"?>
+<file path=ppt/slides/slide23.xml><?xml version="1.0" encoding="utf-8"?>
 <p:sld xmlns:a="http://schemas.openxmlformats.org/drawingml/2006/main" xmlns:r="http://schemas.openxmlformats.org/officeDocument/2006/relationships" xmlns:p="http://schemas.openxmlformats.org/presentationml/2006/main">
   <p:cSld>
     <p:spTree>
@@ -4416,470 +7691,7 @@
 </p:sld>
 </file>
 
-<file path=ppt/slides/slide2.xml><?xml version="1.0" encoding="utf-8"?>
-<p:sld xmlns:a="http://schemas.openxmlformats.org/drawingml/2006/main" xmlns:r="http://schemas.openxmlformats.org/officeDocument/2006/relationships" xmlns:p="http://schemas.openxmlformats.org/presentationml/2006/main">
-  <p:cSld>
-    <p:spTree>
-      <p:nvGrpSpPr>
-        <p:cNvPr id="1" name=""/>
-        <p:cNvGrpSpPr/>
-        <p:nvPr/>
-      </p:nvGrpSpPr>
-      <p:grpSpPr>
-        <a:xfrm>
-          <a:off x="0" y="0"/>
-          <a:ext cx="0" cy="0"/>
-          <a:chOff x="0" y="0"/>
-          <a:chExt cx="0" cy="0"/>
-        </a:xfrm>
-      </p:grpSpPr>
-      <p:sp>
-        <p:nvSpPr>
-          <p:cNvPr id="3" name="矩形 2"/>
-          <p:cNvSpPr/>
-          <p:nvPr/>
-        </p:nvSpPr>
-        <p:spPr>
-          <a:xfrm>
-            <a:off x="2403566" y="1436915"/>
-            <a:ext cx="7776754" cy="4674342"/>
-          </a:xfrm>
-          <a:prstGeom prst="rect">
-            <a:avLst/>
-          </a:prstGeom>
-        </p:spPr>
-        <p:style>
-          <a:lnRef idx="2">
-            <a:schemeClr val="accent1">
-              <a:shade val="50000"/>
-            </a:schemeClr>
-          </a:lnRef>
-          <a:fillRef idx="1">
-            <a:schemeClr val="accent1"/>
-          </a:fillRef>
-          <a:effectRef idx="0">
-            <a:schemeClr val="accent1"/>
-          </a:effectRef>
-          <a:fontRef idx="minor">
-            <a:schemeClr val="lt1"/>
-          </a:fontRef>
-        </p:style>
-        <p:txBody>
-          <a:bodyPr rtlCol="0" anchor="ctr"/>
-          <a:lstStyle/>
-          <a:p>
-            <a:pPr algn="ctr"/>
-            <a:endParaRPr lang="zh-CN" altLang="en-US"/>
-          </a:p>
-        </p:txBody>
-      </p:sp>
-      <p:sp>
-        <p:nvSpPr>
-          <p:cNvPr id="4" name="文本框 3"/>
-          <p:cNvSpPr txBox="1"/>
-          <p:nvPr/>
-        </p:nvSpPr>
-        <p:spPr>
-          <a:xfrm>
-            <a:off x="2534194" y="1532708"/>
-            <a:ext cx="7646126" cy="1200329"/>
-          </a:xfrm>
-          <a:prstGeom prst="rect">
-            <a:avLst/>
-          </a:prstGeom>
-          <a:noFill/>
-        </p:spPr>
-        <p:txBody>
-          <a:bodyPr wrap="square" rtlCol="0">
-            <a:spAutoFit/>
-          </a:bodyPr>
-          <a:lstStyle/>
-          <a:p>
-            <a:r>
-              <a:rPr lang="en-US" altLang="zh-CN" smtClean="0"/>
-              <a:t>RpcEnv</a:t>
-            </a:r>
-            <a:r>
-              <a:rPr lang="zh-CN" altLang="en-US" smtClean="0"/>
-              <a:t>的子类</a:t>
-            </a:r>
-            <a:r>
-              <a:rPr lang="en-US" altLang="zh-CN" smtClean="0"/>
-              <a:t>NettyRpcEnv</a:t>
-            </a:r>
-            <a:r>
-              <a:rPr lang="zh-CN" altLang="en-US" smtClean="0"/>
-              <a:t>成员：</a:t>
-            </a:r>
-            <a:endParaRPr lang="en-US" altLang="zh-CN"/>
-          </a:p>
-          <a:p>
-            <a:r>
-              <a:rPr lang="en-US" altLang="zh-CN" smtClean="0"/>
-              <a:t>		dispatcher</a:t>
-            </a:r>
-            <a:r>
-              <a:rPr lang="en-US" altLang="zh-CN"/>
-              <a:t>: Dispatcher = new Dispatcher(this</a:t>
-            </a:r>
-            <a:r>
-              <a:rPr lang="en-US" altLang="zh-CN" smtClean="0"/>
-              <a:t>),</a:t>
-            </a:r>
-            <a:r>
-              <a:rPr lang="en-US" altLang="zh-CN"/>
-              <a:t> </a:t>
-            </a:r>
-            <a:r>
-              <a:rPr lang="en-US" altLang="zh-CN" smtClean="0"/>
-              <a:t>dispatcher</a:t>
-            </a:r>
-            <a:r>
-              <a:rPr lang="zh-CN" altLang="en-US" smtClean="0"/>
-              <a:t>路由消息功能</a:t>
-            </a:r>
-            <a:r>
-              <a:rPr lang="en-US" altLang="zh-CN" smtClean="0"/>
-              <a:t>,</a:t>
-            </a:r>
-            <a:r>
-              <a:rPr lang="zh-CN" altLang="en-US" smtClean="0"/>
-              <a:t>一个</a:t>
-            </a:r>
-            <a:r>
-              <a:rPr lang="en-US" altLang="zh-CN" smtClean="0"/>
-              <a:t>RpcEnv</a:t>
-            </a:r>
-            <a:r>
-              <a:rPr lang="zh-CN" altLang="en-US" smtClean="0"/>
-              <a:t>只有一个</a:t>
-            </a:r>
-            <a:r>
-              <a:rPr lang="en-US" altLang="zh-CN" smtClean="0"/>
-              <a:t>dispatcher</a:t>
-            </a:r>
-            <a:r>
-              <a:rPr lang="zh-CN" altLang="en-US" smtClean="0"/>
-              <a:t>成员</a:t>
-            </a:r>
-            <a:r>
-              <a:rPr lang="en-US" altLang="zh-CN" smtClean="0"/>
-              <a:t>.</a:t>
-            </a:r>
-            <a:endParaRPr lang="en-US" altLang="zh-CN"/>
-          </a:p>
-          <a:p>
-            <a:endParaRPr lang="zh-CN" altLang="en-US"/>
-          </a:p>
-        </p:txBody>
-      </p:sp>
-      <p:sp>
-        <p:nvSpPr>
-          <p:cNvPr id="5" name="矩形 4"/>
-          <p:cNvSpPr/>
-          <p:nvPr/>
-        </p:nvSpPr>
-        <p:spPr>
-          <a:xfrm>
-            <a:off x="4408087" y="2795451"/>
-            <a:ext cx="5772233" cy="3317966"/>
-          </a:xfrm>
-          <a:prstGeom prst="rect">
-            <a:avLst/>
-          </a:prstGeom>
-          <a:solidFill>
-            <a:schemeClr val="accent1">
-              <a:lumMod val="60000"/>
-              <a:lumOff val="40000"/>
-            </a:schemeClr>
-          </a:solidFill>
-          <a:ln>
-            <a:solidFill>
-              <a:schemeClr val="tx1"/>
-            </a:solidFill>
-          </a:ln>
-        </p:spPr>
-        <p:style>
-          <a:lnRef idx="2">
-            <a:schemeClr val="accent1">
-              <a:shade val="50000"/>
-            </a:schemeClr>
-          </a:lnRef>
-          <a:fillRef idx="1">
-            <a:schemeClr val="accent1"/>
-          </a:fillRef>
-          <a:effectRef idx="0">
-            <a:schemeClr val="accent1"/>
-          </a:effectRef>
-          <a:fontRef idx="minor">
-            <a:schemeClr val="lt1"/>
-          </a:fontRef>
-        </p:style>
-        <p:txBody>
-          <a:bodyPr rtlCol="0" anchor="ctr"/>
-          <a:lstStyle/>
-          <a:p>
-            <a:pPr algn="ctr"/>
-            <a:endParaRPr lang="zh-CN" altLang="en-US">
-              <a:solidFill>
-                <a:schemeClr val="tx1"/>
-              </a:solidFill>
-            </a:endParaRPr>
-          </a:p>
-        </p:txBody>
-      </p:sp>
-      <p:sp>
-        <p:nvSpPr>
-          <p:cNvPr id="6" name="文本框 5"/>
-          <p:cNvSpPr txBox="1"/>
-          <p:nvPr/>
-        </p:nvSpPr>
-        <p:spPr>
-          <a:xfrm>
-            <a:off x="4408087" y="2856411"/>
-            <a:ext cx="5772233" cy="1323439"/>
-          </a:xfrm>
-          <a:prstGeom prst="rect">
-            <a:avLst/>
-          </a:prstGeom>
-          <a:noFill/>
-        </p:spPr>
-        <p:txBody>
-          <a:bodyPr wrap="square" rtlCol="0">
-            <a:spAutoFit/>
-          </a:bodyPr>
-          <a:lstStyle/>
-          <a:p>
-            <a:r>
-              <a:rPr lang="en-US" altLang="zh-CN" sz="1600" smtClean="0"/>
-              <a:t>Dispather</a:t>
-            </a:r>
-            <a:r>
-              <a:rPr lang="zh-CN" altLang="en-US" sz="1600"/>
-              <a:t>要点</a:t>
-            </a:r>
-            <a:r>
-              <a:rPr lang="en-US" altLang="zh-CN" sz="1600" smtClean="0"/>
-              <a:t>: </a:t>
-            </a:r>
-          </a:p>
-          <a:p>
-            <a:r>
-              <a:rPr lang="en-US" altLang="zh-CN" sz="1600" smtClean="0"/>
-              <a:t>Dispatcher#registerRpcEndpoint</a:t>
-            </a:r>
-            <a:r>
-              <a:rPr lang="zh-CN" altLang="en-US" sz="1600" smtClean="0"/>
-              <a:t>中</a:t>
-            </a:r>
-            <a:r>
-              <a:rPr lang="en-US" altLang="zh-CN" sz="1600" smtClean="0"/>
-              <a:t>new EndpointData</a:t>
-            </a:r>
-            <a:r>
-              <a:rPr lang="zh-CN" altLang="en-US" sz="1600" smtClean="0"/>
-              <a:t>完成</a:t>
-            </a:r>
-            <a:r>
-              <a:rPr lang="en-US" altLang="zh-CN" sz="1600" smtClean="0"/>
-              <a:t>InBox</a:t>
-            </a:r>
-            <a:r>
-              <a:rPr lang="zh-CN" altLang="en-US" sz="1600" smtClean="0"/>
-              <a:t>的初始化</a:t>
-            </a:r>
-            <a:r>
-              <a:rPr lang="en-US" altLang="zh-CN" sz="1600" smtClean="0"/>
-              <a:t>,</a:t>
-            </a:r>
-            <a:r>
-              <a:rPr lang="zh-CN" altLang="en-US" sz="1600" smtClean="0"/>
-              <a:t>初始化过程中存入</a:t>
-            </a:r>
-            <a:r>
-              <a:rPr lang="en-US" altLang="zh-CN" sz="1600" smtClean="0"/>
-              <a:t>OnSatrt</a:t>
-            </a:r>
-            <a:r>
-              <a:rPr lang="zh-CN" altLang="en-US" sz="1600" smtClean="0"/>
-              <a:t>消息</a:t>
-            </a:r>
-            <a:r>
-              <a:rPr lang="en-US" altLang="zh-CN" sz="1600" smtClean="0"/>
-              <a:t>.(</a:t>
-            </a:r>
-            <a:r>
-              <a:rPr lang="zh-CN" altLang="en-US" sz="1600" smtClean="0"/>
-              <a:t>每一个</a:t>
-            </a:r>
-            <a:r>
-              <a:rPr lang="en-US" altLang="zh-CN" sz="1600" smtClean="0"/>
-              <a:t>endpoint</a:t>
-            </a:r>
-            <a:r>
-              <a:rPr lang="zh-CN" altLang="en-US" sz="1600" smtClean="0"/>
-              <a:t>单独一个</a:t>
-            </a:r>
-            <a:r>
-              <a:rPr lang="en-US" altLang="zh-CN" sz="1600" smtClean="0"/>
-              <a:t>inbox)</a:t>
-            </a:r>
-          </a:p>
-          <a:p>
-            <a:r>
-              <a:rPr lang="en-US" altLang="zh-CN" sz="1600" smtClean="0"/>
-              <a:t>Dispatcher.MessageLoop</a:t>
-            </a:r>
-            <a:r>
-              <a:rPr lang="zh-CN" altLang="en-US" sz="1600" smtClean="0"/>
-              <a:t>任务死循环处理</a:t>
-            </a:r>
-            <a:r>
-              <a:rPr lang="en-US" altLang="zh-CN" sz="1600" smtClean="0"/>
-              <a:t>inbox</a:t>
-            </a:r>
-            <a:r>
-              <a:rPr lang="zh-CN" altLang="en-US" sz="1600" smtClean="0"/>
-              <a:t>的消息</a:t>
-            </a:r>
-            <a:endParaRPr lang="zh-CN" altLang="en-US" sz="1600"/>
-          </a:p>
-        </p:txBody>
-      </p:sp>
-      <p:sp>
-        <p:nvSpPr>
-          <p:cNvPr id="7" name="矩形 6"/>
-          <p:cNvSpPr/>
-          <p:nvPr/>
-        </p:nvSpPr>
-        <p:spPr>
-          <a:xfrm>
-            <a:off x="7132320" y="4240810"/>
-            <a:ext cx="3048000" cy="1870446"/>
-          </a:xfrm>
-          <a:prstGeom prst="rect">
-            <a:avLst/>
-          </a:prstGeom>
-          <a:solidFill>
-            <a:schemeClr val="accent6"/>
-          </a:solidFill>
-          <a:ln>
-            <a:solidFill>
-              <a:schemeClr val="tx1"/>
-            </a:solidFill>
-          </a:ln>
-        </p:spPr>
-        <p:style>
-          <a:lnRef idx="2">
-            <a:schemeClr val="accent1">
-              <a:shade val="50000"/>
-            </a:schemeClr>
-          </a:lnRef>
-          <a:fillRef idx="1">
-            <a:schemeClr val="accent1"/>
-          </a:fillRef>
-          <a:effectRef idx="0">
-            <a:schemeClr val="accent1"/>
-          </a:effectRef>
-          <a:fontRef idx="minor">
-            <a:schemeClr val="lt1"/>
-          </a:fontRef>
-        </p:style>
-        <p:txBody>
-          <a:bodyPr rtlCol="0" anchor="ctr"/>
-          <a:lstStyle/>
-          <a:p>
-            <a:pPr algn="ctr"/>
-            <a:endParaRPr lang="zh-CN" altLang="en-US"/>
-          </a:p>
-        </p:txBody>
-      </p:sp>
-      <p:sp>
-        <p:nvSpPr>
-          <p:cNvPr id="8" name="文本框 7"/>
-          <p:cNvSpPr txBox="1"/>
-          <p:nvPr/>
-        </p:nvSpPr>
-        <p:spPr>
-          <a:xfrm>
-            <a:off x="7067256" y="4269768"/>
-            <a:ext cx="702756" cy="369332"/>
-          </a:xfrm>
-          <a:prstGeom prst="rect">
-            <a:avLst/>
-          </a:prstGeom>
-          <a:noFill/>
-        </p:spPr>
-        <p:txBody>
-          <a:bodyPr wrap="none" rtlCol="0">
-            <a:spAutoFit/>
-          </a:bodyPr>
-          <a:lstStyle/>
-          <a:p>
-            <a:r>
-              <a:rPr lang="en-US" altLang="zh-CN" smtClean="0"/>
-              <a:t>Inbox</a:t>
-            </a:r>
-            <a:endParaRPr lang="zh-CN" altLang="en-US"/>
-          </a:p>
-        </p:txBody>
-      </p:sp>
-      <p:sp>
-        <p:nvSpPr>
-          <p:cNvPr id="12" name="文本框 11"/>
-          <p:cNvSpPr txBox="1"/>
-          <p:nvPr/>
-        </p:nvSpPr>
-        <p:spPr>
-          <a:xfrm>
-            <a:off x="7193373" y="4711336"/>
-            <a:ext cx="2795765" cy="369332"/>
-          </a:xfrm>
-          <a:prstGeom prst="rect">
-            <a:avLst/>
-          </a:prstGeom>
-          <a:noFill/>
-        </p:spPr>
-        <p:txBody>
-          <a:bodyPr wrap="none" rtlCol="0">
-            <a:spAutoFit/>
-          </a:bodyPr>
-          <a:lstStyle/>
-          <a:p>
-            <a:r>
-              <a:rPr lang="en-US" altLang="zh-CN" smtClean="0"/>
-              <a:t>process</a:t>
-            </a:r>
-            <a:r>
-              <a:rPr lang="zh-CN" altLang="en-US" smtClean="0"/>
-              <a:t>处理</a:t>
-            </a:r>
-            <a:r>
-              <a:rPr lang="en-US" altLang="zh-CN" smtClean="0"/>
-              <a:t>inbox</a:t>
-            </a:r>
-            <a:r>
-              <a:rPr lang="zh-CN" altLang="en-US" smtClean="0"/>
-              <a:t>中的消息</a:t>
-            </a:r>
-            <a:endParaRPr lang="en-US" altLang="zh-CN" smtClean="0"/>
-          </a:p>
-        </p:txBody>
-      </p:sp>
-    </p:spTree>
-    <p:extLst>
-      <p:ext uri="{BB962C8B-B14F-4D97-AF65-F5344CB8AC3E}">
-        <p14:creationId xmlns:p14="http://schemas.microsoft.com/office/powerpoint/2010/main" val="1913166433"/>
-      </p:ext>
-    </p:extLst>
-  </p:cSld>
-  <p:clrMapOvr>
-    <a:masterClrMapping/>
-  </p:clrMapOvr>
-</p:sld>
-</file>
-
-<file path=ppt/slides/slide20.xml><?xml version="1.0" encoding="utf-8"?>
+<file path=ppt/slides/slide24.xml><?xml version="1.0" encoding="utf-8"?>
 <p:sld xmlns:a="http://schemas.openxmlformats.org/drawingml/2006/main" xmlns:r="http://schemas.openxmlformats.org/officeDocument/2006/relationships" xmlns:p="http://schemas.openxmlformats.org/presentationml/2006/main">
   <p:cSld>
     <p:spTree>
@@ -4909,7 +7721,7 @@
 </p:sld>
 </file>
 
-<file path=ppt/slides/slide21.xml><?xml version="1.0" encoding="utf-8"?>
+<file path=ppt/slides/slide25.xml><?xml version="1.0" encoding="utf-8"?>
 <p:sld xmlns:a="http://schemas.openxmlformats.org/drawingml/2006/main" xmlns:r="http://schemas.openxmlformats.org/officeDocument/2006/relationships" xmlns:p="http://schemas.openxmlformats.org/presentationml/2006/main">
   <p:cSld>
     <p:spTree>
@@ -4939,7 +7751,7 @@
 </p:sld>
 </file>
 
-<file path=ppt/slides/slide22.xml><?xml version="1.0" encoding="utf-8"?>
+<file path=ppt/slides/slide26.xml><?xml version="1.0" encoding="utf-8"?>
 <p:sld xmlns:a="http://schemas.openxmlformats.org/drawingml/2006/main" xmlns:r="http://schemas.openxmlformats.org/officeDocument/2006/relationships" xmlns:p="http://schemas.openxmlformats.org/presentationml/2006/main">
   <p:cSld>
     <p:spTree>
@@ -4969,7 +7781,7 @@
 </p:sld>
 </file>
 
-<file path=ppt/slides/slide23.xml><?xml version="1.0" encoding="utf-8"?>
+<file path=ppt/slides/slide27.xml><?xml version="1.0" encoding="utf-8"?>
 <p:sld xmlns:a="http://schemas.openxmlformats.org/drawingml/2006/main" xmlns:r="http://schemas.openxmlformats.org/officeDocument/2006/relationships" xmlns:p="http://schemas.openxmlformats.org/presentationml/2006/main">
   <p:cSld>
     <p:spTree>
@@ -4999,7 +7811,7 @@
 </p:sld>
 </file>
 
-<file path=ppt/slides/slide24.xml><?xml version="1.0" encoding="utf-8"?>
+<file path=ppt/slides/slide28.xml><?xml version="1.0" encoding="utf-8"?>
 <p:sld xmlns:a="http://schemas.openxmlformats.org/drawingml/2006/main" xmlns:r="http://schemas.openxmlformats.org/officeDocument/2006/relationships" xmlns:p="http://schemas.openxmlformats.org/presentationml/2006/main">
   <p:cSld>
     <p:spTree>
@@ -5029,7 +7841,7 @@
 </p:sld>
 </file>
 
-<file path=ppt/slides/slide25.xml><?xml version="1.0" encoding="utf-8"?>
+<file path=ppt/slides/slide29.xml><?xml version="1.0" encoding="utf-8"?>
 <p:sld xmlns:a="http://schemas.openxmlformats.org/drawingml/2006/main" xmlns:r="http://schemas.openxmlformats.org/officeDocument/2006/relationships" xmlns:p="http://schemas.openxmlformats.org/presentationml/2006/main">
   <p:cSld>
     <p:spTree>
@@ -5059,7 +7871,230 @@
 </p:sld>
 </file>
 
-<file path=ppt/slides/slide26.xml><?xml version="1.0" encoding="utf-8"?>
+<file path=ppt/slides/slide3.xml><?xml version="1.0" encoding="utf-8"?>
+<p:sld xmlns:a="http://schemas.openxmlformats.org/drawingml/2006/main" xmlns:r="http://schemas.openxmlformats.org/officeDocument/2006/relationships" xmlns:p="http://schemas.openxmlformats.org/presentationml/2006/main">
+  <p:cSld>
+    <p:spTree>
+      <p:nvGrpSpPr>
+        <p:cNvPr id="1" name=""/>
+        <p:cNvGrpSpPr/>
+        <p:nvPr/>
+      </p:nvGrpSpPr>
+      <p:grpSpPr>
+        <a:xfrm>
+          <a:off x="0" y="0"/>
+          <a:ext cx="0" cy="0"/>
+          <a:chOff x="0" y="0"/>
+          <a:chExt cx="0" cy="0"/>
+        </a:xfrm>
+      </p:grpSpPr>
+      <p:sp>
+        <p:nvSpPr>
+          <p:cNvPr id="2" name="矩形 1"/>
+          <p:cNvSpPr/>
+          <p:nvPr/>
+        </p:nvSpPr>
+        <p:spPr>
+          <a:xfrm>
+            <a:off x="1628503" y="1245326"/>
+            <a:ext cx="9535886" cy="5408023"/>
+          </a:xfrm>
+          <a:prstGeom prst="rect">
+            <a:avLst/>
+          </a:prstGeom>
+        </p:spPr>
+        <p:style>
+          <a:lnRef idx="2">
+            <a:schemeClr val="accent1">
+              <a:shade val="50000"/>
+            </a:schemeClr>
+          </a:lnRef>
+          <a:fillRef idx="1">
+            <a:schemeClr val="accent1"/>
+          </a:fillRef>
+          <a:effectRef idx="0">
+            <a:schemeClr val="accent1"/>
+          </a:effectRef>
+          <a:fontRef idx="minor">
+            <a:schemeClr val="lt1"/>
+          </a:fontRef>
+        </p:style>
+        <p:txBody>
+          <a:bodyPr rtlCol="0" anchor="ctr"/>
+          <a:lstStyle/>
+          <a:p>
+            <a:pPr algn="ctr"/>
+            <a:endParaRPr lang="zh-CN" altLang="en-US"/>
+          </a:p>
+        </p:txBody>
+      </p:sp>
+      <p:sp>
+        <p:nvSpPr>
+          <p:cNvPr id="3" name="文本框 2"/>
+          <p:cNvSpPr txBox="1"/>
+          <p:nvPr/>
+        </p:nvSpPr>
+        <p:spPr>
+          <a:xfrm>
+            <a:off x="2229394" y="775063"/>
+            <a:ext cx="849656" cy="369332"/>
+          </a:xfrm>
+          <a:prstGeom prst="rect">
+            <a:avLst/>
+          </a:prstGeom>
+          <a:noFill/>
+        </p:spPr>
+        <p:txBody>
+          <a:bodyPr wrap="none" rtlCol="0">
+            <a:spAutoFit/>
+          </a:bodyPr>
+          <a:lstStyle/>
+          <a:p>
+            <a:r>
+              <a:rPr lang="en-US" altLang="zh-CN" smtClean="0"/>
+              <a:t>Master</a:t>
+            </a:r>
+            <a:endParaRPr lang="zh-CN" altLang="en-US"/>
+          </a:p>
+        </p:txBody>
+      </p:sp>
+      <p:sp>
+        <p:nvSpPr>
+          <p:cNvPr id="4" name="文本框 3"/>
+          <p:cNvSpPr txBox="1"/>
+          <p:nvPr/>
+        </p:nvSpPr>
+        <p:spPr>
+          <a:xfrm>
+            <a:off x="1624719" y="1245326"/>
+            <a:ext cx="8754320" cy="6186309"/>
+          </a:xfrm>
+          <a:prstGeom prst="rect">
+            <a:avLst/>
+          </a:prstGeom>
+          <a:noFill/>
+        </p:spPr>
+        <p:txBody>
+          <a:bodyPr wrap="none" rtlCol="0">
+            <a:spAutoFit/>
+          </a:bodyPr>
+          <a:lstStyle/>
+          <a:p>
+            <a:r>
+              <a:rPr lang="en-US" altLang="zh-CN" smtClean="0"/>
+              <a:t>Master   </a:t>
+            </a:r>
+          </a:p>
+          <a:p>
+            <a:r>
+              <a:rPr lang="en-US" altLang="zh-CN"/>
+              <a:t>	persistenceEngine: </a:t>
+            </a:r>
+            <a:r>
+              <a:rPr lang="en-US" altLang="zh-CN" smtClean="0"/>
+              <a:t>PersistenceEngine </a:t>
+            </a:r>
+            <a:r>
+              <a:rPr lang="zh-CN" altLang="en-US"/>
+              <a:t>持久</a:t>
+            </a:r>
+            <a:r>
+              <a:rPr lang="zh-CN" altLang="en-US" smtClean="0"/>
+              <a:t>化引擎，</a:t>
+            </a:r>
+            <a:r>
+              <a:rPr lang="en-US" altLang="zh-CN" smtClean="0"/>
+              <a:t>Master</a:t>
+            </a:r>
+            <a:r>
+              <a:rPr lang="zh-CN" altLang="en-US" smtClean="0"/>
+              <a:t>用来恢复系统</a:t>
+            </a:r>
+            <a:r>
+              <a:rPr lang="en-US" altLang="zh-CN"/>
+              <a:t/>
+            </a:r>
+            <a:br>
+              <a:rPr lang="en-US" altLang="zh-CN"/>
+            </a:br>
+            <a:endParaRPr lang="en-US" altLang="zh-CN"/>
+          </a:p>
+          <a:p>
+            <a:r>
+              <a:rPr lang="en-US" altLang="zh-CN" smtClean="0"/>
+              <a:t>                                                                                                                                                                  </a:t>
+            </a:r>
+          </a:p>
+          <a:p>
+            <a:endParaRPr lang="en-US" altLang="zh-CN"/>
+          </a:p>
+          <a:p>
+            <a:endParaRPr lang="en-US" altLang="zh-CN" smtClean="0"/>
+          </a:p>
+          <a:p>
+            <a:endParaRPr lang="en-US" altLang="zh-CN"/>
+          </a:p>
+          <a:p>
+            <a:endParaRPr lang="en-US" altLang="zh-CN" smtClean="0"/>
+          </a:p>
+          <a:p>
+            <a:endParaRPr lang="en-US" altLang="zh-CN"/>
+          </a:p>
+          <a:p>
+            <a:endParaRPr lang="en-US" altLang="zh-CN" smtClean="0"/>
+          </a:p>
+          <a:p>
+            <a:endParaRPr lang="en-US" altLang="zh-CN"/>
+          </a:p>
+          <a:p>
+            <a:endParaRPr lang="en-US" altLang="zh-CN" smtClean="0"/>
+          </a:p>
+          <a:p>
+            <a:endParaRPr lang="en-US" altLang="zh-CN"/>
+          </a:p>
+          <a:p>
+            <a:endParaRPr lang="en-US" altLang="zh-CN" smtClean="0"/>
+          </a:p>
+          <a:p>
+            <a:endParaRPr lang="en-US" altLang="zh-CN"/>
+          </a:p>
+          <a:p>
+            <a:endParaRPr lang="en-US" altLang="zh-CN" smtClean="0"/>
+          </a:p>
+          <a:p>
+            <a:endParaRPr lang="en-US" altLang="zh-CN"/>
+          </a:p>
+          <a:p>
+            <a:endParaRPr lang="en-US" altLang="zh-CN" smtClean="0"/>
+          </a:p>
+          <a:p>
+            <a:endParaRPr lang="en-US" altLang="zh-CN"/>
+          </a:p>
+          <a:p>
+            <a:endParaRPr lang="en-US" altLang="zh-CN" smtClean="0"/>
+          </a:p>
+          <a:p>
+            <a:endParaRPr lang="en-US" altLang="zh-CN"/>
+          </a:p>
+          <a:p>
+            <a:endParaRPr lang="en-US" altLang="zh-CN" smtClean="0"/>
+          </a:p>
+        </p:txBody>
+      </p:sp>
+    </p:spTree>
+    <p:extLst>
+      <p:ext uri="{BB962C8B-B14F-4D97-AF65-F5344CB8AC3E}">
+        <p14:creationId xmlns:p14="http://schemas.microsoft.com/office/powerpoint/2010/main" val="4278241465"/>
+      </p:ext>
+    </p:extLst>
+  </p:cSld>
+  <p:clrMapOvr>
+    <a:masterClrMapping/>
+  </p:clrMapOvr>
+</p:sld>
+</file>
+
+<file path=ppt/slides/slide30.xml><?xml version="1.0" encoding="utf-8"?>
 <p:sld xmlns:a="http://schemas.openxmlformats.org/drawingml/2006/main" xmlns:r="http://schemas.openxmlformats.org/officeDocument/2006/relationships" xmlns:p="http://schemas.openxmlformats.org/presentationml/2006/main">
   <p:cSld>
     <p:spTree>
@@ -5089,7 +8124,7 @@
 </p:sld>
 </file>
 
-<file path=ppt/slides/slide27.xml><?xml version="1.0" encoding="utf-8"?>
+<file path=ppt/slides/slide31.xml><?xml version="1.0" encoding="utf-8"?>
 <p:sld xmlns:a="http://schemas.openxmlformats.org/drawingml/2006/main" xmlns:r="http://schemas.openxmlformats.org/officeDocument/2006/relationships" xmlns:p="http://schemas.openxmlformats.org/presentationml/2006/main">
   <p:cSld>
     <p:spTree>
@@ -5119,7 +8154,7 @@
 </p:sld>
 </file>
 
-<file path=ppt/slides/slide28.xml><?xml version="1.0" encoding="utf-8"?>
+<file path=ppt/slides/slide32.xml><?xml version="1.0" encoding="utf-8"?>
 <p:sld xmlns:a="http://schemas.openxmlformats.org/drawingml/2006/main" xmlns:r="http://schemas.openxmlformats.org/officeDocument/2006/relationships" xmlns:p="http://schemas.openxmlformats.org/presentationml/2006/main">
   <p:cSld>
     <p:spTree>
@@ -5149,7 +8184,7 @@
 </p:sld>
 </file>
 
-<file path=ppt/slides/slide29.xml><?xml version="1.0" encoding="utf-8"?>
+<file path=ppt/slides/slide33.xml><?xml version="1.0" encoding="utf-8"?>
 <p:sld xmlns:a="http://schemas.openxmlformats.org/drawingml/2006/main" xmlns:r="http://schemas.openxmlformats.org/officeDocument/2006/relationships" xmlns:p="http://schemas.openxmlformats.org/presentationml/2006/main">
   <p:cSld>
     <p:spTree>
@@ -5179,230 +8214,7 @@
 </p:sld>
 </file>
 
-<file path=ppt/slides/slide3.xml><?xml version="1.0" encoding="utf-8"?>
-<p:sld xmlns:a="http://schemas.openxmlformats.org/drawingml/2006/main" xmlns:r="http://schemas.openxmlformats.org/officeDocument/2006/relationships" xmlns:p="http://schemas.openxmlformats.org/presentationml/2006/main">
-  <p:cSld>
-    <p:spTree>
-      <p:nvGrpSpPr>
-        <p:cNvPr id="1" name=""/>
-        <p:cNvGrpSpPr/>
-        <p:nvPr/>
-      </p:nvGrpSpPr>
-      <p:grpSpPr>
-        <a:xfrm>
-          <a:off x="0" y="0"/>
-          <a:ext cx="0" cy="0"/>
-          <a:chOff x="0" y="0"/>
-          <a:chExt cx="0" cy="0"/>
-        </a:xfrm>
-      </p:grpSpPr>
-      <p:sp>
-        <p:nvSpPr>
-          <p:cNvPr id="2" name="矩形 1"/>
-          <p:cNvSpPr/>
-          <p:nvPr/>
-        </p:nvSpPr>
-        <p:spPr>
-          <a:xfrm>
-            <a:off x="1628503" y="1245326"/>
-            <a:ext cx="9535886" cy="5408023"/>
-          </a:xfrm>
-          <a:prstGeom prst="rect">
-            <a:avLst/>
-          </a:prstGeom>
-        </p:spPr>
-        <p:style>
-          <a:lnRef idx="2">
-            <a:schemeClr val="accent1">
-              <a:shade val="50000"/>
-            </a:schemeClr>
-          </a:lnRef>
-          <a:fillRef idx="1">
-            <a:schemeClr val="accent1"/>
-          </a:fillRef>
-          <a:effectRef idx="0">
-            <a:schemeClr val="accent1"/>
-          </a:effectRef>
-          <a:fontRef idx="minor">
-            <a:schemeClr val="lt1"/>
-          </a:fontRef>
-        </p:style>
-        <p:txBody>
-          <a:bodyPr rtlCol="0" anchor="ctr"/>
-          <a:lstStyle/>
-          <a:p>
-            <a:pPr algn="ctr"/>
-            <a:endParaRPr lang="zh-CN" altLang="en-US"/>
-          </a:p>
-        </p:txBody>
-      </p:sp>
-      <p:sp>
-        <p:nvSpPr>
-          <p:cNvPr id="3" name="文本框 2"/>
-          <p:cNvSpPr txBox="1"/>
-          <p:nvPr/>
-        </p:nvSpPr>
-        <p:spPr>
-          <a:xfrm>
-            <a:off x="2229394" y="775063"/>
-            <a:ext cx="849656" cy="369332"/>
-          </a:xfrm>
-          <a:prstGeom prst="rect">
-            <a:avLst/>
-          </a:prstGeom>
-          <a:noFill/>
-        </p:spPr>
-        <p:txBody>
-          <a:bodyPr wrap="none" rtlCol="0">
-            <a:spAutoFit/>
-          </a:bodyPr>
-          <a:lstStyle/>
-          <a:p>
-            <a:r>
-              <a:rPr lang="en-US" altLang="zh-CN" smtClean="0"/>
-              <a:t>Master</a:t>
-            </a:r>
-            <a:endParaRPr lang="zh-CN" altLang="en-US"/>
-          </a:p>
-        </p:txBody>
-      </p:sp>
-      <p:sp>
-        <p:nvSpPr>
-          <p:cNvPr id="4" name="文本框 3"/>
-          <p:cNvSpPr txBox="1"/>
-          <p:nvPr/>
-        </p:nvSpPr>
-        <p:spPr>
-          <a:xfrm>
-            <a:off x="1624719" y="1245326"/>
-            <a:ext cx="8754320" cy="6186309"/>
-          </a:xfrm>
-          <a:prstGeom prst="rect">
-            <a:avLst/>
-          </a:prstGeom>
-          <a:noFill/>
-        </p:spPr>
-        <p:txBody>
-          <a:bodyPr wrap="none" rtlCol="0">
-            <a:spAutoFit/>
-          </a:bodyPr>
-          <a:lstStyle/>
-          <a:p>
-            <a:r>
-              <a:rPr lang="en-US" altLang="zh-CN" smtClean="0"/>
-              <a:t>Master   </a:t>
-            </a:r>
-          </a:p>
-          <a:p>
-            <a:r>
-              <a:rPr lang="en-US" altLang="zh-CN"/>
-              <a:t>	persistenceEngine: </a:t>
-            </a:r>
-            <a:r>
-              <a:rPr lang="en-US" altLang="zh-CN" smtClean="0"/>
-              <a:t>PersistenceEngine </a:t>
-            </a:r>
-            <a:r>
-              <a:rPr lang="zh-CN" altLang="en-US"/>
-              <a:t>持久</a:t>
-            </a:r>
-            <a:r>
-              <a:rPr lang="zh-CN" altLang="en-US" smtClean="0"/>
-              <a:t>化引擎，</a:t>
-            </a:r>
-            <a:r>
-              <a:rPr lang="en-US" altLang="zh-CN" smtClean="0"/>
-              <a:t>Master</a:t>
-            </a:r>
-            <a:r>
-              <a:rPr lang="zh-CN" altLang="en-US" smtClean="0"/>
-              <a:t>用来恢复系统</a:t>
-            </a:r>
-            <a:r>
-              <a:rPr lang="en-US" altLang="zh-CN"/>
-              <a:t/>
-            </a:r>
-            <a:br>
-              <a:rPr lang="en-US" altLang="zh-CN"/>
-            </a:br>
-            <a:endParaRPr lang="en-US" altLang="zh-CN"/>
-          </a:p>
-          <a:p>
-            <a:r>
-              <a:rPr lang="en-US" altLang="zh-CN" smtClean="0"/>
-              <a:t>                                                                                                                                                                  </a:t>
-            </a:r>
-          </a:p>
-          <a:p>
-            <a:endParaRPr lang="en-US" altLang="zh-CN"/>
-          </a:p>
-          <a:p>
-            <a:endParaRPr lang="en-US" altLang="zh-CN" smtClean="0"/>
-          </a:p>
-          <a:p>
-            <a:endParaRPr lang="en-US" altLang="zh-CN"/>
-          </a:p>
-          <a:p>
-            <a:endParaRPr lang="en-US" altLang="zh-CN" smtClean="0"/>
-          </a:p>
-          <a:p>
-            <a:endParaRPr lang="en-US" altLang="zh-CN"/>
-          </a:p>
-          <a:p>
-            <a:endParaRPr lang="en-US" altLang="zh-CN" smtClean="0"/>
-          </a:p>
-          <a:p>
-            <a:endParaRPr lang="en-US" altLang="zh-CN"/>
-          </a:p>
-          <a:p>
-            <a:endParaRPr lang="en-US" altLang="zh-CN" smtClean="0"/>
-          </a:p>
-          <a:p>
-            <a:endParaRPr lang="en-US" altLang="zh-CN"/>
-          </a:p>
-          <a:p>
-            <a:endParaRPr lang="en-US" altLang="zh-CN" smtClean="0"/>
-          </a:p>
-          <a:p>
-            <a:endParaRPr lang="en-US" altLang="zh-CN"/>
-          </a:p>
-          <a:p>
-            <a:endParaRPr lang="en-US" altLang="zh-CN" smtClean="0"/>
-          </a:p>
-          <a:p>
-            <a:endParaRPr lang="en-US" altLang="zh-CN"/>
-          </a:p>
-          <a:p>
-            <a:endParaRPr lang="en-US" altLang="zh-CN" smtClean="0"/>
-          </a:p>
-          <a:p>
-            <a:endParaRPr lang="en-US" altLang="zh-CN"/>
-          </a:p>
-          <a:p>
-            <a:endParaRPr lang="en-US" altLang="zh-CN" smtClean="0"/>
-          </a:p>
-          <a:p>
-            <a:endParaRPr lang="en-US" altLang="zh-CN"/>
-          </a:p>
-          <a:p>
-            <a:endParaRPr lang="en-US" altLang="zh-CN" smtClean="0"/>
-          </a:p>
-        </p:txBody>
-      </p:sp>
-    </p:spTree>
-    <p:extLst>
-      <p:ext uri="{BB962C8B-B14F-4D97-AF65-F5344CB8AC3E}">
-        <p14:creationId xmlns:p14="http://schemas.microsoft.com/office/powerpoint/2010/main" val="4278241465"/>
-      </p:ext>
-    </p:extLst>
-  </p:cSld>
-  <p:clrMapOvr>
-    <a:masterClrMapping/>
-  </p:clrMapOvr>
-</p:sld>
-</file>
-
-<file path=ppt/slides/slide30.xml><?xml version="1.0" encoding="utf-8"?>
+<file path=ppt/slides/slide34.xml><?xml version="1.0" encoding="utf-8"?>
 <p:sld xmlns:a="http://schemas.openxmlformats.org/drawingml/2006/main" xmlns:r="http://schemas.openxmlformats.org/officeDocument/2006/relationships" xmlns:p="http://schemas.openxmlformats.org/presentationml/2006/main">
   <p:cSld>
     <p:spTree>
@@ -6090,7 +8902,7 @@
           <p:nvPr/>
         </p:nvPicPr>
         <p:blipFill>
-          <a:blip r:embed="rId2"/>
+          <a:blip r:embed="rId3"/>
           <a:stretch>
             <a:fillRect/>
           </a:stretch>
@@ -6157,7 +8969,7 @@
           <p:nvPr/>
         </p:nvPicPr>
         <p:blipFill>
-          <a:blip r:embed="rId3"/>
+          <a:blip r:embed="rId4"/>
           <a:stretch>
             <a:fillRect/>
           </a:stretch>
@@ -6232,7 +9044,7 @@
           <p:nvPr/>
         </p:nvPicPr>
         <p:blipFill>
-          <a:blip r:embed="rId4"/>
+          <a:blip r:embed="rId5"/>
           <a:stretch>
             <a:fillRect/>
           </a:stretch>
@@ -6892,7 +9704,7 @@
           <a:graphicData uri="http://schemas.openxmlformats.org/presentationml/2006/ole">
             <mc:AlternateContent xmlns:mc="http://schemas.openxmlformats.org/markup-compatibility/2006">
               <mc:Choice xmlns:v="urn:schemas-microsoft-com:vml" Requires="v">
-                <p:oleObj spid="_x0000_s2064" name="包装程序外壳对象" showAsIcon="1" r:id="rId4" imgW="1325880" imgH="354600" progId="Package">
+                <p:oleObj spid="_x0000_s2130" name="包装程序外壳对象" showAsIcon="1" r:id="rId4" imgW="1325880" imgH="354600" progId="Package">
                   <p:embed/>
                 </p:oleObj>
               </mc:Choice>

--- a/Spark阅读源码的笔记.pptx
+++ b/Spark阅读源码的笔记.pptx
@@ -22,9 +22,9 @@
     <p:sldId id="285" r:id="rId13"/>
     <p:sldId id="283" r:id="rId14"/>
     <p:sldId id="289" r:id="rId15"/>
-    <p:sldId id="286" r:id="rId16"/>
-    <p:sldId id="287" r:id="rId17"/>
-    <p:sldId id="288" r:id="rId18"/>
+    <p:sldId id="288" r:id="rId16"/>
+    <p:sldId id="286" r:id="rId17"/>
+    <p:sldId id="287" r:id="rId18"/>
     <p:sldId id="284" r:id="rId19"/>
     <p:sldId id="267" r:id="rId20"/>
     <p:sldId id="268" r:id="rId21"/>
@@ -230,7 +230,7 @@
           <a:p>
             <a:fld id="{E79BCF29-52E9-4B6F-BE17-814B78939943}" type="datetimeFigureOut">
               <a:rPr lang="zh-CN" altLang="en-US" smtClean="0"/>
-              <a:t>2017/4/5</a:t>
+              <a:t>2017/4/6</a:t>
             </a:fld>
             <a:endParaRPr lang="zh-CN" altLang="en-US"/>
           </a:p>
@@ -824,195 +824,60 @@
           <a:lstStyle/>
           <a:p>
             <a:r>
+              <a:rPr lang="en-US" altLang="zh-CN" sz="1200" b="1" smtClean="0">
+                <a:solidFill>
+                  <a:srgbClr val="FF0000"/>
+                </a:solidFill>
+              </a:rPr>
+              <a:t>DAGScheduler</a:t>
+            </a:r>
+            <a:r>
+              <a:rPr lang="zh-CN" altLang="en-US" sz="1200" b="1" smtClean="0">
+                <a:solidFill>
+                  <a:srgbClr val="FF0000"/>
+                </a:solidFill>
+              </a:rPr>
+              <a:t>自己给自己发送一个</a:t>
+            </a:r>
+            <a:r>
+              <a:rPr lang="en-US" altLang="zh-CN" i="1" smtClean="0">
+                <a:effectLst/>
+              </a:rPr>
+              <a:t>JobSubmitted</a:t>
+            </a:r>
+            <a:r>
+              <a:rPr lang="zh-CN" altLang="en-US" i="1" smtClean="0">
+                <a:effectLst/>
+              </a:rPr>
+              <a:t>消息然后启动</a:t>
+            </a:r>
+            <a:r>
+              <a:rPr lang="en-US" altLang="zh-CN" sz="1200" b="1" smtClean="0">
+                <a:solidFill>
+                  <a:srgbClr val="FF0000"/>
+                </a:solidFill>
+              </a:rPr>
+              <a:t>DAGScheduler</a:t>
+            </a:r>
+            <a:r>
+              <a:rPr lang="zh-CN" altLang="en-US" sz="1200" b="1" smtClean="0">
+                <a:solidFill>
+                  <a:srgbClr val="FF0000"/>
+                </a:solidFill>
+              </a:rPr>
+              <a:t>的</a:t>
+            </a:r>
+            <a:r>
               <a:rPr lang="en-US" altLang="zh-CN" smtClean="0"/>
-              <a:t>Job</a:t>
-            </a:r>
-            <a:r>
-              <a:rPr lang="zh-CN" altLang="en-US" smtClean="0"/>
-              <a:t>的触发运行其实就是</a:t>
+              <a:t>handleJobSubmitted</a:t>
+            </a:r>
+            <a:r>
+              <a:rPr lang="zh-CN" altLang="en-US" smtClean="0"/>
+              <a:t>方法开始进行划分</a:t>
             </a:r>
             <a:r>
               <a:rPr lang="en-US" altLang="zh-CN" smtClean="0"/>
-              <a:t>RDD</a:t>
-            </a:r>
-            <a:r>
-              <a:rPr lang="zh-CN" altLang="en-US" smtClean="0"/>
-              <a:t>的</a:t>
-            </a:r>
-            <a:r>
-              <a:rPr lang="en-US" altLang="zh-CN" smtClean="0"/>
-              <a:t>sparkContext</a:t>
-            </a:r>
-            <a:r>
-              <a:rPr lang="zh-CN" altLang="en-US" smtClean="0"/>
-              <a:t>引用调用</a:t>
-            </a:r>
-            <a:r>
-              <a:rPr lang="en-US" altLang="zh-CN" smtClean="0"/>
-              <a:t>runJob</a:t>
-            </a:r>
-            <a:r>
-              <a:rPr lang="zh-CN" altLang="en-US" smtClean="0"/>
-              <a:t>方法触发执行的，就是这么简单！</a:t>
-            </a:r>
-            <a:endParaRPr lang="en-US" altLang="zh-CN" smtClean="0"/>
-          </a:p>
-          <a:p>
-            <a:r>
-              <a:rPr lang="zh-CN" altLang="en-US" sz="1200" b="0" i="0" kern="1200" smtClean="0">
-                <a:solidFill>
-                  <a:schemeClr val="tx1"/>
-                </a:solidFill>
-                <a:effectLst/>
-                <a:latin typeface="+mn-lt"/>
-                <a:ea typeface="+mn-ea"/>
-                <a:cs typeface="+mn-cs"/>
-              </a:rPr>
-              <a:t>当</a:t>
-            </a:r>
-            <a:r>
-              <a:rPr lang="en-US" altLang="zh-CN" sz="1200" b="0" i="0" kern="1200" smtClean="0">
-                <a:solidFill>
-                  <a:schemeClr val="tx1"/>
-                </a:solidFill>
-                <a:effectLst/>
-                <a:latin typeface="+mn-lt"/>
-                <a:ea typeface="+mn-ea"/>
-                <a:cs typeface="+mn-cs"/>
-              </a:rPr>
-              <a:t>rdd</a:t>
-            </a:r>
-            <a:r>
-              <a:rPr lang="zh-CN" altLang="en-US" sz="1200" b="0" i="0" kern="1200" smtClean="0">
-                <a:solidFill>
-                  <a:schemeClr val="tx1"/>
-                </a:solidFill>
-                <a:effectLst/>
-                <a:latin typeface="+mn-lt"/>
-                <a:ea typeface="+mn-ea"/>
-                <a:cs typeface="+mn-cs"/>
-              </a:rPr>
-              <a:t>触发</a:t>
-            </a:r>
-            <a:r>
-              <a:rPr lang="en-US" altLang="zh-CN" sz="1200" b="0" i="0" kern="1200" smtClean="0">
-                <a:solidFill>
-                  <a:schemeClr val="tx1"/>
-                </a:solidFill>
-                <a:effectLst/>
-                <a:latin typeface="+mn-lt"/>
-                <a:ea typeface="+mn-ea"/>
-                <a:cs typeface="+mn-cs"/>
-              </a:rPr>
-              <a:t>action</a:t>
-            </a:r>
-            <a:r>
-              <a:rPr lang="zh-CN" altLang="en-US" sz="1200" b="0" i="0" kern="1200" smtClean="0">
-                <a:solidFill>
-                  <a:schemeClr val="tx1"/>
-                </a:solidFill>
-                <a:effectLst/>
-                <a:latin typeface="+mn-lt"/>
-                <a:ea typeface="+mn-ea"/>
-                <a:cs typeface="+mn-cs"/>
-              </a:rPr>
-              <a:t>操作之后，会调用</a:t>
-            </a:r>
-            <a:r>
-              <a:rPr lang="en-US" altLang="zh-CN" sz="1200" b="0" i="0" kern="1200" smtClean="0">
-                <a:solidFill>
-                  <a:schemeClr val="tx1"/>
-                </a:solidFill>
-                <a:effectLst/>
-                <a:latin typeface="+mn-lt"/>
-                <a:ea typeface="+mn-ea"/>
-                <a:cs typeface="+mn-cs"/>
-              </a:rPr>
-              <a:t>SparkContext</a:t>
-            </a:r>
-            <a:r>
-              <a:rPr lang="zh-CN" altLang="en-US" sz="1200" b="0" i="0" kern="1200" smtClean="0">
-                <a:solidFill>
-                  <a:schemeClr val="tx1"/>
-                </a:solidFill>
-                <a:effectLst/>
-                <a:latin typeface="+mn-lt"/>
-                <a:ea typeface="+mn-ea"/>
-                <a:cs typeface="+mn-cs"/>
-              </a:rPr>
-              <a:t>的</a:t>
-            </a:r>
-            <a:r>
-              <a:rPr lang="en-US" altLang="zh-CN" sz="1200" b="0" i="0" kern="1200" smtClean="0">
-                <a:solidFill>
-                  <a:schemeClr val="tx1"/>
-                </a:solidFill>
-                <a:effectLst/>
-                <a:latin typeface="+mn-lt"/>
-                <a:ea typeface="+mn-ea"/>
-                <a:cs typeface="+mn-cs"/>
-              </a:rPr>
-              <a:t>runJob</a:t>
-            </a:r>
-            <a:r>
-              <a:rPr lang="zh-CN" altLang="en-US" sz="1200" b="0" i="0" kern="1200" smtClean="0">
-                <a:solidFill>
-                  <a:schemeClr val="tx1"/>
-                </a:solidFill>
-                <a:effectLst/>
-                <a:latin typeface="+mn-lt"/>
-                <a:ea typeface="+mn-ea"/>
-                <a:cs typeface="+mn-cs"/>
-              </a:rPr>
-              <a:t>方法，最后调用的</a:t>
-            </a:r>
-            <a:r>
-              <a:rPr lang="en-US" altLang="zh-CN" sz="1200" b="0" i="0" kern="1200" smtClean="0">
-                <a:solidFill>
-                  <a:schemeClr val="tx1"/>
-                </a:solidFill>
-                <a:effectLst/>
-                <a:latin typeface="+mn-lt"/>
-                <a:ea typeface="+mn-ea"/>
-                <a:cs typeface="+mn-cs"/>
-              </a:rPr>
-              <a:t>DAGScheduler.handleJobSubmitted</a:t>
-            </a:r>
-            <a:r>
-              <a:rPr lang="zh-CN" altLang="en-US" sz="1200" b="0" i="0" kern="1200" smtClean="0">
-                <a:solidFill>
-                  <a:schemeClr val="tx1"/>
-                </a:solidFill>
-                <a:effectLst/>
-                <a:latin typeface="+mn-lt"/>
-                <a:ea typeface="+mn-ea"/>
-                <a:cs typeface="+mn-cs"/>
-              </a:rPr>
-              <a:t>方法完成整个</a:t>
-            </a:r>
-            <a:r>
-              <a:rPr lang="en-US" altLang="zh-CN" sz="1200" b="0" i="0" kern="1200" smtClean="0">
-                <a:solidFill>
-                  <a:schemeClr val="tx1"/>
-                </a:solidFill>
-                <a:effectLst/>
-                <a:latin typeface="+mn-lt"/>
-                <a:ea typeface="+mn-ea"/>
-                <a:cs typeface="+mn-cs"/>
-              </a:rPr>
-              <a:t>job</a:t>
-            </a:r>
-            <a:r>
-              <a:rPr lang="zh-CN" altLang="en-US" sz="1200" b="0" i="0" kern="1200" smtClean="0">
-                <a:solidFill>
-                  <a:schemeClr val="tx1"/>
-                </a:solidFill>
-                <a:effectLst/>
-                <a:latin typeface="+mn-lt"/>
-                <a:ea typeface="+mn-ea"/>
-                <a:cs typeface="+mn-cs"/>
-              </a:rPr>
-              <a:t>的提交。</a:t>
+              <a:t>stage</a:t>
             </a:r>
             <a:endParaRPr lang="en-US" altLang="zh-CN" smtClean="0"/>
           </a:p>
@@ -1045,6 +910,186 @@
     <p:extLst>
       <p:ext uri="{BB962C8B-B14F-4D97-AF65-F5344CB8AC3E}">
         <p14:creationId xmlns:p14="http://schemas.microsoft.com/office/powerpoint/2010/main" val="3855131352"/>
+      </p:ext>
+    </p:extLst>
+  </p:cSld>
+  <p:clrMapOvr>
+    <a:masterClrMapping/>
+  </p:clrMapOvr>
+</p:notes>
+</file>
+
+<file path=ppt/notesSlides/notesSlide5.xml><?xml version="1.0" encoding="utf-8"?>
+<p:notes xmlns:a="http://schemas.openxmlformats.org/drawingml/2006/main" xmlns:r="http://schemas.openxmlformats.org/officeDocument/2006/relationships" xmlns:p="http://schemas.openxmlformats.org/presentationml/2006/main">
+  <p:cSld>
+    <p:spTree>
+      <p:nvGrpSpPr>
+        <p:cNvPr id="1" name=""/>
+        <p:cNvGrpSpPr/>
+        <p:nvPr/>
+      </p:nvGrpSpPr>
+      <p:grpSpPr>
+        <a:xfrm>
+          <a:off x="0" y="0"/>
+          <a:ext cx="0" cy="0"/>
+          <a:chOff x="0" y="0"/>
+          <a:chExt cx="0" cy="0"/>
+        </a:xfrm>
+      </p:grpSpPr>
+      <p:sp>
+        <p:nvSpPr>
+          <p:cNvPr id="2" name="幻灯片图像占位符 1"/>
+          <p:cNvSpPr>
+            <a:spLocks noGrp="1" noRot="1" noChangeAspect="1"/>
+          </p:cNvSpPr>
+          <p:nvPr>
+            <p:ph type="sldImg"/>
+          </p:nvPr>
+        </p:nvSpPr>
+        <p:spPr/>
+      </p:sp>
+      <p:sp>
+        <p:nvSpPr>
+          <p:cNvPr id="3" name="备注占位符 2"/>
+          <p:cNvSpPr>
+            <a:spLocks noGrp="1"/>
+          </p:cNvSpPr>
+          <p:nvPr>
+            <p:ph type="body" idx="1"/>
+          </p:nvPr>
+        </p:nvSpPr>
+        <p:spPr/>
+        <p:txBody>
+          <a:bodyPr/>
+          <a:lstStyle/>
+          <a:p>
+            <a:r>
+              <a:rPr lang="en-US" altLang="zh-CN" smtClean="0"/>
+              <a:t>ShuffledRDD</a:t>
+            </a:r>
+            <a:r>
+              <a:rPr lang="zh-CN" altLang="en-US" smtClean="0"/>
+              <a:t>的依赖关系建立同理</a:t>
+            </a:r>
+            <a:endParaRPr lang="zh-CN" altLang="en-US"/>
+          </a:p>
+        </p:txBody>
+      </p:sp>
+      <p:sp>
+        <p:nvSpPr>
+          <p:cNvPr id="4" name="灯片编号占位符 3"/>
+          <p:cNvSpPr>
+            <a:spLocks noGrp="1"/>
+          </p:cNvSpPr>
+          <p:nvPr>
+            <p:ph type="sldNum" sz="quarter" idx="10"/>
+          </p:nvPr>
+        </p:nvSpPr>
+        <p:spPr/>
+        <p:txBody>
+          <a:bodyPr/>
+          <a:lstStyle/>
+          <a:p>
+            <a:fld id="{F8957E2C-20B6-4ABE-B68C-98AB9259DA1C}" type="slidenum">
+              <a:rPr lang="zh-CN" altLang="en-US" smtClean="0"/>
+              <a:t>16</a:t>
+            </a:fld>
+            <a:endParaRPr lang="zh-CN" altLang="en-US"/>
+          </a:p>
+        </p:txBody>
+      </p:sp>
+    </p:spTree>
+    <p:extLst>
+      <p:ext uri="{BB962C8B-B14F-4D97-AF65-F5344CB8AC3E}">
+        <p14:creationId xmlns:p14="http://schemas.microsoft.com/office/powerpoint/2010/main" val="1895089284"/>
+      </p:ext>
+    </p:extLst>
+  </p:cSld>
+  <p:clrMapOvr>
+    <a:masterClrMapping/>
+  </p:clrMapOvr>
+</p:notes>
+</file>
+
+<file path=ppt/notesSlides/notesSlide6.xml><?xml version="1.0" encoding="utf-8"?>
+<p:notes xmlns:a="http://schemas.openxmlformats.org/drawingml/2006/main" xmlns:r="http://schemas.openxmlformats.org/officeDocument/2006/relationships" xmlns:p="http://schemas.openxmlformats.org/presentationml/2006/main">
+  <p:cSld>
+    <p:spTree>
+      <p:nvGrpSpPr>
+        <p:cNvPr id="1" name=""/>
+        <p:cNvGrpSpPr/>
+        <p:nvPr/>
+      </p:nvGrpSpPr>
+      <p:grpSpPr>
+        <a:xfrm>
+          <a:off x="0" y="0"/>
+          <a:ext cx="0" cy="0"/>
+          <a:chOff x="0" y="0"/>
+          <a:chExt cx="0" cy="0"/>
+        </a:xfrm>
+      </p:grpSpPr>
+      <p:sp>
+        <p:nvSpPr>
+          <p:cNvPr id="2" name="幻灯片图像占位符 1"/>
+          <p:cNvSpPr>
+            <a:spLocks noGrp="1" noRot="1" noChangeAspect="1"/>
+          </p:cNvSpPr>
+          <p:nvPr>
+            <p:ph type="sldImg"/>
+          </p:nvPr>
+        </p:nvSpPr>
+        <p:spPr/>
+      </p:sp>
+      <p:sp>
+        <p:nvSpPr>
+          <p:cNvPr id="3" name="备注占位符 2"/>
+          <p:cNvSpPr>
+            <a:spLocks noGrp="1"/>
+          </p:cNvSpPr>
+          <p:nvPr>
+            <p:ph type="body" idx="1"/>
+          </p:nvPr>
+        </p:nvSpPr>
+        <p:spPr/>
+        <p:txBody>
+          <a:bodyPr/>
+          <a:lstStyle/>
+          <a:p>
+            <a:r>
+              <a:rPr lang="en-US" altLang="zh-CN" smtClean="0"/>
+              <a:t>UnionRDD</a:t>
+            </a:r>
+            <a:endParaRPr lang="zh-CN" altLang="en-US"/>
+          </a:p>
+        </p:txBody>
+      </p:sp>
+      <p:sp>
+        <p:nvSpPr>
+          <p:cNvPr id="4" name="灯片编号占位符 3"/>
+          <p:cNvSpPr>
+            <a:spLocks noGrp="1"/>
+          </p:cNvSpPr>
+          <p:nvPr>
+            <p:ph type="sldNum" sz="quarter" idx="10"/>
+          </p:nvPr>
+        </p:nvSpPr>
+        <p:spPr/>
+        <p:txBody>
+          <a:bodyPr/>
+          <a:lstStyle/>
+          <a:p>
+            <a:fld id="{F8957E2C-20B6-4ABE-B68C-98AB9259DA1C}" type="slidenum">
+              <a:rPr lang="zh-CN" altLang="en-US" smtClean="0"/>
+              <a:t>17</a:t>
+            </a:fld>
+            <a:endParaRPr lang="zh-CN" altLang="en-US"/>
+          </a:p>
+        </p:txBody>
+      </p:sp>
+    </p:spTree>
+    <p:extLst>
+      <p:ext uri="{BB962C8B-B14F-4D97-AF65-F5344CB8AC3E}">
+        <p14:creationId xmlns:p14="http://schemas.microsoft.com/office/powerpoint/2010/main" val="1863515519"/>
       </p:ext>
     </p:extLst>
   </p:cSld>
@@ -1185,7 +1230,7 @@
           <a:p>
             <a:fld id="{0CD3BB8F-F75A-4DD3-9170-FD8E567AFB64}" type="datetimeFigureOut">
               <a:rPr lang="zh-CN" altLang="en-US" smtClean="0"/>
-              <a:t>2017/4/5</a:t>
+              <a:t>2017/4/6</a:t>
             </a:fld>
             <a:endParaRPr lang="zh-CN" altLang="en-US"/>
           </a:p>
@@ -1355,7 +1400,7 @@
           <a:p>
             <a:fld id="{0CD3BB8F-F75A-4DD3-9170-FD8E567AFB64}" type="datetimeFigureOut">
               <a:rPr lang="zh-CN" altLang="en-US" smtClean="0"/>
-              <a:t>2017/4/5</a:t>
+              <a:t>2017/4/6</a:t>
             </a:fld>
             <a:endParaRPr lang="zh-CN" altLang="en-US"/>
           </a:p>
@@ -1535,7 +1580,7 @@
           <a:p>
             <a:fld id="{0CD3BB8F-F75A-4DD3-9170-FD8E567AFB64}" type="datetimeFigureOut">
               <a:rPr lang="zh-CN" altLang="en-US" smtClean="0"/>
-              <a:t>2017/4/5</a:t>
+              <a:t>2017/4/6</a:t>
             </a:fld>
             <a:endParaRPr lang="zh-CN" altLang="en-US"/>
           </a:p>
@@ -1705,7 +1750,7 @@
           <a:p>
             <a:fld id="{0CD3BB8F-F75A-4DD3-9170-FD8E567AFB64}" type="datetimeFigureOut">
               <a:rPr lang="zh-CN" altLang="en-US" smtClean="0"/>
-              <a:t>2017/4/5</a:t>
+              <a:t>2017/4/6</a:t>
             </a:fld>
             <a:endParaRPr lang="zh-CN" altLang="en-US"/>
           </a:p>
@@ -1951,7 +1996,7 @@
           <a:p>
             <a:fld id="{0CD3BB8F-F75A-4DD3-9170-FD8E567AFB64}" type="datetimeFigureOut">
               <a:rPr lang="zh-CN" altLang="en-US" smtClean="0"/>
-              <a:t>2017/4/5</a:t>
+              <a:t>2017/4/6</a:t>
             </a:fld>
             <a:endParaRPr lang="zh-CN" altLang="en-US"/>
           </a:p>
@@ -2183,7 +2228,7 @@
           <a:p>
             <a:fld id="{0CD3BB8F-F75A-4DD3-9170-FD8E567AFB64}" type="datetimeFigureOut">
               <a:rPr lang="zh-CN" altLang="en-US" smtClean="0"/>
-              <a:t>2017/4/5</a:t>
+              <a:t>2017/4/6</a:t>
             </a:fld>
             <a:endParaRPr lang="zh-CN" altLang="en-US"/>
           </a:p>
@@ -2550,7 +2595,7 @@
           <a:p>
             <a:fld id="{0CD3BB8F-F75A-4DD3-9170-FD8E567AFB64}" type="datetimeFigureOut">
               <a:rPr lang="zh-CN" altLang="en-US" smtClean="0"/>
-              <a:t>2017/4/5</a:t>
+              <a:t>2017/4/6</a:t>
             </a:fld>
             <a:endParaRPr lang="zh-CN" altLang="en-US"/>
           </a:p>
@@ -2668,7 +2713,7 @@
           <a:p>
             <a:fld id="{0CD3BB8F-F75A-4DD3-9170-FD8E567AFB64}" type="datetimeFigureOut">
               <a:rPr lang="zh-CN" altLang="en-US" smtClean="0"/>
-              <a:t>2017/4/5</a:t>
+              <a:t>2017/4/6</a:t>
             </a:fld>
             <a:endParaRPr lang="zh-CN" altLang="en-US"/>
           </a:p>
@@ -2763,7 +2808,7 @@
           <a:p>
             <a:fld id="{0CD3BB8F-F75A-4DD3-9170-FD8E567AFB64}" type="datetimeFigureOut">
               <a:rPr lang="zh-CN" altLang="en-US" smtClean="0"/>
-              <a:t>2017/4/5</a:t>
+              <a:t>2017/4/6</a:t>
             </a:fld>
             <a:endParaRPr lang="zh-CN" altLang="en-US"/>
           </a:p>
@@ -3040,7 +3085,7 @@
           <a:p>
             <a:fld id="{0CD3BB8F-F75A-4DD3-9170-FD8E567AFB64}" type="datetimeFigureOut">
               <a:rPr lang="zh-CN" altLang="en-US" smtClean="0"/>
-              <a:t>2017/4/5</a:t>
+              <a:t>2017/4/6</a:t>
             </a:fld>
             <a:endParaRPr lang="zh-CN" altLang="en-US"/>
           </a:p>
@@ -3293,7 +3338,7 @@
           <a:p>
             <a:fld id="{0CD3BB8F-F75A-4DD3-9170-FD8E567AFB64}" type="datetimeFigureOut">
               <a:rPr lang="zh-CN" altLang="en-US" smtClean="0"/>
-              <a:t>2017/4/5</a:t>
+              <a:t>2017/4/6</a:t>
             </a:fld>
             <a:endParaRPr lang="zh-CN" altLang="en-US"/>
           </a:p>
@@ -3506,7 +3551,7 @@
           <a:p>
             <a:fld id="{0CD3BB8F-F75A-4DD3-9170-FD8E567AFB64}" type="datetimeFigureOut">
               <a:rPr lang="zh-CN" altLang="en-US" smtClean="0"/>
-              <a:t>2017/4/5</a:t>
+              <a:t>2017/4/6</a:t>
             </a:fld>
             <a:endParaRPr lang="zh-CN" altLang="en-US"/>
           </a:p>
@@ -4565,8 +4610,8 @@
         </p:blipFill>
         <p:spPr>
           <a:xfrm>
-            <a:off x="4594959" y="583283"/>
-            <a:ext cx="6401817" cy="3665444"/>
+            <a:off x="1161293" y="499307"/>
+            <a:ext cx="10156740" cy="5815374"/>
           </a:xfrm>
           <a:prstGeom prst="rect">
             <a:avLst/>
@@ -6781,9 +6826,327 @@
           <a:chExt cx="0" cy="0"/>
         </a:xfrm>
       </p:grpSpPr>
+      <p:sp>
+        <p:nvSpPr>
+          <p:cNvPr id="3" name="文本框 2"/>
+          <p:cNvSpPr txBox="1"/>
+          <p:nvPr/>
+        </p:nvSpPr>
+        <p:spPr>
+          <a:xfrm>
+            <a:off x="3079102" y="195175"/>
+            <a:ext cx="2492990" cy="369332"/>
+          </a:xfrm>
+          <a:prstGeom prst="rect">
+            <a:avLst/>
+          </a:prstGeom>
+          <a:noFill/>
+        </p:spPr>
+        <p:txBody>
+          <a:bodyPr wrap="none" rtlCol="0">
+            <a:spAutoFit/>
+          </a:bodyPr>
+          <a:lstStyle/>
+          <a:p>
+            <a:r>
+              <a:rPr lang="zh-CN" altLang="en-US" smtClean="0">
+                <a:solidFill>
+                  <a:srgbClr val="FF0000"/>
+                </a:solidFill>
+              </a:rPr>
+              <a:t>划分依赖的调用流程：</a:t>
+            </a:r>
+            <a:endParaRPr lang="zh-CN" altLang="en-US">
+              <a:solidFill>
+                <a:srgbClr val="FF0000"/>
+              </a:solidFill>
+            </a:endParaRPr>
+          </a:p>
+        </p:txBody>
+      </p:sp>
+      <p:sp>
+        <p:nvSpPr>
+          <p:cNvPr id="4" name="矩形 3"/>
+          <p:cNvSpPr/>
+          <p:nvPr/>
+        </p:nvSpPr>
+        <p:spPr>
+          <a:xfrm>
+            <a:off x="5478624" y="533390"/>
+            <a:ext cx="6456784" cy="369332"/>
+          </a:xfrm>
+          <a:prstGeom prst="rect">
+            <a:avLst/>
+          </a:prstGeom>
+        </p:spPr>
+        <p:txBody>
+          <a:bodyPr wrap="square">
+            <a:spAutoFit/>
+          </a:bodyPr>
+          <a:lstStyle/>
+          <a:p>
+            <a:r>
+              <a:rPr lang="zh-CN" altLang="en-US"/>
+              <a:t>org.apache.spark.scheduler.DAGScheduler#handleJobSubmitted</a:t>
+            </a:r>
+          </a:p>
+        </p:txBody>
+      </p:sp>
+      <p:sp>
+        <p:nvSpPr>
+          <p:cNvPr id="5" name="下箭头 4"/>
+          <p:cNvSpPr/>
+          <p:nvPr/>
+        </p:nvSpPr>
+        <p:spPr>
+          <a:xfrm>
+            <a:off x="8483081" y="902723"/>
+            <a:ext cx="223935" cy="350844"/>
+          </a:xfrm>
+          <a:prstGeom prst="downArrow">
+            <a:avLst/>
+          </a:prstGeom>
+          <a:solidFill>
+            <a:srgbClr val="00B050"/>
+          </a:solidFill>
+        </p:spPr>
+        <p:style>
+          <a:lnRef idx="2">
+            <a:schemeClr val="accent1">
+              <a:shade val="50000"/>
+            </a:schemeClr>
+          </a:lnRef>
+          <a:fillRef idx="1">
+            <a:schemeClr val="accent1"/>
+          </a:fillRef>
+          <a:effectRef idx="0">
+            <a:schemeClr val="accent1"/>
+          </a:effectRef>
+          <a:fontRef idx="minor">
+            <a:schemeClr val="lt1"/>
+          </a:fontRef>
+        </p:style>
+        <p:txBody>
+          <a:bodyPr rtlCol="0" anchor="ctr"/>
+          <a:lstStyle/>
+          <a:p>
+            <a:pPr algn="ctr"/>
+            <a:endParaRPr lang="zh-CN" altLang="en-US"/>
+          </a:p>
+        </p:txBody>
+      </p:sp>
+      <p:sp>
+        <p:nvSpPr>
+          <p:cNvPr id="6" name="矩形 5"/>
+          <p:cNvSpPr/>
+          <p:nvPr/>
+        </p:nvSpPr>
+        <p:spPr>
+          <a:xfrm>
+            <a:off x="5811712" y="1259745"/>
+            <a:ext cx="5946115" cy="369332"/>
+          </a:xfrm>
+          <a:prstGeom prst="rect">
+            <a:avLst/>
+          </a:prstGeom>
+        </p:spPr>
+        <p:txBody>
+          <a:bodyPr wrap="none">
+            <a:spAutoFit/>
+          </a:bodyPr>
+          <a:lstStyle/>
+          <a:p>
+            <a:r>
+              <a:rPr lang="zh-CN" altLang="en-US" smtClean="0"/>
+              <a:t>org.apache.spark.scheduler.DAGScheduler#createResultStage</a:t>
+            </a:r>
+            <a:endParaRPr lang="zh-CN" altLang="en-US"/>
+          </a:p>
+        </p:txBody>
+      </p:sp>
+      <p:sp>
+        <p:nvSpPr>
+          <p:cNvPr id="7" name="矩形 6"/>
+          <p:cNvSpPr/>
+          <p:nvPr/>
+        </p:nvSpPr>
+        <p:spPr>
+          <a:xfrm>
+            <a:off x="5377539" y="1872963"/>
+            <a:ext cx="6814459" cy="369332"/>
+          </a:xfrm>
+          <a:prstGeom prst="rect">
+            <a:avLst/>
+          </a:prstGeom>
+        </p:spPr>
+        <p:txBody>
+          <a:bodyPr wrap="square">
+            <a:spAutoFit/>
+          </a:bodyPr>
+          <a:lstStyle/>
+          <a:p>
+            <a:r>
+              <a:rPr lang="zh-CN" altLang="en-US"/>
+              <a:t>org.apache.spark.scheduler.DAGScheduler#getOrCreateParentStages</a:t>
+            </a:r>
+          </a:p>
+        </p:txBody>
+      </p:sp>
+      <p:sp>
+        <p:nvSpPr>
+          <p:cNvPr id="8" name="下箭头 7"/>
+          <p:cNvSpPr/>
+          <p:nvPr/>
+        </p:nvSpPr>
+        <p:spPr>
+          <a:xfrm>
+            <a:off x="8483081" y="1555409"/>
+            <a:ext cx="223935" cy="236244"/>
+          </a:xfrm>
+          <a:prstGeom prst="downArrow">
+            <a:avLst/>
+          </a:prstGeom>
+          <a:solidFill>
+            <a:srgbClr val="00B050"/>
+          </a:solidFill>
+        </p:spPr>
+        <p:style>
+          <a:lnRef idx="2">
+            <a:schemeClr val="accent1">
+              <a:shade val="50000"/>
+            </a:schemeClr>
+          </a:lnRef>
+          <a:fillRef idx="1">
+            <a:schemeClr val="accent1"/>
+          </a:fillRef>
+          <a:effectRef idx="0">
+            <a:schemeClr val="accent1"/>
+          </a:effectRef>
+          <a:fontRef idx="minor">
+            <a:schemeClr val="lt1"/>
+          </a:fontRef>
+        </p:style>
+        <p:txBody>
+          <a:bodyPr rtlCol="0" anchor="ctr"/>
+          <a:lstStyle/>
+          <a:p>
+            <a:pPr algn="ctr"/>
+            <a:endParaRPr lang="zh-CN" altLang="en-US"/>
+          </a:p>
+        </p:txBody>
+      </p:sp>
+      <p:sp>
+        <p:nvSpPr>
+          <p:cNvPr id="9" name="矩形 8"/>
+          <p:cNvSpPr/>
+          <p:nvPr/>
+        </p:nvSpPr>
+        <p:spPr>
+          <a:xfrm>
+            <a:off x="5248467" y="2573746"/>
+            <a:ext cx="6736702" cy="369332"/>
+          </a:xfrm>
+          <a:prstGeom prst="rect">
+            <a:avLst/>
+          </a:prstGeom>
+        </p:spPr>
+        <p:txBody>
+          <a:bodyPr wrap="square">
+            <a:spAutoFit/>
+          </a:bodyPr>
+          <a:lstStyle/>
+          <a:p>
+            <a:r>
+              <a:rPr lang="zh-CN" altLang="en-US"/>
+              <a:t>org.apache.spark.scheduler.DAGScheduler#getShuffleDependencies</a:t>
+            </a:r>
+          </a:p>
+        </p:txBody>
+      </p:sp>
+      <p:sp>
+        <p:nvSpPr>
+          <p:cNvPr id="10" name="下箭头 9"/>
+          <p:cNvSpPr/>
+          <p:nvPr/>
+        </p:nvSpPr>
+        <p:spPr>
+          <a:xfrm>
+            <a:off x="8504851" y="2204414"/>
+            <a:ext cx="223935" cy="281768"/>
+          </a:xfrm>
+          <a:prstGeom prst="downArrow">
+            <a:avLst/>
+          </a:prstGeom>
+          <a:solidFill>
+            <a:srgbClr val="00B050"/>
+          </a:solidFill>
+        </p:spPr>
+        <p:style>
+          <a:lnRef idx="2">
+            <a:schemeClr val="accent1">
+              <a:shade val="50000"/>
+            </a:schemeClr>
+          </a:lnRef>
+          <a:fillRef idx="1">
+            <a:schemeClr val="accent1"/>
+          </a:fillRef>
+          <a:effectRef idx="0">
+            <a:schemeClr val="accent1"/>
+          </a:effectRef>
+          <a:fontRef idx="minor">
+            <a:schemeClr val="lt1"/>
+          </a:fontRef>
+        </p:style>
+        <p:txBody>
+          <a:bodyPr rtlCol="0" anchor="ctr"/>
+          <a:lstStyle/>
+          <a:p>
+            <a:pPr algn="ctr"/>
+            <a:endParaRPr lang="zh-CN" altLang="en-US"/>
+          </a:p>
+        </p:txBody>
+      </p:sp>
+      <p:sp>
+        <p:nvSpPr>
+          <p:cNvPr id="12" name="文本框 11"/>
+          <p:cNvSpPr txBox="1"/>
+          <p:nvPr/>
+        </p:nvSpPr>
+        <p:spPr>
+          <a:xfrm>
+            <a:off x="104741" y="589789"/>
+            <a:ext cx="2323072" cy="369332"/>
+          </a:xfrm>
+          <a:prstGeom prst="rect">
+            <a:avLst/>
+          </a:prstGeom>
+          <a:noFill/>
+        </p:spPr>
+        <p:txBody>
+          <a:bodyPr wrap="none" rtlCol="0">
+            <a:spAutoFit/>
+          </a:bodyPr>
+          <a:lstStyle/>
+          <a:p>
+            <a:r>
+              <a:rPr lang="en-US" altLang="zh-CN" smtClean="0"/>
+              <a:t>Spark</a:t>
+            </a:r>
+            <a:r>
+              <a:rPr lang="zh-CN" altLang="en-US"/>
+              <a:t>中</a:t>
+            </a:r>
+            <a:r>
+              <a:rPr lang="zh-CN" altLang="en-US" smtClean="0"/>
+              <a:t>的依赖类型：</a:t>
+            </a:r>
+            <a:endParaRPr lang="zh-CN" altLang="en-US"/>
+          </a:p>
+        </p:txBody>
+      </p:sp>
       <p:pic>
         <p:nvPicPr>
-          <p:cNvPr id="2" name="图片 1"/>
+          <p:cNvPr id="13" name="图片 12"/>
           <p:cNvPicPr>
             <a:picLocks noChangeAspect="1"/>
           </p:cNvPicPr>
@@ -6797,8 +7160,8 @@
         </p:blipFill>
         <p:spPr>
           <a:xfrm>
-            <a:off x="454514" y="1027694"/>
-            <a:ext cx="10423881" cy="5830306"/>
+            <a:off x="937283" y="959121"/>
+            <a:ext cx="3310773" cy="1967883"/>
           </a:xfrm>
           <a:prstGeom prst="rect">
             <a:avLst/>
@@ -6807,14 +7170,14 @@
       </p:pic>
       <p:sp>
         <p:nvSpPr>
-          <p:cNvPr id="3" name="文本框 2"/>
+          <p:cNvPr id="15" name="文本框 14"/>
           <p:cNvSpPr txBox="1"/>
           <p:nvPr/>
         </p:nvSpPr>
         <p:spPr>
           <a:xfrm>
-            <a:off x="3097763" y="569167"/>
-            <a:ext cx="1800493" cy="369332"/>
+            <a:off x="309286" y="2952286"/>
+            <a:ext cx="6432980" cy="369332"/>
           </a:xfrm>
           <a:prstGeom prst="rect">
             <a:avLst/>
@@ -6829,12 +7192,217 @@
           <a:p>
             <a:r>
               <a:rPr lang="zh-CN" altLang="en-US" smtClean="0"/>
-              <a:t>书签，明天继续</a:t>
+              <a:t>DAGScheduler划分</a:t>
+            </a:r>
+            <a:r>
+              <a:rPr lang="zh-CN" altLang="en-US"/>
+              <a:t>依赖</a:t>
+            </a:r>
+            <a:r>
+              <a:rPr lang="zh-CN" altLang="en-US" smtClean="0"/>
+              <a:t>算法的实现，此时还没有创建</a:t>
+            </a:r>
+            <a:r>
+              <a:rPr lang="en-US" altLang="zh-CN" smtClean="0"/>
+              <a:t>Stage</a:t>
+            </a:r>
+            <a:r>
+              <a:rPr lang="zh-CN" altLang="en-US" smtClean="0"/>
+              <a:t>呢！</a:t>
             </a:r>
             <a:endParaRPr lang="zh-CN" altLang="en-US"/>
           </a:p>
         </p:txBody>
       </p:sp>
+      <p:sp>
+        <p:nvSpPr>
+          <p:cNvPr id="16" name="圆角矩形 15"/>
+          <p:cNvSpPr/>
+          <p:nvPr/>
+        </p:nvSpPr>
+        <p:spPr>
+          <a:xfrm>
+            <a:off x="68345" y="4663577"/>
+            <a:ext cx="2395863" cy="2062066"/>
+          </a:xfrm>
+          <a:prstGeom prst="roundRect">
+            <a:avLst/>
+          </a:prstGeom>
+          <a:solidFill>
+            <a:srgbClr val="00B050"/>
+          </a:solidFill>
+        </p:spPr>
+        <p:style>
+          <a:lnRef idx="2">
+            <a:schemeClr val="accent1">
+              <a:shade val="50000"/>
+            </a:schemeClr>
+          </a:lnRef>
+          <a:fillRef idx="1">
+            <a:schemeClr val="accent1"/>
+          </a:fillRef>
+          <a:effectRef idx="0">
+            <a:schemeClr val="accent1"/>
+          </a:effectRef>
+          <a:fontRef idx="minor">
+            <a:schemeClr val="lt1"/>
+          </a:fontRef>
+        </p:style>
+        <p:txBody>
+          <a:bodyPr rtlCol="0" anchor="ctr"/>
+          <a:lstStyle/>
+          <a:p>
+            <a:pPr algn="ctr"/>
+            <a:endParaRPr lang="zh-CN" altLang="en-US"/>
+          </a:p>
+        </p:txBody>
+      </p:sp>
+      <p:sp>
+        <p:nvSpPr>
+          <p:cNvPr id="17" name="文本框 16"/>
+          <p:cNvSpPr txBox="1"/>
+          <p:nvPr/>
+        </p:nvSpPr>
+        <p:spPr>
+          <a:xfrm>
+            <a:off x="165200" y="4986619"/>
+            <a:ext cx="2265364" cy="1107996"/>
+          </a:xfrm>
+          <a:prstGeom prst="rect">
+            <a:avLst/>
+          </a:prstGeom>
+          <a:noFill/>
+        </p:spPr>
+        <p:txBody>
+          <a:bodyPr wrap="none" rtlCol="0">
+            <a:spAutoFit/>
+          </a:bodyPr>
+          <a:lstStyle/>
+          <a:p>
+            <a:r>
+              <a:rPr lang="zh-CN" altLang="en-US" smtClean="0"/>
+              <a:t>补充：</a:t>
+            </a:r>
+            <a:endParaRPr lang="en-US" altLang="zh-CN" smtClean="0"/>
+          </a:p>
+          <a:p>
+            <a:r>
+              <a:rPr lang="zh-CN" altLang="en-US" sz="1200" smtClean="0"/>
+              <a:t>是不是会有困惑为什么</a:t>
+            </a:r>
+            <a:r>
+              <a:rPr lang="en-US" altLang="zh-CN" sz="1200" smtClean="0"/>
+              <a:t>action</a:t>
+            </a:r>
+            <a:r>
+              <a:rPr lang="zh-CN" altLang="en-US" sz="1200" smtClean="0"/>
+              <a:t>算</a:t>
+            </a:r>
+            <a:endParaRPr lang="en-US" altLang="zh-CN" sz="1200" smtClean="0"/>
+          </a:p>
+          <a:p>
+            <a:r>
+              <a:rPr lang="zh-CN" altLang="en-US" sz="1200" smtClean="0"/>
+              <a:t>子不是划分的依据呢 </a:t>
+            </a:r>
+            <a:r>
+              <a:rPr lang="en-US" altLang="zh-CN" sz="1200" smtClean="0"/>
+              <a:t>?</a:t>
+            </a:r>
+            <a:r>
+              <a:rPr lang="zh-CN" altLang="en-US" sz="1200" smtClean="0"/>
+              <a:t>因为</a:t>
+            </a:r>
+            <a:endParaRPr lang="en-US" altLang="zh-CN" sz="1200" smtClean="0"/>
+          </a:p>
+          <a:p>
+            <a:r>
+              <a:rPr lang="en-US" altLang="zh-CN" sz="1200" smtClean="0"/>
+              <a:t>action</a:t>
+            </a:r>
+            <a:r>
+              <a:rPr lang="zh-CN" altLang="en-US" sz="1200" smtClean="0"/>
+              <a:t>是触发</a:t>
+            </a:r>
+            <a:r>
+              <a:rPr lang="en-US" altLang="zh-CN" sz="1200" smtClean="0"/>
+              <a:t>job</a:t>
+            </a:r>
+            <a:r>
+              <a:rPr lang="zh-CN" altLang="en-US" sz="1200" smtClean="0"/>
+              <a:t>执行的算子</a:t>
+            </a:r>
+            <a:endParaRPr lang="en-US" altLang="zh-CN" sz="1200" smtClean="0"/>
+          </a:p>
+          <a:p>
+            <a:r>
+              <a:rPr lang="zh-CN" altLang="en-US" sz="1200" smtClean="0"/>
+              <a:t>只有</a:t>
+            </a:r>
+            <a:r>
+              <a:rPr lang="en-US" altLang="zh-CN" sz="1200" smtClean="0"/>
+              <a:t>job</a:t>
+            </a:r>
+            <a:r>
+              <a:rPr lang="zh-CN" altLang="en-US" sz="1200" smtClean="0"/>
+              <a:t>执行才会进行划分</a:t>
+            </a:r>
+            <a:r>
+              <a:rPr lang="en-US" altLang="zh-CN" sz="1200" smtClean="0"/>
+              <a:t>Stage</a:t>
+            </a:r>
+            <a:endParaRPr lang="zh-CN" altLang="en-US" sz="1200"/>
+          </a:p>
+        </p:txBody>
+      </p:sp>
+      <p:pic>
+        <p:nvPicPr>
+          <p:cNvPr id="19" name="图片 18"/>
+          <p:cNvPicPr>
+            <a:picLocks noChangeAspect="1"/>
+          </p:cNvPicPr>
+          <p:nvPr/>
+        </p:nvPicPr>
+        <p:blipFill>
+          <a:blip r:embed="rId3"/>
+          <a:stretch>
+            <a:fillRect/>
+          </a:stretch>
+        </p:blipFill>
+        <p:spPr>
+          <a:xfrm>
+            <a:off x="3030748" y="3550751"/>
+            <a:ext cx="9161250" cy="3312435"/>
+          </a:xfrm>
+          <a:prstGeom prst="rect">
+            <a:avLst/>
+          </a:prstGeom>
+        </p:spPr>
+      </p:pic>
+      <p:pic>
+        <p:nvPicPr>
+          <p:cNvPr id="20" name="图片 19"/>
+          <p:cNvPicPr>
+            <a:picLocks noChangeAspect="1"/>
+          </p:cNvPicPr>
+          <p:nvPr/>
+        </p:nvPicPr>
+        <p:blipFill>
+          <a:blip r:embed="rId4"/>
+          <a:stretch>
+            <a:fillRect/>
+          </a:stretch>
+        </p:blipFill>
+        <p:spPr>
+          <a:xfrm>
+            <a:off x="8069238" y="4113439"/>
+            <a:ext cx="3238095" cy="276190"/>
+          </a:xfrm>
+          <a:prstGeom prst="rect">
+            <a:avLst/>
+          </a:prstGeom>
+        </p:spPr>
+      </p:pic>
     </p:spTree>
     <p:extLst>
       <p:ext uri="{BB962C8B-B14F-4D97-AF65-F5344CB8AC3E}">
@@ -6885,7 +7453,7 @@
     </p:spTree>
     <p:extLst>
       <p:ext uri="{BB962C8B-B14F-4D97-AF65-F5344CB8AC3E}">
-        <p14:creationId xmlns:p14="http://schemas.microsoft.com/office/powerpoint/2010/main" val="56587173"/>
+        <p14:creationId xmlns:p14="http://schemas.microsoft.com/office/powerpoint/2010/main" val="2734648422"/>
       </p:ext>
     </p:extLst>
   </p:cSld>
@@ -6929,10 +7497,523 @@
           <a:chExt cx="0" cy="0"/>
         </a:xfrm>
       </p:grpSpPr>
+      <p:sp>
+        <p:nvSpPr>
+          <p:cNvPr id="2" name="文本框 1"/>
+          <p:cNvSpPr txBox="1"/>
+          <p:nvPr/>
+        </p:nvSpPr>
+        <p:spPr>
+          <a:xfrm>
+            <a:off x="513184" y="373224"/>
+            <a:ext cx="2441694" cy="369332"/>
+          </a:xfrm>
+          <a:prstGeom prst="rect">
+            <a:avLst/>
+          </a:prstGeom>
+          <a:noFill/>
+        </p:spPr>
+        <p:txBody>
+          <a:bodyPr wrap="none" rtlCol="0">
+            <a:spAutoFit/>
+          </a:bodyPr>
+          <a:lstStyle/>
+          <a:p>
+            <a:r>
+              <a:rPr lang="en-US" altLang="zh-CN" smtClean="0">
+                <a:solidFill>
+                  <a:srgbClr val="FF0000"/>
+                </a:solidFill>
+              </a:rPr>
+              <a:t>RDD</a:t>
+            </a:r>
+            <a:r>
+              <a:rPr lang="zh-CN" altLang="en-US" smtClean="0">
+                <a:solidFill>
+                  <a:srgbClr val="FF0000"/>
+                </a:solidFill>
+              </a:rPr>
+              <a:t>依赖关系的建立</a:t>
+            </a:r>
+            <a:r>
+              <a:rPr lang="zh-CN" altLang="en-US">
+                <a:solidFill>
+                  <a:srgbClr val="FF0000"/>
+                </a:solidFill>
+              </a:rPr>
+              <a:t>：</a:t>
+            </a:r>
+          </a:p>
+        </p:txBody>
+      </p:sp>
+      <p:sp>
+        <p:nvSpPr>
+          <p:cNvPr id="3" name="矩形 2"/>
+          <p:cNvSpPr/>
+          <p:nvPr/>
+        </p:nvSpPr>
+        <p:spPr>
+          <a:xfrm>
+            <a:off x="111968" y="897399"/>
+            <a:ext cx="11579288" cy="646331"/>
+          </a:xfrm>
+          <a:prstGeom prst="rect">
+            <a:avLst/>
+          </a:prstGeom>
+        </p:spPr>
+        <p:txBody>
+          <a:bodyPr wrap="square">
+            <a:spAutoFit/>
+          </a:bodyPr>
+          <a:lstStyle/>
+          <a:p>
+            <a:r>
+              <a:rPr lang="en-US" altLang="zh-CN" b="1"/>
+              <a:t>abstract class </a:t>
+            </a:r>
+            <a:r>
+              <a:rPr lang="en-US" altLang="zh-CN"/>
+              <a:t>RDD[T: </a:t>
+            </a:r>
+            <a:r>
+              <a:rPr lang="en-US" altLang="zh-CN"/>
+              <a:t>ClassTag</a:t>
+            </a:r>
+            <a:r>
+              <a:rPr lang="en-US" altLang="zh-CN" smtClean="0"/>
+              <a:t>](   </a:t>
+            </a:r>
+            <a:r>
+              <a:rPr lang="en-US" altLang="zh-CN"/>
+              <a:t>@transient </a:t>
+            </a:r>
+            <a:r>
+              <a:rPr lang="en-US" altLang="zh-CN" b="1"/>
+              <a:t>private var </a:t>
+            </a:r>
+            <a:r>
+              <a:rPr lang="en-US" altLang="zh-CN"/>
+              <a:t>_sc: SparkContext,</a:t>
+            </a:r>
+            <a:br>
+              <a:rPr lang="en-US" altLang="zh-CN"/>
+            </a:br>
+            <a:r>
+              <a:rPr lang="en-US" altLang="zh-CN"/>
+              <a:t>    </a:t>
+            </a:r>
+            <a:r>
+              <a:rPr lang="en-US" altLang="zh-CN" smtClean="0"/>
+              <a:t>			@</a:t>
+            </a:r>
+            <a:r>
+              <a:rPr lang="en-US" altLang="zh-CN"/>
+              <a:t>transient </a:t>
+            </a:r>
+            <a:r>
+              <a:rPr lang="en-US" altLang="zh-CN" b="1"/>
+              <a:t>private var </a:t>
+            </a:r>
+            <a:r>
+              <a:rPr lang="en-US" altLang="zh-CN"/>
+              <a:t>deps: </a:t>
+            </a:r>
+            <a:r>
+              <a:rPr lang="en-US" altLang="zh-CN"/>
+              <a:t>Seq[Dependency</a:t>
+            </a:r>
+            <a:r>
+              <a:rPr lang="en-US" altLang="zh-CN" smtClean="0"/>
+              <a:t>[_]] </a:t>
+            </a:r>
+            <a:r>
+              <a:rPr lang="en-US" altLang="zh-CN"/>
+              <a:t>) </a:t>
+            </a:r>
+            <a:r>
+              <a:rPr lang="en-US" altLang="zh-CN" b="1"/>
+              <a:t>extends </a:t>
+            </a:r>
+            <a:r>
+              <a:rPr lang="en-US" altLang="zh-CN"/>
+              <a:t>Serializable </a:t>
+            </a:r>
+            <a:r>
+              <a:rPr lang="en-US" altLang="zh-CN" b="1"/>
+              <a:t>with </a:t>
+            </a:r>
+            <a:r>
+              <a:rPr lang="en-US" altLang="zh-CN"/>
+              <a:t>Logging</a:t>
+            </a:r>
+            <a:endParaRPr lang="zh-CN" altLang="en-US"/>
+          </a:p>
+        </p:txBody>
+      </p:sp>
+      <p:sp>
+        <p:nvSpPr>
+          <p:cNvPr id="6" name="矩形 5"/>
+          <p:cNvSpPr/>
+          <p:nvPr/>
+        </p:nvSpPr>
+        <p:spPr>
+          <a:xfrm>
+            <a:off x="0" y="1698573"/>
+            <a:ext cx="6866303" cy="646331"/>
+          </a:xfrm>
+          <a:prstGeom prst="rect">
+            <a:avLst/>
+          </a:prstGeom>
+        </p:spPr>
+        <p:txBody>
+          <a:bodyPr wrap="none">
+            <a:spAutoFit/>
+          </a:bodyPr>
+          <a:lstStyle/>
+          <a:p>
+            <a:r>
+              <a:rPr lang="zh-CN" altLang="en-US" b="1" smtClean="0">
+                <a:solidFill>
+                  <a:srgbClr val="00B050"/>
+                </a:solidFill>
+              </a:rPr>
+              <a:t>以</a:t>
+            </a:r>
+            <a:r>
+              <a:rPr lang="en-US" altLang="zh-CN" b="1" smtClean="0">
+                <a:solidFill>
+                  <a:srgbClr val="00B050"/>
+                </a:solidFill>
+              </a:rPr>
+              <a:t>MapPartitionsRDD</a:t>
+            </a:r>
+            <a:r>
+              <a:rPr lang="zh-CN" altLang="en-US" b="1" smtClean="0">
+                <a:solidFill>
+                  <a:srgbClr val="00B050"/>
+                </a:solidFill>
+              </a:rPr>
+              <a:t>和</a:t>
+            </a:r>
+            <a:r>
+              <a:rPr lang="en-US" altLang="zh-CN" b="1" smtClean="0">
+                <a:solidFill>
+                  <a:srgbClr val="00B050"/>
+                </a:solidFill>
+              </a:rPr>
+              <a:t>ShuffledRDD</a:t>
+            </a:r>
+            <a:r>
+              <a:rPr lang="zh-CN" altLang="en-US" b="1" smtClean="0">
+                <a:solidFill>
+                  <a:srgbClr val="00B050"/>
+                </a:solidFill>
+              </a:rPr>
+              <a:t>为例讲解</a:t>
+            </a:r>
+            <a:r>
+              <a:rPr lang="en-US" altLang="zh-CN" b="1" smtClean="0">
+                <a:solidFill>
+                  <a:srgbClr val="00B050"/>
+                </a:solidFill>
+              </a:rPr>
+              <a:t>RDD</a:t>
+            </a:r>
+            <a:r>
+              <a:rPr lang="zh-CN" altLang="en-US" b="1" smtClean="0">
+                <a:solidFill>
+                  <a:srgbClr val="00B050"/>
+                </a:solidFill>
+              </a:rPr>
+              <a:t>依赖关系的建立：</a:t>
+            </a:r>
+            <a:endParaRPr lang="zh-CN" altLang="en-US" b="1">
+              <a:solidFill>
+                <a:srgbClr val="00B050"/>
+              </a:solidFill>
+            </a:endParaRPr>
+          </a:p>
+          <a:p>
+            <a:endParaRPr lang="zh-CN" altLang="en-US" b="1">
+              <a:solidFill>
+                <a:srgbClr val="00B050"/>
+              </a:solidFill>
+            </a:endParaRPr>
+          </a:p>
+        </p:txBody>
+      </p:sp>
+      <p:sp>
+        <p:nvSpPr>
+          <p:cNvPr id="7" name="文本框 6"/>
+          <p:cNvSpPr txBox="1"/>
+          <p:nvPr/>
+        </p:nvSpPr>
+        <p:spPr>
+          <a:xfrm>
+            <a:off x="587828" y="2191970"/>
+            <a:ext cx="3461717" cy="307777"/>
+          </a:xfrm>
+          <a:prstGeom prst="rect">
+            <a:avLst/>
+          </a:prstGeom>
+          <a:noFill/>
+        </p:spPr>
+        <p:txBody>
+          <a:bodyPr wrap="none" rtlCol="0">
+            <a:spAutoFit/>
+          </a:bodyPr>
+          <a:lstStyle/>
+          <a:p>
+            <a:r>
+              <a:rPr lang="en-US" altLang="zh-CN" sz="1400" b="1" smtClean="0"/>
+              <a:t>org.apache.spark.rdd.RDD#map</a:t>
+            </a:r>
+            <a:r>
+              <a:rPr lang="zh-CN" altLang="en-US" sz="1400" b="1" smtClean="0"/>
+              <a:t>方法实现：</a:t>
+            </a:r>
+            <a:endParaRPr lang="zh-CN" altLang="en-US" sz="1400" b="1"/>
+          </a:p>
+        </p:txBody>
+      </p:sp>
+      <p:pic>
+        <p:nvPicPr>
+          <p:cNvPr id="8" name="图片 7"/>
+          <p:cNvPicPr>
+            <a:picLocks noChangeAspect="1"/>
+          </p:cNvPicPr>
+          <p:nvPr/>
+        </p:nvPicPr>
+        <p:blipFill>
+          <a:blip r:embed="rId3"/>
+          <a:stretch>
+            <a:fillRect/>
+          </a:stretch>
+        </p:blipFill>
+        <p:spPr>
+          <a:xfrm>
+            <a:off x="1679510" y="2592797"/>
+            <a:ext cx="7098258" cy="952836"/>
+          </a:xfrm>
+          <a:prstGeom prst="rect">
+            <a:avLst/>
+          </a:prstGeom>
+        </p:spPr>
+      </p:pic>
+      <p:sp>
+        <p:nvSpPr>
+          <p:cNvPr id="9" name="文本框 8"/>
+          <p:cNvSpPr txBox="1"/>
+          <p:nvPr/>
+        </p:nvSpPr>
+        <p:spPr>
+          <a:xfrm>
+            <a:off x="0" y="4972374"/>
+            <a:ext cx="12111135" cy="307777"/>
+          </a:xfrm>
+          <a:prstGeom prst="rect">
+            <a:avLst/>
+          </a:prstGeom>
+          <a:noFill/>
+        </p:spPr>
+        <p:txBody>
+          <a:bodyPr wrap="square" rtlCol="0">
+            <a:spAutoFit/>
+          </a:bodyPr>
+          <a:lstStyle/>
+          <a:p>
+            <a:r>
+              <a:rPr lang="zh-CN" altLang="en-US" sz="1400" smtClean="0"/>
+              <a:t>在</a:t>
+            </a:r>
+            <a:r>
+              <a:rPr lang="en-US" altLang="zh-CN" sz="1400" smtClean="0"/>
+              <a:t>map</a:t>
+            </a:r>
+            <a:r>
+              <a:rPr lang="zh-CN" altLang="en-US" sz="1400" smtClean="0"/>
+              <a:t>中创建了一个</a:t>
+            </a:r>
+            <a:r>
+              <a:rPr lang="en-US" altLang="zh-CN" sz="1400" smtClean="0"/>
+              <a:t>MapPartitionsRDD</a:t>
+            </a:r>
+            <a:r>
+              <a:rPr lang="zh-CN" altLang="en-US" sz="1400" smtClean="0"/>
+              <a:t>，而且把当前</a:t>
+            </a:r>
+            <a:r>
+              <a:rPr lang="en-US" altLang="zh-CN" sz="1400" smtClean="0"/>
+              <a:t>RDD</a:t>
+            </a:r>
+            <a:r>
+              <a:rPr lang="zh-CN" altLang="en-US" sz="1400" smtClean="0"/>
+              <a:t>的</a:t>
+            </a:r>
+            <a:r>
+              <a:rPr lang="en-US" altLang="zh-CN" sz="1400" smtClean="0"/>
+              <a:t>this</a:t>
+            </a:r>
+            <a:r>
+              <a:rPr lang="zh-CN" altLang="en-US" sz="1400" smtClean="0"/>
+              <a:t>引用传入，所以新创建的</a:t>
+            </a:r>
+            <a:r>
+              <a:rPr lang="en-US" altLang="zh-CN" sz="1400" smtClean="0"/>
+              <a:t>MapPartitionsRDD</a:t>
+            </a:r>
+            <a:r>
+              <a:rPr lang="zh-CN" altLang="en-US" sz="1400" smtClean="0"/>
+              <a:t>的父</a:t>
+            </a:r>
+            <a:r>
+              <a:rPr lang="en-US" altLang="zh-CN" sz="1400" smtClean="0"/>
+              <a:t>RDD</a:t>
+            </a:r>
+            <a:r>
+              <a:rPr lang="zh-CN" altLang="en-US" sz="1400" smtClean="0"/>
+              <a:t>依赖就建立起来了，就是</a:t>
+            </a:r>
+            <a:r>
+              <a:rPr lang="en-US" altLang="zh-CN" sz="1400" smtClean="0"/>
+              <a:t>this</a:t>
+            </a:r>
+            <a:r>
+              <a:rPr lang="zh-CN" altLang="en-US" sz="1400" smtClean="0"/>
+              <a:t>引用</a:t>
+            </a:r>
+            <a:endParaRPr lang="zh-CN" altLang="en-US" sz="1400"/>
+          </a:p>
+        </p:txBody>
+      </p:sp>
+      <p:pic>
+        <p:nvPicPr>
+          <p:cNvPr id="10" name="图片 9"/>
+          <p:cNvPicPr>
+            <a:picLocks noChangeAspect="1"/>
+          </p:cNvPicPr>
+          <p:nvPr/>
+        </p:nvPicPr>
+        <p:blipFill>
+          <a:blip r:embed="rId4"/>
+          <a:stretch>
+            <a:fillRect/>
+          </a:stretch>
+        </p:blipFill>
+        <p:spPr>
+          <a:xfrm>
+            <a:off x="1679510" y="3987238"/>
+            <a:ext cx="7098258" cy="837294"/>
+          </a:xfrm>
+          <a:prstGeom prst="rect">
+            <a:avLst/>
+          </a:prstGeom>
+        </p:spPr>
+      </p:pic>
+      <p:sp>
+        <p:nvSpPr>
+          <p:cNvPr id="11" name="文本框 10"/>
+          <p:cNvSpPr txBox="1"/>
+          <p:nvPr/>
+        </p:nvSpPr>
+        <p:spPr>
+          <a:xfrm>
+            <a:off x="587828" y="3679461"/>
+            <a:ext cx="2476640" cy="307777"/>
+          </a:xfrm>
+          <a:prstGeom prst="rect">
+            <a:avLst/>
+          </a:prstGeom>
+          <a:noFill/>
+        </p:spPr>
+        <p:txBody>
+          <a:bodyPr wrap="none" rtlCol="0">
+            <a:spAutoFit/>
+          </a:bodyPr>
+          <a:lstStyle/>
+          <a:p>
+            <a:r>
+              <a:rPr lang="en-US" altLang="zh-CN" sz="1400" b="1" smtClean="0"/>
+              <a:t>MapPartitionsRDD</a:t>
+            </a:r>
+            <a:r>
+              <a:rPr lang="zh-CN" altLang="en-US" sz="1400" b="1" smtClean="0"/>
+              <a:t>的构造器：</a:t>
+            </a:r>
+            <a:endParaRPr lang="zh-CN" altLang="en-US" sz="1400" b="1"/>
+          </a:p>
+        </p:txBody>
+      </p:sp>
+      <p:pic>
+        <p:nvPicPr>
+          <p:cNvPr id="12" name="图片 11"/>
+          <p:cNvPicPr>
+            <a:picLocks noChangeAspect="1"/>
+          </p:cNvPicPr>
+          <p:nvPr/>
+        </p:nvPicPr>
+        <p:blipFill>
+          <a:blip r:embed="rId5"/>
+          <a:stretch>
+            <a:fillRect/>
+          </a:stretch>
+        </p:blipFill>
+        <p:spPr>
+          <a:xfrm>
+            <a:off x="2293867" y="5735772"/>
+            <a:ext cx="7043737" cy="954132"/>
+          </a:xfrm>
+          <a:prstGeom prst="rect">
+            <a:avLst/>
+          </a:prstGeom>
+        </p:spPr>
+      </p:pic>
+      <p:sp>
+        <p:nvSpPr>
+          <p:cNvPr id="13" name="文本框 12"/>
+          <p:cNvSpPr txBox="1"/>
+          <p:nvPr/>
+        </p:nvSpPr>
+        <p:spPr>
+          <a:xfrm>
+            <a:off x="429208" y="5371929"/>
+            <a:ext cx="2749471" cy="307777"/>
+          </a:xfrm>
+          <a:prstGeom prst="rect">
+            <a:avLst/>
+          </a:prstGeom>
+          <a:noFill/>
+        </p:spPr>
+        <p:txBody>
+          <a:bodyPr wrap="none" rtlCol="0">
+            <a:spAutoFit/>
+          </a:bodyPr>
+          <a:lstStyle/>
+          <a:p>
+            <a:r>
+              <a:rPr lang="en-US" altLang="zh-CN" sz="1400" b="1"/>
+              <a:t>ShuffledRDD</a:t>
+            </a:r>
+            <a:r>
+              <a:rPr lang="zh-CN" altLang="en-US" sz="1400" b="1"/>
+              <a:t>的依赖关系</a:t>
+            </a:r>
+            <a:r>
+              <a:rPr lang="zh-CN" altLang="en-US" sz="1400" b="1"/>
+              <a:t>建立</a:t>
+            </a:r>
+            <a:r>
+              <a:rPr lang="zh-CN" altLang="en-US" sz="1400" b="1" smtClean="0"/>
+              <a:t>同理</a:t>
+            </a:r>
+            <a:endParaRPr lang="zh-CN" altLang="en-US" sz="1400" b="1"/>
+          </a:p>
+        </p:txBody>
+      </p:sp>
     </p:spTree>
     <p:extLst>
       <p:ext uri="{BB962C8B-B14F-4D97-AF65-F5344CB8AC3E}">
-        <p14:creationId xmlns:p14="http://schemas.microsoft.com/office/powerpoint/2010/main" val="1615298406"/>
+        <p14:creationId xmlns:p14="http://schemas.microsoft.com/office/powerpoint/2010/main" val="56587173"/>
       </p:ext>
     </p:extLst>
   </p:cSld>
@@ -6976,10 +8057,753 @@
           <a:chExt cx="0" cy="0"/>
         </a:xfrm>
       </p:grpSpPr>
+      <p:sp>
+        <p:nvSpPr>
+          <p:cNvPr id="3" name="文本框 2"/>
+          <p:cNvSpPr txBox="1"/>
+          <p:nvPr/>
+        </p:nvSpPr>
+        <p:spPr>
+          <a:xfrm>
+            <a:off x="513184" y="373224"/>
+            <a:ext cx="3007555" cy="369332"/>
+          </a:xfrm>
+          <a:prstGeom prst="rect">
+            <a:avLst/>
+          </a:prstGeom>
+          <a:noFill/>
+        </p:spPr>
+        <p:txBody>
+          <a:bodyPr wrap="none" rtlCol="0">
+            <a:spAutoFit/>
+          </a:bodyPr>
+          <a:lstStyle/>
+          <a:p>
+            <a:r>
+              <a:rPr lang="en-US" altLang="zh-CN">
+                <a:solidFill>
+                  <a:srgbClr val="FF0000"/>
+                </a:solidFill>
+              </a:rPr>
+              <a:t>UnionRDD</a:t>
+            </a:r>
+            <a:r>
+              <a:rPr lang="zh-CN" altLang="en-US">
+                <a:solidFill>
+                  <a:srgbClr val="FF0000"/>
+                </a:solidFill>
+              </a:rPr>
+              <a:t>依赖</a:t>
+            </a:r>
+            <a:r>
+              <a:rPr lang="zh-CN" altLang="en-US" smtClean="0">
+                <a:solidFill>
+                  <a:srgbClr val="FF0000"/>
+                </a:solidFill>
+              </a:rPr>
+              <a:t>关系的建立</a:t>
+            </a:r>
+            <a:r>
+              <a:rPr lang="zh-CN" altLang="en-US">
+                <a:solidFill>
+                  <a:srgbClr val="FF0000"/>
+                </a:solidFill>
+              </a:rPr>
+              <a:t>：</a:t>
+            </a:r>
+          </a:p>
+        </p:txBody>
+      </p:sp>
+      <p:sp>
+        <p:nvSpPr>
+          <p:cNvPr id="4" name="矩形 3"/>
+          <p:cNvSpPr/>
+          <p:nvPr/>
+        </p:nvSpPr>
+        <p:spPr>
+          <a:xfrm>
+            <a:off x="115066" y="864541"/>
+            <a:ext cx="7648003" cy="276999"/>
+          </a:xfrm>
+          <a:prstGeom prst="rect">
+            <a:avLst/>
+          </a:prstGeom>
+        </p:spPr>
+        <p:txBody>
+          <a:bodyPr wrap="square">
+            <a:spAutoFit/>
+          </a:bodyPr>
+          <a:lstStyle/>
+          <a:p>
+            <a:r>
+              <a:rPr lang="zh-CN" altLang="en-US" sz="1200" smtClean="0">
+                <a:latin typeface="微软雅黑" panose="020B0503020204020204" pitchFamily="34" charset="-122"/>
+                <a:ea typeface="微软雅黑" panose="020B0503020204020204" pitchFamily="34" charset="-122"/>
+              </a:rPr>
+              <a:t>首先查看org</a:t>
+            </a:r>
+            <a:r>
+              <a:rPr lang="zh-CN" altLang="en-US" sz="1200">
+                <a:latin typeface="微软雅黑" panose="020B0503020204020204" pitchFamily="34" charset="-122"/>
+                <a:ea typeface="微软雅黑" panose="020B0503020204020204" pitchFamily="34" charset="-122"/>
+              </a:rPr>
+              <a:t>.apache.spark.rdd.RDD</a:t>
+            </a:r>
+            <a:r>
+              <a:rPr lang="zh-CN" altLang="en-US" sz="1200">
+                <a:latin typeface="微软雅黑" panose="020B0503020204020204" pitchFamily="34" charset="-122"/>
+                <a:ea typeface="微软雅黑" panose="020B0503020204020204" pitchFamily="34" charset="-122"/>
+              </a:rPr>
+              <a:t>#</a:t>
+            </a:r>
+            <a:r>
+              <a:rPr lang="zh-CN" altLang="en-US" sz="1200" smtClean="0">
+                <a:latin typeface="微软雅黑" panose="020B0503020204020204" pitchFamily="34" charset="-122"/>
+                <a:ea typeface="微软雅黑" panose="020B0503020204020204" pitchFamily="34" charset="-122"/>
+              </a:rPr>
+              <a:t>union源码，我们可以看出调用了</a:t>
+            </a:r>
+            <a:r>
+              <a:rPr lang="en-US" altLang="zh-CN" sz="1200" smtClean="0">
+                <a:latin typeface="微软雅黑" panose="020B0503020204020204" pitchFamily="34" charset="-122"/>
+                <a:ea typeface="微软雅黑" panose="020B0503020204020204" pitchFamily="34" charset="-122"/>
+              </a:rPr>
+              <a:t>SparkContext</a:t>
+            </a:r>
+            <a:r>
+              <a:rPr lang="zh-CN" altLang="en-US" sz="1200" smtClean="0">
+                <a:latin typeface="微软雅黑" panose="020B0503020204020204" pitchFamily="34" charset="-122"/>
+                <a:ea typeface="微软雅黑" panose="020B0503020204020204" pitchFamily="34" charset="-122"/>
+              </a:rPr>
+              <a:t>的</a:t>
+            </a:r>
+            <a:r>
+              <a:rPr lang="en-US" altLang="zh-CN" sz="1200" smtClean="0">
+                <a:latin typeface="微软雅黑" panose="020B0503020204020204" pitchFamily="34" charset="-122"/>
+                <a:ea typeface="微软雅黑" panose="020B0503020204020204" pitchFamily="34" charset="-122"/>
+              </a:rPr>
+              <a:t>union</a:t>
+            </a:r>
+            <a:r>
+              <a:rPr lang="zh-CN" altLang="en-US" sz="1200" smtClean="0">
+                <a:latin typeface="微软雅黑" panose="020B0503020204020204" pitchFamily="34" charset="-122"/>
+                <a:ea typeface="微软雅黑" panose="020B0503020204020204" pitchFamily="34" charset="-122"/>
+              </a:rPr>
+              <a:t>算子：</a:t>
+            </a:r>
+            <a:endParaRPr lang="zh-CN" altLang="en-US" sz="1200">
+              <a:latin typeface="微软雅黑" panose="020B0503020204020204" pitchFamily="34" charset="-122"/>
+              <a:ea typeface="微软雅黑" panose="020B0503020204020204" pitchFamily="34" charset="-122"/>
+            </a:endParaRPr>
+          </a:p>
+        </p:txBody>
+      </p:sp>
+      <p:pic>
+        <p:nvPicPr>
+          <p:cNvPr id="5" name="图片 4"/>
+          <p:cNvPicPr>
+            <a:picLocks noChangeAspect="1"/>
+          </p:cNvPicPr>
+          <p:nvPr/>
+        </p:nvPicPr>
+        <p:blipFill>
+          <a:blip r:embed="rId3"/>
+          <a:stretch>
+            <a:fillRect/>
+          </a:stretch>
+        </p:blipFill>
+        <p:spPr>
+          <a:xfrm>
+            <a:off x="7903028" y="721809"/>
+            <a:ext cx="3801486" cy="562464"/>
+          </a:xfrm>
+          <a:prstGeom prst="rect">
+            <a:avLst/>
+          </a:prstGeom>
+        </p:spPr>
+      </p:pic>
+      <p:sp>
+        <p:nvSpPr>
+          <p:cNvPr id="6" name="矩形 5"/>
+          <p:cNvSpPr/>
+          <p:nvPr/>
+        </p:nvSpPr>
+        <p:spPr>
+          <a:xfrm>
+            <a:off x="114334" y="2462164"/>
+            <a:ext cx="6880025" cy="461665"/>
+          </a:xfrm>
+          <a:prstGeom prst="rect">
+            <a:avLst/>
+          </a:prstGeom>
+        </p:spPr>
+        <p:txBody>
+          <a:bodyPr wrap="none">
+            <a:spAutoFit/>
+          </a:bodyPr>
+          <a:lstStyle/>
+          <a:p>
+            <a:r>
+              <a:rPr lang="zh-CN" altLang="en-US" sz="1200">
+                <a:latin typeface="微软雅黑" panose="020B0503020204020204" pitchFamily="34" charset="-122"/>
+                <a:ea typeface="微软雅黑" panose="020B0503020204020204" pitchFamily="34" charset="-122"/>
+              </a:rPr>
+              <a:t>查看org</a:t>
+            </a:r>
+            <a:r>
+              <a:rPr lang="zh-CN" altLang="en-US" sz="1200">
+                <a:latin typeface="微软雅黑" panose="020B0503020204020204" pitchFamily="34" charset="-122"/>
+                <a:ea typeface="微软雅黑" panose="020B0503020204020204" pitchFamily="34" charset="-122"/>
+              </a:rPr>
+              <a:t>.apache.spark.SparkContext#</a:t>
+            </a:r>
+            <a:r>
+              <a:rPr lang="zh-CN" altLang="en-US" sz="1200">
+                <a:latin typeface="微软雅黑" panose="020B0503020204020204" pitchFamily="34" charset="-122"/>
+                <a:ea typeface="微软雅黑" panose="020B0503020204020204" pitchFamily="34" charset="-122"/>
+              </a:rPr>
+              <a:t>union源码发现，创建了一</a:t>
+            </a:r>
+            <a:r>
+              <a:rPr lang="zh-CN" altLang="en-US" sz="1200">
+                <a:latin typeface="微软雅黑" panose="020B0503020204020204" pitchFamily="34" charset="-122"/>
+                <a:ea typeface="微软雅黑" panose="020B0503020204020204" pitchFamily="34" charset="-122"/>
+              </a:rPr>
+              <a:t>个</a:t>
+            </a:r>
+            <a:r>
+              <a:rPr lang="en-US" altLang="zh-CN" sz="1200" smtClean="0">
+                <a:latin typeface="微软雅黑" panose="020B0503020204020204" pitchFamily="34" charset="-122"/>
+                <a:ea typeface="微软雅黑" panose="020B0503020204020204" pitchFamily="34" charset="-122"/>
+              </a:rPr>
+              <a:t>UnionRDD</a:t>
+            </a:r>
+            <a:r>
+              <a:rPr lang="zh-CN" altLang="en-US" sz="1200" smtClean="0">
+                <a:latin typeface="微软雅黑" panose="020B0503020204020204" pitchFamily="34" charset="-122"/>
+                <a:ea typeface="微软雅黑" panose="020B0503020204020204" pitchFamily="34" charset="-122"/>
+              </a:rPr>
+              <a:t>，将</a:t>
+            </a:r>
+            <a:r>
+              <a:rPr lang="en-US" altLang="zh-CN" sz="1200" smtClean="0">
+                <a:latin typeface="微软雅黑" panose="020B0503020204020204" pitchFamily="34" charset="-122"/>
+                <a:ea typeface="微软雅黑" panose="020B0503020204020204" pitchFamily="34" charset="-122"/>
+              </a:rPr>
+              <a:t>sparkContext</a:t>
+            </a:r>
+          </a:p>
+          <a:p>
+            <a:r>
+              <a:rPr lang="zh-CN" altLang="en-US" sz="1200" smtClean="0">
+                <a:latin typeface="微软雅黑" panose="020B0503020204020204" pitchFamily="34" charset="-122"/>
+                <a:ea typeface="微软雅黑" panose="020B0503020204020204" pitchFamily="34" charset="-122"/>
+              </a:rPr>
+              <a:t>和要合并的</a:t>
+            </a:r>
+            <a:r>
+              <a:rPr lang="en-US" altLang="zh-CN" sz="1200" smtClean="0">
+                <a:latin typeface="微软雅黑" panose="020B0503020204020204" pitchFamily="34" charset="-122"/>
+                <a:ea typeface="微软雅黑" panose="020B0503020204020204" pitchFamily="34" charset="-122"/>
+              </a:rPr>
+              <a:t>RDD</a:t>
+            </a:r>
+            <a:r>
+              <a:rPr lang="zh-CN" altLang="en-US" sz="1200" smtClean="0">
+                <a:latin typeface="微软雅黑" panose="020B0503020204020204" pitchFamily="34" charset="-122"/>
+                <a:ea typeface="微软雅黑" panose="020B0503020204020204" pitchFamily="34" charset="-122"/>
+              </a:rPr>
+              <a:t>序列传入到</a:t>
+            </a:r>
+            <a:r>
+              <a:rPr lang="en-US" altLang="zh-CN" sz="1200" smtClean="0">
+                <a:latin typeface="微软雅黑" panose="020B0503020204020204" pitchFamily="34" charset="-122"/>
+                <a:ea typeface="微软雅黑" panose="020B0503020204020204" pitchFamily="34" charset="-122"/>
+              </a:rPr>
+              <a:t>Union</a:t>
+            </a:r>
+            <a:r>
+              <a:rPr lang="zh-CN" altLang="en-US" sz="1200" smtClean="0">
+                <a:latin typeface="微软雅黑" panose="020B0503020204020204" pitchFamily="34" charset="-122"/>
+                <a:ea typeface="微软雅黑" panose="020B0503020204020204" pitchFamily="34" charset="-122"/>
+              </a:rPr>
+              <a:t>的主构造器中</a:t>
+            </a:r>
+            <a:endParaRPr lang="en-US" altLang="zh-CN" sz="1200" smtClean="0">
+              <a:latin typeface="微软雅黑" panose="020B0503020204020204" pitchFamily="34" charset="-122"/>
+              <a:ea typeface="微软雅黑" panose="020B0503020204020204" pitchFamily="34" charset="-122"/>
+            </a:endParaRPr>
+          </a:p>
+        </p:txBody>
+      </p:sp>
+      <p:pic>
+        <p:nvPicPr>
+          <p:cNvPr id="7" name="图片 6"/>
+          <p:cNvPicPr>
+            <a:picLocks noChangeAspect="1"/>
+          </p:cNvPicPr>
+          <p:nvPr/>
+        </p:nvPicPr>
+        <p:blipFill>
+          <a:blip r:embed="rId4"/>
+          <a:stretch>
+            <a:fillRect/>
+          </a:stretch>
+        </p:blipFill>
+        <p:spPr>
+          <a:xfrm>
+            <a:off x="7218204" y="2507216"/>
+            <a:ext cx="4656271" cy="1225029"/>
+          </a:xfrm>
+          <a:prstGeom prst="rect">
+            <a:avLst/>
+          </a:prstGeom>
+        </p:spPr>
+      </p:pic>
+      <p:pic>
+        <p:nvPicPr>
+          <p:cNvPr id="8" name="图片 7"/>
+          <p:cNvPicPr>
+            <a:picLocks noChangeAspect="1"/>
+          </p:cNvPicPr>
+          <p:nvPr/>
+        </p:nvPicPr>
+        <p:blipFill>
+          <a:blip r:embed="rId5"/>
+          <a:stretch>
+            <a:fillRect/>
+          </a:stretch>
+        </p:blipFill>
+        <p:spPr>
+          <a:xfrm>
+            <a:off x="5752770" y="4045794"/>
+            <a:ext cx="6121705" cy="864860"/>
+          </a:xfrm>
+          <a:prstGeom prst="rect">
+            <a:avLst/>
+          </a:prstGeom>
+        </p:spPr>
+      </p:pic>
+      <p:sp>
+        <p:nvSpPr>
+          <p:cNvPr id="9" name="矩形 8"/>
+          <p:cNvSpPr/>
+          <p:nvPr/>
+        </p:nvSpPr>
+        <p:spPr>
+          <a:xfrm>
+            <a:off x="250380" y="4088755"/>
+            <a:ext cx="5329326" cy="646331"/>
+          </a:xfrm>
+          <a:prstGeom prst="rect">
+            <a:avLst/>
+          </a:prstGeom>
+        </p:spPr>
+        <p:txBody>
+          <a:bodyPr wrap="square">
+            <a:spAutoFit/>
+          </a:bodyPr>
+          <a:lstStyle/>
+          <a:p>
+            <a:r>
+              <a:rPr lang="en-US" altLang="zh-CN" sz="1200">
+                <a:latin typeface="微软雅黑" panose="020B0503020204020204" pitchFamily="34" charset="-122"/>
+                <a:ea typeface="微软雅黑" panose="020B0503020204020204" pitchFamily="34" charset="-122"/>
+              </a:rPr>
+              <a:t>UnionRDD</a:t>
+            </a:r>
+            <a:r>
+              <a:rPr lang="zh-CN" altLang="en-US" sz="1200">
+                <a:latin typeface="微软雅黑" panose="020B0503020204020204" pitchFamily="34" charset="-122"/>
+                <a:ea typeface="微软雅黑" panose="020B0503020204020204" pitchFamily="34" charset="-122"/>
+              </a:rPr>
+              <a:t>主构造</a:t>
+            </a:r>
+            <a:r>
+              <a:rPr lang="zh-CN" altLang="en-US" sz="1200">
+                <a:latin typeface="微软雅黑" panose="020B0503020204020204" pitchFamily="34" charset="-122"/>
+                <a:ea typeface="微软雅黑" panose="020B0503020204020204" pitchFamily="34" charset="-122"/>
+              </a:rPr>
+              <a:t>器</a:t>
+            </a:r>
+            <a:r>
+              <a:rPr lang="zh-CN" altLang="en-US" sz="1200" smtClean="0">
+                <a:latin typeface="微软雅黑" panose="020B0503020204020204" pitchFamily="34" charset="-122"/>
+                <a:ea typeface="微软雅黑" panose="020B0503020204020204" pitchFamily="34" charset="-122"/>
+              </a:rPr>
+              <a:t>源码，其中</a:t>
+            </a:r>
+            <a:r>
+              <a:rPr lang="en-US" altLang="zh-CN" sz="1200" smtClean="0">
+                <a:latin typeface="微软雅黑" panose="020B0503020204020204" pitchFamily="34" charset="-122"/>
+                <a:ea typeface="微软雅黑" panose="020B0503020204020204" pitchFamily="34" charset="-122"/>
+              </a:rPr>
+              <a:t>rdds</a:t>
+            </a:r>
+            <a:r>
+              <a:rPr lang="zh-CN" altLang="en-US" sz="1200" smtClean="0">
+                <a:latin typeface="微软雅黑" panose="020B0503020204020204" pitchFamily="34" charset="-122"/>
+                <a:ea typeface="微软雅黑" panose="020B0503020204020204" pitchFamily="34" charset="-122"/>
+              </a:rPr>
+              <a:t>参数可以升级为</a:t>
+            </a:r>
+            <a:r>
+              <a:rPr lang="en-US" altLang="zh-CN" sz="1200" smtClean="0">
+                <a:latin typeface="微软雅黑" panose="020B0503020204020204" pitchFamily="34" charset="-122"/>
+                <a:ea typeface="微软雅黑" panose="020B0503020204020204" pitchFamily="34" charset="-122"/>
+              </a:rPr>
+              <a:t>UnionRDD</a:t>
+            </a:r>
+            <a:r>
+              <a:rPr lang="zh-CN" altLang="en-US" sz="1200" smtClean="0">
+                <a:latin typeface="微软雅黑" panose="020B0503020204020204" pitchFamily="34" charset="-122"/>
+                <a:ea typeface="微软雅黑" panose="020B0503020204020204" pitchFamily="34" charset="-122"/>
+              </a:rPr>
+              <a:t>的成员，所以可以使用该成员获取</a:t>
+            </a:r>
+            <a:r>
+              <a:rPr lang="en-US" altLang="zh-CN" sz="1200" smtClean="0">
+                <a:latin typeface="微软雅黑" panose="020B0503020204020204" pitchFamily="34" charset="-122"/>
+                <a:ea typeface="微软雅黑" panose="020B0503020204020204" pitchFamily="34" charset="-122"/>
+              </a:rPr>
+              <a:t>UnionRDD</a:t>
+            </a:r>
+            <a:r>
+              <a:rPr lang="zh-CN" altLang="en-US" sz="1200" smtClean="0">
+                <a:latin typeface="微软雅黑" panose="020B0503020204020204" pitchFamily="34" charset="-122"/>
+                <a:ea typeface="微软雅黑" panose="020B0503020204020204" pitchFamily="34" charset="-122"/>
+              </a:rPr>
+              <a:t>的依赖关系，其实</a:t>
+            </a:r>
+            <a:r>
+              <a:rPr lang="en-US" altLang="zh-CN" sz="1200" smtClean="0">
+                <a:latin typeface="微软雅黑" panose="020B0503020204020204" pitchFamily="34" charset="-122"/>
+                <a:ea typeface="微软雅黑" panose="020B0503020204020204" pitchFamily="34" charset="-122"/>
+              </a:rPr>
+              <a:t>rdds</a:t>
+            </a:r>
+            <a:r>
+              <a:rPr lang="zh-CN" altLang="en-US" sz="1200" smtClean="0">
+                <a:latin typeface="微软雅黑" panose="020B0503020204020204" pitchFamily="34" charset="-122"/>
+                <a:ea typeface="微软雅黑" panose="020B0503020204020204" pitchFamily="34" charset="-122"/>
+              </a:rPr>
+              <a:t>参数就</a:t>
+            </a:r>
+            <a:r>
+              <a:rPr lang="en-US" altLang="zh-CN" sz="1200" smtClean="0">
+                <a:latin typeface="微软雅黑" panose="020B0503020204020204" pitchFamily="34" charset="-122"/>
+                <a:ea typeface="微软雅黑" panose="020B0503020204020204" pitchFamily="34" charset="-122"/>
+              </a:rPr>
+              <a:t>UnionRDD</a:t>
+            </a:r>
+            <a:r>
+              <a:rPr lang="zh-CN" altLang="en-US" sz="1200" smtClean="0">
+                <a:latin typeface="微软雅黑" panose="020B0503020204020204" pitchFamily="34" charset="-122"/>
+                <a:ea typeface="微软雅黑" panose="020B0503020204020204" pitchFamily="34" charset="-122"/>
+              </a:rPr>
+              <a:t>的依赖</a:t>
+            </a:r>
+            <a:endParaRPr lang="zh-CN" altLang="en-US" sz="1200">
+              <a:latin typeface="微软雅黑" panose="020B0503020204020204" pitchFamily="34" charset="-122"/>
+              <a:ea typeface="微软雅黑" panose="020B0503020204020204" pitchFamily="34" charset="-122"/>
+            </a:endParaRPr>
+          </a:p>
+        </p:txBody>
+      </p:sp>
+      <p:pic>
+        <p:nvPicPr>
+          <p:cNvPr id="10" name="图片 9"/>
+          <p:cNvPicPr>
+            <a:picLocks noChangeAspect="1"/>
+          </p:cNvPicPr>
+          <p:nvPr/>
+        </p:nvPicPr>
+        <p:blipFill>
+          <a:blip r:embed="rId6"/>
+          <a:stretch>
+            <a:fillRect/>
+          </a:stretch>
+        </p:blipFill>
+        <p:spPr>
+          <a:xfrm>
+            <a:off x="6279864" y="1513730"/>
+            <a:ext cx="5424650" cy="617998"/>
+          </a:xfrm>
+          <a:prstGeom prst="rect">
+            <a:avLst/>
+          </a:prstGeom>
+        </p:spPr>
+      </p:pic>
+      <p:sp>
+        <p:nvSpPr>
+          <p:cNvPr id="11" name="下箭头 10"/>
+          <p:cNvSpPr/>
+          <p:nvPr/>
+        </p:nvSpPr>
+        <p:spPr>
+          <a:xfrm>
+            <a:off x="9209314" y="1284273"/>
+            <a:ext cx="307910" cy="229457"/>
+          </a:xfrm>
+          <a:prstGeom prst="downArrow">
+            <a:avLst/>
+          </a:prstGeom>
+          <a:solidFill>
+            <a:srgbClr val="00B050"/>
+          </a:solidFill>
+        </p:spPr>
+        <p:style>
+          <a:lnRef idx="2">
+            <a:schemeClr val="accent1">
+              <a:shade val="50000"/>
+            </a:schemeClr>
+          </a:lnRef>
+          <a:fillRef idx="1">
+            <a:schemeClr val="accent1"/>
+          </a:fillRef>
+          <a:effectRef idx="0">
+            <a:schemeClr val="accent1"/>
+          </a:effectRef>
+          <a:fontRef idx="minor">
+            <a:schemeClr val="lt1"/>
+          </a:fontRef>
+        </p:style>
+        <p:txBody>
+          <a:bodyPr rtlCol="0" anchor="ctr"/>
+          <a:lstStyle/>
+          <a:p>
+            <a:pPr algn="ctr"/>
+            <a:endParaRPr lang="zh-CN" altLang="en-US"/>
+          </a:p>
+        </p:txBody>
+      </p:sp>
+      <p:sp>
+        <p:nvSpPr>
+          <p:cNvPr id="12" name="下箭头 11"/>
+          <p:cNvSpPr/>
+          <p:nvPr/>
+        </p:nvSpPr>
+        <p:spPr>
+          <a:xfrm>
+            <a:off x="9238429" y="2193667"/>
+            <a:ext cx="307910" cy="229457"/>
+          </a:xfrm>
+          <a:prstGeom prst="downArrow">
+            <a:avLst/>
+          </a:prstGeom>
+          <a:solidFill>
+            <a:srgbClr val="00B050"/>
+          </a:solidFill>
+        </p:spPr>
+        <p:style>
+          <a:lnRef idx="2">
+            <a:schemeClr val="accent1">
+              <a:shade val="50000"/>
+            </a:schemeClr>
+          </a:lnRef>
+          <a:fillRef idx="1">
+            <a:schemeClr val="accent1"/>
+          </a:fillRef>
+          <a:effectRef idx="0">
+            <a:schemeClr val="accent1"/>
+          </a:effectRef>
+          <a:fontRef idx="minor">
+            <a:schemeClr val="lt1"/>
+          </a:fontRef>
+        </p:style>
+        <p:txBody>
+          <a:bodyPr rtlCol="0" anchor="ctr"/>
+          <a:lstStyle/>
+          <a:p>
+            <a:pPr algn="ctr"/>
+            <a:endParaRPr lang="zh-CN" altLang="en-US"/>
+          </a:p>
+        </p:txBody>
+      </p:sp>
+      <p:sp>
+        <p:nvSpPr>
+          <p:cNvPr id="13" name="下箭头 12"/>
+          <p:cNvSpPr/>
+          <p:nvPr/>
+        </p:nvSpPr>
+        <p:spPr>
+          <a:xfrm>
+            <a:off x="9238429" y="3816337"/>
+            <a:ext cx="307910" cy="229457"/>
+          </a:xfrm>
+          <a:prstGeom prst="downArrow">
+            <a:avLst/>
+          </a:prstGeom>
+          <a:solidFill>
+            <a:srgbClr val="00B050"/>
+          </a:solidFill>
+        </p:spPr>
+        <p:style>
+          <a:lnRef idx="2">
+            <a:schemeClr val="accent1">
+              <a:shade val="50000"/>
+            </a:schemeClr>
+          </a:lnRef>
+          <a:fillRef idx="1">
+            <a:schemeClr val="accent1"/>
+          </a:fillRef>
+          <a:effectRef idx="0">
+            <a:schemeClr val="accent1"/>
+          </a:effectRef>
+          <a:fontRef idx="minor">
+            <a:schemeClr val="lt1"/>
+          </a:fontRef>
+        </p:style>
+        <p:txBody>
+          <a:bodyPr rtlCol="0" anchor="ctr"/>
+          <a:lstStyle/>
+          <a:p>
+            <a:pPr algn="ctr"/>
+            <a:endParaRPr lang="zh-CN" altLang="en-US"/>
+          </a:p>
+        </p:txBody>
+      </p:sp>
+      <p:pic>
+        <p:nvPicPr>
+          <p:cNvPr id="14" name="图片 13"/>
+          <p:cNvPicPr>
+            <a:picLocks noChangeAspect="1"/>
+          </p:cNvPicPr>
+          <p:nvPr/>
+        </p:nvPicPr>
+        <p:blipFill>
+          <a:blip r:embed="rId7"/>
+          <a:stretch>
+            <a:fillRect/>
+          </a:stretch>
+        </p:blipFill>
+        <p:spPr>
+          <a:xfrm>
+            <a:off x="5752769" y="5133845"/>
+            <a:ext cx="6121705" cy="1518183"/>
+          </a:xfrm>
+          <a:prstGeom prst="rect">
+            <a:avLst/>
+          </a:prstGeom>
+        </p:spPr>
+      </p:pic>
+      <p:sp>
+        <p:nvSpPr>
+          <p:cNvPr id="15" name="矩形 14"/>
+          <p:cNvSpPr/>
+          <p:nvPr/>
+        </p:nvSpPr>
+        <p:spPr>
+          <a:xfrm>
+            <a:off x="114334" y="5253681"/>
+            <a:ext cx="5329326" cy="1384995"/>
+          </a:xfrm>
+          <a:prstGeom prst="rect">
+            <a:avLst/>
+          </a:prstGeom>
+        </p:spPr>
+        <p:txBody>
+          <a:bodyPr wrap="square">
+            <a:spAutoFit/>
+          </a:bodyPr>
+          <a:lstStyle/>
+          <a:p>
+            <a:r>
+              <a:rPr lang="en-US" altLang="zh-CN" sz="1200" smtClean="0">
+                <a:latin typeface="微软雅黑" panose="020B0503020204020204" pitchFamily="34" charset="-122"/>
+                <a:ea typeface="微软雅黑" panose="020B0503020204020204" pitchFamily="34" charset="-122"/>
+              </a:rPr>
+              <a:t>UnionRDD</a:t>
+            </a:r>
+            <a:r>
+              <a:rPr lang="zh-CN" altLang="en-US" sz="1200" smtClean="0">
+                <a:latin typeface="微软雅黑" panose="020B0503020204020204" pitchFamily="34" charset="-122"/>
+                <a:ea typeface="微软雅黑" panose="020B0503020204020204" pitchFamily="34" charset="-122"/>
+              </a:rPr>
+              <a:t>获取依赖关系的方法源码：</a:t>
+            </a:r>
+            <a:endParaRPr lang="en-US" altLang="zh-CN" sz="1200" smtClean="0">
+              <a:latin typeface="微软雅黑" panose="020B0503020204020204" pitchFamily="34" charset="-122"/>
+              <a:ea typeface="微软雅黑" panose="020B0503020204020204" pitchFamily="34" charset="-122"/>
+            </a:endParaRPr>
+          </a:p>
+          <a:p>
+            <a:endParaRPr lang="en-US" altLang="zh-CN" sz="1200">
+              <a:latin typeface="微软雅黑" panose="020B0503020204020204" pitchFamily="34" charset="-122"/>
+              <a:ea typeface="微软雅黑" panose="020B0503020204020204" pitchFamily="34" charset="-122"/>
+            </a:endParaRPr>
+          </a:p>
+          <a:p>
+            <a:endParaRPr lang="en-US" altLang="zh-CN" sz="1200" smtClean="0">
+              <a:latin typeface="微软雅黑" panose="020B0503020204020204" pitchFamily="34" charset="-122"/>
+              <a:ea typeface="微软雅黑" panose="020B0503020204020204" pitchFamily="34" charset="-122"/>
+            </a:endParaRPr>
+          </a:p>
+          <a:p>
+            <a:endParaRPr lang="en-US" altLang="zh-CN" sz="1200">
+              <a:latin typeface="微软雅黑" panose="020B0503020204020204" pitchFamily="34" charset="-122"/>
+              <a:ea typeface="微软雅黑" panose="020B0503020204020204" pitchFamily="34" charset="-122"/>
+            </a:endParaRPr>
+          </a:p>
+          <a:p>
+            <a:endParaRPr lang="en-US" altLang="zh-CN" sz="1200" smtClean="0">
+              <a:latin typeface="微软雅黑" panose="020B0503020204020204" pitchFamily="34" charset="-122"/>
+              <a:ea typeface="微软雅黑" panose="020B0503020204020204" pitchFamily="34" charset="-122"/>
+            </a:endParaRPr>
+          </a:p>
+          <a:p>
+            <a:endParaRPr lang="en-US" altLang="zh-CN" sz="1200">
+              <a:latin typeface="微软雅黑" panose="020B0503020204020204" pitchFamily="34" charset="-122"/>
+              <a:ea typeface="微软雅黑" panose="020B0503020204020204" pitchFamily="34" charset="-122"/>
+            </a:endParaRPr>
+          </a:p>
+          <a:p>
+            <a:endParaRPr lang="en-US" altLang="zh-CN" sz="1200" smtClean="0">
+              <a:latin typeface="微软雅黑" panose="020B0503020204020204" pitchFamily="34" charset="-122"/>
+              <a:ea typeface="微软雅黑" panose="020B0503020204020204" pitchFamily="34" charset="-122"/>
+            </a:endParaRPr>
+          </a:p>
+        </p:txBody>
+      </p:sp>
+      <p:sp>
+        <p:nvSpPr>
+          <p:cNvPr id="16" name="矩形 15"/>
+          <p:cNvSpPr/>
+          <p:nvPr/>
+        </p:nvSpPr>
+        <p:spPr>
+          <a:xfrm>
+            <a:off x="9369504" y="6622595"/>
+            <a:ext cx="1736373" cy="261610"/>
+          </a:xfrm>
+          <a:prstGeom prst="rect">
+            <a:avLst/>
+          </a:prstGeom>
+        </p:spPr>
+        <p:txBody>
+          <a:bodyPr wrap="none">
+            <a:spAutoFit/>
+          </a:bodyPr>
+          <a:lstStyle/>
+          <a:p>
+            <a:r>
+              <a:rPr lang="zh-CN" altLang="en-US" sz="1100">
+                <a:latin typeface="微软雅黑" panose="020B0503020204020204" pitchFamily="34" charset="-122"/>
+                <a:ea typeface="微软雅黑" panose="020B0503020204020204" pitchFamily="34" charset="-122"/>
+              </a:rPr>
+              <a:t>应该很容易懂，不解释了</a:t>
+            </a:r>
+            <a:endParaRPr lang="zh-CN" altLang="en-US" sz="1100">
+              <a:latin typeface="微软雅黑" panose="020B0503020204020204" pitchFamily="34" charset="-122"/>
+              <a:ea typeface="微软雅黑" panose="020B0503020204020204" pitchFamily="34" charset="-122"/>
+            </a:endParaRPr>
+          </a:p>
+        </p:txBody>
+      </p:sp>
     </p:spTree>
     <p:extLst>
       <p:ext uri="{BB962C8B-B14F-4D97-AF65-F5344CB8AC3E}">
-        <p14:creationId xmlns:p14="http://schemas.microsoft.com/office/powerpoint/2010/main" val="2734648422"/>
+        <p14:creationId xmlns:p14="http://schemas.microsoft.com/office/powerpoint/2010/main" val="1615298406"/>
       </p:ext>
     </p:extLst>
   </p:cSld>
@@ -7566,6 +9390,52 @@
           <a:chExt cx="0" cy="0"/>
         </a:xfrm>
       </p:grpSpPr>
+      <p:sp>
+        <p:nvSpPr>
+          <p:cNvPr id="2" name="文本框 1"/>
+          <p:cNvSpPr txBox="1"/>
+          <p:nvPr/>
+        </p:nvSpPr>
+        <p:spPr>
+          <a:xfrm>
+            <a:off x="3508310" y="1352939"/>
+            <a:ext cx="5569153" cy="369332"/>
+          </a:xfrm>
+          <a:prstGeom prst="rect">
+            <a:avLst/>
+          </a:prstGeom>
+          <a:noFill/>
+        </p:spPr>
+        <p:txBody>
+          <a:bodyPr wrap="none" rtlCol="0">
+            <a:spAutoFit/>
+          </a:bodyPr>
+          <a:lstStyle/>
+          <a:p>
+            <a:r>
+              <a:rPr lang="zh-CN" altLang="en-US" smtClean="0"/>
+              <a:t>待解决问题：广播</a:t>
+            </a:r>
+            <a:r>
+              <a:rPr lang="en-US" altLang="zh-CN" smtClean="0"/>
+              <a:t>+</a:t>
+            </a:r>
+            <a:r>
+              <a:rPr lang="zh-CN" altLang="en-US" smtClean="0"/>
+              <a:t>加速器</a:t>
+            </a:r>
+            <a:r>
+              <a:rPr lang="en-US" altLang="zh-CN" smtClean="0"/>
+              <a:t>+AddFile+AddJar</a:t>
+            </a:r>
+            <a:r>
+              <a:rPr lang="zh-CN" altLang="en-US" smtClean="0"/>
+              <a:t>的实现原理</a:t>
+            </a:r>
+            <a:endParaRPr lang="zh-CN" altLang="en-US"/>
+          </a:p>
+        </p:txBody>
+      </p:sp>
     </p:spTree>
     <p:extLst>
       <p:ext uri="{BB962C8B-B14F-4D97-AF65-F5344CB8AC3E}">
@@ -9704,7 +11574,7 @@
           <a:graphicData uri="http://schemas.openxmlformats.org/presentationml/2006/ole">
             <mc:AlternateContent xmlns:mc="http://schemas.openxmlformats.org/markup-compatibility/2006">
               <mc:Choice xmlns:v="urn:schemas-microsoft-com:vml" Requires="v">
-                <p:oleObj spid="_x0000_s2130" name="包装程序外壳对象" showAsIcon="1" r:id="rId4" imgW="1325880" imgH="354600" progId="Package">
+                <p:oleObj spid="_x0000_s2199" name="包装程序外壳对象" showAsIcon="1" r:id="rId4" imgW="1325880" imgH="354600" progId="Package">
                   <p:embed/>
                 </p:oleObj>
               </mc:Choice>

--- a/Spark阅读源码的笔记.pptx
+++ b/Spark阅读源码的笔记.pptx
@@ -28,20 +28,20 @@
     <p:sldId id="284" r:id="rId19"/>
     <p:sldId id="267" r:id="rId20"/>
     <p:sldId id="268" r:id="rId21"/>
-    <p:sldId id="265" r:id="rId22"/>
-    <p:sldId id="269" r:id="rId23"/>
-    <p:sldId id="270" r:id="rId24"/>
-    <p:sldId id="271" r:id="rId25"/>
-    <p:sldId id="272" r:id="rId26"/>
-    <p:sldId id="273" r:id="rId27"/>
-    <p:sldId id="274" r:id="rId28"/>
-    <p:sldId id="275" r:id="rId29"/>
-    <p:sldId id="276" r:id="rId30"/>
-    <p:sldId id="277" r:id="rId31"/>
-    <p:sldId id="278" r:id="rId32"/>
-    <p:sldId id="279" r:id="rId33"/>
-    <p:sldId id="280" r:id="rId34"/>
-    <p:sldId id="281" r:id="rId35"/>
+    <p:sldId id="272" r:id="rId22"/>
+    <p:sldId id="275" r:id="rId23"/>
+    <p:sldId id="276" r:id="rId24"/>
+    <p:sldId id="277" r:id="rId25"/>
+    <p:sldId id="278" r:id="rId26"/>
+    <p:sldId id="265" r:id="rId27"/>
+    <p:sldId id="280" r:id="rId28"/>
+    <p:sldId id="279" r:id="rId29"/>
+    <p:sldId id="281" r:id="rId30"/>
+    <p:sldId id="269" r:id="rId31"/>
+    <p:sldId id="270" r:id="rId32"/>
+    <p:sldId id="271" r:id="rId33"/>
+    <p:sldId id="273" r:id="rId34"/>
+    <p:sldId id="274" r:id="rId35"/>
   </p:sldIdLst>
   <p:sldSz cx="12192000" cy="6858000"/>
   <p:notesSz cx="6858000" cy="9144000"/>
@@ -230,7 +230,7 @@
           <a:p>
             <a:fld id="{E79BCF29-52E9-4B6F-BE17-814B78939943}" type="datetimeFigureOut">
               <a:rPr lang="zh-CN" altLang="en-US" smtClean="0"/>
-              <a:t>2017/4/6</a:t>
+              <a:t>2017/4/8</a:t>
             </a:fld>
             <a:endParaRPr lang="zh-CN" altLang="en-US"/>
           </a:p>
@@ -879,7 +879,6 @@
               <a:rPr lang="en-US" altLang="zh-CN" smtClean="0"/>
               <a:t>stage</a:t>
             </a:r>
-            <a:endParaRPr lang="en-US" altLang="zh-CN" smtClean="0"/>
           </a:p>
         </p:txBody>
       </p:sp>
@@ -1090,6 +1089,111 @@
     <p:extLst>
       <p:ext uri="{BB962C8B-B14F-4D97-AF65-F5344CB8AC3E}">
         <p14:creationId xmlns:p14="http://schemas.microsoft.com/office/powerpoint/2010/main" val="1863515519"/>
+      </p:ext>
+    </p:extLst>
+  </p:cSld>
+  <p:clrMapOvr>
+    <a:masterClrMapping/>
+  </p:clrMapOvr>
+</p:notes>
+</file>
+
+<file path=ppt/notesSlides/notesSlide7.xml><?xml version="1.0" encoding="utf-8"?>
+<p:notes xmlns:a="http://schemas.openxmlformats.org/drawingml/2006/main" xmlns:r="http://schemas.openxmlformats.org/officeDocument/2006/relationships" xmlns:p="http://schemas.openxmlformats.org/presentationml/2006/main">
+  <p:cSld>
+    <p:spTree>
+      <p:nvGrpSpPr>
+        <p:cNvPr id="1" name=""/>
+        <p:cNvGrpSpPr/>
+        <p:nvPr/>
+      </p:nvGrpSpPr>
+      <p:grpSpPr>
+        <a:xfrm>
+          <a:off x="0" y="0"/>
+          <a:ext cx="0" cy="0"/>
+          <a:chOff x="0" y="0"/>
+          <a:chExt cx="0" cy="0"/>
+        </a:xfrm>
+      </p:grpSpPr>
+      <p:sp>
+        <p:nvSpPr>
+          <p:cNvPr id="2" name="幻灯片图像占位符 1"/>
+          <p:cNvSpPr>
+            <a:spLocks noGrp="1" noRot="1" noChangeAspect="1"/>
+          </p:cNvSpPr>
+          <p:nvPr>
+            <p:ph type="sldImg"/>
+          </p:nvPr>
+        </p:nvSpPr>
+        <p:spPr/>
+      </p:sp>
+      <p:sp>
+        <p:nvSpPr>
+          <p:cNvPr id="3" name="备注占位符 2"/>
+          <p:cNvSpPr>
+            <a:spLocks noGrp="1"/>
+          </p:cNvSpPr>
+          <p:nvPr>
+            <p:ph type="body" idx="1"/>
+          </p:nvPr>
+        </p:nvSpPr>
+        <p:spPr/>
+        <p:txBody>
+          <a:bodyPr/>
+          <a:lstStyle/>
+          <a:p>
+            <a:pPr marL="0" marR="0" lvl="0" indent="0" algn="l" defTabSz="914400" rtl="0" eaLnBrk="1" fontAlgn="auto" latinLnBrk="0" hangingPunct="1">
+              <a:lnSpc>
+                <a:spcPct val="100000"/>
+              </a:lnSpc>
+              <a:spcBef>
+                <a:spcPts val="0"/>
+              </a:spcBef>
+              <a:spcAft>
+                <a:spcPts val="0"/>
+              </a:spcAft>
+              <a:buClrTx/>
+              <a:buSzTx/>
+              <a:buFontTx/>
+              <a:buNone/>
+              <a:tabLst/>
+              <a:defRPr/>
+            </a:pPr>
+            <a:r>
+              <a:rPr lang="en-US" altLang="zh-CN" smtClean="0"/>
+              <a:t>shuffleDep</a:t>
+            </a:r>
+            <a:endParaRPr lang="zh-CN" altLang="en-US"/>
+          </a:p>
+        </p:txBody>
+      </p:sp>
+      <p:sp>
+        <p:nvSpPr>
+          <p:cNvPr id="4" name="灯片编号占位符 3"/>
+          <p:cNvSpPr>
+            <a:spLocks noGrp="1"/>
+          </p:cNvSpPr>
+          <p:nvPr>
+            <p:ph type="sldNum" sz="quarter" idx="10"/>
+          </p:nvPr>
+        </p:nvSpPr>
+        <p:spPr/>
+        <p:txBody>
+          <a:bodyPr/>
+          <a:lstStyle/>
+          <a:p>
+            <a:fld id="{F8957E2C-20B6-4ABE-B68C-98AB9259DA1C}" type="slidenum">
+              <a:rPr lang="zh-CN" altLang="en-US" smtClean="0"/>
+              <a:t>24</a:t>
+            </a:fld>
+            <a:endParaRPr lang="zh-CN" altLang="en-US"/>
+          </a:p>
+        </p:txBody>
+      </p:sp>
+    </p:spTree>
+    <p:extLst>
+      <p:ext uri="{BB962C8B-B14F-4D97-AF65-F5344CB8AC3E}">
+        <p14:creationId xmlns:p14="http://schemas.microsoft.com/office/powerpoint/2010/main" val="1090175605"/>
       </p:ext>
     </p:extLst>
   </p:cSld>
@@ -1230,7 +1334,7 @@
           <a:p>
             <a:fld id="{0CD3BB8F-F75A-4DD3-9170-FD8E567AFB64}" type="datetimeFigureOut">
               <a:rPr lang="zh-CN" altLang="en-US" smtClean="0"/>
-              <a:t>2017/4/6</a:t>
+              <a:t>2017/4/8</a:t>
             </a:fld>
             <a:endParaRPr lang="zh-CN" altLang="en-US"/>
           </a:p>
@@ -1400,7 +1504,7 @@
           <a:p>
             <a:fld id="{0CD3BB8F-F75A-4DD3-9170-FD8E567AFB64}" type="datetimeFigureOut">
               <a:rPr lang="zh-CN" altLang="en-US" smtClean="0"/>
-              <a:t>2017/4/6</a:t>
+              <a:t>2017/4/8</a:t>
             </a:fld>
             <a:endParaRPr lang="zh-CN" altLang="en-US"/>
           </a:p>
@@ -1580,7 +1684,7 @@
           <a:p>
             <a:fld id="{0CD3BB8F-F75A-4DD3-9170-FD8E567AFB64}" type="datetimeFigureOut">
               <a:rPr lang="zh-CN" altLang="en-US" smtClean="0"/>
-              <a:t>2017/4/6</a:t>
+              <a:t>2017/4/8</a:t>
             </a:fld>
             <a:endParaRPr lang="zh-CN" altLang="en-US"/>
           </a:p>
@@ -1750,7 +1854,7 @@
           <a:p>
             <a:fld id="{0CD3BB8F-F75A-4DD3-9170-FD8E567AFB64}" type="datetimeFigureOut">
               <a:rPr lang="zh-CN" altLang="en-US" smtClean="0"/>
-              <a:t>2017/4/6</a:t>
+              <a:t>2017/4/8</a:t>
             </a:fld>
             <a:endParaRPr lang="zh-CN" altLang="en-US"/>
           </a:p>
@@ -1996,7 +2100,7 @@
           <a:p>
             <a:fld id="{0CD3BB8F-F75A-4DD3-9170-FD8E567AFB64}" type="datetimeFigureOut">
               <a:rPr lang="zh-CN" altLang="en-US" smtClean="0"/>
-              <a:t>2017/4/6</a:t>
+              <a:t>2017/4/8</a:t>
             </a:fld>
             <a:endParaRPr lang="zh-CN" altLang="en-US"/>
           </a:p>
@@ -2228,7 +2332,7 @@
           <a:p>
             <a:fld id="{0CD3BB8F-F75A-4DD3-9170-FD8E567AFB64}" type="datetimeFigureOut">
               <a:rPr lang="zh-CN" altLang="en-US" smtClean="0"/>
-              <a:t>2017/4/6</a:t>
+              <a:t>2017/4/8</a:t>
             </a:fld>
             <a:endParaRPr lang="zh-CN" altLang="en-US"/>
           </a:p>
@@ -2595,7 +2699,7 @@
           <a:p>
             <a:fld id="{0CD3BB8F-F75A-4DD3-9170-FD8E567AFB64}" type="datetimeFigureOut">
               <a:rPr lang="zh-CN" altLang="en-US" smtClean="0"/>
-              <a:t>2017/4/6</a:t>
+              <a:t>2017/4/8</a:t>
             </a:fld>
             <a:endParaRPr lang="zh-CN" altLang="en-US"/>
           </a:p>
@@ -2713,7 +2817,7 @@
           <a:p>
             <a:fld id="{0CD3BB8F-F75A-4DD3-9170-FD8E567AFB64}" type="datetimeFigureOut">
               <a:rPr lang="zh-CN" altLang="en-US" smtClean="0"/>
-              <a:t>2017/4/6</a:t>
+              <a:t>2017/4/8</a:t>
             </a:fld>
             <a:endParaRPr lang="zh-CN" altLang="en-US"/>
           </a:p>
@@ -2808,7 +2912,7 @@
           <a:p>
             <a:fld id="{0CD3BB8F-F75A-4DD3-9170-FD8E567AFB64}" type="datetimeFigureOut">
               <a:rPr lang="zh-CN" altLang="en-US" smtClean="0"/>
-              <a:t>2017/4/6</a:t>
+              <a:t>2017/4/8</a:t>
             </a:fld>
             <a:endParaRPr lang="zh-CN" altLang="en-US"/>
           </a:p>
@@ -3085,7 +3189,7 @@
           <a:p>
             <a:fld id="{0CD3BB8F-F75A-4DD3-9170-FD8E567AFB64}" type="datetimeFigureOut">
               <a:rPr lang="zh-CN" altLang="en-US" smtClean="0"/>
-              <a:t>2017/4/6</a:t>
+              <a:t>2017/4/8</a:t>
             </a:fld>
             <a:endParaRPr lang="zh-CN" altLang="en-US"/>
           </a:p>
@@ -3338,7 +3442,7 @@
           <a:p>
             <a:fld id="{0CD3BB8F-F75A-4DD3-9170-FD8E567AFB64}" type="datetimeFigureOut">
               <a:rPr lang="zh-CN" altLang="en-US" smtClean="0"/>
-              <a:t>2017/4/6</a:t>
+              <a:t>2017/4/8</a:t>
             </a:fld>
             <a:endParaRPr lang="zh-CN" altLang="en-US"/>
           </a:p>
@@ -3551,7 +3655,7 @@
           <a:p>
             <a:fld id="{0CD3BB8F-F75A-4DD3-9170-FD8E567AFB64}" type="datetimeFigureOut">
               <a:rPr lang="zh-CN" altLang="en-US" smtClean="0"/>
-              <a:t>2017/4/6</a:t>
+              <a:t>2017/4/8</a:t>
             </a:fld>
             <a:endParaRPr lang="zh-CN" altLang="en-US"/>
           </a:p>
@@ -7573,11 +7677,7 @@
             </a:r>
             <a:r>
               <a:rPr lang="en-US" altLang="zh-CN"/>
-              <a:t>RDD[T: </a:t>
-            </a:r>
-            <a:r>
-              <a:rPr lang="en-US" altLang="zh-CN"/>
-              <a:t>ClassTag</a:t>
+              <a:t>RDD[T: ClassTag</a:t>
             </a:r>
             <a:r>
               <a:rPr lang="en-US" altLang="zh-CN" smtClean="0"/>
@@ -7616,11 +7716,7 @@
             </a:r>
             <a:r>
               <a:rPr lang="en-US" altLang="zh-CN"/>
-              <a:t>deps: </a:t>
-            </a:r>
-            <a:r>
-              <a:rPr lang="en-US" altLang="zh-CN"/>
-              <a:t>Seq[Dependency</a:t>
+              <a:t>deps: Seq[Dependency</a:t>
             </a:r>
             <a:r>
               <a:rPr lang="en-US" altLang="zh-CN" smtClean="0"/>
@@ -7996,11 +8092,7 @@
             </a:r>
             <a:r>
               <a:rPr lang="zh-CN" altLang="en-US" sz="1400" b="1"/>
-              <a:t>的依赖关系</a:t>
-            </a:r>
-            <a:r>
-              <a:rPr lang="zh-CN" altLang="en-US" sz="1400" b="1"/>
-              <a:t>建立</a:t>
+              <a:t>的依赖关系建立</a:t>
             </a:r>
             <a:r>
               <a:rPr lang="zh-CN" altLang="en-US" sz="1400" b="1" smtClean="0"/>
@@ -8147,14 +8239,7 @@
                 <a:latin typeface="微软雅黑" panose="020B0503020204020204" pitchFamily="34" charset="-122"/>
                 <a:ea typeface="微软雅黑" panose="020B0503020204020204" pitchFamily="34" charset="-122"/>
               </a:rPr>
-              <a:t>.apache.spark.rdd.RDD</a:t>
-            </a:r>
-            <a:r>
-              <a:rPr lang="zh-CN" altLang="en-US" sz="1200">
-                <a:latin typeface="微软雅黑" panose="020B0503020204020204" pitchFamily="34" charset="-122"/>
-                <a:ea typeface="微软雅黑" panose="020B0503020204020204" pitchFamily="34" charset="-122"/>
-              </a:rPr>
-              <a:t>#</a:t>
+              <a:t>.apache.spark.rdd.RDD#</a:t>
             </a:r>
             <a:r>
               <a:rPr lang="zh-CN" altLang="en-US" sz="1200" smtClean="0">
@@ -8248,28 +8333,7 @@
                 <a:latin typeface="微软雅黑" panose="020B0503020204020204" pitchFamily="34" charset="-122"/>
                 <a:ea typeface="微软雅黑" panose="020B0503020204020204" pitchFamily="34" charset="-122"/>
               </a:rPr>
-              <a:t>查看org</a:t>
-            </a:r>
-            <a:r>
-              <a:rPr lang="zh-CN" altLang="en-US" sz="1200">
-                <a:latin typeface="微软雅黑" panose="020B0503020204020204" pitchFamily="34" charset="-122"/>
-                <a:ea typeface="微软雅黑" panose="020B0503020204020204" pitchFamily="34" charset="-122"/>
-              </a:rPr>
-              <a:t>.apache.spark.SparkContext#</a:t>
-            </a:r>
-            <a:r>
-              <a:rPr lang="zh-CN" altLang="en-US" sz="1200">
-                <a:latin typeface="微软雅黑" panose="020B0503020204020204" pitchFamily="34" charset="-122"/>
-                <a:ea typeface="微软雅黑" panose="020B0503020204020204" pitchFamily="34" charset="-122"/>
-              </a:rPr>
-              <a:t>union源码发现，创建了一</a:t>
-            </a:r>
-            <a:r>
-              <a:rPr lang="zh-CN" altLang="en-US" sz="1200">
-                <a:latin typeface="微软雅黑" panose="020B0503020204020204" pitchFamily="34" charset="-122"/>
-                <a:ea typeface="微软雅黑" panose="020B0503020204020204" pitchFamily="34" charset="-122"/>
-              </a:rPr>
-              <a:t>个</a:t>
+              <a:t>查看org.apache.spark.SparkContext#union源码发现，创建了一个</a:t>
             </a:r>
             <a:r>
               <a:rPr lang="en-US" altLang="zh-CN" sz="1200" smtClean="0">
@@ -8417,14 +8481,7 @@
                 <a:latin typeface="微软雅黑" panose="020B0503020204020204" pitchFamily="34" charset="-122"/>
                 <a:ea typeface="微软雅黑" panose="020B0503020204020204" pitchFamily="34" charset="-122"/>
               </a:rPr>
-              <a:t>主构造</a:t>
-            </a:r>
-            <a:r>
-              <a:rPr lang="zh-CN" altLang="en-US" sz="1200">
-                <a:latin typeface="微软雅黑" panose="020B0503020204020204" pitchFamily="34" charset="-122"/>
-                <a:ea typeface="微软雅黑" panose="020B0503020204020204" pitchFamily="34" charset="-122"/>
-              </a:rPr>
-              <a:t>器</a:t>
+              <a:t>主构造器</a:t>
             </a:r>
             <a:r>
               <a:rPr lang="zh-CN" altLang="en-US" sz="1200" smtClean="0">
@@ -8793,10 +8850,6 @@
               </a:rPr>
               <a:t>应该很容易懂，不解释了</a:t>
             </a:r>
-            <a:endParaRPr lang="zh-CN" altLang="en-US" sz="1100">
-              <a:latin typeface="微软雅黑" panose="020B0503020204020204" pitchFamily="34" charset="-122"/>
-              <a:ea typeface="微软雅黑" panose="020B0503020204020204" pitchFamily="34" charset="-122"/>
-            </a:endParaRPr>
           </a:p>
         </p:txBody>
       </p:sp>
@@ -9468,8 +9521,10 @@
       </p:grpSpPr>
       <p:pic>
         <p:nvPicPr>
-          <p:cNvPr id="2" name="图片 1" descr="spark-yarn2"/>
-          <p:cNvPicPr/>
+          <p:cNvPr id="2" name="图片 1"/>
+          <p:cNvPicPr>
+            <a:picLocks noChangeAspect="1"/>
+          </p:cNvPicPr>
           <p:nvPr/>
         </p:nvPicPr>
         <p:blipFill>
@@ -9480,8 +9535,32 @@
         </p:blipFill>
         <p:spPr>
           <a:xfrm>
-            <a:off x="1270907" y="1223871"/>
-            <a:ext cx="8717824" cy="4837295"/>
+            <a:off x="65314" y="0"/>
+            <a:ext cx="11474284" cy="2477675"/>
+          </a:xfrm>
+          <a:prstGeom prst="rect">
+            <a:avLst/>
+          </a:prstGeom>
+        </p:spPr>
+      </p:pic>
+      <p:pic>
+        <p:nvPicPr>
+          <p:cNvPr id="3" name="图片 2"/>
+          <p:cNvPicPr>
+            <a:picLocks noChangeAspect="1"/>
+          </p:cNvPicPr>
+          <p:nvPr/>
+        </p:nvPicPr>
+        <p:blipFill>
+          <a:blip r:embed="rId3"/>
+          <a:stretch>
+            <a:fillRect/>
+          </a:stretch>
+        </p:blipFill>
+        <p:spPr>
+          <a:xfrm>
+            <a:off x="65315" y="2477675"/>
+            <a:ext cx="11474284" cy="6302233"/>
           </a:xfrm>
           <a:prstGeom prst="rect">
             <a:avLst/>
@@ -9491,7 +9570,7 @@
     </p:spTree>
     <p:extLst>
       <p:ext uri="{BB962C8B-B14F-4D97-AF65-F5344CB8AC3E}">
-        <p14:creationId xmlns:p14="http://schemas.microsoft.com/office/powerpoint/2010/main" val="211708737"/>
+        <p14:creationId xmlns:p14="http://schemas.microsoft.com/office/powerpoint/2010/main" val="2581434329"/>
       </p:ext>
     </p:extLst>
   </p:cSld>
@@ -9504,6 +9583,14 @@
 <file path=ppt/slides/slide22.xml><?xml version="1.0" encoding="utf-8"?>
 <p:sld xmlns:a="http://schemas.openxmlformats.org/drawingml/2006/main" xmlns:r="http://schemas.openxmlformats.org/officeDocument/2006/relationships" xmlns:p="http://schemas.openxmlformats.org/presentationml/2006/main">
   <p:cSld>
+    <p:bg>
+      <p:bgPr>
+        <a:solidFill>
+          <a:srgbClr val="0070C0"/>
+        </a:solidFill>
+        <a:effectLst/>
+      </p:bgPr>
+    </p:bg>
     <p:spTree>
       <p:nvGrpSpPr>
         <p:cNvPr id="1" name=""/>
@@ -9518,10 +9605,258 @@
           <a:chExt cx="0" cy="0"/>
         </a:xfrm>
       </p:grpSpPr>
+      <p:sp>
+        <p:nvSpPr>
+          <p:cNvPr id="2" name="矩形 1"/>
+          <p:cNvSpPr/>
+          <p:nvPr/>
+        </p:nvSpPr>
+        <p:spPr>
+          <a:xfrm>
+            <a:off x="0" y="389166"/>
+            <a:ext cx="12192000" cy="3416320"/>
+          </a:xfrm>
+          <a:prstGeom prst="rect">
+            <a:avLst/>
+          </a:prstGeom>
+        </p:spPr>
+        <p:txBody>
+          <a:bodyPr wrap="square">
+            <a:spAutoFit/>
+          </a:bodyPr>
+          <a:lstStyle/>
+          <a:p>
+            <a:endParaRPr lang="en-US" altLang="zh-CN" smtClean="0"/>
+          </a:p>
+          <a:p>
+            <a:r>
+              <a:rPr lang="zh-CN" altLang="en-US" smtClean="0"/>
+              <a:t> </a:t>
+            </a:r>
+            <a:r>
+              <a:rPr lang="zh-CN" altLang="en-US"/>
+              <a:t>val r1 =sc.parallelize(List(1,2,</a:t>
+            </a:r>
+            <a:r>
+              <a:rPr lang="zh-CN" altLang="en-US"/>
+              <a:t>4</a:t>
+            </a:r>
+            <a:r>
+              <a:rPr lang="zh-CN" altLang="en-US" smtClean="0"/>
+              <a:t>))  </a:t>
+            </a:r>
+            <a:r>
+              <a:rPr lang="en-US" altLang="zh-CN"/>
+              <a:t>//org.apache.spark.rdd.RDD[Int] = ParallelCollectionRDD[1]</a:t>
+            </a:r>
+          </a:p>
+          <a:p>
+            <a:r>
+              <a:rPr lang="en-US" altLang="zh-CN" smtClean="0"/>
+              <a:t> val </a:t>
+            </a:r>
+            <a:r>
+              <a:rPr lang="en-US" altLang="zh-CN"/>
+              <a:t>r2 =</a:t>
+            </a:r>
+            <a:r>
+              <a:rPr lang="en-US" altLang="zh-CN"/>
+              <a:t>sc.parallelize(List(3,5</a:t>
+            </a:r>
+            <a:r>
+              <a:rPr lang="en-US" altLang="zh-CN"/>
+              <a:t>))     //org.apache.spark.rdd.RDD[Int] = ParallelCollectionRDD[2]</a:t>
+            </a:r>
+          </a:p>
+          <a:p>
+            <a:r>
+              <a:rPr lang="en-US" altLang="zh-CN" smtClean="0"/>
+              <a:t> val </a:t>
+            </a:r>
+            <a:r>
+              <a:rPr lang="en-US" altLang="zh-CN"/>
+              <a:t>r3  = </a:t>
+            </a:r>
+            <a:r>
+              <a:rPr lang="en-US" altLang="zh-CN"/>
+              <a:t>r1.union(r2</a:t>
+            </a:r>
+            <a:r>
+              <a:rPr lang="en-US" altLang="zh-CN"/>
+              <a:t>)      //org.apache.spark.rdd.RDD[Int] = </a:t>
+            </a:r>
+            <a:r>
+              <a:rPr lang="en-US" altLang="zh-CN"/>
+              <a:t>UnionRDD[3</a:t>
+            </a:r>
+            <a:r>
+              <a:rPr lang="en-US" altLang="zh-CN" smtClean="0"/>
+              <a:t>]</a:t>
+            </a:r>
+          </a:p>
+          <a:p>
+            <a:r>
+              <a:rPr lang="en-US" altLang="zh-CN"/>
+              <a:t> </a:t>
+            </a:r>
+            <a:r>
+              <a:rPr lang="en-US" altLang="zh-CN"/>
+              <a:t>val r4 = r3.map(x=&gt;(</a:t>
+            </a:r>
+            <a:r>
+              <a:rPr lang="en-US" altLang="zh-CN"/>
+              <a:t>x,x</a:t>
+            </a:r>
+            <a:r>
+              <a:rPr lang="en-US" altLang="zh-CN"/>
+              <a:t>))  //org.apache.spark.rdd.RDD[(Int, Int)] = </a:t>
+            </a:r>
+            <a:r>
+              <a:rPr lang="en-US" altLang="zh-CN"/>
+              <a:t>MapPartitionsRDD[31</a:t>
+            </a:r>
+            <a:r>
+              <a:rPr lang="en-US" altLang="zh-CN" smtClean="0"/>
+              <a:t>]</a:t>
+            </a:r>
+          </a:p>
+          <a:p>
+            <a:r>
+              <a:rPr lang="en-US" altLang="zh-CN" smtClean="0"/>
+              <a:t> val deps = r4.repartition(3</a:t>
+            </a:r>
+            <a:r>
+              <a:rPr lang="en-US" altLang="zh-CN"/>
+              <a:t>).groupByKey.dependencies </a:t>
+            </a:r>
+            <a:endParaRPr lang="en-US" altLang="zh-CN" smtClean="0"/>
+          </a:p>
+          <a:p>
+            <a:r>
+              <a:rPr lang="en-US" altLang="zh-CN"/>
+              <a:t>	</a:t>
+            </a:r>
+            <a:r>
+              <a:rPr lang="en-US" altLang="zh-CN" smtClean="0"/>
+              <a:t>	 // </a:t>
+            </a:r>
+            <a:r>
+              <a:rPr lang="en-US" altLang="zh-CN" smtClean="0">
+                <a:solidFill>
+                  <a:srgbClr val="FF0000"/>
+                </a:solidFill>
+              </a:rPr>
+              <a:t>Seq</a:t>
+            </a:r>
+            <a:r>
+              <a:rPr lang="en-US" altLang="zh-CN" smtClean="0"/>
+              <a:t>[org.apache.spark.Dependency</a:t>
+            </a:r>
+            <a:r>
+              <a:rPr lang="en-US" altLang="zh-CN"/>
+              <a:t>[_]] = </a:t>
+            </a:r>
+            <a:r>
+              <a:rPr lang="en-US" altLang="zh-CN">
+                <a:solidFill>
+                  <a:srgbClr val="FF0000"/>
+                </a:solidFill>
+              </a:rPr>
+              <a:t>List</a:t>
+            </a:r>
+            <a:r>
+              <a:rPr lang="en-US" altLang="zh-CN"/>
+              <a:t>(org.apache.spark.ShuffleDependency@3c9ce9c8</a:t>
+            </a:r>
+            <a:r>
+              <a:rPr lang="en-US" altLang="zh-CN" smtClean="0"/>
+              <a:t>)</a:t>
+            </a:r>
+          </a:p>
+          <a:p>
+            <a:r>
+              <a:rPr lang="en-US" altLang="zh-CN" smtClean="0"/>
+              <a:t>val </a:t>
+            </a:r>
+            <a:r>
+              <a:rPr lang="en-US" altLang="zh-CN"/>
+              <a:t>dep =r4.repartition(3).</a:t>
+            </a:r>
+            <a:r>
+              <a:rPr lang="en-US" altLang="zh-CN"/>
+              <a:t>groupByKey.dependencies(0) </a:t>
+            </a:r>
+            <a:endParaRPr lang="en-US" altLang="zh-CN" smtClean="0"/>
+          </a:p>
+          <a:p>
+            <a:r>
+              <a:rPr lang="en-US" altLang="zh-CN"/>
+              <a:t>	</a:t>
+            </a:r>
+            <a:r>
+              <a:rPr lang="en-US" altLang="zh-CN" smtClean="0"/>
+              <a:t>		// org.apache.spark.Dependency</a:t>
+            </a:r>
+            <a:r>
+              <a:rPr lang="en-US" altLang="zh-CN"/>
+              <a:t>[_] = org.apache.spark.</a:t>
+            </a:r>
+            <a:r>
+              <a:rPr lang="en-US" altLang="zh-CN">
+                <a:solidFill>
+                  <a:srgbClr val="FF0000"/>
+                </a:solidFill>
+              </a:rPr>
+              <a:t>ShuffleDependency</a:t>
+            </a:r>
+            <a:r>
+              <a:rPr lang="en-US" altLang="zh-CN"/>
+              <a:t>@7e0ea3e5</a:t>
+            </a:r>
+          </a:p>
+          <a:p>
+            <a:r>
+              <a:rPr lang="en-US" altLang="zh-CN"/>
+              <a:t>val depRdd = dep.rdd  // org.apache.spark.rdd.RDD[_] = </a:t>
+            </a:r>
+            <a:r>
+              <a:rPr lang="en-US" altLang="zh-CN"/>
+              <a:t>MapPartitionsRDD[35</a:t>
+            </a:r>
+            <a:r>
+              <a:rPr lang="en-US" altLang="zh-CN" smtClean="0"/>
+              <a:t>] </a:t>
+            </a:r>
+            <a:r>
+              <a:rPr lang="zh-CN" altLang="en-US" smtClean="0"/>
+              <a:t>获取</a:t>
+            </a:r>
+            <a:r>
+              <a:rPr lang="en-US" altLang="zh-CN" smtClean="0"/>
+              <a:t>shuffle</a:t>
+            </a:r>
+            <a:r>
+              <a:rPr lang="zh-CN" altLang="en-US" smtClean="0"/>
+              <a:t>依赖的</a:t>
+            </a:r>
+            <a:r>
+              <a:rPr lang="en-US" altLang="zh-CN" smtClean="0"/>
+              <a:t>RDD</a:t>
+            </a:r>
+            <a:endParaRPr lang="en-US" altLang="zh-CN"/>
+          </a:p>
+          <a:p>
+            <a:endParaRPr lang="en-US" altLang="zh-CN" smtClean="0"/>
+          </a:p>
+          <a:p>
+            <a:endParaRPr lang="zh-CN" altLang="en-US"/>
+          </a:p>
+        </p:txBody>
+      </p:sp>
     </p:spTree>
     <p:extLst>
       <p:ext uri="{BB962C8B-B14F-4D97-AF65-F5344CB8AC3E}">
-        <p14:creationId xmlns:p14="http://schemas.microsoft.com/office/powerpoint/2010/main" val="1677738275"/>
+        <p14:creationId xmlns:p14="http://schemas.microsoft.com/office/powerpoint/2010/main" val="2658604699"/>
       </p:ext>
     </p:extLst>
   </p:cSld>
@@ -9532,8 +9867,16 @@
 </file>
 
 <file path=ppt/slides/slide23.xml><?xml version="1.0" encoding="utf-8"?>
-<p:sld xmlns:a="http://schemas.openxmlformats.org/drawingml/2006/main" xmlns:r="http://schemas.openxmlformats.org/officeDocument/2006/relationships" xmlns:p="http://schemas.openxmlformats.org/presentationml/2006/main">
+<p:sld xmlns:a="http://schemas.openxmlformats.org/drawingml/2006/main" xmlns:r="http://schemas.openxmlformats.org/officeDocument/2006/relationships" xmlns:p="http://schemas.openxmlformats.org/presentationml/2006/main" show="0">
   <p:cSld>
+    <p:bg>
+      <p:bgPr>
+        <a:solidFill>
+          <a:srgbClr val="0070C0"/>
+        </a:solidFill>
+        <a:effectLst/>
+      </p:bgPr>
+    </p:bg>
     <p:spTree>
       <p:nvGrpSpPr>
         <p:cNvPr id="1" name=""/>
@@ -9548,22 +9891,1399 @@
           <a:chExt cx="0" cy="0"/>
         </a:xfrm>
       </p:grpSpPr>
+      <p:sp>
+        <p:nvSpPr>
+          <p:cNvPr id="2" name="矩形 1"/>
+          <p:cNvSpPr/>
+          <p:nvPr/>
+        </p:nvSpPr>
+        <p:spPr>
+          <a:xfrm>
+            <a:off x="867747" y="1884784"/>
+            <a:ext cx="1408922" cy="3554963"/>
+          </a:xfrm>
+          <a:prstGeom prst="rect">
+            <a:avLst/>
+          </a:prstGeom>
+          <a:solidFill>
+            <a:srgbClr val="00B050"/>
+          </a:solidFill>
+          <a:ln>
+            <a:solidFill>
+              <a:schemeClr val="tx1"/>
+            </a:solidFill>
+          </a:ln>
+        </p:spPr>
+        <p:style>
+          <a:lnRef idx="2">
+            <a:schemeClr val="accent1">
+              <a:shade val="50000"/>
+            </a:schemeClr>
+          </a:lnRef>
+          <a:fillRef idx="1">
+            <a:schemeClr val="accent1"/>
+          </a:fillRef>
+          <a:effectRef idx="0">
+            <a:schemeClr val="accent1"/>
+          </a:effectRef>
+          <a:fontRef idx="minor">
+            <a:schemeClr val="lt1"/>
+          </a:fontRef>
+        </p:style>
+        <p:txBody>
+          <a:bodyPr rtlCol="0" anchor="ctr"/>
+          <a:lstStyle/>
+          <a:p>
+            <a:pPr algn="ctr"/>
+            <a:endParaRPr lang="zh-CN" altLang="en-US"/>
+          </a:p>
+        </p:txBody>
+      </p:sp>
+      <p:sp>
+        <p:nvSpPr>
+          <p:cNvPr id="3" name="矩形 2"/>
+          <p:cNvSpPr/>
+          <p:nvPr/>
+        </p:nvSpPr>
+        <p:spPr>
+          <a:xfrm>
+            <a:off x="1143000" y="2108719"/>
+            <a:ext cx="858416" cy="475861"/>
+          </a:xfrm>
+          <a:prstGeom prst="rect">
+            <a:avLst/>
+          </a:prstGeom>
+          <a:solidFill>
+            <a:schemeClr val="accent4">
+              <a:lumMod val="20000"/>
+              <a:lumOff val="80000"/>
+            </a:schemeClr>
+          </a:solidFill>
+        </p:spPr>
+        <p:style>
+          <a:lnRef idx="2">
+            <a:schemeClr val="accent1">
+              <a:shade val="50000"/>
+            </a:schemeClr>
+          </a:lnRef>
+          <a:fillRef idx="1">
+            <a:schemeClr val="accent1"/>
+          </a:fillRef>
+          <a:effectRef idx="0">
+            <a:schemeClr val="accent1"/>
+          </a:effectRef>
+          <a:fontRef idx="minor">
+            <a:schemeClr val="lt1"/>
+          </a:fontRef>
+        </p:style>
+        <p:txBody>
+          <a:bodyPr rtlCol="0" anchor="ctr"/>
+          <a:lstStyle/>
+          <a:p>
+            <a:pPr algn="ctr"/>
+            <a:endParaRPr lang="zh-CN" altLang="en-US"/>
+          </a:p>
+        </p:txBody>
+      </p:sp>
+      <p:sp>
+        <p:nvSpPr>
+          <p:cNvPr id="4" name="矩形 3"/>
+          <p:cNvSpPr/>
+          <p:nvPr/>
+        </p:nvSpPr>
+        <p:spPr>
+          <a:xfrm>
+            <a:off x="1143000" y="3032450"/>
+            <a:ext cx="858416" cy="475861"/>
+          </a:xfrm>
+          <a:prstGeom prst="rect">
+            <a:avLst/>
+          </a:prstGeom>
+          <a:solidFill>
+            <a:schemeClr val="accent4">
+              <a:lumMod val="20000"/>
+              <a:lumOff val="80000"/>
+            </a:schemeClr>
+          </a:solidFill>
+        </p:spPr>
+        <p:style>
+          <a:lnRef idx="2">
+            <a:schemeClr val="accent1">
+              <a:shade val="50000"/>
+            </a:schemeClr>
+          </a:lnRef>
+          <a:fillRef idx="1">
+            <a:schemeClr val="accent1"/>
+          </a:fillRef>
+          <a:effectRef idx="0">
+            <a:schemeClr val="accent1"/>
+          </a:effectRef>
+          <a:fontRef idx="minor">
+            <a:schemeClr val="lt1"/>
+          </a:fontRef>
+        </p:style>
+        <p:txBody>
+          <a:bodyPr rtlCol="0" anchor="ctr"/>
+          <a:lstStyle/>
+          <a:p>
+            <a:pPr algn="ctr"/>
+            <a:endParaRPr lang="zh-CN" altLang="en-US"/>
+          </a:p>
+        </p:txBody>
+      </p:sp>
+      <p:sp>
+        <p:nvSpPr>
+          <p:cNvPr id="5" name="矩形 4"/>
+          <p:cNvSpPr/>
+          <p:nvPr/>
+        </p:nvSpPr>
+        <p:spPr>
+          <a:xfrm>
+            <a:off x="1143000" y="3862875"/>
+            <a:ext cx="858416" cy="475861"/>
+          </a:xfrm>
+          <a:prstGeom prst="rect">
+            <a:avLst/>
+          </a:prstGeom>
+          <a:solidFill>
+            <a:schemeClr val="accent4">
+              <a:lumMod val="20000"/>
+              <a:lumOff val="80000"/>
+            </a:schemeClr>
+          </a:solidFill>
+        </p:spPr>
+        <p:style>
+          <a:lnRef idx="2">
+            <a:schemeClr val="accent1">
+              <a:shade val="50000"/>
+            </a:schemeClr>
+          </a:lnRef>
+          <a:fillRef idx="1">
+            <a:schemeClr val="accent1"/>
+          </a:fillRef>
+          <a:effectRef idx="0">
+            <a:schemeClr val="accent1"/>
+          </a:effectRef>
+          <a:fontRef idx="minor">
+            <a:schemeClr val="lt1"/>
+          </a:fontRef>
+        </p:style>
+        <p:txBody>
+          <a:bodyPr rtlCol="0" anchor="ctr"/>
+          <a:lstStyle/>
+          <a:p>
+            <a:pPr algn="ctr"/>
+            <a:endParaRPr lang="zh-CN" altLang="en-US"/>
+          </a:p>
+        </p:txBody>
+      </p:sp>
+      <p:sp>
+        <p:nvSpPr>
+          <p:cNvPr id="6" name="矩形 5"/>
+          <p:cNvSpPr/>
+          <p:nvPr/>
+        </p:nvSpPr>
+        <p:spPr>
+          <a:xfrm>
+            <a:off x="1143000" y="4786606"/>
+            <a:ext cx="858416" cy="475861"/>
+          </a:xfrm>
+          <a:prstGeom prst="rect">
+            <a:avLst/>
+          </a:prstGeom>
+          <a:solidFill>
+            <a:schemeClr val="accent4">
+              <a:lumMod val="20000"/>
+              <a:lumOff val="80000"/>
+            </a:schemeClr>
+          </a:solidFill>
+        </p:spPr>
+        <p:style>
+          <a:lnRef idx="2">
+            <a:schemeClr val="accent1">
+              <a:shade val="50000"/>
+            </a:schemeClr>
+          </a:lnRef>
+          <a:fillRef idx="1">
+            <a:schemeClr val="accent1"/>
+          </a:fillRef>
+          <a:effectRef idx="0">
+            <a:schemeClr val="accent1"/>
+          </a:effectRef>
+          <a:fontRef idx="minor">
+            <a:schemeClr val="lt1"/>
+          </a:fontRef>
+        </p:style>
+        <p:txBody>
+          <a:bodyPr rtlCol="0" anchor="ctr"/>
+          <a:lstStyle/>
+          <a:p>
+            <a:pPr algn="ctr"/>
+            <a:endParaRPr lang="zh-CN" altLang="en-US"/>
+          </a:p>
+        </p:txBody>
+      </p:sp>
+      <p:sp>
+        <p:nvSpPr>
+          <p:cNvPr id="7" name="文本框 6"/>
+          <p:cNvSpPr txBox="1"/>
+          <p:nvPr/>
+        </p:nvSpPr>
+        <p:spPr>
+          <a:xfrm>
+            <a:off x="1268963" y="2079184"/>
+            <a:ext cx="732453" cy="523220"/>
+          </a:xfrm>
+          <a:prstGeom prst="rect">
+            <a:avLst/>
+          </a:prstGeom>
+          <a:noFill/>
+        </p:spPr>
+        <p:txBody>
+          <a:bodyPr wrap="square" rtlCol="0">
+            <a:spAutoFit/>
+          </a:bodyPr>
+          <a:lstStyle/>
+          <a:p>
+            <a:r>
+              <a:rPr lang="en-US" altLang="zh-CN" sz="1400" smtClean="0"/>
+              <a:t>(1,1)</a:t>
+            </a:r>
+          </a:p>
+          <a:p>
+            <a:r>
+              <a:rPr lang="en-US" altLang="zh-CN" sz="1400" smtClean="0"/>
+              <a:t>(2,2)</a:t>
+            </a:r>
+            <a:endParaRPr lang="zh-CN" altLang="en-US" sz="1400"/>
+          </a:p>
+        </p:txBody>
+      </p:sp>
+      <p:sp>
+        <p:nvSpPr>
+          <p:cNvPr id="8" name="矩形 7"/>
+          <p:cNvSpPr/>
+          <p:nvPr/>
+        </p:nvSpPr>
+        <p:spPr>
+          <a:xfrm>
+            <a:off x="1268963" y="3032450"/>
+            <a:ext cx="521297" cy="523220"/>
+          </a:xfrm>
+          <a:prstGeom prst="rect">
+            <a:avLst/>
+          </a:prstGeom>
+        </p:spPr>
+        <p:txBody>
+          <a:bodyPr wrap="none">
+            <a:spAutoFit/>
+          </a:bodyPr>
+          <a:lstStyle/>
+          <a:p>
+            <a:r>
+              <a:rPr lang="en-US" altLang="zh-CN" sz="1400"/>
+              <a:t>(</a:t>
+            </a:r>
+            <a:r>
+              <a:rPr lang="en-US" altLang="zh-CN" sz="1400"/>
+              <a:t>3,3</a:t>
+            </a:r>
+            <a:r>
+              <a:rPr lang="en-US" altLang="zh-CN" sz="1400" smtClean="0"/>
+              <a:t>)</a:t>
+            </a:r>
+          </a:p>
+          <a:p>
+            <a:r>
+              <a:rPr lang="en-US" altLang="zh-CN" sz="1400"/>
+              <a:t> </a:t>
+            </a:r>
+            <a:r>
+              <a:rPr lang="en-US" altLang="zh-CN" sz="1400" smtClean="0"/>
+              <a:t> </a:t>
+            </a:r>
+            <a:r>
+              <a:rPr lang="en-US" altLang="zh-CN" sz="1200" smtClean="0"/>
+              <a:t>….</a:t>
+            </a:r>
+            <a:endParaRPr lang="zh-CN" altLang="en-US" sz="1200"/>
+          </a:p>
+        </p:txBody>
+      </p:sp>
+      <p:sp>
+        <p:nvSpPr>
+          <p:cNvPr id="9" name="文本框 8"/>
+          <p:cNvSpPr txBox="1"/>
+          <p:nvPr/>
+        </p:nvSpPr>
+        <p:spPr>
+          <a:xfrm>
+            <a:off x="1329075" y="3910234"/>
+            <a:ext cx="401072" cy="369332"/>
+          </a:xfrm>
+          <a:prstGeom prst="rect">
+            <a:avLst/>
+          </a:prstGeom>
+          <a:noFill/>
+        </p:spPr>
+        <p:txBody>
+          <a:bodyPr wrap="none" rtlCol="0">
+            <a:spAutoFit/>
+          </a:bodyPr>
+          <a:lstStyle/>
+          <a:p>
+            <a:r>
+              <a:rPr lang="en-US" altLang="zh-CN" smtClean="0"/>
+              <a:t>….</a:t>
+            </a:r>
+            <a:endParaRPr lang="zh-CN" altLang="en-US"/>
+          </a:p>
+        </p:txBody>
+      </p:sp>
+      <p:sp>
+        <p:nvSpPr>
+          <p:cNvPr id="11" name="文本框 10"/>
+          <p:cNvSpPr txBox="1"/>
+          <p:nvPr/>
+        </p:nvSpPr>
+        <p:spPr>
+          <a:xfrm>
+            <a:off x="1329075" y="4786606"/>
+            <a:ext cx="401072" cy="369332"/>
+          </a:xfrm>
+          <a:prstGeom prst="rect">
+            <a:avLst/>
+          </a:prstGeom>
+          <a:noFill/>
+        </p:spPr>
+        <p:txBody>
+          <a:bodyPr wrap="none" rtlCol="0">
+            <a:spAutoFit/>
+          </a:bodyPr>
+          <a:lstStyle/>
+          <a:p>
+            <a:r>
+              <a:rPr lang="en-US" altLang="zh-CN" smtClean="0"/>
+              <a:t>….</a:t>
+            </a:r>
+            <a:endParaRPr lang="zh-CN" altLang="en-US"/>
+          </a:p>
+        </p:txBody>
+      </p:sp>
+      <p:sp>
+        <p:nvSpPr>
+          <p:cNvPr id="12" name="矩形 11"/>
+          <p:cNvSpPr/>
+          <p:nvPr/>
+        </p:nvSpPr>
+        <p:spPr>
+          <a:xfrm>
+            <a:off x="3125755" y="2491274"/>
+            <a:ext cx="1189823" cy="2314214"/>
+          </a:xfrm>
+          <a:prstGeom prst="rect">
+            <a:avLst/>
+          </a:prstGeom>
+          <a:solidFill>
+            <a:srgbClr val="00B050"/>
+          </a:solidFill>
+          <a:ln>
+            <a:solidFill>
+              <a:schemeClr val="tx1"/>
+            </a:solidFill>
+          </a:ln>
+        </p:spPr>
+        <p:style>
+          <a:lnRef idx="2">
+            <a:schemeClr val="accent1">
+              <a:shade val="50000"/>
+            </a:schemeClr>
+          </a:lnRef>
+          <a:fillRef idx="1">
+            <a:schemeClr val="accent1"/>
+          </a:fillRef>
+          <a:effectRef idx="0">
+            <a:schemeClr val="accent1"/>
+          </a:effectRef>
+          <a:fontRef idx="minor">
+            <a:schemeClr val="lt1"/>
+          </a:fontRef>
+        </p:style>
+        <p:txBody>
+          <a:bodyPr rtlCol="0" anchor="ctr"/>
+          <a:lstStyle/>
+          <a:p>
+            <a:pPr algn="ctr"/>
+            <a:endParaRPr lang="zh-CN" altLang="en-US"/>
+          </a:p>
+        </p:txBody>
+      </p:sp>
+      <p:sp>
+        <p:nvSpPr>
+          <p:cNvPr id="13" name="矩形 12"/>
+          <p:cNvSpPr/>
+          <p:nvPr/>
+        </p:nvSpPr>
+        <p:spPr>
+          <a:xfrm>
+            <a:off x="3363685" y="2920483"/>
+            <a:ext cx="737118" cy="424124"/>
+          </a:xfrm>
+          <a:prstGeom prst="rect">
+            <a:avLst/>
+          </a:prstGeom>
+          <a:solidFill>
+            <a:schemeClr val="accent4">
+              <a:lumMod val="20000"/>
+              <a:lumOff val="80000"/>
+            </a:schemeClr>
+          </a:solidFill>
+        </p:spPr>
+        <p:style>
+          <a:lnRef idx="2">
+            <a:schemeClr val="accent1">
+              <a:shade val="50000"/>
+            </a:schemeClr>
+          </a:lnRef>
+          <a:fillRef idx="1">
+            <a:schemeClr val="accent1"/>
+          </a:fillRef>
+          <a:effectRef idx="0">
+            <a:schemeClr val="accent1"/>
+          </a:effectRef>
+          <a:fontRef idx="minor">
+            <a:schemeClr val="lt1"/>
+          </a:fontRef>
+        </p:style>
+        <p:txBody>
+          <a:bodyPr rtlCol="0" anchor="ctr"/>
+          <a:lstStyle/>
+          <a:p>
+            <a:pPr algn="ctr"/>
+            <a:endParaRPr lang="zh-CN" altLang="en-US"/>
+          </a:p>
+        </p:txBody>
+      </p:sp>
+      <p:sp>
+        <p:nvSpPr>
+          <p:cNvPr id="14" name="矩形 13"/>
+          <p:cNvSpPr/>
+          <p:nvPr/>
+        </p:nvSpPr>
+        <p:spPr>
+          <a:xfrm>
+            <a:off x="3352106" y="4059557"/>
+            <a:ext cx="737119" cy="440018"/>
+          </a:xfrm>
+          <a:prstGeom prst="rect">
+            <a:avLst/>
+          </a:prstGeom>
+          <a:solidFill>
+            <a:schemeClr val="accent4">
+              <a:lumMod val="20000"/>
+              <a:lumOff val="80000"/>
+            </a:schemeClr>
+          </a:solidFill>
+        </p:spPr>
+        <p:style>
+          <a:lnRef idx="2">
+            <a:schemeClr val="accent1">
+              <a:shade val="50000"/>
+            </a:schemeClr>
+          </a:lnRef>
+          <a:fillRef idx="1">
+            <a:schemeClr val="accent1"/>
+          </a:fillRef>
+          <a:effectRef idx="0">
+            <a:schemeClr val="accent1"/>
+          </a:effectRef>
+          <a:fontRef idx="minor">
+            <a:schemeClr val="lt1"/>
+          </a:fontRef>
+        </p:style>
+        <p:txBody>
+          <a:bodyPr rtlCol="0" anchor="ctr"/>
+          <a:lstStyle/>
+          <a:p>
+            <a:pPr algn="ctr"/>
+            <a:endParaRPr lang="zh-CN" altLang="en-US"/>
+          </a:p>
+        </p:txBody>
+      </p:sp>
+      <p:cxnSp>
+        <p:nvCxnSpPr>
+          <p:cNvPr id="16" name="直接箭头连接符 15"/>
+          <p:cNvCxnSpPr>
+            <a:stCxn id="7" idx="3"/>
+          </p:cNvCxnSpPr>
+          <p:nvPr/>
+        </p:nvCxnSpPr>
+        <p:spPr>
+          <a:xfrm>
+            <a:off x="2001416" y="2340794"/>
+            <a:ext cx="1350690" cy="791751"/>
+          </a:xfrm>
+          <a:prstGeom prst="straightConnector1">
+            <a:avLst/>
+          </a:prstGeom>
+          <a:ln>
+            <a:solidFill>
+              <a:schemeClr val="tx1">
+                <a:lumMod val="85000"/>
+                <a:lumOff val="15000"/>
+              </a:schemeClr>
+            </a:solidFill>
+            <a:tailEnd type="triangle"/>
+          </a:ln>
+        </p:spPr>
+        <p:style>
+          <a:lnRef idx="1">
+            <a:schemeClr val="accent1"/>
+          </a:lnRef>
+          <a:fillRef idx="0">
+            <a:schemeClr val="accent1"/>
+          </a:fillRef>
+          <a:effectRef idx="0">
+            <a:schemeClr val="accent1"/>
+          </a:effectRef>
+          <a:fontRef idx="minor">
+            <a:schemeClr val="tx1"/>
+          </a:fontRef>
+        </p:style>
+      </p:cxnSp>
+      <p:cxnSp>
+        <p:nvCxnSpPr>
+          <p:cNvPr id="19" name="直接箭头连接符 18"/>
+          <p:cNvCxnSpPr/>
+          <p:nvPr/>
+        </p:nvCxnSpPr>
+        <p:spPr>
+          <a:xfrm flipV="1">
+            <a:off x="2001416" y="3132545"/>
+            <a:ext cx="1350690" cy="144978"/>
+          </a:xfrm>
+          <a:prstGeom prst="straightConnector1">
+            <a:avLst/>
+          </a:prstGeom>
+          <a:ln>
+            <a:solidFill>
+              <a:schemeClr val="tx1">
+                <a:lumMod val="85000"/>
+                <a:lumOff val="15000"/>
+              </a:schemeClr>
+            </a:solidFill>
+            <a:tailEnd type="triangle"/>
+          </a:ln>
+        </p:spPr>
+        <p:style>
+          <a:lnRef idx="1">
+            <a:schemeClr val="accent1"/>
+          </a:lnRef>
+          <a:fillRef idx="0">
+            <a:schemeClr val="accent1"/>
+          </a:fillRef>
+          <a:effectRef idx="0">
+            <a:schemeClr val="accent1"/>
+          </a:effectRef>
+          <a:fontRef idx="minor">
+            <a:schemeClr val="tx1"/>
+          </a:fontRef>
+        </p:style>
+      </p:cxnSp>
+      <p:cxnSp>
+        <p:nvCxnSpPr>
+          <p:cNvPr id="23" name="直接箭头连接符 22"/>
+          <p:cNvCxnSpPr/>
+          <p:nvPr/>
+        </p:nvCxnSpPr>
+        <p:spPr>
+          <a:xfrm flipV="1">
+            <a:off x="2011504" y="3158618"/>
+            <a:ext cx="1350690" cy="909480"/>
+          </a:xfrm>
+          <a:prstGeom prst="straightConnector1">
+            <a:avLst/>
+          </a:prstGeom>
+          <a:ln>
+            <a:solidFill>
+              <a:schemeClr val="tx1">
+                <a:lumMod val="85000"/>
+                <a:lumOff val="15000"/>
+              </a:schemeClr>
+            </a:solidFill>
+            <a:tailEnd type="triangle"/>
+          </a:ln>
+        </p:spPr>
+        <p:style>
+          <a:lnRef idx="1">
+            <a:schemeClr val="accent1"/>
+          </a:lnRef>
+          <a:fillRef idx="0">
+            <a:schemeClr val="accent1"/>
+          </a:fillRef>
+          <a:effectRef idx="0">
+            <a:schemeClr val="accent1"/>
+          </a:effectRef>
+          <a:fontRef idx="minor">
+            <a:schemeClr val="tx1"/>
+          </a:fontRef>
+        </p:style>
+      </p:cxnSp>
+      <p:cxnSp>
+        <p:nvCxnSpPr>
+          <p:cNvPr id="25" name="直接箭头连接符 24"/>
+          <p:cNvCxnSpPr/>
+          <p:nvPr/>
+        </p:nvCxnSpPr>
+        <p:spPr>
+          <a:xfrm flipV="1">
+            <a:off x="2001416" y="3225851"/>
+            <a:ext cx="1350690" cy="1804860"/>
+          </a:xfrm>
+          <a:prstGeom prst="straightConnector1">
+            <a:avLst/>
+          </a:prstGeom>
+          <a:ln>
+            <a:solidFill>
+              <a:schemeClr val="tx1">
+                <a:lumMod val="85000"/>
+                <a:lumOff val="15000"/>
+              </a:schemeClr>
+            </a:solidFill>
+            <a:tailEnd type="triangle"/>
+          </a:ln>
+        </p:spPr>
+        <p:style>
+          <a:lnRef idx="1">
+            <a:schemeClr val="accent1"/>
+          </a:lnRef>
+          <a:fillRef idx="0">
+            <a:schemeClr val="accent1"/>
+          </a:fillRef>
+          <a:effectRef idx="0">
+            <a:schemeClr val="accent1"/>
+          </a:effectRef>
+          <a:fontRef idx="minor">
+            <a:schemeClr val="tx1"/>
+          </a:fontRef>
+        </p:style>
+      </p:cxnSp>
+      <p:cxnSp>
+        <p:nvCxnSpPr>
+          <p:cNvPr id="29" name="直接箭头连接符 28"/>
+          <p:cNvCxnSpPr>
+            <a:endCxn id="14" idx="1"/>
+          </p:cNvCxnSpPr>
+          <p:nvPr/>
+        </p:nvCxnSpPr>
+        <p:spPr>
+          <a:xfrm>
+            <a:off x="2012995" y="2362380"/>
+            <a:ext cx="1339111" cy="1917186"/>
+          </a:xfrm>
+          <a:prstGeom prst="straightConnector1">
+            <a:avLst/>
+          </a:prstGeom>
+          <a:ln>
+            <a:solidFill>
+              <a:schemeClr val="tx1">
+                <a:lumMod val="85000"/>
+                <a:lumOff val="15000"/>
+              </a:schemeClr>
+            </a:solidFill>
+            <a:tailEnd type="triangle"/>
+          </a:ln>
+        </p:spPr>
+        <p:style>
+          <a:lnRef idx="1">
+            <a:schemeClr val="accent1"/>
+          </a:lnRef>
+          <a:fillRef idx="0">
+            <a:schemeClr val="accent1"/>
+          </a:fillRef>
+          <a:effectRef idx="0">
+            <a:schemeClr val="accent1"/>
+          </a:effectRef>
+          <a:fontRef idx="minor">
+            <a:schemeClr val="tx1"/>
+          </a:fontRef>
+        </p:style>
+      </p:cxnSp>
+      <p:cxnSp>
+        <p:nvCxnSpPr>
+          <p:cNvPr id="31" name="直接箭头连接符 30"/>
+          <p:cNvCxnSpPr/>
+          <p:nvPr/>
+        </p:nvCxnSpPr>
+        <p:spPr>
+          <a:xfrm>
+            <a:off x="2001416" y="3293497"/>
+            <a:ext cx="1339111" cy="1006565"/>
+          </a:xfrm>
+          <a:prstGeom prst="straightConnector1">
+            <a:avLst/>
+          </a:prstGeom>
+          <a:ln>
+            <a:solidFill>
+              <a:schemeClr val="tx1">
+                <a:lumMod val="85000"/>
+                <a:lumOff val="15000"/>
+              </a:schemeClr>
+            </a:solidFill>
+            <a:tailEnd type="triangle"/>
+          </a:ln>
+        </p:spPr>
+        <p:style>
+          <a:lnRef idx="1">
+            <a:schemeClr val="accent1"/>
+          </a:lnRef>
+          <a:fillRef idx="0">
+            <a:schemeClr val="accent1"/>
+          </a:fillRef>
+          <a:effectRef idx="0">
+            <a:schemeClr val="accent1"/>
+          </a:effectRef>
+          <a:fontRef idx="minor">
+            <a:schemeClr val="tx1"/>
+          </a:fontRef>
+        </p:style>
+      </p:cxnSp>
+      <p:cxnSp>
+        <p:nvCxnSpPr>
+          <p:cNvPr id="33" name="直接箭头连接符 32"/>
+          <p:cNvCxnSpPr>
+            <a:endCxn id="14" idx="1"/>
+          </p:cNvCxnSpPr>
+          <p:nvPr/>
+        </p:nvCxnSpPr>
+        <p:spPr>
+          <a:xfrm>
+            <a:off x="1974718" y="4056276"/>
+            <a:ext cx="1377388" cy="223290"/>
+          </a:xfrm>
+          <a:prstGeom prst="straightConnector1">
+            <a:avLst/>
+          </a:prstGeom>
+          <a:ln>
+            <a:solidFill>
+              <a:schemeClr val="tx1">
+                <a:lumMod val="85000"/>
+                <a:lumOff val="15000"/>
+              </a:schemeClr>
+            </a:solidFill>
+            <a:tailEnd type="triangle"/>
+          </a:ln>
+        </p:spPr>
+        <p:style>
+          <a:lnRef idx="1">
+            <a:schemeClr val="accent1"/>
+          </a:lnRef>
+          <a:fillRef idx="0">
+            <a:schemeClr val="accent1"/>
+          </a:fillRef>
+          <a:effectRef idx="0">
+            <a:schemeClr val="accent1"/>
+          </a:effectRef>
+          <a:fontRef idx="minor">
+            <a:schemeClr val="tx1"/>
+          </a:fontRef>
+        </p:style>
+      </p:cxnSp>
+      <p:cxnSp>
+        <p:nvCxnSpPr>
+          <p:cNvPr id="35" name="直接箭头连接符 34"/>
+          <p:cNvCxnSpPr>
+            <a:endCxn id="14" idx="1"/>
+          </p:cNvCxnSpPr>
+          <p:nvPr/>
+        </p:nvCxnSpPr>
+        <p:spPr>
+          <a:xfrm flipV="1">
+            <a:off x="2001416" y="4279566"/>
+            <a:ext cx="1350690" cy="728953"/>
+          </a:xfrm>
+          <a:prstGeom prst="straightConnector1">
+            <a:avLst/>
+          </a:prstGeom>
+          <a:ln>
+            <a:solidFill>
+              <a:schemeClr val="tx1">
+                <a:lumMod val="85000"/>
+                <a:lumOff val="15000"/>
+              </a:schemeClr>
+            </a:solidFill>
+            <a:tailEnd type="triangle"/>
+          </a:ln>
+        </p:spPr>
+        <p:style>
+          <a:lnRef idx="1">
+            <a:schemeClr val="accent1"/>
+          </a:lnRef>
+          <a:fillRef idx="0">
+            <a:schemeClr val="accent1"/>
+          </a:fillRef>
+          <a:effectRef idx="0">
+            <a:schemeClr val="accent1"/>
+          </a:effectRef>
+          <a:fontRef idx="minor">
+            <a:schemeClr val="tx1"/>
+          </a:fontRef>
+        </p:style>
+      </p:cxnSp>
+      <p:cxnSp>
+        <p:nvCxnSpPr>
+          <p:cNvPr id="48" name="直接箭头连接符 47"/>
+          <p:cNvCxnSpPr/>
+          <p:nvPr/>
+        </p:nvCxnSpPr>
+        <p:spPr>
+          <a:xfrm>
+            <a:off x="2612571" y="4668179"/>
+            <a:ext cx="919137" cy="1314455"/>
+          </a:xfrm>
+          <a:prstGeom prst="straightConnector1">
+            <a:avLst/>
+          </a:prstGeom>
+          <a:ln>
+            <a:tailEnd type="triangle"/>
+          </a:ln>
+        </p:spPr>
+        <p:style>
+          <a:lnRef idx="1">
+            <a:schemeClr val="accent1"/>
+          </a:lnRef>
+          <a:fillRef idx="0">
+            <a:schemeClr val="accent1"/>
+          </a:fillRef>
+          <a:effectRef idx="0">
+            <a:schemeClr val="accent1"/>
+          </a:effectRef>
+          <a:fontRef idx="minor">
+            <a:schemeClr val="tx1"/>
+          </a:fontRef>
+        </p:style>
+      </p:cxnSp>
+      <p:sp>
+        <p:nvSpPr>
+          <p:cNvPr id="50" name="文本框 49"/>
+          <p:cNvSpPr txBox="1"/>
+          <p:nvPr/>
+        </p:nvSpPr>
+        <p:spPr>
+          <a:xfrm>
+            <a:off x="2932284" y="5982635"/>
+            <a:ext cx="1302921" cy="369332"/>
+          </a:xfrm>
+          <a:prstGeom prst="rect">
+            <a:avLst/>
+          </a:prstGeom>
+          <a:noFill/>
+        </p:spPr>
+        <p:txBody>
+          <a:bodyPr wrap="none" rtlCol="0">
+            <a:spAutoFit/>
+          </a:bodyPr>
+          <a:lstStyle/>
+          <a:p>
+            <a:r>
+              <a:rPr lang="en-US" altLang="zh-CN" smtClean="0">
+                <a:solidFill>
+                  <a:srgbClr val="FF0000"/>
+                </a:solidFill>
+              </a:rPr>
+              <a:t>Shuffle</a:t>
+            </a:r>
+            <a:r>
+              <a:rPr lang="zh-CN" altLang="en-US" smtClean="0">
+                <a:solidFill>
+                  <a:srgbClr val="FF0000"/>
+                </a:solidFill>
+              </a:rPr>
+              <a:t>过程</a:t>
+            </a:r>
+            <a:endParaRPr lang="zh-CN" altLang="en-US">
+              <a:solidFill>
+                <a:srgbClr val="FF0000"/>
+              </a:solidFill>
+            </a:endParaRPr>
+          </a:p>
+        </p:txBody>
+      </p:sp>
+      <p:sp>
+        <p:nvSpPr>
+          <p:cNvPr id="52" name="矩形 51"/>
+          <p:cNvSpPr/>
+          <p:nvPr/>
+        </p:nvSpPr>
+        <p:spPr>
+          <a:xfrm>
+            <a:off x="5164664" y="2920483"/>
+            <a:ext cx="821094" cy="1565646"/>
+          </a:xfrm>
+          <a:prstGeom prst="rect">
+            <a:avLst/>
+          </a:prstGeom>
+          <a:solidFill>
+            <a:srgbClr val="00B050"/>
+          </a:solidFill>
+          <a:ln>
+            <a:solidFill>
+              <a:schemeClr val="tx1"/>
+            </a:solidFill>
+          </a:ln>
+        </p:spPr>
+        <p:style>
+          <a:lnRef idx="2">
+            <a:schemeClr val="accent1">
+              <a:shade val="50000"/>
+            </a:schemeClr>
+          </a:lnRef>
+          <a:fillRef idx="1">
+            <a:schemeClr val="accent1"/>
+          </a:fillRef>
+          <a:effectRef idx="0">
+            <a:schemeClr val="accent1"/>
+          </a:effectRef>
+          <a:fontRef idx="minor">
+            <a:schemeClr val="lt1"/>
+          </a:fontRef>
+        </p:style>
+        <p:txBody>
+          <a:bodyPr rtlCol="0" anchor="ctr"/>
+          <a:lstStyle/>
+          <a:p>
+            <a:pPr algn="ctr"/>
+            <a:endParaRPr lang="zh-CN" altLang="en-US"/>
+          </a:p>
+        </p:txBody>
+      </p:sp>
+      <p:sp>
+        <p:nvSpPr>
+          <p:cNvPr id="53" name="文本框 52"/>
+          <p:cNvSpPr txBox="1"/>
+          <p:nvPr/>
+        </p:nvSpPr>
+        <p:spPr>
+          <a:xfrm>
+            <a:off x="3531708" y="2899063"/>
+            <a:ext cx="401072" cy="369332"/>
+          </a:xfrm>
+          <a:prstGeom prst="rect">
+            <a:avLst/>
+          </a:prstGeom>
+          <a:noFill/>
+        </p:spPr>
+        <p:txBody>
+          <a:bodyPr wrap="none" rtlCol="0">
+            <a:spAutoFit/>
+          </a:bodyPr>
+          <a:lstStyle/>
+          <a:p>
+            <a:r>
+              <a:rPr lang="en-US" altLang="zh-CN" smtClean="0"/>
+              <a:t>….</a:t>
+            </a:r>
+            <a:endParaRPr lang="zh-CN" altLang="en-US"/>
+          </a:p>
+        </p:txBody>
+      </p:sp>
+      <p:sp>
+        <p:nvSpPr>
+          <p:cNvPr id="54" name="文本框 53"/>
+          <p:cNvSpPr txBox="1"/>
+          <p:nvPr/>
+        </p:nvSpPr>
+        <p:spPr>
+          <a:xfrm>
+            <a:off x="3536616" y="4045019"/>
+            <a:ext cx="401072" cy="369332"/>
+          </a:xfrm>
+          <a:prstGeom prst="rect">
+            <a:avLst/>
+          </a:prstGeom>
+          <a:noFill/>
+        </p:spPr>
+        <p:txBody>
+          <a:bodyPr wrap="none" rtlCol="0">
+            <a:spAutoFit/>
+          </a:bodyPr>
+          <a:lstStyle/>
+          <a:p>
+            <a:r>
+              <a:rPr lang="en-US" altLang="zh-CN" smtClean="0"/>
+              <a:t>….</a:t>
+            </a:r>
+            <a:endParaRPr lang="zh-CN" altLang="en-US"/>
+          </a:p>
+        </p:txBody>
+      </p:sp>
+      <p:sp>
+        <p:nvSpPr>
+          <p:cNvPr id="55" name="文本框 54"/>
+          <p:cNvSpPr txBox="1"/>
+          <p:nvPr/>
+        </p:nvSpPr>
+        <p:spPr>
+          <a:xfrm>
+            <a:off x="1481475" y="4062634"/>
+            <a:ext cx="401072" cy="369332"/>
+          </a:xfrm>
+          <a:prstGeom prst="rect">
+            <a:avLst/>
+          </a:prstGeom>
+          <a:noFill/>
+        </p:spPr>
+        <p:txBody>
+          <a:bodyPr wrap="none" rtlCol="0">
+            <a:spAutoFit/>
+          </a:bodyPr>
+          <a:lstStyle/>
+          <a:p>
+            <a:r>
+              <a:rPr lang="en-US" altLang="zh-CN" smtClean="0"/>
+              <a:t>….</a:t>
+            </a:r>
+            <a:endParaRPr lang="zh-CN" altLang="en-US"/>
+          </a:p>
+        </p:txBody>
+      </p:sp>
+      <p:sp>
+        <p:nvSpPr>
+          <p:cNvPr id="56" name="矩形 55"/>
+          <p:cNvSpPr/>
+          <p:nvPr/>
+        </p:nvSpPr>
+        <p:spPr>
+          <a:xfrm>
+            <a:off x="5231401" y="3555440"/>
+            <a:ext cx="737119" cy="440018"/>
+          </a:xfrm>
+          <a:prstGeom prst="rect">
+            <a:avLst/>
+          </a:prstGeom>
+          <a:solidFill>
+            <a:schemeClr val="accent4">
+              <a:lumMod val="20000"/>
+              <a:lumOff val="80000"/>
+            </a:schemeClr>
+          </a:solidFill>
+        </p:spPr>
+        <p:style>
+          <a:lnRef idx="2">
+            <a:schemeClr val="accent1">
+              <a:shade val="50000"/>
+            </a:schemeClr>
+          </a:lnRef>
+          <a:fillRef idx="1">
+            <a:schemeClr val="accent1"/>
+          </a:fillRef>
+          <a:effectRef idx="0">
+            <a:schemeClr val="accent1"/>
+          </a:effectRef>
+          <a:fontRef idx="minor">
+            <a:schemeClr val="lt1"/>
+          </a:fontRef>
+        </p:style>
+        <p:txBody>
+          <a:bodyPr rtlCol="0" anchor="ctr"/>
+          <a:lstStyle/>
+          <a:p>
+            <a:pPr algn="ctr"/>
+            <a:endParaRPr lang="zh-CN" altLang="en-US"/>
+          </a:p>
+        </p:txBody>
+      </p:sp>
+      <p:sp>
+        <p:nvSpPr>
+          <p:cNvPr id="57" name="文本框 56"/>
+          <p:cNvSpPr txBox="1"/>
+          <p:nvPr/>
+        </p:nvSpPr>
+        <p:spPr>
+          <a:xfrm>
+            <a:off x="5415911" y="3540902"/>
+            <a:ext cx="401072" cy="369332"/>
+          </a:xfrm>
+          <a:prstGeom prst="rect">
+            <a:avLst/>
+          </a:prstGeom>
+          <a:noFill/>
+        </p:spPr>
+        <p:txBody>
+          <a:bodyPr wrap="none" rtlCol="0">
+            <a:spAutoFit/>
+          </a:bodyPr>
+          <a:lstStyle/>
+          <a:p>
+            <a:r>
+              <a:rPr lang="en-US" altLang="zh-CN" smtClean="0"/>
+              <a:t>….</a:t>
+            </a:r>
+            <a:endParaRPr lang="zh-CN" altLang="en-US"/>
+          </a:p>
+        </p:txBody>
+      </p:sp>
+      <p:cxnSp>
+        <p:nvCxnSpPr>
+          <p:cNvPr id="59" name="直接箭头连接符 58"/>
+          <p:cNvCxnSpPr>
+            <a:endCxn id="52" idx="1"/>
+          </p:cNvCxnSpPr>
+          <p:nvPr/>
+        </p:nvCxnSpPr>
+        <p:spPr>
+          <a:xfrm>
+            <a:off x="4100803" y="3132545"/>
+            <a:ext cx="1063861" cy="570761"/>
+          </a:xfrm>
+          <a:prstGeom prst="straightConnector1">
+            <a:avLst/>
+          </a:prstGeom>
+          <a:ln>
+            <a:solidFill>
+              <a:schemeClr val="tx1"/>
+            </a:solidFill>
+            <a:tailEnd type="triangle"/>
+          </a:ln>
+        </p:spPr>
+        <p:style>
+          <a:lnRef idx="1">
+            <a:schemeClr val="accent1"/>
+          </a:lnRef>
+          <a:fillRef idx="0">
+            <a:schemeClr val="accent1"/>
+          </a:fillRef>
+          <a:effectRef idx="0">
+            <a:schemeClr val="accent1"/>
+          </a:effectRef>
+          <a:fontRef idx="minor">
+            <a:schemeClr val="tx1"/>
+          </a:fontRef>
+        </p:style>
+      </p:cxnSp>
+      <p:cxnSp>
+        <p:nvCxnSpPr>
+          <p:cNvPr id="61" name="直接箭头连接符 60"/>
+          <p:cNvCxnSpPr>
+            <a:endCxn id="52" idx="1"/>
+          </p:cNvCxnSpPr>
+          <p:nvPr/>
+        </p:nvCxnSpPr>
+        <p:spPr>
+          <a:xfrm flipV="1">
+            <a:off x="4112382" y="3703306"/>
+            <a:ext cx="1052282" cy="610054"/>
+          </a:xfrm>
+          <a:prstGeom prst="straightConnector1">
+            <a:avLst/>
+          </a:prstGeom>
+          <a:ln>
+            <a:solidFill>
+              <a:schemeClr val="tx1"/>
+            </a:solidFill>
+            <a:tailEnd type="triangle"/>
+          </a:ln>
+        </p:spPr>
+        <p:style>
+          <a:lnRef idx="1">
+            <a:schemeClr val="accent1"/>
+          </a:lnRef>
+          <a:fillRef idx="0">
+            <a:schemeClr val="accent1"/>
+          </a:fillRef>
+          <a:effectRef idx="0">
+            <a:schemeClr val="accent1"/>
+          </a:effectRef>
+          <a:fontRef idx="minor">
+            <a:schemeClr val="tx1"/>
+          </a:fontRef>
+        </p:style>
+      </p:cxnSp>
+      <p:cxnSp>
+        <p:nvCxnSpPr>
+          <p:cNvPr id="63" name="直接箭头连接符 62"/>
+          <p:cNvCxnSpPr/>
+          <p:nvPr/>
+        </p:nvCxnSpPr>
+        <p:spPr>
+          <a:xfrm>
+            <a:off x="4711347" y="3979506"/>
+            <a:ext cx="888613" cy="1889449"/>
+          </a:xfrm>
+          <a:prstGeom prst="straightConnector1">
+            <a:avLst/>
+          </a:prstGeom>
+          <a:ln>
+            <a:tailEnd type="triangle"/>
+          </a:ln>
+        </p:spPr>
+        <p:style>
+          <a:lnRef idx="1">
+            <a:schemeClr val="accent1"/>
+          </a:lnRef>
+          <a:fillRef idx="0">
+            <a:schemeClr val="accent1"/>
+          </a:fillRef>
+          <a:effectRef idx="0">
+            <a:schemeClr val="accent1"/>
+          </a:effectRef>
+          <a:fontRef idx="minor">
+            <a:schemeClr val="tx1"/>
+          </a:fontRef>
+        </p:style>
+      </p:cxnSp>
+      <p:sp>
+        <p:nvSpPr>
+          <p:cNvPr id="65" name="文本框 64"/>
+          <p:cNvSpPr txBox="1"/>
+          <p:nvPr/>
+        </p:nvSpPr>
+        <p:spPr>
+          <a:xfrm>
+            <a:off x="5155653" y="5982635"/>
+            <a:ext cx="1212191" cy="369332"/>
+          </a:xfrm>
+          <a:prstGeom prst="rect">
+            <a:avLst/>
+          </a:prstGeom>
+          <a:noFill/>
+        </p:spPr>
+        <p:txBody>
+          <a:bodyPr wrap="none" rtlCol="0">
+            <a:spAutoFit/>
+          </a:bodyPr>
+          <a:lstStyle/>
+          <a:p>
+            <a:r>
+              <a:rPr lang="en-US" altLang="zh-CN" smtClean="0">
+                <a:solidFill>
+                  <a:srgbClr val="FF0000"/>
+                </a:solidFill>
+              </a:rPr>
+              <a:t>Union</a:t>
+            </a:r>
+            <a:r>
+              <a:rPr lang="zh-CN" altLang="en-US" smtClean="0">
+                <a:solidFill>
+                  <a:srgbClr val="FF0000"/>
+                </a:solidFill>
+              </a:rPr>
+              <a:t>操作</a:t>
+            </a:r>
+            <a:endParaRPr lang="zh-CN" altLang="en-US">
+              <a:solidFill>
+                <a:srgbClr val="FF0000"/>
+              </a:solidFill>
+            </a:endParaRPr>
+          </a:p>
+        </p:txBody>
+      </p:sp>
+      <p:cxnSp>
+        <p:nvCxnSpPr>
+          <p:cNvPr id="69" name="直接箭头连接符 68"/>
+          <p:cNvCxnSpPr/>
+          <p:nvPr/>
+        </p:nvCxnSpPr>
+        <p:spPr>
+          <a:xfrm flipV="1">
+            <a:off x="3932780" y="2258008"/>
+            <a:ext cx="1077759" cy="662475"/>
+          </a:xfrm>
+          <a:prstGeom prst="straightConnector1">
+            <a:avLst/>
+          </a:prstGeom>
+          <a:ln>
+            <a:solidFill>
+              <a:schemeClr val="bg2"/>
+            </a:solidFill>
+            <a:tailEnd type="triangle"/>
+          </a:ln>
+        </p:spPr>
+        <p:style>
+          <a:lnRef idx="1">
+            <a:schemeClr val="accent1"/>
+          </a:lnRef>
+          <a:fillRef idx="0">
+            <a:schemeClr val="accent1"/>
+          </a:fillRef>
+          <a:effectRef idx="0">
+            <a:schemeClr val="accent1"/>
+          </a:effectRef>
+          <a:fontRef idx="minor">
+            <a:schemeClr val="tx1"/>
+          </a:fontRef>
+        </p:style>
+      </p:cxnSp>
+      <p:sp>
+        <p:nvSpPr>
+          <p:cNvPr id="70" name="文本框 69"/>
+          <p:cNvSpPr txBox="1"/>
+          <p:nvPr/>
+        </p:nvSpPr>
+        <p:spPr>
+          <a:xfrm>
+            <a:off x="4969195" y="2081105"/>
+            <a:ext cx="595035" cy="369332"/>
+          </a:xfrm>
+          <a:prstGeom prst="rect">
+            <a:avLst/>
+          </a:prstGeom>
+          <a:noFill/>
+        </p:spPr>
+        <p:txBody>
+          <a:bodyPr wrap="none" rtlCol="0">
+            <a:spAutoFit/>
+          </a:bodyPr>
+          <a:lstStyle/>
+          <a:p>
+            <a:r>
+              <a:rPr lang="en-US" altLang="zh-CN" smtClean="0">
+                <a:solidFill>
+                  <a:srgbClr val="FF0000"/>
+                </a:solidFill>
+              </a:rPr>
+              <a:t>RDD</a:t>
+            </a:r>
+            <a:endParaRPr lang="zh-CN" altLang="en-US">
+              <a:solidFill>
+                <a:srgbClr val="FF0000"/>
+              </a:solidFill>
+            </a:endParaRPr>
+          </a:p>
+        </p:txBody>
+      </p:sp>
     </p:spTree>
     <p:extLst>
       <p:ext uri="{BB962C8B-B14F-4D97-AF65-F5344CB8AC3E}">
-        <p14:creationId xmlns:p14="http://schemas.microsoft.com/office/powerpoint/2010/main" val="1236927068"/>
+        <p14:creationId xmlns:p14="http://schemas.microsoft.com/office/powerpoint/2010/main" val="1262674546"/>
       </p:ext>
     </p:extLst>
   </p:cSld>
   <p:clrMapOvr>
     <a:masterClrMapping/>
   </p:clrMapOvr>
+  <mc:AlternateContent xmlns:mc="http://schemas.openxmlformats.org/markup-compatibility/2006">
+    <mc:Choice xmlns:p14="http://schemas.microsoft.com/office/powerpoint/2010/main" Requires="p14">
+      <p:transition spd="slow" p14:dur="2000"/>
+    </mc:Choice>
+    <mc:Fallback>
+      <p:transition spd="slow"/>
+    </mc:Fallback>
+  </mc:AlternateContent>
 </p:sld>
 </file>
 
 <file path=ppt/slides/slide24.xml><?xml version="1.0" encoding="utf-8"?>
 <p:sld xmlns:a="http://schemas.openxmlformats.org/drawingml/2006/main" xmlns:r="http://schemas.openxmlformats.org/officeDocument/2006/relationships" xmlns:p="http://schemas.openxmlformats.org/presentationml/2006/main">
   <p:cSld>
+    <p:bg>
+      <p:bgPr>
+        <a:solidFill>
+          <a:srgbClr val="0070C0"/>
+        </a:solidFill>
+        <a:effectLst/>
+      </p:bgPr>
+    </p:bg>
     <p:spTree>
       <p:nvGrpSpPr>
         <p:cNvPr id="1" name=""/>
@@ -9578,22 +11298,1265 @@
           <a:chExt cx="0" cy="0"/>
         </a:xfrm>
       </p:grpSpPr>
+      <p:sp>
+        <p:nvSpPr>
+          <p:cNvPr id="4" name="文本框 3"/>
+          <p:cNvSpPr txBox="1"/>
+          <p:nvPr/>
+        </p:nvSpPr>
+        <p:spPr>
+          <a:xfrm>
+            <a:off x="3741577" y="191516"/>
+            <a:ext cx="8450424" cy="253916"/>
+          </a:xfrm>
+          <a:prstGeom prst="rect">
+            <a:avLst/>
+          </a:prstGeom>
+          <a:noFill/>
+        </p:spPr>
+        <p:txBody>
+          <a:bodyPr wrap="square" rtlCol="0">
+            <a:spAutoFit/>
+          </a:bodyPr>
+          <a:lstStyle/>
+          <a:p>
+            <a:pPr>
+              <a:defRPr/>
+            </a:pPr>
+            <a:r>
+              <a:rPr lang="zh-CN" altLang="en-US" sz="1050" smtClean="0">
+                <a:latin typeface="微软雅黑" panose="020B0503020204020204" pitchFamily="34" charset="-122"/>
+                <a:ea typeface="微软雅黑" panose="020B0503020204020204" pitchFamily="34" charset="-122"/>
+              </a:rPr>
+              <a:t>划分</a:t>
+            </a:r>
+            <a:r>
+              <a:rPr lang="en-US" altLang="zh-CN" sz="1050" smtClean="0">
+                <a:latin typeface="微软雅黑" panose="020B0503020204020204" pitchFamily="34" charset="-122"/>
+                <a:ea typeface="微软雅黑" panose="020B0503020204020204" pitchFamily="34" charset="-122"/>
+              </a:rPr>
+              <a:t>Stage</a:t>
+            </a:r>
+            <a:r>
+              <a:rPr lang="zh-CN" altLang="en-US" sz="1050" smtClean="0">
+                <a:latin typeface="微软雅黑" panose="020B0503020204020204" pitchFamily="34" charset="-122"/>
+                <a:ea typeface="微软雅黑" panose="020B0503020204020204" pitchFamily="34" charset="-122"/>
+              </a:rPr>
+              <a:t>的入口</a:t>
+            </a:r>
+            <a:r>
+              <a:rPr lang="zh-CN" altLang="en-US" sz="1050">
+                <a:latin typeface="微软雅黑" panose="020B0503020204020204" pitchFamily="34" charset="-122"/>
+                <a:ea typeface="微软雅黑" panose="020B0503020204020204" pitchFamily="34" charset="-122"/>
+              </a:rPr>
+              <a:t>是</a:t>
+            </a:r>
+            <a:r>
+              <a:rPr lang="en-US" altLang="zh-CN" sz="1050">
+                <a:latin typeface="微软雅黑" panose="020B0503020204020204" pitchFamily="34" charset="-122"/>
+                <a:ea typeface="微软雅黑" panose="020B0503020204020204" pitchFamily="34" charset="-122"/>
+              </a:rPr>
+              <a:t>DAGScheduler</a:t>
+            </a:r>
+            <a:r>
+              <a:rPr lang="zh-CN" altLang="en-US" sz="1050">
+                <a:latin typeface="微软雅黑" panose="020B0503020204020204" pitchFamily="34" charset="-122"/>
+                <a:ea typeface="微软雅黑" panose="020B0503020204020204" pitchFamily="34" charset="-122"/>
+              </a:rPr>
+              <a:t>的</a:t>
+            </a:r>
+            <a:r>
+              <a:rPr lang="en-US" altLang="zh-CN" sz="1050">
+                <a:latin typeface="微软雅黑" panose="020B0503020204020204" pitchFamily="34" charset="-122"/>
+                <a:ea typeface="微软雅黑" panose="020B0503020204020204" pitchFamily="34" charset="-122"/>
+              </a:rPr>
+              <a:t>handleJobSubmitted</a:t>
+            </a:r>
+            <a:r>
+              <a:rPr lang="zh-CN" altLang="en-US" sz="1050">
+                <a:latin typeface="微软雅黑" panose="020B0503020204020204" pitchFamily="34" charset="-122"/>
+                <a:ea typeface="微软雅黑" panose="020B0503020204020204" pitchFamily="34" charset="-122"/>
+              </a:rPr>
+              <a:t>方法中的</a:t>
+            </a:r>
+            <a:r>
+              <a:rPr lang="en-US" altLang="zh-CN" sz="1050">
+                <a:latin typeface="微软雅黑" panose="020B0503020204020204" pitchFamily="34" charset="-122"/>
+                <a:ea typeface="微软雅黑" panose="020B0503020204020204" pitchFamily="34" charset="-122"/>
+              </a:rPr>
+              <a:t>createResultStage</a:t>
+            </a:r>
+            <a:r>
+              <a:rPr lang="zh-CN" altLang="en-US" sz="1050">
+                <a:latin typeface="微软雅黑" panose="020B0503020204020204" pitchFamily="34" charset="-122"/>
+                <a:ea typeface="微软雅黑" panose="020B0503020204020204" pitchFamily="34" charset="-122"/>
+              </a:rPr>
+              <a:t>开始，再然后调用</a:t>
+            </a:r>
+            <a:r>
+              <a:rPr lang="en-US" altLang="zh-CN" sz="1050">
+                <a:latin typeface="微软雅黑" panose="020B0503020204020204" pitchFamily="34" charset="-122"/>
+                <a:ea typeface="微软雅黑" panose="020B0503020204020204" pitchFamily="34" charset="-122"/>
+              </a:rPr>
+              <a:t>getOrCreateParentStages</a:t>
+            </a:r>
+            <a:r>
+              <a:rPr lang="zh-CN" altLang="en-US" sz="1050" smtClean="0">
+                <a:latin typeface="微软雅黑" panose="020B0503020204020204" pitchFamily="34" charset="-122"/>
+                <a:ea typeface="微软雅黑" panose="020B0503020204020204" pitchFamily="34" charset="-122"/>
+              </a:rPr>
+              <a:t>方法</a:t>
+            </a:r>
+            <a:endParaRPr lang="en-US" altLang="zh-CN" sz="1050">
+              <a:latin typeface="微软雅黑" panose="020B0503020204020204" pitchFamily="34" charset="-122"/>
+              <a:ea typeface="微软雅黑" panose="020B0503020204020204" pitchFamily="34" charset="-122"/>
+            </a:endParaRPr>
+          </a:p>
+        </p:txBody>
+      </p:sp>
+      <p:pic>
+        <p:nvPicPr>
+          <p:cNvPr id="5" name="图片 4"/>
+          <p:cNvPicPr>
+            <a:picLocks noChangeAspect="1"/>
+          </p:cNvPicPr>
+          <p:nvPr/>
+        </p:nvPicPr>
+        <p:blipFill>
+          <a:blip r:embed="rId3"/>
+          <a:stretch>
+            <a:fillRect/>
+          </a:stretch>
+        </p:blipFill>
+        <p:spPr>
+          <a:xfrm>
+            <a:off x="3754185" y="511152"/>
+            <a:ext cx="8437816" cy="897769"/>
+          </a:xfrm>
+          <a:prstGeom prst="rect">
+            <a:avLst/>
+          </a:prstGeom>
+        </p:spPr>
+      </p:pic>
+      <p:sp>
+        <p:nvSpPr>
+          <p:cNvPr id="6" name="文本框 5"/>
+          <p:cNvSpPr txBox="1"/>
+          <p:nvPr/>
+        </p:nvSpPr>
+        <p:spPr>
+          <a:xfrm>
+            <a:off x="3754185" y="1474641"/>
+            <a:ext cx="8437815" cy="900246"/>
+          </a:xfrm>
+          <a:prstGeom prst="rect">
+            <a:avLst/>
+          </a:prstGeom>
+          <a:noFill/>
+        </p:spPr>
+        <p:txBody>
+          <a:bodyPr wrap="square" rtlCol="0">
+            <a:spAutoFit/>
+          </a:bodyPr>
+          <a:lstStyle/>
+          <a:p>
+            <a:pPr>
+              <a:defRPr/>
+            </a:pPr>
+            <a:r>
+              <a:rPr lang="en-US" altLang="zh-CN" sz="1050">
+                <a:latin typeface="微软雅黑" panose="020B0503020204020204" pitchFamily="34" charset="-122"/>
+                <a:ea typeface="微软雅黑" panose="020B0503020204020204" pitchFamily="34" charset="-122"/>
+              </a:rPr>
+              <a:t>getShuffleDependencies</a:t>
+            </a:r>
+            <a:r>
+              <a:rPr lang="zh-CN" altLang="en-US" sz="1050">
+                <a:latin typeface="微软雅黑" panose="020B0503020204020204" pitchFamily="34" charset="-122"/>
+                <a:ea typeface="微软雅黑" panose="020B0503020204020204" pitchFamily="34" charset="-122"/>
+              </a:rPr>
+              <a:t>方法作用：根据传入的</a:t>
+            </a:r>
+            <a:r>
+              <a:rPr lang="en-US" altLang="zh-CN" sz="1050">
+                <a:latin typeface="微软雅黑" panose="020B0503020204020204" pitchFamily="34" charset="-122"/>
+                <a:ea typeface="微软雅黑" panose="020B0503020204020204" pitchFamily="34" charset="-122"/>
+              </a:rPr>
+              <a:t>RDD</a:t>
+            </a:r>
+            <a:r>
+              <a:rPr lang="zh-CN" altLang="en-US" sz="1050">
+                <a:latin typeface="微软雅黑" panose="020B0503020204020204" pitchFamily="34" charset="-122"/>
+                <a:ea typeface="微软雅黑" panose="020B0503020204020204" pitchFamily="34" charset="-122"/>
+              </a:rPr>
+              <a:t>获取该</a:t>
+            </a:r>
+            <a:r>
+              <a:rPr lang="en-US" altLang="zh-CN" sz="1050">
+                <a:latin typeface="微软雅黑" panose="020B0503020204020204" pitchFamily="34" charset="-122"/>
+                <a:ea typeface="微软雅黑" panose="020B0503020204020204" pitchFamily="34" charset="-122"/>
+              </a:rPr>
+              <a:t>RDD</a:t>
+            </a:r>
+            <a:r>
+              <a:rPr lang="zh-CN" altLang="en-US" sz="1050">
+                <a:latin typeface="微软雅黑" panose="020B0503020204020204" pitchFamily="34" charset="-122"/>
+                <a:ea typeface="微软雅黑" panose="020B0503020204020204" pitchFamily="34" charset="-122"/>
+              </a:rPr>
+              <a:t>的一个父</a:t>
+            </a:r>
+            <a:r>
+              <a:rPr lang="en-US" altLang="zh-CN" sz="1050">
+                <a:latin typeface="微软雅黑" panose="020B0503020204020204" pitchFamily="34" charset="-122"/>
+                <a:ea typeface="微软雅黑" panose="020B0503020204020204" pitchFamily="34" charset="-122"/>
+              </a:rPr>
+              <a:t>Shuffle</a:t>
+            </a:r>
+            <a:r>
+              <a:rPr lang="zh-CN" altLang="en-US" sz="1050">
+                <a:latin typeface="微软雅黑" panose="020B0503020204020204" pitchFamily="34" charset="-122"/>
+                <a:ea typeface="微软雅黑" panose="020B0503020204020204" pitchFamily="34" charset="-122"/>
+              </a:rPr>
+              <a:t>依赖，只能获取到该</a:t>
+            </a:r>
+            <a:r>
+              <a:rPr lang="en-US" altLang="zh-CN" sz="1050">
+                <a:latin typeface="微软雅黑" panose="020B0503020204020204" pitchFamily="34" charset="-122"/>
+                <a:ea typeface="微软雅黑" panose="020B0503020204020204" pitchFamily="34" charset="-122"/>
+              </a:rPr>
+              <a:t>RDD</a:t>
+            </a:r>
+            <a:r>
+              <a:rPr lang="zh-CN" altLang="en-US" sz="1050">
+                <a:latin typeface="微软雅黑" panose="020B0503020204020204" pitchFamily="34" charset="-122"/>
+                <a:ea typeface="微软雅黑" panose="020B0503020204020204" pitchFamily="34" charset="-122"/>
+              </a:rPr>
+              <a:t>前面的一个</a:t>
+            </a:r>
+            <a:r>
+              <a:rPr lang="en-US" altLang="zh-CN" sz="1050">
+                <a:latin typeface="微软雅黑" panose="020B0503020204020204" pitchFamily="34" charset="-122"/>
+                <a:ea typeface="微软雅黑" panose="020B0503020204020204" pitchFamily="34" charset="-122"/>
+              </a:rPr>
+              <a:t>Shuffle</a:t>
+            </a:r>
+            <a:r>
+              <a:rPr lang="zh-CN" altLang="en-US" sz="1050">
+                <a:latin typeface="微软雅黑" panose="020B0503020204020204" pitchFamily="34" charset="-122"/>
+                <a:ea typeface="微软雅黑" panose="020B0503020204020204" pitchFamily="34" charset="-122"/>
+              </a:rPr>
+              <a:t>依赖</a:t>
+            </a:r>
+            <a:r>
+              <a:rPr lang="en-US" altLang="zh-CN" sz="1050">
+                <a:latin typeface="微软雅黑" panose="020B0503020204020204" pitchFamily="34" charset="-122"/>
+                <a:ea typeface="微软雅黑" panose="020B0503020204020204" pitchFamily="34" charset="-122"/>
+              </a:rPr>
+              <a:t>(</a:t>
+            </a:r>
+            <a:r>
+              <a:rPr lang="zh-CN" altLang="en-US" sz="1050">
+                <a:latin typeface="微软雅黑" panose="020B0503020204020204" pitchFamily="34" charset="-122"/>
+                <a:ea typeface="微软雅黑" panose="020B0503020204020204" pitchFamily="34" charset="-122"/>
+              </a:rPr>
+              <a:t>就算该</a:t>
+            </a:r>
+            <a:r>
+              <a:rPr lang="en-US" altLang="zh-CN" sz="1050">
+                <a:latin typeface="微软雅黑" panose="020B0503020204020204" pitchFamily="34" charset="-122"/>
+                <a:ea typeface="微软雅黑" panose="020B0503020204020204" pitchFamily="34" charset="-122"/>
+              </a:rPr>
+              <a:t>RDD</a:t>
+            </a:r>
+            <a:r>
+              <a:rPr lang="zh-CN" altLang="en-US" sz="1050">
+                <a:latin typeface="微软雅黑" panose="020B0503020204020204" pitchFamily="34" charset="-122"/>
+                <a:ea typeface="微软雅黑" panose="020B0503020204020204" pitchFamily="34" charset="-122"/>
+              </a:rPr>
+              <a:t>前面有多个</a:t>
+            </a:r>
+            <a:r>
+              <a:rPr lang="en-US" altLang="zh-CN" sz="1050">
+                <a:latin typeface="微软雅黑" panose="020B0503020204020204" pitchFamily="34" charset="-122"/>
+                <a:ea typeface="微软雅黑" panose="020B0503020204020204" pitchFamily="34" charset="-122"/>
+              </a:rPr>
+              <a:t>Shuffle</a:t>
+            </a:r>
+            <a:r>
+              <a:rPr lang="zh-CN" altLang="en-US" sz="1050">
+                <a:latin typeface="微软雅黑" panose="020B0503020204020204" pitchFamily="34" charset="-122"/>
+                <a:ea typeface="微软雅黑" panose="020B0503020204020204" pitchFamily="34" charset="-122"/>
+              </a:rPr>
+              <a:t>依赖也只能返回最近的一个</a:t>
+            </a:r>
+            <a:r>
+              <a:rPr lang="en-US" altLang="zh-CN" sz="1050">
+                <a:latin typeface="微软雅黑" panose="020B0503020204020204" pitchFamily="34" charset="-122"/>
+                <a:ea typeface="微软雅黑" panose="020B0503020204020204" pitchFamily="34" charset="-122"/>
+              </a:rPr>
+              <a:t>Shuffle</a:t>
+            </a:r>
+            <a:r>
+              <a:rPr lang="zh-CN" altLang="en-US" sz="1050">
+                <a:latin typeface="微软雅黑" panose="020B0503020204020204" pitchFamily="34" charset="-122"/>
+                <a:ea typeface="微软雅黑" panose="020B0503020204020204" pitchFamily="34" charset="-122"/>
+              </a:rPr>
+              <a:t>依赖</a:t>
+            </a:r>
+            <a:r>
+              <a:rPr lang="en-US" altLang="zh-CN" sz="1050" smtClean="0">
+                <a:latin typeface="微软雅黑" panose="020B0503020204020204" pitchFamily="34" charset="-122"/>
+                <a:ea typeface="微软雅黑" panose="020B0503020204020204" pitchFamily="34" charset="-122"/>
+              </a:rPr>
+              <a:t>)</a:t>
+            </a:r>
+            <a:r>
+              <a:rPr lang="zh-CN" altLang="en-US" sz="1050" smtClean="0">
+                <a:latin typeface="微软雅黑" panose="020B0503020204020204" pitchFamily="34" charset="-122"/>
+                <a:ea typeface="微软雅黑" panose="020B0503020204020204" pitchFamily="34" charset="-122"/>
+              </a:rPr>
+              <a:t>。例如左边的血统，由于从最后开始寻找</a:t>
+            </a:r>
+            <a:r>
+              <a:rPr lang="en-US" altLang="zh-CN" sz="1050" smtClean="0">
+                <a:latin typeface="微软雅黑" panose="020B0503020204020204" pitchFamily="34" charset="-122"/>
+                <a:ea typeface="微软雅黑" panose="020B0503020204020204" pitchFamily="34" charset="-122"/>
+              </a:rPr>
+              <a:t>Shuffle</a:t>
+            </a:r>
+            <a:r>
+              <a:rPr lang="zh-CN" altLang="en-US" sz="1050" smtClean="0">
+                <a:latin typeface="微软雅黑" panose="020B0503020204020204" pitchFamily="34" charset="-122"/>
+                <a:ea typeface="微软雅黑" panose="020B0503020204020204" pitchFamily="34" charset="-122"/>
+              </a:rPr>
+              <a:t>依赖，所以传入最后一个</a:t>
+            </a:r>
+            <a:r>
+              <a:rPr lang="en-US" altLang="zh-CN" sz="1050" smtClean="0">
+                <a:latin typeface="微软雅黑" panose="020B0503020204020204" pitchFamily="34" charset="-122"/>
+                <a:ea typeface="微软雅黑" panose="020B0503020204020204" pitchFamily="34" charset="-122"/>
+              </a:rPr>
+              <a:t>RDD</a:t>
+            </a:r>
+            <a:r>
+              <a:rPr lang="zh-CN" altLang="en-US" sz="1050" smtClean="0">
+                <a:latin typeface="微软雅黑" panose="020B0503020204020204" pitchFamily="34" charset="-122"/>
+                <a:ea typeface="微软雅黑" panose="020B0503020204020204" pitchFamily="34" charset="-122"/>
+              </a:rPr>
+              <a:t>之后，</a:t>
+            </a:r>
+            <a:r>
+              <a:rPr lang="en-US" altLang="zh-CN" sz="1050">
+                <a:latin typeface="微软雅黑" panose="020B0503020204020204" pitchFamily="34" charset="-122"/>
+                <a:ea typeface="微软雅黑" panose="020B0503020204020204" pitchFamily="34" charset="-122"/>
+              </a:rPr>
+              <a:t> </a:t>
+            </a:r>
+            <a:r>
+              <a:rPr lang="en-US" altLang="zh-CN" sz="1050" smtClean="0">
+                <a:latin typeface="微软雅黑" panose="020B0503020204020204" pitchFamily="34" charset="-122"/>
+                <a:ea typeface="微软雅黑" panose="020B0503020204020204" pitchFamily="34" charset="-122"/>
+              </a:rPr>
+              <a:t>getOrCreateParentStages</a:t>
+            </a:r>
+            <a:r>
+              <a:rPr lang="zh-CN" altLang="en-US" sz="1050" smtClean="0">
+                <a:latin typeface="微软雅黑" panose="020B0503020204020204" pitchFamily="34" charset="-122"/>
+                <a:ea typeface="微软雅黑" panose="020B0503020204020204" pitchFamily="34" charset="-122"/>
+              </a:rPr>
+              <a:t>最后返回</a:t>
+            </a:r>
+            <a:r>
+              <a:rPr lang="en-US" altLang="zh-CN" sz="1050" smtClean="0">
+                <a:latin typeface="微软雅黑" panose="020B0503020204020204" pitchFamily="34" charset="-122"/>
+                <a:ea typeface="微软雅黑" panose="020B0503020204020204" pitchFamily="34" charset="-122"/>
+              </a:rPr>
+              <a:t>2:Shuffle,</a:t>
+            </a:r>
+            <a:r>
+              <a:rPr lang="zh-CN" altLang="en-US" sz="1050" smtClean="0">
+                <a:latin typeface="微软雅黑" panose="020B0503020204020204" pitchFamily="34" charset="-122"/>
+                <a:ea typeface="微软雅黑" panose="020B0503020204020204" pitchFamily="34" charset="-122"/>
+              </a:rPr>
+              <a:t>然后执行</a:t>
+            </a:r>
+            <a:r>
+              <a:rPr lang="en-US" altLang="zh-CN" sz="1050" smtClean="0"/>
+              <a:t>getOrCreateParentStages</a:t>
+            </a:r>
+            <a:r>
+              <a:rPr lang="zh-CN" altLang="en-US" sz="1050" smtClean="0">
+                <a:latin typeface="微软雅黑" panose="020B0503020204020204" pitchFamily="34" charset="-122"/>
+                <a:ea typeface="微软雅黑" panose="020B0503020204020204" pitchFamily="34" charset="-122"/>
+              </a:rPr>
+              <a:t>中的</a:t>
+            </a:r>
+            <a:r>
+              <a:rPr lang="en-US" altLang="zh-CN" sz="1050" smtClean="0">
+                <a:latin typeface="微软雅黑" panose="020B0503020204020204" pitchFamily="34" charset="-122"/>
+                <a:ea typeface="微软雅黑" panose="020B0503020204020204" pitchFamily="34" charset="-122"/>
+              </a:rPr>
+              <a:t>map</a:t>
+            </a:r>
+            <a:r>
+              <a:rPr lang="zh-CN" altLang="en-US" sz="1050" smtClean="0">
+                <a:latin typeface="微软雅黑" panose="020B0503020204020204" pitchFamily="34" charset="-122"/>
+                <a:ea typeface="微软雅黑" panose="020B0503020204020204" pitchFamily="34" charset="-122"/>
+              </a:rPr>
+              <a:t>算子对依赖创建</a:t>
+            </a:r>
+            <a:r>
+              <a:rPr lang="en-US" altLang="zh-CN" sz="1050" smtClean="0">
+                <a:latin typeface="微软雅黑" panose="020B0503020204020204" pitchFamily="34" charset="-122"/>
+                <a:ea typeface="微软雅黑" panose="020B0503020204020204" pitchFamily="34" charset="-122"/>
+              </a:rPr>
+              <a:t>Stage</a:t>
+            </a:r>
+            <a:r>
+              <a:rPr lang="zh-CN" altLang="en-US" sz="1050" smtClean="0">
+                <a:latin typeface="微软雅黑" panose="020B0503020204020204" pitchFamily="34" charset="-122"/>
+                <a:ea typeface="微软雅黑" panose="020B0503020204020204" pitchFamily="34" charset="-122"/>
+              </a:rPr>
+              <a:t>，通过调用</a:t>
+            </a:r>
+            <a:r>
+              <a:rPr lang="en-US" altLang="zh-CN" sz="1050" smtClean="0">
+                <a:latin typeface="微软雅黑" panose="020B0503020204020204" pitchFamily="34" charset="-122"/>
+                <a:ea typeface="微软雅黑" panose="020B0503020204020204" pitchFamily="34" charset="-122"/>
+              </a:rPr>
+              <a:t>getOrCreateShuffleMapStage</a:t>
+            </a:r>
+            <a:r>
+              <a:rPr lang="zh-CN" altLang="en-US" sz="1050" smtClean="0">
+                <a:latin typeface="微软雅黑" panose="020B0503020204020204" pitchFamily="34" charset="-122"/>
+                <a:ea typeface="微软雅黑" panose="020B0503020204020204" pitchFamily="34" charset="-122"/>
+              </a:rPr>
+              <a:t>实现</a:t>
+            </a:r>
+            <a:r>
+              <a:rPr lang="zh-CN" altLang="en-US" sz="1050">
+                <a:latin typeface="微软雅黑" panose="020B0503020204020204" pitchFamily="34" charset="-122"/>
+                <a:ea typeface="微软雅黑" panose="020B0503020204020204" pitchFamily="34" charset="-122"/>
+              </a:rPr>
+              <a:t>，接下来看一下</a:t>
+            </a:r>
+            <a:r>
+              <a:rPr lang="en-US" altLang="zh-CN" sz="1050">
+                <a:latin typeface="微软雅黑" panose="020B0503020204020204" pitchFamily="34" charset="-122"/>
+                <a:ea typeface="微软雅黑" panose="020B0503020204020204" pitchFamily="34" charset="-122"/>
+              </a:rPr>
+              <a:t>getOrCreateShuffleMapStage</a:t>
+            </a:r>
+            <a:r>
+              <a:rPr lang="zh-CN" altLang="en-US" sz="1050" smtClean="0">
+                <a:latin typeface="微软雅黑" panose="020B0503020204020204" pitchFamily="34" charset="-122"/>
+                <a:ea typeface="微软雅黑" panose="020B0503020204020204" pitchFamily="34" charset="-122"/>
+              </a:rPr>
+              <a:t>实现如左下图所示，</a:t>
+            </a:r>
+            <a:r>
+              <a:rPr lang="zh-CN" altLang="en-US" sz="1050">
+                <a:latin typeface="微软雅黑" panose="020B0503020204020204" pitchFamily="34" charset="-122"/>
+                <a:ea typeface="微软雅黑" panose="020B0503020204020204" pitchFamily="34" charset="-122"/>
+              </a:rPr>
+              <a:t>根据</a:t>
+            </a:r>
+            <a:r>
+              <a:rPr lang="en-US" altLang="zh-CN" sz="1050">
+                <a:latin typeface="微软雅黑" panose="020B0503020204020204" pitchFamily="34" charset="-122"/>
+                <a:ea typeface="微软雅黑" panose="020B0503020204020204" pitchFamily="34" charset="-122"/>
+              </a:rPr>
+              <a:t>shuffleId</a:t>
+            </a:r>
+            <a:r>
+              <a:rPr lang="zh-CN" altLang="en-US" sz="1050">
+                <a:latin typeface="微软雅黑" panose="020B0503020204020204" pitchFamily="34" charset="-122"/>
+                <a:ea typeface="微软雅黑" panose="020B0503020204020204" pitchFamily="34" charset="-122"/>
+              </a:rPr>
+              <a:t>判断是否创建</a:t>
+            </a:r>
+            <a:r>
+              <a:rPr lang="en-US" altLang="zh-CN" sz="1050">
+                <a:latin typeface="微软雅黑" panose="020B0503020204020204" pitchFamily="34" charset="-122"/>
+                <a:ea typeface="微软雅黑" panose="020B0503020204020204" pitchFamily="34" charset="-122"/>
+              </a:rPr>
+              <a:t>Stage</a:t>
+            </a:r>
+            <a:r>
+              <a:rPr lang="zh-CN" altLang="en-US" sz="1050" smtClean="0">
+                <a:latin typeface="微软雅黑" panose="020B0503020204020204" pitchFamily="34" charset="-122"/>
+                <a:ea typeface="微软雅黑" panose="020B0503020204020204" pitchFamily="34" charset="-122"/>
+              </a:rPr>
+              <a:t>，</a:t>
+            </a:r>
+            <a:endParaRPr lang="en-US" altLang="zh-CN" sz="1050" smtClean="0">
+              <a:latin typeface="微软雅黑" panose="020B0503020204020204" pitchFamily="34" charset="-122"/>
+              <a:ea typeface="微软雅黑" panose="020B0503020204020204" pitchFamily="34" charset="-122"/>
+            </a:endParaRPr>
+          </a:p>
+          <a:p>
+            <a:pPr>
+              <a:defRPr/>
+            </a:pPr>
+            <a:r>
+              <a:rPr lang="zh-CN" altLang="en-US" sz="1050" smtClean="0">
+                <a:latin typeface="微软雅黑" panose="020B0503020204020204" pitchFamily="34" charset="-122"/>
+                <a:ea typeface="微软雅黑" panose="020B0503020204020204" pitchFamily="34" charset="-122"/>
+              </a:rPr>
+              <a:t>                                             创建了返回该</a:t>
+            </a:r>
+            <a:r>
+              <a:rPr lang="en-US" altLang="zh-CN" sz="1050" smtClean="0">
+                <a:latin typeface="微软雅黑" panose="020B0503020204020204" pitchFamily="34" charset="-122"/>
+                <a:ea typeface="微软雅黑" panose="020B0503020204020204" pitchFamily="34" charset="-122"/>
+              </a:rPr>
+              <a:t>Satge</a:t>
+            </a:r>
+            <a:r>
+              <a:rPr lang="zh-CN" altLang="en-US" sz="1050" smtClean="0">
+                <a:latin typeface="微软雅黑" panose="020B0503020204020204" pitchFamily="34" charset="-122"/>
+                <a:ea typeface="微软雅黑" panose="020B0503020204020204" pitchFamily="34" charset="-122"/>
+              </a:rPr>
+              <a:t>，如果没有创建的话，进行如下步骤：</a:t>
+            </a:r>
+            <a:endParaRPr lang="zh-CN" altLang="en-US" sz="1050">
+              <a:latin typeface="微软雅黑" panose="020B0503020204020204" pitchFamily="34" charset="-122"/>
+              <a:ea typeface="微软雅黑" panose="020B0503020204020204" pitchFamily="34" charset="-122"/>
+            </a:endParaRPr>
+          </a:p>
+        </p:txBody>
+      </p:sp>
+      <p:pic>
+        <p:nvPicPr>
+          <p:cNvPr id="7" name="图片 6"/>
+          <p:cNvPicPr>
+            <a:picLocks noChangeAspect="1"/>
+          </p:cNvPicPr>
+          <p:nvPr/>
+        </p:nvPicPr>
+        <p:blipFill>
+          <a:blip r:embed="rId4"/>
+          <a:stretch>
+            <a:fillRect/>
+          </a:stretch>
+        </p:blipFill>
+        <p:spPr>
+          <a:xfrm>
+            <a:off x="-74845" y="0"/>
+            <a:ext cx="3816422" cy="2453952"/>
+          </a:xfrm>
+          <a:prstGeom prst="rect">
+            <a:avLst/>
+          </a:prstGeom>
+        </p:spPr>
+      </p:pic>
+      <p:pic>
+        <p:nvPicPr>
+          <p:cNvPr id="9" name="图片 8"/>
+          <p:cNvPicPr>
+            <a:picLocks noChangeAspect="1"/>
+          </p:cNvPicPr>
+          <p:nvPr/>
+        </p:nvPicPr>
+        <p:blipFill>
+          <a:blip r:embed="rId5"/>
+          <a:stretch>
+            <a:fillRect/>
+          </a:stretch>
+        </p:blipFill>
+        <p:spPr>
+          <a:xfrm>
+            <a:off x="0" y="2453952"/>
+            <a:ext cx="8428560" cy="4404048"/>
+          </a:xfrm>
+          <a:prstGeom prst="rect">
+            <a:avLst/>
+          </a:prstGeom>
+        </p:spPr>
+      </p:pic>
+      <p:sp>
+        <p:nvSpPr>
+          <p:cNvPr id="10" name="文本框 9"/>
+          <p:cNvSpPr txBox="1"/>
+          <p:nvPr/>
+        </p:nvSpPr>
+        <p:spPr>
+          <a:xfrm>
+            <a:off x="8428560" y="2389535"/>
+            <a:ext cx="3763440" cy="1869743"/>
+          </a:xfrm>
+          <a:prstGeom prst="rect">
+            <a:avLst/>
+          </a:prstGeom>
+          <a:noFill/>
+        </p:spPr>
+        <p:txBody>
+          <a:bodyPr wrap="square" rtlCol="0">
+            <a:spAutoFit/>
+          </a:bodyPr>
+          <a:lstStyle/>
+          <a:p>
+            <a:r>
+              <a:rPr lang="en-US" altLang="zh-CN" sz="1050" b="1">
+                <a:solidFill>
+                  <a:srgbClr val="FF0000"/>
+                </a:solidFill>
+                <a:latin typeface="微软雅黑" panose="020B0503020204020204" pitchFamily="34" charset="-122"/>
+                <a:ea typeface="微软雅黑" panose="020B0503020204020204" pitchFamily="34" charset="-122"/>
+              </a:rPr>
+              <a:t>1</a:t>
+            </a:r>
+            <a:r>
+              <a:rPr lang="zh-CN" altLang="en-US" sz="1050" b="1">
+                <a:solidFill>
+                  <a:srgbClr val="FF0000"/>
+                </a:solidFill>
+                <a:latin typeface="微软雅黑" panose="020B0503020204020204" pitchFamily="34" charset="-122"/>
+                <a:ea typeface="微软雅黑" panose="020B0503020204020204" pitchFamily="34" charset="-122"/>
+              </a:rPr>
+              <a:t>：</a:t>
+            </a:r>
+            <a:r>
+              <a:rPr lang="zh-CN" altLang="en-US" sz="1050">
+                <a:latin typeface="微软雅黑" panose="020B0503020204020204" pitchFamily="34" charset="-122"/>
+                <a:ea typeface="微软雅黑" panose="020B0503020204020204" pitchFamily="34" charset="-122"/>
+              </a:rPr>
+              <a:t>调用</a:t>
+            </a:r>
+            <a:r>
+              <a:rPr lang="en-US" altLang="zh-CN" sz="1050" smtClean="0">
+                <a:latin typeface="微软雅黑" panose="020B0503020204020204" pitchFamily="34" charset="-122"/>
+                <a:ea typeface="微软雅黑" panose="020B0503020204020204" pitchFamily="34" charset="-122"/>
+              </a:rPr>
+              <a:t>getMissingAncestorShuffleDependencies</a:t>
+            </a:r>
+            <a:r>
+              <a:rPr lang="zh-CN" altLang="en-US" sz="1050" smtClean="0">
+                <a:latin typeface="微软雅黑" panose="020B0503020204020204" pitchFamily="34" charset="-122"/>
+                <a:ea typeface="微软雅黑" panose="020B0503020204020204" pitchFamily="34" charset="-122"/>
+              </a:rPr>
+              <a:t>方法找到当前</a:t>
+            </a:r>
+            <a:r>
+              <a:rPr lang="en-US" altLang="zh-CN" sz="1050" smtClean="0"/>
+              <a:t>shuffleDep</a:t>
+            </a:r>
+            <a:r>
+              <a:rPr lang="zh-CN" altLang="en-US" sz="1050" smtClean="0">
+                <a:latin typeface="微软雅黑" panose="020B0503020204020204" pitchFamily="34" charset="-122"/>
+                <a:ea typeface="微软雅黑" panose="020B0503020204020204" pitchFamily="34" charset="-122"/>
+              </a:rPr>
+              <a:t>依赖的“</a:t>
+            </a:r>
+            <a:r>
+              <a:rPr lang="zh-CN" altLang="en-US" sz="1050">
+                <a:latin typeface="微软雅黑" panose="020B0503020204020204" pitchFamily="34" charset="-122"/>
+                <a:ea typeface="微软雅黑" panose="020B0503020204020204" pitchFamily="34" charset="-122"/>
+              </a:rPr>
+              <a:t>父</a:t>
+            </a:r>
+            <a:r>
+              <a:rPr lang="en-US" altLang="zh-CN" sz="1050">
+                <a:latin typeface="微软雅黑" panose="020B0503020204020204" pitchFamily="34" charset="-122"/>
+                <a:ea typeface="微软雅黑" panose="020B0503020204020204" pitchFamily="34" charset="-122"/>
+              </a:rPr>
+              <a:t>RDD</a:t>
+            </a:r>
+            <a:r>
+              <a:rPr lang="zh-CN" altLang="en-US" sz="1050" smtClean="0">
+                <a:latin typeface="微软雅黑" panose="020B0503020204020204" pitchFamily="34" charset="-122"/>
+                <a:ea typeface="微软雅黑" panose="020B0503020204020204" pitchFamily="34" charset="-122"/>
+              </a:rPr>
+              <a:t>”</a:t>
+            </a:r>
+            <a:r>
+              <a:rPr lang="en-US" altLang="zh-CN" sz="1050" smtClean="0">
+                <a:latin typeface="微软雅黑" panose="020B0503020204020204" pitchFamily="34" charset="-122"/>
+                <a:ea typeface="微软雅黑" panose="020B0503020204020204" pitchFamily="34" charset="-122"/>
+              </a:rPr>
+              <a:t> </a:t>
+            </a:r>
+            <a:r>
+              <a:rPr lang="zh-CN" altLang="en-US" sz="1050" smtClean="0">
+                <a:latin typeface="微软雅黑" panose="020B0503020204020204" pitchFamily="34" charset="-122"/>
+                <a:ea typeface="微软雅黑" panose="020B0503020204020204" pitchFamily="34" charset="-122"/>
+              </a:rPr>
+              <a:t>的所有</a:t>
+            </a:r>
+            <a:r>
+              <a:rPr lang="en-US" altLang="zh-CN" sz="1050" smtClean="0">
+                <a:latin typeface="微软雅黑" panose="020B0503020204020204" pitchFamily="34" charset="-122"/>
+                <a:ea typeface="微软雅黑" panose="020B0503020204020204" pitchFamily="34" charset="-122"/>
+              </a:rPr>
+              <a:t>shuffle</a:t>
+            </a:r>
+            <a:r>
+              <a:rPr lang="zh-CN" altLang="en-US" sz="1050" smtClean="0">
+                <a:latin typeface="微软雅黑" panose="020B0503020204020204" pitchFamily="34" charset="-122"/>
+                <a:ea typeface="微软雅黑" panose="020B0503020204020204" pitchFamily="34" charset="-122"/>
+              </a:rPr>
+              <a:t>依赖，</a:t>
+            </a:r>
+            <a:endParaRPr lang="en-US" altLang="zh-CN" sz="1050" smtClean="0">
+              <a:latin typeface="微软雅黑" panose="020B0503020204020204" pitchFamily="34" charset="-122"/>
+              <a:ea typeface="微软雅黑" panose="020B0503020204020204" pitchFamily="34" charset="-122"/>
+            </a:endParaRPr>
+          </a:p>
+          <a:p>
+            <a:r>
+              <a:rPr lang="en-US" altLang="zh-CN" sz="1050" smtClean="0">
+                <a:latin typeface="微软雅黑" panose="020B0503020204020204" pitchFamily="34" charset="-122"/>
+                <a:ea typeface="微软雅黑" panose="020B0503020204020204" pitchFamily="34" charset="-122"/>
+              </a:rPr>
+              <a:t>getMissingAncestorShuffleDependencies</a:t>
+            </a:r>
+            <a:r>
+              <a:rPr lang="zh-CN" altLang="en-US" sz="1050" smtClean="0">
+                <a:latin typeface="微软雅黑" panose="020B0503020204020204" pitchFamily="34" charset="-122"/>
+                <a:ea typeface="微软雅黑" panose="020B0503020204020204" pitchFamily="34" charset="-122"/>
+              </a:rPr>
+              <a:t>实现下一页讲解</a:t>
+            </a:r>
+            <a:endParaRPr lang="en-US" altLang="zh-CN" sz="1050" smtClean="0">
+              <a:latin typeface="微软雅黑" panose="020B0503020204020204" pitchFamily="34" charset="-122"/>
+              <a:ea typeface="微软雅黑" panose="020B0503020204020204" pitchFamily="34" charset="-122"/>
+            </a:endParaRPr>
+          </a:p>
+          <a:p>
+            <a:endParaRPr lang="en-US" altLang="zh-CN" sz="1050">
+              <a:latin typeface="微软雅黑" panose="020B0503020204020204" pitchFamily="34" charset="-122"/>
+              <a:ea typeface="微软雅黑" panose="020B0503020204020204" pitchFamily="34" charset="-122"/>
+            </a:endParaRPr>
+          </a:p>
+          <a:p>
+            <a:r>
+              <a:rPr lang="en-US" altLang="zh-CN" sz="1050" b="1">
+                <a:solidFill>
+                  <a:srgbClr val="FF0000"/>
+                </a:solidFill>
+                <a:latin typeface="微软雅黑" panose="020B0503020204020204" pitchFamily="34" charset="-122"/>
+                <a:ea typeface="微软雅黑" panose="020B0503020204020204" pitchFamily="34" charset="-122"/>
+              </a:rPr>
+              <a:t>2</a:t>
+            </a:r>
+            <a:r>
+              <a:rPr lang="zh-CN" altLang="en-US" sz="1050" b="1">
+                <a:solidFill>
+                  <a:srgbClr val="FF0000"/>
+                </a:solidFill>
+                <a:latin typeface="微软雅黑" panose="020B0503020204020204" pitchFamily="34" charset="-122"/>
+                <a:ea typeface="微软雅黑" panose="020B0503020204020204" pitchFamily="34" charset="-122"/>
+              </a:rPr>
+              <a:t>：</a:t>
+            </a:r>
+            <a:r>
+              <a:rPr lang="zh-CN" altLang="en-US" sz="1050">
+                <a:latin typeface="微软雅黑" panose="020B0503020204020204" pitchFamily="34" charset="-122"/>
+                <a:ea typeface="微软雅黑" panose="020B0503020204020204" pitchFamily="34" charset="-122"/>
+              </a:rPr>
+              <a:t>然后对步骤</a:t>
+            </a:r>
+            <a:r>
+              <a:rPr lang="en-US" altLang="zh-CN" sz="1050">
+                <a:latin typeface="微软雅黑" panose="020B0503020204020204" pitchFamily="34" charset="-122"/>
+                <a:ea typeface="微软雅黑" panose="020B0503020204020204" pitchFamily="34" charset="-122"/>
+              </a:rPr>
+              <a:t>1</a:t>
+            </a:r>
+            <a:r>
+              <a:rPr lang="zh-CN" altLang="en-US" sz="1050">
+                <a:latin typeface="微软雅黑" panose="020B0503020204020204" pitchFamily="34" charset="-122"/>
+                <a:ea typeface="微软雅黑" panose="020B0503020204020204" pitchFamily="34" charset="-122"/>
+              </a:rPr>
+              <a:t>中的结果进行</a:t>
+            </a:r>
+            <a:r>
+              <a:rPr lang="en-US" altLang="zh-CN" sz="1050">
+                <a:latin typeface="微软雅黑" panose="020B0503020204020204" pitchFamily="34" charset="-122"/>
+                <a:ea typeface="微软雅黑" panose="020B0503020204020204" pitchFamily="34" charset="-122"/>
+              </a:rPr>
+              <a:t>foreach</a:t>
+            </a:r>
+            <a:r>
+              <a:rPr lang="zh-CN" altLang="en-US" sz="1050">
+                <a:latin typeface="微软雅黑" panose="020B0503020204020204" pitchFamily="34" charset="-122"/>
+                <a:ea typeface="微软雅黑" panose="020B0503020204020204" pitchFamily="34" charset="-122"/>
+              </a:rPr>
+              <a:t>，对每一依赖</a:t>
+            </a:r>
+            <a:endParaRPr lang="en-US" altLang="zh-CN" sz="1050">
+              <a:latin typeface="微软雅黑" panose="020B0503020204020204" pitchFamily="34" charset="-122"/>
+              <a:ea typeface="微软雅黑" panose="020B0503020204020204" pitchFamily="34" charset="-122"/>
+            </a:endParaRPr>
+          </a:p>
+          <a:p>
+            <a:r>
+              <a:rPr lang="zh-CN" altLang="en-US" sz="1050">
+                <a:latin typeface="微软雅黑" panose="020B0503020204020204" pitchFamily="34" charset="-122"/>
+                <a:ea typeface="微软雅黑" panose="020B0503020204020204" pitchFamily="34" charset="-122"/>
+              </a:rPr>
+              <a:t>创建</a:t>
+            </a:r>
+            <a:r>
+              <a:rPr lang="en-US" altLang="zh-CN" sz="1050">
+                <a:latin typeface="微软雅黑" panose="020B0503020204020204" pitchFamily="34" charset="-122"/>
+                <a:ea typeface="微软雅黑" panose="020B0503020204020204" pitchFamily="34" charset="-122"/>
+              </a:rPr>
+              <a:t>Stage</a:t>
+            </a:r>
+            <a:r>
+              <a:rPr lang="zh-CN" altLang="en-US" sz="1050">
+                <a:latin typeface="微软雅黑" panose="020B0503020204020204" pitchFamily="34" charset="-122"/>
+                <a:ea typeface="微软雅黑" panose="020B0503020204020204" pitchFamily="34" charset="-122"/>
+              </a:rPr>
+              <a:t>，对步骤</a:t>
+            </a:r>
+            <a:r>
+              <a:rPr lang="en-US" altLang="zh-CN" sz="1050">
+                <a:latin typeface="微软雅黑" panose="020B0503020204020204" pitchFamily="34" charset="-122"/>
+                <a:ea typeface="微软雅黑" panose="020B0503020204020204" pitchFamily="34" charset="-122"/>
+              </a:rPr>
+              <a:t>1</a:t>
+            </a:r>
+            <a:r>
+              <a:rPr lang="zh-CN" altLang="en-US" sz="1050">
+                <a:latin typeface="微软雅黑" panose="020B0503020204020204" pitchFamily="34" charset="-122"/>
+                <a:ea typeface="微软雅黑" panose="020B0503020204020204" pitchFamily="34" charset="-122"/>
+              </a:rPr>
+              <a:t>中的所有依赖创建完毕</a:t>
+            </a:r>
+            <a:r>
+              <a:rPr lang="en-US" altLang="zh-CN" sz="1050">
+                <a:latin typeface="微软雅黑" panose="020B0503020204020204" pitchFamily="34" charset="-122"/>
+                <a:ea typeface="微软雅黑" panose="020B0503020204020204" pitchFamily="34" charset="-122"/>
+              </a:rPr>
+              <a:t>Stage</a:t>
+            </a:r>
+            <a:r>
+              <a:rPr lang="zh-CN" altLang="en-US" sz="1050">
+                <a:latin typeface="微软雅黑" panose="020B0503020204020204" pitchFamily="34" charset="-122"/>
+                <a:ea typeface="微软雅黑" panose="020B0503020204020204" pitchFamily="34" charset="-122"/>
+              </a:rPr>
+              <a:t>之后，退出</a:t>
+            </a:r>
+            <a:r>
+              <a:rPr lang="en-US" altLang="zh-CN" sz="1050">
+                <a:latin typeface="微软雅黑" panose="020B0503020204020204" pitchFamily="34" charset="-122"/>
+                <a:ea typeface="微软雅黑" panose="020B0503020204020204" pitchFamily="34" charset="-122"/>
+              </a:rPr>
+              <a:t>foreach</a:t>
+            </a:r>
+            <a:r>
+              <a:rPr lang="zh-CN" altLang="en-US" sz="1050">
+                <a:latin typeface="微软雅黑" panose="020B0503020204020204" pitchFamily="34" charset="-122"/>
+                <a:ea typeface="微软雅黑" panose="020B0503020204020204" pitchFamily="34" charset="-122"/>
+              </a:rPr>
+              <a:t>算子</a:t>
+            </a:r>
+            <a:endParaRPr lang="en-US" altLang="zh-CN" sz="1050">
+              <a:latin typeface="微软雅黑" panose="020B0503020204020204" pitchFamily="34" charset="-122"/>
+              <a:ea typeface="微软雅黑" panose="020B0503020204020204" pitchFamily="34" charset="-122"/>
+            </a:endParaRPr>
+          </a:p>
+          <a:p>
+            <a:endParaRPr lang="en-US" altLang="zh-CN" sz="1050">
+              <a:latin typeface="微软雅黑" panose="020B0503020204020204" pitchFamily="34" charset="-122"/>
+              <a:ea typeface="微软雅黑" panose="020B0503020204020204" pitchFamily="34" charset="-122"/>
+            </a:endParaRPr>
+          </a:p>
+          <a:p>
+            <a:r>
+              <a:rPr lang="en-US" altLang="zh-CN" sz="1050" b="1">
+                <a:solidFill>
+                  <a:srgbClr val="FF0000"/>
+                </a:solidFill>
+                <a:latin typeface="微软雅黑" panose="020B0503020204020204" pitchFamily="34" charset="-122"/>
+                <a:ea typeface="微软雅黑" panose="020B0503020204020204" pitchFamily="34" charset="-122"/>
+              </a:rPr>
+              <a:t>3</a:t>
+            </a:r>
+            <a:r>
+              <a:rPr lang="zh-CN" altLang="en-US" sz="1050" b="1">
+                <a:solidFill>
+                  <a:srgbClr val="FF0000"/>
+                </a:solidFill>
+                <a:latin typeface="微软雅黑" panose="020B0503020204020204" pitchFamily="34" charset="-122"/>
+                <a:ea typeface="微软雅黑" panose="020B0503020204020204" pitchFamily="34" charset="-122"/>
+              </a:rPr>
+              <a:t>：</a:t>
+            </a:r>
+            <a:r>
+              <a:rPr lang="zh-CN" altLang="en-US" sz="1050">
+                <a:latin typeface="微软雅黑" panose="020B0503020204020204" pitchFamily="34" charset="-122"/>
+                <a:ea typeface="微软雅黑" panose="020B0503020204020204" pitchFamily="34" charset="-122"/>
+              </a:rPr>
+              <a:t>执行</a:t>
+            </a:r>
+            <a:r>
+              <a:rPr lang="en-US" altLang="zh-CN" sz="1050">
+                <a:latin typeface="微软雅黑" panose="020B0503020204020204" pitchFamily="34" charset="-122"/>
+                <a:ea typeface="微软雅黑" panose="020B0503020204020204" pitchFamily="34" charset="-122"/>
+              </a:rPr>
+              <a:t>foreach</a:t>
+            </a:r>
+            <a:r>
+              <a:rPr lang="zh-CN" altLang="en-US" sz="1050">
+                <a:latin typeface="微软雅黑" panose="020B0503020204020204" pitchFamily="34" charset="-122"/>
+                <a:ea typeface="微软雅黑" panose="020B0503020204020204" pitchFamily="34" charset="-122"/>
+              </a:rPr>
+              <a:t>之外的</a:t>
+            </a:r>
+            <a:r>
+              <a:rPr lang="en-US" altLang="zh-CN" sz="1050">
+                <a:latin typeface="微软雅黑" panose="020B0503020204020204" pitchFamily="34" charset="-122"/>
+                <a:ea typeface="微软雅黑" panose="020B0503020204020204" pitchFamily="34" charset="-122"/>
+              </a:rPr>
+              <a:t>createShuffleMapStage</a:t>
+            </a:r>
+            <a:r>
+              <a:rPr lang="zh-CN" altLang="en-US" sz="1050">
+                <a:latin typeface="微软雅黑" panose="020B0503020204020204" pitchFamily="34" charset="-122"/>
+                <a:ea typeface="微软雅黑" panose="020B0503020204020204" pitchFamily="34" charset="-122"/>
+              </a:rPr>
+              <a:t>，该步骤</a:t>
+            </a:r>
+            <a:r>
+              <a:rPr lang="zh-CN" altLang="en-US" sz="1050">
+                <a:latin typeface="微软雅黑" panose="020B0503020204020204" pitchFamily="34" charset="-122"/>
+                <a:ea typeface="微软雅黑" panose="020B0503020204020204" pitchFamily="34" charset="-122"/>
+              </a:rPr>
+              <a:t>是</a:t>
+            </a:r>
+            <a:r>
+              <a:rPr lang="zh-CN" altLang="en-US" sz="1050" smtClean="0">
+                <a:latin typeface="微软雅黑" panose="020B0503020204020204" pitchFamily="34" charset="-122"/>
+                <a:ea typeface="微软雅黑" panose="020B0503020204020204" pitchFamily="34" charset="-122"/>
+              </a:rPr>
+              <a:t>对</a:t>
+            </a:r>
+            <a:r>
+              <a:rPr lang="en-US" altLang="zh-CN" sz="1050" smtClean="0">
+                <a:latin typeface="微软雅黑" panose="020B0503020204020204" pitchFamily="34" charset="-122"/>
+                <a:ea typeface="微软雅黑" panose="020B0503020204020204" pitchFamily="34" charset="-122"/>
+              </a:rPr>
+              <a:t>getOrCreateShuffleMapStage</a:t>
+            </a:r>
+            <a:r>
+              <a:rPr lang="zh-CN" altLang="en-US" sz="1050">
+                <a:latin typeface="微软雅黑" panose="020B0503020204020204" pitchFamily="34" charset="-122"/>
+                <a:ea typeface="微软雅黑" panose="020B0503020204020204" pitchFamily="34" charset="-122"/>
+              </a:rPr>
+              <a:t>参数中的</a:t>
+            </a:r>
+            <a:r>
+              <a:rPr lang="en-US" altLang="zh-CN" sz="1050">
+                <a:latin typeface="微软雅黑" panose="020B0503020204020204" pitchFamily="34" charset="-122"/>
+                <a:ea typeface="微软雅黑" panose="020B0503020204020204" pitchFamily="34" charset="-122"/>
+              </a:rPr>
+              <a:t>shuffleDep</a:t>
+            </a:r>
+            <a:r>
+              <a:rPr lang="zh-CN" altLang="en-US" sz="1050">
+                <a:latin typeface="微软雅黑" panose="020B0503020204020204" pitchFamily="34" charset="-122"/>
+                <a:ea typeface="微软雅黑" panose="020B0503020204020204" pitchFamily="34" charset="-122"/>
+              </a:rPr>
+              <a:t>进行</a:t>
+            </a:r>
+            <a:r>
+              <a:rPr lang="zh-CN" altLang="en-US" sz="1050">
+                <a:latin typeface="微软雅黑" panose="020B0503020204020204" pitchFamily="34" charset="-122"/>
+                <a:ea typeface="微软雅黑" panose="020B0503020204020204" pitchFamily="34" charset="-122"/>
+              </a:rPr>
+              <a:t>创建</a:t>
+            </a:r>
+            <a:r>
+              <a:rPr lang="en-US" altLang="zh-CN" sz="1050" smtClean="0">
+                <a:latin typeface="微软雅黑" panose="020B0503020204020204" pitchFamily="34" charset="-122"/>
+                <a:ea typeface="微软雅黑" panose="020B0503020204020204" pitchFamily="34" charset="-122"/>
+              </a:rPr>
+              <a:t>stage</a:t>
+            </a:r>
+            <a:r>
+              <a:rPr lang="zh-CN" altLang="en-US" sz="1050" smtClean="0">
+                <a:latin typeface="微软雅黑" panose="020B0503020204020204" pitchFamily="34" charset="-122"/>
+                <a:ea typeface="微软雅黑" panose="020B0503020204020204" pitchFamily="34" charset="-122"/>
+              </a:rPr>
+              <a:t>最终</a:t>
+            </a:r>
+            <a:r>
+              <a:rPr lang="zh-CN" altLang="en-US" sz="1050">
+                <a:latin typeface="微软雅黑" panose="020B0503020204020204" pitchFamily="34" charset="-122"/>
+                <a:ea typeface="微软雅黑" panose="020B0503020204020204" pitchFamily="34" charset="-122"/>
+              </a:rPr>
+              <a:t>完成所有的</a:t>
+            </a:r>
+            <a:r>
+              <a:rPr lang="en-US" altLang="zh-CN" sz="1050">
+                <a:latin typeface="微软雅黑" panose="020B0503020204020204" pitchFamily="34" charset="-122"/>
+                <a:ea typeface="微软雅黑" panose="020B0503020204020204" pitchFamily="34" charset="-122"/>
+              </a:rPr>
+              <a:t>St</a:t>
+            </a:r>
+            <a:r>
+              <a:rPr lang="en-US" altLang="zh-CN" sz="1050">
+                <a:latin typeface="微软雅黑" panose="020B0503020204020204" pitchFamily="34" charset="-122"/>
+                <a:ea typeface="微软雅黑" panose="020B0503020204020204" pitchFamily="34" charset="-122"/>
+              </a:rPr>
+              <a:t>a</a:t>
+            </a:r>
+            <a:r>
+              <a:rPr lang="en-US" altLang="zh-CN" sz="1050">
+                <a:latin typeface="微软雅黑" panose="020B0503020204020204" pitchFamily="34" charset="-122"/>
+                <a:ea typeface="微软雅黑" panose="020B0503020204020204" pitchFamily="34" charset="-122"/>
+              </a:rPr>
+              <a:t>ge</a:t>
+            </a:r>
+            <a:r>
+              <a:rPr lang="zh-CN" altLang="en-US" sz="1050">
+                <a:latin typeface="微软雅黑" panose="020B0503020204020204" pitchFamily="34" charset="-122"/>
+                <a:ea typeface="微软雅黑" panose="020B0503020204020204" pitchFamily="34" charset="-122"/>
+              </a:rPr>
+              <a:t>创建</a:t>
+            </a:r>
+            <a:endParaRPr lang="zh-CN" altLang="en-US" sz="1050">
+              <a:latin typeface="微软雅黑" panose="020B0503020204020204" pitchFamily="34" charset="-122"/>
+              <a:ea typeface="微软雅黑" panose="020B0503020204020204" pitchFamily="34" charset="-122"/>
+            </a:endParaRPr>
+          </a:p>
+        </p:txBody>
+      </p:sp>
+      <p:sp>
+        <p:nvSpPr>
+          <p:cNvPr id="11" name="文本框 10"/>
+          <p:cNvSpPr txBox="1"/>
+          <p:nvPr/>
+        </p:nvSpPr>
+        <p:spPr>
+          <a:xfrm>
+            <a:off x="8656622" y="5793784"/>
+            <a:ext cx="3307316" cy="738664"/>
+          </a:xfrm>
+          <a:prstGeom prst="rect">
+            <a:avLst/>
+          </a:prstGeom>
+          <a:noFill/>
+        </p:spPr>
+        <p:txBody>
+          <a:bodyPr wrap="none" rtlCol="0">
+            <a:spAutoFit/>
+          </a:bodyPr>
+          <a:lstStyle/>
+          <a:p>
+            <a:r>
+              <a:rPr lang="en-US" altLang="zh-CN" sz="1050" b="1" smtClean="0">
+                <a:solidFill>
+                  <a:srgbClr val="FF0000"/>
+                </a:solidFill>
+                <a:latin typeface="微软雅黑" panose="020B0503020204020204" pitchFamily="34" charset="-122"/>
+                <a:ea typeface="微软雅黑" panose="020B0503020204020204" pitchFamily="34" charset="-122"/>
+              </a:rPr>
+              <a:t>Stage</a:t>
+            </a:r>
+            <a:r>
+              <a:rPr lang="zh-CN" altLang="en-US" sz="1050" b="1" smtClean="0">
+                <a:solidFill>
+                  <a:srgbClr val="FF0000"/>
+                </a:solidFill>
+                <a:latin typeface="微软雅黑" panose="020B0503020204020204" pitchFamily="34" charset="-122"/>
+                <a:ea typeface="微软雅黑" panose="020B0503020204020204" pitchFamily="34" charset="-122"/>
+              </a:rPr>
+              <a:t>创建顺序：</a:t>
+            </a:r>
+            <a:endParaRPr lang="en-US" altLang="zh-CN" sz="1050" b="1" smtClean="0">
+              <a:solidFill>
+                <a:srgbClr val="FF0000"/>
+              </a:solidFill>
+              <a:latin typeface="微软雅黑" panose="020B0503020204020204" pitchFamily="34" charset="-122"/>
+              <a:ea typeface="微软雅黑" panose="020B0503020204020204" pitchFamily="34" charset="-122"/>
+            </a:endParaRPr>
+          </a:p>
+          <a:p>
+            <a:r>
+              <a:rPr lang="zh-CN" altLang="en-US" sz="1050" smtClean="0">
+                <a:latin typeface="微软雅黑" panose="020B0503020204020204" pitchFamily="34" charset="-122"/>
+                <a:ea typeface="微软雅黑" panose="020B0503020204020204" pitchFamily="34" charset="-122"/>
+              </a:rPr>
+              <a:t>先</a:t>
+            </a:r>
+            <a:r>
+              <a:rPr lang="zh-CN" altLang="en-US" sz="1050">
+                <a:latin typeface="微软雅黑" panose="020B0503020204020204" pitchFamily="34" charset="-122"/>
+                <a:ea typeface="微软雅黑" panose="020B0503020204020204" pitchFamily="34" charset="-122"/>
+              </a:rPr>
+              <a:t>从后向前找到</a:t>
+            </a:r>
+            <a:r>
+              <a:rPr lang="en-US" altLang="zh-CN" sz="1050">
+                <a:latin typeface="微软雅黑" panose="020B0503020204020204" pitchFamily="34" charset="-122"/>
+                <a:ea typeface="微软雅黑" panose="020B0503020204020204" pitchFamily="34" charset="-122"/>
+              </a:rPr>
+              <a:t>shuffle</a:t>
+            </a:r>
+            <a:r>
+              <a:rPr lang="zh-CN" altLang="en-US" sz="1050">
+                <a:latin typeface="微软雅黑" panose="020B0503020204020204" pitchFamily="34" charset="-122"/>
+                <a:ea typeface="微软雅黑" panose="020B0503020204020204" pitchFamily="34" charset="-122"/>
+              </a:rPr>
+              <a:t>依赖的存储在栈</a:t>
+            </a:r>
+            <a:r>
+              <a:rPr lang="zh-CN" altLang="en-US" sz="1050">
+                <a:latin typeface="微软雅黑" panose="020B0503020204020204" pitchFamily="34" charset="-122"/>
+                <a:ea typeface="微软雅黑" panose="020B0503020204020204" pitchFamily="34" charset="-122"/>
+              </a:rPr>
+              <a:t>中</a:t>
+            </a:r>
+            <a:r>
+              <a:rPr lang="zh-CN" altLang="en-US" sz="1050" smtClean="0">
+                <a:latin typeface="微软雅黑" panose="020B0503020204020204" pitchFamily="34" charset="-122"/>
+                <a:ea typeface="微软雅黑" panose="020B0503020204020204" pitchFamily="34" charset="-122"/>
+              </a:rPr>
+              <a:t>，</a:t>
+            </a:r>
+            <a:endParaRPr lang="en-US" altLang="zh-CN" sz="1050" smtClean="0">
+              <a:latin typeface="微软雅黑" panose="020B0503020204020204" pitchFamily="34" charset="-122"/>
+              <a:ea typeface="微软雅黑" panose="020B0503020204020204" pitchFamily="34" charset="-122"/>
+            </a:endParaRPr>
+          </a:p>
+          <a:p>
+            <a:r>
+              <a:rPr lang="zh-CN" altLang="en-US" sz="1050" smtClean="0">
+                <a:latin typeface="微软雅黑" panose="020B0503020204020204" pitchFamily="34" charset="-122"/>
+                <a:ea typeface="微软雅黑" panose="020B0503020204020204" pitchFamily="34" charset="-122"/>
+              </a:rPr>
+              <a:t>（</a:t>
+            </a:r>
+            <a:r>
+              <a:rPr lang="zh-CN" altLang="en-US" sz="1050">
+                <a:latin typeface="微软雅黑" panose="020B0503020204020204" pitchFamily="34" charset="-122"/>
+                <a:ea typeface="微软雅黑" panose="020B0503020204020204" pitchFamily="34" charset="-122"/>
+              </a:rPr>
+              <a:t>由于栈顶是最前面的</a:t>
+            </a:r>
+            <a:r>
+              <a:rPr lang="en-US" altLang="zh-CN" sz="1050">
+                <a:latin typeface="微软雅黑" panose="020B0503020204020204" pitchFamily="34" charset="-122"/>
+                <a:ea typeface="微软雅黑" panose="020B0503020204020204" pitchFamily="34" charset="-122"/>
+              </a:rPr>
+              <a:t>shuffle</a:t>
+            </a:r>
+            <a:r>
+              <a:rPr lang="zh-CN" altLang="en-US" sz="1050">
+                <a:latin typeface="微软雅黑" panose="020B0503020204020204" pitchFamily="34" charset="-122"/>
+                <a:ea typeface="微软雅黑" panose="020B0503020204020204" pitchFamily="34" charset="-122"/>
+              </a:rPr>
+              <a:t>依赖）</a:t>
+            </a:r>
+            <a:r>
+              <a:rPr lang="zh-CN" altLang="en-US" sz="1050">
+                <a:latin typeface="微软雅黑" panose="020B0503020204020204" pitchFamily="34" charset="-122"/>
+                <a:ea typeface="微软雅黑" panose="020B0503020204020204" pitchFamily="34" charset="-122"/>
+              </a:rPr>
+              <a:t>然后</a:t>
+            </a:r>
+            <a:r>
+              <a:rPr lang="zh-CN" altLang="en-US" sz="1050" smtClean="0">
+                <a:latin typeface="微软雅黑" panose="020B0503020204020204" pitchFamily="34" charset="-122"/>
+                <a:ea typeface="微软雅黑" panose="020B0503020204020204" pitchFamily="34" charset="-122"/>
+              </a:rPr>
+              <a:t>根据</a:t>
+            </a:r>
+            <a:endParaRPr lang="en-US" altLang="zh-CN" sz="1050" smtClean="0">
+              <a:latin typeface="微软雅黑" panose="020B0503020204020204" pitchFamily="34" charset="-122"/>
+              <a:ea typeface="微软雅黑" panose="020B0503020204020204" pitchFamily="34" charset="-122"/>
+            </a:endParaRPr>
+          </a:p>
+          <a:p>
+            <a:r>
+              <a:rPr lang="zh-CN" altLang="en-US" sz="1050" smtClean="0">
+                <a:latin typeface="微软雅黑" panose="020B0503020204020204" pitchFamily="34" charset="-122"/>
+                <a:ea typeface="微软雅黑" panose="020B0503020204020204" pitchFamily="34" charset="-122"/>
+              </a:rPr>
+              <a:t>出</a:t>
+            </a:r>
+            <a:r>
+              <a:rPr lang="zh-CN" altLang="en-US" sz="1050">
+                <a:latin typeface="微软雅黑" panose="020B0503020204020204" pitchFamily="34" charset="-122"/>
+                <a:ea typeface="微软雅黑" panose="020B0503020204020204" pitchFamily="34" charset="-122"/>
+              </a:rPr>
+              <a:t>栈</a:t>
+            </a:r>
+            <a:r>
+              <a:rPr lang="zh-CN" altLang="en-US" sz="1050" smtClean="0">
+                <a:latin typeface="微软雅黑" panose="020B0503020204020204" pitchFamily="34" charset="-122"/>
+                <a:ea typeface="微软雅黑" panose="020B0503020204020204" pitchFamily="34" charset="-122"/>
+              </a:rPr>
+              <a:t>逐渐创建</a:t>
+            </a:r>
+            <a:r>
+              <a:rPr lang="en-US" altLang="zh-CN" sz="1050">
+                <a:latin typeface="微软雅黑" panose="020B0503020204020204" pitchFamily="34" charset="-122"/>
+                <a:ea typeface="微软雅黑" panose="020B0503020204020204" pitchFamily="34" charset="-122"/>
+              </a:rPr>
+              <a:t>stage</a:t>
+            </a:r>
+            <a:r>
+              <a:rPr lang="zh-CN" altLang="en-US" sz="1050">
+                <a:latin typeface="微软雅黑" panose="020B0503020204020204" pitchFamily="34" charset="-122"/>
+                <a:ea typeface="微软雅黑" panose="020B0503020204020204" pitchFamily="34" charset="-122"/>
+              </a:rPr>
+              <a:t>，所以</a:t>
+            </a:r>
+            <a:r>
+              <a:rPr lang="en-US" altLang="zh-CN" sz="1050">
+                <a:latin typeface="微软雅黑" panose="020B0503020204020204" pitchFamily="34" charset="-122"/>
+                <a:ea typeface="微软雅黑" panose="020B0503020204020204" pitchFamily="34" charset="-122"/>
+              </a:rPr>
+              <a:t>stage</a:t>
+            </a:r>
+            <a:r>
+              <a:rPr lang="zh-CN" altLang="en-US" sz="1050">
+                <a:latin typeface="微软雅黑" panose="020B0503020204020204" pitchFamily="34" charset="-122"/>
+                <a:ea typeface="微软雅黑" panose="020B0503020204020204" pitchFamily="34" charset="-122"/>
+              </a:rPr>
+              <a:t>的创建是由前向后的</a:t>
+            </a:r>
+          </a:p>
+        </p:txBody>
+      </p:sp>
     </p:spTree>
     <p:extLst>
       <p:ext uri="{BB962C8B-B14F-4D97-AF65-F5344CB8AC3E}">
-        <p14:creationId xmlns:p14="http://schemas.microsoft.com/office/powerpoint/2010/main" val="1848535723"/>
+        <p14:creationId xmlns:p14="http://schemas.microsoft.com/office/powerpoint/2010/main" val="1076395874"/>
       </p:ext>
     </p:extLst>
   </p:cSld>
   <p:clrMapOvr>
     <a:masterClrMapping/>
   </p:clrMapOvr>
+  <p:timing>
+    <p:tnLst>
+      <p:par>
+        <p:cTn id="1" dur="indefinite" restart="never" nodeType="tmRoot"/>
+      </p:par>
+    </p:tnLst>
+  </p:timing>
 </p:sld>
 </file>
 
 <file path=ppt/slides/slide25.xml><?xml version="1.0" encoding="utf-8"?>
 <p:sld xmlns:a="http://schemas.openxmlformats.org/drawingml/2006/main" xmlns:r="http://schemas.openxmlformats.org/officeDocument/2006/relationships" xmlns:p="http://schemas.openxmlformats.org/presentationml/2006/main">
   <p:cSld>
+    <p:bg>
+      <p:bgPr>
+        <a:solidFill>
+          <a:schemeClr val="accent1">
+            <a:lumMod val="75000"/>
+          </a:schemeClr>
+        </a:solidFill>
+        <a:effectLst/>
+      </p:bgPr>
+    </p:bg>
     <p:spTree>
       <p:nvGrpSpPr>
         <p:cNvPr id="1" name=""/>
@@ -9608,16 +12571,47 @@
           <a:chExt cx="0" cy="0"/>
         </a:xfrm>
       </p:grpSpPr>
+      <p:pic>
+        <p:nvPicPr>
+          <p:cNvPr id="4" name="图片 3"/>
+          <p:cNvPicPr>
+            <a:picLocks noChangeAspect="1"/>
+          </p:cNvPicPr>
+          <p:nvPr/>
+        </p:nvPicPr>
+        <p:blipFill>
+          <a:blip r:embed="rId2"/>
+          <a:stretch>
+            <a:fillRect/>
+          </a:stretch>
+        </p:blipFill>
+        <p:spPr>
+          <a:xfrm>
+            <a:off x="0" y="71665"/>
+            <a:ext cx="12273538" cy="6277559"/>
+          </a:xfrm>
+          <a:prstGeom prst="rect">
+            <a:avLst/>
+          </a:prstGeom>
+        </p:spPr>
+      </p:pic>
     </p:spTree>
     <p:extLst>
       <p:ext uri="{BB962C8B-B14F-4D97-AF65-F5344CB8AC3E}">
-        <p14:creationId xmlns:p14="http://schemas.microsoft.com/office/powerpoint/2010/main" val="2581434329"/>
+        <p14:creationId xmlns:p14="http://schemas.microsoft.com/office/powerpoint/2010/main" val="2853324622"/>
       </p:ext>
     </p:extLst>
   </p:cSld>
   <p:clrMapOvr>
     <a:masterClrMapping/>
   </p:clrMapOvr>
+  <p:timing>
+    <p:tnLst>
+      <p:par>
+        <p:cTn id="1" dur="indefinite" restart="never" nodeType="tmRoot"/>
+      </p:par>
+    </p:tnLst>
+  </p:timing>
 </p:sld>
 </file>
 
@@ -9638,10 +12632,32 @@
           <a:chExt cx="0" cy="0"/>
         </a:xfrm>
       </p:grpSpPr>
+      <p:pic>
+        <p:nvPicPr>
+          <p:cNvPr id="2" name="图片 1" descr="spark-yarn2"/>
+          <p:cNvPicPr/>
+          <p:nvPr/>
+        </p:nvPicPr>
+        <p:blipFill>
+          <a:blip r:embed="rId2"/>
+          <a:stretch>
+            <a:fillRect/>
+          </a:stretch>
+        </p:blipFill>
+        <p:spPr>
+          <a:xfrm>
+            <a:off x="1270907" y="1223871"/>
+            <a:ext cx="8717824" cy="4837295"/>
+          </a:xfrm>
+          <a:prstGeom prst="rect">
+            <a:avLst/>
+          </a:prstGeom>
+        </p:spPr>
+      </p:pic>
     </p:spTree>
     <p:extLst>
       <p:ext uri="{BB962C8B-B14F-4D97-AF65-F5344CB8AC3E}">
-        <p14:creationId xmlns:p14="http://schemas.microsoft.com/office/powerpoint/2010/main" val="2555119250"/>
+        <p14:creationId xmlns:p14="http://schemas.microsoft.com/office/powerpoint/2010/main" val="211708737"/>
       </p:ext>
     </p:extLst>
   </p:cSld>
@@ -9668,10 +12684,2484 @@
           <a:chExt cx="0" cy="0"/>
         </a:xfrm>
       </p:grpSpPr>
+      <p:sp>
+        <p:nvSpPr>
+          <p:cNvPr id="2" name="矩形 1"/>
+          <p:cNvSpPr/>
+          <p:nvPr/>
+        </p:nvSpPr>
+        <p:spPr>
+          <a:xfrm>
+            <a:off x="5122506" y="1324948"/>
+            <a:ext cx="1408922" cy="3554963"/>
+          </a:xfrm>
+          <a:prstGeom prst="rect">
+            <a:avLst/>
+          </a:prstGeom>
+          <a:solidFill>
+            <a:srgbClr val="00B050"/>
+          </a:solidFill>
+          <a:ln>
+            <a:solidFill>
+              <a:schemeClr val="tx1"/>
+            </a:solidFill>
+          </a:ln>
+        </p:spPr>
+        <p:style>
+          <a:lnRef idx="2">
+            <a:schemeClr val="accent1">
+              <a:shade val="50000"/>
+            </a:schemeClr>
+          </a:lnRef>
+          <a:fillRef idx="1">
+            <a:schemeClr val="accent1"/>
+          </a:fillRef>
+          <a:effectRef idx="0">
+            <a:schemeClr val="accent1"/>
+          </a:effectRef>
+          <a:fontRef idx="minor">
+            <a:schemeClr val="lt1"/>
+          </a:fontRef>
+        </p:style>
+        <p:txBody>
+          <a:bodyPr rtlCol="0" anchor="ctr"/>
+          <a:lstStyle/>
+          <a:p>
+            <a:pPr algn="ctr"/>
+            <a:endParaRPr lang="zh-CN" altLang="en-US"/>
+          </a:p>
+        </p:txBody>
+      </p:sp>
+      <p:sp>
+        <p:nvSpPr>
+          <p:cNvPr id="3" name="矩形 2"/>
+          <p:cNvSpPr/>
+          <p:nvPr/>
+        </p:nvSpPr>
+        <p:spPr>
+          <a:xfrm>
+            <a:off x="5397759" y="1548883"/>
+            <a:ext cx="858416" cy="475861"/>
+          </a:xfrm>
+          <a:prstGeom prst="rect">
+            <a:avLst/>
+          </a:prstGeom>
+          <a:solidFill>
+            <a:schemeClr val="accent4">
+              <a:lumMod val="20000"/>
+              <a:lumOff val="80000"/>
+            </a:schemeClr>
+          </a:solidFill>
+        </p:spPr>
+        <p:style>
+          <a:lnRef idx="2">
+            <a:schemeClr val="accent1">
+              <a:shade val="50000"/>
+            </a:schemeClr>
+          </a:lnRef>
+          <a:fillRef idx="1">
+            <a:schemeClr val="accent1"/>
+          </a:fillRef>
+          <a:effectRef idx="0">
+            <a:schemeClr val="accent1"/>
+          </a:effectRef>
+          <a:fontRef idx="minor">
+            <a:schemeClr val="lt1"/>
+          </a:fontRef>
+        </p:style>
+        <p:txBody>
+          <a:bodyPr rtlCol="0" anchor="ctr"/>
+          <a:lstStyle/>
+          <a:p>
+            <a:pPr algn="ctr"/>
+            <a:endParaRPr lang="zh-CN" altLang="en-US"/>
+          </a:p>
+        </p:txBody>
+      </p:sp>
+      <p:sp>
+        <p:nvSpPr>
+          <p:cNvPr id="4" name="矩形 3"/>
+          <p:cNvSpPr/>
+          <p:nvPr/>
+        </p:nvSpPr>
+        <p:spPr>
+          <a:xfrm>
+            <a:off x="5397759" y="2472614"/>
+            <a:ext cx="858416" cy="475861"/>
+          </a:xfrm>
+          <a:prstGeom prst="rect">
+            <a:avLst/>
+          </a:prstGeom>
+          <a:solidFill>
+            <a:schemeClr val="accent4">
+              <a:lumMod val="20000"/>
+              <a:lumOff val="80000"/>
+            </a:schemeClr>
+          </a:solidFill>
+        </p:spPr>
+        <p:style>
+          <a:lnRef idx="2">
+            <a:schemeClr val="accent1">
+              <a:shade val="50000"/>
+            </a:schemeClr>
+          </a:lnRef>
+          <a:fillRef idx="1">
+            <a:schemeClr val="accent1"/>
+          </a:fillRef>
+          <a:effectRef idx="0">
+            <a:schemeClr val="accent1"/>
+          </a:effectRef>
+          <a:fontRef idx="minor">
+            <a:schemeClr val="lt1"/>
+          </a:fontRef>
+        </p:style>
+        <p:txBody>
+          <a:bodyPr rtlCol="0" anchor="ctr"/>
+          <a:lstStyle/>
+          <a:p>
+            <a:pPr algn="ctr"/>
+            <a:endParaRPr lang="zh-CN" altLang="en-US"/>
+          </a:p>
+        </p:txBody>
+      </p:sp>
+      <p:sp>
+        <p:nvSpPr>
+          <p:cNvPr id="5" name="矩形 4"/>
+          <p:cNvSpPr/>
+          <p:nvPr/>
+        </p:nvSpPr>
+        <p:spPr>
+          <a:xfrm>
+            <a:off x="5397759" y="3303039"/>
+            <a:ext cx="858416" cy="475861"/>
+          </a:xfrm>
+          <a:prstGeom prst="rect">
+            <a:avLst/>
+          </a:prstGeom>
+          <a:solidFill>
+            <a:schemeClr val="accent4">
+              <a:lumMod val="20000"/>
+              <a:lumOff val="80000"/>
+            </a:schemeClr>
+          </a:solidFill>
+        </p:spPr>
+        <p:style>
+          <a:lnRef idx="2">
+            <a:schemeClr val="accent1">
+              <a:shade val="50000"/>
+            </a:schemeClr>
+          </a:lnRef>
+          <a:fillRef idx="1">
+            <a:schemeClr val="accent1"/>
+          </a:fillRef>
+          <a:effectRef idx="0">
+            <a:schemeClr val="accent1"/>
+          </a:effectRef>
+          <a:fontRef idx="minor">
+            <a:schemeClr val="lt1"/>
+          </a:fontRef>
+        </p:style>
+        <p:txBody>
+          <a:bodyPr rtlCol="0" anchor="ctr"/>
+          <a:lstStyle/>
+          <a:p>
+            <a:pPr algn="ctr"/>
+            <a:endParaRPr lang="zh-CN" altLang="en-US"/>
+          </a:p>
+        </p:txBody>
+      </p:sp>
+      <p:sp>
+        <p:nvSpPr>
+          <p:cNvPr id="6" name="矩形 5"/>
+          <p:cNvSpPr/>
+          <p:nvPr/>
+        </p:nvSpPr>
+        <p:spPr>
+          <a:xfrm>
+            <a:off x="5397759" y="4226770"/>
+            <a:ext cx="858416" cy="475861"/>
+          </a:xfrm>
+          <a:prstGeom prst="rect">
+            <a:avLst/>
+          </a:prstGeom>
+          <a:solidFill>
+            <a:schemeClr val="accent4">
+              <a:lumMod val="20000"/>
+              <a:lumOff val="80000"/>
+            </a:schemeClr>
+          </a:solidFill>
+        </p:spPr>
+        <p:style>
+          <a:lnRef idx="2">
+            <a:schemeClr val="accent1">
+              <a:shade val="50000"/>
+            </a:schemeClr>
+          </a:lnRef>
+          <a:fillRef idx="1">
+            <a:schemeClr val="accent1"/>
+          </a:fillRef>
+          <a:effectRef idx="0">
+            <a:schemeClr val="accent1"/>
+          </a:effectRef>
+          <a:fontRef idx="minor">
+            <a:schemeClr val="lt1"/>
+          </a:fontRef>
+        </p:style>
+        <p:txBody>
+          <a:bodyPr rtlCol="0" anchor="ctr"/>
+          <a:lstStyle/>
+          <a:p>
+            <a:pPr algn="ctr"/>
+            <a:endParaRPr lang="zh-CN" altLang="en-US"/>
+          </a:p>
+        </p:txBody>
+      </p:sp>
+      <p:sp>
+        <p:nvSpPr>
+          <p:cNvPr id="9" name="文本框 8"/>
+          <p:cNvSpPr txBox="1"/>
+          <p:nvPr/>
+        </p:nvSpPr>
+        <p:spPr>
+          <a:xfrm>
+            <a:off x="5583834" y="3350398"/>
+            <a:ext cx="401072" cy="369332"/>
+          </a:xfrm>
+          <a:prstGeom prst="rect">
+            <a:avLst/>
+          </a:prstGeom>
+          <a:noFill/>
+        </p:spPr>
+        <p:txBody>
+          <a:bodyPr wrap="none" rtlCol="0">
+            <a:spAutoFit/>
+          </a:bodyPr>
+          <a:lstStyle/>
+          <a:p>
+            <a:r>
+              <a:rPr lang="en-US" altLang="zh-CN" smtClean="0"/>
+              <a:t>….</a:t>
+            </a:r>
+            <a:endParaRPr lang="zh-CN" altLang="en-US"/>
+          </a:p>
+        </p:txBody>
+      </p:sp>
+      <p:sp>
+        <p:nvSpPr>
+          <p:cNvPr id="10" name="文本框 9"/>
+          <p:cNvSpPr txBox="1"/>
+          <p:nvPr/>
+        </p:nvSpPr>
+        <p:spPr>
+          <a:xfrm>
+            <a:off x="5583834" y="4226770"/>
+            <a:ext cx="401072" cy="369332"/>
+          </a:xfrm>
+          <a:prstGeom prst="rect">
+            <a:avLst/>
+          </a:prstGeom>
+          <a:noFill/>
+        </p:spPr>
+        <p:txBody>
+          <a:bodyPr wrap="none" rtlCol="0">
+            <a:spAutoFit/>
+          </a:bodyPr>
+          <a:lstStyle/>
+          <a:p>
+            <a:r>
+              <a:rPr lang="en-US" altLang="zh-CN" smtClean="0"/>
+              <a:t>….</a:t>
+            </a:r>
+            <a:endParaRPr lang="zh-CN" altLang="en-US"/>
+          </a:p>
+        </p:txBody>
+      </p:sp>
+      <p:sp>
+        <p:nvSpPr>
+          <p:cNvPr id="11" name="矩形 10"/>
+          <p:cNvSpPr/>
+          <p:nvPr/>
+        </p:nvSpPr>
+        <p:spPr>
+          <a:xfrm>
+            <a:off x="7380514" y="1931438"/>
+            <a:ext cx="1189823" cy="2314214"/>
+          </a:xfrm>
+          <a:prstGeom prst="rect">
+            <a:avLst/>
+          </a:prstGeom>
+          <a:solidFill>
+            <a:srgbClr val="00B050"/>
+          </a:solidFill>
+          <a:ln>
+            <a:solidFill>
+              <a:schemeClr val="tx1"/>
+            </a:solidFill>
+          </a:ln>
+        </p:spPr>
+        <p:style>
+          <a:lnRef idx="2">
+            <a:schemeClr val="accent1">
+              <a:shade val="50000"/>
+            </a:schemeClr>
+          </a:lnRef>
+          <a:fillRef idx="1">
+            <a:schemeClr val="accent1"/>
+          </a:fillRef>
+          <a:effectRef idx="0">
+            <a:schemeClr val="accent1"/>
+          </a:effectRef>
+          <a:fontRef idx="minor">
+            <a:schemeClr val="lt1"/>
+          </a:fontRef>
+        </p:style>
+        <p:txBody>
+          <a:bodyPr rtlCol="0" anchor="ctr"/>
+          <a:lstStyle/>
+          <a:p>
+            <a:pPr algn="ctr"/>
+            <a:endParaRPr lang="zh-CN" altLang="en-US"/>
+          </a:p>
+        </p:txBody>
+      </p:sp>
+      <p:sp>
+        <p:nvSpPr>
+          <p:cNvPr id="12" name="矩形 11"/>
+          <p:cNvSpPr/>
+          <p:nvPr/>
+        </p:nvSpPr>
+        <p:spPr>
+          <a:xfrm>
+            <a:off x="7618444" y="2360647"/>
+            <a:ext cx="737118" cy="424124"/>
+          </a:xfrm>
+          <a:prstGeom prst="rect">
+            <a:avLst/>
+          </a:prstGeom>
+          <a:solidFill>
+            <a:schemeClr val="accent4">
+              <a:lumMod val="20000"/>
+              <a:lumOff val="80000"/>
+            </a:schemeClr>
+          </a:solidFill>
+        </p:spPr>
+        <p:style>
+          <a:lnRef idx="2">
+            <a:schemeClr val="accent1">
+              <a:shade val="50000"/>
+            </a:schemeClr>
+          </a:lnRef>
+          <a:fillRef idx="1">
+            <a:schemeClr val="accent1"/>
+          </a:fillRef>
+          <a:effectRef idx="0">
+            <a:schemeClr val="accent1"/>
+          </a:effectRef>
+          <a:fontRef idx="minor">
+            <a:schemeClr val="lt1"/>
+          </a:fontRef>
+        </p:style>
+        <p:txBody>
+          <a:bodyPr rtlCol="0" anchor="ctr"/>
+          <a:lstStyle/>
+          <a:p>
+            <a:pPr algn="ctr"/>
+            <a:endParaRPr lang="zh-CN" altLang="en-US"/>
+          </a:p>
+        </p:txBody>
+      </p:sp>
+      <p:sp>
+        <p:nvSpPr>
+          <p:cNvPr id="13" name="矩形 12"/>
+          <p:cNvSpPr/>
+          <p:nvPr/>
+        </p:nvSpPr>
+        <p:spPr>
+          <a:xfrm>
+            <a:off x="7606865" y="3499721"/>
+            <a:ext cx="737119" cy="440018"/>
+          </a:xfrm>
+          <a:prstGeom prst="rect">
+            <a:avLst/>
+          </a:prstGeom>
+          <a:solidFill>
+            <a:schemeClr val="accent4">
+              <a:lumMod val="20000"/>
+              <a:lumOff val="80000"/>
+            </a:schemeClr>
+          </a:solidFill>
+        </p:spPr>
+        <p:style>
+          <a:lnRef idx="2">
+            <a:schemeClr val="accent1">
+              <a:shade val="50000"/>
+            </a:schemeClr>
+          </a:lnRef>
+          <a:fillRef idx="1">
+            <a:schemeClr val="accent1"/>
+          </a:fillRef>
+          <a:effectRef idx="0">
+            <a:schemeClr val="accent1"/>
+          </a:effectRef>
+          <a:fontRef idx="minor">
+            <a:schemeClr val="lt1"/>
+          </a:fontRef>
+        </p:style>
+        <p:txBody>
+          <a:bodyPr rtlCol="0" anchor="ctr"/>
+          <a:lstStyle/>
+          <a:p>
+            <a:pPr algn="ctr"/>
+            <a:endParaRPr lang="zh-CN" altLang="en-US"/>
+          </a:p>
+        </p:txBody>
+      </p:sp>
+      <p:cxnSp>
+        <p:nvCxnSpPr>
+          <p:cNvPr id="14" name="直接箭头连接符 13"/>
+          <p:cNvCxnSpPr/>
+          <p:nvPr/>
+        </p:nvCxnSpPr>
+        <p:spPr>
+          <a:xfrm>
+            <a:off x="6256175" y="1780958"/>
+            <a:ext cx="1350690" cy="791751"/>
+          </a:xfrm>
+          <a:prstGeom prst="straightConnector1">
+            <a:avLst/>
+          </a:prstGeom>
+          <a:ln>
+            <a:solidFill>
+              <a:schemeClr val="tx1">
+                <a:lumMod val="85000"/>
+                <a:lumOff val="15000"/>
+              </a:schemeClr>
+            </a:solidFill>
+            <a:tailEnd type="triangle"/>
+          </a:ln>
+        </p:spPr>
+        <p:style>
+          <a:lnRef idx="1">
+            <a:schemeClr val="accent1"/>
+          </a:lnRef>
+          <a:fillRef idx="0">
+            <a:schemeClr val="accent1"/>
+          </a:fillRef>
+          <a:effectRef idx="0">
+            <a:schemeClr val="accent1"/>
+          </a:effectRef>
+          <a:fontRef idx="minor">
+            <a:schemeClr val="tx1"/>
+          </a:fontRef>
+        </p:style>
+      </p:cxnSp>
+      <p:cxnSp>
+        <p:nvCxnSpPr>
+          <p:cNvPr id="15" name="直接箭头连接符 14"/>
+          <p:cNvCxnSpPr/>
+          <p:nvPr/>
+        </p:nvCxnSpPr>
+        <p:spPr>
+          <a:xfrm flipV="1">
+            <a:off x="6256175" y="2572709"/>
+            <a:ext cx="1350690" cy="144978"/>
+          </a:xfrm>
+          <a:prstGeom prst="straightConnector1">
+            <a:avLst/>
+          </a:prstGeom>
+          <a:ln>
+            <a:solidFill>
+              <a:schemeClr val="tx1">
+                <a:lumMod val="85000"/>
+                <a:lumOff val="15000"/>
+              </a:schemeClr>
+            </a:solidFill>
+            <a:tailEnd type="triangle"/>
+          </a:ln>
+        </p:spPr>
+        <p:style>
+          <a:lnRef idx="1">
+            <a:schemeClr val="accent1"/>
+          </a:lnRef>
+          <a:fillRef idx="0">
+            <a:schemeClr val="accent1"/>
+          </a:fillRef>
+          <a:effectRef idx="0">
+            <a:schemeClr val="accent1"/>
+          </a:effectRef>
+          <a:fontRef idx="minor">
+            <a:schemeClr val="tx1"/>
+          </a:fontRef>
+        </p:style>
+      </p:cxnSp>
+      <p:cxnSp>
+        <p:nvCxnSpPr>
+          <p:cNvPr id="16" name="直接箭头连接符 15"/>
+          <p:cNvCxnSpPr/>
+          <p:nvPr/>
+        </p:nvCxnSpPr>
+        <p:spPr>
+          <a:xfrm flipV="1">
+            <a:off x="6266263" y="2598782"/>
+            <a:ext cx="1350690" cy="909480"/>
+          </a:xfrm>
+          <a:prstGeom prst="straightConnector1">
+            <a:avLst/>
+          </a:prstGeom>
+          <a:ln>
+            <a:solidFill>
+              <a:schemeClr val="tx1">
+                <a:lumMod val="85000"/>
+                <a:lumOff val="15000"/>
+              </a:schemeClr>
+            </a:solidFill>
+            <a:tailEnd type="triangle"/>
+          </a:ln>
+        </p:spPr>
+        <p:style>
+          <a:lnRef idx="1">
+            <a:schemeClr val="accent1"/>
+          </a:lnRef>
+          <a:fillRef idx="0">
+            <a:schemeClr val="accent1"/>
+          </a:fillRef>
+          <a:effectRef idx="0">
+            <a:schemeClr val="accent1"/>
+          </a:effectRef>
+          <a:fontRef idx="minor">
+            <a:schemeClr val="tx1"/>
+          </a:fontRef>
+        </p:style>
+      </p:cxnSp>
+      <p:cxnSp>
+        <p:nvCxnSpPr>
+          <p:cNvPr id="17" name="直接箭头连接符 16"/>
+          <p:cNvCxnSpPr/>
+          <p:nvPr/>
+        </p:nvCxnSpPr>
+        <p:spPr>
+          <a:xfrm flipV="1">
+            <a:off x="6256175" y="2666015"/>
+            <a:ext cx="1350690" cy="1804860"/>
+          </a:xfrm>
+          <a:prstGeom prst="straightConnector1">
+            <a:avLst/>
+          </a:prstGeom>
+          <a:ln>
+            <a:solidFill>
+              <a:schemeClr val="tx1">
+                <a:lumMod val="85000"/>
+                <a:lumOff val="15000"/>
+              </a:schemeClr>
+            </a:solidFill>
+            <a:tailEnd type="triangle"/>
+          </a:ln>
+        </p:spPr>
+        <p:style>
+          <a:lnRef idx="1">
+            <a:schemeClr val="accent1"/>
+          </a:lnRef>
+          <a:fillRef idx="0">
+            <a:schemeClr val="accent1"/>
+          </a:fillRef>
+          <a:effectRef idx="0">
+            <a:schemeClr val="accent1"/>
+          </a:effectRef>
+          <a:fontRef idx="minor">
+            <a:schemeClr val="tx1"/>
+          </a:fontRef>
+        </p:style>
+      </p:cxnSp>
+      <p:cxnSp>
+        <p:nvCxnSpPr>
+          <p:cNvPr id="18" name="直接箭头连接符 17"/>
+          <p:cNvCxnSpPr>
+            <a:endCxn id="13" idx="1"/>
+          </p:cNvCxnSpPr>
+          <p:nvPr/>
+        </p:nvCxnSpPr>
+        <p:spPr>
+          <a:xfrm>
+            <a:off x="6267754" y="1802544"/>
+            <a:ext cx="1339111" cy="1917186"/>
+          </a:xfrm>
+          <a:prstGeom prst="straightConnector1">
+            <a:avLst/>
+          </a:prstGeom>
+          <a:ln>
+            <a:solidFill>
+              <a:schemeClr val="tx1">
+                <a:lumMod val="85000"/>
+                <a:lumOff val="15000"/>
+              </a:schemeClr>
+            </a:solidFill>
+            <a:tailEnd type="triangle"/>
+          </a:ln>
+        </p:spPr>
+        <p:style>
+          <a:lnRef idx="1">
+            <a:schemeClr val="accent1"/>
+          </a:lnRef>
+          <a:fillRef idx="0">
+            <a:schemeClr val="accent1"/>
+          </a:fillRef>
+          <a:effectRef idx="0">
+            <a:schemeClr val="accent1"/>
+          </a:effectRef>
+          <a:fontRef idx="minor">
+            <a:schemeClr val="tx1"/>
+          </a:fontRef>
+        </p:style>
+      </p:cxnSp>
+      <p:cxnSp>
+        <p:nvCxnSpPr>
+          <p:cNvPr id="19" name="直接箭头连接符 18"/>
+          <p:cNvCxnSpPr/>
+          <p:nvPr/>
+        </p:nvCxnSpPr>
+        <p:spPr>
+          <a:xfrm>
+            <a:off x="6256175" y="2733661"/>
+            <a:ext cx="1339111" cy="1006565"/>
+          </a:xfrm>
+          <a:prstGeom prst="straightConnector1">
+            <a:avLst/>
+          </a:prstGeom>
+          <a:ln>
+            <a:solidFill>
+              <a:schemeClr val="tx1">
+                <a:lumMod val="85000"/>
+                <a:lumOff val="15000"/>
+              </a:schemeClr>
+            </a:solidFill>
+            <a:tailEnd type="triangle"/>
+          </a:ln>
+        </p:spPr>
+        <p:style>
+          <a:lnRef idx="1">
+            <a:schemeClr val="accent1"/>
+          </a:lnRef>
+          <a:fillRef idx="0">
+            <a:schemeClr val="accent1"/>
+          </a:fillRef>
+          <a:effectRef idx="0">
+            <a:schemeClr val="accent1"/>
+          </a:effectRef>
+          <a:fontRef idx="minor">
+            <a:schemeClr val="tx1"/>
+          </a:fontRef>
+        </p:style>
+      </p:cxnSp>
+      <p:cxnSp>
+        <p:nvCxnSpPr>
+          <p:cNvPr id="20" name="直接箭头连接符 19"/>
+          <p:cNvCxnSpPr>
+            <a:endCxn id="13" idx="1"/>
+          </p:cNvCxnSpPr>
+          <p:nvPr/>
+        </p:nvCxnSpPr>
+        <p:spPr>
+          <a:xfrm>
+            <a:off x="6229477" y="3496440"/>
+            <a:ext cx="1377388" cy="223290"/>
+          </a:xfrm>
+          <a:prstGeom prst="straightConnector1">
+            <a:avLst/>
+          </a:prstGeom>
+          <a:ln>
+            <a:solidFill>
+              <a:schemeClr val="tx1">
+                <a:lumMod val="85000"/>
+                <a:lumOff val="15000"/>
+              </a:schemeClr>
+            </a:solidFill>
+            <a:tailEnd type="triangle"/>
+          </a:ln>
+        </p:spPr>
+        <p:style>
+          <a:lnRef idx="1">
+            <a:schemeClr val="accent1"/>
+          </a:lnRef>
+          <a:fillRef idx="0">
+            <a:schemeClr val="accent1"/>
+          </a:fillRef>
+          <a:effectRef idx="0">
+            <a:schemeClr val="accent1"/>
+          </a:effectRef>
+          <a:fontRef idx="minor">
+            <a:schemeClr val="tx1"/>
+          </a:fontRef>
+        </p:style>
+      </p:cxnSp>
+      <p:cxnSp>
+        <p:nvCxnSpPr>
+          <p:cNvPr id="21" name="直接箭头连接符 20"/>
+          <p:cNvCxnSpPr>
+            <a:endCxn id="13" idx="1"/>
+          </p:cNvCxnSpPr>
+          <p:nvPr/>
+        </p:nvCxnSpPr>
+        <p:spPr>
+          <a:xfrm flipV="1">
+            <a:off x="6256175" y="3719730"/>
+            <a:ext cx="1350690" cy="728953"/>
+          </a:xfrm>
+          <a:prstGeom prst="straightConnector1">
+            <a:avLst/>
+          </a:prstGeom>
+          <a:ln>
+            <a:solidFill>
+              <a:schemeClr val="tx1">
+                <a:lumMod val="85000"/>
+                <a:lumOff val="15000"/>
+              </a:schemeClr>
+            </a:solidFill>
+            <a:tailEnd type="triangle"/>
+          </a:ln>
+        </p:spPr>
+        <p:style>
+          <a:lnRef idx="1">
+            <a:schemeClr val="accent1"/>
+          </a:lnRef>
+          <a:fillRef idx="0">
+            <a:schemeClr val="accent1"/>
+          </a:fillRef>
+          <a:effectRef idx="0">
+            <a:schemeClr val="accent1"/>
+          </a:effectRef>
+          <a:fontRef idx="minor">
+            <a:schemeClr val="tx1"/>
+          </a:fontRef>
+        </p:style>
+      </p:cxnSp>
+      <p:cxnSp>
+        <p:nvCxnSpPr>
+          <p:cNvPr id="22" name="直接箭头连接符 21"/>
+          <p:cNvCxnSpPr>
+            <a:stCxn id="2" idx="0"/>
+          </p:cNvCxnSpPr>
+          <p:nvPr/>
+        </p:nvCxnSpPr>
+        <p:spPr>
+          <a:xfrm flipV="1">
+            <a:off x="5826967" y="419879"/>
+            <a:ext cx="1091204" cy="905069"/>
+          </a:xfrm>
+          <a:prstGeom prst="straightConnector1">
+            <a:avLst/>
+          </a:prstGeom>
+          <a:ln>
+            <a:solidFill>
+              <a:srgbClr val="00B050"/>
+            </a:solidFill>
+            <a:tailEnd type="triangle"/>
+          </a:ln>
+        </p:spPr>
+        <p:style>
+          <a:lnRef idx="1">
+            <a:schemeClr val="accent1"/>
+          </a:lnRef>
+          <a:fillRef idx="0">
+            <a:schemeClr val="accent1"/>
+          </a:fillRef>
+          <a:effectRef idx="0">
+            <a:schemeClr val="accent1"/>
+          </a:effectRef>
+          <a:fontRef idx="minor">
+            <a:schemeClr val="tx1"/>
+          </a:fontRef>
+        </p:style>
+      </p:cxnSp>
+      <p:sp>
+        <p:nvSpPr>
+          <p:cNvPr id="23" name="文本框 22"/>
+          <p:cNvSpPr txBox="1"/>
+          <p:nvPr/>
+        </p:nvSpPr>
+        <p:spPr>
+          <a:xfrm>
+            <a:off x="6902684" y="231336"/>
+            <a:ext cx="595035" cy="369332"/>
+          </a:xfrm>
+          <a:prstGeom prst="rect">
+            <a:avLst/>
+          </a:prstGeom>
+          <a:noFill/>
+        </p:spPr>
+        <p:txBody>
+          <a:bodyPr wrap="none" rtlCol="0">
+            <a:spAutoFit/>
+          </a:bodyPr>
+          <a:lstStyle/>
+          <a:p>
+            <a:r>
+              <a:rPr lang="en-US" altLang="zh-CN" smtClean="0">
+                <a:solidFill>
+                  <a:srgbClr val="FF0000"/>
+                </a:solidFill>
+              </a:rPr>
+              <a:t>RDD</a:t>
+            </a:r>
+            <a:endParaRPr lang="zh-CN" altLang="en-US">
+              <a:solidFill>
+                <a:srgbClr val="FF0000"/>
+              </a:solidFill>
+            </a:endParaRPr>
+          </a:p>
+        </p:txBody>
+      </p:sp>
+      <p:cxnSp>
+        <p:nvCxnSpPr>
+          <p:cNvPr id="24" name="直接箭头连接符 23"/>
+          <p:cNvCxnSpPr/>
+          <p:nvPr/>
+        </p:nvCxnSpPr>
+        <p:spPr>
+          <a:xfrm flipV="1">
+            <a:off x="5889949" y="872413"/>
+            <a:ext cx="1310252" cy="646935"/>
+          </a:xfrm>
+          <a:prstGeom prst="straightConnector1">
+            <a:avLst/>
+          </a:prstGeom>
+          <a:ln>
+            <a:solidFill>
+              <a:srgbClr val="FFFF00"/>
+            </a:solidFill>
+            <a:tailEnd type="triangle"/>
+          </a:ln>
+        </p:spPr>
+        <p:style>
+          <a:lnRef idx="1">
+            <a:schemeClr val="accent1"/>
+          </a:lnRef>
+          <a:fillRef idx="0">
+            <a:schemeClr val="accent1"/>
+          </a:fillRef>
+          <a:effectRef idx="0">
+            <a:schemeClr val="accent1"/>
+          </a:effectRef>
+          <a:fontRef idx="minor">
+            <a:schemeClr val="tx1"/>
+          </a:fontRef>
+        </p:style>
+      </p:cxnSp>
+      <p:sp>
+        <p:nvSpPr>
+          <p:cNvPr id="25" name="文本框 24"/>
+          <p:cNvSpPr txBox="1"/>
+          <p:nvPr/>
+        </p:nvSpPr>
+        <p:spPr>
+          <a:xfrm>
+            <a:off x="7189388" y="677028"/>
+            <a:ext cx="992451" cy="369332"/>
+          </a:xfrm>
+          <a:prstGeom prst="rect">
+            <a:avLst/>
+          </a:prstGeom>
+          <a:noFill/>
+        </p:spPr>
+        <p:txBody>
+          <a:bodyPr wrap="none" rtlCol="0">
+            <a:spAutoFit/>
+          </a:bodyPr>
+          <a:lstStyle/>
+          <a:p>
+            <a:r>
+              <a:rPr lang="en-US" altLang="zh-CN">
+                <a:solidFill>
+                  <a:srgbClr val="FF0000"/>
+                </a:solidFill>
+              </a:rPr>
+              <a:t>Partition</a:t>
+            </a:r>
+            <a:endParaRPr lang="zh-CN" altLang="en-US">
+              <a:solidFill>
+                <a:srgbClr val="FF0000"/>
+              </a:solidFill>
+            </a:endParaRPr>
+          </a:p>
+        </p:txBody>
+      </p:sp>
+      <p:cxnSp>
+        <p:nvCxnSpPr>
+          <p:cNvPr id="26" name="直接箭头连接符 25"/>
+          <p:cNvCxnSpPr/>
+          <p:nvPr/>
+        </p:nvCxnSpPr>
+        <p:spPr>
+          <a:xfrm>
+            <a:off x="6867330" y="4108343"/>
+            <a:ext cx="919137" cy="1314455"/>
+          </a:xfrm>
+          <a:prstGeom prst="straightConnector1">
+            <a:avLst/>
+          </a:prstGeom>
+          <a:ln>
+            <a:tailEnd type="triangle"/>
+          </a:ln>
+        </p:spPr>
+        <p:style>
+          <a:lnRef idx="1">
+            <a:schemeClr val="accent1"/>
+          </a:lnRef>
+          <a:fillRef idx="0">
+            <a:schemeClr val="accent1"/>
+          </a:fillRef>
+          <a:effectRef idx="0">
+            <a:schemeClr val="accent1"/>
+          </a:effectRef>
+          <a:fontRef idx="minor">
+            <a:schemeClr val="tx1"/>
+          </a:fontRef>
+        </p:style>
+      </p:cxnSp>
+      <p:sp>
+        <p:nvSpPr>
+          <p:cNvPr id="27" name="文本框 26"/>
+          <p:cNvSpPr txBox="1"/>
+          <p:nvPr/>
+        </p:nvSpPr>
+        <p:spPr>
+          <a:xfrm>
+            <a:off x="7187043" y="5422799"/>
+            <a:ext cx="1482457" cy="369332"/>
+          </a:xfrm>
+          <a:prstGeom prst="rect">
+            <a:avLst/>
+          </a:prstGeom>
+          <a:noFill/>
+        </p:spPr>
+        <p:txBody>
+          <a:bodyPr wrap="none" rtlCol="0">
+            <a:spAutoFit/>
+          </a:bodyPr>
+          <a:lstStyle/>
+          <a:p>
+            <a:r>
+              <a:rPr lang="en-US" altLang="zh-CN" smtClean="0">
+                <a:solidFill>
+                  <a:srgbClr val="FF0000"/>
+                </a:solidFill>
+              </a:rPr>
+              <a:t>2:Shuffle</a:t>
+            </a:r>
+            <a:r>
+              <a:rPr lang="zh-CN" altLang="en-US" smtClean="0">
+                <a:solidFill>
+                  <a:srgbClr val="FF0000"/>
+                </a:solidFill>
+              </a:rPr>
+              <a:t>过程</a:t>
+            </a:r>
+            <a:endParaRPr lang="zh-CN" altLang="en-US">
+              <a:solidFill>
+                <a:srgbClr val="FF0000"/>
+              </a:solidFill>
+            </a:endParaRPr>
+          </a:p>
+        </p:txBody>
+      </p:sp>
+      <p:sp>
+        <p:nvSpPr>
+          <p:cNvPr id="28" name="矩形 27"/>
+          <p:cNvSpPr/>
+          <p:nvPr/>
+        </p:nvSpPr>
+        <p:spPr>
+          <a:xfrm>
+            <a:off x="9419423" y="2360647"/>
+            <a:ext cx="821094" cy="1565646"/>
+          </a:xfrm>
+          <a:prstGeom prst="rect">
+            <a:avLst/>
+          </a:prstGeom>
+          <a:solidFill>
+            <a:srgbClr val="00B050"/>
+          </a:solidFill>
+          <a:ln>
+            <a:solidFill>
+              <a:schemeClr val="tx1"/>
+            </a:solidFill>
+          </a:ln>
+        </p:spPr>
+        <p:style>
+          <a:lnRef idx="2">
+            <a:schemeClr val="accent1">
+              <a:shade val="50000"/>
+            </a:schemeClr>
+          </a:lnRef>
+          <a:fillRef idx="1">
+            <a:schemeClr val="accent1"/>
+          </a:fillRef>
+          <a:effectRef idx="0">
+            <a:schemeClr val="accent1"/>
+          </a:effectRef>
+          <a:fontRef idx="minor">
+            <a:schemeClr val="lt1"/>
+          </a:fontRef>
+        </p:style>
+        <p:txBody>
+          <a:bodyPr rtlCol="0" anchor="ctr"/>
+          <a:lstStyle/>
+          <a:p>
+            <a:pPr algn="ctr"/>
+            <a:endParaRPr lang="zh-CN" altLang="en-US"/>
+          </a:p>
+        </p:txBody>
+      </p:sp>
+      <p:sp>
+        <p:nvSpPr>
+          <p:cNvPr id="29" name="文本框 28"/>
+          <p:cNvSpPr txBox="1"/>
+          <p:nvPr/>
+        </p:nvSpPr>
+        <p:spPr>
+          <a:xfrm>
+            <a:off x="7786467" y="2339227"/>
+            <a:ext cx="401072" cy="369332"/>
+          </a:xfrm>
+          <a:prstGeom prst="rect">
+            <a:avLst/>
+          </a:prstGeom>
+          <a:noFill/>
+        </p:spPr>
+        <p:txBody>
+          <a:bodyPr wrap="none" rtlCol="0">
+            <a:spAutoFit/>
+          </a:bodyPr>
+          <a:lstStyle/>
+          <a:p>
+            <a:r>
+              <a:rPr lang="en-US" altLang="zh-CN" smtClean="0"/>
+              <a:t>….</a:t>
+            </a:r>
+            <a:endParaRPr lang="zh-CN" altLang="en-US"/>
+          </a:p>
+        </p:txBody>
+      </p:sp>
+      <p:sp>
+        <p:nvSpPr>
+          <p:cNvPr id="30" name="文本框 29"/>
+          <p:cNvSpPr txBox="1"/>
+          <p:nvPr/>
+        </p:nvSpPr>
+        <p:spPr>
+          <a:xfrm>
+            <a:off x="7791375" y="3485183"/>
+            <a:ext cx="401072" cy="369332"/>
+          </a:xfrm>
+          <a:prstGeom prst="rect">
+            <a:avLst/>
+          </a:prstGeom>
+          <a:noFill/>
+        </p:spPr>
+        <p:txBody>
+          <a:bodyPr wrap="none" rtlCol="0">
+            <a:spAutoFit/>
+          </a:bodyPr>
+          <a:lstStyle/>
+          <a:p>
+            <a:r>
+              <a:rPr lang="en-US" altLang="zh-CN" smtClean="0"/>
+              <a:t>….</a:t>
+            </a:r>
+            <a:endParaRPr lang="zh-CN" altLang="en-US"/>
+          </a:p>
+        </p:txBody>
+      </p:sp>
+      <p:sp>
+        <p:nvSpPr>
+          <p:cNvPr id="32" name="矩形 31"/>
+          <p:cNvSpPr/>
+          <p:nvPr/>
+        </p:nvSpPr>
+        <p:spPr>
+          <a:xfrm>
+            <a:off x="9486160" y="2995604"/>
+            <a:ext cx="737119" cy="440018"/>
+          </a:xfrm>
+          <a:prstGeom prst="rect">
+            <a:avLst/>
+          </a:prstGeom>
+          <a:solidFill>
+            <a:schemeClr val="accent4">
+              <a:lumMod val="20000"/>
+              <a:lumOff val="80000"/>
+            </a:schemeClr>
+          </a:solidFill>
+        </p:spPr>
+        <p:style>
+          <a:lnRef idx="2">
+            <a:schemeClr val="accent1">
+              <a:shade val="50000"/>
+            </a:schemeClr>
+          </a:lnRef>
+          <a:fillRef idx="1">
+            <a:schemeClr val="accent1"/>
+          </a:fillRef>
+          <a:effectRef idx="0">
+            <a:schemeClr val="accent1"/>
+          </a:effectRef>
+          <a:fontRef idx="minor">
+            <a:schemeClr val="lt1"/>
+          </a:fontRef>
+        </p:style>
+        <p:txBody>
+          <a:bodyPr rtlCol="0" anchor="ctr"/>
+          <a:lstStyle/>
+          <a:p>
+            <a:pPr algn="ctr"/>
+            <a:endParaRPr lang="zh-CN" altLang="en-US"/>
+          </a:p>
+        </p:txBody>
+      </p:sp>
+      <p:sp>
+        <p:nvSpPr>
+          <p:cNvPr id="33" name="文本框 32"/>
+          <p:cNvSpPr txBox="1"/>
+          <p:nvPr/>
+        </p:nvSpPr>
+        <p:spPr>
+          <a:xfrm>
+            <a:off x="9670670" y="2981066"/>
+            <a:ext cx="401072" cy="369332"/>
+          </a:xfrm>
+          <a:prstGeom prst="rect">
+            <a:avLst/>
+          </a:prstGeom>
+          <a:noFill/>
+        </p:spPr>
+        <p:txBody>
+          <a:bodyPr wrap="none" rtlCol="0">
+            <a:spAutoFit/>
+          </a:bodyPr>
+          <a:lstStyle/>
+          <a:p>
+            <a:r>
+              <a:rPr lang="en-US" altLang="zh-CN" smtClean="0"/>
+              <a:t>….</a:t>
+            </a:r>
+            <a:endParaRPr lang="zh-CN" altLang="en-US"/>
+          </a:p>
+        </p:txBody>
+      </p:sp>
+      <p:cxnSp>
+        <p:nvCxnSpPr>
+          <p:cNvPr id="34" name="直接箭头连接符 33"/>
+          <p:cNvCxnSpPr>
+            <a:endCxn id="28" idx="1"/>
+          </p:cNvCxnSpPr>
+          <p:nvPr/>
+        </p:nvCxnSpPr>
+        <p:spPr>
+          <a:xfrm>
+            <a:off x="8355562" y="2572709"/>
+            <a:ext cx="1063861" cy="570761"/>
+          </a:xfrm>
+          <a:prstGeom prst="straightConnector1">
+            <a:avLst/>
+          </a:prstGeom>
+          <a:ln>
+            <a:solidFill>
+              <a:schemeClr val="tx1"/>
+            </a:solidFill>
+            <a:tailEnd type="triangle"/>
+          </a:ln>
+        </p:spPr>
+        <p:style>
+          <a:lnRef idx="1">
+            <a:schemeClr val="accent1"/>
+          </a:lnRef>
+          <a:fillRef idx="0">
+            <a:schemeClr val="accent1"/>
+          </a:fillRef>
+          <a:effectRef idx="0">
+            <a:schemeClr val="accent1"/>
+          </a:effectRef>
+          <a:fontRef idx="minor">
+            <a:schemeClr val="tx1"/>
+          </a:fontRef>
+        </p:style>
+      </p:cxnSp>
+      <p:cxnSp>
+        <p:nvCxnSpPr>
+          <p:cNvPr id="35" name="直接箭头连接符 34"/>
+          <p:cNvCxnSpPr>
+            <a:endCxn id="28" idx="1"/>
+          </p:cNvCxnSpPr>
+          <p:nvPr/>
+        </p:nvCxnSpPr>
+        <p:spPr>
+          <a:xfrm flipV="1">
+            <a:off x="8367141" y="3143470"/>
+            <a:ext cx="1052282" cy="610054"/>
+          </a:xfrm>
+          <a:prstGeom prst="straightConnector1">
+            <a:avLst/>
+          </a:prstGeom>
+          <a:ln>
+            <a:solidFill>
+              <a:schemeClr val="tx1"/>
+            </a:solidFill>
+            <a:tailEnd type="triangle"/>
+          </a:ln>
+        </p:spPr>
+        <p:style>
+          <a:lnRef idx="1">
+            <a:schemeClr val="accent1"/>
+          </a:lnRef>
+          <a:fillRef idx="0">
+            <a:schemeClr val="accent1"/>
+          </a:fillRef>
+          <a:effectRef idx="0">
+            <a:schemeClr val="accent1"/>
+          </a:effectRef>
+          <a:fontRef idx="minor">
+            <a:schemeClr val="tx1"/>
+          </a:fontRef>
+        </p:style>
+      </p:cxnSp>
+      <p:cxnSp>
+        <p:nvCxnSpPr>
+          <p:cNvPr id="36" name="直接箭头连接符 35"/>
+          <p:cNvCxnSpPr/>
+          <p:nvPr/>
+        </p:nvCxnSpPr>
+        <p:spPr>
+          <a:xfrm>
+            <a:off x="8966106" y="3419670"/>
+            <a:ext cx="888613" cy="1889449"/>
+          </a:xfrm>
+          <a:prstGeom prst="straightConnector1">
+            <a:avLst/>
+          </a:prstGeom>
+          <a:ln>
+            <a:tailEnd type="triangle"/>
+          </a:ln>
+        </p:spPr>
+        <p:style>
+          <a:lnRef idx="1">
+            <a:schemeClr val="accent1"/>
+          </a:lnRef>
+          <a:fillRef idx="0">
+            <a:schemeClr val="accent1"/>
+          </a:fillRef>
+          <a:effectRef idx="0">
+            <a:schemeClr val="accent1"/>
+          </a:effectRef>
+          <a:fontRef idx="minor">
+            <a:schemeClr val="tx1"/>
+          </a:fontRef>
+        </p:style>
+      </p:cxnSp>
+      <p:sp>
+        <p:nvSpPr>
+          <p:cNvPr id="37" name="文本框 36"/>
+          <p:cNvSpPr txBox="1"/>
+          <p:nvPr/>
+        </p:nvSpPr>
+        <p:spPr>
+          <a:xfrm>
+            <a:off x="9410412" y="5422799"/>
+            <a:ext cx="1212191" cy="369332"/>
+          </a:xfrm>
+          <a:prstGeom prst="rect">
+            <a:avLst/>
+          </a:prstGeom>
+          <a:noFill/>
+        </p:spPr>
+        <p:txBody>
+          <a:bodyPr wrap="none" rtlCol="0">
+            <a:spAutoFit/>
+          </a:bodyPr>
+          <a:lstStyle/>
+          <a:p>
+            <a:r>
+              <a:rPr lang="en-US" altLang="zh-CN" smtClean="0">
+                <a:solidFill>
+                  <a:srgbClr val="FF0000"/>
+                </a:solidFill>
+              </a:rPr>
+              <a:t>Union</a:t>
+            </a:r>
+            <a:r>
+              <a:rPr lang="zh-CN" altLang="en-US" smtClean="0">
+                <a:solidFill>
+                  <a:srgbClr val="FF0000"/>
+                </a:solidFill>
+              </a:rPr>
+              <a:t>操作</a:t>
+            </a:r>
+            <a:endParaRPr lang="zh-CN" altLang="en-US">
+              <a:solidFill>
+                <a:srgbClr val="FF0000"/>
+              </a:solidFill>
+            </a:endParaRPr>
+          </a:p>
+        </p:txBody>
+      </p:sp>
+      <p:sp>
+        <p:nvSpPr>
+          <p:cNvPr id="38" name="矩形 37"/>
+          <p:cNvSpPr/>
+          <p:nvPr/>
+        </p:nvSpPr>
+        <p:spPr>
+          <a:xfrm>
+            <a:off x="2475700" y="457202"/>
+            <a:ext cx="1408922" cy="5728995"/>
+          </a:xfrm>
+          <a:prstGeom prst="rect">
+            <a:avLst/>
+          </a:prstGeom>
+          <a:solidFill>
+            <a:srgbClr val="00B050"/>
+          </a:solidFill>
+          <a:ln>
+            <a:solidFill>
+              <a:schemeClr val="tx1"/>
+            </a:solidFill>
+          </a:ln>
+        </p:spPr>
+        <p:style>
+          <a:lnRef idx="2">
+            <a:schemeClr val="accent1">
+              <a:shade val="50000"/>
+            </a:schemeClr>
+          </a:lnRef>
+          <a:fillRef idx="1">
+            <a:schemeClr val="accent1"/>
+          </a:fillRef>
+          <a:effectRef idx="0">
+            <a:schemeClr val="accent1"/>
+          </a:effectRef>
+          <a:fontRef idx="minor">
+            <a:schemeClr val="lt1"/>
+          </a:fontRef>
+        </p:style>
+        <p:txBody>
+          <a:bodyPr rtlCol="0" anchor="ctr"/>
+          <a:lstStyle/>
+          <a:p>
+            <a:pPr algn="ctr"/>
+            <a:endParaRPr lang="zh-CN" altLang="en-US"/>
+          </a:p>
+        </p:txBody>
+      </p:sp>
+      <p:sp>
+        <p:nvSpPr>
+          <p:cNvPr id="39" name="矩形 38"/>
+          <p:cNvSpPr/>
+          <p:nvPr/>
+        </p:nvSpPr>
+        <p:spPr>
+          <a:xfrm>
+            <a:off x="2750953" y="681137"/>
+            <a:ext cx="858416" cy="475861"/>
+          </a:xfrm>
+          <a:prstGeom prst="rect">
+            <a:avLst/>
+          </a:prstGeom>
+          <a:solidFill>
+            <a:schemeClr val="accent4">
+              <a:lumMod val="20000"/>
+              <a:lumOff val="80000"/>
+            </a:schemeClr>
+          </a:solidFill>
+        </p:spPr>
+        <p:style>
+          <a:lnRef idx="2">
+            <a:schemeClr val="accent1">
+              <a:shade val="50000"/>
+            </a:schemeClr>
+          </a:lnRef>
+          <a:fillRef idx="1">
+            <a:schemeClr val="accent1"/>
+          </a:fillRef>
+          <a:effectRef idx="0">
+            <a:schemeClr val="accent1"/>
+          </a:effectRef>
+          <a:fontRef idx="minor">
+            <a:schemeClr val="lt1"/>
+          </a:fontRef>
+        </p:style>
+        <p:txBody>
+          <a:bodyPr rtlCol="0" anchor="ctr"/>
+          <a:lstStyle/>
+          <a:p>
+            <a:pPr algn="ctr"/>
+            <a:endParaRPr lang="zh-CN" altLang="en-US"/>
+          </a:p>
+        </p:txBody>
+      </p:sp>
+      <p:sp>
+        <p:nvSpPr>
+          <p:cNvPr id="40" name="矩形 39"/>
+          <p:cNvSpPr/>
+          <p:nvPr/>
+        </p:nvSpPr>
+        <p:spPr>
+          <a:xfrm>
+            <a:off x="2750953" y="1604868"/>
+            <a:ext cx="858416" cy="475861"/>
+          </a:xfrm>
+          <a:prstGeom prst="rect">
+            <a:avLst/>
+          </a:prstGeom>
+          <a:solidFill>
+            <a:schemeClr val="accent4">
+              <a:lumMod val="20000"/>
+              <a:lumOff val="80000"/>
+            </a:schemeClr>
+          </a:solidFill>
+        </p:spPr>
+        <p:style>
+          <a:lnRef idx="2">
+            <a:schemeClr val="accent1">
+              <a:shade val="50000"/>
+            </a:schemeClr>
+          </a:lnRef>
+          <a:fillRef idx="1">
+            <a:schemeClr val="accent1"/>
+          </a:fillRef>
+          <a:effectRef idx="0">
+            <a:schemeClr val="accent1"/>
+          </a:effectRef>
+          <a:fontRef idx="minor">
+            <a:schemeClr val="lt1"/>
+          </a:fontRef>
+        </p:style>
+        <p:txBody>
+          <a:bodyPr rtlCol="0" anchor="ctr"/>
+          <a:lstStyle/>
+          <a:p>
+            <a:pPr algn="ctr"/>
+            <a:endParaRPr lang="zh-CN" altLang="en-US"/>
+          </a:p>
+        </p:txBody>
+      </p:sp>
+      <p:sp>
+        <p:nvSpPr>
+          <p:cNvPr id="41" name="矩形 40"/>
+          <p:cNvSpPr/>
+          <p:nvPr/>
+        </p:nvSpPr>
+        <p:spPr>
+          <a:xfrm>
+            <a:off x="2750953" y="2435293"/>
+            <a:ext cx="858416" cy="475861"/>
+          </a:xfrm>
+          <a:prstGeom prst="rect">
+            <a:avLst/>
+          </a:prstGeom>
+          <a:solidFill>
+            <a:schemeClr val="accent4">
+              <a:lumMod val="20000"/>
+              <a:lumOff val="80000"/>
+            </a:schemeClr>
+          </a:solidFill>
+        </p:spPr>
+        <p:style>
+          <a:lnRef idx="2">
+            <a:schemeClr val="accent1">
+              <a:shade val="50000"/>
+            </a:schemeClr>
+          </a:lnRef>
+          <a:fillRef idx="1">
+            <a:schemeClr val="accent1"/>
+          </a:fillRef>
+          <a:effectRef idx="0">
+            <a:schemeClr val="accent1"/>
+          </a:effectRef>
+          <a:fontRef idx="minor">
+            <a:schemeClr val="lt1"/>
+          </a:fontRef>
+        </p:style>
+        <p:txBody>
+          <a:bodyPr rtlCol="0" anchor="ctr"/>
+          <a:lstStyle/>
+          <a:p>
+            <a:pPr algn="ctr"/>
+            <a:endParaRPr lang="zh-CN" altLang="en-US"/>
+          </a:p>
+        </p:txBody>
+      </p:sp>
+      <p:sp>
+        <p:nvSpPr>
+          <p:cNvPr id="42" name="矩形 41"/>
+          <p:cNvSpPr/>
+          <p:nvPr/>
+        </p:nvSpPr>
+        <p:spPr>
+          <a:xfrm>
+            <a:off x="2750953" y="3359024"/>
+            <a:ext cx="858416" cy="475861"/>
+          </a:xfrm>
+          <a:prstGeom prst="rect">
+            <a:avLst/>
+          </a:prstGeom>
+          <a:solidFill>
+            <a:schemeClr val="accent4">
+              <a:lumMod val="20000"/>
+              <a:lumOff val="80000"/>
+            </a:schemeClr>
+          </a:solidFill>
+        </p:spPr>
+        <p:style>
+          <a:lnRef idx="2">
+            <a:schemeClr val="accent1">
+              <a:shade val="50000"/>
+            </a:schemeClr>
+          </a:lnRef>
+          <a:fillRef idx="1">
+            <a:schemeClr val="accent1"/>
+          </a:fillRef>
+          <a:effectRef idx="0">
+            <a:schemeClr val="accent1"/>
+          </a:effectRef>
+          <a:fontRef idx="minor">
+            <a:schemeClr val="lt1"/>
+          </a:fontRef>
+        </p:style>
+        <p:txBody>
+          <a:bodyPr rtlCol="0" anchor="ctr"/>
+          <a:lstStyle/>
+          <a:p>
+            <a:pPr algn="ctr"/>
+            <a:endParaRPr lang="zh-CN" altLang="en-US"/>
+          </a:p>
+        </p:txBody>
+      </p:sp>
+      <p:sp>
+        <p:nvSpPr>
+          <p:cNvPr id="43" name="文本框 42"/>
+          <p:cNvSpPr txBox="1"/>
+          <p:nvPr/>
+        </p:nvSpPr>
+        <p:spPr>
+          <a:xfrm>
+            <a:off x="2876916" y="651602"/>
+            <a:ext cx="732453" cy="523220"/>
+          </a:xfrm>
+          <a:prstGeom prst="rect">
+            <a:avLst/>
+          </a:prstGeom>
+          <a:noFill/>
+        </p:spPr>
+        <p:txBody>
+          <a:bodyPr wrap="square" rtlCol="0">
+            <a:spAutoFit/>
+          </a:bodyPr>
+          <a:lstStyle/>
+          <a:p>
+            <a:r>
+              <a:rPr lang="en-US" altLang="zh-CN" sz="1400" smtClean="0"/>
+              <a:t>(1,1)</a:t>
+            </a:r>
+          </a:p>
+          <a:p>
+            <a:r>
+              <a:rPr lang="en-US" altLang="zh-CN" sz="1400" smtClean="0"/>
+              <a:t>(2,2)</a:t>
+            </a:r>
+            <a:endParaRPr lang="zh-CN" altLang="en-US" sz="1400"/>
+          </a:p>
+        </p:txBody>
+      </p:sp>
+      <p:sp>
+        <p:nvSpPr>
+          <p:cNvPr id="44" name="矩形 43"/>
+          <p:cNvSpPr/>
+          <p:nvPr/>
+        </p:nvSpPr>
+        <p:spPr>
+          <a:xfrm>
+            <a:off x="2876916" y="1604868"/>
+            <a:ext cx="521297" cy="523220"/>
+          </a:xfrm>
+          <a:prstGeom prst="rect">
+            <a:avLst/>
+          </a:prstGeom>
+        </p:spPr>
+        <p:txBody>
+          <a:bodyPr wrap="none">
+            <a:spAutoFit/>
+          </a:bodyPr>
+          <a:lstStyle/>
+          <a:p>
+            <a:r>
+              <a:rPr lang="en-US" altLang="zh-CN" sz="1400"/>
+              <a:t>(</a:t>
+            </a:r>
+            <a:r>
+              <a:rPr lang="en-US" altLang="zh-CN" sz="1400"/>
+              <a:t>3,3</a:t>
+            </a:r>
+            <a:r>
+              <a:rPr lang="en-US" altLang="zh-CN" sz="1400" smtClean="0"/>
+              <a:t>)</a:t>
+            </a:r>
+          </a:p>
+          <a:p>
+            <a:r>
+              <a:rPr lang="en-US" altLang="zh-CN" sz="1400"/>
+              <a:t> </a:t>
+            </a:r>
+            <a:r>
+              <a:rPr lang="en-US" altLang="zh-CN" sz="1400" smtClean="0"/>
+              <a:t> </a:t>
+            </a:r>
+            <a:r>
+              <a:rPr lang="en-US" altLang="zh-CN" sz="1200" smtClean="0"/>
+              <a:t>….</a:t>
+            </a:r>
+            <a:endParaRPr lang="zh-CN" altLang="en-US" sz="1200"/>
+          </a:p>
+        </p:txBody>
+      </p:sp>
+      <p:sp>
+        <p:nvSpPr>
+          <p:cNvPr id="45" name="文本框 44"/>
+          <p:cNvSpPr txBox="1"/>
+          <p:nvPr/>
+        </p:nvSpPr>
+        <p:spPr>
+          <a:xfrm>
+            <a:off x="2937028" y="2482652"/>
+            <a:ext cx="401072" cy="369332"/>
+          </a:xfrm>
+          <a:prstGeom prst="rect">
+            <a:avLst/>
+          </a:prstGeom>
+          <a:noFill/>
+        </p:spPr>
+        <p:txBody>
+          <a:bodyPr wrap="none" rtlCol="0">
+            <a:spAutoFit/>
+          </a:bodyPr>
+          <a:lstStyle/>
+          <a:p>
+            <a:r>
+              <a:rPr lang="en-US" altLang="zh-CN" smtClean="0"/>
+              <a:t>….</a:t>
+            </a:r>
+            <a:endParaRPr lang="zh-CN" altLang="en-US"/>
+          </a:p>
+        </p:txBody>
+      </p:sp>
+      <p:sp>
+        <p:nvSpPr>
+          <p:cNvPr id="46" name="文本框 45"/>
+          <p:cNvSpPr txBox="1"/>
+          <p:nvPr/>
+        </p:nvSpPr>
+        <p:spPr>
+          <a:xfrm>
+            <a:off x="2937028" y="3359024"/>
+            <a:ext cx="401072" cy="369332"/>
+          </a:xfrm>
+          <a:prstGeom prst="rect">
+            <a:avLst/>
+          </a:prstGeom>
+          <a:noFill/>
+        </p:spPr>
+        <p:txBody>
+          <a:bodyPr wrap="none" rtlCol="0">
+            <a:spAutoFit/>
+          </a:bodyPr>
+          <a:lstStyle/>
+          <a:p>
+            <a:r>
+              <a:rPr lang="en-US" altLang="zh-CN" smtClean="0"/>
+              <a:t>….</a:t>
+            </a:r>
+            <a:endParaRPr lang="zh-CN" altLang="en-US"/>
+          </a:p>
+        </p:txBody>
+      </p:sp>
+      <p:sp>
+        <p:nvSpPr>
+          <p:cNvPr id="47" name="文本框 46"/>
+          <p:cNvSpPr txBox="1"/>
+          <p:nvPr/>
+        </p:nvSpPr>
+        <p:spPr>
+          <a:xfrm>
+            <a:off x="5577858" y="2473272"/>
+            <a:ext cx="401072" cy="369332"/>
+          </a:xfrm>
+          <a:prstGeom prst="rect">
+            <a:avLst/>
+          </a:prstGeom>
+          <a:noFill/>
+        </p:spPr>
+        <p:txBody>
+          <a:bodyPr wrap="none" rtlCol="0">
+            <a:spAutoFit/>
+          </a:bodyPr>
+          <a:lstStyle/>
+          <a:p>
+            <a:r>
+              <a:rPr lang="en-US" altLang="zh-CN" smtClean="0"/>
+              <a:t>….</a:t>
+            </a:r>
+            <a:endParaRPr lang="zh-CN" altLang="en-US"/>
+          </a:p>
+        </p:txBody>
+      </p:sp>
+      <p:sp>
+        <p:nvSpPr>
+          <p:cNvPr id="48" name="文本框 47"/>
+          <p:cNvSpPr txBox="1"/>
+          <p:nvPr/>
+        </p:nvSpPr>
+        <p:spPr>
+          <a:xfrm>
+            <a:off x="5628678" y="1559386"/>
+            <a:ext cx="401072" cy="369332"/>
+          </a:xfrm>
+          <a:prstGeom prst="rect">
+            <a:avLst/>
+          </a:prstGeom>
+          <a:noFill/>
+        </p:spPr>
+        <p:txBody>
+          <a:bodyPr wrap="none" rtlCol="0">
+            <a:spAutoFit/>
+          </a:bodyPr>
+          <a:lstStyle/>
+          <a:p>
+            <a:r>
+              <a:rPr lang="en-US" altLang="zh-CN" smtClean="0"/>
+              <a:t>….</a:t>
+            </a:r>
+            <a:endParaRPr lang="zh-CN" altLang="en-US"/>
+          </a:p>
+        </p:txBody>
+      </p:sp>
+      <p:sp>
+        <p:nvSpPr>
+          <p:cNvPr id="49" name="矩形 48"/>
+          <p:cNvSpPr/>
+          <p:nvPr/>
+        </p:nvSpPr>
+        <p:spPr>
+          <a:xfrm>
+            <a:off x="2750953" y="4253744"/>
+            <a:ext cx="858416" cy="475861"/>
+          </a:xfrm>
+          <a:prstGeom prst="rect">
+            <a:avLst/>
+          </a:prstGeom>
+          <a:solidFill>
+            <a:schemeClr val="accent4">
+              <a:lumMod val="20000"/>
+              <a:lumOff val="80000"/>
+            </a:schemeClr>
+          </a:solidFill>
+        </p:spPr>
+        <p:style>
+          <a:lnRef idx="2">
+            <a:schemeClr val="accent1">
+              <a:shade val="50000"/>
+            </a:schemeClr>
+          </a:lnRef>
+          <a:fillRef idx="1">
+            <a:schemeClr val="accent1"/>
+          </a:fillRef>
+          <a:effectRef idx="0">
+            <a:schemeClr val="accent1"/>
+          </a:effectRef>
+          <a:fontRef idx="minor">
+            <a:schemeClr val="lt1"/>
+          </a:fontRef>
+        </p:style>
+        <p:txBody>
+          <a:bodyPr rtlCol="0" anchor="ctr"/>
+          <a:lstStyle/>
+          <a:p>
+            <a:pPr algn="ctr"/>
+            <a:endParaRPr lang="zh-CN" altLang="en-US"/>
+          </a:p>
+        </p:txBody>
+      </p:sp>
+      <p:sp>
+        <p:nvSpPr>
+          <p:cNvPr id="50" name="文本框 49"/>
+          <p:cNvSpPr txBox="1"/>
+          <p:nvPr/>
+        </p:nvSpPr>
+        <p:spPr>
+          <a:xfrm>
+            <a:off x="2937028" y="4253744"/>
+            <a:ext cx="401072" cy="369332"/>
+          </a:xfrm>
+          <a:prstGeom prst="rect">
+            <a:avLst/>
+          </a:prstGeom>
+          <a:noFill/>
+        </p:spPr>
+        <p:txBody>
+          <a:bodyPr wrap="none" rtlCol="0">
+            <a:spAutoFit/>
+          </a:bodyPr>
+          <a:lstStyle/>
+          <a:p>
+            <a:r>
+              <a:rPr lang="en-US" altLang="zh-CN" smtClean="0"/>
+              <a:t>….</a:t>
+            </a:r>
+            <a:endParaRPr lang="zh-CN" altLang="en-US"/>
+          </a:p>
+        </p:txBody>
+      </p:sp>
+      <p:sp>
+        <p:nvSpPr>
+          <p:cNvPr id="51" name="矩形 50"/>
+          <p:cNvSpPr/>
+          <p:nvPr/>
+        </p:nvSpPr>
+        <p:spPr>
+          <a:xfrm>
+            <a:off x="2744710" y="5309119"/>
+            <a:ext cx="858416" cy="475861"/>
+          </a:xfrm>
+          <a:prstGeom prst="rect">
+            <a:avLst/>
+          </a:prstGeom>
+          <a:solidFill>
+            <a:schemeClr val="accent4">
+              <a:lumMod val="20000"/>
+              <a:lumOff val="80000"/>
+            </a:schemeClr>
+          </a:solidFill>
+        </p:spPr>
+        <p:style>
+          <a:lnRef idx="2">
+            <a:schemeClr val="accent1">
+              <a:shade val="50000"/>
+            </a:schemeClr>
+          </a:lnRef>
+          <a:fillRef idx="1">
+            <a:schemeClr val="accent1"/>
+          </a:fillRef>
+          <a:effectRef idx="0">
+            <a:schemeClr val="accent1"/>
+          </a:effectRef>
+          <a:fontRef idx="minor">
+            <a:schemeClr val="lt1"/>
+          </a:fontRef>
+        </p:style>
+        <p:txBody>
+          <a:bodyPr rtlCol="0" anchor="ctr"/>
+          <a:lstStyle/>
+          <a:p>
+            <a:pPr algn="ctr"/>
+            <a:endParaRPr lang="zh-CN" altLang="en-US"/>
+          </a:p>
+        </p:txBody>
+      </p:sp>
+      <p:sp>
+        <p:nvSpPr>
+          <p:cNvPr id="52" name="文本框 51"/>
+          <p:cNvSpPr txBox="1"/>
+          <p:nvPr/>
+        </p:nvSpPr>
+        <p:spPr>
+          <a:xfrm>
+            <a:off x="2930785" y="5309119"/>
+            <a:ext cx="401072" cy="369332"/>
+          </a:xfrm>
+          <a:prstGeom prst="rect">
+            <a:avLst/>
+          </a:prstGeom>
+          <a:noFill/>
+        </p:spPr>
+        <p:txBody>
+          <a:bodyPr wrap="none" rtlCol="0">
+            <a:spAutoFit/>
+          </a:bodyPr>
+          <a:lstStyle/>
+          <a:p>
+            <a:r>
+              <a:rPr lang="en-US" altLang="zh-CN" smtClean="0"/>
+              <a:t>….</a:t>
+            </a:r>
+            <a:endParaRPr lang="zh-CN" altLang="en-US"/>
+          </a:p>
+        </p:txBody>
+      </p:sp>
+      <p:cxnSp>
+        <p:nvCxnSpPr>
+          <p:cNvPr id="55" name="直接箭头连接符 54"/>
+          <p:cNvCxnSpPr/>
+          <p:nvPr/>
+        </p:nvCxnSpPr>
+        <p:spPr>
+          <a:xfrm>
+            <a:off x="6408575" y="1933358"/>
+            <a:ext cx="1350690" cy="791751"/>
+          </a:xfrm>
+          <a:prstGeom prst="straightConnector1">
+            <a:avLst/>
+          </a:prstGeom>
+          <a:ln>
+            <a:solidFill>
+              <a:schemeClr val="tx1">
+                <a:lumMod val="85000"/>
+                <a:lumOff val="15000"/>
+              </a:schemeClr>
+            </a:solidFill>
+            <a:tailEnd type="triangle"/>
+          </a:ln>
+        </p:spPr>
+        <p:style>
+          <a:lnRef idx="1">
+            <a:schemeClr val="accent1"/>
+          </a:lnRef>
+          <a:fillRef idx="0">
+            <a:schemeClr val="accent1"/>
+          </a:fillRef>
+          <a:effectRef idx="0">
+            <a:schemeClr val="accent1"/>
+          </a:effectRef>
+          <a:fontRef idx="minor">
+            <a:schemeClr val="tx1"/>
+          </a:fontRef>
+        </p:style>
+      </p:cxnSp>
+      <p:cxnSp>
+        <p:nvCxnSpPr>
+          <p:cNvPr id="57" name="直接箭头连接符 56"/>
+          <p:cNvCxnSpPr>
+            <a:stCxn id="43" idx="3"/>
+          </p:cNvCxnSpPr>
+          <p:nvPr/>
+        </p:nvCxnSpPr>
+        <p:spPr>
+          <a:xfrm>
+            <a:off x="3609369" y="913212"/>
+            <a:ext cx="1788390" cy="867746"/>
+          </a:xfrm>
+          <a:prstGeom prst="straightConnector1">
+            <a:avLst/>
+          </a:prstGeom>
+          <a:ln>
+            <a:solidFill>
+              <a:schemeClr val="tx1"/>
+            </a:solidFill>
+            <a:tailEnd type="triangle"/>
+          </a:ln>
+        </p:spPr>
+        <p:style>
+          <a:lnRef idx="1">
+            <a:schemeClr val="accent1"/>
+          </a:lnRef>
+          <a:fillRef idx="0">
+            <a:schemeClr val="accent1"/>
+          </a:fillRef>
+          <a:effectRef idx="0">
+            <a:schemeClr val="accent1"/>
+          </a:effectRef>
+          <a:fontRef idx="minor">
+            <a:schemeClr val="tx1"/>
+          </a:fontRef>
+        </p:style>
+      </p:cxnSp>
+      <p:cxnSp>
+        <p:nvCxnSpPr>
+          <p:cNvPr id="59" name="直接箭头连接符 58"/>
+          <p:cNvCxnSpPr/>
+          <p:nvPr/>
+        </p:nvCxnSpPr>
+        <p:spPr>
+          <a:xfrm flipV="1">
+            <a:off x="3624638" y="1780958"/>
+            <a:ext cx="1761542" cy="43180"/>
+          </a:xfrm>
+          <a:prstGeom prst="straightConnector1">
+            <a:avLst/>
+          </a:prstGeom>
+          <a:ln>
+            <a:solidFill>
+              <a:schemeClr val="tx1"/>
+            </a:solidFill>
+            <a:tailEnd type="triangle"/>
+          </a:ln>
+        </p:spPr>
+        <p:style>
+          <a:lnRef idx="1">
+            <a:schemeClr val="accent1"/>
+          </a:lnRef>
+          <a:fillRef idx="0">
+            <a:schemeClr val="accent1"/>
+          </a:fillRef>
+          <a:effectRef idx="0">
+            <a:schemeClr val="accent1"/>
+          </a:effectRef>
+          <a:fontRef idx="minor">
+            <a:schemeClr val="tx1"/>
+          </a:fontRef>
+        </p:style>
+      </p:cxnSp>
+      <p:cxnSp>
+        <p:nvCxnSpPr>
+          <p:cNvPr id="61" name="直接箭头连接符 60"/>
+          <p:cNvCxnSpPr>
+            <a:stCxn id="41" idx="3"/>
+          </p:cNvCxnSpPr>
+          <p:nvPr/>
+        </p:nvCxnSpPr>
+        <p:spPr>
+          <a:xfrm flipV="1">
+            <a:off x="3609369" y="1832784"/>
+            <a:ext cx="1753714" cy="840440"/>
+          </a:xfrm>
+          <a:prstGeom prst="straightConnector1">
+            <a:avLst/>
+          </a:prstGeom>
+          <a:ln>
+            <a:solidFill>
+              <a:schemeClr val="tx1"/>
+            </a:solidFill>
+            <a:tailEnd type="triangle"/>
+          </a:ln>
+        </p:spPr>
+        <p:style>
+          <a:lnRef idx="1">
+            <a:schemeClr val="accent1"/>
+          </a:lnRef>
+          <a:fillRef idx="0">
+            <a:schemeClr val="accent1"/>
+          </a:fillRef>
+          <a:effectRef idx="0">
+            <a:schemeClr val="accent1"/>
+          </a:effectRef>
+          <a:fontRef idx="minor">
+            <a:schemeClr val="tx1"/>
+          </a:fontRef>
+        </p:style>
+      </p:cxnSp>
+      <p:cxnSp>
+        <p:nvCxnSpPr>
+          <p:cNvPr id="64" name="直接箭头连接符 63"/>
+          <p:cNvCxnSpPr>
+            <a:stCxn id="42" idx="3"/>
+          </p:cNvCxnSpPr>
+          <p:nvPr/>
+        </p:nvCxnSpPr>
+        <p:spPr>
+          <a:xfrm flipV="1">
+            <a:off x="3609369" y="1878333"/>
+            <a:ext cx="1753714" cy="1718622"/>
+          </a:xfrm>
+          <a:prstGeom prst="straightConnector1">
+            <a:avLst/>
+          </a:prstGeom>
+          <a:ln>
+            <a:solidFill>
+              <a:schemeClr val="tx1"/>
+            </a:solidFill>
+            <a:tailEnd type="triangle"/>
+          </a:ln>
+        </p:spPr>
+        <p:style>
+          <a:lnRef idx="1">
+            <a:schemeClr val="accent1"/>
+          </a:lnRef>
+          <a:fillRef idx="0">
+            <a:schemeClr val="accent1"/>
+          </a:fillRef>
+          <a:effectRef idx="0">
+            <a:schemeClr val="accent1"/>
+          </a:effectRef>
+          <a:fontRef idx="minor">
+            <a:schemeClr val="tx1"/>
+          </a:fontRef>
+        </p:style>
+      </p:cxnSp>
+      <p:cxnSp>
+        <p:nvCxnSpPr>
+          <p:cNvPr id="66" name="直接箭头连接符 65"/>
+          <p:cNvCxnSpPr/>
+          <p:nvPr/>
+        </p:nvCxnSpPr>
+        <p:spPr>
+          <a:xfrm flipV="1">
+            <a:off x="3626707" y="1902432"/>
+            <a:ext cx="1764190" cy="2568443"/>
+          </a:xfrm>
+          <a:prstGeom prst="straightConnector1">
+            <a:avLst/>
+          </a:prstGeom>
+          <a:ln>
+            <a:solidFill>
+              <a:schemeClr val="tx1"/>
+            </a:solidFill>
+            <a:tailEnd type="triangle"/>
+          </a:ln>
+        </p:spPr>
+        <p:style>
+          <a:lnRef idx="1">
+            <a:schemeClr val="accent1"/>
+          </a:lnRef>
+          <a:fillRef idx="0">
+            <a:schemeClr val="accent1"/>
+          </a:fillRef>
+          <a:effectRef idx="0">
+            <a:schemeClr val="accent1"/>
+          </a:effectRef>
+          <a:fontRef idx="minor">
+            <a:schemeClr val="tx1"/>
+          </a:fontRef>
+        </p:style>
+      </p:cxnSp>
+      <p:cxnSp>
+        <p:nvCxnSpPr>
+          <p:cNvPr id="68" name="直接箭头连接符 67"/>
+          <p:cNvCxnSpPr>
+            <a:stCxn id="51" idx="3"/>
+            <a:endCxn id="3" idx="1"/>
+          </p:cNvCxnSpPr>
+          <p:nvPr/>
+        </p:nvCxnSpPr>
+        <p:spPr>
+          <a:xfrm flipV="1">
+            <a:off x="3603126" y="1786814"/>
+            <a:ext cx="1794633" cy="3760236"/>
+          </a:xfrm>
+          <a:prstGeom prst="straightConnector1">
+            <a:avLst/>
+          </a:prstGeom>
+          <a:ln>
+            <a:solidFill>
+              <a:schemeClr val="tx1"/>
+            </a:solidFill>
+            <a:tailEnd type="triangle"/>
+          </a:ln>
+        </p:spPr>
+        <p:style>
+          <a:lnRef idx="1">
+            <a:schemeClr val="accent1"/>
+          </a:lnRef>
+          <a:fillRef idx="0">
+            <a:schemeClr val="accent1"/>
+          </a:fillRef>
+          <a:effectRef idx="0">
+            <a:schemeClr val="accent1"/>
+          </a:effectRef>
+          <a:fontRef idx="minor">
+            <a:schemeClr val="tx1"/>
+          </a:fontRef>
+        </p:style>
+      </p:cxnSp>
+      <p:cxnSp>
+        <p:nvCxnSpPr>
+          <p:cNvPr id="70" name="直接箭头连接符 69"/>
+          <p:cNvCxnSpPr/>
+          <p:nvPr/>
+        </p:nvCxnSpPr>
+        <p:spPr>
+          <a:xfrm>
+            <a:off x="3624638" y="1046360"/>
+            <a:ext cx="1738445" cy="1626864"/>
+          </a:xfrm>
+          <a:prstGeom prst="straightConnector1">
+            <a:avLst/>
+          </a:prstGeom>
+          <a:ln>
+            <a:solidFill>
+              <a:schemeClr val="tx1"/>
+            </a:solidFill>
+            <a:tailEnd type="triangle"/>
+          </a:ln>
+        </p:spPr>
+        <p:style>
+          <a:lnRef idx="1">
+            <a:schemeClr val="accent1"/>
+          </a:lnRef>
+          <a:fillRef idx="0">
+            <a:schemeClr val="accent1"/>
+          </a:fillRef>
+          <a:effectRef idx="0">
+            <a:schemeClr val="accent1"/>
+          </a:effectRef>
+          <a:fontRef idx="minor">
+            <a:schemeClr val="tx1"/>
+          </a:fontRef>
+        </p:style>
+      </p:cxnSp>
+      <p:cxnSp>
+        <p:nvCxnSpPr>
+          <p:cNvPr id="72" name="直接箭头连接符 71"/>
+          <p:cNvCxnSpPr/>
+          <p:nvPr/>
+        </p:nvCxnSpPr>
+        <p:spPr>
+          <a:xfrm>
+            <a:off x="3672351" y="2725109"/>
+            <a:ext cx="1712580" cy="0"/>
+          </a:xfrm>
+          <a:prstGeom prst="straightConnector1">
+            <a:avLst/>
+          </a:prstGeom>
+          <a:ln>
+            <a:solidFill>
+              <a:schemeClr val="tx1"/>
+            </a:solidFill>
+            <a:tailEnd type="triangle"/>
+          </a:ln>
+        </p:spPr>
+        <p:style>
+          <a:lnRef idx="1">
+            <a:schemeClr val="accent1"/>
+          </a:lnRef>
+          <a:fillRef idx="0">
+            <a:schemeClr val="accent1"/>
+          </a:fillRef>
+          <a:effectRef idx="0">
+            <a:schemeClr val="accent1"/>
+          </a:effectRef>
+          <a:fontRef idx="minor">
+            <a:schemeClr val="tx1"/>
+          </a:fontRef>
+        </p:style>
+      </p:cxnSp>
+      <p:cxnSp>
+        <p:nvCxnSpPr>
+          <p:cNvPr id="74" name="直接箭头连接符 73"/>
+          <p:cNvCxnSpPr/>
+          <p:nvPr/>
+        </p:nvCxnSpPr>
+        <p:spPr>
+          <a:xfrm flipV="1">
+            <a:off x="3624638" y="3508262"/>
+            <a:ext cx="1738445" cy="88693"/>
+          </a:xfrm>
+          <a:prstGeom prst="straightConnector1">
+            <a:avLst/>
+          </a:prstGeom>
+          <a:ln>
+            <a:solidFill>
+              <a:schemeClr val="tx1"/>
+            </a:solidFill>
+            <a:tailEnd type="triangle"/>
+          </a:ln>
+        </p:spPr>
+        <p:style>
+          <a:lnRef idx="1">
+            <a:schemeClr val="accent1"/>
+          </a:lnRef>
+          <a:fillRef idx="0">
+            <a:schemeClr val="accent1"/>
+          </a:fillRef>
+          <a:effectRef idx="0">
+            <a:schemeClr val="accent1"/>
+          </a:effectRef>
+          <a:fontRef idx="minor">
+            <a:schemeClr val="tx1"/>
+          </a:fontRef>
+        </p:style>
+      </p:cxnSp>
+      <p:cxnSp>
+        <p:nvCxnSpPr>
+          <p:cNvPr id="76" name="直接箭头连接符 75"/>
+          <p:cNvCxnSpPr>
+            <a:stCxn id="51" idx="3"/>
+          </p:cNvCxnSpPr>
+          <p:nvPr/>
+        </p:nvCxnSpPr>
+        <p:spPr>
+          <a:xfrm flipV="1">
+            <a:off x="3603126" y="3578293"/>
+            <a:ext cx="1759957" cy="1968757"/>
+          </a:xfrm>
+          <a:prstGeom prst="straightConnector1">
+            <a:avLst/>
+          </a:prstGeom>
+          <a:ln>
+            <a:solidFill>
+              <a:schemeClr val="tx1"/>
+            </a:solidFill>
+            <a:tailEnd type="triangle"/>
+          </a:ln>
+        </p:spPr>
+        <p:style>
+          <a:lnRef idx="1">
+            <a:schemeClr val="accent1"/>
+          </a:lnRef>
+          <a:fillRef idx="0">
+            <a:schemeClr val="accent1"/>
+          </a:fillRef>
+          <a:effectRef idx="0">
+            <a:schemeClr val="accent1"/>
+          </a:effectRef>
+          <a:fontRef idx="minor">
+            <a:schemeClr val="tx1"/>
+          </a:fontRef>
+        </p:style>
+      </p:cxnSp>
+      <p:cxnSp>
+        <p:nvCxnSpPr>
+          <p:cNvPr id="78" name="直接箭头连接符 77"/>
+          <p:cNvCxnSpPr>
+            <a:endCxn id="6" idx="1"/>
+          </p:cNvCxnSpPr>
+          <p:nvPr/>
+        </p:nvCxnSpPr>
+        <p:spPr>
+          <a:xfrm flipV="1">
+            <a:off x="3629824" y="4464701"/>
+            <a:ext cx="1767935" cy="13993"/>
+          </a:xfrm>
+          <a:prstGeom prst="straightConnector1">
+            <a:avLst/>
+          </a:prstGeom>
+          <a:ln>
+            <a:solidFill>
+              <a:schemeClr val="tx1"/>
+            </a:solidFill>
+            <a:tailEnd type="triangle"/>
+          </a:ln>
+        </p:spPr>
+        <p:style>
+          <a:lnRef idx="1">
+            <a:schemeClr val="accent1"/>
+          </a:lnRef>
+          <a:fillRef idx="0">
+            <a:schemeClr val="accent1"/>
+          </a:fillRef>
+          <a:effectRef idx="0">
+            <a:schemeClr val="accent1"/>
+          </a:effectRef>
+          <a:fontRef idx="minor">
+            <a:schemeClr val="tx1"/>
+          </a:fontRef>
+        </p:style>
+      </p:cxnSp>
+      <p:cxnSp>
+        <p:nvCxnSpPr>
+          <p:cNvPr id="80" name="直接箭头连接符 79"/>
+          <p:cNvCxnSpPr>
+            <a:endCxn id="5" idx="1"/>
+          </p:cNvCxnSpPr>
+          <p:nvPr/>
+        </p:nvCxnSpPr>
+        <p:spPr>
+          <a:xfrm>
+            <a:off x="3648719" y="1859252"/>
+            <a:ext cx="1749040" cy="1681718"/>
+          </a:xfrm>
+          <a:prstGeom prst="straightConnector1">
+            <a:avLst/>
+          </a:prstGeom>
+          <a:ln>
+            <a:solidFill>
+              <a:schemeClr val="tx1"/>
+            </a:solidFill>
+            <a:tailEnd type="triangle"/>
+          </a:ln>
+        </p:spPr>
+        <p:style>
+          <a:lnRef idx="1">
+            <a:schemeClr val="accent1"/>
+          </a:lnRef>
+          <a:fillRef idx="0">
+            <a:schemeClr val="accent1"/>
+          </a:fillRef>
+          <a:effectRef idx="0">
+            <a:schemeClr val="accent1"/>
+          </a:effectRef>
+          <a:fontRef idx="minor">
+            <a:schemeClr val="tx1"/>
+          </a:fontRef>
+        </p:style>
+      </p:cxnSp>
+      <p:cxnSp>
+        <p:nvCxnSpPr>
+          <p:cNvPr id="81" name="直接箭头连接符 80"/>
+          <p:cNvCxnSpPr/>
+          <p:nvPr/>
+        </p:nvCxnSpPr>
+        <p:spPr>
+          <a:xfrm>
+            <a:off x="4461542" y="4652972"/>
+            <a:ext cx="919137" cy="1314455"/>
+          </a:xfrm>
+          <a:prstGeom prst="straightConnector1">
+            <a:avLst/>
+          </a:prstGeom>
+          <a:ln>
+            <a:tailEnd type="triangle"/>
+          </a:ln>
+        </p:spPr>
+        <p:style>
+          <a:lnRef idx="1">
+            <a:schemeClr val="accent1"/>
+          </a:lnRef>
+          <a:fillRef idx="0">
+            <a:schemeClr val="accent1"/>
+          </a:fillRef>
+          <a:effectRef idx="0">
+            <a:schemeClr val="accent1"/>
+          </a:effectRef>
+          <a:fontRef idx="minor">
+            <a:schemeClr val="tx1"/>
+          </a:fontRef>
+        </p:style>
+      </p:cxnSp>
+      <p:sp>
+        <p:nvSpPr>
+          <p:cNvPr id="82" name="文本框 81"/>
+          <p:cNvSpPr txBox="1"/>
+          <p:nvPr/>
+        </p:nvSpPr>
+        <p:spPr>
+          <a:xfrm>
+            <a:off x="4781255" y="5967428"/>
+            <a:ext cx="1482457" cy="369332"/>
+          </a:xfrm>
+          <a:prstGeom prst="rect">
+            <a:avLst/>
+          </a:prstGeom>
+          <a:noFill/>
+        </p:spPr>
+        <p:txBody>
+          <a:bodyPr wrap="none" rtlCol="0">
+            <a:spAutoFit/>
+          </a:bodyPr>
+          <a:lstStyle/>
+          <a:p>
+            <a:r>
+              <a:rPr lang="en-US" altLang="zh-CN" smtClean="0">
+                <a:solidFill>
+                  <a:srgbClr val="FF0000"/>
+                </a:solidFill>
+              </a:rPr>
+              <a:t>1:Shuffle</a:t>
+            </a:r>
+            <a:r>
+              <a:rPr lang="zh-CN" altLang="en-US" smtClean="0">
+                <a:solidFill>
+                  <a:srgbClr val="FF0000"/>
+                </a:solidFill>
+              </a:rPr>
+              <a:t>过程</a:t>
+            </a:r>
+            <a:endParaRPr lang="zh-CN" altLang="en-US">
+              <a:solidFill>
+                <a:srgbClr val="FF0000"/>
+              </a:solidFill>
+            </a:endParaRPr>
+          </a:p>
+        </p:txBody>
+      </p:sp>
     </p:spTree>
     <p:extLst>
       <p:ext uri="{BB962C8B-B14F-4D97-AF65-F5344CB8AC3E}">
-        <p14:creationId xmlns:p14="http://schemas.microsoft.com/office/powerpoint/2010/main" val="4186159653"/>
+        <p14:creationId xmlns:p14="http://schemas.microsoft.com/office/powerpoint/2010/main" val="3369389655"/>
       </p:ext>
     </p:extLst>
   </p:cSld>
@@ -9698,10 +15188,88 @@
           <a:chExt cx="0" cy="0"/>
         </a:xfrm>
       </p:grpSpPr>
+      <p:pic>
+        <p:nvPicPr>
+          <p:cNvPr id="2" name="图片 1"/>
+          <p:cNvPicPr>
+            <a:picLocks noChangeAspect="1"/>
+          </p:cNvPicPr>
+          <p:nvPr/>
+        </p:nvPicPr>
+        <p:blipFill>
+          <a:blip r:embed="rId2"/>
+          <a:stretch>
+            <a:fillRect/>
+          </a:stretch>
+        </p:blipFill>
+        <p:spPr>
+          <a:xfrm>
+            <a:off x="1057275" y="1230069"/>
+            <a:ext cx="11383416" cy="5496478"/>
+          </a:xfrm>
+          <a:prstGeom prst="rect">
+            <a:avLst/>
+          </a:prstGeom>
+        </p:spPr>
+      </p:pic>
+      <p:sp>
+        <p:nvSpPr>
+          <p:cNvPr id="3" name="文本框 2"/>
+          <p:cNvSpPr txBox="1"/>
+          <p:nvPr/>
+        </p:nvSpPr>
+        <p:spPr>
+          <a:xfrm>
+            <a:off x="3256383" y="298579"/>
+            <a:ext cx="6453113" cy="707886"/>
+          </a:xfrm>
+          <a:prstGeom prst="rect">
+            <a:avLst/>
+          </a:prstGeom>
+          <a:noFill/>
+        </p:spPr>
+        <p:txBody>
+          <a:bodyPr wrap="none" rtlCol="0">
+            <a:spAutoFit/>
+          </a:bodyPr>
+          <a:lstStyle/>
+          <a:p>
+            <a:r>
+              <a:rPr lang="zh-CN" altLang="en-US" sz="4000" smtClean="0">
+                <a:solidFill>
+                  <a:srgbClr val="FF0000"/>
+                </a:solidFill>
+              </a:rPr>
+              <a:t>书签，明天研究</a:t>
+            </a:r>
+            <a:r>
+              <a:rPr lang="en-US" altLang="zh-CN" sz="4000" smtClean="0">
+                <a:solidFill>
+                  <a:srgbClr val="FF0000"/>
+                </a:solidFill>
+              </a:rPr>
+              <a:t>Stage</a:t>
+            </a:r>
+            <a:r>
+              <a:rPr lang="zh-CN" altLang="en-US" sz="4000" smtClean="0">
+                <a:solidFill>
+                  <a:srgbClr val="FF0000"/>
+                </a:solidFill>
+              </a:rPr>
+              <a:t>的提交</a:t>
+            </a:r>
+            <a:endParaRPr lang="en-US" altLang="zh-CN" sz="4000" smtClean="0">
+              <a:solidFill>
+                <a:srgbClr val="FF0000"/>
+              </a:solidFill>
+            </a:endParaRPr>
+          </a:p>
+        </p:txBody>
+      </p:sp>
     </p:spTree>
     <p:extLst>
       <p:ext uri="{BB962C8B-B14F-4D97-AF65-F5344CB8AC3E}">
-        <p14:creationId xmlns:p14="http://schemas.microsoft.com/office/powerpoint/2010/main" val="2658604699"/>
+        <p14:creationId xmlns:p14="http://schemas.microsoft.com/office/powerpoint/2010/main" val="791807619"/>
       </p:ext>
     </p:extLst>
   </p:cSld>
@@ -9731,7 +15299,7 @@
     </p:spTree>
     <p:extLst>
       <p:ext uri="{BB962C8B-B14F-4D97-AF65-F5344CB8AC3E}">
-        <p14:creationId xmlns:p14="http://schemas.microsoft.com/office/powerpoint/2010/main" val="1262674546"/>
+        <p14:creationId xmlns:p14="http://schemas.microsoft.com/office/powerpoint/2010/main" val="1623144282"/>
       </p:ext>
     </p:extLst>
   </p:cSld>
@@ -9984,7 +15552,7 @@
     </p:spTree>
     <p:extLst>
       <p:ext uri="{BB962C8B-B14F-4D97-AF65-F5344CB8AC3E}">
-        <p14:creationId xmlns:p14="http://schemas.microsoft.com/office/powerpoint/2010/main" val="1076395874"/>
+        <p14:creationId xmlns:p14="http://schemas.microsoft.com/office/powerpoint/2010/main" val="1677738275"/>
       </p:ext>
     </p:extLst>
   </p:cSld>
@@ -10014,7 +15582,7 @@
     </p:spTree>
     <p:extLst>
       <p:ext uri="{BB962C8B-B14F-4D97-AF65-F5344CB8AC3E}">
-        <p14:creationId xmlns:p14="http://schemas.microsoft.com/office/powerpoint/2010/main" val="2853324622"/>
+        <p14:creationId xmlns:p14="http://schemas.microsoft.com/office/powerpoint/2010/main" val="1236927068"/>
       </p:ext>
     </p:extLst>
   </p:cSld>
@@ -10044,7 +15612,7 @@
     </p:spTree>
     <p:extLst>
       <p:ext uri="{BB962C8B-B14F-4D97-AF65-F5344CB8AC3E}">
-        <p14:creationId xmlns:p14="http://schemas.microsoft.com/office/powerpoint/2010/main" val="791807619"/>
+        <p14:creationId xmlns:p14="http://schemas.microsoft.com/office/powerpoint/2010/main" val="1848535723"/>
       </p:ext>
     </p:extLst>
   </p:cSld>
@@ -10074,7 +15642,7 @@
     </p:spTree>
     <p:extLst>
       <p:ext uri="{BB962C8B-B14F-4D97-AF65-F5344CB8AC3E}">
-        <p14:creationId xmlns:p14="http://schemas.microsoft.com/office/powerpoint/2010/main" val="3369389655"/>
+        <p14:creationId xmlns:p14="http://schemas.microsoft.com/office/powerpoint/2010/main" val="2555119250"/>
       </p:ext>
     </p:extLst>
   </p:cSld>
@@ -10104,7 +15672,7 @@
     </p:spTree>
     <p:extLst>
       <p:ext uri="{BB962C8B-B14F-4D97-AF65-F5344CB8AC3E}">
-        <p14:creationId xmlns:p14="http://schemas.microsoft.com/office/powerpoint/2010/main" val="1623144282"/>
+        <p14:creationId xmlns:p14="http://schemas.microsoft.com/office/powerpoint/2010/main" val="4186159653"/>
       </p:ext>
     </p:extLst>
   </p:cSld>
@@ -11574,7 +17142,7 @@
           <a:graphicData uri="http://schemas.openxmlformats.org/presentationml/2006/ole">
             <mc:AlternateContent xmlns:mc="http://schemas.openxmlformats.org/markup-compatibility/2006">
               <mc:Choice xmlns:v="urn:schemas-microsoft-com:vml" Requires="v">
-                <p:oleObj spid="_x0000_s2199" name="包装程序外壳对象" showAsIcon="1" r:id="rId4" imgW="1325880" imgH="354600" progId="Package">
+                <p:oleObj spid="_x0000_s2394" name="包装程序外壳对象" showAsIcon="1" r:id="rId4" imgW="1325880" imgH="354600" progId="Package">
                   <p:embed/>
                 </p:oleObj>
               </mc:Choice>

--- a/Spark阅读源码的笔记.pptx
+++ b/Spark阅读源码的笔记.pptx
@@ -35,9 +35,9 @@
     <p:sldId id="278" r:id="rId26"/>
     <p:sldId id="265" r:id="rId27"/>
     <p:sldId id="280" r:id="rId28"/>
-    <p:sldId id="279" r:id="rId29"/>
-    <p:sldId id="281" r:id="rId30"/>
-    <p:sldId id="269" r:id="rId31"/>
+    <p:sldId id="269" r:id="rId29"/>
+    <p:sldId id="279" r:id="rId30"/>
+    <p:sldId id="281" r:id="rId31"/>
     <p:sldId id="270" r:id="rId32"/>
     <p:sldId id="271" r:id="rId33"/>
     <p:sldId id="273" r:id="rId34"/>
@@ -230,7 +230,7 @@
           <a:p>
             <a:fld id="{E79BCF29-52E9-4B6F-BE17-814B78939943}" type="datetimeFigureOut">
               <a:rPr lang="zh-CN" altLang="en-US" smtClean="0"/>
-              <a:t>2017/4/8</a:t>
+              <a:t>2017/4/9</a:t>
             </a:fld>
             <a:endParaRPr lang="zh-CN" altLang="en-US"/>
           </a:p>
@@ -1203,6 +1203,90 @@
 </p:notes>
 </file>
 
+<file path=ppt/notesSlides/notesSlide8.xml><?xml version="1.0" encoding="utf-8"?>
+<p:notes xmlns:a="http://schemas.openxmlformats.org/drawingml/2006/main" xmlns:r="http://schemas.openxmlformats.org/officeDocument/2006/relationships" xmlns:p="http://schemas.openxmlformats.org/presentationml/2006/main">
+  <p:cSld>
+    <p:spTree>
+      <p:nvGrpSpPr>
+        <p:cNvPr id="1" name=""/>
+        <p:cNvGrpSpPr/>
+        <p:nvPr/>
+      </p:nvGrpSpPr>
+      <p:grpSpPr>
+        <a:xfrm>
+          <a:off x="0" y="0"/>
+          <a:ext cx="0" cy="0"/>
+          <a:chOff x="0" y="0"/>
+          <a:chExt cx="0" cy="0"/>
+        </a:xfrm>
+      </p:grpSpPr>
+      <p:sp>
+        <p:nvSpPr>
+          <p:cNvPr id="2" name="幻灯片图像占位符 1"/>
+          <p:cNvSpPr>
+            <a:spLocks noGrp="1" noRot="1" noChangeAspect="1"/>
+          </p:cNvSpPr>
+          <p:nvPr>
+            <p:ph type="sldImg"/>
+          </p:nvPr>
+        </p:nvSpPr>
+        <p:spPr/>
+      </p:sp>
+      <p:sp>
+        <p:nvSpPr>
+          <p:cNvPr id="3" name="备注占位符 2"/>
+          <p:cNvSpPr>
+            <a:spLocks noGrp="1"/>
+          </p:cNvSpPr>
+          <p:nvPr>
+            <p:ph type="body" idx="1"/>
+          </p:nvPr>
+        </p:nvSpPr>
+        <p:spPr/>
+        <p:txBody>
+          <a:bodyPr/>
+          <a:lstStyle/>
+          <a:p>
+            <a:endParaRPr lang="zh-CN" altLang="en-US"/>
+          </a:p>
+        </p:txBody>
+      </p:sp>
+      <p:sp>
+        <p:nvSpPr>
+          <p:cNvPr id="4" name="灯片编号占位符 3"/>
+          <p:cNvSpPr>
+            <a:spLocks noGrp="1"/>
+          </p:cNvSpPr>
+          <p:nvPr>
+            <p:ph type="sldNum" sz="quarter" idx="10"/>
+          </p:nvPr>
+        </p:nvSpPr>
+        <p:spPr/>
+        <p:txBody>
+          <a:bodyPr/>
+          <a:lstStyle/>
+          <a:p>
+            <a:fld id="{F8957E2C-20B6-4ABE-B68C-98AB9259DA1C}" type="slidenum">
+              <a:rPr lang="zh-CN" altLang="en-US" smtClean="0"/>
+              <a:t>29</a:t>
+            </a:fld>
+            <a:endParaRPr lang="zh-CN" altLang="en-US"/>
+          </a:p>
+        </p:txBody>
+      </p:sp>
+    </p:spTree>
+    <p:extLst>
+      <p:ext uri="{BB962C8B-B14F-4D97-AF65-F5344CB8AC3E}">
+        <p14:creationId xmlns:p14="http://schemas.microsoft.com/office/powerpoint/2010/main" val="3420054915"/>
+      </p:ext>
+    </p:extLst>
+  </p:cSld>
+  <p:clrMapOvr>
+    <a:masterClrMapping/>
+  </p:clrMapOvr>
+</p:notes>
+</file>
+
 <file path=ppt/slideLayouts/slideLayout1.xml><?xml version="1.0" encoding="utf-8"?>
 <p:sldLayout xmlns:a="http://schemas.openxmlformats.org/drawingml/2006/main" xmlns:r="http://schemas.openxmlformats.org/officeDocument/2006/relationships" xmlns:p="http://schemas.openxmlformats.org/presentationml/2006/main" type="title" preserve="1">
   <p:cSld name="标题幻灯片">
@@ -1334,7 +1418,7 @@
           <a:p>
             <a:fld id="{0CD3BB8F-F75A-4DD3-9170-FD8E567AFB64}" type="datetimeFigureOut">
               <a:rPr lang="zh-CN" altLang="en-US" smtClean="0"/>
-              <a:t>2017/4/8</a:t>
+              <a:t>2017/4/9</a:t>
             </a:fld>
             <a:endParaRPr lang="zh-CN" altLang="en-US"/>
           </a:p>
@@ -1504,7 +1588,7 @@
           <a:p>
             <a:fld id="{0CD3BB8F-F75A-4DD3-9170-FD8E567AFB64}" type="datetimeFigureOut">
               <a:rPr lang="zh-CN" altLang="en-US" smtClean="0"/>
-              <a:t>2017/4/8</a:t>
+              <a:t>2017/4/9</a:t>
             </a:fld>
             <a:endParaRPr lang="zh-CN" altLang="en-US"/>
           </a:p>
@@ -1684,7 +1768,7 @@
           <a:p>
             <a:fld id="{0CD3BB8F-F75A-4DD3-9170-FD8E567AFB64}" type="datetimeFigureOut">
               <a:rPr lang="zh-CN" altLang="en-US" smtClean="0"/>
-              <a:t>2017/4/8</a:t>
+              <a:t>2017/4/9</a:t>
             </a:fld>
             <a:endParaRPr lang="zh-CN" altLang="en-US"/>
           </a:p>
@@ -1854,7 +1938,7 @@
           <a:p>
             <a:fld id="{0CD3BB8F-F75A-4DD3-9170-FD8E567AFB64}" type="datetimeFigureOut">
               <a:rPr lang="zh-CN" altLang="en-US" smtClean="0"/>
-              <a:t>2017/4/8</a:t>
+              <a:t>2017/4/9</a:t>
             </a:fld>
             <a:endParaRPr lang="zh-CN" altLang="en-US"/>
           </a:p>
@@ -2100,7 +2184,7 @@
           <a:p>
             <a:fld id="{0CD3BB8F-F75A-4DD3-9170-FD8E567AFB64}" type="datetimeFigureOut">
               <a:rPr lang="zh-CN" altLang="en-US" smtClean="0"/>
-              <a:t>2017/4/8</a:t>
+              <a:t>2017/4/9</a:t>
             </a:fld>
             <a:endParaRPr lang="zh-CN" altLang="en-US"/>
           </a:p>
@@ -2332,7 +2416,7 @@
           <a:p>
             <a:fld id="{0CD3BB8F-F75A-4DD3-9170-FD8E567AFB64}" type="datetimeFigureOut">
               <a:rPr lang="zh-CN" altLang="en-US" smtClean="0"/>
-              <a:t>2017/4/8</a:t>
+              <a:t>2017/4/9</a:t>
             </a:fld>
             <a:endParaRPr lang="zh-CN" altLang="en-US"/>
           </a:p>
@@ -2699,7 +2783,7 @@
           <a:p>
             <a:fld id="{0CD3BB8F-F75A-4DD3-9170-FD8E567AFB64}" type="datetimeFigureOut">
               <a:rPr lang="zh-CN" altLang="en-US" smtClean="0"/>
-              <a:t>2017/4/8</a:t>
+              <a:t>2017/4/9</a:t>
             </a:fld>
             <a:endParaRPr lang="zh-CN" altLang="en-US"/>
           </a:p>
@@ -2817,7 +2901,7 @@
           <a:p>
             <a:fld id="{0CD3BB8F-F75A-4DD3-9170-FD8E567AFB64}" type="datetimeFigureOut">
               <a:rPr lang="zh-CN" altLang="en-US" smtClean="0"/>
-              <a:t>2017/4/8</a:t>
+              <a:t>2017/4/9</a:t>
             </a:fld>
             <a:endParaRPr lang="zh-CN" altLang="en-US"/>
           </a:p>
@@ -2912,7 +2996,7 @@
           <a:p>
             <a:fld id="{0CD3BB8F-F75A-4DD3-9170-FD8E567AFB64}" type="datetimeFigureOut">
               <a:rPr lang="zh-CN" altLang="en-US" smtClean="0"/>
-              <a:t>2017/4/8</a:t>
+              <a:t>2017/4/9</a:t>
             </a:fld>
             <a:endParaRPr lang="zh-CN" altLang="en-US"/>
           </a:p>
@@ -3189,7 +3273,7 @@
           <a:p>
             <a:fld id="{0CD3BB8F-F75A-4DD3-9170-FD8E567AFB64}" type="datetimeFigureOut">
               <a:rPr lang="zh-CN" altLang="en-US" smtClean="0"/>
-              <a:t>2017/4/8</a:t>
+              <a:t>2017/4/9</a:t>
             </a:fld>
             <a:endParaRPr lang="zh-CN" altLang="en-US"/>
           </a:p>
@@ -3442,7 +3526,7 @@
           <a:p>
             <a:fld id="{0CD3BB8F-F75A-4DD3-9170-FD8E567AFB64}" type="datetimeFigureOut">
               <a:rPr lang="zh-CN" altLang="en-US" smtClean="0"/>
-              <a:t>2017/4/8</a:t>
+              <a:t>2017/4/9</a:t>
             </a:fld>
             <a:endParaRPr lang="zh-CN" altLang="en-US"/>
           </a:p>
@@ -3655,7 +3739,7 @@
           <a:p>
             <a:fld id="{0CD3BB8F-F75A-4DD3-9170-FD8E567AFB64}" type="datetimeFigureOut">
               <a:rPr lang="zh-CN" altLang="en-US" smtClean="0"/>
-              <a:t>2017/4/8</a:t>
+              <a:t>2017/4/9</a:t>
             </a:fld>
             <a:endParaRPr lang="zh-CN" altLang="en-US"/>
           </a:p>
@@ -9635,11 +9719,7 @@
             </a:r>
             <a:r>
               <a:rPr lang="zh-CN" altLang="en-US"/>
-              <a:t>val r1 =sc.parallelize(List(1,2,</a:t>
-            </a:r>
-            <a:r>
-              <a:rPr lang="zh-CN" altLang="en-US"/>
-              <a:t>4</a:t>
+              <a:t>val r1 =sc.parallelize(List(1,2,4</a:t>
             </a:r>
             <a:r>
               <a:rPr lang="zh-CN" altLang="en-US" smtClean="0"/>
@@ -9657,15 +9737,7 @@
             </a:r>
             <a:r>
               <a:rPr lang="en-US" altLang="zh-CN"/>
-              <a:t>r2 =</a:t>
-            </a:r>
-            <a:r>
-              <a:rPr lang="en-US" altLang="zh-CN"/>
-              <a:t>sc.parallelize(List(3,5</a:t>
-            </a:r>
-            <a:r>
-              <a:rPr lang="en-US" altLang="zh-CN"/>
-              <a:t>))     //org.apache.spark.rdd.RDD[Int] = ParallelCollectionRDD[2]</a:t>
+              <a:t>r2 =sc.parallelize(List(3,5))     //org.apache.spark.rdd.RDD[Int] = ParallelCollectionRDD[2]</a:t>
             </a:r>
           </a:p>
           <a:p>
@@ -9675,19 +9747,7 @@
             </a:r>
             <a:r>
               <a:rPr lang="en-US" altLang="zh-CN"/>
-              <a:t>r3  = </a:t>
-            </a:r>
-            <a:r>
-              <a:rPr lang="en-US" altLang="zh-CN"/>
-              <a:t>r1.union(r2</a:t>
-            </a:r>
-            <a:r>
-              <a:rPr lang="en-US" altLang="zh-CN"/>
-              <a:t>)      //org.apache.spark.rdd.RDD[Int] = </a:t>
-            </a:r>
-            <a:r>
-              <a:rPr lang="en-US" altLang="zh-CN"/>
-              <a:t>UnionRDD[3</a:t>
+              <a:t>r3  = r1.union(r2)      //org.apache.spark.rdd.RDD[Int] = UnionRDD[3</a:t>
             </a:r>
             <a:r>
               <a:rPr lang="en-US" altLang="zh-CN" smtClean="0"/>
@@ -9697,23 +9757,7 @@
           <a:p>
             <a:r>
               <a:rPr lang="en-US" altLang="zh-CN"/>
-              <a:t> </a:t>
-            </a:r>
-            <a:r>
-              <a:rPr lang="en-US" altLang="zh-CN"/>
-              <a:t>val r4 = r3.map(x=&gt;(</a:t>
-            </a:r>
-            <a:r>
-              <a:rPr lang="en-US" altLang="zh-CN"/>
-              <a:t>x,x</a:t>
-            </a:r>
-            <a:r>
-              <a:rPr lang="en-US" altLang="zh-CN"/>
-              <a:t>))  //org.apache.spark.rdd.RDD[(Int, Int)] = </a:t>
-            </a:r>
-            <a:r>
-              <a:rPr lang="en-US" altLang="zh-CN"/>
-              <a:t>MapPartitionsRDD[31</a:t>
+              <a:t> val r4 = r3.map(x=&gt;(x,x))  //org.apache.spark.rdd.RDD[(Int, Int)] = MapPartitionsRDD[31</a:t>
             </a:r>
             <a:r>
               <a:rPr lang="en-US" altLang="zh-CN" smtClean="0"/>
@@ -9780,11 +9824,7 @@
             </a:r>
             <a:r>
               <a:rPr lang="en-US" altLang="zh-CN"/>
-              <a:t>dep =r4.repartition(3).</a:t>
-            </a:r>
-            <a:r>
-              <a:rPr lang="en-US" altLang="zh-CN"/>
-              <a:t>groupByKey.dependencies(0) </a:t>
+              <a:t>dep =r4.repartition(3).groupByKey.dependencies(0) </a:t>
             </a:r>
             <a:endParaRPr lang="en-US" altLang="zh-CN" smtClean="0"/>
           </a:p>
@@ -9817,11 +9857,7 @@
           <a:p>
             <a:r>
               <a:rPr lang="en-US" altLang="zh-CN"/>
-              <a:t>val depRdd = dep.rdd  // org.apache.spark.rdd.RDD[_] = </a:t>
-            </a:r>
-            <a:r>
-              <a:rPr lang="en-US" altLang="zh-CN"/>
-              <a:t>MapPartitionsRDD[35</a:t>
+              <a:t>val depRdd = dep.rdd  // org.apache.spark.rdd.RDD[_] = MapPartitionsRDD[35</a:t>
             </a:r>
             <a:r>
               <a:rPr lang="en-US" altLang="zh-CN" smtClean="0"/>
@@ -10182,11 +10218,7 @@
           <a:p>
             <a:r>
               <a:rPr lang="en-US" altLang="zh-CN" sz="1400"/>
-              <a:t>(</a:t>
-            </a:r>
-            <a:r>
-              <a:rPr lang="en-US" altLang="zh-CN" sz="1400"/>
-              <a:t>3,3</a:t>
+              <a:t>(3,3</a:t>
             </a:r>
             <a:r>
               <a:rPr lang="en-US" altLang="zh-CN" sz="1400" smtClean="0"/>
@@ -11262,11 +11294,11 @@
   <p:clrMapOvr>
     <a:masterClrMapping/>
   </p:clrMapOvr>
-  <mc:AlternateContent xmlns:mc="http://schemas.openxmlformats.org/markup-compatibility/2006">
-    <mc:Choice xmlns:p14="http://schemas.microsoft.com/office/powerpoint/2010/main" Requires="p14">
+  <mc:AlternateContent xmlns:mc="http://schemas.openxmlformats.org/markup-compatibility/2006" xmlns:p14="http://schemas.microsoft.com/office/powerpoint/2010/main">
+    <mc:Choice Requires="p14">
       <p:transition spd="slow" p14:dur="2000"/>
     </mc:Choice>
-    <mc:Fallback>
+    <mc:Fallback xmlns="">
       <p:transition spd="slow"/>
     </mc:Fallback>
   </mc:AlternateContent>
@@ -12218,110 +12250,78 @@
                 <a:latin typeface="微软雅黑" panose="020B0503020204020204" pitchFamily="34" charset="-122"/>
                 <a:ea typeface="微软雅黑" panose="020B0503020204020204" pitchFamily="34" charset="-122"/>
               </a:rPr>
-              <a:t>，该步骤</a:t>
+              <a:t>，该步骤是</a:t>
+            </a:r>
+            <a:r>
+              <a:rPr lang="zh-CN" altLang="en-US" sz="1050" smtClean="0">
+                <a:latin typeface="微软雅黑" panose="020B0503020204020204" pitchFamily="34" charset="-122"/>
+                <a:ea typeface="微软雅黑" panose="020B0503020204020204" pitchFamily="34" charset="-122"/>
+              </a:rPr>
+              <a:t>对</a:t>
+            </a:r>
+            <a:r>
+              <a:rPr lang="en-US" altLang="zh-CN" sz="1050" smtClean="0">
+                <a:latin typeface="微软雅黑" panose="020B0503020204020204" pitchFamily="34" charset="-122"/>
+                <a:ea typeface="微软雅黑" panose="020B0503020204020204" pitchFamily="34" charset="-122"/>
+              </a:rPr>
+              <a:t>getOrCreateShuffleMapStage</a:t>
             </a:r>
             <a:r>
               <a:rPr lang="zh-CN" altLang="en-US" sz="1050">
                 <a:latin typeface="微软雅黑" panose="020B0503020204020204" pitchFamily="34" charset="-122"/>
                 <a:ea typeface="微软雅黑" panose="020B0503020204020204" pitchFamily="34" charset="-122"/>
               </a:rPr>
-              <a:t>是</a:t>
+              <a:t>参数中的</a:t>
+            </a:r>
+            <a:r>
+              <a:rPr lang="en-US" altLang="zh-CN" sz="1050">
+                <a:latin typeface="微软雅黑" panose="020B0503020204020204" pitchFamily="34" charset="-122"/>
+                <a:ea typeface="微软雅黑" panose="020B0503020204020204" pitchFamily="34" charset="-122"/>
+              </a:rPr>
+              <a:t>shuffleDep</a:t>
+            </a:r>
+            <a:r>
+              <a:rPr lang="zh-CN" altLang="en-US" sz="1050">
+                <a:latin typeface="微软雅黑" panose="020B0503020204020204" pitchFamily="34" charset="-122"/>
+                <a:ea typeface="微软雅黑" panose="020B0503020204020204" pitchFamily="34" charset="-122"/>
+              </a:rPr>
+              <a:t>进行创建</a:t>
+            </a:r>
+            <a:r>
+              <a:rPr lang="en-US" altLang="zh-CN" sz="1050" smtClean="0">
+                <a:latin typeface="微软雅黑" panose="020B0503020204020204" pitchFamily="34" charset="-122"/>
+                <a:ea typeface="微软雅黑" panose="020B0503020204020204" pitchFamily="34" charset="-122"/>
+              </a:rPr>
+              <a:t>stage</a:t>
             </a:r>
             <a:r>
               <a:rPr lang="zh-CN" altLang="en-US" sz="1050" smtClean="0">
                 <a:latin typeface="微软雅黑" panose="020B0503020204020204" pitchFamily="34" charset="-122"/>
                 <a:ea typeface="微软雅黑" panose="020B0503020204020204" pitchFamily="34" charset="-122"/>
               </a:rPr>
-              <a:t>对</a:t>
-            </a:r>
-            <a:r>
-              <a:rPr lang="en-US" altLang="zh-CN" sz="1050" smtClean="0">
-                <a:latin typeface="微软雅黑" panose="020B0503020204020204" pitchFamily="34" charset="-122"/>
-                <a:ea typeface="微软雅黑" panose="020B0503020204020204" pitchFamily="34" charset="-122"/>
-              </a:rPr>
-              <a:t>getOrCreateShuffleMapStage</a:t>
+              <a:t>最终</a:t>
             </a:r>
             <a:r>
               <a:rPr lang="zh-CN" altLang="en-US" sz="1050">
                 <a:latin typeface="微软雅黑" panose="020B0503020204020204" pitchFamily="34" charset="-122"/>
                 <a:ea typeface="微软雅黑" panose="020B0503020204020204" pitchFamily="34" charset="-122"/>
               </a:rPr>
-              <a:t>参数中的</a:t>
+              <a:t>完成所有的</a:t>
             </a:r>
             <a:r>
               <a:rPr lang="en-US" altLang="zh-CN" sz="1050">
                 <a:latin typeface="微软雅黑" panose="020B0503020204020204" pitchFamily="34" charset="-122"/>
                 <a:ea typeface="微软雅黑" panose="020B0503020204020204" pitchFamily="34" charset="-122"/>
               </a:rPr>
-              <a:t>shuffleDep</a:t>
+              <a:t>Stage</a:t>
             </a:r>
             <a:r>
               <a:rPr lang="zh-CN" altLang="en-US" sz="1050">
                 <a:latin typeface="微软雅黑" panose="020B0503020204020204" pitchFamily="34" charset="-122"/>
                 <a:ea typeface="微软雅黑" panose="020B0503020204020204" pitchFamily="34" charset="-122"/>
               </a:rPr>
-              <a:t>进行</a:t>
-            </a:r>
-            <a:r>
-              <a:rPr lang="zh-CN" altLang="en-US" sz="1050">
-                <a:latin typeface="微软雅黑" panose="020B0503020204020204" pitchFamily="34" charset="-122"/>
-                <a:ea typeface="微软雅黑" panose="020B0503020204020204" pitchFamily="34" charset="-122"/>
-              </a:rPr>
               <a:t>创建</a:t>
             </a:r>
-            <a:r>
-              <a:rPr lang="en-US" altLang="zh-CN" sz="1050" smtClean="0">
-                <a:latin typeface="微软雅黑" panose="020B0503020204020204" pitchFamily="34" charset="-122"/>
-                <a:ea typeface="微软雅黑" panose="020B0503020204020204" pitchFamily="34" charset="-122"/>
-              </a:rPr>
-              <a:t>stage</a:t>
-            </a:r>
-            <a:r>
-              <a:rPr lang="zh-CN" altLang="en-US" sz="1050" smtClean="0">
-                <a:latin typeface="微软雅黑" panose="020B0503020204020204" pitchFamily="34" charset="-122"/>
-                <a:ea typeface="微软雅黑" panose="020B0503020204020204" pitchFamily="34" charset="-122"/>
-              </a:rPr>
-              <a:t>最终</a:t>
-            </a:r>
-            <a:r>
-              <a:rPr lang="zh-CN" altLang="en-US" sz="1050">
-                <a:latin typeface="微软雅黑" panose="020B0503020204020204" pitchFamily="34" charset="-122"/>
-                <a:ea typeface="微软雅黑" panose="020B0503020204020204" pitchFamily="34" charset="-122"/>
-              </a:rPr>
-              <a:t>完成所有的</a:t>
-            </a:r>
-            <a:r>
-              <a:rPr lang="en-US" altLang="zh-CN" sz="1050">
-                <a:latin typeface="微软雅黑" panose="020B0503020204020204" pitchFamily="34" charset="-122"/>
-                <a:ea typeface="微软雅黑" panose="020B0503020204020204" pitchFamily="34" charset="-122"/>
-              </a:rPr>
-              <a:t>St</a:t>
-            </a:r>
-            <a:r>
-              <a:rPr lang="en-US" altLang="zh-CN" sz="1050">
-                <a:latin typeface="微软雅黑" panose="020B0503020204020204" pitchFamily="34" charset="-122"/>
-                <a:ea typeface="微软雅黑" panose="020B0503020204020204" pitchFamily="34" charset="-122"/>
-              </a:rPr>
-              <a:t>a</a:t>
-            </a:r>
-            <a:r>
-              <a:rPr lang="en-US" altLang="zh-CN" sz="1050">
-                <a:latin typeface="微软雅黑" panose="020B0503020204020204" pitchFamily="34" charset="-122"/>
-                <a:ea typeface="微软雅黑" panose="020B0503020204020204" pitchFamily="34" charset="-122"/>
-              </a:rPr>
-              <a:t>ge</a:t>
-            </a:r>
-            <a:r>
-              <a:rPr lang="zh-CN" altLang="en-US" sz="1050">
-                <a:latin typeface="微软雅黑" panose="020B0503020204020204" pitchFamily="34" charset="-122"/>
-                <a:ea typeface="微软雅黑" panose="020B0503020204020204" pitchFamily="34" charset="-122"/>
-              </a:rPr>
-              <a:t>创建</a:t>
-            </a:r>
-            <a:endParaRPr lang="zh-CN" altLang="en-US" sz="1050">
-              <a:latin typeface="微软雅黑" panose="020B0503020204020204" pitchFamily="34" charset="-122"/>
-              <a:ea typeface="微软雅黑" panose="020B0503020204020204" pitchFamily="34" charset="-122"/>
-            </a:endParaRPr>
           </a:p>
         </p:txBody>
       </p:sp>
@@ -12402,14 +12402,7 @@
                 <a:latin typeface="微软雅黑" panose="020B0503020204020204" pitchFamily="34" charset="-122"/>
                 <a:ea typeface="微软雅黑" panose="020B0503020204020204" pitchFamily="34" charset="-122"/>
               </a:rPr>
-              <a:t>依赖的存储在栈</a:t>
-            </a:r>
-            <a:r>
-              <a:rPr lang="zh-CN" altLang="en-US" sz="1050">
-                <a:latin typeface="微软雅黑" panose="020B0503020204020204" pitchFamily="34" charset="-122"/>
-                <a:ea typeface="微软雅黑" panose="020B0503020204020204" pitchFamily="34" charset="-122"/>
-              </a:rPr>
-              <a:t>中</a:t>
+              <a:t>依赖的存储在栈中</a:t>
             </a:r>
             <a:r>
               <a:rPr lang="zh-CN" altLang="en-US" sz="1050" smtClean="0">
@@ -12450,14 +12443,7 @@
                 <a:latin typeface="微软雅黑" panose="020B0503020204020204" pitchFamily="34" charset="-122"/>
                 <a:ea typeface="微软雅黑" panose="020B0503020204020204" pitchFamily="34" charset="-122"/>
               </a:rPr>
-              <a:t>依赖）</a:t>
-            </a:r>
-            <a:r>
-              <a:rPr lang="zh-CN" altLang="en-US" sz="1050">
-                <a:latin typeface="微软雅黑" panose="020B0503020204020204" pitchFamily="34" charset="-122"/>
-                <a:ea typeface="微软雅黑" panose="020B0503020204020204" pitchFamily="34" charset="-122"/>
-              </a:rPr>
-              <a:t>然后</a:t>
+              <a:t>依赖）然后</a:t>
             </a:r>
             <a:r>
               <a:rPr lang="zh-CN" altLang="en-US" sz="1050" smtClean="0">
@@ -13436,23 +13422,21 @@
       </p:cxnSp>
       <p:cxnSp>
         <p:nvCxnSpPr>
-          <p:cNvPr id="22" name="直接箭头连接符 21"/>
-          <p:cNvCxnSpPr>
-            <a:stCxn id="2" idx="0"/>
-          </p:cNvCxnSpPr>
+          <p:cNvPr id="24" name="直接箭头连接符 23"/>
+          <p:cNvCxnSpPr/>
           <p:nvPr/>
         </p:nvCxnSpPr>
         <p:spPr>
           <a:xfrm flipV="1">
-            <a:off x="5826967" y="419879"/>
-            <a:ext cx="1091204" cy="905069"/>
+            <a:off x="5889949" y="872413"/>
+            <a:ext cx="1310252" cy="646935"/>
           </a:xfrm>
           <a:prstGeom prst="straightConnector1">
             <a:avLst/>
           </a:prstGeom>
           <a:ln>
             <a:solidFill>
-              <a:srgbClr val="00B050"/>
+              <a:srgbClr val="FFFF00"/>
             </a:solidFill>
             <a:tailEnd type="triangle"/>
           </a:ln>
@@ -13474,13 +13458,13 @@
       </p:cxnSp>
       <p:sp>
         <p:nvSpPr>
-          <p:cNvPr id="23" name="文本框 22"/>
+          <p:cNvPr id="25" name="文本框 24"/>
           <p:cNvSpPr txBox="1"/>
           <p:nvPr/>
         </p:nvSpPr>
         <p:spPr>
           <a:xfrm>
-            <a:off x="6902684" y="231336"/>
+            <a:off x="7189388" y="677028"/>
             <a:ext cx="595035" cy="369332"/>
           </a:xfrm>
           <a:prstGeom prst="rect">
@@ -13495,86 +13479,12 @@
           <a:lstStyle/>
           <a:p>
             <a:r>
-              <a:rPr lang="en-US" altLang="zh-CN" smtClean="0">
+              <a:rPr lang="en-US" altLang="zh-CN">
                 <a:solidFill>
                   <a:srgbClr val="FF0000"/>
                 </a:solidFill>
               </a:rPr>
               <a:t>RDD</a:t>
-            </a:r>
-            <a:endParaRPr lang="zh-CN" altLang="en-US">
-              <a:solidFill>
-                <a:srgbClr val="FF0000"/>
-              </a:solidFill>
-            </a:endParaRPr>
-          </a:p>
-        </p:txBody>
-      </p:sp>
-      <p:cxnSp>
-        <p:nvCxnSpPr>
-          <p:cNvPr id="24" name="直接箭头连接符 23"/>
-          <p:cNvCxnSpPr/>
-          <p:nvPr/>
-        </p:nvCxnSpPr>
-        <p:spPr>
-          <a:xfrm flipV="1">
-            <a:off x="5889949" y="872413"/>
-            <a:ext cx="1310252" cy="646935"/>
-          </a:xfrm>
-          <a:prstGeom prst="straightConnector1">
-            <a:avLst/>
-          </a:prstGeom>
-          <a:ln>
-            <a:solidFill>
-              <a:srgbClr val="FFFF00"/>
-            </a:solidFill>
-            <a:tailEnd type="triangle"/>
-          </a:ln>
-        </p:spPr>
-        <p:style>
-          <a:lnRef idx="1">
-            <a:schemeClr val="accent1"/>
-          </a:lnRef>
-          <a:fillRef idx="0">
-            <a:schemeClr val="accent1"/>
-          </a:fillRef>
-          <a:effectRef idx="0">
-            <a:schemeClr val="accent1"/>
-          </a:effectRef>
-          <a:fontRef idx="minor">
-            <a:schemeClr val="tx1"/>
-          </a:fontRef>
-        </p:style>
-      </p:cxnSp>
-      <p:sp>
-        <p:nvSpPr>
-          <p:cNvPr id="25" name="文本框 24"/>
-          <p:cNvSpPr txBox="1"/>
-          <p:nvPr/>
-        </p:nvSpPr>
-        <p:spPr>
-          <a:xfrm>
-            <a:off x="7189388" y="677028"/>
-            <a:ext cx="992451" cy="369332"/>
-          </a:xfrm>
-          <a:prstGeom prst="rect">
-            <a:avLst/>
-          </a:prstGeom>
-          <a:noFill/>
-        </p:spPr>
-        <p:txBody>
-          <a:bodyPr wrap="none" rtlCol="0">
-            <a:spAutoFit/>
-          </a:bodyPr>
-          <a:lstStyle/>
-          <a:p>
-            <a:r>
-              <a:rPr lang="en-US" altLang="zh-CN">
-                <a:solidFill>
-                  <a:srgbClr val="FF0000"/>
-                </a:solidFill>
-              </a:rPr>
-              <a:t>Partition</a:t>
             </a:r>
             <a:endParaRPr lang="zh-CN" altLang="en-US">
               <a:solidFill>
@@ -14293,11 +14203,7 @@
           <a:p>
             <a:r>
               <a:rPr lang="en-US" altLang="zh-CN" sz="1400"/>
-              <a:t>(</a:t>
-            </a:r>
-            <a:r>
-              <a:rPr lang="en-US" altLang="zh-CN" sz="1400"/>
-              <a:t>3,3</a:t>
+              <a:t>(3,3</a:t>
             </a:r>
             <a:r>
               <a:rPr lang="en-US" altLang="zh-CN" sz="1400" smtClean="0"/>
@@ -15174,6 +15080,14 @@
 <file path=ppt/slides/slide28.xml><?xml version="1.0" encoding="utf-8"?>
 <p:sld xmlns:a="http://schemas.openxmlformats.org/drawingml/2006/main" xmlns:r="http://schemas.openxmlformats.org/officeDocument/2006/relationships" xmlns:p="http://schemas.openxmlformats.org/presentationml/2006/main">
   <p:cSld>
+    <p:bg>
+      <p:bgPr>
+        <a:solidFill>
+          <a:schemeClr val="accent1"/>
+        </a:solidFill>
+        <a:effectLst/>
+      </p:bgPr>
+    </p:bg>
     <p:spTree>
       <p:nvGrpSpPr>
         <p:cNvPr id="1" name=""/>
@@ -15204,8 +15118,8 @@
         </p:blipFill>
         <p:spPr>
           <a:xfrm>
-            <a:off x="1057275" y="1230069"/>
-            <a:ext cx="11383416" cy="5496478"/>
+            <a:off x="2472611" y="503419"/>
+            <a:ext cx="6410623" cy="3901872"/>
           </a:xfrm>
           <a:prstGeom prst="rect">
             <a:avLst/>
@@ -15220,8 +15134,8 @@
         </p:nvSpPr>
         <p:spPr>
           <a:xfrm>
-            <a:off x="3256383" y="298579"/>
-            <a:ext cx="6453113" cy="707886"/>
+            <a:off x="1881934" y="4954555"/>
+            <a:ext cx="2954655" cy="369332"/>
           </a:xfrm>
           <a:prstGeom prst="rect">
             <a:avLst/>
@@ -15235,41 +15149,345 @@
           <a:lstStyle/>
           <a:p>
             <a:r>
-              <a:rPr lang="zh-CN" altLang="en-US" sz="4000" smtClean="0">
-                <a:solidFill>
-                  <a:srgbClr val="FF0000"/>
-                </a:solidFill>
-              </a:rPr>
-              <a:t>书签，明天研究</a:t>
-            </a:r>
-            <a:r>
-              <a:rPr lang="en-US" altLang="zh-CN" sz="4000" smtClean="0">
-                <a:solidFill>
-                  <a:srgbClr val="FF0000"/>
-                </a:solidFill>
-              </a:rPr>
-              <a:t>Stage</a:t>
-            </a:r>
-            <a:r>
-              <a:rPr lang="zh-CN" altLang="en-US" sz="4000" smtClean="0">
-                <a:solidFill>
-                  <a:srgbClr val="FF0000"/>
-                </a:solidFill>
-              </a:rPr>
-              <a:t>的提交</a:t>
-            </a:r>
-            <a:endParaRPr lang="en-US" altLang="zh-CN" sz="4000" smtClean="0">
-              <a:solidFill>
-                <a:srgbClr val="FF0000"/>
-              </a:solidFill>
-            </a:endParaRPr>
+              <a:rPr lang="zh-CN" altLang="en-US" smtClean="0"/>
+              <a:t>寻找依赖从后向前，先找到</a:t>
+            </a:r>
+            <a:endParaRPr lang="zh-CN" altLang="en-US"/>
+          </a:p>
+        </p:txBody>
+      </p:sp>
+      <p:pic>
+        <p:nvPicPr>
+          <p:cNvPr id="4" name="图片 3"/>
+          <p:cNvPicPr>
+            <a:picLocks noChangeAspect="1"/>
+          </p:cNvPicPr>
+          <p:nvPr/>
+        </p:nvPicPr>
+        <p:blipFill>
+          <a:blip r:embed="rId3"/>
+          <a:stretch>
+            <a:fillRect/>
+          </a:stretch>
+        </p:blipFill>
+        <p:spPr>
+          <a:xfrm>
+            <a:off x="4836589" y="4986840"/>
+            <a:ext cx="1114286" cy="304762"/>
+          </a:xfrm>
+          <a:prstGeom prst="rect">
+            <a:avLst/>
+          </a:prstGeom>
+        </p:spPr>
+      </p:pic>
+      <p:sp>
+        <p:nvSpPr>
+          <p:cNvPr id="5" name="文本框 4"/>
+          <p:cNvSpPr txBox="1"/>
+          <p:nvPr/>
+        </p:nvSpPr>
+        <p:spPr>
+          <a:xfrm>
+            <a:off x="6080710" y="4957646"/>
+            <a:ext cx="2293000" cy="369332"/>
+          </a:xfrm>
+          <a:prstGeom prst="rect">
+            <a:avLst/>
+          </a:prstGeom>
+          <a:noFill/>
+        </p:spPr>
+        <p:txBody>
+          <a:bodyPr wrap="none" rtlCol="0">
+            <a:spAutoFit/>
+          </a:bodyPr>
+          <a:lstStyle/>
+          <a:p>
+            <a:r>
+              <a:rPr lang="zh-CN" altLang="en-US" smtClean="0"/>
+              <a:t>存到</a:t>
+            </a:r>
+            <a:r>
+              <a:rPr lang="en-US" altLang="zh-CN" smtClean="0"/>
+              <a:t>Stack</a:t>
+            </a:r>
+            <a:r>
+              <a:rPr lang="zh-CN" altLang="en-US" smtClean="0"/>
+              <a:t>中，再找到</a:t>
+            </a:r>
+            <a:endParaRPr lang="zh-CN" altLang="en-US"/>
+          </a:p>
+        </p:txBody>
+      </p:sp>
+      <p:pic>
+        <p:nvPicPr>
+          <p:cNvPr id="6" name="图片 5"/>
+          <p:cNvPicPr>
+            <a:picLocks noChangeAspect="1"/>
+          </p:cNvPicPr>
+          <p:nvPr/>
+        </p:nvPicPr>
+        <p:blipFill>
+          <a:blip r:embed="rId4"/>
+          <a:stretch>
+            <a:fillRect/>
+          </a:stretch>
+        </p:blipFill>
+        <p:spPr>
+          <a:xfrm>
+            <a:off x="8373710" y="4948745"/>
+            <a:ext cx="1019048" cy="342857"/>
+          </a:xfrm>
+          <a:prstGeom prst="rect">
+            <a:avLst/>
+          </a:prstGeom>
+        </p:spPr>
+      </p:pic>
+      <p:sp>
+        <p:nvSpPr>
+          <p:cNvPr id="7" name="文本框 6"/>
+          <p:cNvSpPr txBox="1"/>
+          <p:nvPr/>
+        </p:nvSpPr>
+        <p:spPr>
+          <a:xfrm>
+            <a:off x="9487996" y="4986840"/>
+            <a:ext cx="1600503" cy="369332"/>
+          </a:xfrm>
+          <a:prstGeom prst="rect">
+            <a:avLst/>
+          </a:prstGeom>
+          <a:noFill/>
+        </p:spPr>
+        <p:txBody>
+          <a:bodyPr wrap="none" rtlCol="0">
+            <a:spAutoFit/>
+          </a:bodyPr>
+          <a:lstStyle/>
+          <a:p>
+            <a:r>
+              <a:rPr lang="zh-CN" altLang="en-US" smtClean="0"/>
+              <a:t>存储到</a:t>
+            </a:r>
+            <a:r>
+              <a:rPr lang="en-US" altLang="zh-CN" smtClean="0"/>
+              <a:t>Stack</a:t>
+            </a:r>
+            <a:r>
+              <a:rPr lang="zh-CN" altLang="en-US" smtClean="0"/>
+              <a:t>中</a:t>
+            </a:r>
+            <a:endParaRPr lang="zh-CN" altLang="en-US"/>
+          </a:p>
+        </p:txBody>
+      </p:sp>
+      <p:sp>
+        <p:nvSpPr>
+          <p:cNvPr id="8" name="文本框 7"/>
+          <p:cNvSpPr txBox="1"/>
+          <p:nvPr/>
+        </p:nvSpPr>
+        <p:spPr>
+          <a:xfrm>
+            <a:off x="2099388" y="5449078"/>
+            <a:ext cx="1369670" cy="369332"/>
+          </a:xfrm>
+          <a:prstGeom prst="rect">
+            <a:avLst/>
+          </a:prstGeom>
+          <a:noFill/>
+        </p:spPr>
+        <p:txBody>
+          <a:bodyPr wrap="none" rtlCol="0">
+            <a:spAutoFit/>
+          </a:bodyPr>
+          <a:lstStyle/>
+          <a:p>
+            <a:r>
+              <a:rPr lang="en-US" altLang="zh-CN" smtClean="0"/>
+              <a:t>Stack</a:t>
+            </a:r>
+            <a:r>
+              <a:rPr lang="zh-CN" altLang="en-US" smtClean="0"/>
+              <a:t>栈顶是</a:t>
+            </a:r>
+            <a:endParaRPr lang="zh-CN" altLang="en-US"/>
+          </a:p>
+        </p:txBody>
+      </p:sp>
+      <p:pic>
+        <p:nvPicPr>
+          <p:cNvPr id="9" name="图片 8"/>
+          <p:cNvPicPr>
+            <a:picLocks noChangeAspect="1"/>
+          </p:cNvPicPr>
+          <p:nvPr/>
+        </p:nvPicPr>
+        <p:blipFill>
+          <a:blip r:embed="rId4"/>
+          <a:stretch>
+            <a:fillRect/>
+          </a:stretch>
+        </p:blipFill>
+        <p:spPr>
+          <a:xfrm>
+            <a:off x="3469058" y="5475553"/>
+            <a:ext cx="1019048" cy="342857"/>
+          </a:xfrm>
+          <a:prstGeom prst="rect">
+            <a:avLst/>
+          </a:prstGeom>
+        </p:spPr>
+      </p:pic>
+      <p:sp>
+        <p:nvSpPr>
+          <p:cNvPr id="10" name="文本框 9"/>
+          <p:cNvSpPr txBox="1"/>
+          <p:nvPr/>
+        </p:nvSpPr>
+        <p:spPr>
+          <a:xfrm>
+            <a:off x="4513423" y="5475553"/>
+            <a:ext cx="1107996" cy="369332"/>
+          </a:xfrm>
+          <a:prstGeom prst="rect">
+            <a:avLst/>
+          </a:prstGeom>
+          <a:noFill/>
+        </p:spPr>
+        <p:txBody>
+          <a:bodyPr wrap="none" rtlCol="0">
+            <a:spAutoFit/>
+          </a:bodyPr>
+          <a:lstStyle/>
+          <a:p>
+            <a:r>
+              <a:rPr lang="zh-CN" altLang="en-US" smtClean="0"/>
+              <a:t>所以先为</a:t>
+            </a:r>
+            <a:endParaRPr lang="zh-CN" altLang="en-US"/>
+          </a:p>
+        </p:txBody>
+      </p:sp>
+      <p:pic>
+        <p:nvPicPr>
+          <p:cNvPr id="11" name="图片 10"/>
+          <p:cNvPicPr>
+            <a:picLocks noChangeAspect="1"/>
+          </p:cNvPicPr>
+          <p:nvPr/>
+        </p:nvPicPr>
+        <p:blipFill>
+          <a:blip r:embed="rId4"/>
+          <a:stretch>
+            <a:fillRect/>
+          </a:stretch>
+        </p:blipFill>
+        <p:spPr>
+          <a:xfrm>
+            <a:off x="5646736" y="5502028"/>
+            <a:ext cx="1019048" cy="342857"/>
+          </a:xfrm>
+          <a:prstGeom prst="rect">
+            <a:avLst/>
+          </a:prstGeom>
+        </p:spPr>
+      </p:pic>
+      <p:sp>
+        <p:nvSpPr>
+          <p:cNvPr id="12" name="文本框 11"/>
+          <p:cNvSpPr txBox="1"/>
+          <p:nvPr/>
+        </p:nvSpPr>
+        <p:spPr>
+          <a:xfrm>
+            <a:off x="6785672" y="5449078"/>
+            <a:ext cx="1833259" cy="369332"/>
+          </a:xfrm>
+          <a:prstGeom prst="rect">
+            <a:avLst/>
+          </a:prstGeom>
+          <a:noFill/>
+        </p:spPr>
+        <p:txBody>
+          <a:bodyPr wrap="none" rtlCol="0">
+            <a:spAutoFit/>
+          </a:bodyPr>
+          <a:lstStyle/>
+          <a:p>
+            <a:r>
+              <a:rPr lang="zh-CN" altLang="en-US" smtClean="0"/>
+              <a:t>创建</a:t>
+            </a:r>
+            <a:r>
+              <a:rPr lang="en-US" altLang="zh-CN" smtClean="0"/>
+              <a:t>stage</a:t>
+            </a:r>
+            <a:r>
+              <a:rPr lang="zh-CN" altLang="en-US" smtClean="0"/>
+              <a:t>，再为</a:t>
+            </a:r>
+            <a:endParaRPr lang="zh-CN" altLang="en-US"/>
+          </a:p>
+        </p:txBody>
+      </p:sp>
+      <p:pic>
+        <p:nvPicPr>
+          <p:cNvPr id="13" name="图片 12"/>
+          <p:cNvPicPr>
+            <a:picLocks noChangeAspect="1"/>
+          </p:cNvPicPr>
+          <p:nvPr/>
+        </p:nvPicPr>
+        <p:blipFill>
+          <a:blip r:embed="rId3"/>
+          <a:stretch>
+            <a:fillRect/>
+          </a:stretch>
+        </p:blipFill>
+        <p:spPr>
+          <a:xfrm>
+            <a:off x="8738819" y="5507838"/>
+            <a:ext cx="1114286" cy="304762"/>
+          </a:xfrm>
+          <a:prstGeom prst="rect">
+            <a:avLst/>
+          </a:prstGeom>
+        </p:spPr>
+      </p:pic>
+      <p:sp>
+        <p:nvSpPr>
+          <p:cNvPr id="14" name="文本框 13"/>
+          <p:cNvSpPr txBox="1"/>
+          <p:nvPr/>
+        </p:nvSpPr>
+        <p:spPr>
+          <a:xfrm>
+            <a:off x="9965081" y="5502028"/>
+            <a:ext cx="646331" cy="369332"/>
+          </a:xfrm>
+          <a:prstGeom prst="rect">
+            <a:avLst/>
+          </a:prstGeom>
+          <a:noFill/>
+        </p:spPr>
+        <p:txBody>
+          <a:bodyPr wrap="none" rtlCol="0">
+            <a:spAutoFit/>
+          </a:bodyPr>
+          <a:lstStyle/>
+          <a:p>
+            <a:r>
+              <a:rPr lang="zh-CN" altLang="en-US" smtClean="0"/>
+              <a:t>创建</a:t>
+            </a:r>
+            <a:endParaRPr lang="zh-CN" altLang="en-US"/>
           </a:p>
         </p:txBody>
       </p:sp>
     </p:spTree>
     <p:extLst>
       <p:ext uri="{BB962C8B-B14F-4D97-AF65-F5344CB8AC3E}">
-        <p14:creationId xmlns:p14="http://schemas.microsoft.com/office/powerpoint/2010/main" val="791807619"/>
+        <p14:creationId xmlns:p14="http://schemas.microsoft.com/office/powerpoint/2010/main" val="1677738275"/>
       </p:ext>
     </p:extLst>
   </p:cSld>
@@ -15296,10 +15514,118 @@
           <a:chExt cx="0" cy="0"/>
         </a:xfrm>
       </p:grpSpPr>
+      <p:pic>
+        <p:nvPicPr>
+          <p:cNvPr id="2" name="图片 1"/>
+          <p:cNvPicPr>
+            <a:picLocks noChangeAspect="1"/>
+          </p:cNvPicPr>
+          <p:nvPr/>
+        </p:nvPicPr>
+        <p:blipFill>
+          <a:blip r:embed="rId3"/>
+          <a:stretch>
+            <a:fillRect/>
+          </a:stretch>
+        </p:blipFill>
+        <p:spPr>
+          <a:xfrm>
+            <a:off x="587829" y="1006465"/>
+            <a:ext cx="7392830" cy="3569625"/>
+          </a:xfrm>
+          <a:prstGeom prst="rect">
+            <a:avLst/>
+          </a:prstGeom>
+        </p:spPr>
+      </p:pic>
+      <p:sp>
+        <p:nvSpPr>
+          <p:cNvPr id="3" name="文本框 2"/>
+          <p:cNvSpPr txBox="1"/>
+          <p:nvPr/>
+        </p:nvSpPr>
+        <p:spPr>
+          <a:xfrm>
+            <a:off x="3256383" y="298579"/>
+            <a:ext cx="6453113" cy="707886"/>
+          </a:xfrm>
+          <a:prstGeom prst="rect">
+            <a:avLst/>
+          </a:prstGeom>
+          <a:noFill/>
+        </p:spPr>
+        <p:txBody>
+          <a:bodyPr wrap="none" rtlCol="0">
+            <a:spAutoFit/>
+          </a:bodyPr>
+          <a:lstStyle/>
+          <a:p>
+            <a:r>
+              <a:rPr lang="zh-CN" altLang="en-US" sz="4000" smtClean="0">
+                <a:solidFill>
+                  <a:srgbClr val="FF0000"/>
+                </a:solidFill>
+              </a:rPr>
+              <a:t>书签，明天研究</a:t>
+            </a:r>
+            <a:r>
+              <a:rPr lang="en-US" altLang="zh-CN" sz="4000" smtClean="0">
+                <a:solidFill>
+                  <a:srgbClr val="FF0000"/>
+                </a:solidFill>
+              </a:rPr>
+              <a:t>Stage</a:t>
+            </a:r>
+            <a:r>
+              <a:rPr lang="zh-CN" altLang="en-US" sz="4000" smtClean="0">
+                <a:solidFill>
+                  <a:srgbClr val="FF0000"/>
+                </a:solidFill>
+              </a:rPr>
+              <a:t>的提交</a:t>
+            </a:r>
+            <a:endParaRPr lang="en-US" altLang="zh-CN" sz="4000" smtClean="0">
+              <a:solidFill>
+                <a:srgbClr val="FF0000"/>
+              </a:solidFill>
+            </a:endParaRPr>
+          </a:p>
+        </p:txBody>
+      </p:sp>
+      <p:pic>
+        <p:nvPicPr>
+          <p:cNvPr id="4" name="图片 3"/>
+          <p:cNvPicPr>
+            <a:picLocks noChangeAspect="1"/>
+          </p:cNvPicPr>
+          <p:nvPr/>
+        </p:nvPicPr>
+        <p:blipFill>
+          <a:blip r:embed="rId4">
+            <a:extLst>
+              <a:ext uri="{28A0092B-C50C-407E-A947-70E740481C1C}">
+                <a14:useLocalDpi xmlns:a14="http://schemas.microsoft.com/office/drawing/2010/main" val="0"/>
+              </a:ext>
+            </a:extLst>
+          </a:blip>
+          <a:stretch>
+            <a:fillRect/>
+          </a:stretch>
+        </p:blipFill>
+        <p:spPr>
+          <a:xfrm>
+            <a:off x="4861249" y="3983868"/>
+            <a:ext cx="7825273" cy="2874132"/>
+          </a:xfrm>
+          <a:prstGeom prst="rect">
+            <a:avLst/>
+          </a:prstGeom>
+        </p:spPr>
+      </p:pic>
     </p:spTree>
     <p:extLst>
       <p:ext uri="{BB962C8B-B14F-4D97-AF65-F5344CB8AC3E}">
-        <p14:creationId xmlns:p14="http://schemas.microsoft.com/office/powerpoint/2010/main" val="1623144282"/>
+        <p14:creationId xmlns:p14="http://schemas.microsoft.com/office/powerpoint/2010/main" val="791807619"/>
       </p:ext>
     </p:extLst>
   </p:cSld>
@@ -15549,10 +15875,157 @@
           <a:chExt cx="0" cy="0"/>
         </a:xfrm>
       </p:grpSpPr>
+      <p:pic>
+        <p:nvPicPr>
+          <p:cNvPr id="3" name="图片 2"/>
+          <p:cNvPicPr>
+            <a:picLocks noChangeAspect="1"/>
+          </p:cNvPicPr>
+          <p:nvPr/>
+        </p:nvPicPr>
+        <p:blipFill>
+          <a:blip r:embed="rId2"/>
+          <a:stretch>
+            <a:fillRect/>
+          </a:stretch>
+        </p:blipFill>
+        <p:spPr>
+          <a:xfrm>
+            <a:off x="1465814" y="5272007"/>
+            <a:ext cx="9876190" cy="1819048"/>
+          </a:xfrm>
+          <a:prstGeom prst="rect">
+            <a:avLst/>
+          </a:prstGeom>
+        </p:spPr>
+      </p:pic>
+      <p:pic>
+        <p:nvPicPr>
+          <p:cNvPr id="4" name="图片 3"/>
+          <p:cNvPicPr>
+            <a:picLocks noChangeAspect="1"/>
+          </p:cNvPicPr>
+          <p:nvPr/>
+        </p:nvPicPr>
+        <p:blipFill>
+          <a:blip r:embed="rId3"/>
+          <a:stretch>
+            <a:fillRect/>
+          </a:stretch>
+        </p:blipFill>
+        <p:spPr>
+          <a:xfrm>
+            <a:off x="5230035" y="0"/>
+            <a:ext cx="6377246" cy="2306115"/>
+          </a:xfrm>
+          <a:prstGeom prst="rect">
+            <a:avLst/>
+          </a:prstGeom>
+        </p:spPr>
+      </p:pic>
+      <p:pic>
+        <p:nvPicPr>
+          <p:cNvPr id="5" name="图片 4"/>
+          <p:cNvPicPr>
+            <a:picLocks noChangeAspect="1"/>
+          </p:cNvPicPr>
+          <p:nvPr/>
+        </p:nvPicPr>
+        <p:blipFill>
+          <a:blip r:embed="rId4"/>
+          <a:stretch>
+            <a:fillRect/>
+          </a:stretch>
+        </p:blipFill>
+        <p:spPr>
+          <a:xfrm>
+            <a:off x="5374433" y="2306115"/>
+            <a:ext cx="6232848" cy="3184767"/>
+          </a:xfrm>
+          <a:prstGeom prst="rect">
+            <a:avLst/>
+          </a:prstGeom>
+        </p:spPr>
+      </p:pic>
+      <p:sp>
+        <p:nvSpPr>
+          <p:cNvPr id="6" name="文本框 5"/>
+          <p:cNvSpPr txBox="1"/>
+          <p:nvPr/>
+        </p:nvSpPr>
+        <p:spPr>
+          <a:xfrm>
+            <a:off x="1940767" y="905069"/>
+            <a:ext cx="877163" cy="369332"/>
+          </a:xfrm>
+          <a:prstGeom prst="rect">
+            <a:avLst/>
+          </a:prstGeom>
+          <a:noFill/>
+        </p:spPr>
+        <p:txBody>
+          <a:bodyPr wrap="none" rtlCol="0">
+            <a:spAutoFit/>
+          </a:bodyPr>
+          <a:lstStyle/>
+          <a:p>
+            <a:r>
+              <a:rPr lang="zh-CN" altLang="en-US" smtClean="0"/>
+              <a:t>尾递归</a:t>
+            </a:r>
+            <a:endParaRPr lang="zh-CN" altLang="en-US"/>
+          </a:p>
+        </p:txBody>
+      </p:sp>
+      <p:sp>
+        <p:nvSpPr>
+          <p:cNvPr id="7" name="文本框 6"/>
+          <p:cNvSpPr txBox="1"/>
+          <p:nvPr/>
+        </p:nvSpPr>
+        <p:spPr>
+          <a:xfrm>
+            <a:off x="130628" y="2552203"/>
+            <a:ext cx="5200078" cy="646331"/>
+          </a:xfrm>
+          <a:prstGeom prst="rect">
+            <a:avLst/>
+          </a:prstGeom>
+          <a:noFill/>
+        </p:spPr>
+        <p:txBody>
+          <a:bodyPr wrap="none" rtlCol="0">
+            <a:spAutoFit/>
+          </a:bodyPr>
+          <a:lstStyle/>
+          <a:p>
+            <a:r>
+              <a:rPr lang="zh-CN" altLang="en-US" smtClean="0"/>
+              <a:t>引用地址：</a:t>
+            </a:r>
+            <a:endParaRPr lang="en-US" altLang="zh-CN" smtClean="0"/>
+          </a:p>
+          <a:p>
+            <a:r>
+              <a:rPr lang="en-US" altLang="zh-CN"/>
+              <a:t> </a:t>
+            </a:r>
+            <a:r>
+              <a:rPr lang="en-US" altLang="zh-CN" smtClean="0"/>
+              <a:t>               https</a:t>
+            </a:r>
+            <a:r>
+              <a:rPr lang="en-US" altLang="zh-CN"/>
+              <a:t>://www.zhihu.com/question/20761771</a:t>
+            </a:r>
+            <a:endParaRPr lang="zh-CN" altLang="en-US"/>
+          </a:p>
+        </p:txBody>
+      </p:sp>
     </p:spTree>
     <p:extLst>
       <p:ext uri="{BB962C8B-B14F-4D97-AF65-F5344CB8AC3E}">
-        <p14:creationId xmlns:p14="http://schemas.microsoft.com/office/powerpoint/2010/main" val="1677738275"/>
+        <p14:creationId xmlns:p14="http://schemas.microsoft.com/office/powerpoint/2010/main" val="1623144282"/>
       </p:ext>
     </p:extLst>
   </p:cSld>
@@ -17142,7 +17615,7 @@
           <a:graphicData uri="http://schemas.openxmlformats.org/presentationml/2006/ole">
             <mc:AlternateContent xmlns:mc="http://schemas.openxmlformats.org/markup-compatibility/2006">
               <mc:Choice xmlns:v="urn:schemas-microsoft-com:vml" Requires="v">
-                <p:oleObj spid="_x0000_s2394" name="包装程序外壳对象" showAsIcon="1" r:id="rId4" imgW="1325880" imgH="354600" progId="Package">
+                <p:oleObj spid="_x0000_s2409" name="包装程序外壳对象" showAsIcon="1" r:id="rId4" imgW="1325880" imgH="354600" progId="Package">
                   <p:embed/>
                 </p:oleObj>
               </mc:Choice>

--- a/Spark阅读源码的笔记.pptx
+++ b/Spark阅读源码的笔记.pptx
@@ -5,7 +5,7 @@
     <p:sldMasterId id="2147483648" r:id="rId1"/>
   </p:sldMasterIdLst>
   <p:notesMasterIdLst>
-    <p:notesMasterId r:id="rId36"/>
+    <p:notesMasterId r:id="rId44"/>
   </p:notesMasterIdLst>
   <p:sldIdLst>
     <p:sldId id="256" r:id="rId2"/>
@@ -36,12 +36,20 @@
     <p:sldId id="265" r:id="rId27"/>
     <p:sldId id="280" r:id="rId28"/>
     <p:sldId id="269" r:id="rId29"/>
-    <p:sldId id="279" r:id="rId30"/>
-    <p:sldId id="281" r:id="rId31"/>
-    <p:sldId id="270" r:id="rId32"/>
+    <p:sldId id="281" r:id="rId30"/>
+    <p:sldId id="270" r:id="rId31"/>
+    <p:sldId id="279" r:id="rId32"/>
     <p:sldId id="271" r:id="rId33"/>
     <p:sldId id="273" r:id="rId34"/>
     <p:sldId id="274" r:id="rId35"/>
+    <p:sldId id="290" r:id="rId36"/>
+    <p:sldId id="291" r:id="rId37"/>
+    <p:sldId id="292" r:id="rId38"/>
+    <p:sldId id="293" r:id="rId39"/>
+    <p:sldId id="294" r:id="rId40"/>
+    <p:sldId id="295" r:id="rId41"/>
+    <p:sldId id="296" r:id="rId42"/>
+    <p:sldId id="297" r:id="rId43"/>
   </p:sldIdLst>
   <p:sldSz cx="12192000" cy="6858000"/>
   <p:notesSz cx="6858000" cy="9144000"/>
@@ -230,7 +238,7 @@
           <a:p>
             <a:fld id="{E79BCF29-52E9-4B6F-BE17-814B78939943}" type="datetimeFigureOut">
               <a:rPr lang="zh-CN" altLang="en-US" smtClean="0"/>
-              <a:t>2017/4/9</a:t>
+              <a:t>2017/4/10</a:t>
             </a:fld>
             <a:endParaRPr lang="zh-CN" altLang="en-US"/>
           </a:p>
@@ -1268,7 +1276,7 @@
           <a:p>
             <a:fld id="{F8957E2C-20B6-4ABE-B68C-98AB9259DA1C}" type="slidenum">
               <a:rPr lang="zh-CN" altLang="en-US" smtClean="0"/>
-              <a:t>29</a:t>
+              <a:t>31</a:t>
             </a:fld>
             <a:endParaRPr lang="zh-CN" altLang="en-US"/>
           </a:p>
@@ -1278,6 +1286,292 @@
     <p:extLst>
       <p:ext uri="{BB962C8B-B14F-4D97-AF65-F5344CB8AC3E}">
         <p14:creationId xmlns:p14="http://schemas.microsoft.com/office/powerpoint/2010/main" val="3420054915"/>
+      </p:ext>
+    </p:extLst>
+  </p:cSld>
+  <p:clrMapOvr>
+    <a:masterClrMapping/>
+  </p:clrMapOvr>
+</p:notes>
+</file>
+
+<file path=ppt/notesSlides/notesSlide9.xml><?xml version="1.0" encoding="utf-8"?>
+<p:notes xmlns:a="http://schemas.openxmlformats.org/drawingml/2006/main" xmlns:r="http://schemas.openxmlformats.org/officeDocument/2006/relationships" xmlns:p="http://schemas.openxmlformats.org/presentationml/2006/main">
+  <p:cSld>
+    <p:spTree>
+      <p:nvGrpSpPr>
+        <p:cNvPr id="1" name=""/>
+        <p:cNvGrpSpPr/>
+        <p:nvPr/>
+      </p:nvGrpSpPr>
+      <p:grpSpPr>
+        <a:xfrm>
+          <a:off x="0" y="0"/>
+          <a:ext cx="0" cy="0"/>
+          <a:chOff x="0" y="0"/>
+          <a:chExt cx="0" cy="0"/>
+        </a:xfrm>
+      </p:grpSpPr>
+      <p:sp>
+        <p:nvSpPr>
+          <p:cNvPr id="2" name="幻灯片图像占位符 1"/>
+          <p:cNvSpPr>
+            <a:spLocks noGrp="1" noRot="1" noChangeAspect="1"/>
+          </p:cNvSpPr>
+          <p:nvPr>
+            <p:ph type="sldImg"/>
+          </p:nvPr>
+        </p:nvSpPr>
+        <p:spPr/>
+      </p:sp>
+      <p:sp>
+        <p:nvSpPr>
+          <p:cNvPr id="3" name="备注占位符 2"/>
+          <p:cNvSpPr>
+            <a:spLocks noGrp="1"/>
+          </p:cNvSpPr>
+          <p:nvPr>
+            <p:ph type="body" idx="1"/>
+          </p:nvPr>
+        </p:nvSpPr>
+        <p:spPr/>
+        <p:txBody>
+          <a:bodyPr/>
+          <a:lstStyle/>
+          <a:p>
+            <a:r>
+              <a:rPr lang="zh-CN" altLang="en-US" sz="1200" i="1" kern="1200" smtClean="0">
+                <a:solidFill>
+                  <a:schemeClr val="tx1"/>
+                </a:solidFill>
+                <a:effectLst/>
+                <a:latin typeface="+mn-lt"/>
+                <a:ea typeface="+mn-ea"/>
+                <a:cs typeface="+mn-cs"/>
+              </a:rPr>
+              <a:t>* </a:t>
+            </a:r>
+            <a:r>
+              <a:rPr lang="en-US" altLang="zh-CN" sz="1200" i="1" kern="1200" smtClean="0">
+                <a:solidFill>
+                  <a:schemeClr val="tx1"/>
+                </a:solidFill>
+                <a:effectLst/>
+                <a:latin typeface="+mn-lt"/>
+                <a:ea typeface="+mn-ea"/>
+                <a:cs typeface="+mn-cs"/>
+              </a:rPr>
+              <a:t>CoarseGrainedSchedulerBackend</a:t>
+            </a:r>
+            <a:r>
+              <a:rPr lang="zh-CN" altLang="en-US" sz="1200" i="1" kern="1200" smtClean="0">
+                <a:solidFill>
+                  <a:schemeClr val="tx1"/>
+                </a:solidFill>
+                <a:effectLst/>
+                <a:latin typeface="+mn-lt"/>
+                <a:ea typeface="+mn-ea"/>
+                <a:cs typeface="+mn-cs"/>
+              </a:rPr>
+              <a:t>等待一个粗粒度的执行器来连接。这个</a:t>
+            </a:r>
+            <a:r>
+              <a:rPr lang="en-US" altLang="zh-CN" sz="1200" i="1" kern="1200" smtClean="0">
+                <a:solidFill>
+                  <a:schemeClr val="tx1"/>
+                </a:solidFill>
+                <a:effectLst/>
+                <a:latin typeface="+mn-lt"/>
+                <a:ea typeface="+mn-ea"/>
+                <a:cs typeface="+mn-cs"/>
+              </a:rPr>
+              <a:t>backend</a:t>
+            </a:r>
+            <a:r>
+              <a:rPr lang="zh-CN" altLang="en-US" sz="1200" i="1" kern="1200" smtClean="0">
+                <a:solidFill>
+                  <a:schemeClr val="tx1"/>
+                </a:solidFill>
+                <a:effectLst/>
+                <a:latin typeface="+mn-lt"/>
+                <a:ea typeface="+mn-ea"/>
+                <a:cs typeface="+mn-cs"/>
+              </a:rPr>
+              <a:t>在整个</a:t>
+            </a:r>
+            <a:r>
+              <a:rPr lang="en-US" altLang="zh-CN" sz="1200" i="1" kern="1200" smtClean="0">
+                <a:solidFill>
+                  <a:schemeClr val="tx1"/>
+                </a:solidFill>
+                <a:effectLst/>
+                <a:latin typeface="+mn-lt"/>
+                <a:ea typeface="+mn-ea"/>
+                <a:cs typeface="+mn-cs"/>
+              </a:rPr>
+              <a:t>Spark job</a:t>
+            </a:r>
+            <a:r>
+              <a:rPr lang="zh-CN" altLang="en-US" sz="1200" i="1" kern="1200" smtClean="0">
+                <a:solidFill>
+                  <a:schemeClr val="tx1"/>
+                </a:solidFill>
+                <a:effectLst/>
+                <a:latin typeface="+mn-lt"/>
+                <a:ea typeface="+mn-ea"/>
+                <a:cs typeface="+mn-cs"/>
+              </a:rPr>
+              <a:t>期间保持每一个执行器。</a:t>
+            </a:r>
+            <a:br>
+              <a:rPr lang="zh-CN" altLang="en-US" sz="1200" i="1" kern="1200" smtClean="0">
+                <a:solidFill>
+                  <a:schemeClr val="tx1"/>
+                </a:solidFill>
+                <a:effectLst/>
+                <a:latin typeface="+mn-lt"/>
+                <a:ea typeface="+mn-ea"/>
+                <a:cs typeface="+mn-cs"/>
+              </a:rPr>
+            </a:br>
+            <a:r>
+              <a:rPr lang="zh-CN" altLang="en-US" sz="1200" i="1" kern="1200" smtClean="0">
+                <a:solidFill>
+                  <a:schemeClr val="tx1"/>
+                </a:solidFill>
+                <a:effectLst/>
+                <a:latin typeface="+mn-lt"/>
+                <a:ea typeface="+mn-ea"/>
+                <a:cs typeface="+mn-cs"/>
+              </a:rPr>
+              <a:t>* 而不是当任务运行完之后就丢弃执行器，等运行新任务的时候再申请新的执行器。 执行器可以以不同的方式启动，</a:t>
+            </a:r>
+            <a:br>
+              <a:rPr lang="zh-CN" altLang="en-US" sz="1200" i="1" kern="1200" smtClean="0">
+                <a:solidFill>
+                  <a:schemeClr val="tx1"/>
+                </a:solidFill>
+                <a:effectLst/>
+                <a:latin typeface="+mn-lt"/>
+                <a:ea typeface="+mn-ea"/>
+                <a:cs typeface="+mn-cs"/>
+              </a:rPr>
+            </a:br>
+            <a:r>
+              <a:rPr lang="zh-CN" altLang="en-US" sz="1200" i="1" kern="1200" smtClean="0">
+                <a:solidFill>
+                  <a:schemeClr val="tx1"/>
+                </a:solidFill>
+                <a:effectLst/>
+                <a:latin typeface="+mn-lt"/>
+                <a:ea typeface="+mn-ea"/>
+                <a:cs typeface="+mn-cs"/>
+              </a:rPr>
+              <a:t>* 如粗粒度的</a:t>
+            </a:r>
+            <a:r>
+              <a:rPr lang="en-US" altLang="zh-CN" sz="1200" i="1" kern="1200" smtClean="0">
+                <a:solidFill>
+                  <a:schemeClr val="tx1"/>
+                </a:solidFill>
+                <a:effectLst/>
+                <a:latin typeface="+mn-lt"/>
+                <a:ea typeface="+mn-ea"/>
+                <a:cs typeface="+mn-cs"/>
+              </a:rPr>
+              <a:t>Mesos</a:t>
+            </a:r>
+            <a:r>
+              <a:rPr lang="zh-CN" altLang="en-US" sz="1200" i="1" kern="1200" smtClean="0">
+                <a:solidFill>
+                  <a:schemeClr val="tx1"/>
+                </a:solidFill>
+                <a:effectLst/>
+                <a:latin typeface="+mn-lt"/>
+                <a:ea typeface="+mn-ea"/>
+                <a:cs typeface="+mn-cs"/>
+              </a:rPr>
+              <a:t>模式下的</a:t>
+            </a:r>
+            <a:r>
+              <a:rPr lang="en-US" altLang="zh-CN" sz="1200" i="1" kern="1200" smtClean="0">
+                <a:solidFill>
+                  <a:schemeClr val="tx1"/>
+                </a:solidFill>
+                <a:effectLst/>
+                <a:latin typeface="+mn-lt"/>
+                <a:ea typeface="+mn-ea"/>
+                <a:cs typeface="+mn-cs"/>
+              </a:rPr>
+              <a:t>Mesos</a:t>
+            </a:r>
+            <a:r>
+              <a:rPr lang="zh-CN" altLang="en-US" sz="1200" i="1" kern="1200" smtClean="0">
+                <a:solidFill>
+                  <a:schemeClr val="tx1"/>
+                </a:solidFill>
+                <a:effectLst/>
+                <a:latin typeface="+mn-lt"/>
+                <a:ea typeface="+mn-ea"/>
+                <a:cs typeface="+mn-cs"/>
+              </a:rPr>
+              <a:t>任务，和</a:t>
+            </a:r>
+            <a:r>
+              <a:rPr lang="en-US" altLang="zh-CN" sz="1200" i="1" kern="1200" smtClean="0">
+                <a:solidFill>
+                  <a:schemeClr val="tx1"/>
+                </a:solidFill>
+                <a:effectLst/>
+                <a:latin typeface="+mn-lt"/>
+                <a:ea typeface="+mn-ea"/>
+                <a:cs typeface="+mn-cs"/>
+              </a:rPr>
+              <a:t>Spark</a:t>
+            </a:r>
+            <a:r>
+              <a:rPr lang="zh-CN" altLang="en-US" sz="1200" i="1" kern="1200" smtClean="0">
+                <a:solidFill>
+                  <a:schemeClr val="tx1"/>
+                </a:solidFill>
+                <a:effectLst/>
+                <a:latin typeface="+mn-lt"/>
+                <a:ea typeface="+mn-ea"/>
+                <a:cs typeface="+mn-cs"/>
+              </a:rPr>
+              <a:t>独立模式下的独立进程。</a:t>
+            </a:r>
+            <a:endParaRPr lang="zh-CN" altLang="en-US"/>
+          </a:p>
+        </p:txBody>
+      </p:sp>
+      <p:sp>
+        <p:nvSpPr>
+          <p:cNvPr id="4" name="灯片编号占位符 3"/>
+          <p:cNvSpPr>
+            <a:spLocks noGrp="1"/>
+          </p:cNvSpPr>
+          <p:nvPr>
+            <p:ph type="sldNum" sz="quarter" idx="10"/>
+          </p:nvPr>
+        </p:nvSpPr>
+        <p:spPr/>
+        <p:txBody>
+          <a:bodyPr/>
+          <a:lstStyle/>
+          <a:p>
+            <a:fld id="{F8957E2C-20B6-4ABE-B68C-98AB9259DA1C}" type="slidenum">
+              <a:rPr lang="zh-CN" altLang="en-US" smtClean="0"/>
+              <a:t>34</a:t>
+            </a:fld>
+            <a:endParaRPr lang="zh-CN" altLang="en-US"/>
+          </a:p>
+        </p:txBody>
+      </p:sp>
+    </p:spTree>
+    <p:extLst>
+      <p:ext uri="{BB962C8B-B14F-4D97-AF65-F5344CB8AC3E}">
+        <p14:creationId xmlns:p14="http://schemas.microsoft.com/office/powerpoint/2010/main" val="2947186554"/>
       </p:ext>
     </p:extLst>
   </p:cSld>
@@ -1418,7 +1712,7 @@
           <a:p>
             <a:fld id="{0CD3BB8F-F75A-4DD3-9170-FD8E567AFB64}" type="datetimeFigureOut">
               <a:rPr lang="zh-CN" altLang="en-US" smtClean="0"/>
-              <a:t>2017/4/9</a:t>
+              <a:t>2017/4/10</a:t>
             </a:fld>
             <a:endParaRPr lang="zh-CN" altLang="en-US"/>
           </a:p>
@@ -1588,7 +1882,7 @@
           <a:p>
             <a:fld id="{0CD3BB8F-F75A-4DD3-9170-FD8E567AFB64}" type="datetimeFigureOut">
               <a:rPr lang="zh-CN" altLang="en-US" smtClean="0"/>
-              <a:t>2017/4/9</a:t>
+              <a:t>2017/4/10</a:t>
             </a:fld>
             <a:endParaRPr lang="zh-CN" altLang="en-US"/>
           </a:p>
@@ -1768,7 +2062,7 @@
           <a:p>
             <a:fld id="{0CD3BB8F-F75A-4DD3-9170-FD8E567AFB64}" type="datetimeFigureOut">
               <a:rPr lang="zh-CN" altLang="en-US" smtClean="0"/>
-              <a:t>2017/4/9</a:t>
+              <a:t>2017/4/10</a:t>
             </a:fld>
             <a:endParaRPr lang="zh-CN" altLang="en-US"/>
           </a:p>
@@ -1938,7 +2232,7 @@
           <a:p>
             <a:fld id="{0CD3BB8F-F75A-4DD3-9170-FD8E567AFB64}" type="datetimeFigureOut">
               <a:rPr lang="zh-CN" altLang="en-US" smtClean="0"/>
-              <a:t>2017/4/9</a:t>
+              <a:t>2017/4/10</a:t>
             </a:fld>
             <a:endParaRPr lang="zh-CN" altLang="en-US"/>
           </a:p>
@@ -2184,7 +2478,7 @@
           <a:p>
             <a:fld id="{0CD3BB8F-F75A-4DD3-9170-FD8E567AFB64}" type="datetimeFigureOut">
               <a:rPr lang="zh-CN" altLang="en-US" smtClean="0"/>
-              <a:t>2017/4/9</a:t>
+              <a:t>2017/4/10</a:t>
             </a:fld>
             <a:endParaRPr lang="zh-CN" altLang="en-US"/>
           </a:p>
@@ -2416,7 +2710,7 @@
           <a:p>
             <a:fld id="{0CD3BB8F-F75A-4DD3-9170-FD8E567AFB64}" type="datetimeFigureOut">
               <a:rPr lang="zh-CN" altLang="en-US" smtClean="0"/>
-              <a:t>2017/4/9</a:t>
+              <a:t>2017/4/10</a:t>
             </a:fld>
             <a:endParaRPr lang="zh-CN" altLang="en-US"/>
           </a:p>
@@ -2783,7 +3077,7 @@
           <a:p>
             <a:fld id="{0CD3BB8F-F75A-4DD3-9170-FD8E567AFB64}" type="datetimeFigureOut">
               <a:rPr lang="zh-CN" altLang="en-US" smtClean="0"/>
-              <a:t>2017/4/9</a:t>
+              <a:t>2017/4/10</a:t>
             </a:fld>
             <a:endParaRPr lang="zh-CN" altLang="en-US"/>
           </a:p>
@@ -2901,7 +3195,7 @@
           <a:p>
             <a:fld id="{0CD3BB8F-F75A-4DD3-9170-FD8E567AFB64}" type="datetimeFigureOut">
               <a:rPr lang="zh-CN" altLang="en-US" smtClean="0"/>
-              <a:t>2017/4/9</a:t>
+              <a:t>2017/4/10</a:t>
             </a:fld>
             <a:endParaRPr lang="zh-CN" altLang="en-US"/>
           </a:p>
@@ -2996,7 +3290,7 @@
           <a:p>
             <a:fld id="{0CD3BB8F-F75A-4DD3-9170-FD8E567AFB64}" type="datetimeFigureOut">
               <a:rPr lang="zh-CN" altLang="en-US" smtClean="0"/>
-              <a:t>2017/4/9</a:t>
+              <a:t>2017/4/10</a:t>
             </a:fld>
             <a:endParaRPr lang="zh-CN" altLang="en-US"/>
           </a:p>
@@ -3273,7 +3567,7 @@
           <a:p>
             <a:fld id="{0CD3BB8F-F75A-4DD3-9170-FD8E567AFB64}" type="datetimeFigureOut">
               <a:rPr lang="zh-CN" altLang="en-US" smtClean="0"/>
-              <a:t>2017/4/9</a:t>
+              <a:t>2017/4/10</a:t>
             </a:fld>
             <a:endParaRPr lang="zh-CN" altLang="en-US"/>
           </a:p>
@@ -3526,7 +3820,7 @@
           <a:p>
             <a:fld id="{0CD3BB8F-F75A-4DD3-9170-FD8E567AFB64}" type="datetimeFigureOut">
               <a:rPr lang="zh-CN" altLang="en-US" smtClean="0"/>
-              <a:t>2017/4/9</a:t>
+              <a:t>2017/4/10</a:t>
             </a:fld>
             <a:endParaRPr lang="zh-CN" altLang="en-US"/>
           </a:p>
@@ -3739,7 +4033,7 @@
           <a:p>
             <a:fld id="{0CD3BB8F-F75A-4DD3-9170-FD8E567AFB64}" type="datetimeFigureOut">
               <a:rPr lang="zh-CN" altLang="en-US" smtClean="0"/>
-              <a:t>2017/4/9</a:t>
+              <a:t>2017/4/10</a:t>
             </a:fld>
             <a:endParaRPr lang="zh-CN" altLang="en-US"/>
           </a:p>
@@ -15516,7 +15810,31 @@
       </p:grpSpPr>
       <p:pic>
         <p:nvPicPr>
-          <p:cNvPr id="2" name="图片 1"/>
+          <p:cNvPr id="3" name="图片 2"/>
+          <p:cNvPicPr>
+            <a:picLocks noChangeAspect="1"/>
+          </p:cNvPicPr>
+          <p:nvPr/>
+        </p:nvPicPr>
+        <p:blipFill>
+          <a:blip r:embed="rId2"/>
+          <a:stretch>
+            <a:fillRect/>
+          </a:stretch>
+        </p:blipFill>
+        <p:spPr>
+          <a:xfrm>
+            <a:off x="1465814" y="5272007"/>
+            <a:ext cx="9876190" cy="1819048"/>
+          </a:xfrm>
+          <a:prstGeom prst="rect">
+            <a:avLst/>
+          </a:prstGeom>
+        </p:spPr>
+      </p:pic>
+      <p:pic>
+        <p:nvPicPr>
+          <p:cNvPr id="4" name="图片 3"/>
           <p:cNvPicPr>
             <a:picLocks noChangeAspect="1"/>
           </p:cNvPicPr>
@@ -15530,102 +15848,117 @@
         </p:blipFill>
         <p:spPr>
           <a:xfrm>
-            <a:off x="587829" y="1006465"/>
-            <a:ext cx="7392830" cy="3569625"/>
+            <a:off x="5230035" y="0"/>
+            <a:ext cx="6377246" cy="2306115"/>
           </a:xfrm>
           <a:prstGeom prst="rect">
             <a:avLst/>
           </a:prstGeom>
         </p:spPr>
       </p:pic>
-      <p:sp>
-        <p:nvSpPr>
-          <p:cNvPr id="3" name="文本框 2"/>
-          <p:cNvSpPr txBox="1"/>
-          <p:nvPr/>
-        </p:nvSpPr>
-        <p:spPr>
-          <a:xfrm>
-            <a:off x="3256383" y="298579"/>
-            <a:ext cx="6453113" cy="707886"/>
-          </a:xfrm>
-          <a:prstGeom prst="rect">
-            <a:avLst/>
-          </a:prstGeom>
-          <a:noFill/>
-        </p:spPr>
-        <p:txBody>
-          <a:bodyPr wrap="none" rtlCol="0">
-            <a:spAutoFit/>
-          </a:bodyPr>
-          <a:lstStyle/>
-          <a:p>
-            <a:r>
-              <a:rPr lang="zh-CN" altLang="en-US" sz="4000" smtClean="0">
-                <a:solidFill>
-                  <a:srgbClr val="FF0000"/>
-                </a:solidFill>
-              </a:rPr>
-              <a:t>书签，明天研究</a:t>
-            </a:r>
-            <a:r>
-              <a:rPr lang="en-US" altLang="zh-CN" sz="4000" smtClean="0">
-                <a:solidFill>
-                  <a:srgbClr val="FF0000"/>
-                </a:solidFill>
-              </a:rPr>
-              <a:t>Stage</a:t>
-            </a:r>
-            <a:r>
-              <a:rPr lang="zh-CN" altLang="en-US" sz="4000" smtClean="0">
-                <a:solidFill>
-                  <a:srgbClr val="FF0000"/>
-                </a:solidFill>
-              </a:rPr>
-              <a:t>的提交</a:t>
-            </a:r>
-            <a:endParaRPr lang="en-US" altLang="zh-CN" sz="4000" smtClean="0">
-              <a:solidFill>
-                <a:srgbClr val="FF0000"/>
-              </a:solidFill>
-            </a:endParaRPr>
-          </a:p>
-        </p:txBody>
-      </p:sp>
       <p:pic>
         <p:nvPicPr>
-          <p:cNvPr id="4" name="图片 3"/>
+          <p:cNvPr id="5" name="图片 4"/>
           <p:cNvPicPr>
             <a:picLocks noChangeAspect="1"/>
           </p:cNvPicPr>
           <p:nvPr/>
         </p:nvPicPr>
         <p:blipFill>
-          <a:blip r:embed="rId4">
-            <a:extLst>
-              <a:ext uri="{28A0092B-C50C-407E-A947-70E740481C1C}">
-                <a14:useLocalDpi xmlns:a14="http://schemas.microsoft.com/office/drawing/2010/main" val="0"/>
-              </a:ext>
-            </a:extLst>
-          </a:blip>
+          <a:blip r:embed="rId4"/>
           <a:stretch>
             <a:fillRect/>
           </a:stretch>
         </p:blipFill>
         <p:spPr>
           <a:xfrm>
-            <a:off x="4861249" y="3983868"/>
-            <a:ext cx="7825273" cy="2874132"/>
+            <a:off x="5374433" y="2306115"/>
+            <a:ext cx="6232848" cy="3184767"/>
           </a:xfrm>
           <a:prstGeom prst="rect">
             <a:avLst/>
           </a:prstGeom>
         </p:spPr>
       </p:pic>
+      <p:sp>
+        <p:nvSpPr>
+          <p:cNvPr id="6" name="文本框 5"/>
+          <p:cNvSpPr txBox="1"/>
+          <p:nvPr/>
+        </p:nvSpPr>
+        <p:spPr>
+          <a:xfrm>
+            <a:off x="1940767" y="905069"/>
+            <a:ext cx="877163" cy="369332"/>
+          </a:xfrm>
+          <a:prstGeom prst="rect">
+            <a:avLst/>
+          </a:prstGeom>
+          <a:noFill/>
+        </p:spPr>
+        <p:txBody>
+          <a:bodyPr wrap="none" rtlCol="0">
+            <a:spAutoFit/>
+          </a:bodyPr>
+          <a:lstStyle/>
+          <a:p>
+            <a:r>
+              <a:rPr lang="zh-CN" altLang="en-US" smtClean="0"/>
+              <a:t>尾递归</a:t>
+            </a:r>
+            <a:endParaRPr lang="zh-CN" altLang="en-US"/>
+          </a:p>
+        </p:txBody>
+      </p:sp>
+      <p:sp>
+        <p:nvSpPr>
+          <p:cNvPr id="7" name="文本框 6"/>
+          <p:cNvSpPr txBox="1"/>
+          <p:nvPr/>
+        </p:nvSpPr>
+        <p:spPr>
+          <a:xfrm>
+            <a:off x="130628" y="2552203"/>
+            <a:ext cx="5200078" cy="646331"/>
+          </a:xfrm>
+          <a:prstGeom prst="rect">
+            <a:avLst/>
+          </a:prstGeom>
+          <a:noFill/>
+        </p:spPr>
+        <p:txBody>
+          <a:bodyPr wrap="none" rtlCol="0">
+            <a:spAutoFit/>
+          </a:bodyPr>
+          <a:lstStyle/>
+          <a:p>
+            <a:r>
+              <a:rPr lang="zh-CN" altLang="en-US" smtClean="0"/>
+              <a:t>引用地址：</a:t>
+            </a:r>
+            <a:endParaRPr lang="en-US" altLang="zh-CN" smtClean="0"/>
+          </a:p>
+          <a:p>
+            <a:r>
+              <a:rPr lang="en-US" altLang="zh-CN"/>
+              <a:t> </a:t>
+            </a:r>
+            <a:r>
+              <a:rPr lang="en-US" altLang="zh-CN" smtClean="0"/>
+              <a:t>               https</a:t>
+            </a:r>
+            <a:r>
+              <a:rPr lang="en-US" altLang="zh-CN"/>
+              <a:t>://www.zhihu.com/question/20761771</a:t>
+            </a:r>
+            <a:endParaRPr lang="zh-CN" altLang="en-US"/>
+          </a:p>
+        </p:txBody>
+      </p:sp>
     </p:spTree>
     <p:extLst>
       <p:ext uri="{BB962C8B-B14F-4D97-AF65-F5344CB8AC3E}">
-        <p14:creationId xmlns:p14="http://schemas.microsoft.com/office/powerpoint/2010/main" val="791807619"/>
+        <p14:creationId xmlns:p14="http://schemas.microsoft.com/office/powerpoint/2010/main" val="1623144282"/>
       </p:ext>
     </p:extLst>
   </p:cSld>
@@ -15875,157 +16208,10 @@
           <a:chExt cx="0" cy="0"/>
         </a:xfrm>
       </p:grpSpPr>
-      <p:pic>
-        <p:nvPicPr>
-          <p:cNvPr id="3" name="图片 2"/>
-          <p:cNvPicPr>
-            <a:picLocks noChangeAspect="1"/>
-          </p:cNvPicPr>
-          <p:nvPr/>
-        </p:nvPicPr>
-        <p:blipFill>
-          <a:blip r:embed="rId2"/>
-          <a:stretch>
-            <a:fillRect/>
-          </a:stretch>
-        </p:blipFill>
-        <p:spPr>
-          <a:xfrm>
-            <a:off x="1465814" y="5272007"/>
-            <a:ext cx="9876190" cy="1819048"/>
-          </a:xfrm>
-          <a:prstGeom prst="rect">
-            <a:avLst/>
-          </a:prstGeom>
-        </p:spPr>
-      </p:pic>
-      <p:pic>
-        <p:nvPicPr>
-          <p:cNvPr id="4" name="图片 3"/>
-          <p:cNvPicPr>
-            <a:picLocks noChangeAspect="1"/>
-          </p:cNvPicPr>
-          <p:nvPr/>
-        </p:nvPicPr>
-        <p:blipFill>
-          <a:blip r:embed="rId3"/>
-          <a:stretch>
-            <a:fillRect/>
-          </a:stretch>
-        </p:blipFill>
-        <p:spPr>
-          <a:xfrm>
-            <a:off x="5230035" y="0"/>
-            <a:ext cx="6377246" cy="2306115"/>
-          </a:xfrm>
-          <a:prstGeom prst="rect">
-            <a:avLst/>
-          </a:prstGeom>
-        </p:spPr>
-      </p:pic>
-      <p:pic>
-        <p:nvPicPr>
-          <p:cNvPr id="5" name="图片 4"/>
-          <p:cNvPicPr>
-            <a:picLocks noChangeAspect="1"/>
-          </p:cNvPicPr>
-          <p:nvPr/>
-        </p:nvPicPr>
-        <p:blipFill>
-          <a:blip r:embed="rId4"/>
-          <a:stretch>
-            <a:fillRect/>
-          </a:stretch>
-        </p:blipFill>
-        <p:spPr>
-          <a:xfrm>
-            <a:off x="5374433" y="2306115"/>
-            <a:ext cx="6232848" cy="3184767"/>
-          </a:xfrm>
-          <a:prstGeom prst="rect">
-            <a:avLst/>
-          </a:prstGeom>
-        </p:spPr>
-      </p:pic>
-      <p:sp>
-        <p:nvSpPr>
-          <p:cNvPr id="6" name="文本框 5"/>
-          <p:cNvSpPr txBox="1"/>
-          <p:nvPr/>
-        </p:nvSpPr>
-        <p:spPr>
-          <a:xfrm>
-            <a:off x="1940767" y="905069"/>
-            <a:ext cx="877163" cy="369332"/>
-          </a:xfrm>
-          <a:prstGeom prst="rect">
-            <a:avLst/>
-          </a:prstGeom>
-          <a:noFill/>
-        </p:spPr>
-        <p:txBody>
-          <a:bodyPr wrap="none" rtlCol="0">
-            <a:spAutoFit/>
-          </a:bodyPr>
-          <a:lstStyle/>
-          <a:p>
-            <a:r>
-              <a:rPr lang="zh-CN" altLang="en-US" smtClean="0"/>
-              <a:t>尾递归</a:t>
-            </a:r>
-            <a:endParaRPr lang="zh-CN" altLang="en-US"/>
-          </a:p>
-        </p:txBody>
-      </p:sp>
-      <p:sp>
-        <p:nvSpPr>
-          <p:cNvPr id="7" name="文本框 6"/>
-          <p:cNvSpPr txBox="1"/>
-          <p:nvPr/>
-        </p:nvSpPr>
-        <p:spPr>
-          <a:xfrm>
-            <a:off x="130628" y="2552203"/>
-            <a:ext cx="5200078" cy="646331"/>
-          </a:xfrm>
-          <a:prstGeom prst="rect">
-            <a:avLst/>
-          </a:prstGeom>
-          <a:noFill/>
-        </p:spPr>
-        <p:txBody>
-          <a:bodyPr wrap="none" rtlCol="0">
-            <a:spAutoFit/>
-          </a:bodyPr>
-          <a:lstStyle/>
-          <a:p>
-            <a:r>
-              <a:rPr lang="zh-CN" altLang="en-US" smtClean="0"/>
-              <a:t>引用地址：</a:t>
-            </a:r>
-            <a:endParaRPr lang="en-US" altLang="zh-CN" smtClean="0"/>
-          </a:p>
-          <a:p>
-            <a:r>
-              <a:rPr lang="en-US" altLang="zh-CN"/>
-              <a:t> </a:t>
-            </a:r>
-            <a:r>
-              <a:rPr lang="en-US" altLang="zh-CN" smtClean="0"/>
-              <a:t>               https</a:t>
-            </a:r>
-            <a:r>
-              <a:rPr lang="en-US" altLang="zh-CN"/>
-              <a:t>://www.zhihu.com/question/20761771</a:t>
-            </a:r>
-            <a:endParaRPr lang="zh-CN" altLang="en-US"/>
-          </a:p>
-        </p:txBody>
-      </p:sp>
     </p:spTree>
     <p:extLst>
       <p:ext uri="{BB962C8B-B14F-4D97-AF65-F5344CB8AC3E}">
-        <p14:creationId xmlns:p14="http://schemas.microsoft.com/office/powerpoint/2010/main" val="1623144282"/>
+        <p14:creationId xmlns:p14="http://schemas.microsoft.com/office/powerpoint/2010/main" val="1236927068"/>
       </p:ext>
     </p:extLst>
   </p:cSld>
@@ -16052,16 +16238,169 @@
           <a:chExt cx="0" cy="0"/>
         </a:xfrm>
       </p:grpSpPr>
+      <p:pic>
+        <p:nvPicPr>
+          <p:cNvPr id="2" name="图片 1"/>
+          <p:cNvPicPr>
+            <a:picLocks noChangeAspect="1"/>
+          </p:cNvPicPr>
+          <p:nvPr/>
+        </p:nvPicPr>
+        <p:blipFill>
+          <a:blip r:embed="rId3"/>
+          <a:stretch>
+            <a:fillRect/>
+          </a:stretch>
+        </p:blipFill>
+        <p:spPr>
+          <a:xfrm>
+            <a:off x="587829" y="1006465"/>
+            <a:ext cx="7392830" cy="3569625"/>
+          </a:xfrm>
+          <a:prstGeom prst="rect">
+            <a:avLst/>
+          </a:prstGeom>
+        </p:spPr>
+      </p:pic>
+      <p:sp>
+        <p:nvSpPr>
+          <p:cNvPr id="3" name="文本框 2"/>
+          <p:cNvSpPr txBox="1"/>
+          <p:nvPr/>
+        </p:nvSpPr>
+        <p:spPr>
+          <a:xfrm>
+            <a:off x="3256383" y="298579"/>
+            <a:ext cx="6453113" cy="707886"/>
+          </a:xfrm>
+          <a:prstGeom prst="rect">
+            <a:avLst/>
+          </a:prstGeom>
+          <a:noFill/>
+        </p:spPr>
+        <p:txBody>
+          <a:bodyPr wrap="none" rtlCol="0">
+            <a:spAutoFit/>
+          </a:bodyPr>
+          <a:lstStyle/>
+          <a:p>
+            <a:r>
+              <a:rPr lang="zh-CN" altLang="en-US" sz="4000" smtClean="0">
+                <a:solidFill>
+                  <a:srgbClr val="FF0000"/>
+                </a:solidFill>
+              </a:rPr>
+              <a:t>书签，明天研究</a:t>
+            </a:r>
+            <a:r>
+              <a:rPr lang="en-US" altLang="zh-CN" sz="4000" smtClean="0">
+                <a:solidFill>
+                  <a:srgbClr val="FF0000"/>
+                </a:solidFill>
+              </a:rPr>
+              <a:t>Stage</a:t>
+            </a:r>
+            <a:r>
+              <a:rPr lang="zh-CN" altLang="en-US" sz="4000" smtClean="0">
+                <a:solidFill>
+                  <a:srgbClr val="FF0000"/>
+                </a:solidFill>
+              </a:rPr>
+              <a:t>的提交</a:t>
+            </a:r>
+            <a:endParaRPr lang="en-US" altLang="zh-CN" sz="4000" smtClean="0">
+              <a:solidFill>
+                <a:srgbClr val="FF0000"/>
+              </a:solidFill>
+            </a:endParaRPr>
+          </a:p>
+        </p:txBody>
+      </p:sp>
+      <p:pic>
+        <p:nvPicPr>
+          <p:cNvPr id="4" name="图片 3"/>
+          <p:cNvPicPr>
+            <a:picLocks noChangeAspect="1"/>
+          </p:cNvPicPr>
+          <p:nvPr/>
+        </p:nvPicPr>
+        <p:blipFill>
+          <a:blip r:embed="rId4">
+            <a:extLst>
+              <a:ext uri="{28A0092B-C50C-407E-A947-70E740481C1C}">
+                <a14:useLocalDpi xmlns:a14="http://schemas.microsoft.com/office/drawing/2010/main" val="0"/>
+              </a:ext>
+            </a:extLst>
+          </a:blip>
+          <a:stretch>
+            <a:fillRect/>
+          </a:stretch>
+        </p:blipFill>
+        <p:spPr>
+          <a:xfrm>
+            <a:off x="4861249" y="3983868"/>
+            <a:ext cx="7825273" cy="2874132"/>
+          </a:xfrm>
+          <a:prstGeom prst="rect">
+            <a:avLst/>
+          </a:prstGeom>
+        </p:spPr>
+      </p:pic>
+      <p:sp>
+        <p:nvSpPr>
+          <p:cNvPr id="5" name="文本框 4"/>
+          <p:cNvSpPr txBox="1"/>
+          <p:nvPr/>
+        </p:nvSpPr>
+        <p:spPr>
+          <a:xfrm>
+            <a:off x="0" y="5283976"/>
+            <a:ext cx="3262432" cy="707886"/>
+          </a:xfrm>
+          <a:prstGeom prst="rect">
+            <a:avLst/>
+          </a:prstGeom>
+          <a:noFill/>
+        </p:spPr>
+        <p:txBody>
+          <a:bodyPr wrap="none" rtlCol="0">
+            <a:spAutoFit/>
+          </a:bodyPr>
+          <a:lstStyle/>
+          <a:p>
+            <a:r>
+              <a:rPr lang="zh-CN" altLang="en-US" sz="4000" smtClean="0">
+                <a:solidFill>
+                  <a:srgbClr val="FF0000"/>
+                </a:solidFill>
+              </a:rPr>
+              <a:t>广播实现？？</a:t>
+            </a:r>
+            <a:endParaRPr lang="en-US" altLang="zh-CN" sz="4000" smtClean="0">
+              <a:solidFill>
+                <a:srgbClr val="FF0000"/>
+              </a:solidFill>
+            </a:endParaRPr>
+          </a:p>
+        </p:txBody>
+      </p:sp>
     </p:spTree>
     <p:extLst>
       <p:ext uri="{BB962C8B-B14F-4D97-AF65-F5344CB8AC3E}">
-        <p14:creationId xmlns:p14="http://schemas.microsoft.com/office/powerpoint/2010/main" val="1236927068"/>
+        <p14:creationId xmlns:p14="http://schemas.microsoft.com/office/powerpoint/2010/main" val="791807619"/>
       </p:ext>
     </p:extLst>
   </p:cSld>
   <p:clrMapOvr>
     <a:masterClrMapping/>
   </p:clrMapOvr>
+  <p:timing>
+    <p:tnLst>
+      <p:par>
+        <p:cTn id="1" dur="indefinite" restart="never" nodeType="tmRoot"/>
+      </p:par>
+    </p:tnLst>
+  </p:timing>
 </p:sld>
 </file>
 
@@ -16082,6 +16421,91 @@
           <a:chExt cx="0" cy="0"/>
         </a:xfrm>
       </p:grpSpPr>
+      <p:pic>
+        <p:nvPicPr>
+          <p:cNvPr id="2" name="图片 1"/>
+          <p:cNvPicPr>
+            <a:picLocks noChangeAspect="1"/>
+          </p:cNvPicPr>
+          <p:nvPr/>
+        </p:nvPicPr>
+        <p:blipFill>
+          <a:blip r:embed="rId2"/>
+          <a:stretch>
+            <a:fillRect/>
+          </a:stretch>
+        </p:blipFill>
+        <p:spPr>
+          <a:xfrm>
+            <a:off x="2090057" y="0"/>
+            <a:ext cx="7111759" cy="5442165"/>
+          </a:xfrm>
+          <a:prstGeom prst="rect">
+            <a:avLst/>
+          </a:prstGeom>
+        </p:spPr>
+      </p:pic>
+      <p:sp>
+        <p:nvSpPr>
+          <p:cNvPr id="3" name="文本框 2"/>
+          <p:cNvSpPr txBox="1"/>
+          <p:nvPr/>
+        </p:nvSpPr>
+        <p:spPr>
+          <a:xfrm>
+            <a:off x="3032449" y="6102220"/>
+            <a:ext cx="2061975" cy="646331"/>
+          </a:xfrm>
+          <a:prstGeom prst="rect">
+            <a:avLst/>
+          </a:prstGeom>
+          <a:noFill/>
+        </p:spPr>
+        <p:txBody>
+          <a:bodyPr wrap="none" rtlCol="0">
+            <a:spAutoFit/>
+          </a:bodyPr>
+          <a:lstStyle/>
+          <a:p>
+            <a:r>
+              <a:rPr lang="zh-CN" altLang="en-US" b="1" smtClean="0">
+                <a:solidFill>
+                  <a:srgbClr val="FF0000"/>
+                </a:solidFill>
+              </a:rPr>
+              <a:t>书签：</a:t>
+            </a:r>
+            <a:r>
+              <a:rPr lang="zh-CN" altLang="en-US" b="1">
+                <a:solidFill>
+                  <a:srgbClr val="FF0000"/>
+                </a:solidFill>
+              </a:rPr>
+              <a:t>提交</a:t>
+            </a:r>
+            <a:r>
+              <a:rPr lang="en-US" altLang="zh-CN" b="1">
+                <a:solidFill>
+                  <a:srgbClr val="FF0000"/>
+                </a:solidFill>
+              </a:rPr>
+              <a:t>TaskSet</a:t>
+            </a:r>
+            <a:endParaRPr lang="zh-CN" altLang="en-US" b="1">
+              <a:solidFill>
+                <a:srgbClr val="FF0000"/>
+              </a:solidFill>
+            </a:endParaRPr>
+          </a:p>
+          <a:p>
+            <a:endParaRPr lang="zh-CN" altLang="en-US" b="1">
+              <a:solidFill>
+                <a:srgbClr val="FF0000"/>
+              </a:solidFill>
+            </a:endParaRPr>
+          </a:p>
+        </p:txBody>
+      </p:sp>
     </p:spTree>
     <p:extLst>
       <p:ext uri="{BB962C8B-B14F-4D97-AF65-F5344CB8AC3E}">
@@ -16092,10 +16516,729 @@
   <p:clrMapOvr>
     <a:masterClrMapping/>
   </p:clrMapOvr>
+  <p:timing>
+    <p:tnLst>
+      <p:par>
+        <p:cTn id="1" dur="indefinite" restart="never" nodeType="tmRoot"/>
+      </p:par>
+    </p:tnLst>
+  </p:timing>
 </p:sld>
 </file>
 
 <file path=ppt/slides/slide33.xml><?xml version="1.0" encoding="utf-8"?>
+<p:sld xmlns:a="http://schemas.openxmlformats.org/drawingml/2006/main" xmlns:r="http://schemas.openxmlformats.org/officeDocument/2006/relationships" xmlns:p="http://schemas.openxmlformats.org/presentationml/2006/main">
+  <p:cSld>
+    <p:bg>
+      <p:bgPr>
+        <a:solidFill>
+          <a:schemeClr val="accent1"/>
+        </a:solidFill>
+        <a:effectLst/>
+      </p:bgPr>
+    </p:bg>
+    <p:spTree>
+      <p:nvGrpSpPr>
+        <p:cNvPr id="1" name=""/>
+        <p:cNvGrpSpPr/>
+        <p:nvPr/>
+      </p:nvGrpSpPr>
+      <p:grpSpPr>
+        <a:xfrm>
+          <a:off x="0" y="0"/>
+          <a:ext cx="0" cy="0"/>
+          <a:chOff x="0" y="0"/>
+          <a:chExt cx="0" cy="0"/>
+        </a:xfrm>
+      </p:grpSpPr>
+      <p:pic>
+        <p:nvPicPr>
+          <p:cNvPr id="2" name="图片 1"/>
+          <p:cNvPicPr>
+            <a:picLocks noChangeAspect="1"/>
+          </p:cNvPicPr>
+          <p:nvPr/>
+        </p:nvPicPr>
+        <p:blipFill>
+          <a:blip r:embed="rId2"/>
+          <a:stretch>
+            <a:fillRect/>
+          </a:stretch>
+        </p:blipFill>
+        <p:spPr>
+          <a:xfrm>
+            <a:off x="0" y="4231402"/>
+            <a:ext cx="12192000" cy="2626598"/>
+          </a:xfrm>
+          <a:prstGeom prst="rect">
+            <a:avLst/>
+          </a:prstGeom>
+        </p:spPr>
+      </p:pic>
+      <p:pic>
+        <p:nvPicPr>
+          <p:cNvPr id="3" name="图片 2"/>
+          <p:cNvPicPr>
+            <a:picLocks noChangeAspect="1"/>
+          </p:cNvPicPr>
+          <p:nvPr/>
+        </p:nvPicPr>
+        <p:blipFill>
+          <a:blip r:embed="rId3"/>
+          <a:stretch>
+            <a:fillRect/>
+          </a:stretch>
+        </p:blipFill>
+        <p:spPr>
+          <a:xfrm>
+            <a:off x="1028701" y="85417"/>
+            <a:ext cx="9315449" cy="4317258"/>
+          </a:xfrm>
+          <a:prstGeom prst="rect">
+            <a:avLst/>
+          </a:prstGeom>
+        </p:spPr>
+      </p:pic>
+      <p:sp>
+        <p:nvSpPr>
+          <p:cNvPr id="4" name="矩形 3"/>
+          <p:cNvSpPr/>
+          <p:nvPr/>
+        </p:nvSpPr>
+        <p:spPr>
+          <a:xfrm>
+            <a:off x="1191191" y="85417"/>
+            <a:ext cx="4176977" cy="276999"/>
+          </a:xfrm>
+          <a:prstGeom prst="rect">
+            <a:avLst/>
+          </a:prstGeom>
+        </p:spPr>
+        <p:txBody>
+          <a:bodyPr wrap="none">
+            <a:spAutoFit/>
+          </a:bodyPr>
+          <a:lstStyle/>
+          <a:p>
+            <a:r>
+              <a:rPr lang="zh-CN" altLang="en-US" sz="1200">
+                <a:solidFill>
+                  <a:srgbClr val="FF0000"/>
+                </a:solidFill>
+              </a:rPr>
+              <a:t>org.apache.spark.scheduler.DAGScheduler</a:t>
+            </a:r>
+            <a:r>
+              <a:rPr lang="zh-CN" altLang="en-US" sz="1200">
+                <a:solidFill>
+                  <a:srgbClr val="FF0000"/>
+                </a:solidFill>
+              </a:rPr>
+              <a:t>#</a:t>
+            </a:r>
+            <a:r>
+              <a:rPr lang="zh-CN" altLang="en-US" sz="1200" smtClean="0">
+                <a:solidFill>
+                  <a:srgbClr val="FF0000"/>
+                </a:solidFill>
+              </a:rPr>
+              <a:t>submitMissingTasks</a:t>
+            </a:r>
+            <a:r>
+              <a:rPr lang="en-US" altLang="zh-CN" sz="1200" smtClean="0">
+                <a:solidFill>
+                  <a:srgbClr val="FF0000"/>
+                </a:solidFill>
+              </a:rPr>
+              <a:t>: </a:t>
+            </a:r>
+            <a:endParaRPr lang="zh-CN" altLang="en-US" sz="1200">
+              <a:solidFill>
+                <a:srgbClr val="FF0000"/>
+              </a:solidFill>
+            </a:endParaRPr>
+          </a:p>
+        </p:txBody>
+      </p:sp>
+    </p:spTree>
+    <p:extLst>
+      <p:ext uri="{BB962C8B-B14F-4D97-AF65-F5344CB8AC3E}">
+        <p14:creationId xmlns:p14="http://schemas.microsoft.com/office/powerpoint/2010/main" val="2555119250"/>
+      </p:ext>
+    </p:extLst>
+  </p:cSld>
+  <p:clrMapOvr>
+    <a:masterClrMapping/>
+  </p:clrMapOvr>
+</p:sld>
+</file>
+
+<file path=ppt/slides/slide34.xml><?xml version="1.0" encoding="utf-8"?>
+<p:sld xmlns:a="http://schemas.openxmlformats.org/drawingml/2006/main" xmlns:r="http://schemas.openxmlformats.org/officeDocument/2006/relationships" xmlns:p="http://schemas.openxmlformats.org/presentationml/2006/main">
+  <p:cSld>
+    <p:bg>
+      <p:bgPr>
+        <a:solidFill>
+          <a:schemeClr val="accent1">
+            <a:lumMod val="75000"/>
+          </a:schemeClr>
+        </a:solidFill>
+        <a:effectLst/>
+      </p:bgPr>
+    </p:bg>
+    <p:spTree>
+      <p:nvGrpSpPr>
+        <p:cNvPr id="1" name=""/>
+        <p:cNvGrpSpPr/>
+        <p:nvPr/>
+      </p:nvGrpSpPr>
+      <p:grpSpPr>
+        <a:xfrm>
+          <a:off x="0" y="0"/>
+          <a:ext cx="0" cy="0"/>
+          <a:chOff x="0" y="0"/>
+          <a:chExt cx="0" cy="0"/>
+        </a:xfrm>
+      </p:grpSpPr>
+      <p:sp>
+        <p:nvSpPr>
+          <p:cNvPr id="3" name="文本框 2"/>
+          <p:cNvSpPr txBox="1"/>
+          <p:nvPr/>
+        </p:nvSpPr>
+        <p:spPr>
+          <a:xfrm>
+            <a:off x="456617" y="324433"/>
+            <a:ext cx="11301364" cy="1384995"/>
+          </a:xfrm>
+          <a:prstGeom prst="rect">
+            <a:avLst/>
+          </a:prstGeom>
+          <a:noFill/>
+        </p:spPr>
+        <p:txBody>
+          <a:bodyPr wrap="none" rtlCol="0">
+            <a:spAutoFit/>
+          </a:bodyPr>
+          <a:lstStyle/>
+          <a:p>
+            <a:r>
+              <a:rPr lang="zh-CN" altLang="en-US" sz="2800" b="1" smtClean="0">
+                <a:solidFill>
+                  <a:srgbClr val="FF0000"/>
+                </a:solidFill>
+              </a:rPr>
+              <a:t>重点：</a:t>
+            </a:r>
+            <a:r>
+              <a:rPr lang="en-US" altLang="zh-CN" sz="2800" b="1" smtClean="0">
+                <a:solidFill>
+                  <a:srgbClr val="FF0000"/>
+                </a:solidFill>
+              </a:rPr>
+              <a:t>CoarseGrainedSchedulerBackend</a:t>
+            </a:r>
+            <a:r>
+              <a:rPr lang="zh-CN" altLang="en-US" sz="2800" b="1" smtClean="0">
+                <a:solidFill>
+                  <a:srgbClr val="FF0000"/>
+                </a:solidFill>
+              </a:rPr>
+              <a:t>和</a:t>
+            </a:r>
+            <a:r>
+              <a:rPr lang="en-US" altLang="zh-CN" sz="2800" b="1" smtClean="0">
+                <a:solidFill>
+                  <a:srgbClr val="FF0000"/>
+                </a:solidFill>
+              </a:rPr>
+              <a:t>CoarseGrainedExecutorBackend</a:t>
+            </a:r>
+          </a:p>
+          <a:p>
+            <a:endParaRPr lang="en-US" altLang="zh-CN" sz="2800" b="1">
+              <a:solidFill>
+                <a:srgbClr val="FF0000"/>
+              </a:solidFill>
+            </a:endParaRPr>
+          </a:p>
+          <a:p>
+            <a:endParaRPr lang="zh-CN" altLang="en-US" sz="2800" b="1">
+              <a:solidFill>
+                <a:srgbClr val="FF0000"/>
+              </a:solidFill>
+            </a:endParaRPr>
+          </a:p>
+        </p:txBody>
+      </p:sp>
+      <p:sp>
+        <p:nvSpPr>
+          <p:cNvPr id="7" name="文本框 6"/>
+          <p:cNvSpPr txBox="1"/>
+          <p:nvPr/>
+        </p:nvSpPr>
+        <p:spPr>
+          <a:xfrm>
+            <a:off x="75617" y="1285875"/>
+            <a:ext cx="12060353" cy="1477328"/>
+          </a:xfrm>
+          <a:prstGeom prst="rect">
+            <a:avLst/>
+          </a:prstGeom>
+          <a:noFill/>
+        </p:spPr>
+        <p:txBody>
+          <a:bodyPr wrap="none" rtlCol="0">
+            <a:spAutoFit/>
+          </a:bodyPr>
+          <a:lstStyle/>
+          <a:p>
+            <a:r>
+              <a:rPr lang="en-US" altLang="zh-CN" b="1" i="1" smtClean="0">
+                <a:solidFill>
+                  <a:srgbClr val="FF0000"/>
+                </a:solidFill>
+              </a:rPr>
+              <a:t>1</a:t>
+            </a:r>
+            <a:r>
+              <a:rPr lang="zh-CN" altLang="en-US" b="1" i="1" smtClean="0">
+                <a:solidFill>
+                  <a:srgbClr val="FF0000"/>
+                </a:solidFill>
+              </a:rPr>
+              <a:t>：</a:t>
+            </a:r>
+            <a:endParaRPr lang="en-US" altLang="zh-CN" b="1" i="1" smtClean="0">
+              <a:solidFill>
+                <a:srgbClr val="FF0000"/>
+              </a:solidFill>
+            </a:endParaRPr>
+          </a:p>
+          <a:p>
+            <a:r>
+              <a:rPr lang="en-US" altLang="zh-CN" i="1" smtClean="0"/>
+              <a:t>CoarseGrainedSchedulerBackend</a:t>
+            </a:r>
+            <a:r>
+              <a:rPr lang="zh-CN" altLang="en-US" i="1"/>
+              <a:t>等待一个粗粒度的执行器来连接。这个</a:t>
+            </a:r>
+            <a:r>
+              <a:rPr lang="en-US" altLang="zh-CN" i="1"/>
+              <a:t>backend</a:t>
+            </a:r>
+            <a:r>
+              <a:rPr lang="zh-CN" altLang="en-US" i="1"/>
+              <a:t>在整个</a:t>
+            </a:r>
+            <a:r>
+              <a:rPr lang="en-US" altLang="zh-CN" i="1"/>
+              <a:t>Spark job</a:t>
+            </a:r>
+            <a:r>
+              <a:rPr lang="zh-CN" altLang="en-US" i="1"/>
+              <a:t>期间保持每一个执行器。</a:t>
+            </a:r>
+            <a:r>
+              <a:rPr lang="zh-CN" altLang="en-US" i="1"/>
+              <a:t/>
+            </a:r>
+            <a:br>
+              <a:rPr lang="zh-CN" altLang="en-US" i="1"/>
+            </a:br>
+            <a:r>
+              <a:rPr lang="zh-CN" altLang="en-US" i="1" smtClean="0"/>
+              <a:t>而</a:t>
+            </a:r>
+            <a:r>
+              <a:rPr lang="zh-CN" altLang="en-US" i="1"/>
+              <a:t>不是当任务运行完之后就丢弃执行器，等运行新任务的时候再申请新的执行器。 执行器可以以不同的方式启动，</a:t>
+            </a:r>
+            <a:r>
+              <a:rPr lang="zh-CN" altLang="en-US" i="1"/>
+              <a:t/>
+            </a:r>
+            <a:br>
+              <a:rPr lang="zh-CN" altLang="en-US" i="1"/>
+            </a:br>
+            <a:r>
+              <a:rPr lang="zh-CN" altLang="en-US" i="1" smtClean="0"/>
+              <a:t>如</a:t>
+            </a:r>
+            <a:r>
+              <a:rPr lang="zh-CN" altLang="en-US" i="1"/>
+              <a:t>粗粒度的</a:t>
+            </a:r>
+            <a:r>
+              <a:rPr lang="en-US" altLang="zh-CN" i="1"/>
+              <a:t>Mesos</a:t>
+            </a:r>
+            <a:r>
+              <a:rPr lang="zh-CN" altLang="en-US" i="1"/>
+              <a:t>模式下的</a:t>
+            </a:r>
+            <a:r>
+              <a:rPr lang="en-US" altLang="zh-CN" i="1"/>
+              <a:t>Mesos</a:t>
+            </a:r>
+            <a:r>
+              <a:rPr lang="zh-CN" altLang="en-US" i="1"/>
+              <a:t>任务，和</a:t>
+            </a:r>
+            <a:r>
+              <a:rPr lang="en-US" altLang="zh-CN" i="1"/>
+              <a:t>Spark</a:t>
+            </a:r>
+            <a:r>
+              <a:rPr lang="zh-CN" altLang="en-US" i="1"/>
+              <a:t>独立模式下的独立进程。</a:t>
+            </a:r>
+            <a:endParaRPr lang="zh-CN" altLang="en-US"/>
+          </a:p>
+          <a:p>
+            <a:endParaRPr lang="zh-CN" altLang="en-US"/>
+          </a:p>
+        </p:txBody>
+      </p:sp>
+      <p:pic>
+        <p:nvPicPr>
+          <p:cNvPr id="8" name="图片 7"/>
+          <p:cNvPicPr>
+            <a:picLocks noChangeAspect="1"/>
+          </p:cNvPicPr>
+          <p:nvPr/>
+        </p:nvPicPr>
+        <p:blipFill>
+          <a:blip r:embed="rId3"/>
+          <a:stretch>
+            <a:fillRect/>
+          </a:stretch>
+        </p:blipFill>
+        <p:spPr>
+          <a:xfrm>
+            <a:off x="332792" y="3385305"/>
+            <a:ext cx="11679503" cy="2449115"/>
+          </a:xfrm>
+          <a:prstGeom prst="rect">
+            <a:avLst/>
+          </a:prstGeom>
+        </p:spPr>
+      </p:pic>
+      <p:sp>
+        <p:nvSpPr>
+          <p:cNvPr id="11" name="文本框 10"/>
+          <p:cNvSpPr txBox="1"/>
+          <p:nvPr/>
+        </p:nvSpPr>
+        <p:spPr>
+          <a:xfrm>
+            <a:off x="75617" y="2763203"/>
+            <a:ext cx="532518" cy="369332"/>
+          </a:xfrm>
+          <a:prstGeom prst="rect">
+            <a:avLst/>
+          </a:prstGeom>
+          <a:noFill/>
+        </p:spPr>
+        <p:txBody>
+          <a:bodyPr wrap="none" rtlCol="0">
+            <a:spAutoFit/>
+          </a:bodyPr>
+          <a:lstStyle/>
+          <a:p>
+            <a:r>
+              <a:rPr lang="en-US" altLang="zh-CN" b="1" smtClean="0">
+                <a:solidFill>
+                  <a:srgbClr val="FF0000"/>
+                </a:solidFill>
+              </a:rPr>
+              <a:t>2</a:t>
+            </a:r>
+            <a:r>
+              <a:rPr lang="zh-CN" altLang="en-US" b="1" smtClean="0">
+                <a:solidFill>
+                  <a:srgbClr val="FF0000"/>
+                </a:solidFill>
+              </a:rPr>
+              <a:t>：</a:t>
+            </a:r>
+            <a:endParaRPr lang="zh-CN" altLang="en-US" b="1">
+              <a:solidFill>
+                <a:srgbClr val="FF0000"/>
+              </a:solidFill>
+            </a:endParaRPr>
+          </a:p>
+        </p:txBody>
+      </p:sp>
+    </p:spTree>
+    <p:extLst>
+      <p:ext uri="{BB962C8B-B14F-4D97-AF65-F5344CB8AC3E}">
+        <p14:creationId xmlns:p14="http://schemas.microsoft.com/office/powerpoint/2010/main" val="4186159653"/>
+      </p:ext>
+    </p:extLst>
+  </p:cSld>
+  <p:clrMapOvr>
+    <a:masterClrMapping/>
+  </p:clrMapOvr>
+</p:sld>
+</file>
+
+<file path=ppt/slides/slide35.xml><?xml version="1.0" encoding="utf-8"?>
+<p:sld xmlns:a="http://schemas.openxmlformats.org/drawingml/2006/main" xmlns:r="http://schemas.openxmlformats.org/officeDocument/2006/relationships" xmlns:p="http://schemas.openxmlformats.org/presentationml/2006/main">
+  <p:cSld>
+    <p:bg>
+      <p:bgPr>
+        <a:solidFill>
+          <a:schemeClr val="accent1">
+            <a:lumMod val="75000"/>
+          </a:schemeClr>
+        </a:solidFill>
+        <a:effectLst/>
+      </p:bgPr>
+    </p:bg>
+    <p:spTree>
+      <p:nvGrpSpPr>
+        <p:cNvPr id="1" name=""/>
+        <p:cNvGrpSpPr/>
+        <p:nvPr/>
+      </p:nvGrpSpPr>
+      <p:grpSpPr>
+        <a:xfrm>
+          <a:off x="0" y="0"/>
+          <a:ext cx="0" cy="0"/>
+          <a:chOff x="0" y="0"/>
+          <a:chExt cx="0" cy="0"/>
+        </a:xfrm>
+      </p:grpSpPr>
+      <p:pic>
+        <p:nvPicPr>
+          <p:cNvPr id="2" name="图片 1"/>
+          <p:cNvPicPr>
+            <a:picLocks noChangeAspect="1"/>
+          </p:cNvPicPr>
+          <p:nvPr/>
+        </p:nvPicPr>
+        <p:blipFill>
+          <a:blip r:embed="rId2"/>
+          <a:stretch>
+            <a:fillRect/>
+          </a:stretch>
+        </p:blipFill>
+        <p:spPr>
+          <a:xfrm>
+            <a:off x="0" y="0"/>
+            <a:ext cx="12192000" cy="7055922"/>
+          </a:xfrm>
+          <a:prstGeom prst="rect">
+            <a:avLst/>
+          </a:prstGeom>
+        </p:spPr>
+      </p:pic>
+      <p:sp>
+        <p:nvSpPr>
+          <p:cNvPr id="3" name="文本框 2"/>
+          <p:cNvSpPr txBox="1"/>
+          <p:nvPr/>
+        </p:nvSpPr>
+        <p:spPr>
+          <a:xfrm>
+            <a:off x="7581900" y="866775"/>
+            <a:ext cx="3116174" cy="369332"/>
+          </a:xfrm>
+          <a:prstGeom prst="rect">
+            <a:avLst/>
+          </a:prstGeom>
+          <a:noFill/>
+        </p:spPr>
+        <p:txBody>
+          <a:bodyPr wrap="none" rtlCol="0">
+            <a:spAutoFit/>
+          </a:bodyPr>
+          <a:lstStyle/>
+          <a:p>
+            <a:r>
+              <a:rPr lang="en-US" altLang="zh-CN" smtClean="0">
+                <a:solidFill>
+                  <a:srgbClr val="FF0000"/>
+                </a:solidFill>
+              </a:rPr>
+              <a:t>TaskRunner</a:t>
+            </a:r>
+            <a:r>
+              <a:rPr lang="zh-CN" altLang="en-US" smtClean="0">
+                <a:solidFill>
+                  <a:srgbClr val="FF0000"/>
+                </a:solidFill>
+              </a:rPr>
+              <a:t>是真正的执行单位</a:t>
+            </a:r>
+            <a:endParaRPr lang="zh-CN" altLang="en-US">
+              <a:solidFill>
+                <a:srgbClr val="FF0000"/>
+              </a:solidFill>
+            </a:endParaRPr>
+          </a:p>
+        </p:txBody>
+      </p:sp>
+    </p:spTree>
+    <p:extLst>
+      <p:ext uri="{BB962C8B-B14F-4D97-AF65-F5344CB8AC3E}">
+        <p14:creationId xmlns:p14="http://schemas.microsoft.com/office/powerpoint/2010/main" val="85500496"/>
+      </p:ext>
+    </p:extLst>
+  </p:cSld>
+  <p:clrMapOvr>
+    <a:masterClrMapping/>
+  </p:clrMapOvr>
+</p:sld>
+</file>
+
+<file path=ppt/slides/slide36.xml><?xml version="1.0" encoding="utf-8"?>
+<p:sld xmlns:a="http://schemas.openxmlformats.org/drawingml/2006/main" xmlns:r="http://schemas.openxmlformats.org/officeDocument/2006/relationships" xmlns:p="http://schemas.openxmlformats.org/presentationml/2006/main">
+  <p:cSld>
+    <p:bg>
+      <p:bgPr>
+        <a:solidFill>
+          <a:schemeClr val="accent1">
+            <a:lumMod val="75000"/>
+          </a:schemeClr>
+        </a:solidFill>
+        <a:effectLst/>
+      </p:bgPr>
+    </p:bg>
+    <p:spTree>
+      <p:nvGrpSpPr>
+        <p:cNvPr id="1" name=""/>
+        <p:cNvGrpSpPr/>
+        <p:nvPr/>
+      </p:nvGrpSpPr>
+      <p:grpSpPr>
+        <a:xfrm>
+          <a:off x="0" y="0"/>
+          <a:ext cx="0" cy="0"/>
+          <a:chOff x="0" y="0"/>
+          <a:chExt cx="0" cy="0"/>
+        </a:xfrm>
+      </p:grpSpPr>
+      <p:pic>
+        <p:nvPicPr>
+          <p:cNvPr id="2" name="图片 1"/>
+          <p:cNvPicPr>
+            <a:picLocks noChangeAspect="1"/>
+          </p:cNvPicPr>
+          <p:nvPr/>
+        </p:nvPicPr>
+        <p:blipFill>
+          <a:blip r:embed="rId2"/>
+          <a:stretch>
+            <a:fillRect/>
+          </a:stretch>
+        </p:blipFill>
+        <p:spPr>
+          <a:xfrm>
+            <a:off x="503853" y="0"/>
+            <a:ext cx="11430000" cy="6640367"/>
+          </a:xfrm>
+          <a:prstGeom prst="rect">
+            <a:avLst/>
+          </a:prstGeom>
+        </p:spPr>
+      </p:pic>
+    </p:spTree>
+    <p:extLst>
+      <p:ext uri="{BB962C8B-B14F-4D97-AF65-F5344CB8AC3E}">
+        <p14:creationId xmlns:p14="http://schemas.microsoft.com/office/powerpoint/2010/main" val="2776192954"/>
+      </p:ext>
+    </p:extLst>
+  </p:cSld>
+  <p:clrMapOvr>
+    <a:masterClrMapping/>
+  </p:clrMapOvr>
+</p:sld>
+</file>
+
+<file path=ppt/slides/slide37.xml><?xml version="1.0" encoding="utf-8"?>
+<p:sld xmlns:a="http://schemas.openxmlformats.org/drawingml/2006/main" xmlns:r="http://schemas.openxmlformats.org/officeDocument/2006/relationships" xmlns:p="http://schemas.openxmlformats.org/presentationml/2006/main">
+  <p:cSld>
+    <p:bg>
+      <p:bgPr>
+        <a:solidFill>
+          <a:schemeClr val="accent1">
+            <a:lumMod val="75000"/>
+          </a:schemeClr>
+        </a:solidFill>
+        <a:effectLst/>
+      </p:bgPr>
+    </p:bg>
+    <p:spTree>
+      <p:nvGrpSpPr>
+        <p:cNvPr id="1" name=""/>
+        <p:cNvGrpSpPr/>
+        <p:nvPr/>
+      </p:nvGrpSpPr>
+      <p:grpSpPr>
+        <a:xfrm>
+          <a:off x="0" y="0"/>
+          <a:ext cx="0" cy="0"/>
+          <a:chOff x="0" y="0"/>
+          <a:chExt cx="0" cy="0"/>
+        </a:xfrm>
+      </p:grpSpPr>
+    </p:spTree>
+    <p:extLst>
+      <p:ext uri="{BB962C8B-B14F-4D97-AF65-F5344CB8AC3E}">
+        <p14:creationId xmlns:p14="http://schemas.microsoft.com/office/powerpoint/2010/main" val="2732036503"/>
+      </p:ext>
+    </p:extLst>
+  </p:cSld>
+  <p:clrMapOvr>
+    <a:masterClrMapping/>
+  </p:clrMapOvr>
+</p:sld>
+</file>
+
+<file path=ppt/slides/slide38.xml><?xml version="1.0" encoding="utf-8"?>
+<p:sld xmlns:a="http://schemas.openxmlformats.org/drawingml/2006/main" xmlns:r="http://schemas.openxmlformats.org/officeDocument/2006/relationships" xmlns:p="http://schemas.openxmlformats.org/presentationml/2006/main">
+  <p:cSld>
+    <p:bg>
+      <p:bgPr>
+        <a:solidFill>
+          <a:schemeClr val="accent1">
+            <a:lumMod val="75000"/>
+          </a:schemeClr>
+        </a:solidFill>
+        <a:effectLst/>
+      </p:bgPr>
+    </p:bg>
+    <p:spTree>
+      <p:nvGrpSpPr>
+        <p:cNvPr id="1" name=""/>
+        <p:cNvGrpSpPr/>
+        <p:nvPr/>
+      </p:nvGrpSpPr>
+      <p:grpSpPr>
+        <a:xfrm>
+          <a:off x="0" y="0"/>
+          <a:ext cx="0" cy="0"/>
+          <a:chOff x="0" y="0"/>
+          <a:chExt cx="0" cy="0"/>
+        </a:xfrm>
+      </p:grpSpPr>
+    </p:spTree>
+    <p:extLst>
+      <p:ext uri="{BB962C8B-B14F-4D97-AF65-F5344CB8AC3E}">
+        <p14:creationId xmlns:p14="http://schemas.microsoft.com/office/powerpoint/2010/main" val="1334965062"/>
+      </p:ext>
+    </p:extLst>
+  </p:cSld>
+  <p:clrMapOvr>
+    <a:masterClrMapping/>
+  </p:clrMapOvr>
+</p:sld>
+</file>
+
+<file path=ppt/slides/slide39.xml><?xml version="1.0" encoding="utf-8"?>
 <p:sld xmlns:a="http://schemas.openxmlformats.org/drawingml/2006/main" xmlns:r="http://schemas.openxmlformats.org/officeDocument/2006/relationships" xmlns:p="http://schemas.openxmlformats.org/presentationml/2006/main">
   <p:cSld>
     <p:spTree>
@@ -16115,37 +17258,7 @@
     </p:spTree>
     <p:extLst>
       <p:ext uri="{BB962C8B-B14F-4D97-AF65-F5344CB8AC3E}">
-        <p14:creationId xmlns:p14="http://schemas.microsoft.com/office/powerpoint/2010/main" val="2555119250"/>
-      </p:ext>
-    </p:extLst>
-  </p:cSld>
-  <p:clrMapOvr>
-    <a:masterClrMapping/>
-  </p:clrMapOvr>
-</p:sld>
-</file>
-
-<file path=ppt/slides/slide34.xml><?xml version="1.0" encoding="utf-8"?>
-<p:sld xmlns:a="http://schemas.openxmlformats.org/drawingml/2006/main" xmlns:r="http://schemas.openxmlformats.org/officeDocument/2006/relationships" xmlns:p="http://schemas.openxmlformats.org/presentationml/2006/main">
-  <p:cSld>
-    <p:spTree>
-      <p:nvGrpSpPr>
-        <p:cNvPr id="1" name=""/>
-        <p:cNvGrpSpPr/>
-        <p:nvPr/>
-      </p:nvGrpSpPr>
-      <p:grpSpPr>
-        <a:xfrm>
-          <a:off x="0" y="0"/>
-          <a:ext cx="0" cy="0"/>
-          <a:chOff x="0" y="0"/>
-          <a:chExt cx="0" cy="0"/>
-        </a:xfrm>
-      </p:grpSpPr>
-    </p:spTree>
-    <p:extLst>
-      <p:ext uri="{BB962C8B-B14F-4D97-AF65-F5344CB8AC3E}">
-        <p14:creationId xmlns:p14="http://schemas.microsoft.com/office/powerpoint/2010/main" val="4186159653"/>
+        <p14:creationId xmlns:p14="http://schemas.microsoft.com/office/powerpoint/2010/main" val="503848367"/>
       </p:ext>
     </p:extLst>
   </p:cSld>
@@ -16413,6 +17526,96 @@
     <p:extLst>
       <p:ext uri="{BB962C8B-B14F-4D97-AF65-F5344CB8AC3E}">
         <p14:creationId xmlns:p14="http://schemas.microsoft.com/office/powerpoint/2010/main" val="3898248874"/>
+      </p:ext>
+    </p:extLst>
+  </p:cSld>
+  <p:clrMapOvr>
+    <a:masterClrMapping/>
+  </p:clrMapOvr>
+</p:sld>
+</file>
+
+<file path=ppt/slides/slide40.xml><?xml version="1.0" encoding="utf-8"?>
+<p:sld xmlns:a="http://schemas.openxmlformats.org/drawingml/2006/main" xmlns:r="http://schemas.openxmlformats.org/officeDocument/2006/relationships" xmlns:p="http://schemas.openxmlformats.org/presentationml/2006/main">
+  <p:cSld>
+    <p:spTree>
+      <p:nvGrpSpPr>
+        <p:cNvPr id="1" name=""/>
+        <p:cNvGrpSpPr/>
+        <p:nvPr/>
+      </p:nvGrpSpPr>
+      <p:grpSpPr>
+        <a:xfrm>
+          <a:off x="0" y="0"/>
+          <a:ext cx="0" cy="0"/>
+          <a:chOff x="0" y="0"/>
+          <a:chExt cx="0" cy="0"/>
+        </a:xfrm>
+      </p:grpSpPr>
+    </p:spTree>
+    <p:extLst>
+      <p:ext uri="{BB962C8B-B14F-4D97-AF65-F5344CB8AC3E}">
+        <p14:creationId xmlns:p14="http://schemas.microsoft.com/office/powerpoint/2010/main" val="2875515997"/>
+      </p:ext>
+    </p:extLst>
+  </p:cSld>
+  <p:clrMapOvr>
+    <a:masterClrMapping/>
+  </p:clrMapOvr>
+</p:sld>
+</file>
+
+<file path=ppt/slides/slide41.xml><?xml version="1.0" encoding="utf-8"?>
+<p:sld xmlns:a="http://schemas.openxmlformats.org/drawingml/2006/main" xmlns:r="http://schemas.openxmlformats.org/officeDocument/2006/relationships" xmlns:p="http://schemas.openxmlformats.org/presentationml/2006/main">
+  <p:cSld>
+    <p:spTree>
+      <p:nvGrpSpPr>
+        <p:cNvPr id="1" name=""/>
+        <p:cNvGrpSpPr/>
+        <p:nvPr/>
+      </p:nvGrpSpPr>
+      <p:grpSpPr>
+        <a:xfrm>
+          <a:off x="0" y="0"/>
+          <a:ext cx="0" cy="0"/>
+          <a:chOff x="0" y="0"/>
+          <a:chExt cx="0" cy="0"/>
+        </a:xfrm>
+      </p:grpSpPr>
+    </p:spTree>
+    <p:extLst>
+      <p:ext uri="{BB962C8B-B14F-4D97-AF65-F5344CB8AC3E}">
+        <p14:creationId xmlns:p14="http://schemas.microsoft.com/office/powerpoint/2010/main" val="2924179127"/>
+      </p:ext>
+    </p:extLst>
+  </p:cSld>
+  <p:clrMapOvr>
+    <a:masterClrMapping/>
+  </p:clrMapOvr>
+</p:sld>
+</file>
+
+<file path=ppt/slides/slide42.xml><?xml version="1.0" encoding="utf-8"?>
+<p:sld xmlns:a="http://schemas.openxmlformats.org/drawingml/2006/main" xmlns:r="http://schemas.openxmlformats.org/officeDocument/2006/relationships" xmlns:p="http://schemas.openxmlformats.org/presentationml/2006/main">
+  <p:cSld>
+    <p:spTree>
+      <p:nvGrpSpPr>
+        <p:cNvPr id="1" name=""/>
+        <p:cNvGrpSpPr/>
+        <p:nvPr/>
+      </p:nvGrpSpPr>
+      <p:grpSpPr>
+        <a:xfrm>
+          <a:off x="0" y="0"/>
+          <a:ext cx="0" cy="0"/>
+          <a:chOff x="0" y="0"/>
+          <a:chExt cx="0" cy="0"/>
+        </a:xfrm>
+      </p:grpSpPr>
+    </p:spTree>
+    <p:extLst>
+      <p:ext uri="{BB962C8B-B14F-4D97-AF65-F5344CB8AC3E}">
+        <p14:creationId xmlns:p14="http://schemas.microsoft.com/office/powerpoint/2010/main" val="1032041145"/>
       </p:ext>
     </p:extLst>
   </p:cSld>
@@ -17615,7 +18818,7 @@
           <a:graphicData uri="http://schemas.openxmlformats.org/presentationml/2006/ole">
             <mc:AlternateContent xmlns:mc="http://schemas.openxmlformats.org/markup-compatibility/2006">
               <mc:Choice xmlns:v="urn:schemas-microsoft-com:vml" Requires="v">
-                <p:oleObj spid="_x0000_s2409" name="包装程序外壳对象" showAsIcon="1" r:id="rId4" imgW="1325880" imgH="354600" progId="Package">
+                <p:oleObj spid="_x0000_s2430" name="包装程序外壳对象" showAsIcon="1" r:id="rId4" imgW="1325880" imgH="354600" progId="Package">
                   <p:embed/>
                 </p:oleObj>
               </mc:Choice>

--- a/Spark阅读源码的笔记.pptx
+++ b/Spark阅读源码的笔记.pptx
@@ -238,7 +238,7 @@
           <a:p>
             <a:fld id="{E79BCF29-52E9-4B6F-BE17-814B78939943}" type="datetimeFigureOut">
               <a:rPr lang="zh-CN" altLang="en-US" smtClean="0"/>
-              <a:t>2017/4/10</a:t>
+              <a:t>2017/6/27</a:t>
             </a:fld>
             <a:endParaRPr lang="zh-CN" altLang="en-US"/>
           </a:p>
@@ -590,6 +590,90 @@
 </p:notes>
 </file>
 
+<file path=ppt/notesSlides/notesSlide10.xml><?xml version="1.0" encoding="utf-8"?>
+<p:notes xmlns:a="http://schemas.openxmlformats.org/drawingml/2006/main" xmlns:r="http://schemas.openxmlformats.org/officeDocument/2006/relationships" xmlns:p="http://schemas.openxmlformats.org/presentationml/2006/main">
+  <p:cSld>
+    <p:spTree>
+      <p:nvGrpSpPr>
+        <p:cNvPr id="1" name=""/>
+        <p:cNvGrpSpPr/>
+        <p:nvPr/>
+      </p:nvGrpSpPr>
+      <p:grpSpPr>
+        <a:xfrm>
+          <a:off x="0" y="0"/>
+          <a:ext cx="0" cy="0"/>
+          <a:chOff x="0" y="0"/>
+          <a:chExt cx="0" cy="0"/>
+        </a:xfrm>
+      </p:grpSpPr>
+      <p:sp>
+        <p:nvSpPr>
+          <p:cNvPr id="2" name="幻灯片图像占位符 1"/>
+          <p:cNvSpPr>
+            <a:spLocks noGrp="1" noRot="1" noChangeAspect="1"/>
+          </p:cNvSpPr>
+          <p:nvPr>
+            <p:ph type="sldImg"/>
+          </p:nvPr>
+        </p:nvSpPr>
+        <p:spPr/>
+      </p:sp>
+      <p:sp>
+        <p:nvSpPr>
+          <p:cNvPr id="3" name="备注占位符 2"/>
+          <p:cNvSpPr>
+            <a:spLocks noGrp="1"/>
+          </p:cNvSpPr>
+          <p:nvPr>
+            <p:ph type="body" idx="1"/>
+          </p:nvPr>
+        </p:nvSpPr>
+        <p:spPr/>
+        <p:txBody>
+          <a:bodyPr/>
+          <a:lstStyle/>
+          <a:p>
+            <a:endParaRPr lang="zh-CN" altLang="en-US"/>
+          </a:p>
+        </p:txBody>
+      </p:sp>
+      <p:sp>
+        <p:nvSpPr>
+          <p:cNvPr id="4" name="灯片编号占位符 3"/>
+          <p:cNvSpPr>
+            <a:spLocks noGrp="1"/>
+          </p:cNvSpPr>
+          <p:nvPr>
+            <p:ph type="sldNum" sz="quarter" idx="10"/>
+          </p:nvPr>
+        </p:nvSpPr>
+        <p:spPr/>
+        <p:txBody>
+          <a:bodyPr/>
+          <a:lstStyle/>
+          <a:p>
+            <a:fld id="{F8957E2C-20B6-4ABE-B68C-98AB9259DA1C}" type="slidenum">
+              <a:rPr lang="zh-CN" altLang="en-US" smtClean="0"/>
+              <a:t>39</a:t>
+            </a:fld>
+            <a:endParaRPr lang="zh-CN" altLang="en-US"/>
+          </a:p>
+        </p:txBody>
+      </p:sp>
+    </p:spTree>
+    <p:extLst>
+      <p:ext uri="{BB962C8B-B14F-4D97-AF65-F5344CB8AC3E}">
+        <p14:creationId xmlns:p14="http://schemas.microsoft.com/office/powerpoint/2010/main" val="3640541210"/>
+      </p:ext>
+    </p:extLst>
+  </p:cSld>
+  <p:clrMapOvr>
+    <a:masterClrMapping/>
+  </p:clrMapOvr>
+</p:notes>
+</file>
+
 <file path=ppt/notesSlides/notesSlide2.xml><?xml version="1.0" encoding="utf-8"?>
 <p:notes xmlns:a="http://schemas.openxmlformats.org/drawingml/2006/main" xmlns:r="http://schemas.openxmlformats.org/officeDocument/2006/relationships" xmlns:p="http://schemas.openxmlformats.org/presentationml/2006/main">
   <p:cSld>
@@ -1712,7 +1796,7 @@
           <a:p>
             <a:fld id="{0CD3BB8F-F75A-4DD3-9170-FD8E567AFB64}" type="datetimeFigureOut">
               <a:rPr lang="zh-CN" altLang="en-US" smtClean="0"/>
-              <a:t>2017/4/10</a:t>
+              <a:t>2017/6/27</a:t>
             </a:fld>
             <a:endParaRPr lang="zh-CN" altLang="en-US"/>
           </a:p>
@@ -1882,7 +1966,7 @@
           <a:p>
             <a:fld id="{0CD3BB8F-F75A-4DD3-9170-FD8E567AFB64}" type="datetimeFigureOut">
               <a:rPr lang="zh-CN" altLang="en-US" smtClean="0"/>
-              <a:t>2017/4/10</a:t>
+              <a:t>2017/6/27</a:t>
             </a:fld>
             <a:endParaRPr lang="zh-CN" altLang="en-US"/>
           </a:p>
@@ -2062,7 +2146,7 @@
           <a:p>
             <a:fld id="{0CD3BB8F-F75A-4DD3-9170-FD8E567AFB64}" type="datetimeFigureOut">
               <a:rPr lang="zh-CN" altLang="en-US" smtClean="0"/>
-              <a:t>2017/4/10</a:t>
+              <a:t>2017/6/27</a:t>
             </a:fld>
             <a:endParaRPr lang="zh-CN" altLang="en-US"/>
           </a:p>
@@ -2232,7 +2316,7 @@
           <a:p>
             <a:fld id="{0CD3BB8F-F75A-4DD3-9170-FD8E567AFB64}" type="datetimeFigureOut">
               <a:rPr lang="zh-CN" altLang="en-US" smtClean="0"/>
-              <a:t>2017/4/10</a:t>
+              <a:t>2017/6/27</a:t>
             </a:fld>
             <a:endParaRPr lang="zh-CN" altLang="en-US"/>
           </a:p>
@@ -2478,7 +2562,7 @@
           <a:p>
             <a:fld id="{0CD3BB8F-F75A-4DD3-9170-FD8E567AFB64}" type="datetimeFigureOut">
               <a:rPr lang="zh-CN" altLang="en-US" smtClean="0"/>
-              <a:t>2017/4/10</a:t>
+              <a:t>2017/6/27</a:t>
             </a:fld>
             <a:endParaRPr lang="zh-CN" altLang="en-US"/>
           </a:p>
@@ -2710,7 +2794,7 @@
           <a:p>
             <a:fld id="{0CD3BB8F-F75A-4DD3-9170-FD8E567AFB64}" type="datetimeFigureOut">
               <a:rPr lang="zh-CN" altLang="en-US" smtClean="0"/>
-              <a:t>2017/4/10</a:t>
+              <a:t>2017/6/27</a:t>
             </a:fld>
             <a:endParaRPr lang="zh-CN" altLang="en-US"/>
           </a:p>
@@ -3077,7 +3161,7 @@
           <a:p>
             <a:fld id="{0CD3BB8F-F75A-4DD3-9170-FD8E567AFB64}" type="datetimeFigureOut">
               <a:rPr lang="zh-CN" altLang="en-US" smtClean="0"/>
-              <a:t>2017/4/10</a:t>
+              <a:t>2017/6/27</a:t>
             </a:fld>
             <a:endParaRPr lang="zh-CN" altLang="en-US"/>
           </a:p>
@@ -3195,7 +3279,7 @@
           <a:p>
             <a:fld id="{0CD3BB8F-F75A-4DD3-9170-FD8E567AFB64}" type="datetimeFigureOut">
               <a:rPr lang="zh-CN" altLang="en-US" smtClean="0"/>
-              <a:t>2017/4/10</a:t>
+              <a:t>2017/6/27</a:t>
             </a:fld>
             <a:endParaRPr lang="zh-CN" altLang="en-US"/>
           </a:p>
@@ -3290,7 +3374,7 @@
           <a:p>
             <a:fld id="{0CD3BB8F-F75A-4DD3-9170-FD8E567AFB64}" type="datetimeFigureOut">
               <a:rPr lang="zh-CN" altLang="en-US" smtClean="0"/>
-              <a:t>2017/4/10</a:t>
+              <a:t>2017/6/27</a:t>
             </a:fld>
             <a:endParaRPr lang="zh-CN" altLang="en-US"/>
           </a:p>
@@ -3567,7 +3651,7 @@
           <a:p>
             <a:fld id="{0CD3BB8F-F75A-4DD3-9170-FD8E567AFB64}" type="datetimeFigureOut">
               <a:rPr lang="zh-CN" altLang="en-US" smtClean="0"/>
-              <a:t>2017/4/10</a:t>
+              <a:t>2017/6/27</a:t>
             </a:fld>
             <a:endParaRPr lang="zh-CN" altLang="en-US"/>
           </a:p>
@@ -3820,7 +3904,7 @@
           <a:p>
             <a:fld id="{0CD3BB8F-F75A-4DD3-9170-FD8E567AFB64}" type="datetimeFigureOut">
               <a:rPr lang="zh-CN" altLang="en-US" smtClean="0"/>
-              <a:t>2017/4/10</a:t>
+              <a:t>2017/6/27</a:t>
             </a:fld>
             <a:endParaRPr lang="zh-CN" altLang="en-US"/>
           </a:p>
@@ -4033,7 +4117,7 @@
           <a:p>
             <a:fld id="{0CD3BB8F-F75A-4DD3-9170-FD8E567AFB64}" type="datetimeFigureOut">
               <a:rPr lang="zh-CN" altLang="en-US" smtClean="0"/>
-              <a:t>2017/4/10</a:t>
+              <a:t>2017/6/27</a:t>
             </a:fld>
             <a:endParaRPr lang="zh-CN" altLang="en-US"/>
           </a:p>
@@ -9609,7 +9693,15 @@
             </a:r>
             <a:r>
               <a:rPr lang="zh-CN" altLang="en-US" sz="1600" smtClean="0"/>
-              <a:t>初始化过程中存入</a:t>
+              <a:t>在</a:t>
+            </a:r>
+            <a:r>
+              <a:rPr lang="en-US" altLang="zh-CN" sz="1600" smtClean="0"/>
+              <a:t>Inbox</a:t>
+            </a:r>
+            <a:r>
+              <a:rPr lang="zh-CN" altLang="en-US" sz="1600" smtClean="0"/>
+              <a:t>的构造器中存入</a:t>
             </a:r>
             <a:r>
               <a:rPr lang="en-US" altLang="zh-CN" sz="1600" smtClean="0"/>
@@ -16626,15 +16718,7 @@
                   <a:srgbClr val="FF0000"/>
                 </a:solidFill>
               </a:rPr>
-              <a:t>org.apache.spark.scheduler.DAGScheduler</a:t>
-            </a:r>
-            <a:r>
-              <a:rPr lang="zh-CN" altLang="en-US" sz="1200">
-                <a:solidFill>
-                  <a:srgbClr val="FF0000"/>
-                </a:solidFill>
-              </a:rPr>
-              <a:t>#</a:t>
+              <a:t>org.apache.spark.scheduler.DAGScheduler#</a:t>
             </a:r>
             <a:r>
               <a:rPr lang="zh-CN" altLang="en-US" sz="1200" smtClean="0">
@@ -16840,10 +16924,6 @@
               <a:rPr lang="zh-CN" altLang="en-US" i="1"/>
               <a:t>期间保持每一个执行器。</a:t>
             </a:r>
-            <a:r>
-              <a:rPr lang="zh-CN" altLang="en-US" i="1"/>
-              <a:t/>
-            </a:r>
             <a:br>
               <a:rPr lang="zh-CN" altLang="en-US" i="1"/>
             </a:br>
@@ -16854,10 +16934,6 @@
             <a:r>
               <a:rPr lang="zh-CN" altLang="en-US" i="1"/>
               <a:t>不是当任务运行完之后就丢弃执行器，等运行新任务的时候再申请新的执行器。 执行器可以以不同的方式启动，</a:t>
-            </a:r>
-            <a:r>
-              <a:rPr lang="zh-CN" altLang="en-US" i="1"/>
-              <a:t/>
             </a:r>
             <a:br>
               <a:rPr lang="zh-CN" altLang="en-US" i="1"/>
@@ -17255,6 +17331,127 @@
           <a:chExt cx="0" cy="0"/>
         </a:xfrm>
       </p:grpSpPr>
+      <p:sp>
+        <p:nvSpPr>
+          <p:cNvPr id="3" name="文本框 2"/>
+          <p:cNvSpPr txBox="1"/>
+          <p:nvPr/>
+        </p:nvSpPr>
+        <p:spPr>
+          <a:xfrm>
+            <a:off x="242596" y="2258009"/>
+            <a:ext cx="11700588" cy="646331"/>
+          </a:xfrm>
+          <a:prstGeom prst="rect">
+            <a:avLst/>
+          </a:prstGeom>
+          <a:noFill/>
+        </p:spPr>
+        <p:txBody>
+          <a:bodyPr wrap="square" rtlCol="0">
+            <a:spAutoFit/>
+          </a:bodyPr>
+          <a:lstStyle/>
+          <a:p>
+            <a:pPr>
+              <a:defRPr/>
+            </a:pPr>
+            <a:r>
+              <a:rPr lang="en-US" altLang="zh-CN" smtClean="0"/>
+              <a:t>BlockManagerSlaveEndpoint</a:t>
+            </a:r>
+            <a:r>
+              <a:rPr lang="zh-CN" altLang="en-US" smtClean="0"/>
+              <a:t>：用来执行</a:t>
+            </a:r>
+            <a:r>
+              <a:rPr lang="en-US" altLang="zh-CN" smtClean="0"/>
+              <a:t>master</a:t>
+            </a:r>
+            <a:r>
+              <a:rPr lang="zh-CN" altLang="en-US" smtClean="0"/>
+              <a:t>发来的命令的一个</a:t>
+            </a:r>
+            <a:r>
+              <a:rPr lang="en-US" altLang="zh-CN" i="1" smtClean="0"/>
+              <a:t>RpcEndpoint</a:t>
+            </a:r>
+            <a:r>
+              <a:rPr lang="zh-CN" altLang="en-US" smtClean="0"/>
+              <a:t>，例如：移除</a:t>
+            </a:r>
+            <a:r>
+              <a:rPr lang="en-US" altLang="zh-CN" smtClean="0"/>
+              <a:t>slave</a:t>
+            </a:r>
+            <a:r>
+              <a:rPr lang="zh-CN" altLang="en-US" smtClean="0"/>
+              <a:t>上的</a:t>
+            </a:r>
+            <a:r>
+              <a:rPr lang="en-US" altLang="zh-CN" i="1" smtClean="0"/>
+              <a:t>BlockManager</a:t>
+            </a:r>
+            <a:endParaRPr lang="zh-CN" altLang="en-US"/>
+          </a:p>
+          <a:p>
+            <a:endParaRPr lang="zh-CN" altLang="en-US"/>
+          </a:p>
+        </p:txBody>
+      </p:sp>
+      <p:sp>
+        <p:nvSpPr>
+          <p:cNvPr id="4" name="文本框 3"/>
+          <p:cNvSpPr txBox="1"/>
+          <p:nvPr/>
+        </p:nvSpPr>
+        <p:spPr>
+          <a:xfrm>
+            <a:off x="242596" y="625151"/>
+            <a:ext cx="11430000" cy="646331"/>
+          </a:xfrm>
+          <a:prstGeom prst="rect">
+            <a:avLst/>
+          </a:prstGeom>
+          <a:noFill/>
+        </p:spPr>
+        <p:txBody>
+          <a:bodyPr wrap="square" rtlCol="0">
+            <a:spAutoFit/>
+          </a:bodyPr>
+          <a:lstStyle/>
+          <a:p>
+            <a:r>
+              <a:rPr lang="en-US" altLang="zh-CN" smtClean="0"/>
+              <a:t>BlockManager</a:t>
+            </a:r>
+            <a:r>
+              <a:rPr lang="zh-CN" altLang="en-US" smtClean="0"/>
+              <a:t>：运行在</a:t>
+            </a:r>
+            <a:r>
+              <a:rPr lang="en-US" altLang="zh-CN" smtClean="0"/>
+              <a:t>driver</a:t>
+            </a:r>
+            <a:r>
+              <a:rPr lang="zh-CN" altLang="en-US" smtClean="0"/>
+              <a:t>和</a:t>
+            </a:r>
+            <a:r>
+              <a:rPr lang="en-US" altLang="zh-CN" i="1" smtClean="0"/>
+              <a:t>executors</a:t>
+            </a:r>
+            <a:r>
+              <a:rPr lang="zh-CN" altLang="en-US" smtClean="0"/>
+              <a:t>之上，提供存放和检索本地或远程的块到内存、磁盘或堆外内存的功能</a:t>
+            </a:r>
+            <a:endParaRPr lang="en-US" altLang="zh-CN" smtClean="0"/>
+          </a:p>
+          <a:p>
+            <a:endParaRPr lang="zh-CN" altLang="en-US"/>
+          </a:p>
+        </p:txBody>
+      </p:sp>
     </p:spTree>
     <p:extLst>
       <p:ext uri="{BB962C8B-B14F-4D97-AF65-F5344CB8AC3E}">
@@ -18818,7 +19015,7 @@
           <a:graphicData uri="http://schemas.openxmlformats.org/presentationml/2006/ole">
             <mc:AlternateContent xmlns:mc="http://schemas.openxmlformats.org/markup-compatibility/2006">
               <mc:Choice xmlns:v="urn:schemas-microsoft-com:vml" Requires="v">
-                <p:oleObj spid="_x0000_s2430" name="包装程序外壳对象" showAsIcon="1" r:id="rId4" imgW="1325880" imgH="354600" progId="Package">
+                <p:oleObj spid="_x0000_s2453" name="包装程序外壳对象" showAsIcon="1" r:id="rId4" imgW="1325880" imgH="354600" progId="Package">
                   <p:embed/>
                 </p:oleObj>
               </mc:Choice>

--- a/Spark阅读源码的笔记.pptx
+++ b/Spark阅读源码的笔记.pptx
@@ -5,7 +5,7 @@
     <p:sldMasterId id="2147483648" r:id="rId1"/>
   </p:sldMasterIdLst>
   <p:notesMasterIdLst>
-    <p:notesMasterId r:id="rId44"/>
+    <p:notesMasterId r:id="rId47"/>
   </p:notesMasterIdLst>
   <p:sldIdLst>
     <p:sldId id="256" r:id="rId2"/>
@@ -50,6 +50,9 @@
     <p:sldId id="295" r:id="rId41"/>
     <p:sldId id="296" r:id="rId42"/>
     <p:sldId id="297" r:id="rId43"/>
+    <p:sldId id="298" r:id="rId44"/>
+    <p:sldId id="300" r:id="rId45"/>
+    <p:sldId id="299" r:id="rId46"/>
   </p:sldIdLst>
   <p:sldSz cx="12192000" cy="6858000"/>
   <p:notesSz cx="6858000" cy="9144000"/>
@@ -665,6 +668,498 @@
     <p:extLst>
       <p:ext uri="{BB962C8B-B14F-4D97-AF65-F5344CB8AC3E}">
         <p14:creationId xmlns:p14="http://schemas.microsoft.com/office/powerpoint/2010/main" val="3640541210"/>
+      </p:ext>
+    </p:extLst>
+  </p:cSld>
+  <p:clrMapOvr>
+    <a:masterClrMapping/>
+  </p:clrMapOvr>
+</p:notes>
+</file>
+
+<file path=ppt/notesSlides/notesSlide11.xml><?xml version="1.0" encoding="utf-8"?>
+<p:notes xmlns:a="http://schemas.openxmlformats.org/drawingml/2006/main" xmlns:r="http://schemas.openxmlformats.org/officeDocument/2006/relationships" xmlns:p="http://schemas.openxmlformats.org/presentationml/2006/main">
+  <p:cSld>
+    <p:spTree>
+      <p:nvGrpSpPr>
+        <p:cNvPr id="1" name=""/>
+        <p:cNvGrpSpPr/>
+        <p:nvPr/>
+      </p:nvGrpSpPr>
+      <p:grpSpPr>
+        <a:xfrm>
+          <a:off x="0" y="0"/>
+          <a:ext cx="0" cy="0"/>
+          <a:chOff x="0" y="0"/>
+          <a:chExt cx="0" cy="0"/>
+        </a:xfrm>
+      </p:grpSpPr>
+      <p:sp>
+        <p:nvSpPr>
+          <p:cNvPr id="2" name="幻灯片图像占位符 1"/>
+          <p:cNvSpPr>
+            <a:spLocks noGrp="1" noRot="1" noChangeAspect="1"/>
+          </p:cNvSpPr>
+          <p:nvPr>
+            <p:ph type="sldImg"/>
+          </p:nvPr>
+        </p:nvSpPr>
+        <p:spPr/>
+      </p:sp>
+      <p:sp>
+        <p:nvSpPr>
+          <p:cNvPr id="3" name="备注占位符 2"/>
+          <p:cNvSpPr>
+            <a:spLocks noGrp="1"/>
+          </p:cNvSpPr>
+          <p:nvPr>
+            <p:ph type="body" idx="1"/>
+          </p:nvPr>
+        </p:nvSpPr>
+        <p:spPr/>
+        <p:txBody>
+          <a:bodyPr/>
+          <a:lstStyle/>
+          <a:p>
+            <a:endParaRPr lang="zh-CN" altLang="en-US"/>
+          </a:p>
+        </p:txBody>
+      </p:sp>
+      <p:sp>
+        <p:nvSpPr>
+          <p:cNvPr id="4" name="灯片编号占位符 3"/>
+          <p:cNvSpPr>
+            <a:spLocks noGrp="1"/>
+          </p:cNvSpPr>
+          <p:nvPr>
+            <p:ph type="sldNum" sz="quarter" idx="10"/>
+          </p:nvPr>
+        </p:nvSpPr>
+        <p:spPr/>
+        <p:txBody>
+          <a:bodyPr/>
+          <a:lstStyle/>
+          <a:p>
+            <a:fld id="{F8957E2C-20B6-4ABE-B68C-98AB9259DA1C}" type="slidenum">
+              <a:rPr lang="zh-CN" altLang="en-US" smtClean="0"/>
+              <a:t>40</a:t>
+            </a:fld>
+            <a:endParaRPr lang="zh-CN" altLang="en-US"/>
+          </a:p>
+        </p:txBody>
+      </p:sp>
+    </p:spTree>
+    <p:extLst>
+      <p:ext uri="{BB962C8B-B14F-4D97-AF65-F5344CB8AC3E}">
+        <p14:creationId xmlns:p14="http://schemas.microsoft.com/office/powerpoint/2010/main" val="44364319"/>
+      </p:ext>
+    </p:extLst>
+  </p:cSld>
+  <p:clrMapOvr>
+    <a:masterClrMapping/>
+  </p:clrMapOvr>
+</p:notes>
+</file>
+
+<file path=ppt/notesSlides/notesSlide12.xml><?xml version="1.0" encoding="utf-8"?>
+<p:notes xmlns:a="http://schemas.openxmlformats.org/drawingml/2006/main" xmlns:r="http://schemas.openxmlformats.org/officeDocument/2006/relationships" xmlns:p="http://schemas.openxmlformats.org/presentationml/2006/main">
+  <p:cSld>
+    <p:spTree>
+      <p:nvGrpSpPr>
+        <p:cNvPr id="1" name=""/>
+        <p:cNvGrpSpPr/>
+        <p:nvPr/>
+      </p:nvGrpSpPr>
+      <p:grpSpPr>
+        <a:xfrm>
+          <a:off x="0" y="0"/>
+          <a:ext cx="0" cy="0"/>
+          <a:chOff x="0" y="0"/>
+          <a:chExt cx="0" cy="0"/>
+        </a:xfrm>
+      </p:grpSpPr>
+      <p:sp>
+        <p:nvSpPr>
+          <p:cNvPr id="2" name="幻灯片图像占位符 1"/>
+          <p:cNvSpPr>
+            <a:spLocks noGrp="1" noRot="1" noChangeAspect="1"/>
+          </p:cNvSpPr>
+          <p:nvPr>
+            <p:ph type="sldImg"/>
+          </p:nvPr>
+        </p:nvSpPr>
+        <p:spPr/>
+      </p:sp>
+      <p:sp>
+        <p:nvSpPr>
+          <p:cNvPr id="3" name="备注占位符 2"/>
+          <p:cNvSpPr>
+            <a:spLocks noGrp="1"/>
+          </p:cNvSpPr>
+          <p:nvPr>
+            <p:ph type="body" idx="1"/>
+          </p:nvPr>
+        </p:nvSpPr>
+        <p:spPr/>
+        <p:txBody>
+          <a:bodyPr/>
+          <a:lstStyle/>
+          <a:p>
+            <a:r>
+              <a:rPr lang="en-US" altLang="zh-CN" sz="1200" i="1" kern="1200" smtClean="0">
+                <a:solidFill>
+                  <a:schemeClr val="tx1"/>
+                </a:solidFill>
+                <a:effectLst/>
+                <a:latin typeface="+mn-lt"/>
+                <a:ea typeface="+mn-ea"/>
+                <a:cs typeface="+mn-cs"/>
+              </a:rPr>
+              <a:t>SparkEnv</a:t>
+            </a:r>
+            <a:r>
+              <a:rPr lang="zh-CN" altLang="en-US" sz="1200" i="1" kern="1200" smtClean="0">
+                <a:solidFill>
+                  <a:schemeClr val="tx1"/>
+                </a:solidFill>
+                <a:effectLst/>
+                <a:latin typeface="+mn-lt"/>
+                <a:ea typeface="+mn-ea"/>
+                <a:cs typeface="+mn-cs"/>
+              </a:rPr>
+              <a:t>其实就是</a:t>
+            </a:r>
+            <a:r>
+              <a:rPr lang="en-US" altLang="zh-CN" sz="1200" i="1" kern="1200" smtClean="0">
+                <a:solidFill>
+                  <a:schemeClr val="tx1"/>
+                </a:solidFill>
+                <a:effectLst/>
+                <a:latin typeface="+mn-lt"/>
+                <a:ea typeface="+mn-ea"/>
+                <a:cs typeface="+mn-cs"/>
+              </a:rPr>
+              <a:t>Driver</a:t>
+            </a:r>
+            <a:r>
+              <a:rPr lang="zh-CN" altLang="en-US" sz="1200" i="1" kern="1200" smtClean="0">
+                <a:solidFill>
+                  <a:schemeClr val="tx1"/>
+                </a:solidFill>
+                <a:effectLst/>
+                <a:latin typeface="+mn-lt"/>
+                <a:ea typeface="+mn-ea"/>
+                <a:cs typeface="+mn-cs"/>
+              </a:rPr>
+              <a:t>的</a:t>
+            </a:r>
+            <a:r>
+              <a:rPr lang="en-US" altLang="zh-CN" sz="1200" i="1" kern="1200" smtClean="0">
+                <a:solidFill>
+                  <a:schemeClr val="tx1"/>
+                </a:solidFill>
+                <a:effectLst/>
+                <a:latin typeface="+mn-lt"/>
+                <a:ea typeface="+mn-ea"/>
+                <a:cs typeface="+mn-cs"/>
+              </a:rPr>
+              <a:t>RpcEnv</a:t>
+            </a:r>
+            <a:r>
+              <a:rPr lang="zh-CN" altLang="en-US" sz="1200" i="1" kern="1200" smtClean="0">
+                <a:solidFill>
+                  <a:schemeClr val="tx1"/>
+                </a:solidFill>
+                <a:effectLst/>
+                <a:latin typeface="+mn-lt"/>
+                <a:ea typeface="+mn-ea"/>
+                <a:cs typeface="+mn-cs"/>
+              </a:rPr>
+              <a:t>环境</a:t>
+            </a:r>
+            <a:endParaRPr lang="zh-CN" altLang="en-US"/>
+          </a:p>
+        </p:txBody>
+      </p:sp>
+      <p:sp>
+        <p:nvSpPr>
+          <p:cNvPr id="4" name="灯片编号占位符 3"/>
+          <p:cNvSpPr>
+            <a:spLocks noGrp="1"/>
+          </p:cNvSpPr>
+          <p:nvPr>
+            <p:ph type="sldNum" sz="quarter" idx="10"/>
+          </p:nvPr>
+        </p:nvSpPr>
+        <p:spPr/>
+        <p:txBody>
+          <a:bodyPr/>
+          <a:lstStyle/>
+          <a:p>
+            <a:fld id="{F8957E2C-20B6-4ABE-B68C-98AB9259DA1C}" type="slidenum">
+              <a:rPr lang="zh-CN" altLang="en-US" smtClean="0"/>
+              <a:t>41</a:t>
+            </a:fld>
+            <a:endParaRPr lang="zh-CN" altLang="en-US"/>
+          </a:p>
+        </p:txBody>
+      </p:sp>
+    </p:spTree>
+    <p:extLst>
+      <p:ext uri="{BB962C8B-B14F-4D97-AF65-F5344CB8AC3E}">
+        <p14:creationId xmlns:p14="http://schemas.microsoft.com/office/powerpoint/2010/main" val="3118662206"/>
+      </p:ext>
+    </p:extLst>
+  </p:cSld>
+  <p:clrMapOvr>
+    <a:masterClrMapping/>
+  </p:clrMapOvr>
+</p:notes>
+</file>
+
+<file path=ppt/notesSlides/notesSlide13.xml><?xml version="1.0" encoding="utf-8"?>
+<p:notes xmlns:a="http://schemas.openxmlformats.org/drawingml/2006/main" xmlns:r="http://schemas.openxmlformats.org/officeDocument/2006/relationships" xmlns:p="http://schemas.openxmlformats.org/presentationml/2006/main">
+  <p:cSld>
+    <p:spTree>
+      <p:nvGrpSpPr>
+        <p:cNvPr id="1" name=""/>
+        <p:cNvGrpSpPr/>
+        <p:nvPr/>
+      </p:nvGrpSpPr>
+      <p:grpSpPr>
+        <a:xfrm>
+          <a:off x="0" y="0"/>
+          <a:ext cx="0" cy="0"/>
+          <a:chOff x="0" y="0"/>
+          <a:chExt cx="0" cy="0"/>
+        </a:xfrm>
+      </p:grpSpPr>
+      <p:sp>
+        <p:nvSpPr>
+          <p:cNvPr id="2" name="幻灯片图像占位符 1"/>
+          <p:cNvSpPr>
+            <a:spLocks noGrp="1" noRot="1" noChangeAspect="1"/>
+          </p:cNvSpPr>
+          <p:nvPr>
+            <p:ph type="sldImg"/>
+          </p:nvPr>
+        </p:nvSpPr>
+        <p:spPr/>
+      </p:sp>
+      <p:sp>
+        <p:nvSpPr>
+          <p:cNvPr id="3" name="备注占位符 2"/>
+          <p:cNvSpPr>
+            <a:spLocks noGrp="1"/>
+          </p:cNvSpPr>
+          <p:nvPr>
+            <p:ph type="body" idx="1"/>
+          </p:nvPr>
+        </p:nvSpPr>
+        <p:spPr/>
+        <p:txBody>
+          <a:bodyPr/>
+          <a:lstStyle/>
+          <a:p>
+            <a:endParaRPr lang="zh-CN" altLang="en-US"/>
+          </a:p>
+        </p:txBody>
+      </p:sp>
+      <p:sp>
+        <p:nvSpPr>
+          <p:cNvPr id="4" name="灯片编号占位符 3"/>
+          <p:cNvSpPr>
+            <a:spLocks noGrp="1"/>
+          </p:cNvSpPr>
+          <p:nvPr>
+            <p:ph type="sldNum" sz="quarter" idx="10"/>
+          </p:nvPr>
+        </p:nvSpPr>
+        <p:spPr/>
+        <p:txBody>
+          <a:bodyPr/>
+          <a:lstStyle/>
+          <a:p>
+            <a:fld id="{F8957E2C-20B6-4ABE-B68C-98AB9259DA1C}" type="slidenum">
+              <a:rPr lang="zh-CN" altLang="en-US" smtClean="0"/>
+              <a:t>43</a:t>
+            </a:fld>
+            <a:endParaRPr lang="zh-CN" altLang="en-US"/>
+          </a:p>
+        </p:txBody>
+      </p:sp>
+    </p:spTree>
+    <p:extLst>
+      <p:ext uri="{BB962C8B-B14F-4D97-AF65-F5344CB8AC3E}">
+        <p14:creationId xmlns:p14="http://schemas.microsoft.com/office/powerpoint/2010/main" val="3962210530"/>
+      </p:ext>
+    </p:extLst>
+  </p:cSld>
+  <p:clrMapOvr>
+    <a:masterClrMapping/>
+  </p:clrMapOvr>
+</p:notes>
+</file>
+
+<file path=ppt/notesSlides/notesSlide14.xml><?xml version="1.0" encoding="utf-8"?>
+<p:notes xmlns:a="http://schemas.openxmlformats.org/drawingml/2006/main" xmlns:r="http://schemas.openxmlformats.org/officeDocument/2006/relationships" xmlns:p="http://schemas.openxmlformats.org/presentationml/2006/main">
+  <p:cSld>
+    <p:spTree>
+      <p:nvGrpSpPr>
+        <p:cNvPr id="1" name=""/>
+        <p:cNvGrpSpPr/>
+        <p:nvPr/>
+      </p:nvGrpSpPr>
+      <p:grpSpPr>
+        <a:xfrm>
+          <a:off x="0" y="0"/>
+          <a:ext cx="0" cy="0"/>
+          <a:chOff x="0" y="0"/>
+          <a:chExt cx="0" cy="0"/>
+        </a:xfrm>
+      </p:grpSpPr>
+      <p:sp>
+        <p:nvSpPr>
+          <p:cNvPr id="2" name="幻灯片图像占位符 1"/>
+          <p:cNvSpPr>
+            <a:spLocks noGrp="1" noRot="1" noChangeAspect="1"/>
+          </p:cNvSpPr>
+          <p:nvPr>
+            <p:ph type="sldImg"/>
+          </p:nvPr>
+        </p:nvSpPr>
+        <p:spPr/>
+      </p:sp>
+      <p:sp>
+        <p:nvSpPr>
+          <p:cNvPr id="3" name="备注占位符 2"/>
+          <p:cNvSpPr>
+            <a:spLocks noGrp="1"/>
+          </p:cNvSpPr>
+          <p:nvPr>
+            <p:ph type="body" idx="1"/>
+          </p:nvPr>
+        </p:nvSpPr>
+        <p:spPr/>
+        <p:txBody>
+          <a:bodyPr/>
+          <a:lstStyle/>
+          <a:p>
+            <a:endParaRPr lang="zh-CN" altLang="en-US"/>
+          </a:p>
+        </p:txBody>
+      </p:sp>
+      <p:sp>
+        <p:nvSpPr>
+          <p:cNvPr id="4" name="灯片编号占位符 3"/>
+          <p:cNvSpPr>
+            <a:spLocks noGrp="1"/>
+          </p:cNvSpPr>
+          <p:nvPr>
+            <p:ph type="sldNum" sz="quarter" idx="10"/>
+          </p:nvPr>
+        </p:nvSpPr>
+        <p:spPr/>
+        <p:txBody>
+          <a:bodyPr/>
+          <a:lstStyle/>
+          <a:p>
+            <a:fld id="{F8957E2C-20B6-4ABE-B68C-98AB9259DA1C}" type="slidenum">
+              <a:rPr lang="zh-CN" altLang="en-US" smtClean="0"/>
+              <a:t>44</a:t>
+            </a:fld>
+            <a:endParaRPr lang="zh-CN" altLang="en-US"/>
+          </a:p>
+        </p:txBody>
+      </p:sp>
+    </p:spTree>
+    <p:extLst>
+      <p:ext uri="{BB962C8B-B14F-4D97-AF65-F5344CB8AC3E}">
+        <p14:creationId xmlns:p14="http://schemas.microsoft.com/office/powerpoint/2010/main" val="2154781235"/>
+      </p:ext>
+    </p:extLst>
+  </p:cSld>
+  <p:clrMapOvr>
+    <a:masterClrMapping/>
+  </p:clrMapOvr>
+</p:notes>
+</file>
+
+<file path=ppt/notesSlides/notesSlide15.xml><?xml version="1.0" encoding="utf-8"?>
+<p:notes xmlns:a="http://schemas.openxmlformats.org/drawingml/2006/main" xmlns:r="http://schemas.openxmlformats.org/officeDocument/2006/relationships" xmlns:p="http://schemas.openxmlformats.org/presentationml/2006/main">
+  <p:cSld>
+    <p:spTree>
+      <p:nvGrpSpPr>
+        <p:cNvPr id="1" name=""/>
+        <p:cNvGrpSpPr/>
+        <p:nvPr/>
+      </p:nvGrpSpPr>
+      <p:grpSpPr>
+        <a:xfrm>
+          <a:off x="0" y="0"/>
+          <a:ext cx="0" cy="0"/>
+          <a:chOff x="0" y="0"/>
+          <a:chExt cx="0" cy="0"/>
+        </a:xfrm>
+      </p:grpSpPr>
+      <p:sp>
+        <p:nvSpPr>
+          <p:cNvPr id="2" name="幻灯片图像占位符 1"/>
+          <p:cNvSpPr>
+            <a:spLocks noGrp="1" noRot="1" noChangeAspect="1"/>
+          </p:cNvSpPr>
+          <p:nvPr>
+            <p:ph type="sldImg"/>
+          </p:nvPr>
+        </p:nvSpPr>
+        <p:spPr/>
+      </p:sp>
+      <p:sp>
+        <p:nvSpPr>
+          <p:cNvPr id="3" name="备注占位符 2"/>
+          <p:cNvSpPr>
+            <a:spLocks noGrp="1"/>
+          </p:cNvSpPr>
+          <p:nvPr>
+            <p:ph type="body" idx="1"/>
+          </p:nvPr>
+        </p:nvSpPr>
+        <p:spPr/>
+        <p:txBody>
+          <a:bodyPr/>
+          <a:lstStyle/>
+          <a:p>
+            <a:endParaRPr lang="zh-CN" altLang="en-US"/>
+          </a:p>
+        </p:txBody>
+      </p:sp>
+      <p:sp>
+        <p:nvSpPr>
+          <p:cNvPr id="4" name="灯片编号占位符 3"/>
+          <p:cNvSpPr>
+            <a:spLocks noGrp="1"/>
+          </p:cNvSpPr>
+          <p:nvPr>
+            <p:ph type="sldNum" sz="quarter" idx="10"/>
+          </p:nvPr>
+        </p:nvSpPr>
+        <p:spPr/>
+        <p:txBody>
+          <a:bodyPr/>
+          <a:lstStyle/>
+          <a:p>
+            <a:fld id="{F8957E2C-20B6-4ABE-B68C-98AB9259DA1C}" type="slidenum">
+              <a:rPr lang="zh-CN" altLang="en-US" smtClean="0"/>
+              <a:t>45</a:t>
+            </a:fld>
+            <a:endParaRPr lang="zh-CN" altLang="en-US"/>
+          </a:p>
+        </p:txBody>
+      </p:sp>
+    </p:spTree>
+    <p:extLst>
+      <p:ext uri="{BB962C8B-B14F-4D97-AF65-F5344CB8AC3E}">
+        <p14:creationId xmlns:p14="http://schemas.microsoft.com/office/powerpoint/2010/main" val="438475295"/>
       </p:ext>
     </p:extLst>
   </p:cSld>
@@ -17749,6 +18244,64 @@
           <a:chExt cx="0" cy="0"/>
         </a:xfrm>
       </p:grpSpPr>
+      <p:pic>
+        <p:nvPicPr>
+          <p:cNvPr id="2" name="图片 1"/>
+          <p:cNvPicPr>
+            <a:picLocks noChangeAspect="1"/>
+          </p:cNvPicPr>
+          <p:nvPr/>
+        </p:nvPicPr>
+        <p:blipFill>
+          <a:blip r:embed="rId3"/>
+          <a:stretch>
+            <a:fillRect/>
+          </a:stretch>
+        </p:blipFill>
+        <p:spPr>
+          <a:xfrm>
+            <a:off x="1222309" y="1196201"/>
+            <a:ext cx="7827399" cy="1034695"/>
+          </a:xfrm>
+          <a:prstGeom prst="rect">
+            <a:avLst/>
+          </a:prstGeom>
+        </p:spPr>
+      </p:pic>
+      <p:sp>
+        <p:nvSpPr>
+          <p:cNvPr id="3" name="文本框 2"/>
+          <p:cNvSpPr txBox="1"/>
+          <p:nvPr/>
+        </p:nvSpPr>
+        <p:spPr>
+          <a:xfrm>
+            <a:off x="1222309" y="578498"/>
+            <a:ext cx="3575787" cy="369332"/>
+          </a:xfrm>
+          <a:prstGeom prst="rect">
+            <a:avLst/>
+          </a:prstGeom>
+          <a:noFill/>
+        </p:spPr>
+        <p:txBody>
+          <a:bodyPr wrap="none" rtlCol="0">
+            <a:spAutoFit/>
+          </a:bodyPr>
+          <a:lstStyle/>
+          <a:p>
+            <a:r>
+              <a:rPr lang="en-US" altLang="zh-CN" smtClean="0"/>
+              <a:t>MapOutputTracker</a:t>
+            </a:r>
+            <a:r>
+              <a:rPr lang="zh-CN" altLang="en-US" smtClean="0"/>
+              <a:t>两个子类实现：</a:t>
+            </a:r>
+            <a:endParaRPr lang="zh-CN" altLang="en-US"/>
+          </a:p>
+        </p:txBody>
+      </p:sp>
     </p:spTree>
     <p:extLst>
       <p:ext uri="{BB962C8B-B14F-4D97-AF65-F5344CB8AC3E}">
@@ -17779,6 +18332,353 @@
           <a:chExt cx="0" cy="0"/>
         </a:xfrm>
       </p:grpSpPr>
+      <p:sp>
+        <p:nvSpPr>
+          <p:cNvPr id="2" name="文本框 1"/>
+          <p:cNvSpPr txBox="1"/>
+          <p:nvPr/>
+        </p:nvSpPr>
+        <p:spPr>
+          <a:xfrm>
+            <a:off x="121298" y="130629"/>
+            <a:ext cx="11849878" cy="5632311"/>
+          </a:xfrm>
+          <a:prstGeom prst="rect">
+            <a:avLst/>
+          </a:prstGeom>
+          <a:noFill/>
+        </p:spPr>
+        <p:txBody>
+          <a:bodyPr wrap="square" rtlCol="0">
+            <a:spAutoFit/>
+          </a:bodyPr>
+          <a:lstStyle/>
+          <a:p>
+            <a:endParaRPr lang="en-US" altLang="zh-CN" smtClean="0"/>
+          </a:p>
+          <a:p>
+            <a:r>
+              <a:rPr lang="en-US" altLang="zh-CN" smtClean="0"/>
+              <a:t>RpcEnv</a:t>
+            </a:r>
+            <a:r>
+              <a:rPr lang="zh-CN" altLang="en-US" smtClean="0"/>
+              <a:t>和</a:t>
+            </a:r>
+            <a:r>
+              <a:rPr lang="en-US" altLang="zh-CN" smtClean="0"/>
+              <a:t>SparkEnv</a:t>
+            </a:r>
+            <a:r>
+              <a:rPr lang="zh-CN" altLang="en-US" smtClean="0"/>
+              <a:t>的区别：</a:t>
+            </a:r>
+            <a:endParaRPr lang="en-US" altLang="zh-CN" smtClean="0"/>
+          </a:p>
+          <a:p>
+            <a:endParaRPr lang="en-US" altLang="zh-CN" smtClean="0"/>
+          </a:p>
+          <a:p>
+            <a:r>
+              <a:rPr lang="en-US" altLang="zh-CN" smtClean="0"/>
+              <a:t>1</a:t>
+            </a:r>
+            <a:r>
+              <a:rPr lang="zh-CN" altLang="en-US" smtClean="0"/>
+              <a:t>：</a:t>
+            </a:r>
+            <a:r>
+              <a:rPr lang="en-US" altLang="zh-CN"/>
+              <a:t> </a:t>
+            </a:r>
+            <a:r>
+              <a:rPr lang="en-US" altLang="zh-CN" smtClean="0"/>
+              <a:t>RpcEnv</a:t>
+            </a:r>
+            <a:r>
+              <a:rPr lang="zh-CN" altLang="en-US"/>
+              <a:t>是</a:t>
+            </a:r>
+            <a:r>
+              <a:rPr lang="zh-CN" altLang="en-US"/>
+              <a:t>一</a:t>
+            </a:r>
+            <a:r>
+              <a:rPr lang="zh-CN" altLang="en-US" smtClean="0"/>
+              <a:t>个更宏观的</a:t>
+            </a:r>
+            <a:r>
+              <a:rPr lang="en-US" altLang="zh-CN" smtClean="0"/>
+              <a:t>Env</a:t>
+            </a:r>
+            <a:r>
+              <a:rPr lang="zh-CN" altLang="en-US" smtClean="0"/>
+              <a:t>，是</a:t>
+            </a:r>
+            <a:r>
+              <a:rPr lang="en-US" altLang="zh-CN" smtClean="0"/>
+              <a:t>Spark</a:t>
+            </a:r>
+            <a:r>
+              <a:rPr lang="zh-CN" altLang="en-US" smtClean="0"/>
+              <a:t>集群</a:t>
+            </a:r>
+            <a:r>
+              <a:rPr lang="en-US" altLang="zh-CN" smtClean="0"/>
+              <a:t>Rpc</a:t>
+            </a:r>
+            <a:r>
+              <a:rPr lang="zh-CN" altLang="en-US" smtClean="0"/>
+              <a:t>通信的基础服务环境。</a:t>
+            </a:r>
+            <a:r>
+              <a:rPr lang="en-US" altLang="zh-CN"/>
+              <a:t> </a:t>
+            </a:r>
+            <a:r>
+              <a:rPr lang="zh-CN" altLang="en-US"/>
+              <a:t>每一个</a:t>
+            </a:r>
+            <a:r>
+              <a:rPr lang="en-US" altLang="zh-CN"/>
+              <a:t>RpcEndPoint</a:t>
+            </a:r>
+            <a:r>
+              <a:rPr lang="zh-CN" altLang="en-US"/>
+              <a:t>都有自己的</a:t>
+            </a:r>
+            <a:r>
+              <a:rPr lang="en-US" altLang="zh-CN"/>
+              <a:t>RpcEnv</a:t>
+            </a:r>
+            <a:r>
+              <a:rPr lang="zh-CN" altLang="en-US" smtClean="0"/>
+              <a:t>。因此在集群启动时候，所有的节点</a:t>
+            </a:r>
+            <a:r>
+              <a:rPr lang="en-US" altLang="zh-CN" smtClean="0"/>
+              <a:t>(</a:t>
+            </a:r>
+            <a:r>
+              <a:rPr lang="zh-CN" altLang="en-US" smtClean="0"/>
+              <a:t>无论</a:t>
+            </a:r>
+            <a:r>
+              <a:rPr lang="en-US" altLang="zh-CN" smtClean="0"/>
+              <a:t>Master</a:t>
+            </a:r>
+            <a:r>
+              <a:rPr lang="zh-CN" altLang="en-US" smtClean="0"/>
+              <a:t>还是</a:t>
+            </a:r>
+            <a:r>
+              <a:rPr lang="en-US" altLang="zh-CN" smtClean="0"/>
+              <a:t>Worker)</a:t>
+            </a:r>
+            <a:r>
+              <a:rPr lang="zh-CN" altLang="en-US"/>
+              <a:t>都会创建一</a:t>
+            </a:r>
+            <a:r>
+              <a:rPr lang="zh-CN" altLang="en-US"/>
+              <a:t>个</a:t>
+            </a:r>
+            <a:r>
+              <a:rPr lang="en-US" altLang="zh-CN" smtClean="0"/>
+              <a:t>RpcEnv</a:t>
+            </a:r>
+            <a:r>
+              <a:rPr lang="zh-CN" altLang="en-US" smtClean="0"/>
+              <a:t>，然后将该节点注册到</a:t>
+            </a:r>
+            <a:r>
+              <a:rPr lang="en-US" altLang="zh-CN" smtClean="0"/>
+              <a:t>RpcEnv</a:t>
+            </a:r>
+            <a:r>
+              <a:rPr lang="zh-CN" altLang="en-US" smtClean="0"/>
+              <a:t>中。</a:t>
+            </a:r>
+            <a:endParaRPr lang="en-US" altLang="zh-CN" smtClean="0"/>
+          </a:p>
+          <a:p>
+            <a:endParaRPr lang="en-US" altLang="zh-CN" smtClean="0"/>
+          </a:p>
+          <a:p>
+            <a:r>
+              <a:rPr lang="en-US" altLang="zh-CN" smtClean="0"/>
+              <a:t>2</a:t>
+            </a:r>
+            <a:r>
+              <a:rPr lang="zh-CN" altLang="en-US" smtClean="0"/>
+              <a:t>：</a:t>
+            </a:r>
+            <a:r>
+              <a:rPr lang="en-US" altLang="zh-CN" smtClean="0"/>
+              <a:t>SparkEnv</a:t>
+            </a:r>
+            <a:r>
+              <a:rPr lang="zh-CN" altLang="en-US" smtClean="0"/>
+              <a:t>简单说其实就是一个</a:t>
+            </a:r>
+            <a:r>
+              <a:rPr lang="en-US" altLang="zh-CN" smtClean="0"/>
+              <a:t>Spark App</a:t>
+            </a:r>
+            <a:r>
+              <a:rPr lang="zh-CN" altLang="en-US" smtClean="0"/>
+              <a:t>的运行环境，</a:t>
+            </a:r>
+            <a:r>
+              <a:rPr lang="en-US" altLang="zh-CN" smtClean="0"/>
+              <a:t>SparkEnv</a:t>
+            </a:r>
+            <a:r>
+              <a:rPr lang="zh-CN" altLang="en-US" smtClean="0"/>
+              <a:t>中包含一系列的成员，例如：序列化器，</a:t>
+            </a:r>
+            <a:r>
+              <a:rPr lang="en-US" altLang="zh-CN" smtClean="0"/>
+              <a:t>RpcEnv</a:t>
+            </a:r>
+            <a:r>
+              <a:rPr lang="zh-CN" altLang="en-US" smtClean="0"/>
+              <a:t>，</a:t>
+            </a:r>
+            <a:r>
+              <a:rPr lang="en-US" altLang="zh-CN" smtClean="0"/>
+              <a:t>mapOutputTracker</a:t>
+            </a:r>
+            <a:r>
+              <a:rPr lang="zh-CN" altLang="en-US" smtClean="0"/>
+              <a:t>，</a:t>
+            </a:r>
+            <a:r>
+              <a:rPr lang="en-US" altLang="zh-CN"/>
+              <a:t>shuffleManager</a:t>
+            </a:r>
+            <a:r>
+              <a:rPr lang="zh-CN" altLang="en-US"/>
+              <a:t>，</a:t>
+            </a:r>
+            <a:r>
+              <a:rPr lang="en-US" altLang="zh-CN"/>
+              <a:t>broadcastManager</a:t>
+            </a:r>
+            <a:r>
+              <a:rPr lang="zh-CN" altLang="en-US"/>
+              <a:t>等。存在一个</a:t>
+            </a:r>
+            <a:r>
+              <a:rPr lang="en-US" altLang="zh-CN"/>
+              <a:t>RpcEnv</a:t>
+            </a:r>
+            <a:r>
+              <a:rPr lang="zh-CN" altLang="en-US"/>
+              <a:t>成员的原因是：该</a:t>
+            </a:r>
+            <a:r>
+              <a:rPr lang="en-US" altLang="zh-CN"/>
+              <a:t>rpcEnv</a:t>
+            </a:r>
+            <a:r>
+              <a:rPr lang="zh-CN" altLang="en-US"/>
+              <a:t>是</a:t>
+            </a:r>
+            <a:r>
+              <a:rPr lang="en-US" altLang="zh-CN"/>
+              <a:t>Driver</a:t>
+            </a:r>
+            <a:r>
+              <a:rPr lang="zh-CN" altLang="en-US"/>
+              <a:t>的环境，因为</a:t>
+            </a:r>
+            <a:r>
+              <a:rPr lang="en-US" altLang="zh-CN"/>
+              <a:t>Driver</a:t>
+            </a:r>
+            <a:r>
+              <a:rPr lang="zh-CN" altLang="en-US"/>
+              <a:t>也</a:t>
+            </a:r>
+            <a:r>
+              <a:rPr lang="zh-CN" altLang="en-US"/>
+              <a:t>需要和节点进行通信。在提交一个作业之后，在初始化</a:t>
+            </a:r>
+            <a:r>
+              <a:rPr lang="en-US" altLang="zh-CN"/>
+              <a:t>SparkContext</a:t>
+            </a:r>
+            <a:r>
+              <a:rPr lang="zh-CN" altLang="en-US"/>
+              <a:t>时候会创建</a:t>
+            </a:r>
+            <a:r>
+              <a:rPr lang="en-US" altLang="zh-CN"/>
+              <a:t>SparkEnv</a:t>
+            </a:r>
+            <a:r>
+              <a:rPr lang="zh-CN" altLang="en-US"/>
+              <a:t>。</a:t>
+            </a:r>
+            <a:r>
+              <a:rPr lang="en-US" altLang="zh-CN"/>
+              <a:t> SparkEnv</a:t>
+            </a:r>
+            <a:r>
+              <a:rPr lang="zh-CN" altLang="en-US"/>
+              <a:t>其实就是</a:t>
+            </a:r>
+            <a:r>
+              <a:rPr lang="en-US" altLang="zh-CN"/>
+              <a:t>Driver</a:t>
+            </a:r>
+            <a:r>
+              <a:rPr lang="zh-CN" altLang="en-US"/>
+              <a:t>的</a:t>
+            </a:r>
+            <a:r>
+              <a:rPr lang="en-US" altLang="zh-CN"/>
+              <a:t>RpcEnv</a:t>
+            </a:r>
+            <a:r>
+              <a:rPr lang="zh-CN" altLang="en-US"/>
+              <a:t>环境！</a:t>
+            </a:r>
+            <a:endParaRPr lang="zh-CN" altLang="en-US"/>
+          </a:p>
+          <a:p>
+            <a:endParaRPr lang="en-US" altLang="zh-CN"/>
+          </a:p>
+          <a:p>
+            <a:endParaRPr lang="en-US" altLang="zh-CN"/>
+          </a:p>
+          <a:p>
+            <a:endParaRPr lang="en-US" altLang="zh-CN"/>
+          </a:p>
+          <a:p>
+            <a:endParaRPr lang="en-US" altLang="zh-CN" smtClean="0"/>
+          </a:p>
+          <a:p>
+            <a:endParaRPr lang="en-US" altLang="zh-CN"/>
+          </a:p>
+          <a:p>
+            <a:endParaRPr lang="en-US" altLang="zh-CN" smtClean="0"/>
+          </a:p>
+          <a:p>
+            <a:endParaRPr lang="en-US" altLang="zh-CN"/>
+          </a:p>
+          <a:p>
+            <a:endParaRPr lang="en-US" altLang="zh-CN" smtClean="0"/>
+          </a:p>
+          <a:p>
+            <a:endParaRPr lang="en-US" altLang="zh-CN"/>
+          </a:p>
+          <a:p>
+            <a:endParaRPr lang="zh-CN" altLang="en-US"/>
+          </a:p>
+        </p:txBody>
+      </p:sp>
     </p:spTree>
     <p:extLst>
       <p:ext uri="{BB962C8B-B14F-4D97-AF65-F5344CB8AC3E}">
@@ -17809,10 +18709,2280 @@
           <a:chExt cx="0" cy="0"/>
         </a:xfrm>
       </p:grpSpPr>
+      <p:pic>
+        <p:nvPicPr>
+          <p:cNvPr id="2" name="图片 1"/>
+          <p:cNvPicPr>
+            <a:picLocks noChangeAspect="1"/>
+          </p:cNvPicPr>
+          <p:nvPr/>
+        </p:nvPicPr>
+        <p:blipFill>
+          <a:blip r:embed="rId2"/>
+          <a:stretch>
+            <a:fillRect/>
+          </a:stretch>
+        </p:blipFill>
+        <p:spPr>
+          <a:xfrm>
+            <a:off x="485191" y="1358225"/>
+            <a:ext cx="11194727" cy="2192412"/>
+          </a:xfrm>
+          <a:prstGeom prst="rect">
+            <a:avLst/>
+          </a:prstGeom>
+        </p:spPr>
+      </p:pic>
+      <p:sp>
+        <p:nvSpPr>
+          <p:cNvPr id="3" name="文本框 2"/>
+          <p:cNvSpPr txBox="1"/>
+          <p:nvPr/>
+        </p:nvSpPr>
+        <p:spPr>
+          <a:xfrm>
+            <a:off x="2192694" y="391886"/>
+            <a:ext cx="2673745" cy="369332"/>
+          </a:xfrm>
+          <a:prstGeom prst="rect">
+            <a:avLst/>
+          </a:prstGeom>
+          <a:noFill/>
+        </p:spPr>
+        <p:txBody>
+          <a:bodyPr wrap="none" rtlCol="0">
+            <a:spAutoFit/>
+          </a:bodyPr>
+          <a:lstStyle/>
+          <a:p>
+            <a:r>
+              <a:rPr lang="en-US" altLang="zh-CN" smtClean="0"/>
+              <a:t>TaskScheduler</a:t>
+            </a:r>
+            <a:r>
+              <a:rPr lang="zh-CN" altLang="en-US" smtClean="0"/>
+              <a:t>提交</a:t>
+            </a:r>
+            <a:r>
+              <a:rPr lang="en-US" altLang="zh-CN" smtClean="0"/>
+              <a:t>TaskSet</a:t>
+            </a:r>
+            <a:endParaRPr lang="zh-CN" altLang="en-US"/>
+          </a:p>
+        </p:txBody>
+      </p:sp>
     </p:spTree>
     <p:extLst>
       <p:ext uri="{BB962C8B-B14F-4D97-AF65-F5344CB8AC3E}">
         <p14:creationId xmlns:p14="http://schemas.microsoft.com/office/powerpoint/2010/main" val="1032041145"/>
+      </p:ext>
+    </p:extLst>
+  </p:cSld>
+  <p:clrMapOvr>
+    <a:masterClrMapping/>
+  </p:clrMapOvr>
+</p:sld>
+</file>
+
+<file path=ppt/slides/slide43.xml><?xml version="1.0" encoding="utf-8"?>
+<p:sld xmlns:a="http://schemas.openxmlformats.org/drawingml/2006/main" xmlns:r="http://schemas.openxmlformats.org/officeDocument/2006/relationships" xmlns:p="http://schemas.openxmlformats.org/presentationml/2006/main">
+  <p:cSld>
+    <p:spTree>
+      <p:nvGrpSpPr>
+        <p:cNvPr id="1" name=""/>
+        <p:cNvGrpSpPr/>
+        <p:nvPr/>
+      </p:nvGrpSpPr>
+      <p:grpSpPr>
+        <a:xfrm>
+          <a:off x="0" y="0"/>
+          <a:ext cx="0" cy="0"/>
+          <a:chOff x="0" y="0"/>
+          <a:chExt cx="0" cy="0"/>
+        </a:xfrm>
+      </p:grpSpPr>
+      <p:sp>
+        <p:nvSpPr>
+          <p:cNvPr id="4" name="文本框 3"/>
+          <p:cNvSpPr txBox="1"/>
+          <p:nvPr/>
+        </p:nvSpPr>
+        <p:spPr>
+          <a:xfrm>
+            <a:off x="494522" y="606490"/>
+            <a:ext cx="10972800" cy="1200329"/>
+          </a:xfrm>
+          <a:prstGeom prst="rect">
+            <a:avLst/>
+          </a:prstGeom>
+          <a:noFill/>
+        </p:spPr>
+        <p:txBody>
+          <a:bodyPr wrap="square" rtlCol="0">
+            <a:spAutoFit/>
+          </a:bodyPr>
+          <a:lstStyle/>
+          <a:p>
+            <a:r>
+              <a:rPr lang="zh-CN" altLang="en-US" smtClean="0"/>
+              <a:t>作业提交流程：</a:t>
+            </a:r>
+            <a:endParaRPr lang="en-US" altLang="zh-CN" smtClean="0"/>
+          </a:p>
+          <a:p>
+            <a:r>
+              <a:rPr lang="zh-CN" altLang="en-US" smtClean="0"/>
+              <a:t>提交作业之后</a:t>
+            </a:r>
+            <a:r>
+              <a:rPr lang="en-US" altLang="zh-CN" smtClean="0"/>
+              <a:t>(</a:t>
+            </a:r>
+            <a:r>
+              <a:rPr lang="zh-CN" altLang="en-US" smtClean="0"/>
+              <a:t>省略</a:t>
+            </a:r>
+            <a:r>
+              <a:rPr lang="en-US" altLang="zh-CN" smtClean="0"/>
+              <a:t>SparkSubmit</a:t>
+            </a:r>
+            <a:r>
+              <a:rPr lang="zh-CN" altLang="en-US" smtClean="0"/>
+              <a:t>的分析不走</a:t>
+            </a:r>
+            <a:r>
+              <a:rPr lang="en-US" altLang="zh-CN" smtClean="0"/>
+              <a:t>)</a:t>
+            </a:r>
+            <a:r>
+              <a:rPr lang="zh-CN" altLang="en-US" smtClean="0"/>
+              <a:t> </a:t>
+            </a:r>
+            <a:r>
+              <a:rPr lang="en-US" altLang="zh-CN" smtClean="0"/>
+              <a:t>-&gt; </a:t>
+            </a:r>
+            <a:r>
+              <a:rPr lang="zh-CN" altLang="en-US" smtClean="0"/>
+              <a:t>反射创建</a:t>
+            </a:r>
+            <a:r>
+              <a:rPr lang="en-US" altLang="zh-CN" smtClean="0"/>
+              <a:t>mainClass </a:t>
+            </a:r>
+            <a:r>
+              <a:rPr lang="zh-CN" altLang="en-US"/>
+              <a:t> </a:t>
+            </a:r>
+            <a:r>
+              <a:rPr lang="en-US" altLang="zh-CN" smtClean="0"/>
+              <a:t>-&gt;</a:t>
+            </a:r>
+            <a:r>
+              <a:rPr lang="zh-CN" altLang="en-US" smtClean="0"/>
+              <a:t> 初始化</a:t>
+            </a:r>
+            <a:r>
+              <a:rPr lang="en-US" altLang="zh-CN" smtClean="0"/>
+              <a:t>SparkContext </a:t>
+            </a:r>
+            <a:r>
+              <a:rPr lang="zh-CN" altLang="en-US"/>
+              <a:t> </a:t>
+            </a:r>
+            <a:r>
+              <a:rPr lang="en-US" altLang="zh-CN" smtClean="0"/>
+              <a:t>-&gt;</a:t>
+            </a:r>
+            <a:r>
+              <a:rPr lang="zh-CN" altLang="en-US" smtClean="0"/>
+              <a:t> 使用</a:t>
+            </a:r>
+            <a:r>
+              <a:rPr lang="en-US" altLang="zh-CN" smtClean="0"/>
+              <a:t>sparkContext</a:t>
+            </a:r>
+            <a:r>
+              <a:rPr lang="zh-CN" altLang="en-US" smtClean="0"/>
+              <a:t>创建</a:t>
+            </a:r>
+            <a:r>
+              <a:rPr lang="en-US" altLang="zh-CN" smtClean="0"/>
+              <a:t>RDD</a:t>
+            </a:r>
+            <a:r>
+              <a:rPr lang="zh-CN" altLang="en-US"/>
+              <a:t> </a:t>
+            </a:r>
+            <a:r>
+              <a:rPr lang="en-US" altLang="zh-CN"/>
+              <a:t>-&gt;</a:t>
+            </a:r>
+            <a:r>
+              <a:rPr lang="zh-CN" altLang="en-US"/>
+              <a:t> </a:t>
+            </a:r>
+            <a:r>
+              <a:rPr lang="zh-CN" altLang="en-US" smtClean="0"/>
+              <a:t>执行</a:t>
+            </a:r>
+            <a:r>
+              <a:rPr lang="en-US" altLang="zh-CN" smtClean="0"/>
+              <a:t>count</a:t>
+            </a:r>
+            <a:r>
+              <a:rPr lang="zh-CN" altLang="en-US" smtClean="0"/>
+              <a:t>算子</a:t>
+            </a:r>
+            <a:r>
+              <a:rPr lang="en-US" altLang="zh-CN" smtClean="0"/>
+              <a:t>runJob(runJob</a:t>
+            </a:r>
+            <a:r>
+              <a:rPr lang="zh-CN" altLang="en-US" smtClean="0"/>
+              <a:t>是</a:t>
+            </a:r>
+            <a:r>
+              <a:rPr lang="en-US" altLang="zh-CN" smtClean="0"/>
+              <a:t>SparkContext</a:t>
+            </a:r>
+            <a:r>
+              <a:rPr lang="zh-CN" altLang="en-US" smtClean="0"/>
+              <a:t>中的</a:t>
+            </a:r>
+            <a:r>
+              <a:rPr lang="en-US" altLang="zh-CN" smtClean="0"/>
+              <a:t>)</a:t>
+            </a:r>
+            <a:r>
+              <a:rPr lang="zh-CN" altLang="en-US" smtClean="0"/>
+              <a:t>方法触发作业 </a:t>
+            </a:r>
+            <a:r>
+              <a:rPr lang="en-US" altLang="zh-CN" smtClean="0"/>
+              <a:t>-&gt; </a:t>
+            </a:r>
+            <a:r>
+              <a:rPr lang="zh-CN" altLang="en-US" smtClean="0"/>
+              <a:t>调用</a:t>
+            </a:r>
+            <a:r>
+              <a:rPr lang="en-US" altLang="zh-CN" smtClean="0"/>
+              <a:t>sparkContext</a:t>
+            </a:r>
+            <a:r>
+              <a:rPr lang="zh-CN" altLang="en-US" smtClean="0"/>
+              <a:t>中</a:t>
+            </a:r>
+            <a:r>
+              <a:rPr lang="en-US" altLang="zh-CN" smtClean="0"/>
+              <a:t>dagScheduler</a:t>
+            </a:r>
+            <a:r>
+              <a:rPr lang="zh-CN" altLang="en-US" smtClean="0"/>
+              <a:t>的</a:t>
+            </a:r>
+            <a:r>
+              <a:rPr lang="en-US" altLang="zh-CN" smtClean="0"/>
+              <a:t>runJob</a:t>
+            </a:r>
+            <a:r>
+              <a:rPr lang="zh-CN" altLang="en-US" smtClean="0"/>
+              <a:t>方法</a:t>
+            </a:r>
+            <a:r>
+              <a:rPr lang="en-US" altLang="zh-CN"/>
+              <a:t>-&gt; </a:t>
+            </a:r>
+            <a:r>
+              <a:rPr lang="zh-CN" altLang="en-US" smtClean="0"/>
+              <a:t>调用</a:t>
+            </a:r>
+            <a:r>
+              <a:rPr lang="en-US" altLang="zh-CN"/>
+              <a:t>dagScheduler</a:t>
+            </a:r>
+            <a:r>
+              <a:rPr lang="zh-CN" altLang="en-US" smtClean="0"/>
+              <a:t>的</a:t>
+            </a:r>
+            <a:r>
+              <a:rPr lang="en-US" altLang="zh-CN" smtClean="0"/>
+              <a:t>submitJob</a:t>
+            </a:r>
+            <a:r>
+              <a:rPr lang="zh-CN" altLang="en-US" smtClean="0"/>
+              <a:t>方法完成提交，返回一个</a:t>
+            </a:r>
+            <a:r>
+              <a:rPr lang="en-US" altLang="zh-CN" smtClean="0"/>
+              <a:t>waiter</a:t>
+            </a:r>
+            <a:r>
+              <a:rPr lang="zh-CN" altLang="en-US" smtClean="0"/>
+              <a:t>对象！</a:t>
+            </a:r>
+            <a:endParaRPr lang="zh-CN" altLang="en-US"/>
+          </a:p>
+        </p:txBody>
+      </p:sp>
+      <p:sp>
+        <p:nvSpPr>
+          <p:cNvPr id="5" name="文本框 4"/>
+          <p:cNvSpPr txBox="1"/>
+          <p:nvPr/>
+        </p:nvSpPr>
+        <p:spPr>
+          <a:xfrm>
+            <a:off x="279918" y="1987421"/>
+            <a:ext cx="10926147" cy="6463308"/>
+          </a:xfrm>
+          <a:prstGeom prst="rect">
+            <a:avLst/>
+          </a:prstGeom>
+          <a:noFill/>
+        </p:spPr>
+        <p:txBody>
+          <a:bodyPr wrap="square" rtlCol="0">
+            <a:spAutoFit/>
+          </a:bodyPr>
+          <a:lstStyle/>
+          <a:p>
+            <a:r>
+              <a:rPr lang="zh-CN" altLang="en-US"/>
+              <a:t>接下来查看一下</a:t>
+            </a:r>
+            <a:r>
+              <a:rPr lang="en-US" altLang="zh-CN"/>
+              <a:t>dagScheduler</a:t>
+            </a:r>
+            <a:r>
+              <a:rPr lang="zh-CN" altLang="en-US"/>
+              <a:t>的</a:t>
+            </a:r>
+            <a:r>
+              <a:rPr lang="en-US" altLang="zh-CN"/>
+              <a:t>submitJob</a:t>
+            </a:r>
+            <a:r>
+              <a:rPr lang="zh-CN" altLang="en-US"/>
+              <a:t>方法做了什么：</a:t>
+            </a:r>
+            <a:endParaRPr lang="en-US" altLang="zh-CN"/>
+          </a:p>
+          <a:p>
+            <a:r>
+              <a:rPr lang="en-US" altLang="zh-CN"/>
+              <a:t>dagScheduler</a:t>
+            </a:r>
+            <a:r>
+              <a:rPr lang="zh-CN" altLang="en-US"/>
+              <a:t>的</a:t>
+            </a:r>
+            <a:r>
+              <a:rPr lang="en-US" altLang="zh-CN"/>
+              <a:t>submitJob</a:t>
+            </a:r>
+            <a:r>
+              <a:rPr lang="zh-CN" altLang="en-US"/>
+              <a:t>方法中给</a:t>
+            </a:r>
+            <a:r>
+              <a:rPr lang="en-US" altLang="zh-CN"/>
+              <a:t>eventProcessLoop</a:t>
+            </a:r>
+            <a:r>
+              <a:rPr lang="zh-CN" altLang="en-US"/>
+              <a:t>发送</a:t>
+            </a:r>
+            <a:r>
+              <a:rPr lang="en-US" altLang="zh-CN"/>
+              <a:t>JobSubmitted</a:t>
+            </a:r>
+            <a:r>
+              <a:rPr lang="zh-CN" altLang="en-US"/>
+              <a:t>消息</a:t>
+            </a:r>
+            <a:r>
+              <a:rPr lang="en-US" altLang="zh-CN"/>
+              <a:t>(eventProcessLoop</a:t>
+            </a:r>
+            <a:r>
+              <a:rPr lang="zh-CN" altLang="en-US"/>
+              <a:t>是</a:t>
+            </a:r>
+            <a:r>
+              <a:rPr lang="en-US" altLang="zh-CN"/>
+              <a:t>dagScheduler</a:t>
+            </a:r>
+            <a:r>
+              <a:rPr lang="zh-CN" altLang="en-US"/>
+              <a:t>的一个消息处理器</a:t>
+            </a:r>
+            <a:r>
+              <a:rPr lang="en-US" altLang="zh-CN"/>
+              <a:t>)</a:t>
+            </a:r>
+            <a:r>
+              <a:rPr lang="zh-CN" altLang="en-US"/>
+              <a:t>  </a:t>
+            </a:r>
+            <a:r>
+              <a:rPr lang="en-US" altLang="zh-CN"/>
+              <a:t>-&gt;</a:t>
+            </a:r>
+            <a:r>
+              <a:rPr lang="zh-CN" altLang="en-US"/>
+              <a:t>在</a:t>
+            </a:r>
+            <a:r>
+              <a:rPr lang="en-US" altLang="zh-CN"/>
+              <a:t>eventProcessLoop</a:t>
+            </a:r>
+            <a:r>
+              <a:rPr lang="zh-CN" altLang="en-US"/>
+              <a:t>中将</a:t>
+            </a:r>
+            <a:r>
+              <a:rPr lang="en-US" altLang="zh-CN"/>
+              <a:t>JobSubmitted</a:t>
+            </a:r>
+            <a:r>
+              <a:rPr lang="zh-CN" altLang="en-US"/>
+              <a:t>消息转发给</a:t>
+            </a:r>
+            <a:r>
+              <a:rPr lang="en-US" altLang="zh-CN"/>
+              <a:t>dagScheduler</a:t>
+            </a:r>
+            <a:r>
+              <a:rPr lang="zh-CN" altLang="en-US"/>
+              <a:t>的</a:t>
+            </a:r>
+            <a:r>
+              <a:rPr lang="en-US" altLang="zh-CN"/>
+              <a:t>doOnReceive</a:t>
+            </a:r>
+            <a:r>
+              <a:rPr lang="zh-CN" altLang="en-US"/>
+              <a:t>方法进行模式匹配处理 </a:t>
+            </a:r>
+            <a:r>
+              <a:rPr lang="en-US" altLang="zh-CN"/>
+              <a:t>-&gt; </a:t>
+            </a:r>
+            <a:r>
+              <a:rPr lang="zh-CN" altLang="en-US"/>
+              <a:t> 调用</a:t>
+            </a:r>
+            <a:r>
+              <a:rPr lang="en-US" altLang="zh-CN"/>
+              <a:t>dagScheduler</a:t>
+            </a:r>
+            <a:r>
+              <a:rPr lang="zh-CN" altLang="en-US"/>
+              <a:t>的</a:t>
+            </a:r>
+            <a:r>
+              <a:rPr lang="en-US" altLang="zh-CN"/>
+              <a:t>handleJobSubmitted</a:t>
+            </a:r>
+            <a:r>
+              <a:rPr lang="zh-CN" altLang="en-US"/>
+              <a:t>方法</a:t>
+            </a:r>
+            <a:r>
+              <a:rPr lang="en-US" altLang="zh-CN"/>
+              <a:t>(</a:t>
+            </a:r>
+            <a:r>
+              <a:rPr lang="zh-CN" altLang="en-US"/>
+              <a:t>在</a:t>
+            </a:r>
+            <a:r>
+              <a:rPr lang="en-US" altLang="zh-CN"/>
+              <a:t>handleJobSubmitted</a:t>
+            </a:r>
+            <a:r>
+              <a:rPr lang="zh-CN" altLang="en-US"/>
+              <a:t>方法中完成</a:t>
+            </a:r>
+            <a:r>
+              <a:rPr lang="en-US" altLang="zh-CN"/>
+              <a:t>Stage</a:t>
+            </a:r>
+            <a:r>
+              <a:rPr lang="zh-CN" altLang="en-US"/>
+              <a:t>的划分</a:t>
+            </a:r>
+            <a:r>
+              <a:rPr lang="en-US" altLang="zh-CN"/>
+              <a:t>) -&gt;</a:t>
+            </a:r>
+          </a:p>
+          <a:p>
+            <a:r>
+              <a:rPr lang="zh-CN" altLang="en-US"/>
+              <a:t>调用</a:t>
+            </a:r>
+            <a:r>
+              <a:rPr lang="en-US" altLang="zh-CN"/>
+              <a:t>dagScheduler</a:t>
+            </a:r>
+            <a:r>
+              <a:rPr lang="zh-CN" altLang="en-US"/>
+              <a:t>的</a:t>
+            </a:r>
+            <a:r>
+              <a:rPr lang="en-US" altLang="zh-CN"/>
+              <a:t>submitMissingTasks</a:t>
+            </a:r>
+            <a:r>
+              <a:rPr lang="zh-CN" altLang="en-US"/>
+              <a:t>或</a:t>
+            </a:r>
+            <a:r>
+              <a:rPr lang="en-US" altLang="zh-CN"/>
+              <a:t>submitStage</a:t>
+            </a:r>
+            <a:r>
+              <a:rPr lang="zh-CN" altLang="en-US"/>
+              <a:t>方法提交</a:t>
+            </a:r>
+            <a:r>
+              <a:rPr lang="en-US" altLang="zh-CN"/>
+              <a:t>Stage(submitMissingTasks</a:t>
+            </a:r>
+            <a:r>
+              <a:rPr lang="zh-CN" altLang="en-US"/>
+              <a:t>和</a:t>
+            </a:r>
+            <a:r>
+              <a:rPr lang="en-US" altLang="zh-CN"/>
+              <a:t>submitStage</a:t>
+            </a:r>
+            <a:r>
+              <a:rPr lang="zh-CN" altLang="en-US"/>
+              <a:t>方法区别：由于递归提交</a:t>
+            </a:r>
+            <a:r>
+              <a:rPr lang="en-US" altLang="zh-CN"/>
+              <a:t>Stage</a:t>
+            </a:r>
+            <a:r>
+              <a:rPr lang="zh-CN" altLang="en-US"/>
+              <a:t>，需要最先提交父</a:t>
+            </a:r>
+            <a:r>
+              <a:rPr lang="en-US" altLang="zh-CN"/>
+              <a:t>Stage</a:t>
+            </a:r>
+            <a:r>
+              <a:rPr lang="zh-CN" altLang="en-US"/>
+              <a:t>，如果当前</a:t>
+            </a:r>
+            <a:r>
+              <a:rPr lang="en-US" altLang="zh-CN"/>
+              <a:t>Stage</a:t>
+            </a:r>
+            <a:r>
+              <a:rPr lang="zh-CN" altLang="en-US"/>
+              <a:t>还有父</a:t>
+            </a:r>
+            <a:r>
+              <a:rPr lang="en-US" altLang="zh-CN"/>
+              <a:t>Stage</a:t>
+            </a:r>
+            <a:r>
+              <a:rPr lang="zh-CN" altLang="en-US"/>
+              <a:t>的话调用</a:t>
+            </a:r>
+            <a:r>
+              <a:rPr lang="en-US" altLang="zh-CN"/>
+              <a:t>submitStage</a:t>
+            </a:r>
+            <a:r>
+              <a:rPr lang="zh-CN" altLang="en-US"/>
+              <a:t>进行递归提交，知道当前</a:t>
+            </a:r>
+            <a:r>
+              <a:rPr lang="en-US" altLang="zh-CN"/>
+              <a:t>Stage</a:t>
+            </a:r>
+            <a:r>
+              <a:rPr lang="zh-CN" altLang="en-US"/>
+              <a:t>没有父</a:t>
+            </a:r>
+            <a:r>
+              <a:rPr lang="en-US" altLang="zh-CN"/>
+              <a:t>Stage</a:t>
+            </a:r>
+            <a:r>
+              <a:rPr lang="zh-CN" altLang="en-US"/>
+              <a:t>时候调用</a:t>
+            </a:r>
+            <a:r>
+              <a:rPr lang="en-US" altLang="zh-CN"/>
+              <a:t>submitMissingTasks</a:t>
+            </a:r>
+            <a:r>
+              <a:rPr lang="zh-CN" altLang="en-US"/>
+              <a:t>提交</a:t>
+            </a:r>
+            <a:r>
+              <a:rPr lang="en-US" altLang="zh-CN"/>
+              <a:t>) -&gt; </a:t>
+            </a:r>
+            <a:r>
+              <a:rPr lang="zh-CN" altLang="en-US"/>
+              <a:t>在</a:t>
+            </a:r>
+            <a:r>
+              <a:rPr lang="en-US" altLang="zh-CN"/>
+              <a:t>submitMissingTasks</a:t>
+            </a:r>
+            <a:r>
+              <a:rPr lang="zh-CN" altLang="en-US"/>
+              <a:t>中将</a:t>
+            </a:r>
+            <a:r>
+              <a:rPr lang="en-US" altLang="zh-CN"/>
+              <a:t>Stage</a:t>
+            </a:r>
+            <a:r>
+              <a:rPr lang="zh-CN" altLang="en-US"/>
+              <a:t>信息广播出去</a:t>
+            </a:r>
+            <a:r>
+              <a:rPr lang="en-US" altLang="zh-CN"/>
+              <a:t>(Stage</a:t>
+            </a:r>
+            <a:r>
+              <a:rPr lang="zh-CN" altLang="en-US"/>
+              <a:t>信息主要是：</a:t>
+            </a:r>
+            <a:r>
+              <a:rPr lang="en-US" altLang="zh-CN"/>
+              <a:t>Satge</a:t>
+            </a:r>
+            <a:r>
+              <a:rPr lang="zh-CN" altLang="en-US"/>
+              <a:t>的</a:t>
+            </a:r>
+            <a:r>
+              <a:rPr lang="en-US" altLang="zh-CN"/>
+              <a:t>RDD</a:t>
+            </a:r>
+            <a:r>
+              <a:rPr lang="zh-CN" altLang="en-US"/>
+              <a:t>信息</a:t>
+            </a:r>
+            <a:r>
+              <a:rPr lang="en-US" altLang="zh-CN"/>
+              <a:t>)</a:t>
+            </a:r>
+            <a:r>
+              <a:rPr lang="zh-CN" altLang="en-US"/>
+              <a:t>，然后将</a:t>
+            </a:r>
+            <a:r>
+              <a:rPr lang="en-US" altLang="zh-CN"/>
+              <a:t>Stage</a:t>
+            </a:r>
+            <a:r>
+              <a:rPr lang="zh-CN" altLang="en-US"/>
+              <a:t>序列化为</a:t>
+            </a:r>
+            <a:r>
+              <a:rPr lang="en-US" altLang="zh-CN"/>
+              <a:t>Task(</a:t>
+            </a:r>
+            <a:r>
+              <a:rPr lang="zh-CN" altLang="en-US"/>
+              <a:t>这里面有两种</a:t>
+            </a:r>
+            <a:r>
+              <a:rPr lang="en-US" altLang="zh-CN"/>
+              <a:t>Stage</a:t>
+            </a:r>
+            <a:r>
+              <a:rPr lang="zh-CN" altLang="en-US"/>
+              <a:t>分别是</a:t>
+            </a:r>
+            <a:r>
+              <a:rPr lang="en-US" altLang="zh-CN"/>
+              <a:t>ShuffleMapStage</a:t>
+            </a:r>
+            <a:r>
+              <a:rPr lang="zh-CN" altLang="en-US"/>
+              <a:t>和</a:t>
+            </a:r>
+            <a:r>
+              <a:rPr lang="en-US" altLang="zh-CN"/>
+              <a:t>ResultStage</a:t>
+            </a:r>
+            <a:r>
+              <a:rPr lang="zh-CN" altLang="en-US"/>
+              <a:t>，</a:t>
+            </a:r>
+            <a:r>
+              <a:rPr lang="en-US" altLang="zh-CN"/>
+              <a:t>Task</a:t>
+            </a:r>
+            <a:r>
+              <a:rPr lang="zh-CN" altLang="en-US"/>
+              <a:t>也是两种</a:t>
+            </a:r>
+            <a:r>
+              <a:rPr lang="en-US" altLang="zh-CN"/>
+              <a:t>ShuffleMapTask</a:t>
+            </a:r>
+            <a:r>
+              <a:rPr lang="zh-CN" altLang="en-US"/>
+              <a:t>和</a:t>
+            </a:r>
+            <a:r>
+              <a:rPr lang="en-US" altLang="zh-CN"/>
+              <a:t>ResultTask) -&gt; </a:t>
+            </a:r>
+            <a:r>
+              <a:rPr lang="zh-CN" altLang="en-US"/>
+              <a:t>调用</a:t>
+            </a:r>
+            <a:r>
+              <a:rPr lang="en-US" altLang="zh-CN"/>
+              <a:t>TaskScheduler(</a:t>
+            </a:r>
+            <a:r>
+              <a:rPr lang="zh-CN" altLang="en-US"/>
+              <a:t>实现类一般是</a:t>
+            </a:r>
+            <a:r>
+              <a:rPr lang="en-US" altLang="zh-CN"/>
+              <a:t>TaskSchedulerImpl)</a:t>
+            </a:r>
+            <a:r>
+              <a:rPr lang="zh-CN" altLang="en-US"/>
+              <a:t>的</a:t>
+            </a:r>
+            <a:r>
+              <a:rPr lang="en-US" altLang="zh-CN"/>
+              <a:t>submitTasks</a:t>
+            </a:r>
+            <a:r>
+              <a:rPr lang="zh-CN" altLang="en-US"/>
+              <a:t>方法为序列化好的</a:t>
+            </a:r>
+            <a:r>
+              <a:rPr lang="en-US" altLang="zh-CN"/>
+              <a:t>TaskSet</a:t>
+            </a:r>
+            <a:r>
+              <a:rPr lang="zh-CN" altLang="en-US"/>
+              <a:t>的创建</a:t>
+            </a:r>
+            <a:r>
+              <a:rPr lang="en-US" altLang="zh-CN"/>
+              <a:t>TaskSetManager(TaskSetManager</a:t>
+            </a:r>
+            <a:r>
+              <a:rPr lang="zh-CN" altLang="en-US"/>
+              <a:t>负责调用跟踪</a:t>
+            </a:r>
+            <a:r>
+              <a:rPr lang="en-US" altLang="zh-CN"/>
+              <a:t>Task</a:t>
+            </a:r>
+            <a:r>
+              <a:rPr lang="zh-CN" altLang="en-US"/>
+              <a:t>等</a:t>
+            </a:r>
+            <a:r>
+              <a:rPr lang="en-US" altLang="zh-CN"/>
+              <a:t>)</a:t>
+            </a:r>
+            <a:r>
+              <a:rPr lang="zh-CN" altLang="en-US"/>
+              <a:t>，然后存储到</a:t>
+            </a:r>
+            <a:r>
+              <a:rPr lang="en-US" altLang="zh-CN"/>
+              <a:t>schedulableBuilder(schedulableBuilder</a:t>
+            </a:r>
+            <a:r>
+              <a:rPr lang="zh-CN" altLang="en-US"/>
+              <a:t>是一种资源分配策略</a:t>
+            </a:r>
+            <a:r>
+              <a:rPr lang="en-US" altLang="zh-CN"/>
+              <a:t>, FIFO</a:t>
+            </a:r>
+            <a:r>
+              <a:rPr lang="zh-CN" altLang="en-US"/>
+              <a:t>或</a:t>
+            </a:r>
+            <a:r>
+              <a:rPr lang="en-US" altLang="zh-CN"/>
+              <a:t>FAIR</a:t>
+            </a:r>
+            <a:r>
+              <a:rPr lang="en-US" altLang="zh-CN"/>
+              <a:t>),</a:t>
+            </a:r>
+            <a:r>
+              <a:rPr lang="zh-CN" altLang="en-US"/>
+              <a:t>然后调用</a:t>
+            </a:r>
+            <a:r>
+              <a:rPr lang="en-US" altLang="zh-CN"/>
+              <a:t>backend</a:t>
+            </a:r>
+            <a:r>
+              <a:rPr lang="zh-CN" altLang="en-US"/>
+              <a:t>的</a:t>
+            </a:r>
+            <a:r>
+              <a:rPr lang="en-US" altLang="zh-CN"/>
+              <a:t>reviveOffers</a:t>
+            </a:r>
+            <a:r>
+              <a:rPr lang="zh-CN" altLang="en-US"/>
+              <a:t>方法进行资源分配</a:t>
+            </a:r>
+            <a:r>
+              <a:rPr lang="en-US" altLang="zh-CN"/>
+              <a:t>(</a:t>
+            </a:r>
+            <a:r>
+              <a:rPr lang="en-US" altLang="zh-CN" smtClean="0"/>
+              <a:t>CoarseGra</a:t>
+            </a:r>
+            <a:r>
+              <a:rPr lang="en-US" altLang="zh-CN"/>
+              <a:t>CoarseGrainedSchedulerBackend</a:t>
+            </a:r>
+            <a:r>
+              <a:rPr lang="en-US" altLang="zh-CN" smtClean="0"/>
+              <a:t>inedSchedulerBackend</a:t>
+            </a:r>
+            <a:r>
+              <a:rPr lang="zh-CN" altLang="en-US"/>
+              <a:t>是 </a:t>
+            </a:r>
+            <a:r>
+              <a:rPr lang="en-US" altLang="zh-CN" smtClean="0"/>
+              <a:t>backend</a:t>
+            </a:r>
+            <a:r>
+              <a:rPr lang="zh-CN" altLang="en-US" smtClean="0"/>
+              <a:t>的</a:t>
+            </a:r>
+            <a:r>
+              <a:rPr lang="zh-CN" altLang="en-US"/>
+              <a:t>一</a:t>
+            </a:r>
+            <a:r>
+              <a:rPr lang="zh-CN" altLang="en-US"/>
+              <a:t>种</a:t>
+            </a:r>
+            <a:r>
+              <a:rPr lang="zh-CN" altLang="en-US" smtClean="0"/>
+              <a:t>实现</a:t>
+            </a:r>
+            <a:r>
+              <a:rPr lang="en-US" altLang="zh-CN" smtClean="0"/>
+              <a:t>,</a:t>
+            </a:r>
+            <a:r>
+              <a:rPr lang="zh-CN" altLang="en-US" smtClean="0"/>
+              <a:t>此处以</a:t>
+            </a:r>
+            <a:r>
+              <a:rPr lang="en-US" altLang="zh-CN" smtClean="0"/>
+              <a:t>CoarseGrainedSchedulerBackend</a:t>
+            </a:r>
+            <a:r>
+              <a:rPr lang="zh-CN" altLang="en-US" smtClean="0"/>
+              <a:t>为例分析</a:t>
+            </a:r>
+            <a:r>
+              <a:rPr lang="en-US" altLang="zh-CN" smtClean="0"/>
+              <a:t>) -&gt;</a:t>
+            </a:r>
+            <a:r>
+              <a:rPr lang="zh-CN" altLang="en-US" smtClean="0"/>
+              <a:t>调用的</a:t>
+            </a:r>
+            <a:r>
+              <a:rPr lang="en-US" altLang="zh-CN" smtClean="0"/>
+              <a:t>reviveOffers</a:t>
+            </a:r>
+            <a:r>
+              <a:rPr lang="zh-CN" altLang="en-US" smtClean="0"/>
+              <a:t>方法，此时给</a:t>
+            </a:r>
+            <a:r>
+              <a:rPr lang="en-US" altLang="zh-CN" smtClean="0"/>
+              <a:t>Driver</a:t>
+            </a:r>
+            <a:r>
+              <a:rPr lang="zh-CN" altLang="en-US" smtClean="0"/>
+              <a:t>发</a:t>
+            </a:r>
+            <a:r>
+              <a:rPr lang="en-US" altLang="zh-CN"/>
+              <a:t>ReviveOffers</a:t>
+            </a:r>
+            <a:r>
+              <a:rPr lang="zh-CN" altLang="en-US" smtClean="0"/>
+              <a:t>消息申请资源 </a:t>
+            </a:r>
+            <a:r>
+              <a:rPr lang="en-US" altLang="zh-CN" smtClean="0"/>
+              <a:t>-&gt; DriverEndpoint</a:t>
+            </a:r>
+            <a:r>
+              <a:rPr lang="zh-CN" altLang="en-US" smtClean="0"/>
+              <a:t>中</a:t>
+            </a:r>
+            <a:r>
+              <a:rPr lang="en-US" altLang="zh-CN" smtClean="0"/>
+              <a:t>receive</a:t>
+            </a:r>
+            <a:r>
+              <a:rPr lang="zh-CN" altLang="en-US" smtClean="0"/>
+              <a:t>方法模式匹配处理申请资源消息，调用</a:t>
+            </a:r>
+            <a:r>
+              <a:rPr lang="en-US" altLang="zh-CN"/>
+              <a:t>DriverEndpoint </a:t>
+            </a:r>
+            <a:r>
+              <a:rPr lang="zh-CN" altLang="en-US" smtClean="0"/>
+              <a:t>的</a:t>
+            </a:r>
+            <a:r>
+              <a:rPr lang="en-US" altLang="zh-CN" smtClean="0"/>
+              <a:t>makeOffers</a:t>
+            </a:r>
+            <a:r>
+              <a:rPr lang="zh-CN" altLang="en-US" smtClean="0"/>
+              <a:t>，在</a:t>
+            </a:r>
+            <a:r>
+              <a:rPr lang="en-US" altLang="zh-CN" smtClean="0"/>
+              <a:t>makeOffers</a:t>
+            </a:r>
+            <a:r>
+              <a:rPr lang="zh-CN" altLang="en-US" smtClean="0"/>
+              <a:t>方法中调用</a:t>
+            </a:r>
+            <a:r>
+              <a:rPr lang="en-US" altLang="zh-CN"/>
+              <a:t>DriverEndpoint </a:t>
+            </a:r>
+            <a:r>
+              <a:rPr lang="zh-CN" altLang="en-US" smtClean="0"/>
+              <a:t>的</a:t>
+            </a:r>
+            <a:r>
+              <a:rPr lang="en-US" altLang="zh-CN" smtClean="0"/>
+              <a:t>TaskSchedulerImpl</a:t>
+            </a:r>
+            <a:r>
+              <a:rPr lang="zh-CN" altLang="en-US" smtClean="0"/>
+              <a:t>成员</a:t>
+            </a:r>
+            <a:r>
+              <a:rPr lang="en-US" altLang="zh-CN" smtClean="0"/>
+              <a:t>(</a:t>
+            </a:r>
+            <a:r>
+              <a:rPr lang="zh-CN" altLang="en-US" smtClean="0"/>
+              <a:t>注意：</a:t>
+            </a:r>
+            <a:r>
+              <a:rPr lang="en-US" altLang="zh-CN"/>
+              <a:t> </a:t>
+            </a:r>
+            <a:r>
+              <a:rPr lang="en-US" altLang="zh-CN"/>
+              <a:t>DriverEndpoint </a:t>
+            </a:r>
+            <a:r>
+              <a:rPr lang="zh-CN" altLang="en-US" smtClean="0"/>
+              <a:t>是</a:t>
+            </a:r>
+            <a:r>
+              <a:rPr lang="en-US" altLang="zh-CN" smtClean="0"/>
+              <a:t>CoarseGrainedSchedulerBackend</a:t>
+            </a:r>
+            <a:r>
+              <a:rPr lang="zh-CN" altLang="en-US" smtClean="0"/>
+              <a:t>的内部类，所以依赖外部的</a:t>
+            </a:r>
+            <a:r>
+              <a:rPr lang="en-US" altLang="zh-CN"/>
+              <a:t>TaskSchedulerImpl</a:t>
+            </a:r>
+            <a:r>
+              <a:rPr lang="zh-CN" altLang="en-US"/>
+              <a:t>成员</a:t>
+            </a:r>
+            <a:r>
+              <a:rPr lang="en-US" altLang="zh-CN" smtClean="0"/>
+              <a:t>)</a:t>
+            </a:r>
+            <a:r>
+              <a:rPr lang="zh-CN" altLang="en-US" smtClean="0"/>
+              <a:t>的</a:t>
+            </a:r>
+            <a:r>
+              <a:rPr lang="en-US" altLang="zh-CN" smtClean="0"/>
+              <a:t>resourceOffers</a:t>
+            </a:r>
+            <a:r>
+              <a:rPr lang="zh-CN" altLang="en-US" smtClean="0"/>
+              <a:t>给</a:t>
+            </a:r>
+            <a:r>
+              <a:rPr lang="en-US" altLang="zh-CN" smtClean="0"/>
+              <a:t>Task</a:t>
+            </a:r>
+            <a:r>
+              <a:rPr lang="zh-CN" altLang="en-US" smtClean="0"/>
+              <a:t>分配运行节点 </a:t>
+            </a:r>
+            <a:r>
+              <a:rPr lang="en-US" altLang="zh-CN" smtClean="0"/>
+              <a:t>-&gt; </a:t>
+            </a:r>
+            <a:r>
+              <a:rPr lang="zh-CN" altLang="en-US" smtClean="0"/>
+              <a:t>再</a:t>
+            </a:r>
+            <a:r>
+              <a:rPr lang="en-US" altLang="zh-CN"/>
+              <a:t>DriverEndpoint</a:t>
+            </a:r>
+            <a:r>
+              <a:rPr lang="zh-CN" altLang="en-US"/>
+              <a:t>的</a:t>
+            </a:r>
+            <a:r>
+              <a:rPr lang="en-US" altLang="zh-CN" smtClean="0"/>
+              <a:t>launchTasks</a:t>
+            </a:r>
+            <a:r>
+              <a:rPr lang="zh-CN" altLang="en-US" smtClean="0"/>
+              <a:t>启动任务</a:t>
+            </a:r>
+            <a:endParaRPr lang="zh-CN" altLang="en-US"/>
+          </a:p>
+          <a:p>
+            <a:endParaRPr lang="zh-CN" altLang="en-US"/>
+          </a:p>
+          <a:p>
+            <a:endParaRPr lang="zh-CN" altLang="en-US"/>
+          </a:p>
+          <a:p>
+            <a:endParaRPr lang="en-US" altLang="zh-CN" smtClean="0"/>
+          </a:p>
+          <a:p>
+            <a:endParaRPr lang="en-US" altLang="zh-CN"/>
+          </a:p>
+          <a:p>
+            <a:endParaRPr lang="en-US" altLang="zh-CN" smtClean="0"/>
+          </a:p>
+          <a:p>
+            <a:endParaRPr lang="zh-CN" altLang="en-US"/>
+          </a:p>
+        </p:txBody>
+      </p:sp>
+    </p:spTree>
+    <p:extLst>
+      <p:ext uri="{BB962C8B-B14F-4D97-AF65-F5344CB8AC3E}">
+        <p14:creationId xmlns:p14="http://schemas.microsoft.com/office/powerpoint/2010/main" val="1936185263"/>
+      </p:ext>
+    </p:extLst>
+  </p:cSld>
+  <p:clrMapOvr>
+    <a:masterClrMapping/>
+  </p:clrMapOvr>
+</p:sld>
+</file>
+
+<file path=ppt/slides/slide44.xml><?xml version="1.0" encoding="utf-8"?>
+<p:sld xmlns:a="http://schemas.openxmlformats.org/drawingml/2006/main" xmlns:r="http://schemas.openxmlformats.org/officeDocument/2006/relationships" xmlns:p="http://schemas.openxmlformats.org/presentationml/2006/main">
+  <p:cSld>
+    <p:spTree>
+      <p:nvGrpSpPr>
+        <p:cNvPr id="1" name=""/>
+        <p:cNvGrpSpPr/>
+        <p:nvPr/>
+      </p:nvGrpSpPr>
+      <p:grpSpPr>
+        <a:xfrm>
+          <a:off x="0" y="0"/>
+          <a:ext cx="0" cy="0"/>
+          <a:chOff x="0" y="0"/>
+          <a:chExt cx="0" cy="0"/>
+        </a:xfrm>
+      </p:grpSpPr>
+      <p:sp>
+        <p:nvSpPr>
+          <p:cNvPr id="4" name="文本框 3"/>
+          <p:cNvSpPr txBox="1"/>
+          <p:nvPr/>
+        </p:nvSpPr>
+        <p:spPr>
+          <a:xfrm>
+            <a:off x="186612" y="251926"/>
+            <a:ext cx="11812555" cy="9787295"/>
+          </a:xfrm>
+          <a:prstGeom prst="rect">
+            <a:avLst/>
+          </a:prstGeom>
+          <a:noFill/>
+        </p:spPr>
+        <p:txBody>
+          <a:bodyPr wrap="square" rtlCol="0">
+            <a:spAutoFit/>
+          </a:bodyPr>
+          <a:lstStyle/>
+          <a:p>
+            <a:r>
+              <a:rPr lang="zh-CN" altLang="en-US"/>
+              <a:t>接下来查看一下</a:t>
+            </a:r>
+            <a:r>
+              <a:rPr lang="en-US" altLang="zh-CN"/>
+              <a:t>dagScheduler</a:t>
+            </a:r>
+            <a:r>
+              <a:rPr lang="zh-CN" altLang="en-US"/>
+              <a:t>的</a:t>
+            </a:r>
+            <a:r>
+              <a:rPr lang="en-US" altLang="zh-CN"/>
+              <a:t>submitJob</a:t>
+            </a:r>
+            <a:r>
+              <a:rPr lang="zh-CN" altLang="en-US"/>
+              <a:t>方法做了什么：</a:t>
+            </a:r>
+            <a:endParaRPr lang="en-US" altLang="zh-CN"/>
+          </a:p>
+          <a:p>
+            <a:r>
+              <a:rPr lang="en-US" altLang="zh-CN"/>
+              <a:t>dagScheduler</a:t>
+            </a:r>
+            <a:r>
+              <a:rPr lang="zh-CN" altLang="en-US"/>
+              <a:t>的</a:t>
+            </a:r>
+            <a:r>
+              <a:rPr lang="en-US" altLang="zh-CN"/>
+              <a:t>submitJob</a:t>
+            </a:r>
+            <a:r>
+              <a:rPr lang="zh-CN" altLang="en-US"/>
+              <a:t>方法中给</a:t>
+            </a:r>
+            <a:r>
+              <a:rPr lang="en-US" altLang="zh-CN"/>
+              <a:t>eventProcessLoop</a:t>
+            </a:r>
+            <a:r>
+              <a:rPr lang="zh-CN" altLang="en-US"/>
+              <a:t>发送</a:t>
+            </a:r>
+            <a:r>
+              <a:rPr lang="en-US" altLang="zh-CN"/>
+              <a:t>JobSubmitted</a:t>
+            </a:r>
+            <a:r>
+              <a:rPr lang="zh-CN" altLang="en-US"/>
+              <a:t>消息</a:t>
+            </a:r>
+            <a:r>
+              <a:rPr lang="en-US" altLang="zh-CN"/>
+              <a:t>(eventProcessLoop</a:t>
+            </a:r>
+            <a:r>
+              <a:rPr lang="zh-CN" altLang="en-US"/>
+              <a:t>是</a:t>
+            </a:r>
+            <a:r>
+              <a:rPr lang="en-US" altLang="zh-CN"/>
+              <a:t>dagScheduler</a:t>
+            </a:r>
+            <a:r>
+              <a:rPr lang="zh-CN" altLang="en-US"/>
+              <a:t>的一个消息处理器</a:t>
+            </a:r>
+            <a:r>
+              <a:rPr lang="en-US" altLang="zh-CN"/>
+              <a:t>)</a:t>
+            </a:r>
+            <a:r>
+              <a:rPr lang="zh-CN" altLang="en-US"/>
+              <a:t>  </a:t>
+            </a:r>
+            <a:r>
+              <a:rPr lang="en-US" altLang="zh-CN"/>
+              <a:t>-&gt;</a:t>
+            </a:r>
+            <a:r>
+              <a:rPr lang="zh-CN" altLang="en-US"/>
+              <a:t>在</a:t>
+            </a:r>
+            <a:r>
+              <a:rPr lang="en-US" altLang="zh-CN"/>
+              <a:t>eventProcessLoop</a:t>
+            </a:r>
+            <a:r>
+              <a:rPr lang="zh-CN" altLang="en-US"/>
+              <a:t>中将</a:t>
+            </a:r>
+            <a:r>
+              <a:rPr lang="en-US" altLang="zh-CN"/>
+              <a:t>JobSubmitted</a:t>
+            </a:r>
+            <a:r>
+              <a:rPr lang="zh-CN" altLang="en-US"/>
+              <a:t>消息转发给</a:t>
+            </a:r>
+            <a:r>
+              <a:rPr lang="en-US" altLang="zh-CN"/>
+              <a:t>dagScheduler</a:t>
+            </a:r>
+            <a:r>
+              <a:rPr lang="zh-CN" altLang="en-US"/>
+              <a:t>的</a:t>
+            </a:r>
+            <a:r>
+              <a:rPr lang="en-US" altLang="zh-CN"/>
+              <a:t>doOnReceive</a:t>
+            </a:r>
+            <a:r>
+              <a:rPr lang="zh-CN" altLang="en-US"/>
+              <a:t>方法进行模式匹配处理 </a:t>
+            </a:r>
+            <a:r>
+              <a:rPr lang="en-US" altLang="zh-CN"/>
+              <a:t>-&gt; </a:t>
+            </a:r>
+            <a:r>
+              <a:rPr lang="zh-CN" altLang="en-US"/>
+              <a:t> 调用</a:t>
+            </a:r>
+            <a:r>
+              <a:rPr lang="en-US" altLang="zh-CN"/>
+              <a:t>dagScheduler</a:t>
+            </a:r>
+            <a:r>
+              <a:rPr lang="zh-CN" altLang="en-US"/>
+              <a:t>的</a:t>
+            </a:r>
+            <a:r>
+              <a:rPr lang="en-US" altLang="zh-CN"/>
+              <a:t>handleJobSubmitted</a:t>
+            </a:r>
+            <a:r>
+              <a:rPr lang="zh-CN" altLang="en-US"/>
+              <a:t>方法</a:t>
+            </a:r>
+            <a:r>
+              <a:rPr lang="en-US" altLang="zh-CN"/>
+              <a:t>(</a:t>
+            </a:r>
+            <a:r>
+              <a:rPr lang="zh-CN" altLang="en-US"/>
+              <a:t>在</a:t>
+            </a:r>
+            <a:r>
+              <a:rPr lang="en-US" altLang="zh-CN"/>
+              <a:t>handleJobSubmitted</a:t>
+            </a:r>
+            <a:r>
+              <a:rPr lang="zh-CN" altLang="en-US"/>
+              <a:t>方法中完成</a:t>
+            </a:r>
+            <a:r>
+              <a:rPr lang="en-US" altLang="zh-CN"/>
+              <a:t>Stage</a:t>
+            </a:r>
+            <a:r>
+              <a:rPr lang="zh-CN" altLang="en-US"/>
+              <a:t>的划分</a:t>
+            </a:r>
+            <a:r>
+              <a:rPr lang="en-US" altLang="zh-CN"/>
+              <a:t>) -&gt;</a:t>
+            </a:r>
+          </a:p>
+          <a:p>
+            <a:r>
+              <a:rPr lang="zh-CN" altLang="en-US"/>
+              <a:t>调用</a:t>
+            </a:r>
+            <a:r>
+              <a:rPr lang="en-US" altLang="zh-CN"/>
+              <a:t>dagScheduler</a:t>
+            </a:r>
+            <a:r>
+              <a:rPr lang="zh-CN" altLang="en-US"/>
+              <a:t>的</a:t>
+            </a:r>
+            <a:r>
+              <a:rPr lang="en-US" altLang="zh-CN"/>
+              <a:t>submitMissingTasks</a:t>
+            </a:r>
+            <a:r>
+              <a:rPr lang="zh-CN" altLang="en-US"/>
+              <a:t>或</a:t>
+            </a:r>
+            <a:r>
+              <a:rPr lang="en-US" altLang="zh-CN"/>
+              <a:t>submitStage</a:t>
+            </a:r>
+            <a:r>
+              <a:rPr lang="zh-CN" altLang="en-US"/>
+              <a:t>方法提交</a:t>
+            </a:r>
+            <a:r>
+              <a:rPr lang="en-US" altLang="zh-CN"/>
+              <a:t>Stage(submitMissingTasks</a:t>
+            </a:r>
+            <a:r>
+              <a:rPr lang="zh-CN" altLang="en-US"/>
+              <a:t>和</a:t>
+            </a:r>
+            <a:r>
+              <a:rPr lang="en-US" altLang="zh-CN"/>
+              <a:t>submitStage</a:t>
+            </a:r>
+            <a:r>
+              <a:rPr lang="zh-CN" altLang="en-US"/>
+              <a:t>方法区别：由于递归提交</a:t>
+            </a:r>
+            <a:r>
+              <a:rPr lang="en-US" altLang="zh-CN"/>
+              <a:t>Stage</a:t>
+            </a:r>
+            <a:r>
+              <a:rPr lang="zh-CN" altLang="en-US"/>
+              <a:t>，需要最先提交父</a:t>
+            </a:r>
+            <a:r>
+              <a:rPr lang="en-US" altLang="zh-CN"/>
+              <a:t>Stage</a:t>
+            </a:r>
+            <a:r>
+              <a:rPr lang="zh-CN" altLang="en-US"/>
+              <a:t>，如果当前</a:t>
+            </a:r>
+            <a:r>
+              <a:rPr lang="en-US" altLang="zh-CN"/>
+              <a:t>Stage</a:t>
+            </a:r>
+            <a:r>
+              <a:rPr lang="zh-CN" altLang="en-US"/>
+              <a:t>还有父</a:t>
+            </a:r>
+            <a:r>
+              <a:rPr lang="en-US" altLang="zh-CN"/>
+              <a:t>Stage</a:t>
+            </a:r>
+            <a:r>
+              <a:rPr lang="zh-CN" altLang="en-US"/>
+              <a:t>的话调用</a:t>
+            </a:r>
+            <a:r>
+              <a:rPr lang="en-US" altLang="zh-CN"/>
+              <a:t>submitStage</a:t>
+            </a:r>
+            <a:r>
+              <a:rPr lang="zh-CN" altLang="en-US"/>
+              <a:t>进行递归提交，知道当前</a:t>
+            </a:r>
+            <a:r>
+              <a:rPr lang="en-US" altLang="zh-CN"/>
+              <a:t>Stage</a:t>
+            </a:r>
+            <a:r>
+              <a:rPr lang="zh-CN" altLang="en-US"/>
+              <a:t>没有父</a:t>
+            </a:r>
+            <a:r>
+              <a:rPr lang="en-US" altLang="zh-CN"/>
+              <a:t>Stage</a:t>
+            </a:r>
+            <a:r>
+              <a:rPr lang="zh-CN" altLang="en-US"/>
+              <a:t>时候调用</a:t>
+            </a:r>
+            <a:r>
+              <a:rPr lang="en-US" altLang="zh-CN"/>
+              <a:t>submitMissingTasks</a:t>
+            </a:r>
+            <a:r>
+              <a:rPr lang="zh-CN" altLang="en-US"/>
+              <a:t>提交</a:t>
+            </a:r>
+            <a:r>
+              <a:rPr lang="en-US" altLang="zh-CN"/>
+              <a:t>) -&gt; </a:t>
+            </a:r>
+            <a:r>
+              <a:rPr lang="zh-CN" altLang="en-US"/>
+              <a:t>在</a:t>
+            </a:r>
+            <a:r>
+              <a:rPr lang="en-US" altLang="zh-CN"/>
+              <a:t>submitMissingTasks</a:t>
+            </a:r>
+            <a:r>
+              <a:rPr lang="zh-CN" altLang="en-US"/>
+              <a:t>中将</a:t>
+            </a:r>
+            <a:r>
+              <a:rPr lang="en-US" altLang="zh-CN"/>
+              <a:t>Stage</a:t>
+            </a:r>
+            <a:r>
+              <a:rPr lang="zh-CN" altLang="en-US"/>
+              <a:t>信息广播出去</a:t>
+            </a:r>
+            <a:r>
+              <a:rPr lang="en-US" altLang="zh-CN"/>
+              <a:t>(Stage</a:t>
+            </a:r>
+            <a:r>
+              <a:rPr lang="zh-CN" altLang="en-US"/>
+              <a:t>信息主要是：</a:t>
+            </a:r>
+            <a:r>
+              <a:rPr lang="en-US" altLang="zh-CN"/>
+              <a:t>Satge</a:t>
+            </a:r>
+            <a:r>
+              <a:rPr lang="zh-CN" altLang="en-US"/>
+              <a:t>的</a:t>
+            </a:r>
+            <a:r>
+              <a:rPr lang="en-US" altLang="zh-CN"/>
+              <a:t>RDD</a:t>
+            </a:r>
+            <a:r>
+              <a:rPr lang="zh-CN" altLang="en-US"/>
+              <a:t>信息</a:t>
+            </a:r>
+            <a:r>
+              <a:rPr lang="en-US" altLang="zh-CN"/>
+              <a:t>)</a:t>
+            </a:r>
+            <a:r>
+              <a:rPr lang="zh-CN" altLang="en-US"/>
+              <a:t>，然后将</a:t>
+            </a:r>
+            <a:r>
+              <a:rPr lang="en-US" altLang="zh-CN"/>
+              <a:t>Stage</a:t>
+            </a:r>
+            <a:r>
+              <a:rPr lang="zh-CN" altLang="en-US"/>
+              <a:t>序列化为</a:t>
+            </a:r>
+            <a:r>
+              <a:rPr lang="en-US" altLang="zh-CN"/>
+              <a:t>Task(</a:t>
+            </a:r>
+            <a:r>
+              <a:rPr lang="zh-CN" altLang="en-US"/>
+              <a:t>这里面有两种</a:t>
+            </a:r>
+            <a:r>
+              <a:rPr lang="en-US" altLang="zh-CN"/>
+              <a:t>Stage</a:t>
+            </a:r>
+            <a:r>
+              <a:rPr lang="zh-CN" altLang="en-US"/>
+              <a:t>分别是</a:t>
+            </a:r>
+            <a:r>
+              <a:rPr lang="en-US" altLang="zh-CN"/>
+              <a:t>ShuffleMapStage</a:t>
+            </a:r>
+            <a:r>
+              <a:rPr lang="zh-CN" altLang="en-US"/>
+              <a:t>和</a:t>
+            </a:r>
+            <a:r>
+              <a:rPr lang="en-US" altLang="zh-CN"/>
+              <a:t>ResultStage</a:t>
+            </a:r>
+            <a:r>
+              <a:rPr lang="zh-CN" altLang="en-US"/>
+              <a:t>，</a:t>
+            </a:r>
+            <a:r>
+              <a:rPr lang="en-US" altLang="zh-CN"/>
+              <a:t>Task</a:t>
+            </a:r>
+            <a:r>
+              <a:rPr lang="zh-CN" altLang="en-US"/>
+              <a:t>也是两种</a:t>
+            </a:r>
+            <a:r>
+              <a:rPr lang="en-US" altLang="zh-CN"/>
+              <a:t>ShuffleMapTask</a:t>
+            </a:r>
+            <a:r>
+              <a:rPr lang="zh-CN" altLang="en-US"/>
+              <a:t>和</a:t>
+            </a:r>
+            <a:r>
+              <a:rPr lang="en-US" altLang="zh-CN"/>
+              <a:t>ResultTask) -&gt; </a:t>
+            </a:r>
+            <a:r>
+              <a:rPr lang="zh-CN" altLang="en-US"/>
+              <a:t>调用</a:t>
+            </a:r>
+            <a:r>
+              <a:rPr lang="en-US" altLang="zh-CN"/>
+              <a:t>TaskScheduler(</a:t>
+            </a:r>
+            <a:r>
+              <a:rPr lang="zh-CN" altLang="en-US"/>
+              <a:t>实现类一般是</a:t>
+            </a:r>
+            <a:r>
+              <a:rPr lang="en-US" altLang="zh-CN"/>
+              <a:t>TaskSchedulerImpl)</a:t>
+            </a:r>
+            <a:r>
+              <a:rPr lang="zh-CN" altLang="en-US"/>
+              <a:t>的</a:t>
+            </a:r>
+            <a:r>
+              <a:rPr lang="en-US" altLang="zh-CN"/>
+              <a:t>submitTasks</a:t>
+            </a:r>
+            <a:r>
+              <a:rPr lang="zh-CN" altLang="en-US"/>
+              <a:t>方法为序列化好的</a:t>
+            </a:r>
+            <a:r>
+              <a:rPr lang="en-US" altLang="zh-CN"/>
+              <a:t>TaskSet</a:t>
+            </a:r>
+            <a:r>
+              <a:rPr lang="zh-CN" altLang="en-US"/>
+              <a:t>的创建</a:t>
+            </a:r>
+            <a:r>
+              <a:rPr lang="en-US" altLang="zh-CN"/>
+              <a:t>TaskSetManager(TaskSetManager</a:t>
+            </a:r>
+            <a:r>
+              <a:rPr lang="zh-CN" altLang="en-US"/>
+              <a:t>负责调用跟踪</a:t>
+            </a:r>
+            <a:r>
+              <a:rPr lang="en-US" altLang="zh-CN"/>
+              <a:t>Task</a:t>
+            </a:r>
+            <a:r>
+              <a:rPr lang="zh-CN" altLang="en-US"/>
+              <a:t>等</a:t>
+            </a:r>
+            <a:r>
+              <a:rPr lang="en-US" altLang="zh-CN"/>
+              <a:t>)</a:t>
+            </a:r>
+            <a:r>
+              <a:rPr lang="zh-CN" altLang="en-US"/>
+              <a:t>，然后存储到</a:t>
+            </a:r>
+            <a:r>
+              <a:rPr lang="en-US" altLang="zh-CN"/>
+              <a:t>schedulableBuilder(schedulableBuilder</a:t>
+            </a:r>
+            <a:r>
+              <a:rPr lang="zh-CN" altLang="en-US"/>
+              <a:t>是一种资源分配策略</a:t>
+            </a:r>
+            <a:r>
+              <a:rPr lang="en-US" altLang="zh-CN"/>
+              <a:t>, FIFO</a:t>
+            </a:r>
+            <a:r>
+              <a:rPr lang="zh-CN" altLang="en-US"/>
+              <a:t>或</a:t>
+            </a:r>
+            <a:r>
+              <a:rPr lang="en-US" altLang="zh-CN"/>
+              <a:t>FAIR),</a:t>
+            </a:r>
+            <a:r>
+              <a:rPr lang="zh-CN" altLang="en-US"/>
+              <a:t>然后调用</a:t>
+            </a:r>
+            <a:r>
+              <a:rPr lang="en-US" altLang="zh-CN"/>
+              <a:t>backend</a:t>
+            </a:r>
+            <a:r>
+              <a:rPr lang="zh-CN" altLang="en-US"/>
+              <a:t>的</a:t>
+            </a:r>
+            <a:r>
+              <a:rPr lang="en-US" altLang="zh-CN"/>
+              <a:t>reviveOffers</a:t>
+            </a:r>
+            <a:r>
+              <a:rPr lang="zh-CN" altLang="en-US"/>
+              <a:t>方法进行资源分配</a:t>
+            </a:r>
+            <a:r>
+              <a:rPr lang="en-US" altLang="zh-CN"/>
+              <a:t>(CoarseGraCoarseGrainedSchedulerBackendinedSchedulerBackend</a:t>
+            </a:r>
+            <a:r>
+              <a:rPr lang="zh-CN" altLang="en-US"/>
+              <a:t>是 </a:t>
+            </a:r>
+            <a:r>
+              <a:rPr lang="en-US" altLang="zh-CN"/>
+              <a:t>backend</a:t>
+            </a:r>
+            <a:r>
+              <a:rPr lang="zh-CN" altLang="en-US"/>
+              <a:t>的一种实现</a:t>
+            </a:r>
+            <a:r>
+              <a:rPr lang="en-US" altLang="zh-CN"/>
+              <a:t>,</a:t>
+            </a:r>
+            <a:r>
+              <a:rPr lang="zh-CN" altLang="en-US"/>
+              <a:t>此处以</a:t>
+            </a:r>
+            <a:r>
+              <a:rPr lang="en-US" altLang="zh-CN"/>
+              <a:t>CoarseGrainedSchedulerBackend</a:t>
+            </a:r>
+            <a:r>
+              <a:rPr lang="zh-CN" altLang="en-US"/>
+              <a:t>为例分析</a:t>
+            </a:r>
+            <a:r>
+              <a:rPr lang="en-US" altLang="zh-CN"/>
+              <a:t>) -&gt;</a:t>
+            </a:r>
+            <a:r>
+              <a:rPr lang="zh-CN" altLang="en-US"/>
+              <a:t>调用的</a:t>
+            </a:r>
+            <a:r>
+              <a:rPr lang="en-US" altLang="zh-CN"/>
+              <a:t>reviveOffers</a:t>
+            </a:r>
+            <a:r>
+              <a:rPr lang="zh-CN" altLang="en-US"/>
+              <a:t>方法，此时给</a:t>
+            </a:r>
+            <a:r>
+              <a:rPr lang="en-US" altLang="zh-CN"/>
+              <a:t>Driver</a:t>
+            </a:r>
+            <a:r>
+              <a:rPr lang="zh-CN" altLang="en-US"/>
+              <a:t>发</a:t>
+            </a:r>
+            <a:r>
+              <a:rPr lang="en-US" altLang="zh-CN"/>
+              <a:t>ReviveOffers</a:t>
+            </a:r>
+            <a:r>
+              <a:rPr lang="zh-CN" altLang="en-US"/>
+              <a:t>消息申请资源 </a:t>
+            </a:r>
+            <a:r>
+              <a:rPr lang="en-US" altLang="zh-CN"/>
+              <a:t>-&gt; DriverEndpoint</a:t>
+            </a:r>
+            <a:r>
+              <a:rPr lang="zh-CN" altLang="en-US"/>
+              <a:t>中</a:t>
+            </a:r>
+            <a:r>
+              <a:rPr lang="en-US" altLang="zh-CN"/>
+              <a:t>receive</a:t>
+            </a:r>
+            <a:r>
+              <a:rPr lang="zh-CN" altLang="en-US"/>
+              <a:t>方法模式匹配处理申请资源消息，调用</a:t>
+            </a:r>
+            <a:r>
+              <a:rPr lang="en-US" altLang="zh-CN"/>
+              <a:t>DriverEndpoint </a:t>
+            </a:r>
+            <a:r>
+              <a:rPr lang="zh-CN" altLang="en-US"/>
+              <a:t>的</a:t>
+            </a:r>
+            <a:r>
+              <a:rPr lang="en-US" altLang="zh-CN"/>
+              <a:t>makeOffers</a:t>
+            </a:r>
+            <a:r>
+              <a:rPr lang="zh-CN" altLang="en-US"/>
+              <a:t>，在</a:t>
+            </a:r>
+            <a:r>
+              <a:rPr lang="en-US" altLang="zh-CN"/>
+              <a:t>makeOffers</a:t>
+            </a:r>
+            <a:r>
+              <a:rPr lang="zh-CN" altLang="en-US"/>
+              <a:t>方法中调用</a:t>
+            </a:r>
+            <a:r>
+              <a:rPr lang="en-US" altLang="zh-CN"/>
+              <a:t>DriverEndpoint </a:t>
+            </a:r>
+            <a:r>
+              <a:rPr lang="zh-CN" altLang="en-US"/>
+              <a:t>的</a:t>
+            </a:r>
+            <a:r>
+              <a:rPr lang="en-US" altLang="zh-CN"/>
+              <a:t>TaskSchedulerImpl</a:t>
+            </a:r>
+            <a:r>
+              <a:rPr lang="zh-CN" altLang="en-US"/>
+              <a:t>成员</a:t>
+            </a:r>
+            <a:r>
+              <a:rPr lang="en-US" altLang="zh-CN"/>
+              <a:t>(</a:t>
+            </a:r>
+            <a:r>
+              <a:rPr lang="zh-CN" altLang="en-US"/>
+              <a:t>注意：</a:t>
+            </a:r>
+            <a:r>
+              <a:rPr lang="en-US" altLang="zh-CN"/>
+              <a:t> DriverEndpoint </a:t>
+            </a:r>
+            <a:r>
+              <a:rPr lang="zh-CN" altLang="en-US"/>
+              <a:t>是</a:t>
+            </a:r>
+            <a:r>
+              <a:rPr lang="en-US" altLang="zh-CN"/>
+              <a:t>CoarseGrained</a:t>
+            </a:r>
+            <a:r>
+              <a:rPr lang="en-US" altLang="zh-CN">
+                <a:solidFill>
+                  <a:srgbClr val="FF0000"/>
+                </a:solidFill>
+              </a:rPr>
+              <a:t>Scheduler</a:t>
+            </a:r>
+            <a:r>
+              <a:rPr lang="en-US" altLang="zh-CN"/>
+              <a:t>Backend</a:t>
+            </a:r>
+            <a:r>
+              <a:rPr lang="zh-CN" altLang="en-US"/>
+              <a:t>的内部类，所以依赖外部的</a:t>
+            </a:r>
+            <a:r>
+              <a:rPr lang="en-US" altLang="zh-CN"/>
+              <a:t>TaskSchedulerImpl</a:t>
+            </a:r>
+            <a:r>
+              <a:rPr lang="zh-CN" altLang="en-US"/>
+              <a:t>成员</a:t>
+            </a:r>
+            <a:r>
+              <a:rPr lang="en-US" altLang="zh-CN"/>
+              <a:t>)</a:t>
+            </a:r>
+            <a:r>
+              <a:rPr lang="zh-CN" altLang="en-US"/>
+              <a:t>的</a:t>
+            </a:r>
+            <a:r>
+              <a:rPr lang="en-US" altLang="zh-CN"/>
+              <a:t>resourceOffers</a:t>
+            </a:r>
+            <a:r>
+              <a:rPr lang="zh-CN" altLang="en-US"/>
+              <a:t>给</a:t>
+            </a:r>
+            <a:r>
+              <a:rPr lang="en-US" altLang="zh-CN"/>
+              <a:t>Task</a:t>
+            </a:r>
+            <a:r>
+              <a:rPr lang="zh-CN" altLang="en-US"/>
+              <a:t>分配运行节点 </a:t>
+            </a:r>
+            <a:r>
+              <a:rPr lang="en-US" altLang="zh-CN"/>
+              <a:t>-&gt; </a:t>
+            </a:r>
+            <a:r>
+              <a:rPr lang="zh-CN" altLang="en-US"/>
+              <a:t>再</a:t>
+            </a:r>
+            <a:r>
+              <a:rPr lang="en-US" altLang="zh-CN"/>
+              <a:t>DriverEndpoint</a:t>
+            </a:r>
+            <a:r>
+              <a:rPr lang="zh-CN" altLang="en-US"/>
+              <a:t>的</a:t>
+            </a:r>
+            <a:r>
+              <a:rPr lang="en-US" altLang="zh-CN"/>
+              <a:t>launchTasks</a:t>
+            </a:r>
+            <a:r>
+              <a:rPr lang="zh-CN" altLang="en-US"/>
+              <a:t>启动</a:t>
+            </a:r>
+            <a:r>
+              <a:rPr lang="zh-CN" altLang="en-US"/>
+              <a:t>任务 </a:t>
+            </a:r>
+            <a:r>
+              <a:rPr lang="en-US" altLang="zh-CN"/>
+              <a:t>-&gt;</a:t>
+            </a:r>
+            <a:r>
+              <a:rPr lang="zh-CN" altLang="en-US"/>
+              <a:t>在</a:t>
+            </a:r>
+            <a:r>
+              <a:rPr lang="en-US" altLang="zh-CN"/>
+              <a:t>DriverEndpoint</a:t>
+            </a:r>
+            <a:r>
+              <a:rPr lang="zh-CN" altLang="en-US"/>
+              <a:t>的</a:t>
+            </a:r>
+            <a:r>
+              <a:rPr lang="en-US" altLang="zh-CN"/>
+              <a:t>launchTasks</a:t>
+            </a:r>
+            <a:r>
+              <a:rPr lang="zh-CN" altLang="en-US"/>
+              <a:t>方法中对</a:t>
+            </a:r>
+            <a:r>
+              <a:rPr lang="en-US" altLang="zh-CN"/>
+              <a:t>Seq[TaskDescription]</a:t>
+            </a:r>
+            <a:r>
+              <a:rPr lang="zh-CN" altLang="en-US"/>
+              <a:t>遍历进行序列化</a:t>
+            </a:r>
+            <a:r>
+              <a:rPr lang="en-US" altLang="zh-CN"/>
+              <a:t>(</a:t>
+            </a:r>
+            <a:r>
+              <a:rPr lang="zh-CN" altLang="en-US"/>
+              <a:t>在资源分配时候返回的</a:t>
+            </a:r>
+            <a:r>
+              <a:rPr lang="en-US" altLang="zh-CN"/>
+              <a:t>Seq[TaskDescription</a:t>
+            </a:r>
+            <a:r>
+              <a:rPr lang="en-US" altLang="zh-CN"/>
+              <a:t>])</a:t>
+            </a:r>
+            <a:r>
+              <a:rPr lang="zh-CN" altLang="en-US"/>
+              <a:t>然后给</a:t>
+            </a:r>
+            <a:r>
+              <a:rPr lang="en-US" altLang="zh-CN"/>
+              <a:t>CoarseGrained</a:t>
+            </a:r>
+            <a:r>
+              <a:rPr lang="en-US" altLang="zh-CN">
+                <a:solidFill>
+                  <a:srgbClr val="FF0000"/>
+                </a:solidFill>
+              </a:rPr>
+              <a:t>Executor</a:t>
+            </a:r>
+            <a:r>
+              <a:rPr lang="en-US" altLang="zh-CN"/>
+              <a:t>Backend</a:t>
+            </a:r>
+            <a:r>
+              <a:rPr lang="zh-CN" altLang="en-US"/>
+              <a:t>发</a:t>
+            </a:r>
+            <a:r>
+              <a:rPr lang="en-US" altLang="zh-CN"/>
+              <a:t>LaunchTask(new </a:t>
+            </a:r>
+            <a:r>
+              <a:rPr lang="en-US" altLang="zh-CN"/>
+              <a:t>SerializableBuffer(serializedTask</a:t>
+            </a:r>
+            <a:r>
+              <a:rPr lang="en-US" altLang="zh-CN"/>
+              <a:t>))</a:t>
+            </a:r>
+            <a:r>
+              <a:rPr lang="zh-CN" altLang="en-US" smtClean="0"/>
+              <a:t>消息 </a:t>
+            </a:r>
+            <a:r>
+              <a:rPr lang="en-US" altLang="zh-CN" smtClean="0"/>
+              <a:t>-&gt; </a:t>
+            </a:r>
+            <a:r>
+              <a:rPr lang="zh-CN" altLang="en-US" smtClean="0"/>
+              <a:t>在</a:t>
+            </a:r>
+            <a:r>
+              <a:rPr lang="en-US" altLang="zh-CN"/>
+              <a:t>CoarseGrained</a:t>
+            </a:r>
+            <a:r>
+              <a:rPr lang="en-US" altLang="zh-CN">
+                <a:solidFill>
+                  <a:srgbClr val="FF0000"/>
+                </a:solidFill>
+              </a:rPr>
+              <a:t>Executor</a:t>
+            </a:r>
+            <a:r>
+              <a:rPr lang="en-US" altLang="zh-CN"/>
+              <a:t>Backend</a:t>
+            </a:r>
+            <a:r>
+              <a:rPr lang="zh-CN" altLang="en-US"/>
+              <a:t>的</a:t>
+            </a:r>
+            <a:r>
+              <a:rPr lang="en-US" altLang="zh-CN" smtClean="0"/>
+              <a:t>receive</a:t>
+            </a:r>
+            <a:r>
+              <a:rPr lang="zh-CN" altLang="en-US" smtClean="0"/>
+              <a:t>方法中处理</a:t>
+            </a:r>
+            <a:r>
+              <a:rPr lang="en-US" altLang="zh-CN"/>
+              <a:t>LaunchTask(new </a:t>
+            </a:r>
+            <a:r>
+              <a:rPr lang="en-US" altLang="zh-CN"/>
+              <a:t>SerializableBuffer(serializedTask</a:t>
+            </a:r>
+            <a:r>
+              <a:rPr lang="en-US" altLang="zh-CN" smtClean="0"/>
+              <a:t>))</a:t>
+            </a:r>
+            <a:r>
+              <a:rPr lang="zh-CN" altLang="en-US" smtClean="0"/>
+              <a:t>消息，首先反序列化</a:t>
+            </a:r>
+            <a:r>
+              <a:rPr lang="en-US" altLang="zh-CN" smtClean="0"/>
+              <a:t>Task</a:t>
+            </a:r>
+            <a:r>
+              <a:rPr lang="zh-CN" altLang="en-US" smtClean="0"/>
+              <a:t>为</a:t>
+            </a:r>
+            <a:r>
+              <a:rPr lang="en-US" altLang="zh-CN" smtClean="0"/>
+              <a:t>TaskDescription</a:t>
+            </a:r>
+            <a:r>
+              <a:rPr lang="zh-CN" altLang="en-US" smtClean="0"/>
+              <a:t>信息</a:t>
+            </a:r>
+            <a:r>
+              <a:rPr lang="en-US" altLang="zh-CN" smtClean="0"/>
+              <a:t>,</a:t>
+            </a:r>
+            <a:r>
+              <a:rPr lang="zh-CN" altLang="en-US" smtClean="0"/>
+              <a:t>然后调用</a:t>
+            </a:r>
+            <a:r>
+              <a:rPr lang="en-US" altLang="zh-CN" smtClean="0"/>
+              <a:t>executor(executor</a:t>
+            </a:r>
+            <a:r>
+              <a:rPr lang="zh-CN" altLang="en-US" smtClean="0"/>
+              <a:t>为</a:t>
+            </a:r>
+            <a:r>
+              <a:rPr lang="en-US" altLang="zh-CN" smtClean="0"/>
+              <a:t>spark</a:t>
+            </a:r>
+            <a:r>
+              <a:rPr lang="zh-CN" altLang="en-US" smtClean="0"/>
+              <a:t>的</a:t>
+            </a:r>
+            <a:r>
+              <a:rPr lang="en-US" altLang="zh-CN" smtClean="0"/>
+              <a:t>Executor</a:t>
+            </a:r>
+            <a:r>
+              <a:rPr lang="zh-CN" altLang="en-US" smtClean="0"/>
+              <a:t>的实例</a:t>
+            </a:r>
+            <a:r>
+              <a:rPr lang="en-US" altLang="zh-CN" smtClean="0"/>
+              <a:t>)</a:t>
+            </a:r>
+            <a:r>
+              <a:rPr lang="zh-CN" altLang="en-US" smtClean="0"/>
+              <a:t>的</a:t>
+            </a:r>
+            <a:r>
+              <a:rPr lang="en-US" altLang="zh-CN" smtClean="0"/>
+              <a:t>launchTask</a:t>
+            </a:r>
+            <a:r>
+              <a:rPr lang="zh-CN" altLang="en-US" smtClean="0"/>
+              <a:t>方法，将</a:t>
+            </a:r>
+            <a:r>
+              <a:rPr lang="en-US" altLang="zh-CN" smtClean="0"/>
+              <a:t>TaskDesc</a:t>
+            </a:r>
+            <a:r>
+              <a:rPr lang="zh-CN" altLang="en-US" smtClean="0"/>
+              <a:t>转化为</a:t>
+            </a:r>
+            <a:r>
+              <a:rPr lang="en-US" altLang="zh-CN"/>
+              <a:t>TaskRunner</a:t>
+            </a:r>
+            <a:r>
+              <a:rPr lang="zh-CN" altLang="en-US"/>
+              <a:t>，最后提交</a:t>
+            </a:r>
+            <a:r>
+              <a:rPr lang="en-US" altLang="zh-CN"/>
+              <a:t>org.apache.spark.executor.Executor</a:t>
+            </a:r>
+            <a:r>
+              <a:rPr lang="zh-CN" altLang="en-US"/>
+              <a:t>的</a:t>
+            </a:r>
+            <a:r>
+              <a:rPr lang="en-US" altLang="zh-CN"/>
+              <a:t>threadPool</a:t>
+            </a:r>
+            <a:r>
+              <a:rPr lang="zh-CN" altLang="en-US"/>
+              <a:t>线程</a:t>
+            </a:r>
+            <a:r>
+              <a:rPr lang="zh-CN" altLang="en-US"/>
+              <a:t>池</a:t>
+            </a:r>
+            <a:r>
+              <a:rPr lang="zh-CN" altLang="en-US" smtClean="0"/>
+              <a:t>执行</a:t>
+            </a:r>
+            <a:r>
+              <a:rPr lang="en-US" altLang="zh-CN" smtClean="0"/>
+              <a:t>(</a:t>
+            </a:r>
+            <a:r>
+              <a:rPr lang="en-US" altLang="zh-CN"/>
+              <a:t>threadPool </a:t>
+            </a:r>
+            <a:r>
+              <a:rPr lang="zh-CN" altLang="en-US" smtClean="0"/>
+              <a:t>底层是</a:t>
+            </a:r>
+            <a:r>
+              <a:rPr lang="en-US" altLang="zh-CN" smtClean="0"/>
+              <a:t>java</a:t>
+            </a:r>
+            <a:r>
+              <a:rPr lang="zh-CN" altLang="en-US" smtClean="0"/>
+              <a:t>的线程池，实现方式：</a:t>
+            </a:r>
+            <a:r>
+              <a:rPr lang="en-US" altLang="zh-CN" smtClean="0"/>
+              <a:t>Executors.</a:t>
+            </a:r>
+            <a:r>
+              <a:rPr lang="en-US" altLang="zh-CN" i="1" smtClean="0"/>
+              <a:t>newCachedThreadPool</a:t>
+            </a:r>
+            <a:r>
+              <a:rPr lang="en-US" altLang="zh-CN" smtClean="0"/>
+              <a:t>)</a:t>
+            </a:r>
+            <a:r>
+              <a:rPr lang="zh-CN" altLang="en-US" smtClean="0"/>
+              <a:t>。到此任务提交到执行完毕！</a:t>
+            </a:r>
+            <a:endParaRPr lang="zh-CN" altLang="en-US"/>
+          </a:p>
+          <a:p>
+            <a:endParaRPr lang="zh-CN" altLang="en-US"/>
+          </a:p>
+          <a:p>
+            <a:endParaRPr lang="zh-CN" altLang="en-US"/>
+          </a:p>
+          <a:p>
+            <a:endParaRPr lang="en-US" altLang="zh-CN" smtClean="0"/>
+          </a:p>
+          <a:p>
+            <a:endParaRPr lang="en-US" altLang="zh-CN" smtClean="0"/>
+          </a:p>
+          <a:p>
+            <a:endParaRPr lang="zh-CN" altLang="en-US"/>
+          </a:p>
+          <a:p>
+            <a:endParaRPr lang="zh-CN" altLang="en-US"/>
+          </a:p>
+          <a:p>
+            <a:endParaRPr lang="zh-CN" altLang="en-US"/>
+          </a:p>
+          <a:p>
+            <a:endParaRPr lang="en-US" altLang="zh-CN"/>
+          </a:p>
+          <a:p>
+            <a:endParaRPr lang="en-US" altLang="zh-CN"/>
+          </a:p>
+          <a:p>
+            <a:endParaRPr lang="en-US" altLang="zh-CN"/>
+          </a:p>
+          <a:p>
+            <a:endParaRPr lang="zh-CN" altLang="en-US"/>
+          </a:p>
+          <a:p>
+            <a:endParaRPr lang="zh-CN" altLang="en-US"/>
+          </a:p>
+        </p:txBody>
+      </p:sp>
+    </p:spTree>
+    <p:extLst>
+      <p:ext uri="{BB962C8B-B14F-4D97-AF65-F5344CB8AC3E}">
+        <p14:creationId xmlns:p14="http://schemas.microsoft.com/office/powerpoint/2010/main" val="2755004176"/>
+      </p:ext>
+    </p:extLst>
+  </p:cSld>
+  <p:clrMapOvr>
+    <a:masterClrMapping/>
+  </p:clrMapOvr>
+</p:sld>
+</file>
+
+<file path=ppt/slides/slide45.xml><?xml version="1.0" encoding="utf-8"?>
+<p:sld xmlns:a="http://schemas.openxmlformats.org/drawingml/2006/main" xmlns:r="http://schemas.openxmlformats.org/officeDocument/2006/relationships" xmlns:p="http://schemas.openxmlformats.org/presentationml/2006/main">
+  <p:cSld>
+    <p:spTree>
+      <p:nvGrpSpPr>
+        <p:cNvPr id="1" name=""/>
+        <p:cNvGrpSpPr/>
+        <p:nvPr/>
+      </p:nvGrpSpPr>
+      <p:grpSpPr>
+        <a:xfrm>
+          <a:off x="0" y="0"/>
+          <a:ext cx="0" cy="0"/>
+          <a:chOff x="0" y="0"/>
+          <a:chExt cx="0" cy="0"/>
+        </a:xfrm>
+      </p:grpSpPr>
+      <p:sp>
+        <p:nvSpPr>
+          <p:cNvPr id="5" name="文本框 4"/>
+          <p:cNvSpPr txBox="1"/>
+          <p:nvPr/>
+        </p:nvSpPr>
+        <p:spPr>
+          <a:xfrm>
+            <a:off x="793101" y="615820"/>
+            <a:ext cx="10412963" cy="923330"/>
+          </a:xfrm>
+          <a:prstGeom prst="rect">
+            <a:avLst/>
+          </a:prstGeom>
+          <a:noFill/>
+        </p:spPr>
+        <p:txBody>
+          <a:bodyPr wrap="square" rtlCol="0">
+            <a:spAutoFit/>
+          </a:bodyPr>
+          <a:lstStyle/>
+          <a:p>
+            <a:r>
+              <a:rPr lang="en-US" altLang="zh-CN" smtClean="0"/>
+              <a:t>TaskScheduler</a:t>
+            </a:r>
+            <a:r>
+              <a:rPr lang="zh-CN" altLang="en-US" smtClean="0"/>
+              <a:t>是</a:t>
+            </a:r>
+            <a:r>
+              <a:rPr lang="en-US" altLang="zh-CN" smtClean="0"/>
+              <a:t>SchedulerBackend</a:t>
+            </a:r>
+            <a:r>
+              <a:rPr lang="zh-CN" altLang="en-US" smtClean="0"/>
+              <a:t>的调度器</a:t>
+            </a:r>
+            <a:r>
+              <a:rPr lang="en-US" altLang="zh-CN" smtClean="0"/>
+              <a:t>(CoarseGrainedSchedulerBackend</a:t>
+            </a:r>
+            <a:r>
+              <a:rPr lang="zh-CN" altLang="en-US" smtClean="0"/>
+              <a:t>是</a:t>
+            </a:r>
+            <a:r>
+              <a:rPr lang="en-US" altLang="zh-CN" smtClean="0"/>
+              <a:t>SchedulerBackend</a:t>
+            </a:r>
+            <a:r>
+              <a:rPr lang="zh-CN" altLang="en-US" smtClean="0"/>
+              <a:t>的一种实现</a:t>
+            </a:r>
+            <a:r>
+              <a:rPr lang="en-US" altLang="zh-CN" smtClean="0"/>
+              <a:t>)</a:t>
+            </a:r>
+            <a:endParaRPr lang="zh-CN" altLang="en-US"/>
+          </a:p>
+          <a:p>
+            <a:endParaRPr lang="zh-CN" altLang="en-US"/>
+          </a:p>
+        </p:txBody>
+      </p:sp>
+    </p:spTree>
+    <p:extLst>
+      <p:ext uri="{BB962C8B-B14F-4D97-AF65-F5344CB8AC3E}">
+        <p14:creationId xmlns:p14="http://schemas.microsoft.com/office/powerpoint/2010/main" val="4231735262"/>
       </p:ext>
     </p:extLst>
   </p:cSld>
@@ -19015,7 +22185,7 @@
           <a:graphicData uri="http://schemas.openxmlformats.org/presentationml/2006/ole">
             <mc:AlternateContent xmlns:mc="http://schemas.openxmlformats.org/markup-compatibility/2006">
               <mc:Choice xmlns:v="urn:schemas-microsoft-com:vml" Requires="v">
-                <p:oleObj spid="_x0000_s2453" name="包装程序外壳对象" showAsIcon="1" r:id="rId4" imgW="1325880" imgH="354600" progId="Package">
+                <p:oleObj spid="_x0000_s2684" name="包装程序外壳对象" showAsIcon="1" r:id="rId4" imgW="1325880" imgH="354600" progId="Package">
                   <p:embed/>
                 </p:oleObj>
               </mc:Choice>
